--- a/Diseno_final_arq.pptx
+++ b/Diseno_final_arq.pptx
@@ -4,6 +4,9 @@
   <p:sldMasterIdLst>
     <p:sldMasterId id="2147483648" r:id="rId1"/>
   </p:sldMasterIdLst>
+  <p:notesMasterIdLst>
+    <p:notesMasterId r:id="rId19"/>
+  </p:notesMasterIdLst>
   <p:sldIdLst>
     <p:sldId id="256" r:id="rId2"/>
     <p:sldId id="257" r:id="rId3"/>
@@ -120,7 +123,446 @@
       </a:defRPr>
     </a:lvl9pPr>
   </p:defaultTextStyle>
+  <p:extLst>
+    <p:ext uri="{EFAFB233-063F-42B5-8137-9DF3F51BA10A}">
+      <p15:sldGuideLst xmlns:p15="http://schemas.microsoft.com/office/powerpoint/2012/main"/>
+    </p:ext>
+  </p:extLst>
 </p:presentation>
+</file>
+
+<file path=ppt/notesMasters/notesMaster1.xml><?xml version="1.0" encoding="utf-8"?>
+<p:notesMaster xmlns:a="http://schemas.openxmlformats.org/drawingml/2006/main" xmlns:r="http://schemas.openxmlformats.org/officeDocument/2006/relationships" xmlns:p="http://schemas.openxmlformats.org/presentationml/2006/main">
+  <p:cSld>
+    <p:bg>
+      <p:bgRef idx="1001">
+        <a:schemeClr val="bg1"/>
+      </p:bgRef>
+    </p:bg>
+    <p:spTree>
+      <p:nvGrpSpPr>
+        <p:cNvPr id="1" name=""/>
+        <p:cNvGrpSpPr/>
+        <p:nvPr/>
+      </p:nvGrpSpPr>
+      <p:grpSpPr>
+        <a:xfrm>
+          <a:off x="0" y="0"/>
+          <a:ext cx="0" cy="0"/>
+          <a:chOff x="0" y="0"/>
+          <a:chExt cx="0" cy="0"/>
+        </a:xfrm>
+      </p:grpSpPr>
+      <p:sp>
+        <p:nvSpPr>
+          <p:cNvPr id="2" name="Header Placeholder 1"/>
+          <p:cNvSpPr>
+            <a:spLocks noGrp="1"/>
+          </p:cNvSpPr>
+          <p:nvPr>
+            <p:ph type="hdr" sz="quarter"/>
+          </p:nvPr>
+        </p:nvSpPr>
+        <p:spPr>
+          <a:xfrm>
+            <a:off x="0" y="0"/>
+            <a:ext cx="2971800" cy="458788"/>
+          </a:xfrm>
+          <a:prstGeom prst="rect">
+            <a:avLst/>
+          </a:prstGeom>
+        </p:spPr>
+        <p:txBody>
+          <a:bodyPr vert="horz" lIns="91440" tIns="45720" rIns="91440" bIns="45720" rtlCol="0"/>
+          <a:lstStyle>
+            <a:lvl1pPr algn="l">
+              <a:defRPr sz="1200"/>
+            </a:lvl1pPr>
+          </a:lstStyle>
+          <a:p>
+            <a:endParaRPr lang="en-US"/>
+          </a:p>
+        </p:txBody>
+      </p:sp>
+      <p:sp>
+        <p:nvSpPr>
+          <p:cNvPr id="3" name="Date Placeholder 2"/>
+          <p:cNvSpPr>
+            <a:spLocks noGrp="1"/>
+          </p:cNvSpPr>
+          <p:nvPr>
+            <p:ph type="dt" idx="1"/>
+          </p:nvPr>
+        </p:nvSpPr>
+        <p:spPr>
+          <a:xfrm>
+            <a:off x="3884613" y="0"/>
+            <a:ext cx="2971800" cy="458788"/>
+          </a:xfrm>
+          <a:prstGeom prst="rect">
+            <a:avLst/>
+          </a:prstGeom>
+        </p:spPr>
+        <p:txBody>
+          <a:bodyPr vert="horz" lIns="91440" tIns="45720" rIns="91440" bIns="45720" rtlCol="0"/>
+          <a:lstStyle>
+            <a:lvl1pPr algn="r">
+              <a:defRPr sz="1200"/>
+            </a:lvl1pPr>
+          </a:lstStyle>
+          <a:p>
+            <a:fld id="{ABCDD738-BB78-426C-A54A-7EFE3D750394}" type="datetimeFigureOut">
+              <a:rPr lang="en-US" smtClean="0"/>
+              <a:t>10/18/2017</a:t>
+            </a:fld>
+            <a:endParaRPr lang="en-US"/>
+          </a:p>
+        </p:txBody>
+      </p:sp>
+      <p:sp>
+        <p:nvSpPr>
+          <p:cNvPr id="4" name="Slide Image Placeholder 3"/>
+          <p:cNvSpPr>
+            <a:spLocks noGrp="1" noRot="1" noChangeAspect="1"/>
+          </p:cNvSpPr>
+          <p:nvPr>
+            <p:ph type="sldImg" idx="2"/>
+          </p:nvPr>
+        </p:nvSpPr>
+        <p:spPr>
+          <a:xfrm>
+            <a:off x="685800" y="1143000"/>
+            <a:ext cx="5486400" cy="3086100"/>
+          </a:xfrm>
+          <a:prstGeom prst="rect">
+            <a:avLst/>
+          </a:prstGeom>
+          <a:noFill/>
+          <a:ln w="12700">
+            <a:solidFill>
+              <a:prstClr val="black"/>
+            </a:solidFill>
+          </a:ln>
+        </p:spPr>
+        <p:txBody>
+          <a:bodyPr vert="horz" lIns="91440" tIns="45720" rIns="91440" bIns="45720" rtlCol="0" anchor="ctr"/>
+          <a:lstStyle/>
+          <a:p>
+            <a:endParaRPr lang="en-US"/>
+          </a:p>
+        </p:txBody>
+      </p:sp>
+      <p:sp>
+        <p:nvSpPr>
+          <p:cNvPr id="5" name="Notes Placeholder 4"/>
+          <p:cNvSpPr>
+            <a:spLocks noGrp="1"/>
+          </p:cNvSpPr>
+          <p:nvPr>
+            <p:ph type="body" sz="quarter" idx="3"/>
+          </p:nvPr>
+        </p:nvSpPr>
+        <p:spPr>
+          <a:xfrm>
+            <a:off x="685800" y="4400550"/>
+            <a:ext cx="5486400" cy="3600450"/>
+          </a:xfrm>
+          <a:prstGeom prst="rect">
+            <a:avLst/>
+          </a:prstGeom>
+        </p:spPr>
+        <p:txBody>
+          <a:bodyPr vert="horz" lIns="91440" tIns="45720" rIns="91440" bIns="45720" rtlCol="0"/>
+          <a:lstStyle/>
+          <a:p>
+            <a:pPr lvl="0"/>
+            <a:r>
+              <a:rPr lang="en-US" smtClean="0"/>
+              <a:t>Click to edit Master text styles</a:t>
+            </a:r>
+          </a:p>
+          <a:p>
+            <a:pPr lvl="1"/>
+            <a:r>
+              <a:rPr lang="en-US" smtClean="0"/>
+              <a:t>Second level</a:t>
+            </a:r>
+          </a:p>
+          <a:p>
+            <a:pPr lvl="2"/>
+            <a:r>
+              <a:rPr lang="en-US" smtClean="0"/>
+              <a:t>Third level</a:t>
+            </a:r>
+          </a:p>
+          <a:p>
+            <a:pPr lvl="3"/>
+            <a:r>
+              <a:rPr lang="en-US" smtClean="0"/>
+              <a:t>Fourth level</a:t>
+            </a:r>
+          </a:p>
+          <a:p>
+            <a:pPr lvl="4"/>
+            <a:r>
+              <a:rPr lang="en-US" smtClean="0"/>
+              <a:t>Fifth level</a:t>
+            </a:r>
+            <a:endParaRPr lang="en-US"/>
+          </a:p>
+        </p:txBody>
+      </p:sp>
+      <p:sp>
+        <p:nvSpPr>
+          <p:cNvPr id="6" name="Footer Placeholder 5"/>
+          <p:cNvSpPr>
+            <a:spLocks noGrp="1"/>
+          </p:cNvSpPr>
+          <p:nvPr>
+            <p:ph type="ftr" sz="quarter" idx="4"/>
+          </p:nvPr>
+        </p:nvSpPr>
+        <p:spPr>
+          <a:xfrm>
+            <a:off x="0" y="8685213"/>
+            <a:ext cx="2971800" cy="458787"/>
+          </a:xfrm>
+          <a:prstGeom prst="rect">
+            <a:avLst/>
+          </a:prstGeom>
+        </p:spPr>
+        <p:txBody>
+          <a:bodyPr vert="horz" lIns="91440" tIns="45720" rIns="91440" bIns="45720" rtlCol="0" anchor="b"/>
+          <a:lstStyle>
+            <a:lvl1pPr algn="l">
+              <a:defRPr sz="1200"/>
+            </a:lvl1pPr>
+          </a:lstStyle>
+          <a:p>
+            <a:endParaRPr lang="en-US"/>
+          </a:p>
+        </p:txBody>
+      </p:sp>
+      <p:sp>
+        <p:nvSpPr>
+          <p:cNvPr id="7" name="Slide Number Placeholder 6"/>
+          <p:cNvSpPr>
+            <a:spLocks noGrp="1"/>
+          </p:cNvSpPr>
+          <p:nvPr>
+            <p:ph type="sldNum" sz="quarter" idx="5"/>
+          </p:nvPr>
+        </p:nvSpPr>
+        <p:spPr>
+          <a:xfrm>
+            <a:off x="3884613" y="8685213"/>
+            <a:ext cx="2971800" cy="458787"/>
+          </a:xfrm>
+          <a:prstGeom prst="rect">
+            <a:avLst/>
+          </a:prstGeom>
+        </p:spPr>
+        <p:txBody>
+          <a:bodyPr vert="horz" lIns="91440" tIns="45720" rIns="91440" bIns="45720" rtlCol="0" anchor="b"/>
+          <a:lstStyle>
+            <a:lvl1pPr algn="r">
+              <a:defRPr sz="1200"/>
+            </a:lvl1pPr>
+          </a:lstStyle>
+          <a:p>
+            <a:fld id="{9DB63043-0A42-408D-8BF0-9023CF0FCA8E}" type="slidenum">
+              <a:rPr lang="en-US" smtClean="0"/>
+              <a:t>‹#›</a:t>
+            </a:fld>
+            <a:endParaRPr lang="en-US"/>
+          </a:p>
+        </p:txBody>
+      </p:sp>
+    </p:spTree>
+    <p:extLst>
+      <p:ext uri="{BB962C8B-B14F-4D97-AF65-F5344CB8AC3E}">
+        <p14:creationId xmlns:p14="http://schemas.microsoft.com/office/powerpoint/2010/main" val="2087310492"/>
+      </p:ext>
+    </p:extLst>
+  </p:cSld>
+  <p:clrMap bg1="lt1" tx1="dk1" bg2="lt2" tx2="dk2" accent1="accent1" accent2="accent2" accent3="accent3" accent4="accent4" accent5="accent5" accent6="accent6" hlink="hlink" folHlink="folHlink"/>
+  <p:notesStyle>
+    <a:lvl1pPr marL="0" algn="l" defTabSz="914400" rtl="0" eaLnBrk="1" latinLnBrk="0" hangingPunct="1">
+      <a:defRPr sz="1200" kern="1200">
+        <a:solidFill>
+          <a:schemeClr val="tx1"/>
+        </a:solidFill>
+        <a:latin typeface="+mn-lt"/>
+        <a:ea typeface="+mn-ea"/>
+        <a:cs typeface="+mn-cs"/>
+      </a:defRPr>
+    </a:lvl1pPr>
+    <a:lvl2pPr marL="457200" algn="l" defTabSz="914400" rtl="0" eaLnBrk="1" latinLnBrk="0" hangingPunct="1">
+      <a:defRPr sz="1200" kern="1200">
+        <a:solidFill>
+          <a:schemeClr val="tx1"/>
+        </a:solidFill>
+        <a:latin typeface="+mn-lt"/>
+        <a:ea typeface="+mn-ea"/>
+        <a:cs typeface="+mn-cs"/>
+      </a:defRPr>
+    </a:lvl2pPr>
+    <a:lvl3pPr marL="914400" algn="l" defTabSz="914400" rtl="0" eaLnBrk="1" latinLnBrk="0" hangingPunct="1">
+      <a:defRPr sz="1200" kern="1200">
+        <a:solidFill>
+          <a:schemeClr val="tx1"/>
+        </a:solidFill>
+        <a:latin typeface="+mn-lt"/>
+        <a:ea typeface="+mn-ea"/>
+        <a:cs typeface="+mn-cs"/>
+      </a:defRPr>
+    </a:lvl3pPr>
+    <a:lvl4pPr marL="1371600" algn="l" defTabSz="914400" rtl="0" eaLnBrk="1" latinLnBrk="0" hangingPunct="1">
+      <a:defRPr sz="1200" kern="1200">
+        <a:solidFill>
+          <a:schemeClr val="tx1"/>
+        </a:solidFill>
+        <a:latin typeface="+mn-lt"/>
+        <a:ea typeface="+mn-ea"/>
+        <a:cs typeface="+mn-cs"/>
+      </a:defRPr>
+    </a:lvl4pPr>
+    <a:lvl5pPr marL="1828800" algn="l" defTabSz="914400" rtl="0" eaLnBrk="1" latinLnBrk="0" hangingPunct="1">
+      <a:defRPr sz="1200" kern="1200">
+        <a:solidFill>
+          <a:schemeClr val="tx1"/>
+        </a:solidFill>
+        <a:latin typeface="+mn-lt"/>
+        <a:ea typeface="+mn-ea"/>
+        <a:cs typeface="+mn-cs"/>
+      </a:defRPr>
+    </a:lvl5pPr>
+    <a:lvl6pPr marL="2286000" algn="l" defTabSz="914400" rtl="0" eaLnBrk="1" latinLnBrk="0" hangingPunct="1">
+      <a:defRPr sz="1200" kern="1200">
+        <a:solidFill>
+          <a:schemeClr val="tx1"/>
+        </a:solidFill>
+        <a:latin typeface="+mn-lt"/>
+        <a:ea typeface="+mn-ea"/>
+        <a:cs typeface="+mn-cs"/>
+      </a:defRPr>
+    </a:lvl6pPr>
+    <a:lvl7pPr marL="2743200" algn="l" defTabSz="914400" rtl="0" eaLnBrk="1" latinLnBrk="0" hangingPunct="1">
+      <a:defRPr sz="1200" kern="1200">
+        <a:solidFill>
+          <a:schemeClr val="tx1"/>
+        </a:solidFill>
+        <a:latin typeface="+mn-lt"/>
+        <a:ea typeface="+mn-ea"/>
+        <a:cs typeface="+mn-cs"/>
+      </a:defRPr>
+    </a:lvl7pPr>
+    <a:lvl8pPr marL="3200400" algn="l" defTabSz="914400" rtl="0" eaLnBrk="1" latinLnBrk="0" hangingPunct="1">
+      <a:defRPr sz="1200" kern="1200">
+        <a:solidFill>
+          <a:schemeClr val="tx1"/>
+        </a:solidFill>
+        <a:latin typeface="+mn-lt"/>
+        <a:ea typeface="+mn-ea"/>
+        <a:cs typeface="+mn-cs"/>
+      </a:defRPr>
+    </a:lvl8pPr>
+    <a:lvl9pPr marL="3657600" algn="l" defTabSz="914400" rtl="0" eaLnBrk="1" latinLnBrk="0" hangingPunct="1">
+      <a:defRPr sz="1200" kern="1200">
+        <a:solidFill>
+          <a:schemeClr val="tx1"/>
+        </a:solidFill>
+        <a:latin typeface="+mn-lt"/>
+        <a:ea typeface="+mn-ea"/>
+        <a:cs typeface="+mn-cs"/>
+      </a:defRPr>
+    </a:lvl9pPr>
+  </p:notesStyle>
+</p:notesMaster>
+</file>
+
+<file path=ppt/notesSlides/notesSlide1.xml><?xml version="1.0" encoding="utf-8"?>
+<p:notes xmlns:a="http://schemas.openxmlformats.org/drawingml/2006/main" xmlns:r="http://schemas.openxmlformats.org/officeDocument/2006/relationships" xmlns:p="http://schemas.openxmlformats.org/presentationml/2006/main">
+  <p:cSld>
+    <p:spTree>
+      <p:nvGrpSpPr>
+        <p:cNvPr id="1" name=""/>
+        <p:cNvGrpSpPr/>
+        <p:nvPr/>
+      </p:nvGrpSpPr>
+      <p:grpSpPr>
+        <a:xfrm>
+          <a:off x="0" y="0"/>
+          <a:ext cx="0" cy="0"/>
+          <a:chOff x="0" y="0"/>
+          <a:chExt cx="0" cy="0"/>
+        </a:xfrm>
+      </p:grpSpPr>
+      <p:sp>
+        <p:nvSpPr>
+          <p:cNvPr id="2" name="Slide Image Placeholder 1"/>
+          <p:cNvSpPr>
+            <a:spLocks noGrp="1" noRot="1" noChangeAspect="1"/>
+          </p:cNvSpPr>
+          <p:nvPr>
+            <p:ph type="sldImg"/>
+          </p:nvPr>
+        </p:nvSpPr>
+        <p:spPr/>
+      </p:sp>
+      <p:sp>
+        <p:nvSpPr>
+          <p:cNvPr id="3" name="Notes Placeholder 2"/>
+          <p:cNvSpPr>
+            <a:spLocks noGrp="1"/>
+          </p:cNvSpPr>
+          <p:nvPr>
+            <p:ph type="body" idx="1"/>
+          </p:nvPr>
+        </p:nvSpPr>
+        <p:spPr/>
+        <p:txBody>
+          <a:bodyPr/>
+          <a:lstStyle/>
+          <a:p>
+            <a:endParaRPr lang="en-US"/>
+          </a:p>
+        </p:txBody>
+      </p:sp>
+      <p:sp>
+        <p:nvSpPr>
+          <p:cNvPr id="4" name="Slide Number Placeholder 3"/>
+          <p:cNvSpPr>
+            <a:spLocks noGrp="1"/>
+          </p:cNvSpPr>
+          <p:nvPr>
+            <p:ph type="sldNum" sz="quarter" idx="10"/>
+          </p:nvPr>
+        </p:nvSpPr>
+        <p:spPr/>
+        <p:txBody>
+          <a:bodyPr/>
+          <a:lstStyle/>
+          <a:p>
+            <a:fld id="{9DB63043-0A42-408D-8BF0-9023CF0FCA8E}" type="slidenum">
+              <a:rPr lang="en-US" smtClean="0"/>
+              <a:t>1</a:t>
+            </a:fld>
+            <a:endParaRPr lang="en-US"/>
+          </a:p>
+        </p:txBody>
+      </p:sp>
+    </p:spTree>
+    <p:extLst>
+      <p:ext uri="{BB962C8B-B14F-4D97-AF65-F5344CB8AC3E}">
+        <p14:creationId xmlns:p14="http://schemas.microsoft.com/office/powerpoint/2010/main" val="338207390"/>
+      </p:ext>
+    </p:extLst>
+  </p:cSld>
+  <p:clrMapOvr>
+    <a:masterClrMapping/>
+  </p:clrMapOvr>
+</p:notes>
 </file>
 
 <file path=ppt/slideLayouts/slideLayout1.xml><?xml version="1.0" encoding="utf-8"?>
@@ -254,7 +696,7 @@
           <a:p>
             <a:fld id="{F9B72CBB-1288-4842-AA06-310D4B843B5A}" type="datetimeFigureOut">
               <a:rPr lang="en-US" smtClean="0"/>
-              <a:t>2017-10-16</a:t>
+              <a:t>10/18/2017</a:t>
             </a:fld>
             <a:endParaRPr lang="en-US"/>
           </a:p>
@@ -424,7 +866,7 @@
           <a:p>
             <a:fld id="{F9B72CBB-1288-4842-AA06-310D4B843B5A}" type="datetimeFigureOut">
               <a:rPr lang="en-US" smtClean="0"/>
-              <a:t>2017-10-16</a:t>
+              <a:t>10/18/2017</a:t>
             </a:fld>
             <a:endParaRPr lang="en-US"/>
           </a:p>
@@ -604,7 +1046,7 @@
           <a:p>
             <a:fld id="{F9B72CBB-1288-4842-AA06-310D4B843B5A}" type="datetimeFigureOut">
               <a:rPr lang="en-US" smtClean="0"/>
-              <a:t>2017-10-16</a:t>
+              <a:t>10/18/2017</a:t>
             </a:fld>
             <a:endParaRPr lang="en-US"/>
           </a:p>
@@ -774,7 +1216,7 @@
           <a:p>
             <a:fld id="{F9B72CBB-1288-4842-AA06-310D4B843B5A}" type="datetimeFigureOut">
               <a:rPr lang="en-US" smtClean="0"/>
-              <a:t>2017-10-16</a:t>
+              <a:t>10/18/2017</a:t>
             </a:fld>
             <a:endParaRPr lang="en-US"/>
           </a:p>
@@ -1020,7 +1462,7 @@
           <a:p>
             <a:fld id="{F9B72CBB-1288-4842-AA06-310D4B843B5A}" type="datetimeFigureOut">
               <a:rPr lang="en-US" smtClean="0"/>
-              <a:t>2017-10-16</a:t>
+              <a:t>10/18/2017</a:t>
             </a:fld>
             <a:endParaRPr lang="en-US"/>
           </a:p>
@@ -1252,7 +1694,7 @@
           <a:p>
             <a:fld id="{F9B72CBB-1288-4842-AA06-310D4B843B5A}" type="datetimeFigureOut">
               <a:rPr lang="en-US" smtClean="0"/>
-              <a:t>2017-10-16</a:t>
+              <a:t>10/18/2017</a:t>
             </a:fld>
             <a:endParaRPr lang="en-US"/>
           </a:p>
@@ -1619,7 +2061,7 @@
           <a:p>
             <a:fld id="{F9B72CBB-1288-4842-AA06-310D4B843B5A}" type="datetimeFigureOut">
               <a:rPr lang="en-US" smtClean="0"/>
-              <a:t>2017-10-16</a:t>
+              <a:t>10/18/2017</a:t>
             </a:fld>
             <a:endParaRPr lang="en-US"/>
           </a:p>
@@ -1737,7 +2179,7 @@
           <a:p>
             <a:fld id="{F9B72CBB-1288-4842-AA06-310D4B843B5A}" type="datetimeFigureOut">
               <a:rPr lang="en-US" smtClean="0"/>
-              <a:t>2017-10-16</a:t>
+              <a:t>10/18/2017</a:t>
             </a:fld>
             <a:endParaRPr lang="en-US"/>
           </a:p>
@@ -1832,7 +2274,7 @@
           <a:p>
             <a:fld id="{F9B72CBB-1288-4842-AA06-310D4B843B5A}" type="datetimeFigureOut">
               <a:rPr lang="en-US" smtClean="0"/>
-              <a:t>2017-10-16</a:t>
+              <a:t>10/18/2017</a:t>
             </a:fld>
             <a:endParaRPr lang="en-US"/>
           </a:p>
@@ -2109,7 +2551,7 @@
           <a:p>
             <a:fld id="{F9B72CBB-1288-4842-AA06-310D4B843B5A}" type="datetimeFigureOut">
               <a:rPr lang="en-US" smtClean="0"/>
-              <a:t>2017-10-16</a:t>
+              <a:t>10/18/2017</a:t>
             </a:fld>
             <a:endParaRPr lang="en-US"/>
           </a:p>
@@ -2362,7 +2804,7 @@
           <a:p>
             <a:fld id="{F9B72CBB-1288-4842-AA06-310D4B843B5A}" type="datetimeFigureOut">
               <a:rPr lang="en-US" smtClean="0"/>
-              <a:t>2017-10-16</a:t>
+              <a:t>10/18/2017</a:t>
             </a:fld>
             <a:endParaRPr lang="en-US"/>
           </a:p>
@@ -2575,7 +3017,7 @@
           <a:p>
             <a:fld id="{F9B72CBB-1288-4842-AA06-310D4B843B5A}" type="datetimeFigureOut">
               <a:rPr lang="en-US" smtClean="0"/>
-              <a:t>2017-10-16</a:t>
+              <a:t>10/18/2017</a:t>
             </a:fld>
             <a:endParaRPr lang="en-US"/>
           </a:p>
@@ -3080,6 +3522,13 @@
   <p:clrMapOvr>
     <a:masterClrMapping/>
   </p:clrMapOvr>
+  <p:timing>
+    <p:tnLst>
+      <p:par>
+        <p:cTn id="1" dur="indefinite" restart="never" nodeType="tmRoot"/>
+      </p:par>
+    </p:tnLst>
+  </p:timing>
 </p:sld>
 </file>
 
@@ -4753,6 +5202,13 @@
   <p:clrMapOvr>
     <a:masterClrMapping/>
   </p:clrMapOvr>
+  <p:timing>
+    <p:tnLst>
+      <p:par>
+        <p:cTn id="1" dur="indefinite" restart="never" nodeType="tmRoot"/>
+      </p:par>
+    </p:tnLst>
+  </p:timing>
 </p:sld>
 </file>
 
@@ -5026,69 +5482,6 @@
               <a:t>Read Data from file</a:t>
             </a:r>
             <a:endParaRPr lang="en-US" sz="2400" dirty="0"/>
-          </a:p>
-        </p:txBody>
-      </p:sp>
-      <p:cxnSp>
-        <p:nvCxnSpPr>
-          <p:cNvPr id="32" name="Straight Arrow Connector 31"/>
-          <p:cNvCxnSpPr/>
-          <p:nvPr/>
-        </p:nvCxnSpPr>
-        <p:spPr>
-          <a:xfrm flipH="1">
-            <a:off x="7522945" y="5339399"/>
-            <a:ext cx="3250615" cy="5235"/>
-          </a:xfrm>
-          <a:prstGeom prst="straightConnector1">
-            <a:avLst/>
-          </a:prstGeom>
-          <a:ln w="57150">
-            <a:tailEnd type="triangle"/>
-          </a:ln>
-        </p:spPr>
-        <p:style>
-          <a:lnRef idx="1">
-            <a:schemeClr val="accent1"/>
-          </a:lnRef>
-          <a:fillRef idx="0">
-            <a:schemeClr val="accent1"/>
-          </a:fillRef>
-          <a:effectRef idx="0">
-            <a:schemeClr val="accent1"/>
-          </a:effectRef>
-          <a:fontRef idx="minor">
-            <a:schemeClr val="tx1"/>
-          </a:fontRef>
-        </p:style>
-      </p:cxnSp>
-      <p:sp>
-        <p:nvSpPr>
-          <p:cNvPr id="33" name="TextBox 32"/>
-          <p:cNvSpPr txBox="1"/>
-          <p:nvPr/>
-        </p:nvSpPr>
-        <p:spPr>
-          <a:xfrm>
-            <a:off x="8667190" y="4970067"/>
-            <a:ext cx="962123" cy="369332"/>
-          </a:xfrm>
-          <a:prstGeom prst="rect">
-            <a:avLst/>
-          </a:prstGeom>
-          <a:noFill/>
-        </p:spPr>
-        <p:txBody>
-          <a:bodyPr wrap="none" rtlCol="0">
-            <a:spAutoFit/>
-          </a:bodyPr>
-          <a:lstStyle/>
-          <a:p>
-            <a:r>
-              <a:rPr lang="en-US" dirty="0" smtClean="0"/>
-              <a:t>AHOLD?</a:t>
-            </a:r>
-            <a:endParaRPr lang="en-US" dirty="0"/>
           </a:p>
         </p:txBody>
       </p:sp>
@@ -5686,13 +6079,16 @@
             </a:pPr>
             <a:r>
               <a:rPr lang="en-US" sz="2800" dirty="0" smtClean="0"/>
-              <a:t>Peripheral memory read – No error, cache miss/</a:t>
+              <a:t>Peripheral memory read – No error, cache miss/ cache </a:t>
             </a:r>
             <a:r>
               <a:rPr lang="en-US" sz="2800" dirty="0" smtClean="0"/>
-              <a:t> cache hit but clean</a:t>
-            </a:r>
-            <a:endParaRPr lang="en-US" sz="2800" dirty="0" smtClean="0"/>
+              <a:t>hit </a:t>
+            </a:r>
+            <a:r>
+              <a:rPr lang="en-US" sz="2800" dirty="0" smtClean="0"/>
+              <a:t>clean</a:t>
+            </a:r>
           </a:p>
           <a:p>
             <a:pPr marL="285750" indent="-285750">
@@ -5701,7 +6097,25 @@
             </a:pPr>
             <a:r>
               <a:rPr lang="en-US" sz="2800" dirty="0" smtClean="0"/>
-              <a:t>Peripheral memory write – No error, cache miss/ cache hit but Peripheral memory read – No error, cache hit Modified with retry</a:t>
+              <a:t>Peripheral memory write – No error, cache miss/ cache hit </a:t>
+            </a:r>
+            <a:r>
+              <a:rPr lang="en-US" sz="2800" dirty="0" smtClean="0"/>
+              <a:t>clean</a:t>
+            </a:r>
+          </a:p>
+          <a:p>
+            <a:pPr marL="285750" indent="-285750">
+              <a:buFont typeface="Arial" panose="020B0604020202020204" pitchFamily="34" charset="0"/>
+              <a:buChar char="•"/>
+            </a:pPr>
+            <a:r>
+              <a:rPr lang="en-US" sz="2800" dirty="0" smtClean="0"/>
+              <a:t>Peripheral </a:t>
+            </a:r>
+            <a:r>
+              <a:rPr lang="en-US" sz="2800" dirty="0" smtClean="0"/>
+              <a:t>memory read – No error, cache hit Modified with retry</a:t>
             </a:r>
           </a:p>
           <a:p>
@@ -6837,7 +7251,6 @@
               <a:rPr lang="en-US" sz="2800" dirty="0" smtClean="0"/>
               <a:t>Write back.</a:t>
             </a:r>
-            <a:endParaRPr lang="en-US" sz="2800" dirty="0" smtClean="0"/>
           </a:p>
           <a:p>
             <a:pPr marL="285750" indent="-285750">
@@ -6848,7 +7261,6 @@
               <a:rPr lang="en-US" sz="2800" dirty="0" smtClean="0"/>
               <a:t>Test all control signals.</a:t>
             </a:r>
-            <a:endParaRPr lang="en-US" sz="2800" dirty="0" smtClean="0"/>
           </a:p>
         </p:txBody>
       </p:sp>
@@ -7124,4 +7536,265 @@
     </a:ext>
   </a:extLst>
 </a:theme>
+</file>
+
+<file path=ppt/theme/theme2.xml><?xml version="1.0" encoding="utf-8"?>
+<a:theme xmlns:a="http://schemas.openxmlformats.org/drawingml/2006/main" name="Office Theme">
+  <a:themeElements>
+    <a:clrScheme name="Office">
+      <a:dk1>
+        <a:sysClr val="windowText" lastClr="000000"/>
+      </a:dk1>
+      <a:lt1>
+        <a:sysClr val="window" lastClr="FFFFFF"/>
+      </a:lt1>
+      <a:dk2>
+        <a:srgbClr val="44546A"/>
+      </a:dk2>
+      <a:lt2>
+        <a:srgbClr val="E7E6E6"/>
+      </a:lt2>
+      <a:accent1>
+        <a:srgbClr val="5B9BD5"/>
+      </a:accent1>
+      <a:accent2>
+        <a:srgbClr val="ED7D31"/>
+      </a:accent2>
+      <a:accent3>
+        <a:srgbClr val="A5A5A5"/>
+      </a:accent3>
+      <a:accent4>
+        <a:srgbClr val="FFC000"/>
+      </a:accent4>
+      <a:accent5>
+        <a:srgbClr val="4472C4"/>
+      </a:accent5>
+      <a:accent6>
+        <a:srgbClr val="70AD47"/>
+      </a:accent6>
+      <a:hlink>
+        <a:srgbClr val="0563C1"/>
+      </a:hlink>
+      <a:folHlink>
+        <a:srgbClr val="954F72"/>
+      </a:folHlink>
+    </a:clrScheme>
+    <a:fontScheme name="Office">
+      <a:majorFont>
+        <a:latin typeface="Calibri Light" panose="020F0302020204030204"/>
+        <a:ea typeface=""/>
+        <a:cs typeface=""/>
+        <a:font script="Jpan" typeface="ＭＳ Ｐゴシック"/>
+        <a:font script="Hang" typeface="맑은 고딕"/>
+        <a:font script="Hans" typeface="宋体"/>
+        <a:font script="Hant" typeface="新細明體"/>
+        <a:font script="Arab" typeface="Times New Roman"/>
+        <a:font script="Hebr" typeface="Times New Roman"/>
+        <a:font script="Thai" typeface="Angsana New"/>
+        <a:font script="Ethi" typeface="Nyala"/>
+        <a:font script="Beng" typeface="Vrinda"/>
+        <a:font script="Gujr" typeface="Shruti"/>
+        <a:font script="Khmr" typeface="MoolBoran"/>
+        <a:font script="Knda" typeface="Tunga"/>
+        <a:font script="Guru" typeface="Raavi"/>
+        <a:font script="Cans" typeface="Euphemia"/>
+        <a:font script="Cher" typeface="Plantagenet Cherokee"/>
+        <a:font script="Yiii" typeface="Microsoft Yi Baiti"/>
+        <a:font script="Tibt" typeface="Microsoft Himalaya"/>
+        <a:font script="Thaa" typeface="MV Boli"/>
+        <a:font script="Deva" typeface="Mangal"/>
+        <a:font script="Telu" typeface="Gautami"/>
+        <a:font script="Taml" typeface="Latha"/>
+        <a:font script="Syrc" typeface="Estrangelo Edessa"/>
+        <a:font script="Orya" typeface="Kalinga"/>
+        <a:font script="Mlym" typeface="Kartika"/>
+        <a:font script="Laoo" typeface="DokChampa"/>
+        <a:font script="Sinh" typeface="Iskoola Pota"/>
+        <a:font script="Mong" typeface="Mongolian Baiti"/>
+        <a:font script="Viet" typeface="Times New Roman"/>
+        <a:font script="Uigh" typeface="Microsoft Uighur"/>
+        <a:font script="Geor" typeface="Sylfaen"/>
+      </a:majorFont>
+      <a:minorFont>
+        <a:latin typeface="Calibri" panose="020F0502020204030204"/>
+        <a:ea typeface=""/>
+        <a:cs typeface=""/>
+        <a:font script="Jpan" typeface="ＭＳ Ｐゴシック"/>
+        <a:font script="Hang" typeface="맑은 고딕"/>
+        <a:font script="Hans" typeface="宋体"/>
+        <a:font script="Hant" typeface="新細明體"/>
+        <a:font script="Arab" typeface="Arial"/>
+        <a:font script="Hebr" typeface="Arial"/>
+        <a:font script="Thai" typeface="Cordia New"/>
+        <a:font script="Ethi" typeface="Nyala"/>
+        <a:font script="Beng" typeface="Vrinda"/>
+        <a:font script="Gujr" typeface="Shruti"/>
+        <a:font script="Khmr" typeface="DaunPenh"/>
+        <a:font script="Knda" typeface="Tunga"/>
+        <a:font script="Guru" typeface="Raavi"/>
+        <a:font script="Cans" typeface="Euphemia"/>
+        <a:font script="Cher" typeface="Plantagenet Cherokee"/>
+        <a:font script="Yiii" typeface="Microsoft Yi Baiti"/>
+        <a:font script="Tibt" typeface="Microsoft Himalaya"/>
+        <a:font script="Thaa" typeface="MV Boli"/>
+        <a:font script="Deva" typeface="Mangal"/>
+        <a:font script="Telu" typeface="Gautami"/>
+        <a:font script="Taml" typeface="Latha"/>
+        <a:font script="Syrc" typeface="Estrangelo Edessa"/>
+        <a:font script="Orya" typeface="Kalinga"/>
+        <a:font script="Mlym" typeface="Kartika"/>
+        <a:font script="Laoo" typeface="DokChampa"/>
+        <a:font script="Sinh" typeface="Iskoola Pota"/>
+        <a:font script="Mong" typeface="Mongolian Baiti"/>
+        <a:font script="Viet" typeface="Arial"/>
+        <a:font script="Uigh" typeface="Microsoft Uighur"/>
+        <a:font script="Geor" typeface="Sylfaen"/>
+      </a:minorFont>
+    </a:fontScheme>
+    <a:fmtScheme name="Office">
+      <a:fillStyleLst>
+        <a:solidFill>
+          <a:schemeClr val="phClr"/>
+        </a:solidFill>
+        <a:gradFill rotWithShape="1">
+          <a:gsLst>
+            <a:gs pos="0">
+              <a:schemeClr val="phClr">
+                <a:lumMod val="110000"/>
+                <a:satMod val="105000"/>
+                <a:tint val="67000"/>
+              </a:schemeClr>
+            </a:gs>
+            <a:gs pos="50000">
+              <a:schemeClr val="phClr">
+                <a:lumMod val="105000"/>
+                <a:satMod val="103000"/>
+                <a:tint val="73000"/>
+              </a:schemeClr>
+            </a:gs>
+            <a:gs pos="100000">
+              <a:schemeClr val="phClr">
+                <a:lumMod val="105000"/>
+                <a:satMod val="109000"/>
+                <a:tint val="81000"/>
+              </a:schemeClr>
+            </a:gs>
+          </a:gsLst>
+          <a:lin ang="5400000" scaled="0"/>
+        </a:gradFill>
+        <a:gradFill rotWithShape="1">
+          <a:gsLst>
+            <a:gs pos="0">
+              <a:schemeClr val="phClr">
+                <a:satMod val="103000"/>
+                <a:lumMod val="102000"/>
+                <a:tint val="94000"/>
+              </a:schemeClr>
+            </a:gs>
+            <a:gs pos="50000">
+              <a:schemeClr val="phClr">
+                <a:satMod val="110000"/>
+                <a:lumMod val="100000"/>
+                <a:shade val="100000"/>
+              </a:schemeClr>
+            </a:gs>
+            <a:gs pos="100000">
+              <a:schemeClr val="phClr">
+                <a:lumMod val="99000"/>
+                <a:satMod val="120000"/>
+                <a:shade val="78000"/>
+              </a:schemeClr>
+            </a:gs>
+          </a:gsLst>
+          <a:lin ang="5400000" scaled="0"/>
+        </a:gradFill>
+      </a:fillStyleLst>
+      <a:lnStyleLst>
+        <a:ln w="6350" cap="flat" cmpd="sng" algn="ctr">
+          <a:solidFill>
+            <a:schemeClr val="phClr"/>
+          </a:solidFill>
+          <a:prstDash val="solid"/>
+          <a:miter lim="800000"/>
+        </a:ln>
+        <a:ln w="12700" cap="flat" cmpd="sng" algn="ctr">
+          <a:solidFill>
+            <a:schemeClr val="phClr"/>
+          </a:solidFill>
+          <a:prstDash val="solid"/>
+          <a:miter lim="800000"/>
+        </a:ln>
+        <a:ln w="19050" cap="flat" cmpd="sng" algn="ctr">
+          <a:solidFill>
+            <a:schemeClr val="phClr"/>
+          </a:solidFill>
+          <a:prstDash val="solid"/>
+          <a:miter lim="800000"/>
+        </a:ln>
+      </a:lnStyleLst>
+      <a:effectStyleLst>
+        <a:effectStyle>
+          <a:effectLst/>
+        </a:effectStyle>
+        <a:effectStyle>
+          <a:effectLst/>
+        </a:effectStyle>
+        <a:effectStyle>
+          <a:effectLst>
+            <a:outerShdw blurRad="57150" dist="19050" dir="5400000" algn="ctr" rotWithShape="0">
+              <a:srgbClr val="000000">
+                <a:alpha val="63000"/>
+              </a:srgbClr>
+            </a:outerShdw>
+          </a:effectLst>
+        </a:effectStyle>
+      </a:effectStyleLst>
+      <a:bgFillStyleLst>
+        <a:solidFill>
+          <a:schemeClr val="phClr"/>
+        </a:solidFill>
+        <a:solidFill>
+          <a:schemeClr val="phClr">
+            <a:tint val="95000"/>
+            <a:satMod val="170000"/>
+          </a:schemeClr>
+        </a:solidFill>
+        <a:gradFill rotWithShape="1">
+          <a:gsLst>
+            <a:gs pos="0">
+              <a:schemeClr val="phClr">
+                <a:tint val="93000"/>
+                <a:satMod val="150000"/>
+                <a:shade val="98000"/>
+                <a:lumMod val="102000"/>
+              </a:schemeClr>
+            </a:gs>
+            <a:gs pos="50000">
+              <a:schemeClr val="phClr">
+                <a:tint val="98000"/>
+                <a:satMod val="130000"/>
+                <a:shade val="90000"/>
+                <a:lumMod val="103000"/>
+              </a:schemeClr>
+            </a:gs>
+            <a:gs pos="100000">
+              <a:schemeClr val="phClr">
+                <a:shade val="63000"/>
+                <a:satMod val="120000"/>
+              </a:schemeClr>
+            </a:gs>
+          </a:gsLst>
+          <a:lin ang="5400000" scaled="0"/>
+        </a:gradFill>
+      </a:bgFillStyleLst>
+    </a:fmtScheme>
+  </a:themeElements>
+  <a:objectDefaults/>
+  <a:extraClrSchemeLst/>
+  <a:extLst>
+    <a:ext uri="{05A4C25C-085E-4340-85A3-A5531E510DB2}">
+      <thm15:themeFamily xmlns:thm15="http://schemas.microsoft.com/office/thememl/2012/main" name="Office Theme" id="{62F939B6-93AF-4DB8-9C6B-D6C7DFDC589F}" vid="{4A3C46E8-61CC-4603-A589-7422A47A8E4A}"/>
+    </a:ext>
+  </a:extLst>
+</a:theme>
 </file>
--- a/Diseno_final_arq.pptx
+++ b/Diseno_final_arq.pptx
@@ -5,26 +5,29 @@
     <p:sldMasterId id="2147483648" r:id="rId1"/>
   </p:sldMasterIdLst>
   <p:notesMasterIdLst>
-    <p:notesMasterId r:id="rId19"/>
+    <p:notesMasterId r:id="rId22"/>
   </p:notesMasterIdLst>
   <p:sldIdLst>
     <p:sldId id="256" r:id="rId2"/>
     <p:sldId id="257" r:id="rId3"/>
     <p:sldId id="260" r:id="rId4"/>
-    <p:sldId id="258" r:id="rId5"/>
-    <p:sldId id="259" r:id="rId6"/>
-    <p:sldId id="261" r:id="rId7"/>
-    <p:sldId id="262" r:id="rId8"/>
-    <p:sldId id="264" r:id="rId9"/>
-    <p:sldId id="266" r:id="rId10"/>
-    <p:sldId id="263" r:id="rId11"/>
-    <p:sldId id="267" r:id="rId12"/>
-    <p:sldId id="268" r:id="rId13"/>
-    <p:sldId id="269" r:id="rId14"/>
-    <p:sldId id="270" r:id="rId15"/>
-    <p:sldId id="271" r:id="rId16"/>
-    <p:sldId id="272" r:id="rId17"/>
-    <p:sldId id="273" r:id="rId18"/>
+    <p:sldId id="276" r:id="rId5"/>
+    <p:sldId id="275" r:id="rId6"/>
+    <p:sldId id="259" r:id="rId7"/>
+    <p:sldId id="261" r:id="rId8"/>
+    <p:sldId id="262" r:id="rId9"/>
+    <p:sldId id="264" r:id="rId10"/>
+    <p:sldId id="266" r:id="rId11"/>
+    <p:sldId id="263" r:id="rId12"/>
+    <p:sldId id="267" r:id="rId13"/>
+    <p:sldId id="268" r:id="rId14"/>
+    <p:sldId id="269" r:id="rId15"/>
+    <p:sldId id="270" r:id="rId16"/>
+    <p:sldId id="271" r:id="rId17"/>
+    <p:sldId id="272" r:id="rId18"/>
+    <p:sldId id="273" r:id="rId19"/>
+    <p:sldId id="274" r:id="rId20"/>
+    <p:sldId id="258" r:id="rId21"/>
   </p:sldIdLst>
   <p:sldSz cx="12192000" cy="6858000"/>
   <p:notesSz cx="6858000" cy="9144000"/>
@@ -213,7 +216,7 @@
           <a:p>
             <a:fld id="{ABCDD738-BB78-426C-A54A-7EFE3D750394}" type="datetimeFigureOut">
               <a:rPr lang="en-US" smtClean="0"/>
-              <a:t>10/18/2017</a:t>
+              <a:t>2017-11-26</a:t>
             </a:fld>
             <a:endParaRPr lang="en-US"/>
           </a:p>
@@ -696,7 +699,7 @@
           <a:p>
             <a:fld id="{F9B72CBB-1288-4842-AA06-310D4B843B5A}" type="datetimeFigureOut">
               <a:rPr lang="en-US" smtClean="0"/>
-              <a:t>10/18/2017</a:t>
+              <a:t>2017-11-26</a:t>
             </a:fld>
             <a:endParaRPr lang="en-US"/>
           </a:p>
@@ -866,7 +869,7 @@
           <a:p>
             <a:fld id="{F9B72CBB-1288-4842-AA06-310D4B843B5A}" type="datetimeFigureOut">
               <a:rPr lang="en-US" smtClean="0"/>
-              <a:t>10/18/2017</a:t>
+              <a:t>2017-11-26</a:t>
             </a:fld>
             <a:endParaRPr lang="en-US"/>
           </a:p>
@@ -1046,7 +1049,7 @@
           <a:p>
             <a:fld id="{F9B72CBB-1288-4842-AA06-310D4B843B5A}" type="datetimeFigureOut">
               <a:rPr lang="en-US" smtClean="0"/>
-              <a:t>10/18/2017</a:t>
+              <a:t>2017-11-26</a:t>
             </a:fld>
             <a:endParaRPr lang="en-US"/>
           </a:p>
@@ -1216,7 +1219,7 @@
           <a:p>
             <a:fld id="{F9B72CBB-1288-4842-AA06-310D4B843B5A}" type="datetimeFigureOut">
               <a:rPr lang="en-US" smtClean="0"/>
-              <a:t>10/18/2017</a:t>
+              <a:t>2017-11-26</a:t>
             </a:fld>
             <a:endParaRPr lang="en-US"/>
           </a:p>
@@ -1462,7 +1465,7 @@
           <a:p>
             <a:fld id="{F9B72CBB-1288-4842-AA06-310D4B843B5A}" type="datetimeFigureOut">
               <a:rPr lang="en-US" smtClean="0"/>
-              <a:t>10/18/2017</a:t>
+              <a:t>2017-11-26</a:t>
             </a:fld>
             <a:endParaRPr lang="en-US"/>
           </a:p>
@@ -1694,7 +1697,7 @@
           <a:p>
             <a:fld id="{F9B72CBB-1288-4842-AA06-310D4B843B5A}" type="datetimeFigureOut">
               <a:rPr lang="en-US" smtClean="0"/>
-              <a:t>10/18/2017</a:t>
+              <a:t>2017-11-26</a:t>
             </a:fld>
             <a:endParaRPr lang="en-US"/>
           </a:p>
@@ -2061,7 +2064,7 @@
           <a:p>
             <a:fld id="{F9B72CBB-1288-4842-AA06-310D4B843B5A}" type="datetimeFigureOut">
               <a:rPr lang="en-US" smtClean="0"/>
-              <a:t>10/18/2017</a:t>
+              <a:t>2017-11-26</a:t>
             </a:fld>
             <a:endParaRPr lang="en-US"/>
           </a:p>
@@ -2179,7 +2182,7 @@
           <a:p>
             <a:fld id="{F9B72CBB-1288-4842-AA06-310D4B843B5A}" type="datetimeFigureOut">
               <a:rPr lang="en-US" smtClean="0"/>
-              <a:t>10/18/2017</a:t>
+              <a:t>2017-11-26</a:t>
             </a:fld>
             <a:endParaRPr lang="en-US"/>
           </a:p>
@@ -2274,7 +2277,7 @@
           <a:p>
             <a:fld id="{F9B72CBB-1288-4842-AA06-310D4B843B5A}" type="datetimeFigureOut">
               <a:rPr lang="en-US" smtClean="0"/>
-              <a:t>10/18/2017</a:t>
+              <a:t>2017-11-26</a:t>
             </a:fld>
             <a:endParaRPr lang="en-US"/>
           </a:p>
@@ -2551,7 +2554,7 @@
           <a:p>
             <a:fld id="{F9B72CBB-1288-4842-AA06-310D4B843B5A}" type="datetimeFigureOut">
               <a:rPr lang="en-US" smtClean="0"/>
-              <a:t>10/18/2017</a:t>
+              <a:t>2017-11-26</a:t>
             </a:fld>
             <a:endParaRPr lang="en-US"/>
           </a:p>
@@ -2804,7 +2807,7 @@
           <a:p>
             <a:fld id="{F9B72CBB-1288-4842-AA06-310D4B843B5A}" type="datetimeFigureOut">
               <a:rPr lang="en-US" smtClean="0"/>
-              <a:t>10/18/2017</a:t>
+              <a:t>2017-11-26</a:t>
             </a:fld>
             <a:endParaRPr lang="en-US"/>
           </a:p>
@@ -3017,7 +3020,7 @@
           <a:p>
             <a:fld id="{F9B72CBB-1288-4842-AA06-310D4B843B5A}" type="datetimeFigureOut">
               <a:rPr lang="en-US" smtClean="0"/>
-              <a:t>10/18/2017</a:t>
+              <a:t>2017-11-26</a:t>
             </a:fld>
             <a:endParaRPr lang="en-US"/>
           </a:p>
@@ -3566,7 +3569,7 @@
           <a:p>
             <a:r>
               <a:rPr lang="en-US" dirty="0" smtClean="0"/>
-              <a:t>Memory controller– Verification cases Peripheral</a:t>
+              <a:t>Memory controller– Verification cases CPU</a:t>
             </a:r>
             <a:endParaRPr lang="en-US" dirty="0"/>
           </a:p>
@@ -3581,7 +3584,7 @@
         <p:spPr>
           <a:xfrm>
             <a:off x="1080654" y="1690688"/>
-            <a:ext cx="10061479" cy="4832092"/>
+            <a:ext cx="10061479" cy="2246769"/>
           </a:xfrm>
           <a:prstGeom prst="rect">
             <a:avLst/>
@@ -3600,7 +3603,7 @@
             </a:pPr>
             <a:r>
               <a:rPr lang="en-US" sz="2800" dirty="0" smtClean="0"/>
-              <a:t>Reject peripheral request, bus held by CPU or MC.</a:t>
+              <a:t>Cache Snoop – miss</a:t>
             </a:r>
           </a:p>
           <a:p>
@@ -3610,7 +3613,7 @@
             </a:pPr>
             <a:r>
               <a:rPr lang="en-US" sz="2800" dirty="0" smtClean="0"/>
-              <a:t>Handle Peripheral memory write – No error, cache miss/ cache clean hit</a:t>
+              <a:t>Cache Snoop – Hit Clean</a:t>
             </a:r>
           </a:p>
           <a:p>
@@ -3620,9 +3623,18 @@
             </a:pPr>
             <a:r>
               <a:rPr lang="en-US" sz="2800" dirty="0" smtClean="0"/>
-              <a:t>Handle Peripheral memory read– No error, cache miss/ cache clean hit</a:t>
-            </a:r>
-            <a:endParaRPr lang="en-US" sz="2800" b="1" dirty="0" smtClean="0"/>
+              <a:t>Cache Snoop – Hit Modified.</a:t>
+            </a:r>
+          </a:p>
+          <a:p>
+            <a:pPr marL="742950" lvl="1" indent="-285750">
+              <a:buFont typeface="Arial" panose="020B0604020202020204" pitchFamily="34" charset="0"/>
+              <a:buChar char="•"/>
+            </a:pPr>
+            <a:r>
+              <a:rPr lang="en-US" sz="2800" dirty="0" smtClean="0"/>
+              <a:t>Write back.</a:t>
+            </a:r>
           </a:p>
           <a:p>
             <a:pPr marL="285750" indent="-285750">
@@ -3631,46 +3643,15 @@
             </a:pPr>
             <a:r>
               <a:rPr lang="en-US" sz="2800" dirty="0" smtClean="0"/>
-              <a:t>Handle Peripheral memory read – No error, cache hit Modified with retry</a:t>
-            </a:r>
-          </a:p>
-          <a:p>
-            <a:pPr marL="285750" indent="-285750">
-              <a:buFont typeface="Arial" panose="020B0604020202020204" pitchFamily="34" charset="0"/>
-              <a:buChar char="•"/>
-            </a:pPr>
-            <a:r>
-              <a:rPr lang="en-US" sz="2800" dirty="0" smtClean="0"/>
-              <a:t>Handle Peripheral memory write – No error, cache hit Modified with retry</a:t>
-            </a:r>
-          </a:p>
-          <a:p>
-            <a:pPr marL="285750" indent="-285750">
-              <a:buFont typeface="Arial" panose="020B0604020202020204" pitchFamily="34" charset="0"/>
-              <a:buChar char="•"/>
-            </a:pPr>
-            <a:r>
-              <a:rPr lang="en-US" sz="2800" dirty="0" smtClean="0"/>
-              <a:t>Handle Peripheral memory read – Error</a:t>
-            </a:r>
-          </a:p>
-          <a:p>
-            <a:pPr marL="285750" indent="-285750">
-              <a:buFont typeface="Arial" panose="020B0604020202020204" pitchFamily="34" charset="0"/>
-              <a:buChar char="•"/>
-            </a:pPr>
-            <a:r>
-              <a:rPr lang="en-US" sz="2800" dirty="0" smtClean="0"/>
-              <a:t>Handle  Peripheral memory write – Error</a:t>
-            </a:r>
-            <a:endParaRPr lang="en-US" sz="2800" dirty="0"/>
+              <a:t>Test all control signals.</a:t>
+            </a:r>
           </a:p>
         </p:txBody>
       </p:sp>
     </p:spTree>
     <p:extLst>
       <p:ext uri="{BB962C8B-B14F-4D97-AF65-F5344CB8AC3E}">
-        <p14:creationId xmlns:p14="http://schemas.microsoft.com/office/powerpoint/2010/main" val="3538709769"/>
+        <p14:creationId xmlns:p14="http://schemas.microsoft.com/office/powerpoint/2010/main" val="975038441"/>
       </p:ext>
     </p:extLst>
   </p:cSld>
@@ -3714,93 +3695,12 @@
           <a:p>
             <a:r>
               <a:rPr lang="en-US" dirty="0" smtClean="0"/>
-              <a:t>Main Memory</a:t>
+              <a:t>Memory controller– Verification cases Peripheral</a:t>
             </a:r>
             <a:endParaRPr lang="en-US" dirty="0"/>
           </a:p>
         </p:txBody>
       </p:sp>
-      <p:sp>
-        <p:nvSpPr>
-          <p:cNvPr id="4" name="Rectangle 3"/>
-          <p:cNvSpPr/>
-          <p:nvPr/>
-        </p:nvSpPr>
-        <p:spPr>
-          <a:xfrm>
-            <a:off x="3672378" y="2923656"/>
-            <a:ext cx="3690851" cy="2859578"/>
-          </a:xfrm>
-          <a:prstGeom prst="rect">
-            <a:avLst/>
-          </a:prstGeom>
-          <a:solidFill>
-            <a:schemeClr val="tx2"/>
-          </a:solidFill>
-        </p:spPr>
-        <p:style>
-          <a:lnRef idx="2">
-            <a:schemeClr val="accent1">
-              <a:shade val="50000"/>
-            </a:schemeClr>
-          </a:lnRef>
-          <a:fillRef idx="1">
-            <a:schemeClr val="accent1"/>
-          </a:fillRef>
-          <a:effectRef idx="0">
-            <a:schemeClr val="accent1"/>
-          </a:effectRef>
-          <a:fontRef idx="minor">
-            <a:schemeClr val="lt1"/>
-          </a:fontRef>
-        </p:style>
-        <p:txBody>
-          <a:bodyPr rtlCol="0" anchor="ctr"/>
-          <a:lstStyle/>
-          <a:p>
-            <a:pPr algn="ctr"/>
-            <a:r>
-              <a:rPr lang="en-US" sz="4400" dirty="0" smtClean="0"/>
-              <a:t>Main Memory</a:t>
-            </a:r>
-            <a:endParaRPr lang="en-US" sz="4400" dirty="0"/>
-          </a:p>
-        </p:txBody>
-      </p:sp>
-      <p:cxnSp>
-        <p:nvCxnSpPr>
-          <p:cNvPr id="5" name="Straight Arrow Connector 4"/>
-          <p:cNvCxnSpPr/>
-          <p:nvPr/>
-        </p:nvCxnSpPr>
-        <p:spPr>
-          <a:xfrm flipV="1">
-            <a:off x="4553527" y="1690688"/>
-            <a:ext cx="0" cy="1128107"/>
-          </a:xfrm>
-          <a:prstGeom prst="straightConnector1">
-            <a:avLst/>
-          </a:prstGeom>
-          <a:ln w="57150">
-            <a:headEnd type="triangle"/>
-            <a:tailEnd type="triangle"/>
-          </a:ln>
-        </p:spPr>
-        <p:style>
-          <a:lnRef idx="1">
-            <a:schemeClr val="accent1"/>
-          </a:lnRef>
-          <a:fillRef idx="0">
-            <a:schemeClr val="accent1"/>
-          </a:fillRef>
-          <a:effectRef idx="0">
-            <a:schemeClr val="accent1"/>
-          </a:effectRef>
-          <a:fontRef idx="minor">
-            <a:schemeClr val="tx1"/>
-          </a:fontRef>
-        </p:style>
-      </p:cxnSp>
       <p:sp>
         <p:nvSpPr>
           <p:cNvPr id="6" name="TextBox 5"/>
@@ -3809,8 +3709,8 @@
         </p:nvSpPr>
         <p:spPr>
           <a:xfrm>
-            <a:off x="4909127" y="2030138"/>
-            <a:ext cx="5233940" cy="830997"/>
+            <a:off x="1080654" y="1690688"/>
+            <a:ext cx="10061479" cy="4832092"/>
           </a:xfrm>
           <a:prstGeom prst="rect">
             <a:avLst/>
@@ -3821,117 +3721,76 @@
           <a:bodyPr wrap="square" rtlCol="0">
             <a:spAutoFit/>
           </a:bodyPr>
-          <a:lstStyle>
-            <a:defPPr>
-              <a:defRPr lang="en-US"/>
-            </a:defPPr>
-            <a:lvl1pPr>
-              <a:defRPr sz="2400"/>
-            </a:lvl1pPr>
-          </a:lstStyle>
-          <a:p>
-            <a:r>
-              <a:rPr lang="en-US" dirty="0"/>
-              <a:t>Address/data Bus to </a:t>
-            </a:r>
-            <a:r>
-              <a:rPr lang="en-US" dirty="0" smtClean="0"/>
-              <a:t>Memory controller</a:t>
-            </a:r>
-          </a:p>
-          <a:p>
-            <a:endParaRPr lang="en-US" dirty="0"/>
-          </a:p>
-        </p:txBody>
-      </p:sp>
-      <p:sp>
-        <p:nvSpPr>
-          <p:cNvPr id="3" name="TextBox 2"/>
-          <p:cNvSpPr txBox="1"/>
-          <p:nvPr/>
-        </p:nvSpPr>
-        <p:spPr>
-          <a:xfrm>
-            <a:off x="1137293" y="4736865"/>
-            <a:ext cx="2060244" cy="523220"/>
-          </a:xfrm>
-          <a:prstGeom prst="rect">
-            <a:avLst/>
-          </a:prstGeom>
-          <a:noFill/>
-        </p:spPr>
-        <p:txBody>
-          <a:bodyPr wrap="none" rtlCol="0">
-            <a:spAutoFit/>
-          </a:bodyPr>
-          <a:lstStyle/>
-          <a:p>
+          <a:lstStyle/>
+          <a:p>
+            <a:pPr marL="285750" indent="-285750">
+              <a:buFont typeface="Arial" panose="020B0604020202020204" pitchFamily="34" charset="0"/>
+              <a:buChar char="•"/>
+            </a:pPr>
             <a:r>
               <a:rPr lang="en-US" sz="2800" dirty="0" smtClean="0"/>
-              <a:t>Write Enable</a:t>
-            </a:r>
-            <a:endParaRPr lang="en-US" sz="2800" dirty="0"/>
-          </a:p>
-        </p:txBody>
-      </p:sp>
-      <p:cxnSp>
-        <p:nvCxnSpPr>
-          <p:cNvPr id="15" name="Straight Arrow Connector 14"/>
-          <p:cNvCxnSpPr/>
-          <p:nvPr/>
-        </p:nvCxnSpPr>
-        <p:spPr>
-          <a:xfrm flipV="1">
-            <a:off x="640812" y="5279504"/>
-            <a:ext cx="2793076" cy="5109"/>
-          </a:xfrm>
-          <a:prstGeom prst="straightConnector1">
-            <a:avLst/>
-          </a:prstGeom>
-          <a:ln w="57150">
-            <a:tailEnd type="triangle"/>
-          </a:ln>
-        </p:spPr>
-        <p:style>
-          <a:lnRef idx="1">
-            <a:schemeClr val="accent1"/>
-          </a:lnRef>
-          <a:fillRef idx="0">
-            <a:schemeClr val="accent1"/>
-          </a:fillRef>
-          <a:effectRef idx="0">
-            <a:schemeClr val="accent1"/>
-          </a:effectRef>
-          <a:fontRef idx="minor">
-            <a:schemeClr val="tx1"/>
-          </a:fontRef>
-        </p:style>
-      </p:cxnSp>
-      <p:sp>
-        <p:nvSpPr>
-          <p:cNvPr id="7" name="TextBox 6"/>
-          <p:cNvSpPr txBox="1"/>
-          <p:nvPr/>
-        </p:nvSpPr>
-        <p:spPr>
-          <a:xfrm>
-            <a:off x="8568267" y="3843866"/>
-            <a:ext cx="2785533" cy="1384995"/>
-          </a:xfrm>
-          <a:prstGeom prst="rect">
-            <a:avLst/>
-          </a:prstGeom>
-          <a:noFill/>
-        </p:spPr>
-        <p:txBody>
-          <a:bodyPr wrap="square" rtlCol="0">
-            <a:spAutoFit/>
-          </a:bodyPr>
-          <a:lstStyle/>
-          <a:p>
+              <a:t>Reject peripheral request, bus held by CPU or MC.</a:t>
+            </a:r>
+          </a:p>
+          <a:p>
+            <a:pPr marL="285750" indent="-285750">
+              <a:buFont typeface="Arial" panose="020B0604020202020204" pitchFamily="34" charset="0"/>
+              <a:buChar char="•"/>
+            </a:pPr>
             <a:r>
               <a:rPr lang="en-US" sz="2800" dirty="0" smtClean="0"/>
-              <a:t>Implement single port RAM with WE and MESI bits</a:t>
+              <a:t>Handle Peripheral memory write – No error, cache miss/ cache clean hit</a:t>
+            </a:r>
+          </a:p>
+          <a:p>
+            <a:pPr marL="285750" indent="-285750">
+              <a:buFont typeface="Arial" panose="020B0604020202020204" pitchFamily="34" charset="0"/>
+              <a:buChar char="•"/>
+            </a:pPr>
+            <a:r>
+              <a:rPr lang="en-US" sz="2800" dirty="0" smtClean="0"/>
+              <a:t>Handle Peripheral memory read– No error, cache miss/ cache clean hit</a:t>
+            </a:r>
+            <a:endParaRPr lang="en-US" sz="2800" b="1" dirty="0" smtClean="0"/>
+          </a:p>
+          <a:p>
+            <a:pPr marL="285750" indent="-285750">
+              <a:buFont typeface="Arial" panose="020B0604020202020204" pitchFamily="34" charset="0"/>
+              <a:buChar char="•"/>
+            </a:pPr>
+            <a:r>
+              <a:rPr lang="en-US" sz="2800" dirty="0" smtClean="0"/>
+              <a:t>Handle Peripheral memory read – No error, cache hit Modified with retry</a:t>
+            </a:r>
+          </a:p>
+          <a:p>
+            <a:pPr marL="285750" indent="-285750">
+              <a:buFont typeface="Arial" panose="020B0604020202020204" pitchFamily="34" charset="0"/>
+              <a:buChar char="•"/>
+            </a:pPr>
+            <a:r>
+              <a:rPr lang="en-US" sz="2800" dirty="0" smtClean="0"/>
+              <a:t>Handle Peripheral memory write – No error, cache hit Modified with retry</a:t>
+            </a:r>
+          </a:p>
+          <a:p>
+            <a:pPr marL="285750" indent="-285750">
+              <a:buFont typeface="Arial" panose="020B0604020202020204" pitchFamily="34" charset="0"/>
+              <a:buChar char="•"/>
+            </a:pPr>
+            <a:r>
+              <a:rPr lang="en-US" sz="2800" dirty="0" smtClean="0"/>
+              <a:t>Handle Peripheral memory read – Error</a:t>
+            </a:r>
+          </a:p>
+          <a:p>
+            <a:pPr marL="285750" indent="-285750">
+              <a:buFont typeface="Arial" panose="020B0604020202020204" pitchFamily="34" charset="0"/>
+              <a:buChar char="•"/>
+            </a:pPr>
+            <a:r>
+              <a:rPr lang="en-US" sz="2800" dirty="0" smtClean="0"/>
+              <a:t>Handle  Peripheral memory write – Error</a:t>
             </a:r>
             <a:endParaRPr lang="en-US" sz="2800" dirty="0"/>
           </a:p>
@@ -3940,7 +3799,7 @@
     </p:spTree>
     <p:extLst>
       <p:ext uri="{BB962C8B-B14F-4D97-AF65-F5344CB8AC3E}">
-        <p14:creationId xmlns:p14="http://schemas.microsoft.com/office/powerpoint/2010/main" val="1797040629"/>
+        <p14:creationId xmlns:p14="http://schemas.microsoft.com/office/powerpoint/2010/main" val="3538709769"/>
       </p:ext>
     </p:extLst>
   </p:cSld>
@@ -3984,12 +3843,93 @@
           <a:p>
             <a:r>
               <a:rPr lang="en-US" dirty="0" smtClean="0"/>
-              <a:t>Main Memory Verification Cases</a:t>
+              <a:t>Main Memory</a:t>
             </a:r>
             <a:endParaRPr lang="en-US" dirty="0"/>
           </a:p>
         </p:txBody>
       </p:sp>
+      <p:sp>
+        <p:nvSpPr>
+          <p:cNvPr id="4" name="Rectangle 3"/>
+          <p:cNvSpPr/>
+          <p:nvPr/>
+        </p:nvSpPr>
+        <p:spPr>
+          <a:xfrm>
+            <a:off x="3672378" y="2923656"/>
+            <a:ext cx="3690851" cy="2859578"/>
+          </a:xfrm>
+          <a:prstGeom prst="rect">
+            <a:avLst/>
+          </a:prstGeom>
+          <a:solidFill>
+            <a:schemeClr val="tx2"/>
+          </a:solidFill>
+        </p:spPr>
+        <p:style>
+          <a:lnRef idx="2">
+            <a:schemeClr val="accent1">
+              <a:shade val="50000"/>
+            </a:schemeClr>
+          </a:lnRef>
+          <a:fillRef idx="1">
+            <a:schemeClr val="accent1"/>
+          </a:fillRef>
+          <a:effectRef idx="0">
+            <a:schemeClr val="accent1"/>
+          </a:effectRef>
+          <a:fontRef idx="minor">
+            <a:schemeClr val="lt1"/>
+          </a:fontRef>
+        </p:style>
+        <p:txBody>
+          <a:bodyPr rtlCol="0" anchor="ctr"/>
+          <a:lstStyle/>
+          <a:p>
+            <a:pPr algn="ctr"/>
+            <a:r>
+              <a:rPr lang="en-US" sz="4400" dirty="0" smtClean="0"/>
+              <a:t>Main Memory</a:t>
+            </a:r>
+            <a:endParaRPr lang="en-US" sz="4400" dirty="0"/>
+          </a:p>
+        </p:txBody>
+      </p:sp>
+      <p:cxnSp>
+        <p:nvCxnSpPr>
+          <p:cNvPr id="5" name="Straight Arrow Connector 4"/>
+          <p:cNvCxnSpPr/>
+          <p:nvPr/>
+        </p:nvCxnSpPr>
+        <p:spPr>
+          <a:xfrm flipV="1">
+            <a:off x="4553527" y="1690688"/>
+            <a:ext cx="0" cy="1128107"/>
+          </a:xfrm>
+          <a:prstGeom prst="straightConnector1">
+            <a:avLst/>
+          </a:prstGeom>
+          <a:ln w="57150">
+            <a:headEnd type="triangle"/>
+            <a:tailEnd type="triangle"/>
+          </a:ln>
+        </p:spPr>
+        <p:style>
+          <a:lnRef idx="1">
+            <a:schemeClr val="accent1"/>
+          </a:lnRef>
+          <a:fillRef idx="0">
+            <a:schemeClr val="accent1"/>
+          </a:fillRef>
+          <a:effectRef idx="0">
+            <a:schemeClr val="accent1"/>
+          </a:effectRef>
+          <a:fontRef idx="minor">
+            <a:schemeClr val="tx1"/>
+          </a:fontRef>
+        </p:style>
+      </p:cxnSp>
       <p:sp>
         <p:nvSpPr>
           <p:cNvPr id="6" name="TextBox 5"/>
@@ -3998,8 +3938,8 @@
         </p:nvSpPr>
         <p:spPr>
           <a:xfrm>
-            <a:off x="1080654" y="1690688"/>
-            <a:ext cx="10061479" cy="1384995"/>
+            <a:off x="4909127" y="2030138"/>
+            <a:ext cx="5233940" cy="830997"/>
           </a:xfrm>
           <a:prstGeom prst="rect">
             <a:avLst/>
@@ -4010,35 +3950,117 @@
           <a:bodyPr wrap="square" rtlCol="0">
             <a:spAutoFit/>
           </a:bodyPr>
-          <a:lstStyle/>
-          <a:p>
-            <a:pPr marL="285750" indent="-285750">
-              <a:buFont typeface="Arial" panose="020B0604020202020204" pitchFamily="34" charset="0"/>
-              <a:buChar char="•"/>
-            </a:pPr>
+          <a:lstStyle>
+            <a:defPPr>
+              <a:defRPr lang="en-US"/>
+            </a:defPPr>
+            <a:lvl1pPr>
+              <a:defRPr sz="2400"/>
+            </a:lvl1pPr>
+          </a:lstStyle>
+          <a:p>
+            <a:r>
+              <a:rPr lang="en-US" dirty="0"/>
+              <a:t>Address/data Bus to </a:t>
+            </a:r>
+            <a:r>
+              <a:rPr lang="en-US" dirty="0" smtClean="0"/>
+              <a:t>Memory controller</a:t>
+            </a:r>
+          </a:p>
+          <a:p>
+            <a:endParaRPr lang="en-US" dirty="0"/>
+          </a:p>
+        </p:txBody>
+      </p:sp>
+      <p:sp>
+        <p:nvSpPr>
+          <p:cNvPr id="3" name="TextBox 2"/>
+          <p:cNvSpPr txBox="1"/>
+          <p:nvPr/>
+        </p:nvSpPr>
+        <p:spPr>
+          <a:xfrm>
+            <a:off x="1137293" y="4736865"/>
+            <a:ext cx="2060244" cy="523220"/>
+          </a:xfrm>
+          <a:prstGeom prst="rect">
+            <a:avLst/>
+          </a:prstGeom>
+          <a:noFill/>
+        </p:spPr>
+        <p:txBody>
+          <a:bodyPr wrap="none" rtlCol="0">
+            <a:spAutoFit/>
+          </a:bodyPr>
+          <a:lstStyle/>
+          <a:p>
             <a:r>
               <a:rPr lang="en-US" sz="2800" dirty="0" smtClean="0"/>
-              <a:t>Read</a:t>
-            </a:r>
-          </a:p>
-          <a:p>
-            <a:pPr marL="285750" indent="-285750">
-              <a:buFont typeface="Arial" panose="020B0604020202020204" pitchFamily="34" charset="0"/>
-              <a:buChar char="•"/>
-            </a:pPr>
+              <a:t>Write Enable</a:t>
+            </a:r>
+            <a:endParaRPr lang="en-US" sz="2800" dirty="0"/>
+          </a:p>
+        </p:txBody>
+      </p:sp>
+      <p:cxnSp>
+        <p:nvCxnSpPr>
+          <p:cNvPr id="15" name="Straight Arrow Connector 14"/>
+          <p:cNvCxnSpPr/>
+          <p:nvPr/>
+        </p:nvCxnSpPr>
+        <p:spPr>
+          <a:xfrm flipV="1">
+            <a:off x="640812" y="5279504"/>
+            <a:ext cx="2793076" cy="5109"/>
+          </a:xfrm>
+          <a:prstGeom prst="straightConnector1">
+            <a:avLst/>
+          </a:prstGeom>
+          <a:ln w="57150">
+            <a:tailEnd type="triangle"/>
+          </a:ln>
+        </p:spPr>
+        <p:style>
+          <a:lnRef idx="1">
+            <a:schemeClr val="accent1"/>
+          </a:lnRef>
+          <a:fillRef idx="0">
+            <a:schemeClr val="accent1"/>
+          </a:fillRef>
+          <a:effectRef idx="0">
+            <a:schemeClr val="accent1"/>
+          </a:effectRef>
+          <a:fontRef idx="minor">
+            <a:schemeClr val="tx1"/>
+          </a:fontRef>
+        </p:style>
+      </p:cxnSp>
+      <p:sp>
+        <p:nvSpPr>
+          <p:cNvPr id="7" name="TextBox 6"/>
+          <p:cNvSpPr txBox="1"/>
+          <p:nvPr/>
+        </p:nvSpPr>
+        <p:spPr>
+          <a:xfrm>
+            <a:off x="8568267" y="3843866"/>
+            <a:ext cx="2785533" cy="1384995"/>
+          </a:xfrm>
+          <a:prstGeom prst="rect">
+            <a:avLst/>
+          </a:prstGeom>
+          <a:noFill/>
+        </p:spPr>
+        <p:txBody>
+          <a:bodyPr wrap="square" rtlCol="0">
+            <a:spAutoFit/>
+          </a:bodyPr>
+          <a:lstStyle/>
+          <a:p>
             <a:r>
               <a:rPr lang="en-US" sz="2800" dirty="0" smtClean="0"/>
-              <a:t>Write</a:t>
-            </a:r>
-          </a:p>
-          <a:p>
-            <a:pPr marL="285750" indent="-285750">
-              <a:buFont typeface="Arial" panose="020B0604020202020204" pitchFamily="34" charset="0"/>
-              <a:buChar char="•"/>
-            </a:pPr>
-            <a:r>
-              <a:rPr lang="en-US" sz="2800" dirty="0" smtClean="0"/>
-              <a:t>Modify MESI bits.</a:t>
+              <a:t>Implement single port RAM with WE and MESI bits</a:t>
             </a:r>
             <a:endParaRPr lang="en-US" sz="2800" dirty="0"/>
           </a:p>
@@ -4047,7 +4069,7 @@
     </p:spTree>
     <p:extLst>
       <p:ext uri="{BB962C8B-B14F-4D97-AF65-F5344CB8AC3E}">
-        <p14:creationId xmlns:p14="http://schemas.microsoft.com/office/powerpoint/2010/main" val="3569851853"/>
+        <p14:creationId xmlns:p14="http://schemas.microsoft.com/office/powerpoint/2010/main" val="1797040629"/>
       </p:ext>
     </p:extLst>
   </p:cSld>
@@ -4084,19 +4106,14 @@
             <p:ph type="title"/>
           </p:nvPr>
         </p:nvSpPr>
-        <p:spPr>
-          <a:xfrm>
-            <a:off x="253692" y="12709"/>
-            <a:ext cx="10515600" cy="1325563"/>
-          </a:xfrm>
-        </p:spPr>
+        <p:spPr/>
         <p:txBody>
           <a:bodyPr/>
           <a:lstStyle/>
           <a:p>
             <a:r>
               <a:rPr lang="en-US" dirty="0" smtClean="0"/>
-              <a:t>CPU</a:t>
+              <a:t>Main Memory Verification Cases</a:t>
             </a:r>
             <a:endParaRPr lang="en-US" dirty="0"/>
           </a:p>
@@ -4104,125 +4121,14 @@
       </p:sp>
       <p:sp>
         <p:nvSpPr>
-          <p:cNvPr id="4" name="Rectangle 3"/>
-          <p:cNvSpPr/>
-          <p:nvPr/>
-        </p:nvSpPr>
-        <p:spPr>
-          <a:xfrm>
-            <a:off x="5016081" y="2249464"/>
-            <a:ext cx="3690851" cy="2859578"/>
-          </a:xfrm>
-          <a:prstGeom prst="rect">
-            <a:avLst/>
-          </a:prstGeom>
-          <a:solidFill>
-            <a:srgbClr val="7030A0"/>
-          </a:solidFill>
-        </p:spPr>
-        <p:style>
-          <a:lnRef idx="2">
-            <a:schemeClr val="accent1">
-              <a:shade val="50000"/>
-            </a:schemeClr>
-          </a:lnRef>
-          <a:fillRef idx="1">
-            <a:schemeClr val="accent1"/>
-          </a:fillRef>
-          <a:effectRef idx="0">
-            <a:schemeClr val="accent1"/>
-          </a:effectRef>
-          <a:fontRef idx="minor">
-            <a:schemeClr val="lt1"/>
-          </a:fontRef>
-        </p:style>
-        <p:txBody>
-          <a:bodyPr rtlCol="0" anchor="ctr"/>
-          <a:lstStyle/>
-          <a:p>
-            <a:pPr algn="ctr"/>
-            <a:r>
-              <a:rPr lang="en-US" sz="4400" dirty="0" smtClean="0"/>
-              <a:t>CPU</a:t>
-            </a:r>
-            <a:endParaRPr lang="en-US" sz="4400" dirty="0"/>
-          </a:p>
-        </p:txBody>
-      </p:sp>
-      <p:cxnSp>
-        <p:nvCxnSpPr>
-          <p:cNvPr id="9" name="Straight Arrow Connector 8"/>
-          <p:cNvCxnSpPr/>
-          <p:nvPr/>
-        </p:nvCxnSpPr>
-        <p:spPr>
-          <a:xfrm>
-            <a:off x="1435080" y="3329980"/>
-            <a:ext cx="3208712" cy="0"/>
-          </a:xfrm>
-          <a:prstGeom prst="straightConnector1">
-            <a:avLst/>
-          </a:prstGeom>
-          <a:ln w="57150">
-            <a:headEnd type="triangle"/>
-            <a:tailEnd type="triangle"/>
-          </a:ln>
-        </p:spPr>
-        <p:style>
-          <a:lnRef idx="1">
-            <a:schemeClr val="accent1"/>
-          </a:lnRef>
-          <a:fillRef idx="0">
-            <a:schemeClr val="accent1"/>
-          </a:fillRef>
-          <a:effectRef idx="0">
-            <a:schemeClr val="accent1"/>
-          </a:effectRef>
-          <a:fontRef idx="minor">
-            <a:schemeClr val="tx1"/>
-          </a:fontRef>
-        </p:style>
-      </p:cxnSp>
-      <p:sp>
-        <p:nvSpPr>
-          <p:cNvPr id="14" name="TextBox 13"/>
+          <p:cNvPr id="6" name="TextBox 5"/>
           <p:cNvSpPr txBox="1"/>
           <p:nvPr/>
         </p:nvSpPr>
         <p:spPr>
           <a:xfrm>
-            <a:off x="1387651" y="2436136"/>
-            <a:ext cx="2284728" cy="369332"/>
-          </a:xfrm>
-          <a:prstGeom prst="rect">
-            <a:avLst/>
-          </a:prstGeom>
-          <a:noFill/>
-        </p:spPr>
-        <p:txBody>
-          <a:bodyPr wrap="none" rtlCol="0">
-            <a:spAutoFit/>
-          </a:bodyPr>
-          <a:lstStyle/>
-          <a:p>
-            <a:r>
-              <a:rPr lang="en-US" dirty="0" smtClean="0"/>
-              <a:t>To Memory controller:</a:t>
-            </a:r>
-            <a:endParaRPr lang="en-US" dirty="0"/>
-          </a:p>
-        </p:txBody>
-      </p:sp>
-      <p:sp>
-        <p:nvSpPr>
-          <p:cNvPr id="26" name="TextBox 25"/>
-          <p:cNvSpPr txBox="1"/>
-          <p:nvPr/>
-        </p:nvSpPr>
-        <p:spPr>
-          <a:xfrm>
-            <a:off x="2015227" y="2796179"/>
-            <a:ext cx="2373278" cy="461665"/>
+            <a:off x="1080654" y="1690688"/>
+            <a:ext cx="10061479" cy="1384995"/>
           </a:xfrm>
           <a:prstGeom prst="rect">
             <a:avLst/>
@@ -4233,96 +4139,44 @@
           <a:bodyPr wrap="square" rtlCol="0">
             <a:spAutoFit/>
           </a:bodyPr>
-          <a:lstStyle>
-            <a:defPPr>
-              <a:defRPr lang="en-US"/>
-            </a:defPPr>
-            <a:lvl1pPr>
-              <a:defRPr sz="2400"/>
-            </a:lvl1pPr>
-          </a:lstStyle>
-          <a:p>
-            <a:r>
-              <a:rPr lang="en-US" dirty="0"/>
-              <a:t>Address/data Bus</a:t>
-            </a:r>
-          </a:p>
-        </p:txBody>
-      </p:sp>
-      <p:cxnSp>
-        <p:nvCxnSpPr>
-          <p:cNvPr id="27" name="Straight Arrow Connector 26"/>
-          <p:cNvCxnSpPr/>
-          <p:nvPr/>
-        </p:nvCxnSpPr>
-        <p:spPr>
-          <a:xfrm>
-            <a:off x="1484957" y="4213055"/>
-            <a:ext cx="3208712" cy="0"/>
-          </a:xfrm>
-          <a:prstGeom prst="straightConnector1">
-            <a:avLst/>
-          </a:prstGeom>
-          <a:ln w="57150">
-            <a:headEnd type="triangle"/>
-            <a:tailEnd type="triangle"/>
-          </a:ln>
-        </p:spPr>
-        <p:style>
-          <a:lnRef idx="1">
-            <a:schemeClr val="accent1"/>
-          </a:lnRef>
-          <a:fillRef idx="0">
-            <a:schemeClr val="accent1"/>
-          </a:fillRef>
-          <a:effectRef idx="0">
-            <a:schemeClr val="accent1"/>
-          </a:effectRef>
-          <a:fontRef idx="minor">
-            <a:schemeClr val="tx1"/>
-          </a:fontRef>
-        </p:style>
-      </p:cxnSp>
-      <p:sp>
-        <p:nvSpPr>
-          <p:cNvPr id="28" name="TextBox 27"/>
-          <p:cNvSpPr txBox="1"/>
-          <p:nvPr/>
-        </p:nvSpPr>
-        <p:spPr>
-          <a:xfrm>
-            <a:off x="1839217" y="3679253"/>
-            <a:ext cx="2549288" cy="461665"/>
-          </a:xfrm>
-          <a:prstGeom prst="rect">
-            <a:avLst/>
-          </a:prstGeom>
-          <a:noFill/>
-        </p:spPr>
-        <p:txBody>
-          <a:bodyPr wrap="square" rtlCol="0">
-            <a:spAutoFit/>
-          </a:bodyPr>
-          <a:lstStyle>
-            <a:defPPr>
-              <a:defRPr lang="en-US"/>
-            </a:defPPr>
-            <a:lvl1pPr>
-              <a:defRPr sz="2400"/>
-            </a:lvl1pPr>
-          </a:lstStyle>
-          <a:p>
-            <a:r>
-              <a:rPr lang="en-US" dirty="0"/>
-              <a:t>Control Signals Bus</a:t>
-            </a:r>
+          <a:lstStyle/>
+          <a:p>
+            <a:pPr marL="285750" indent="-285750">
+              <a:buFont typeface="Arial" panose="020B0604020202020204" pitchFamily="34" charset="0"/>
+              <a:buChar char="•"/>
+            </a:pPr>
+            <a:r>
+              <a:rPr lang="en-US" sz="2800" dirty="0" smtClean="0"/>
+              <a:t>Read</a:t>
+            </a:r>
+          </a:p>
+          <a:p>
+            <a:pPr marL="285750" indent="-285750">
+              <a:buFont typeface="Arial" panose="020B0604020202020204" pitchFamily="34" charset="0"/>
+              <a:buChar char="•"/>
+            </a:pPr>
+            <a:r>
+              <a:rPr lang="en-US" sz="2800" dirty="0" smtClean="0"/>
+              <a:t>Write</a:t>
+            </a:r>
+          </a:p>
+          <a:p>
+            <a:pPr marL="285750" indent="-285750">
+              <a:buFont typeface="Arial" panose="020B0604020202020204" pitchFamily="34" charset="0"/>
+              <a:buChar char="•"/>
+            </a:pPr>
+            <a:r>
+              <a:rPr lang="en-US" sz="2800" dirty="0" smtClean="0"/>
+              <a:t>Modify MESI bits.</a:t>
+            </a:r>
+            <a:endParaRPr lang="en-US" sz="2800" dirty="0"/>
           </a:p>
         </p:txBody>
       </p:sp>
     </p:spTree>
     <p:extLst>
       <p:ext uri="{BB962C8B-B14F-4D97-AF65-F5344CB8AC3E}">
-        <p14:creationId xmlns:p14="http://schemas.microsoft.com/office/powerpoint/2010/main" val="3225322516"/>
+        <p14:creationId xmlns:p14="http://schemas.microsoft.com/office/powerpoint/2010/main" val="3569851853"/>
       </p:ext>
     </p:extLst>
   </p:cSld>
@@ -4359,7 +4213,12 @@
             <p:ph type="title"/>
           </p:nvPr>
         </p:nvSpPr>
-        <p:spPr/>
+        <p:spPr>
+          <a:xfrm>
+            <a:off x="253692" y="12709"/>
+            <a:ext cx="10515600" cy="1325563"/>
+          </a:xfrm>
+        </p:spPr>
         <p:txBody>
           <a:bodyPr/>
           <a:lstStyle/>
@@ -4372,40 +4231,127 @@
           </a:p>
         </p:txBody>
       </p:sp>
-      <p:pic>
-        <p:nvPicPr>
-          <p:cNvPr id="16" name="Picture 15"/>
-          <p:cNvPicPr>
-            <a:picLocks noChangeAspect="1"/>
-          </p:cNvPicPr>
-          <p:nvPr/>
-        </p:nvPicPr>
-        <p:blipFill>
-          <a:blip r:embed="rId2"/>
-          <a:stretch>
-            <a:fillRect/>
-          </a:stretch>
-        </p:blipFill>
-        <p:spPr>
-          <a:xfrm>
-            <a:off x="317971" y="2927500"/>
-            <a:ext cx="1040457" cy="1158546"/>
+      <p:sp>
+        <p:nvSpPr>
+          <p:cNvPr id="4" name="Rectangle 3"/>
+          <p:cNvSpPr/>
+          <p:nvPr/>
+        </p:nvSpPr>
+        <p:spPr>
+          <a:xfrm>
+            <a:off x="5016081" y="2249464"/>
+            <a:ext cx="3690851" cy="2859578"/>
           </a:xfrm>
           <a:prstGeom prst="rect">
             <a:avLst/>
           </a:prstGeom>
-        </p:spPr>
-      </p:pic>
-      <p:sp>
-        <p:nvSpPr>
-          <p:cNvPr id="17" name="TextBox 16"/>
+          <a:solidFill>
+            <a:srgbClr val="7030A0"/>
+          </a:solidFill>
+        </p:spPr>
+        <p:style>
+          <a:lnRef idx="2">
+            <a:schemeClr val="accent1">
+              <a:shade val="50000"/>
+            </a:schemeClr>
+          </a:lnRef>
+          <a:fillRef idx="1">
+            <a:schemeClr val="accent1"/>
+          </a:fillRef>
+          <a:effectRef idx="0">
+            <a:schemeClr val="accent1"/>
+          </a:effectRef>
+          <a:fontRef idx="minor">
+            <a:schemeClr val="lt1"/>
+          </a:fontRef>
+        </p:style>
+        <p:txBody>
+          <a:bodyPr rtlCol="0" anchor="ctr"/>
+          <a:lstStyle/>
+          <a:p>
+            <a:pPr algn="ctr"/>
+            <a:r>
+              <a:rPr lang="en-US" sz="4400" dirty="0" smtClean="0"/>
+              <a:t>CPU</a:t>
+            </a:r>
+            <a:endParaRPr lang="en-US" sz="4400" dirty="0"/>
+          </a:p>
+        </p:txBody>
+      </p:sp>
+      <p:cxnSp>
+        <p:nvCxnSpPr>
+          <p:cNvPr id="9" name="Straight Arrow Connector 8"/>
+          <p:cNvCxnSpPr/>
+          <p:nvPr/>
+        </p:nvCxnSpPr>
+        <p:spPr>
+          <a:xfrm>
+            <a:off x="1435080" y="3329980"/>
+            <a:ext cx="3208712" cy="0"/>
+          </a:xfrm>
+          <a:prstGeom prst="straightConnector1">
+            <a:avLst/>
+          </a:prstGeom>
+          <a:ln w="57150">
+            <a:headEnd type="triangle"/>
+            <a:tailEnd type="triangle"/>
+          </a:ln>
+        </p:spPr>
+        <p:style>
+          <a:lnRef idx="1">
+            <a:schemeClr val="accent1"/>
+          </a:lnRef>
+          <a:fillRef idx="0">
+            <a:schemeClr val="accent1"/>
+          </a:fillRef>
+          <a:effectRef idx="0">
+            <a:schemeClr val="accent1"/>
+          </a:effectRef>
+          <a:fontRef idx="minor">
+            <a:schemeClr val="tx1"/>
+          </a:fontRef>
+        </p:style>
+      </p:cxnSp>
+      <p:sp>
+        <p:nvSpPr>
+          <p:cNvPr id="14" name="TextBox 13"/>
           <p:cNvSpPr txBox="1"/>
           <p:nvPr/>
         </p:nvSpPr>
         <p:spPr>
           <a:xfrm>
-            <a:off x="1559249" y="2301354"/>
-            <a:ext cx="3919765" cy="2677656"/>
+            <a:off x="1387651" y="2436136"/>
+            <a:ext cx="2284728" cy="369332"/>
+          </a:xfrm>
+          <a:prstGeom prst="rect">
+            <a:avLst/>
+          </a:prstGeom>
+          <a:noFill/>
+        </p:spPr>
+        <p:txBody>
+          <a:bodyPr wrap="none" rtlCol="0">
+            <a:spAutoFit/>
+          </a:bodyPr>
+          <a:lstStyle/>
+          <a:p>
+            <a:r>
+              <a:rPr lang="en-US" dirty="0" smtClean="0"/>
+              <a:t>To Memory controller:</a:t>
+            </a:r>
+            <a:endParaRPr lang="en-US" dirty="0"/>
+          </a:p>
+        </p:txBody>
+      </p:sp>
+      <p:sp>
+        <p:nvSpPr>
+          <p:cNvPr id="26" name="TextBox 25"/>
+          <p:cNvSpPr txBox="1"/>
+          <p:nvPr/>
+        </p:nvSpPr>
+        <p:spPr>
+          <a:xfrm>
+            <a:off x="2015227" y="2796179"/>
+            <a:ext cx="2373278" cy="461665"/>
           </a:xfrm>
           <a:prstGeom prst="rect">
             <a:avLst/>
@@ -4416,111 +4362,66 @@
           <a:bodyPr wrap="square" rtlCol="0">
             <a:spAutoFit/>
           </a:bodyPr>
-          <a:lstStyle/>
-          <a:p>
-            <a:r>
-              <a:rPr lang="en-US" sz="2400" dirty="0" smtClean="0"/>
-              <a:t>CPU reads file from computer that contains instructions to:</a:t>
-            </a:r>
-          </a:p>
-          <a:p>
-            <a:pPr marL="285750" indent="-285750">
-              <a:buFont typeface="Arial" panose="020B0604020202020204" pitchFamily="34" charset="0"/>
-              <a:buChar char="•"/>
-            </a:pPr>
-            <a:r>
-              <a:rPr lang="en-US" sz="2400" dirty="0" smtClean="0"/>
-              <a:t> read/write - </a:t>
-            </a:r>
-            <a:r>
-              <a:rPr lang="en-US" sz="2400" b="1" dirty="0" smtClean="0"/>
-              <a:t>header</a:t>
-            </a:r>
-          </a:p>
-          <a:p>
-            <a:pPr marL="285750" indent="-285750">
-              <a:buFont typeface="Arial" panose="020B0604020202020204" pitchFamily="34" charset="0"/>
-              <a:buChar char="•"/>
-            </a:pPr>
-            <a:r>
-              <a:rPr lang="en-US" sz="2400" dirty="0" smtClean="0"/>
-              <a:t>addresses </a:t>
-            </a:r>
-          </a:p>
-          <a:p>
-            <a:pPr marL="285750" indent="-285750">
-              <a:buFont typeface="Arial" panose="020B0604020202020204" pitchFamily="34" charset="0"/>
-              <a:buChar char="•"/>
-            </a:pPr>
-            <a:r>
-              <a:rPr lang="en-US" sz="2400" dirty="0" smtClean="0"/>
-              <a:t>Data</a:t>
-            </a:r>
-          </a:p>
-          <a:p>
-            <a:pPr marL="285750" indent="-285750">
-              <a:buFont typeface="Arial" panose="020B0604020202020204" pitchFamily="34" charset="0"/>
-              <a:buChar char="•"/>
-            </a:pPr>
-            <a:r>
-              <a:rPr lang="en-US" sz="2400" dirty="0" smtClean="0"/>
-              <a:t>Error bits generated arbitrarily</a:t>
-            </a:r>
-            <a:endParaRPr lang="en-US" sz="2400" dirty="0"/>
-          </a:p>
-        </p:txBody>
-      </p:sp>
-      <p:pic>
-        <p:nvPicPr>
-          <p:cNvPr id="1026" name="Picture 2" descr="Related image"/>
-          <p:cNvPicPr>
-            <a:picLocks noChangeAspect="1" noChangeArrowheads="1"/>
-          </p:cNvPicPr>
-          <p:nvPr/>
-        </p:nvPicPr>
-        <p:blipFill>
-          <a:blip r:embed="rId3">
-            <a:extLst>
-              <a:ext uri="{28A0092B-C50C-407E-A947-70E740481C1C}">
-                <a14:useLocalDpi xmlns:a14="http://schemas.microsoft.com/office/drawing/2010/main" val="0"/>
-              </a:ext>
-            </a:extLst>
-          </a:blip>
-          <a:srcRect/>
-          <a:stretch>
-            <a:fillRect/>
-          </a:stretch>
-        </p:blipFill>
-        <p:spPr bwMode="auto">
-          <a:xfrm>
-            <a:off x="5453614" y="2230423"/>
-            <a:ext cx="3105150" cy="2552700"/>
-          </a:xfrm>
-          <a:prstGeom prst="rect">
-            <a:avLst/>
-          </a:prstGeom>
-          <a:noFill/>
-          <a:extLst>
-            <a:ext uri="{909E8E84-426E-40DD-AFC4-6F175D3DCCD1}">
-              <a14:hiddenFill xmlns:a14="http://schemas.microsoft.com/office/drawing/2010/main">
-                <a:solidFill>
-                  <a:srgbClr val="FFFFFF"/>
-                </a:solidFill>
-              </a14:hiddenFill>
-            </a:ext>
-          </a:extLst>
-        </p:spPr>
-      </p:pic>
-      <p:sp>
-        <p:nvSpPr>
-          <p:cNvPr id="19" name="TextBox 18"/>
+          <a:lstStyle>
+            <a:defPPr>
+              <a:defRPr lang="en-US"/>
+            </a:defPPr>
+            <a:lvl1pPr>
+              <a:defRPr sz="2400"/>
+            </a:lvl1pPr>
+          </a:lstStyle>
+          <a:p>
+            <a:r>
+              <a:rPr lang="en-US" dirty="0"/>
+              <a:t>Address/data Bus</a:t>
+            </a:r>
+          </a:p>
+        </p:txBody>
+      </p:sp>
+      <p:cxnSp>
+        <p:nvCxnSpPr>
+          <p:cNvPr id="27" name="Straight Arrow Connector 26"/>
+          <p:cNvCxnSpPr/>
+          <p:nvPr/>
+        </p:nvCxnSpPr>
+        <p:spPr>
+          <a:xfrm>
+            <a:off x="1484957" y="4213055"/>
+            <a:ext cx="3208712" cy="0"/>
+          </a:xfrm>
+          <a:prstGeom prst="straightConnector1">
+            <a:avLst/>
+          </a:prstGeom>
+          <a:ln w="57150">
+            <a:headEnd type="triangle"/>
+            <a:tailEnd type="triangle"/>
+          </a:ln>
+        </p:spPr>
+        <p:style>
+          <a:lnRef idx="1">
+            <a:schemeClr val="accent1"/>
+          </a:lnRef>
+          <a:fillRef idx="0">
+            <a:schemeClr val="accent1"/>
+          </a:fillRef>
+          <a:effectRef idx="0">
+            <a:schemeClr val="accent1"/>
+          </a:effectRef>
+          <a:fontRef idx="minor">
+            <a:schemeClr val="tx1"/>
+          </a:fontRef>
+        </p:style>
+      </p:cxnSp>
+      <p:sp>
+        <p:nvSpPr>
+          <p:cNvPr id="28" name="TextBox 27"/>
           <p:cNvSpPr txBox="1"/>
           <p:nvPr/>
         </p:nvSpPr>
         <p:spPr>
           <a:xfrm>
-            <a:off x="8501128" y="2301354"/>
-            <a:ext cx="3690872" cy="3046988"/>
+            <a:off x="1839217" y="3679253"/>
+            <a:ext cx="2549288" cy="461665"/>
           </a:xfrm>
           <a:prstGeom prst="rect">
             <a:avLst/>
@@ -4531,15 +4432,18 @@
           <a:bodyPr wrap="square" rtlCol="0">
             <a:spAutoFit/>
           </a:bodyPr>
-          <a:lstStyle/>
-          <a:p>
-            <a:pPr marL="342900" indent="-342900">
-              <a:buFont typeface="Arial" panose="020B0604020202020204" pitchFamily="34" charset="0"/>
-              <a:buChar char="•"/>
-            </a:pPr>
-            <a:r>
-              <a:rPr lang="en-US" sz="2400" dirty="0" smtClean="0"/>
-              <a:t>CPU state machine parses data from file simulating processing outputs and coordinates with Memory controller using control Bus signals to read/write from main memory.</a:t>
+          <a:lstStyle>
+            <a:defPPr>
+              <a:defRPr lang="en-US"/>
+            </a:defPPr>
+            <a:lvl1pPr>
+              <a:defRPr sz="2400"/>
+            </a:lvl1pPr>
+          </a:lstStyle>
+          <a:p>
+            <a:r>
+              <a:rPr lang="en-US" dirty="0"/>
+              <a:t>Control Signals Bus</a:t>
             </a:r>
           </a:p>
         </p:txBody>
@@ -4547,7 +4451,7 @@
     </p:spTree>
     <p:extLst>
       <p:ext uri="{BB962C8B-B14F-4D97-AF65-F5344CB8AC3E}">
-        <p14:creationId xmlns:p14="http://schemas.microsoft.com/office/powerpoint/2010/main" val="645470229"/>
+        <p14:creationId xmlns:p14="http://schemas.microsoft.com/office/powerpoint/2010/main" val="3225322516"/>
       </p:ext>
     </p:extLst>
   </p:cSld>
@@ -4591,22 +4495,46 @@
           <a:p>
             <a:r>
               <a:rPr lang="en-US" dirty="0" smtClean="0"/>
-              <a:t>CPU Verification cases</a:t>
+              <a:t>CPU</a:t>
             </a:r>
             <a:endParaRPr lang="en-US" dirty="0"/>
           </a:p>
         </p:txBody>
       </p:sp>
-      <p:sp>
-        <p:nvSpPr>
-          <p:cNvPr id="6" name="TextBox 5"/>
+      <p:pic>
+        <p:nvPicPr>
+          <p:cNvPr id="16" name="Picture 15"/>
+          <p:cNvPicPr>
+            <a:picLocks noChangeAspect="1"/>
+          </p:cNvPicPr>
+          <p:nvPr/>
+        </p:nvPicPr>
+        <p:blipFill>
+          <a:blip r:embed="rId2"/>
+          <a:stretch>
+            <a:fillRect/>
+          </a:stretch>
+        </p:blipFill>
+        <p:spPr>
+          <a:xfrm>
+            <a:off x="317971" y="2927500"/>
+            <a:ext cx="1040457" cy="1158546"/>
+          </a:xfrm>
+          <a:prstGeom prst="rect">
+            <a:avLst/>
+          </a:prstGeom>
+        </p:spPr>
+      </p:pic>
+      <p:sp>
+        <p:nvSpPr>
+          <p:cNvPr id="17" name="TextBox 16"/>
           <p:cNvSpPr txBox="1"/>
           <p:nvPr/>
         </p:nvSpPr>
         <p:spPr>
           <a:xfrm>
-            <a:off x="1080654" y="1690688"/>
-            <a:ext cx="10061479" cy="2246769"/>
+            <a:off x="1559249" y="2301354"/>
+            <a:ext cx="3919765" cy="2677656"/>
           </a:xfrm>
           <a:prstGeom prst="rect">
             <a:avLst/>
@@ -4618,14 +4546,24 @@
             <a:spAutoFit/>
           </a:bodyPr>
           <a:lstStyle/>
+          <a:p>
+            <a:r>
+              <a:rPr lang="en-US" sz="2400" dirty="0" smtClean="0"/>
+              <a:t>CPU reads file from computer that contains instructions to:</a:t>
+            </a:r>
+          </a:p>
           <a:p>
             <a:pPr marL="285750" indent="-285750">
               <a:buFont typeface="Arial" panose="020B0604020202020204" pitchFamily="34" charset="0"/>
               <a:buChar char="•"/>
             </a:pPr>
             <a:r>
-              <a:rPr lang="en-US" sz="2800" dirty="0" smtClean="0"/>
-              <a:t>Parse files</a:t>
+              <a:rPr lang="en-US" sz="2400" dirty="0" smtClean="0"/>
+              <a:t> read/write - </a:t>
+            </a:r>
+            <a:r>
+              <a:rPr lang="en-US" sz="2400" b="1" dirty="0" smtClean="0"/>
+              <a:t>header</a:t>
             </a:r>
           </a:p>
           <a:p>
@@ -4634,8 +4572,8 @@
               <a:buChar char="•"/>
             </a:pPr>
             <a:r>
-              <a:rPr lang="en-US" sz="2800" dirty="0" smtClean="0"/>
-              <a:t>Read from Cache</a:t>
+              <a:rPr lang="en-US" sz="2400" dirty="0" smtClean="0"/>
+              <a:t>addresses </a:t>
             </a:r>
           </a:p>
           <a:p>
@@ -4644,8 +4582,8 @@
               <a:buChar char="•"/>
             </a:pPr>
             <a:r>
-              <a:rPr lang="en-US" sz="2800" dirty="0" smtClean="0"/>
-              <a:t>Read from main memory</a:t>
+              <a:rPr lang="en-US" sz="2400" dirty="0" smtClean="0"/>
+              <a:t>Data</a:t>
             </a:r>
           </a:p>
           <a:p>
@@ -4654,18 +4592,83 @@
               <a:buChar char="•"/>
             </a:pPr>
             <a:r>
-              <a:rPr lang="en-US" sz="2800" dirty="0" smtClean="0"/>
-              <a:t>Write to cache</a:t>
-            </a:r>
-          </a:p>
-          <a:p>
-            <a:pPr marL="285750" indent="-285750">
+              <a:rPr lang="en-US" sz="2400" dirty="0" smtClean="0"/>
+              <a:t>Error bits generated arbitrarily</a:t>
+            </a:r>
+            <a:endParaRPr lang="en-US" sz="2400" dirty="0"/>
+          </a:p>
+        </p:txBody>
+      </p:sp>
+      <p:pic>
+        <p:nvPicPr>
+          <p:cNvPr id="1026" name="Picture 2" descr="Related image"/>
+          <p:cNvPicPr>
+            <a:picLocks noChangeAspect="1" noChangeArrowheads="1"/>
+          </p:cNvPicPr>
+          <p:nvPr/>
+        </p:nvPicPr>
+        <p:blipFill>
+          <a:blip r:embed="rId3">
+            <a:extLst>
+              <a:ext uri="{28A0092B-C50C-407E-A947-70E740481C1C}">
+                <a14:useLocalDpi xmlns:a14="http://schemas.microsoft.com/office/drawing/2010/main" val="0"/>
+              </a:ext>
+            </a:extLst>
+          </a:blip>
+          <a:srcRect/>
+          <a:stretch>
+            <a:fillRect/>
+          </a:stretch>
+        </p:blipFill>
+        <p:spPr bwMode="auto">
+          <a:xfrm>
+            <a:off x="5453614" y="2230423"/>
+            <a:ext cx="3105150" cy="2552700"/>
+          </a:xfrm>
+          <a:prstGeom prst="rect">
+            <a:avLst/>
+          </a:prstGeom>
+          <a:noFill/>
+          <a:extLst>
+            <a:ext uri="{909E8E84-426E-40DD-AFC4-6F175D3DCCD1}">
+              <a14:hiddenFill xmlns:a14="http://schemas.microsoft.com/office/drawing/2010/main">
+                <a:solidFill>
+                  <a:srgbClr val="FFFFFF"/>
+                </a:solidFill>
+              </a14:hiddenFill>
+            </a:ext>
+          </a:extLst>
+        </p:spPr>
+      </p:pic>
+      <p:sp>
+        <p:nvSpPr>
+          <p:cNvPr id="19" name="TextBox 18"/>
+          <p:cNvSpPr txBox="1"/>
+          <p:nvPr/>
+        </p:nvSpPr>
+        <p:spPr>
+          <a:xfrm>
+            <a:off x="8501128" y="2301354"/>
+            <a:ext cx="3690872" cy="3046988"/>
+          </a:xfrm>
+          <a:prstGeom prst="rect">
+            <a:avLst/>
+          </a:prstGeom>
+          <a:noFill/>
+        </p:spPr>
+        <p:txBody>
+          <a:bodyPr wrap="square" rtlCol="0">
+            <a:spAutoFit/>
+          </a:bodyPr>
+          <a:lstStyle/>
+          <a:p>
+            <a:pPr marL="342900" indent="-342900">
               <a:buFont typeface="Arial" panose="020B0604020202020204" pitchFamily="34" charset="0"/>
               <a:buChar char="•"/>
             </a:pPr>
             <a:r>
-              <a:rPr lang="en-US" sz="2800" dirty="0" smtClean="0"/>
-              <a:t>Write to main memory</a:t>
+              <a:rPr lang="en-US" sz="2400" dirty="0" smtClean="0"/>
+              <a:t>CPU state machine parses data from file simulating processing outputs and coordinates with Memory controller using control Bus signals to read/write from main memory.</a:t>
             </a:r>
           </a:p>
         </p:txBody>
@@ -4673,7 +4676,7 @@
     </p:spTree>
     <p:extLst>
       <p:ext uri="{BB962C8B-B14F-4D97-AF65-F5344CB8AC3E}">
-        <p14:creationId xmlns:p14="http://schemas.microsoft.com/office/powerpoint/2010/main" val="438044582"/>
+        <p14:creationId xmlns:p14="http://schemas.microsoft.com/office/powerpoint/2010/main" val="645470229"/>
       </p:ext>
     </p:extLst>
   </p:cSld>
@@ -4710,19 +4713,14 @@
             <p:ph type="title"/>
           </p:nvPr>
         </p:nvSpPr>
-        <p:spPr>
-          <a:xfrm>
-            <a:off x="253692" y="12709"/>
-            <a:ext cx="10515600" cy="1325563"/>
-          </a:xfrm>
-        </p:spPr>
+        <p:spPr/>
         <p:txBody>
           <a:bodyPr/>
           <a:lstStyle/>
           <a:p>
             <a:r>
               <a:rPr lang="en-US" dirty="0" smtClean="0"/>
-              <a:t>Cache</a:t>
+              <a:t>CPU Verification cases</a:t>
             </a:r>
             <a:endParaRPr lang="en-US" dirty="0"/>
           </a:p>
@@ -4730,125 +4728,14 @@
       </p:sp>
       <p:sp>
         <p:nvSpPr>
-          <p:cNvPr id="4" name="Rectangle 3"/>
-          <p:cNvSpPr/>
-          <p:nvPr/>
-        </p:nvSpPr>
-        <p:spPr>
-          <a:xfrm>
-            <a:off x="5016081" y="2249464"/>
-            <a:ext cx="3690851" cy="2859578"/>
-          </a:xfrm>
-          <a:prstGeom prst="rect">
-            <a:avLst/>
-          </a:prstGeom>
-          <a:solidFill>
-            <a:srgbClr val="7030A0"/>
-          </a:solidFill>
-        </p:spPr>
-        <p:style>
-          <a:lnRef idx="2">
-            <a:schemeClr val="accent1">
-              <a:shade val="50000"/>
-            </a:schemeClr>
-          </a:lnRef>
-          <a:fillRef idx="1">
-            <a:schemeClr val="accent1"/>
-          </a:fillRef>
-          <a:effectRef idx="0">
-            <a:schemeClr val="accent1"/>
-          </a:effectRef>
-          <a:fontRef idx="minor">
-            <a:schemeClr val="lt1"/>
-          </a:fontRef>
-        </p:style>
-        <p:txBody>
-          <a:bodyPr rtlCol="0" anchor="ctr"/>
-          <a:lstStyle/>
-          <a:p>
-            <a:pPr algn="ctr"/>
-            <a:r>
-              <a:rPr lang="en-US" sz="4400" dirty="0" smtClean="0"/>
-              <a:t>Cache</a:t>
-            </a:r>
-            <a:endParaRPr lang="en-US" sz="4400" dirty="0"/>
-          </a:p>
-        </p:txBody>
-      </p:sp>
-      <p:cxnSp>
-        <p:nvCxnSpPr>
-          <p:cNvPr id="9" name="Straight Arrow Connector 8"/>
-          <p:cNvCxnSpPr/>
-          <p:nvPr/>
-        </p:nvCxnSpPr>
-        <p:spPr>
-          <a:xfrm>
-            <a:off x="1435080" y="3329980"/>
-            <a:ext cx="3208712" cy="0"/>
-          </a:xfrm>
-          <a:prstGeom prst="straightConnector1">
-            <a:avLst/>
-          </a:prstGeom>
-          <a:ln w="57150">
-            <a:headEnd type="triangle"/>
-            <a:tailEnd type="triangle"/>
-          </a:ln>
-        </p:spPr>
-        <p:style>
-          <a:lnRef idx="1">
-            <a:schemeClr val="accent1"/>
-          </a:lnRef>
-          <a:fillRef idx="0">
-            <a:schemeClr val="accent1"/>
-          </a:fillRef>
-          <a:effectRef idx="0">
-            <a:schemeClr val="accent1"/>
-          </a:effectRef>
-          <a:fontRef idx="minor">
-            <a:schemeClr val="tx1"/>
-          </a:fontRef>
-        </p:style>
-      </p:cxnSp>
-      <p:sp>
-        <p:nvSpPr>
-          <p:cNvPr id="14" name="TextBox 13"/>
+          <p:cNvPr id="6" name="TextBox 5"/>
           <p:cNvSpPr txBox="1"/>
           <p:nvPr/>
         </p:nvSpPr>
         <p:spPr>
           <a:xfrm>
-            <a:off x="1387651" y="2436136"/>
-            <a:ext cx="2284728" cy="369332"/>
-          </a:xfrm>
-          <a:prstGeom prst="rect">
-            <a:avLst/>
-          </a:prstGeom>
-          <a:noFill/>
-        </p:spPr>
-        <p:txBody>
-          <a:bodyPr wrap="none" rtlCol="0">
-            <a:spAutoFit/>
-          </a:bodyPr>
-          <a:lstStyle/>
-          <a:p>
-            <a:r>
-              <a:rPr lang="en-US" dirty="0" smtClean="0"/>
-              <a:t>To Memory controller:</a:t>
-            </a:r>
-            <a:endParaRPr lang="en-US" dirty="0"/>
-          </a:p>
-        </p:txBody>
-      </p:sp>
-      <p:sp>
-        <p:nvSpPr>
-          <p:cNvPr id="26" name="TextBox 25"/>
-          <p:cNvSpPr txBox="1"/>
-          <p:nvPr/>
-        </p:nvSpPr>
-        <p:spPr>
-          <a:xfrm>
-            <a:off x="2015227" y="2796179"/>
-            <a:ext cx="2373278" cy="461665"/>
+            <a:off x="1080654" y="1690688"/>
+            <a:ext cx="10061479" cy="2246769"/>
           </a:xfrm>
           <a:prstGeom prst="rect">
             <a:avLst/>
@@ -4859,126 +4746,63 @@
           <a:bodyPr wrap="square" rtlCol="0">
             <a:spAutoFit/>
           </a:bodyPr>
-          <a:lstStyle>
-            <a:defPPr>
-              <a:defRPr lang="en-US"/>
-            </a:defPPr>
-            <a:lvl1pPr>
-              <a:defRPr sz="2400"/>
-            </a:lvl1pPr>
-          </a:lstStyle>
-          <a:p>
-            <a:r>
-              <a:rPr lang="en-US" dirty="0"/>
-              <a:t>Address/data Bus</a:t>
-            </a:r>
-          </a:p>
-        </p:txBody>
-      </p:sp>
-      <p:cxnSp>
-        <p:nvCxnSpPr>
-          <p:cNvPr id="27" name="Straight Arrow Connector 26"/>
-          <p:cNvCxnSpPr/>
-          <p:nvPr/>
-        </p:nvCxnSpPr>
-        <p:spPr>
-          <a:xfrm>
-            <a:off x="1484957" y="4213055"/>
-            <a:ext cx="3208712" cy="0"/>
-          </a:xfrm>
-          <a:prstGeom prst="straightConnector1">
-            <a:avLst/>
-          </a:prstGeom>
-          <a:ln w="57150">
-            <a:headEnd type="triangle"/>
-            <a:tailEnd type="triangle"/>
-          </a:ln>
-        </p:spPr>
-        <p:style>
-          <a:lnRef idx="1">
-            <a:schemeClr val="accent1"/>
-          </a:lnRef>
-          <a:fillRef idx="0">
-            <a:schemeClr val="accent1"/>
-          </a:fillRef>
-          <a:effectRef idx="0">
-            <a:schemeClr val="accent1"/>
-          </a:effectRef>
-          <a:fontRef idx="minor">
-            <a:schemeClr val="tx1"/>
-          </a:fontRef>
-        </p:style>
-      </p:cxnSp>
-      <p:sp>
-        <p:nvSpPr>
-          <p:cNvPr id="28" name="TextBox 27"/>
-          <p:cNvSpPr txBox="1"/>
-          <p:nvPr/>
-        </p:nvSpPr>
-        <p:spPr>
-          <a:xfrm>
-            <a:off x="1839217" y="3679253"/>
-            <a:ext cx="2549288" cy="461665"/>
-          </a:xfrm>
-          <a:prstGeom prst="rect">
-            <a:avLst/>
-          </a:prstGeom>
-          <a:noFill/>
-        </p:spPr>
-        <p:txBody>
-          <a:bodyPr wrap="square" rtlCol="0">
-            <a:spAutoFit/>
-          </a:bodyPr>
-          <a:lstStyle>
-            <a:defPPr>
-              <a:defRPr lang="en-US"/>
-            </a:defPPr>
-            <a:lvl1pPr>
-              <a:defRPr sz="2400"/>
-            </a:lvl1pPr>
-          </a:lstStyle>
-          <a:p>
-            <a:r>
-              <a:rPr lang="en-US" dirty="0"/>
-              <a:t>Control Signals Bus</a:t>
-            </a:r>
-          </a:p>
-        </p:txBody>
-      </p:sp>
-      <p:sp>
-        <p:nvSpPr>
-          <p:cNvPr id="3" name="TextBox 2"/>
-          <p:cNvSpPr txBox="1"/>
-          <p:nvPr/>
-        </p:nvSpPr>
-        <p:spPr>
-          <a:xfrm>
-            <a:off x="9029344" y="3006814"/>
-            <a:ext cx="2871831" cy="923330"/>
-          </a:xfrm>
-          <a:prstGeom prst="rect">
-            <a:avLst/>
-          </a:prstGeom>
-          <a:noFill/>
-        </p:spPr>
-        <p:txBody>
-          <a:bodyPr wrap="square" rtlCol="0">
-            <a:spAutoFit/>
-          </a:bodyPr>
-          <a:lstStyle/>
-          <a:p>
-            <a:r>
-              <a:rPr lang="en-US" dirty="0" smtClean="0"/>
-              <a:t>Cache design is practically given in the final project description.</a:t>
-            </a:r>
-            <a:endParaRPr lang="en-US" dirty="0"/>
+          <a:lstStyle/>
+          <a:p>
+            <a:pPr marL="285750" indent="-285750">
+              <a:buFont typeface="Arial" panose="020B0604020202020204" pitchFamily="34" charset="0"/>
+              <a:buChar char="•"/>
+            </a:pPr>
+            <a:r>
+              <a:rPr lang="en-US" sz="2800" dirty="0" smtClean="0"/>
+              <a:t>Parse files</a:t>
+            </a:r>
+          </a:p>
+          <a:p>
+            <a:pPr marL="285750" indent="-285750">
+              <a:buFont typeface="Arial" panose="020B0604020202020204" pitchFamily="34" charset="0"/>
+              <a:buChar char="•"/>
+            </a:pPr>
+            <a:r>
+              <a:rPr lang="en-US" sz="2800" dirty="0" smtClean="0"/>
+              <a:t>Read from Cache</a:t>
+            </a:r>
+          </a:p>
+          <a:p>
+            <a:pPr marL="285750" indent="-285750">
+              <a:buFont typeface="Arial" panose="020B0604020202020204" pitchFamily="34" charset="0"/>
+              <a:buChar char="•"/>
+            </a:pPr>
+            <a:r>
+              <a:rPr lang="en-US" sz="2800" dirty="0" smtClean="0"/>
+              <a:t>Read from main memory</a:t>
+            </a:r>
+          </a:p>
+          <a:p>
+            <a:pPr marL="285750" indent="-285750">
+              <a:buFont typeface="Arial" panose="020B0604020202020204" pitchFamily="34" charset="0"/>
+              <a:buChar char="•"/>
+            </a:pPr>
+            <a:r>
+              <a:rPr lang="en-US" sz="2800" dirty="0" smtClean="0"/>
+              <a:t>Write to cache</a:t>
+            </a:r>
+          </a:p>
+          <a:p>
+            <a:pPr marL="285750" indent="-285750">
+              <a:buFont typeface="Arial" panose="020B0604020202020204" pitchFamily="34" charset="0"/>
+              <a:buChar char="•"/>
+            </a:pPr>
+            <a:r>
+              <a:rPr lang="en-US" sz="2800" dirty="0" smtClean="0"/>
+              <a:t>Write to main memory</a:t>
+            </a:r>
           </a:p>
         </p:txBody>
       </p:sp>
     </p:spTree>
     <p:extLst>
       <p:ext uri="{BB962C8B-B14F-4D97-AF65-F5344CB8AC3E}">
-        <p14:creationId xmlns:p14="http://schemas.microsoft.com/office/powerpoint/2010/main" val="2438054222"/>
+        <p14:creationId xmlns:p14="http://schemas.microsoft.com/office/powerpoint/2010/main" val="438044582"/>
       </p:ext>
     </p:extLst>
   </p:cSld>
@@ -5015,6 +4839,311 @@
             <p:ph type="title"/>
           </p:nvPr>
         </p:nvSpPr>
+        <p:spPr>
+          <a:xfrm>
+            <a:off x="253692" y="12709"/>
+            <a:ext cx="10515600" cy="1325563"/>
+          </a:xfrm>
+        </p:spPr>
+        <p:txBody>
+          <a:bodyPr/>
+          <a:lstStyle/>
+          <a:p>
+            <a:r>
+              <a:rPr lang="en-US" dirty="0" smtClean="0"/>
+              <a:t>Cache</a:t>
+            </a:r>
+            <a:endParaRPr lang="en-US" dirty="0"/>
+          </a:p>
+        </p:txBody>
+      </p:sp>
+      <p:sp>
+        <p:nvSpPr>
+          <p:cNvPr id="4" name="Rectangle 3"/>
+          <p:cNvSpPr/>
+          <p:nvPr/>
+        </p:nvSpPr>
+        <p:spPr>
+          <a:xfrm>
+            <a:off x="5016081" y="2249464"/>
+            <a:ext cx="3690851" cy="2859578"/>
+          </a:xfrm>
+          <a:prstGeom prst="rect">
+            <a:avLst/>
+          </a:prstGeom>
+          <a:solidFill>
+            <a:srgbClr val="7030A0"/>
+          </a:solidFill>
+        </p:spPr>
+        <p:style>
+          <a:lnRef idx="2">
+            <a:schemeClr val="accent1">
+              <a:shade val="50000"/>
+            </a:schemeClr>
+          </a:lnRef>
+          <a:fillRef idx="1">
+            <a:schemeClr val="accent1"/>
+          </a:fillRef>
+          <a:effectRef idx="0">
+            <a:schemeClr val="accent1"/>
+          </a:effectRef>
+          <a:fontRef idx="minor">
+            <a:schemeClr val="lt1"/>
+          </a:fontRef>
+        </p:style>
+        <p:txBody>
+          <a:bodyPr rtlCol="0" anchor="ctr"/>
+          <a:lstStyle/>
+          <a:p>
+            <a:pPr algn="ctr"/>
+            <a:r>
+              <a:rPr lang="en-US" sz="4400" dirty="0" smtClean="0"/>
+              <a:t>Cache</a:t>
+            </a:r>
+            <a:endParaRPr lang="en-US" sz="4400" dirty="0"/>
+          </a:p>
+        </p:txBody>
+      </p:sp>
+      <p:cxnSp>
+        <p:nvCxnSpPr>
+          <p:cNvPr id="9" name="Straight Arrow Connector 8"/>
+          <p:cNvCxnSpPr/>
+          <p:nvPr/>
+        </p:nvCxnSpPr>
+        <p:spPr>
+          <a:xfrm>
+            <a:off x="1435080" y="3329980"/>
+            <a:ext cx="3208712" cy="0"/>
+          </a:xfrm>
+          <a:prstGeom prst="straightConnector1">
+            <a:avLst/>
+          </a:prstGeom>
+          <a:ln w="57150">
+            <a:headEnd type="triangle"/>
+            <a:tailEnd type="triangle"/>
+          </a:ln>
+        </p:spPr>
+        <p:style>
+          <a:lnRef idx="1">
+            <a:schemeClr val="accent1"/>
+          </a:lnRef>
+          <a:fillRef idx="0">
+            <a:schemeClr val="accent1"/>
+          </a:fillRef>
+          <a:effectRef idx="0">
+            <a:schemeClr val="accent1"/>
+          </a:effectRef>
+          <a:fontRef idx="minor">
+            <a:schemeClr val="tx1"/>
+          </a:fontRef>
+        </p:style>
+      </p:cxnSp>
+      <p:sp>
+        <p:nvSpPr>
+          <p:cNvPr id="14" name="TextBox 13"/>
+          <p:cNvSpPr txBox="1"/>
+          <p:nvPr/>
+        </p:nvSpPr>
+        <p:spPr>
+          <a:xfrm>
+            <a:off x="1387651" y="2436136"/>
+            <a:ext cx="2284728" cy="369332"/>
+          </a:xfrm>
+          <a:prstGeom prst="rect">
+            <a:avLst/>
+          </a:prstGeom>
+          <a:noFill/>
+        </p:spPr>
+        <p:txBody>
+          <a:bodyPr wrap="none" rtlCol="0">
+            <a:spAutoFit/>
+          </a:bodyPr>
+          <a:lstStyle/>
+          <a:p>
+            <a:r>
+              <a:rPr lang="en-US" dirty="0" smtClean="0"/>
+              <a:t>To Memory controller:</a:t>
+            </a:r>
+            <a:endParaRPr lang="en-US" dirty="0"/>
+          </a:p>
+        </p:txBody>
+      </p:sp>
+      <p:sp>
+        <p:nvSpPr>
+          <p:cNvPr id="26" name="TextBox 25"/>
+          <p:cNvSpPr txBox="1"/>
+          <p:nvPr/>
+        </p:nvSpPr>
+        <p:spPr>
+          <a:xfrm>
+            <a:off x="2015227" y="2796179"/>
+            <a:ext cx="2373278" cy="461665"/>
+          </a:xfrm>
+          <a:prstGeom prst="rect">
+            <a:avLst/>
+          </a:prstGeom>
+          <a:noFill/>
+        </p:spPr>
+        <p:txBody>
+          <a:bodyPr wrap="square" rtlCol="0">
+            <a:spAutoFit/>
+          </a:bodyPr>
+          <a:lstStyle>
+            <a:defPPr>
+              <a:defRPr lang="en-US"/>
+            </a:defPPr>
+            <a:lvl1pPr>
+              <a:defRPr sz="2400"/>
+            </a:lvl1pPr>
+          </a:lstStyle>
+          <a:p>
+            <a:r>
+              <a:rPr lang="en-US" dirty="0"/>
+              <a:t>Address/data Bus</a:t>
+            </a:r>
+          </a:p>
+        </p:txBody>
+      </p:sp>
+      <p:cxnSp>
+        <p:nvCxnSpPr>
+          <p:cNvPr id="27" name="Straight Arrow Connector 26"/>
+          <p:cNvCxnSpPr/>
+          <p:nvPr/>
+        </p:nvCxnSpPr>
+        <p:spPr>
+          <a:xfrm>
+            <a:off x="1484957" y="4213055"/>
+            <a:ext cx="3208712" cy="0"/>
+          </a:xfrm>
+          <a:prstGeom prst="straightConnector1">
+            <a:avLst/>
+          </a:prstGeom>
+          <a:ln w="57150">
+            <a:headEnd type="triangle"/>
+            <a:tailEnd type="triangle"/>
+          </a:ln>
+        </p:spPr>
+        <p:style>
+          <a:lnRef idx="1">
+            <a:schemeClr val="accent1"/>
+          </a:lnRef>
+          <a:fillRef idx="0">
+            <a:schemeClr val="accent1"/>
+          </a:fillRef>
+          <a:effectRef idx="0">
+            <a:schemeClr val="accent1"/>
+          </a:effectRef>
+          <a:fontRef idx="minor">
+            <a:schemeClr val="tx1"/>
+          </a:fontRef>
+        </p:style>
+      </p:cxnSp>
+      <p:sp>
+        <p:nvSpPr>
+          <p:cNvPr id="28" name="TextBox 27"/>
+          <p:cNvSpPr txBox="1"/>
+          <p:nvPr/>
+        </p:nvSpPr>
+        <p:spPr>
+          <a:xfrm>
+            <a:off x="1839217" y="3679253"/>
+            <a:ext cx="2549288" cy="461665"/>
+          </a:xfrm>
+          <a:prstGeom prst="rect">
+            <a:avLst/>
+          </a:prstGeom>
+          <a:noFill/>
+        </p:spPr>
+        <p:txBody>
+          <a:bodyPr wrap="square" rtlCol="0">
+            <a:spAutoFit/>
+          </a:bodyPr>
+          <a:lstStyle>
+            <a:defPPr>
+              <a:defRPr lang="en-US"/>
+            </a:defPPr>
+            <a:lvl1pPr>
+              <a:defRPr sz="2400"/>
+            </a:lvl1pPr>
+          </a:lstStyle>
+          <a:p>
+            <a:r>
+              <a:rPr lang="en-US" dirty="0"/>
+              <a:t>Control Signals Bus</a:t>
+            </a:r>
+          </a:p>
+        </p:txBody>
+      </p:sp>
+      <p:sp>
+        <p:nvSpPr>
+          <p:cNvPr id="3" name="TextBox 2"/>
+          <p:cNvSpPr txBox="1"/>
+          <p:nvPr/>
+        </p:nvSpPr>
+        <p:spPr>
+          <a:xfrm>
+            <a:off x="9029344" y="3006814"/>
+            <a:ext cx="2871831" cy="923330"/>
+          </a:xfrm>
+          <a:prstGeom prst="rect">
+            <a:avLst/>
+          </a:prstGeom>
+          <a:noFill/>
+        </p:spPr>
+        <p:txBody>
+          <a:bodyPr wrap="square" rtlCol="0">
+            <a:spAutoFit/>
+          </a:bodyPr>
+          <a:lstStyle/>
+          <a:p>
+            <a:r>
+              <a:rPr lang="en-US" dirty="0" smtClean="0"/>
+              <a:t>Cache design is practically given in the final project description.</a:t>
+            </a:r>
+            <a:endParaRPr lang="en-US" dirty="0"/>
+          </a:p>
+        </p:txBody>
+      </p:sp>
+    </p:spTree>
+    <p:extLst>
+      <p:ext uri="{BB962C8B-B14F-4D97-AF65-F5344CB8AC3E}">
+        <p14:creationId xmlns:p14="http://schemas.microsoft.com/office/powerpoint/2010/main" val="2438054222"/>
+      </p:ext>
+    </p:extLst>
+  </p:cSld>
+  <p:clrMapOvr>
+    <a:masterClrMapping/>
+  </p:clrMapOvr>
+</p:sld>
+</file>
+
+<file path=ppt/slides/slide18.xml><?xml version="1.0" encoding="utf-8"?>
+<p:sld xmlns:a="http://schemas.openxmlformats.org/drawingml/2006/main" xmlns:r="http://schemas.openxmlformats.org/officeDocument/2006/relationships" xmlns:p="http://schemas.openxmlformats.org/presentationml/2006/main">
+  <p:cSld>
+    <p:spTree>
+      <p:nvGrpSpPr>
+        <p:cNvPr id="1" name=""/>
+        <p:cNvGrpSpPr/>
+        <p:nvPr/>
+      </p:nvGrpSpPr>
+      <p:grpSpPr>
+        <a:xfrm>
+          <a:off x="0" y="0"/>
+          <a:ext cx="0" cy="0"/>
+          <a:chOff x="0" y="0"/>
+          <a:chExt cx="0" cy="0"/>
+        </a:xfrm>
+      </p:grpSpPr>
+      <p:sp>
+        <p:nvSpPr>
+          <p:cNvPr id="2" name="Title 1"/>
+          <p:cNvSpPr>
+            <a:spLocks noGrp="1"/>
+          </p:cNvSpPr>
+          <p:nvPr>
+            <p:ph type="title"/>
+          </p:nvPr>
+        </p:nvSpPr>
         <p:spPr/>
         <p:txBody>
           <a:bodyPr/>
@@ -5119,6 +5248,69 @@
     <p:extLst>
       <p:ext uri="{BB962C8B-B14F-4D97-AF65-F5344CB8AC3E}">
         <p14:creationId xmlns:p14="http://schemas.microsoft.com/office/powerpoint/2010/main" val="1137721067"/>
+      </p:ext>
+    </p:extLst>
+  </p:cSld>
+  <p:clrMapOvr>
+    <a:masterClrMapping/>
+  </p:clrMapOvr>
+</p:sld>
+</file>
+
+<file path=ppt/slides/slide19.xml><?xml version="1.0" encoding="utf-8"?>
+<p:sld xmlns:a="http://schemas.openxmlformats.org/drawingml/2006/main" xmlns:r="http://schemas.openxmlformats.org/officeDocument/2006/relationships" xmlns:p="http://schemas.openxmlformats.org/presentationml/2006/main">
+  <p:cSld>
+    <p:spTree>
+      <p:nvGrpSpPr>
+        <p:cNvPr id="1" name=""/>
+        <p:cNvGrpSpPr/>
+        <p:nvPr/>
+      </p:nvGrpSpPr>
+      <p:grpSpPr>
+        <a:xfrm>
+          <a:off x="0" y="0"/>
+          <a:ext cx="0" cy="0"/>
+          <a:chOff x="0" y="0"/>
+          <a:chExt cx="0" cy="0"/>
+        </a:xfrm>
+      </p:grpSpPr>
+      <p:sp>
+        <p:nvSpPr>
+          <p:cNvPr id="2" name="Title 1"/>
+          <p:cNvSpPr>
+            <a:spLocks noGrp="1"/>
+          </p:cNvSpPr>
+          <p:nvPr>
+            <p:ph type="title"/>
+          </p:nvPr>
+        </p:nvSpPr>
+        <p:spPr>
+          <a:xfrm>
+            <a:off x="1676400" y="3569964"/>
+            <a:ext cx="10515600" cy="1325563"/>
+          </a:xfrm>
+        </p:spPr>
+        <p:txBody>
+          <a:bodyPr>
+            <a:noAutofit/>
+          </a:bodyPr>
+          <a:lstStyle/>
+          <a:p>
+            <a:r>
+              <a:rPr lang="en-US" sz="16600" dirty="0" smtClean="0"/>
+              <a:t>Backup</a:t>
+            </a:r>
+            <a:br>
+              <a:rPr lang="en-US" sz="16600" dirty="0" smtClean="0"/>
+            </a:br>
+            <a:endParaRPr lang="en-US" sz="16600" dirty="0"/>
+          </a:p>
+        </p:txBody>
+      </p:sp>
+    </p:spTree>
+    <p:extLst>
+      <p:ext uri="{BB962C8B-B14F-4D97-AF65-F5344CB8AC3E}">
+        <p14:creationId xmlns:p14="http://schemas.microsoft.com/office/powerpoint/2010/main" val="4291726577"/>
       </p:ext>
     </p:extLst>
   </p:cSld>
@@ -5212,6 +5404,485 @@
 </p:sld>
 </file>
 
+<file path=ppt/slides/slide20.xml><?xml version="1.0" encoding="utf-8"?>
+<p:sld xmlns:a="http://schemas.openxmlformats.org/drawingml/2006/main" xmlns:r="http://schemas.openxmlformats.org/officeDocument/2006/relationships" xmlns:p="http://schemas.openxmlformats.org/presentationml/2006/main">
+  <p:cSld>
+    <p:spTree>
+      <p:nvGrpSpPr>
+        <p:cNvPr id="1" name=""/>
+        <p:cNvGrpSpPr/>
+        <p:nvPr/>
+      </p:nvGrpSpPr>
+      <p:grpSpPr>
+        <a:xfrm>
+          <a:off x="0" y="0"/>
+          <a:ext cx="0" cy="0"/>
+          <a:chOff x="0" y="0"/>
+          <a:chExt cx="0" cy="0"/>
+        </a:xfrm>
+      </p:grpSpPr>
+      <p:sp>
+        <p:nvSpPr>
+          <p:cNvPr id="2" name="Title 1"/>
+          <p:cNvSpPr>
+            <a:spLocks noGrp="1"/>
+          </p:cNvSpPr>
+          <p:nvPr>
+            <p:ph type="title"/>
+          </p:nvPr>
+        </p:nvSpPr>
+        <p:spPr/>
+        <p:txBody>
+          <a:bodyPr/>
+          <a:lstStyle/>
+          <a:p>
+            <a:r>
+              <a:rPr lang="en-US" dirty="0" smtClean="0"/>
+              <a:t>Peripheral component</a:t>
+            </a:r>
+            <a:endParaRPr lang="en-US" dirty="0"/>
+          </a:p>
+        </p:txBody>
+      </p:sp>
+      <p:sp>
+        <p:nvSpPr>
+          <p:cNvPr id="3" name="TextBox 2"/>
+          <p:cNvSpPr txBox="1"/>
+          <p:nvPr/>
+        </p:nvSpPr>
+        <p:spPr>
+          <a:xfrm>
+            <a:off x="6338260" y="5691244"/>
+            <a:ext cx="1329624" cy="707886"/>
+          </a:xfrm>
+          <a:prstGeom prst="rect">
+            <a:avLst/>
+          </a:prstGeom>
+          <a:noFill/>
+          <a:ln w="6350">
+            <a:solidFill>
+              <a:schemeClr val="accent2">
+                <a:lumMod val="75000"/>
+              </a:schemeClr>
+            </a:solidFill>
+          </a:ln>
+        </p:spPr>
+        <p:txBody>
+          <a:bodyPr wrap="square" rtlCol="0">
+            <a:spAutoFit/>
+          </a:bodyPr>
+          <a:lstStyle/>
+          <a:p>
+            <a:r>
+              <a:rPr lang="en-US" sz="4000" dirty="0" smtClean="0"/>
+              <a:t>UART</a:t>
+            </a:r>
+            <a:endParaRPr lang="en-US" sz="4000" dirty="0"/>
+          </a:p>
+        </p:txBody>
+      </p:sp>
+      <p:sp>
+        <p:nvSpPr>
+          <p:cNvPr id="11" name="TextBox 10"/>
+          <p:cNvSpPr txBox="1"/>
+          <p:nvPr/>
+        </p:nvSpPr>
+        <p:spPr>
+          <a:xfrm>
+            <a:off x="10025149" y="5564943"/>
+            <a:ext cx="2209387" cy="369332"/>
+          </a:xfrm>
+          <a:prstGeom prst="rect">
+            <a:avLst/>
+          </a:prstGeom>
+          <a:noFill/>
+        </p:spPr>
+        <p:txBody>
+          <a:bodyPr wrap="none" rtlCol="0">
+            <a:spAutoFit/>
+          </a:bodyPr>
+          <a:lstStyle/>
+          <a:p>
+            <a:r>
+              <a:rPr lang="en-US" dirty="0" smtClean="0"/>
+              <a:t>To memory controller</a:t>
+            </a:r>
+            <a:endParaRPr lang="en-US" dirty="0"/>
+          </a:p>
+        </p:txBody>
+      </p:sp>
+      <p:pic>
+        <p:nvPicPr>
+          <p:cNvPr id="12" name="Picture 11"/>
+          <p:cNvPicPr>
+            <a:picLocks noChangeAspect="1"/>
+          </p:cNvPicPr>
+          <p:nvPr/>
+        </p:nvPicPr>
+        <p:blipFill>
+          <a:blip r:embed="rId2"/>
+          <a:stretch>
+            <a:fillRect/>
+          </a:stretch>
+        </p:blipFill>
+        <p:spPr>
+          <a:xfrm>
+            <a:off x="225526" y="5564944"/>
+            <a:ext cx="5689584" cy="844420"/>
+          </a:xfrm>
+          <a:prstGeom prst="rect">
+            <a:avLst/>
+          </a:prstGeom>
+        </p:spPr>
+      </p:pic>
+      <p:cxnSp>
+        <p:nvCxnSpPr>
+          <p:cNvPr id="14" name="Straight Arrow Connector 13"/>
+          <p:cNvCxnSpPr/>
+          <p:nvPr/>
+        </p:nvCxnSpPr>
+        <p:spPr>
+          <a:xfrm>
+            <a:off x="5627699" y="6040951"/>
+            <a:ext cx="458346" cy="9701"/>
+          </a:xfrm>
+          <a:prstGeom prst="straightConnector1">
+            <a:avLst/>
+          </a:prstGeom>
+          <a:ln w="57150">
+            <a:tailEnd type="triangle"/>
+          </a:ln>
+        </p:spPr>
+        <p:style>
+          <a:lnRef idx="1">
+            <a:schemeClr val="accent1"/>
+          </a:lnRef>
+          <a:fillRef idx="0">
+            <a:schemeClr val="accent1"/>
+          </a:fillRef>
+          <a:effectRef idx="0">
+            <a:schemeClr val="accent1"/>
+          </a:effectRef>
+          <a:fontRef idx="minor">
+            <a:schemeClr val="tx1"/>
+          </a:fontRef>
+        </p:style>
+      </p:cxnSp>
+      <p:pic>
+        <p:nvPicPr>
+          <p:cNvPr id="16" name="Picture 15"/>
+          <p:cNvPicPr>
+            <a:picLocks noChangeAspect="1"/>
+          </p:cNvPicPr>
+          <p:nvPr/>
+        </p:nvPicPr>
+        <p:blipFill>
+          <a:blip r:embed="rId3"/>
+          <a:stretch>
+            <a:fillRect/>
+          </a:stretch>
+        </p:blipFill>
+        <p:spPr>
+          <a:xfrm>
+            <a:off x="258248" y="2078182"/>
+            <a:ext cx="1040457" cy="1158546"/>
+          </a:xfrm>
+          <a:prstGeom prst="rect">
+            <a:avLst/>
+          </a:prstGeom>
+        </p:spPr>
+      </p:pic>
+      <p:sp>
+        <p:nvSpPr>
+          <p:cNvPr id="17" name="TextBox 16"/>
+          <p:cNvSpPr txBox="1"/>
+          <p:nvPr/>
+        </p:nvSpPr>
+        <p:spPr>
+          <a:xfrm>
+            <a:off x="1529630" y="1647686"/>
+            <a:ext cx="4271805" cy="2677656"/>
+          </a:xfrm>
+          <a:prstGeom prst="rect">
+            <a:avLst/>
+          </a:prstGeom>
+          <a:noFill/>
+        </p:spPr>
+        <p:txBody>
+          <a:bodyPr wrap="square" rtlCol="0">
+            <a:spAutoFit/>
+          </a:bodyPr>
+          <a:lstStyle/>
+          <a:p>
+            <a:r>
+              <a:rPr lang="en-US" sz="2400" dirty="0" smtClean="0"/>
+              <a:t>Peripheral reads file from computer that contains instructions to:</a:t>
+            </a:r>
+          </a:p>
+          <a:p>
+            <a:pPr marL="285750" indent="-285750">
+              <a:buFont typeface="Arial" panose="020B0604020202020204" pitchFamily="34" charset="0"/>
+              <a:buChar char="•"/>
+            </a:pPr>
+            <a:r>
+              <a:rPr lang="en-US" sz="2400" dirty="0" smtClean="0"/>
+              <a:t> read/write - </a:t>
+            </a:r>
+            <a:r>
+              <a:rPr lang="en-US" sz="2400" b="1" dirty="0" smtClean="0"/>
+              <a:t>header</a:t>
+            </a:r>
+          </a:p>
+          <a:p>
+            <a:pPr marL="285750" indent="-285750">
+              <a:buFont typeface="Arial" panose="020B0604020202020204" pitchFamily="34" charset="0"/>
+              <a:buChar char="•"/>
+            </a:pPr>
+            <a:r>
+              <a:rPr lang="en-US" sz="2400" dirty="0" smtClean="0"/>
+              <a:t>addresses </a:t>
+            </a:r>
+          </a:p>
+          <a:p>
+            <a:pPr marL="285750" indent="-285750">
+              <a:buFont typeface="Arial" panose="020B0604020202020204" pitchFamily="34" charset="0"/>
+              <a:buChar char="•"/>
+            </a:pPr>
+            <a:r>
+              <a:rPr lang="en-US" sz="2400" dirty="0" smtClean="0"/>
+              <a:t>Data</a:t>
+            </a:r>
+          </a:p>
+          <a:p>
+            <a:pPr marL="285750" indent="-285750">
+              <a:buFont typeface="Arial" panose="020B0604020202020204" pitchFamily="34" charset="0"/>
+              <a:buChar char="•"/>
+            </a:pPr>
+            <a:r>
+              <a:rPr lang="en-US" sz="2400" dirty="0" smtClean="0"/>
+              <a:t>Error bits generated arbitrarily</a:t>
+            </a:r>
+            <a:endParaRPr lang="en-US" sz="2400" dirty="0"/>
+          </a:p>
+        </p:txBody>
+      </p:sp>
+      <p:pic>
+        <p:nvPicPr>
+          <p:cNvPr id="1026" name="Picture 2" descr="Related image"/>
+          <p:cNvPicPr>
+            <a:picLocks noChangeAspect="1" noChangeArrowheads="1"/>
+          </p:cNvPicPr>
+          <p:nvPr/>
+        </p:nvPicPr>
+        <p:blipFill>
+          <a:blip r:embed="rId4">
+            <a:extLst>
+              <a:ext uri="{28A0092B-C50C-407E-A947-70E740481C1C}">
+                <a14:useLocalDpi xmlns:a14="http://schemas.microsoft.com/office/drawing/2010/main" val="0"/>
+              </a:ext>
+            </a:extLst>
+          </a:blip>
+          <a:srcRect/>
+          <a:stretch>
+            <a:fillRect/>
+          </a:stretch>
+        </p:blipFill>
+        <p:spPr bwMode="auto">
+          <a:xfrm>
+            <a:off x="5183915" y="1581737"/>
+            <a:ext cx="3105150" cy="2552700"/>
+          </a:xfrm>
+          <a:prstGeom prst="rect">
+            <a:avLst/>
+          </a:prstGeom>
+          <a:noFill/>
+          <a:extLst>
+            <a:ext uri="{909E8E84-426E-40DD-AFC4-6F175D3DCCD1}">
+              <a14:hiddenFill xmlns:a14="http://schemas.microsoft.com/office/drawing/2010/main">
+                <a:solidFill>
+                  <a:srgbClr val="FFFFFF"/>
+                </a:solidFill>
+              </a14:hiddenFill>
+            </a:ext>
+          </a:extLst>
+        </p:spPr>
+      </p:pic>
+      <p:sp>
+        <p:nvSpPr>
+          <p:cNvPr id="19" name="TextBox 18"/>
+          <p:cNvSpPr txBox="1"/>
+          <p:nvPr/>
+        </p:nvSpPr>
+        <p:spPr>
+          <a:xfrm>
+            <a:off x="8519990" y="1647686"/>
+            <a:ext cx="3690872" cy="3046988"/>
+          </a:xfrm>
+          <a:prstGeom prst="rect">
+            <a:avLst/>
+          </a:prstGeom>
+          <a:noFill/>
+        </p:spPr>
+        <p:txBody>
+          <a:bodyPr wrap="square" rtlCol="0">
+            <a:spAutoFit/>
+          </a:bodyPr>
+          <a:lstStyle/>
+          <a:p>
+            <a:pPr marL="342900" indent="-342900">
+              <a:buFont typeface="Arial" panose="020B0604020202020204" pitchFamily="34" charset="0"/>
+              <a:buChar char="•"/>
+            </a:pPr>
+            <a:r>
+              <a:rPr lang="en-US" sz="2400" dirty="0" smtClean="0"/>
+              <a:t>Peripheral state machine parses data and forms message as per format below. </a:t>
+            </a:r>
+          </a:p>
+          <a:p>
+            <a:pPr marL="342900" indent="-342900">
+              <a:buFont typeface="Arial" panose="020B0604020202020204" pitchFamily="34" charset="0"/>
+              <a:buChar char="•"/>
+            </a:pPr>
+            <a:r>
+              <a:rPr lang="en-US" sz="2400" dirty="0" smtClean="0"/>
+              <a:t>Waits for send command.</a:t>
+            </a:r>
+          </a:p>
+          <a:p>
+            <a:pPr marL="342900" indent="-342900">
+              <a:buFont typeface="Arial" panose="020B0604020202020204" pitchFamily="34" charset="0"/>
+              <a:buChar char="•"/>
+            </a:pPr>
+            <a:r>
+              <a:rPr lang="en-US" sz="2400" dirty="0" smtClean="0"/>
+              <a:t>Send command moves message to UART and sends to Mem Controller.</a:t>
+            </a:r>
+          </a:p>
+        </p:txBody>
+      </p:sp>
+      <p:cxnSp>
+        <p:nvCxnSpPr>
+          <p:cNvPr id="20" name="Straight Arrow Connector 19"/>
+          <p:cNvCxnSpPr/>
+          <p:nvPr/>
+        </p:nvCxnSpPr>
+        <p:spPr>
+          <a:xfrm>
+            <a:off x="10025149" y="6035040"/>
+            <a:ext cx="1960418" cy="0"/>
+          </a:xfrm>
+          <a:prstGeom prst="straightConnector1">
+            <a:avLst/>
+          </a:prstGeom>
+          <a:ln w="38100">
+            <a:headEnd type="triangle"/>
+            <a:tailEnd type="triangle"/>
+          </a:ln>
+        </p:spPr>
+        <p:style>
+          <a:lnRef idx="1">
+            <a:schemeClr val="accent1"/>
+          </a:lnRef>
+          <a:fillRef idx="0">
+            <a:schemeClr val="accent1"/>
+          </a:fillRef>
+          <a:effectRef idx="0">
+            <a:schemeClr val="accent1"/>
+          </a:effectRef>
+          <a:fontRef idx="minor">
+            <a:schemeClr val="tx1"/>
+          </a:fontRef>
+        </p:style>
+      </p:cxnSp>
+      <p:sp>
+        <p:nvSpPr>
+          <p:cNvPr id="22" name="TextBox 21"/>
+          <p:cNvSpPr txBox="1"/>
+          <p:nvPr/>
+        </p:nvSpPr>
+        <p:spPr>
+          <a:xfrm>
+            <a:off x="8443310" y="5383467"/>
+            <a:ext cx="1516937" cy="1323439"/>
+          </a:xfrm>
+          <a:prstGeom prst="rect">
+            <a:avLst/>
+          </a:prstGeom>
+          <a:noFill/>
+          <a:ln w="6350">
+            <a:solidFill>
+              <a:schemeClr val="accent2">
+                <a:lumMod val="75000"/>
+              </a:schemeClr>
+            </a:solidFill>
+          </a:ln>
+        </p:spPr>
+        <p:txBody>
+          <a:bodyPr wrap="square" rtlCol="0">
+            <a:spAutoFit/>
+          </a:bodyPr>
+          <a:lstStyle/>
+          <a:p>
+            <a:r>
+              <a:rPr lang="en-US" sz="4000" dirty="0" smtClean="0"/>
+              <a:t>MSG</a:t>
+            </a:r>
+          </a:p>
+          <a:p>
+            <a:r>
+              <a:rPr lang="en-US" sz="4000" dirty="0" smtClean="0"/>
+              <a:t>Buffer</a:t>
+            </a:r>
+            <a:endParaRPr lang="en-US" sz="4000" dirty="0"/>
+          </a:p>
+        </p:txBody>
+      </p:sp>
+      <p:cxnSp>
+        <p:nvCxnSpPr>
+          <p:cNvPr id="24" name="Straight Arrow Connector 23"/>
+          <p:cNvCxnSpPr/>
+          <p:nvPr/>
+        </p:nvCxnSpPr>
+        <p:spPr>
+          <a:xfrm>
+            <a:off x="7920100" y="6025338"/>
+            <a:ext cx="458346" cy="9701"/>
+          </a:xfrm>
+          <a:prstGeom prst="straightConnector1">
+            <a:avLst/>
+          </a:prstGeom>
+          <a:ln w="57150">
+            <a:tailEnd type="triangle"/>
+          </a:ln>
+        </p:spPr>
+        <p:style>
+          <a:lnRef idx="1">
+            <a:schemeClr val="accent1"/>
+          </a:lnRef>
+          <a:fillRef idx="0">
+            <a:schemeClr val="accent1"/>
+          </a:fillRef>
+          <a:effectRef idx="0">
+            <a:schemeClr val="accent1"/>
+          </a:effectRef>
+          <a:fontRef idx="minor">
+            <a:schemeClr val="tx1"/>
+          </a:fontRef>
+        </p:style>
+      </p:cxnSp>
+    </p:spTree>
+    <p:extLst>
+      <p:ext uri="{BB962C8B-B14F-4D97-AF65-F5344CB8AC3E}">
+        <p14:creationId xmlns:p14="http://schemas.microsoft.com/office/powerpoint/2010/main" val="365396795"/>
+      </p:ext>
+    </p:extLst>
+  </p:cSld>
+  <p:clrMapOvr>
+    <a:masterClrMapping/>
+  </p:clrMapOvr>
+</p:sld>
+</file>
+
 <file path=ppt/slides/slide3.xml><?xml version="1.0" encoding="utf-8"?>
 <p:sld xmlns:a="http://schemas.openxmlformats.org/drawingml/2006/main" xmlns:r="http://schemas.openxmlformats.org/officeDocument/2006/relationships" xmlns:p="http://schemas.openxmlformats.org/presentationml/2006/main">
   <p:cSld>
@@ -5246,7 +5917,11 @@
           <a:p>
             <a:r>
               <a:rPr lang="en-US" dirty="0" smtClean="0"/>
-              <a:t>Peripheral component</a:t>
+              <a:t>Peripheral </a:t>
+            </a:r>
+            <a:r>
+              <a:rPr lang="en-US" dirty="0" smtClean="0"/>
+              <a:t>component – Block Diagram</a:t>
             </a:r>
             <a:endParaRPr lang="en-US" dirty="0"/>
           </a:p>
@@ -5260,8 +5935,8 @@
         </p:nvSpPr>
         <p:spPr>
           <a:xfrm>
-            <a:off x="3728075" y="2905144"/>
-            <a:ext cx="3690851" cy="2859578"/>
+            <a:off x="1816739" y="2972267"/>
+            <a:ext cx="2070359" cy="2000590"/>
           </a:xfrm>
           <a:prstGeom prst="rect">
             <a:avLst/>
@@ -5307,8 +5982,8 @@
         </p:nvCxnSpPr>
         <p:spPr>
           <a:xfrm>
-            <a:off x="1493039" y="3665605"/>
-            <a:ext cx="2094807" cy="16626"/>
+            <a:off x="734986" y="3735733"/>
+            <a:ext cx="846383" cy="8313"/>
           </a:xfrm>
           <a:prstGeom prst="straightConnector1">
             <a:avLst/>
@@ -5348,8 +6023,8 @@
         </p:blipFill>
         <p:spPr>
           <a:xfrm>
-            <a:off x="258248" y="2596189"/>
-            <a:ext cx="1159904" cy="1291550"/>
+            <a:off x="555241" y="2433124"/>
+            <a:ext cx="834730" cy="929470"/>
           </a:xfrm>
           <a:prstGeom prst="rect">
             <a:avLst/>
@@ -5363,9 +6038,9 @@
           <p:nvPr/>
         </p:nvCxnSpPr>
         <p:spPr>
-          <a:xfrm flipV="1">
-            <a:off x="681644" y="4771505"/>
-            <a:ext cx="2793076" cy="5109"/>
+          <a:xfrm>
+            <a:off x="712148" y="4270089"/>
+            <a:ext cx="851638" cy="16625"/>
           </a:xfrm>
           <a:prstGeom prst="straightConnector1">
             <a:avLst/>
@@ -5397,44 +6072,8 @@
         </p:nvSpPr>
         <p:spPr>
           <a:xfrm>
-            <a:off x="330637" y="4829383"/>
-            <a:ext cx="2859116" cy="830997"/>
-          </a:xfrm>
-          <a:prstGeom prst="rect">
-            <a:avLst/>
-          </a:prstGeom>
-          <a:noFill/>
-        </p:spPr>
-        <p:txBody>
-          <a:bodyPr wrap="none" rtlCol="0">
-            <a:spAutoFit/>
-          </a:bodyPr>
-          <a:lstStyle/>
-          <a:p>
-            <a:r>
-              <a:rPr lang="en-US" sz="2400" dirty="0" smtClean="0"/>
-              <a:t>Send MSG command </a:t>
-            </a:r>
-          </a:p>
-          <a:p>
-            <a:r>
-              <a:rPr lang="en-US" sz="2400" dirty="0" smtClean="0"/>
-              <a:t>From test bench</a:t>
-            </a:r>
-            <a:endParaRPr lang="en-US" sz="2400" dirty="0"/>
-          </a:p>
-        </p:txBody>
-      </p:sp>
-      <p:sp>
-        <p:nvSpPr>
-          <p:cNvPr id="21" name="TextBox 20"/>
-          <p:cNvSpPr txBox="1"/>
-          <p:nvPr/>
-        </p:nvSpPr>
-        <p:spPr>
-          <a:xfrm>
-            <a:off x="7699384" y="3120626"/>
-            <a:ext cx="3339918" cy="830997"/>
+            <a:off x="258248" y="4453280"/>
+            <a:ext cx="2049028" cy="1569660"/>
           </a:xfrm>
           <a:prstGeom prst="rect">
             <a:avLst/>
@@ -5449,7 +6088,13 @@
           <a:p>
             <a:r>
               <a:rPr lang="en-US" sz="2400" dirty="0" smtClean="0"/>
-              <a:t>Serial communication with memory controller</a:t>
+              <a:t>Send MSG command </a:t>
+            </a:r>
+          </a:p>
+          <a:p>
+            <a:r>
+              <a:rPr lang="en-US" sz="2400" dirty="0" smtClean="0"/>
+              <a:t>From test bench</a:t>
             </a:r>
             <a:endParaRPr lang="en-US" sz="2400" dirty="0"/>
           </a:p>
@@ -5463,7 +6108,7 @@
         </p:nvSpPr>
         <p:spPr>
           <a:xfrm>
-            <a:off x="1715779" y="2781839"/>
+            <a:off x="1092978" y="1674478"/>
             <a:ext cx="1758941" cy="830997"/>
           </a:xfrm>
           <a:prstGeom prst="rect">
@@ -5485,22 +6130,855 @@
           </a:p>
         </p:txBody>
       </p:sp>
+      <p:sp>
+        <p:nvSpPr>
+          <p:cNvPr id="14" name="Rectangle 13"/>
+          <p:cNvSpPr/>
+          <p:nvPr/>
+        </p:nvSpPr>
+        <p:spPr>
+          <a:xfrm>
+            <a:off x="7143440" y="2521622"/>
+            <a:ext cx="1514503" cy="1222424"/>
+          </a:xfrm>
+          <a:prstGeom prst="rect">
+            <a:avLst/>
+          </a:prstGeom>
+          <a:solidFill>
+            <a:schemeClr val="accent2">
+              <a:lumMod val="75000"/>
+            </a:schemeClr>
+          </a:solidFill>
+        </p:spPr>
+        <p:style>
+          <a:lnRef idx="2">
+            <a:schemeClr val="accent1">
+              <a:shade val="50000"/>
+            </a:schemeClr>
+          </a:lnRef>
+          <a:fillRef idx="1">
+            <a:schemeClr val="accent1"/>
+          </a:fillRef>
+          <a:effectRef idx="0">
+            <a:schemeClr val="accent1"/>
+          </a:effectRef>
+          <a:fontRef idx="minor">
+            <a:schemeClr val="lt1"/>
+          </a:fontRef>
+        </p:style>
+        <p:txBody>
+          <a:bodyPr rtlCol="0" anchor="ctr"/>
+          <a:lstStyle/>
+          <a:p>
+            <a:pPr algn="ctr"/>
+            <a:r>
+              <a:rPr lang="en-US" sz="2800" b="1" dirty="0" smtClean="0"/>
+              <a:t>PMC</a:t>
+            </a:r>
+          </a:p>
+          <a:p>
+            <a:pPr algn="ctr"/>
+            <a:r>
+              <a:rPr lang="en-US" sz="2800" b="1" dirty="0" smtClean="0"/>
+              <a:t>Decoder </a:t>
+            </a:r>
+            <a:endParaRPr lang="en-US" sz="2800" b="1" dirty="0"/>
+          </a:p>
+        </p:txBody>
+      </p:sp>
+      <p:sp>
+        <p:nvSpPr>
+          <p:cNvPr id="20" name="TextBox 19"/>
+          <p:cNvSpPr txBox="1"/>
+          <p:nvPr/>
+        </p:nvSpPr>
+        <p:spPr>
+          <a:xfrm>
+            <a:off x="4876678" y="2804829"/>
+            <a:ext cx="1329624" cy="707886"/>
+          </a:xfrm>
+          <a:prstGeom prst="rect">
+            <a:avLst/>
+          </a:prstGeom>
+          <a:noFill/>
+          <a:ln w="6350">
+            <a:solidFill>
+              <a:schemeClr val="accent2">
+                <a:lumMod val="75000"/>
+              </a:schemeClr>
+            </a:solidFill>
+          </a:ln>
+        </p:spPr>
+        <p:txBody>
+          <a:bodyPr wrap="square" rtlCol="0">
+            <a:spAutoFit/>
+          </a:bodyPr>
+          <a:lstStyle/>
+          <a:p>
+            <a:r>
+              <a:rPr lang="en-US" sz="4000" dirty="0" smtClean="0"/>
+              <a:t>UART</a:t>
+            </a:r>
+            <a:endParaRPr lang="en-US" sz="4000" dirty="0"/>
+          </a:p>
+        </p:txBody>
+      </p:sp>
+      <p:pic>
+        <p:nvPicPr>
+          <p:cNvPr id="22" name="Picture 21"/>
+          <p:cNvPicPr>
+            <a:picLocks noChangeAspect="1"/>
+          </p:cNvPicPr>
+          <p:nvPr/>
+        </p:nvPicPr>
+        <p:blipFill>
+          <a:blip r:embed="rId3"/>
+          <a:stretch>
+            <a:fillRect/>
+          </a:stretch>
+        </p:blipFill>
+        <p:spPr>
+          <a:xfrm>
+            <a:off x="3106697" y="1608173"/>
+            <a:ext cx="5048218" cy="749232"/>
+          </a:xfrm>
+          <a:prstGeom prst="rect">
+            <a:avLst/>
+          </a:prstGeom>
+        </p:spPr>
+      </p:pic>
       <p:cxnSp>
         <p:nvCxnSpPr>
-          <p:cNvPr id="34" name="Straight Arrow Connector 33"/>
+          <p:cNvPr id="26" name="Straight Arrow Connector 25"/>
           <p:cNvCxnSpPr/>
           <p:nvPr/>
         </p:nvCxnSpPr>
         <p:spPr>
-          <a:xfrm flipV="1">
-            <a:off x="7522945" y="4334933"/>
-            <a:ext cx="3602255" cy="1"/>
+          <a:xfrm>
+            <a:off x="8819168" y="2664038"/>
+            <a:ext cx="846383" cy="8313"/>
           </a:xfrm>
           <a:prstGeom prst="straightConnector1">
             <a:avLst/>
           </a:prstGeom>
           <a:ln w="57150">
-            <a:headEnd type="triangle"/>
+            <a:tailEnd type="triangle"/>
+          </a:ln>
+        </p:spPr>
+        <p:style>
+          <a:lnRef idx="1">
+            <a:schemeClr val="accent1"/>
+          </a:lnRef>
+          <a:fillRef idx="0">
+            <a:schemeClr val="accent1"/>
+          </a:fillRef>
+          <a:effectRef idx="0">
+            <a:schemeClr val="accent1"/>
+          </a:effectRef>
+          <a:fontRef idx="minor">
+            <a:schemeClr val="tx1"/>
+          </a:fontRef>
+        </p:style>
+      </p:cxnSp>
+      <p:grpSp>
+        <p:nvGrpSpPr>
+          <p:cNvPr id="16" name="Group 15"/>
+          <p:cNvGrpSpPr/>
+          <p:nvPr/>
+        </p:nvGrpSpPr>
+        <p:grpSpPr>
+          <a:xfrm>
+            <a:off x="8819169" y="2441487"/>
+            <a:ext cx="1664489" cy="1754326"/>
+            <a:chOff x="9467124" y="2418909"/>
+            <a:chExt cx="1664489" cy="1754326"/>
+          </a:xfrm>
+        </p:grpSpPr>
+        <p:cxnSp>
+          <p:nvCxnSpPr>
+            <p:cNvPr id="23" name="Straight Arrow Connector 22"/>
+            <p:cNvCxnSpPr/>
+            <p:nvPr/>
+          </p:nvCxnSpPr>
+          <p:spPr>
+            <a:xfrm>
+              <a:off x="9467125" y="2906432"/>
+              <a:ext cx="846383" cy="8313"/>
+            </a:xfrm>
+            <a:prstGeom prst="straightConnector1">
+              <a:avLst/>
+            </a:prstGeom>
+            <a:ln w="57150">
+              <a:tailEnd type="triangle"/>
+            </a:ln>
+          </p:spPr>
+          <p:style>
+            <a:lnRef idx="1">
+              <a:schemeClr val="accent1"/>
+            </a:lnRef>
+            <a:fillRef idx="0">
+              <a:schemeClr val="accent1"/>
+            </a:fillRef>
+            <a:effectRef idx="0">
+              <a:schemeClr val="accent1"/>
+            </a:effectRef>
+            <a:fontRef idx="minor">
+              <a:schemeClr val="tx1"/>
+            </a:fontRef>
+          </p:style>
+        </p:cxnSp>
+        <p:cxnSp>
+          <p:nvCxnSpPr>
+            <p:cNvPr id="24" name="Straight Arrow Connector 23"/>
+            <p:cNvCxnSpPr/>
+            <p:nvPr/>
+          </p:nvCxnSpPr>
+          <p:spPr>
+            <a:xfrm>
+              <a:off x="9484653" y="3158772"/>
+              <a:ext cx="846383" cy="8313"/>
+            </a:xfrm>
+            <a:prstGeom prst="straightConnector1">
+              <a:avLst/>
+            </a:prstGeom>
+            <a:ln w="57150">
+              <a:tailEnd type="triangle"/>
+            </a:ln>
+          </p:spPr>
+          <p:style>
+            <a:lnRef idx="1">
+              <a:schemeClr val="accent1"/>
+            </a:lnRef>
+            <a:fillRef idx="0">
+              <a:schemeClr val="accent1"/>
+            </a:fillRef>
+            <a:effectRef idx="0">
+              <a:schemeClr val="accent1"/>
+            </a:effectRef>
+            <a:fontRef idx="minor">
+              <a:schemeClr val="tx1"/>
+            </a:fontRef>
+          </p:style>
+        </p:cxnSp>
+        <p:cxnSp>
+          <p:nvCxnSpPr>
+            <p:cNvPr id="25" name="Straight Arrow Connector 24"/>
+            <p:cNvCxnSpPr/>
+            <p:nvPr/>
+          </p:nvCxnSpPr>
+          <p:spPr>
+            <a:xfrm>
+              <a:off x="9467125" y="3419750"/>
+              <a:ext cx="846383" cy="8313"/>
+            </a:xfrm>
+            <a:prstGeom prst="straightConnector1">
+              <a:avLst/>
+            </a:prstGeom>
+            <a:ln w="57150">
+              <a:tailEnd type="triangle"/>
+            </a:ln>
+          </p:spPr>
+          <p:style>
+            <a:lnRef idx="1">
+              <a:schemeClr val="accent1"/>
+            </a:lnRef>
+            <a:fillRef idx="0">
+              <a:schemeClr val="accent1"/>
+            </a:fillRef>
+            <a:effectRef idx="0">
+              <a:schemeClr val="accent1"/>
+            </a:effectRef>
+            <a:fontRef idx="minor">
+              <a:schemeClr val="tx1"/>
+            </a:fontRef>
+          </p:style>
+        </p:cxnSp>
+        <p:sp>
+          <p:nvSpPr>
+            <p:cNvPr id="12" name="TextBox 11"/>
+            <p:cNvSpPr txBox="1"/>
+            <p:nvPr/>
+          </p:nvSpPr>
+          <p:spPr>
+            <a:xfrm>
+              <a:off x="10243036" y="2418909"/>
+              <a:ext cx="888577" cy="1754326"/>
+            </a:xfrm>
+            <a:prstGeom prst="rect">
+              <a:avLst/>
+            </a:prstGeom>
+            <a:noFill/>
+          </p:spPr>
+          <p:txBody>
+            <a:bodyPr wrap="none" rtlCol="0">
+              <a:spAutoFit/>
+            </a:bodyPr>
+            <a:lstStyle/>
+            <a:p>
+              <a:r>
+                <a:rPr lang="en-US" dirty="0" smtClean="0"/>
+                <a:t>Data</a:t>
+              </a:r>
+            </a:p>
+            <a:p>
+              <a:r>
+                <a:rPr lang="en-US" dirty="0" err="1" smtClean="0"/>
+                <a:t>Addr</a:t>
+              </a:r>
+              <a:endParaRPr lang="en-US" dirty="0" smtClean="0"/>
+            </a:p>
+            <a:p>
+              <a:r>
+                <a:rPr lang="en-US" dirty="0" smtClean="0"/>
+                <a:t>Bus </a:t>
+              </a:r>
+              <a:r>
+                <a:rPr lang="en-US" dirty="0" err="1" smtClean="0"/>
+                <a:t>req</a:t>
+              </a:r>
+              <a:endParaRPr lang="en-US" dirty="0" smtClean="0"/>
+            </a:p>
+            <a:p>
+              <a:r>
+                <a:rPr lang="en-US" dirty="0" smtClean="0"/>
+                <a:t>Read</a:t>
+              </a:r>
+            </a:p>
+            <a:p>
+              <a:r>
+                <a:rPr lang="en-US" dirty="0" smtClean="0"/>
+                <a:t>Write</a:t>
+              </a:r>
+            </a:p>
+            <a:p>
+              <a:endParaRPr lang="en-US" dirty="0"/>
+            </a:p>
+          </p:txBody>
+        </p:sp>
+        <p:cxnSp>
+          <p:nvCxnSpPr>
+            <p:cNvPr id="27" name="Straight Arrow Connector 26"/>
+            <p:cNvCxnSpPr/>
+            <p:nvPr/>
+          </p:nvCxnSpPr>
+          <p:spPr>
+            <a:xfrm>
+              <a:off x="9467124" y="3663777"/>
+              <a:ext cx="846383" cy="8313"/>
+            </a:xfrm>
+            <a:prstGeom prst="straightConnector1">
+              <a:avLst/>
+            </a:prstGeom>
+            <a:ln w="57150">
+              <a:tailEnd type="triangle"/>
+            </a:ln>
+          </p:spPr>
+          <p:style>
+            <a:lnRef idx="1">
+              <a:schemeClr val="accent1"/>
+            </a:lnRef>
+            <a:fillRef idx="0">
+              <a:schemeClr val="accent1"/>
+            </a:fillRef>
+            <a:effectRef idx="0">
+              <a:schemeClr val="accent1"/>
+            </a:effectRef>
+            <a:fontRef idx="minor">
+              <a:schemeClr val="tx1"/>
+            </a:fontRef>
+          </p:style>
+        </p:cxnSp>
+      </p:grpSp>
+      <p:cxnSp>
+        <p:nvCxnSpPr>
+          <p:cNvPr id="28" name="Straight Arrow Connector 27"/>
+          <p:cNvCxnSpPr/>
+          <p:nvPr/>
+        </p:nvCxnSpPr>
+        <p:spPr>
+          <a:xfrm>
+            <a:off x="4006655" y="3167085"/>
+            <a:ext cx="846383" cy="8313"/>
+          </a:xfrm>
+          <a:prstGeom prst="straightConnector1">
+            <a:avLst/>
+          </a:prstGeom>
+          <a:ln w="57150">
+            <a:tailEnd type="triangle"/>
+          </a:ln>
+        </p:spPr>
+        <p:style>
+          <a:lnRef idx="1">
+            <a:schemeClr val="accent1"/>
+          </a:lnRef>
+          <a:fillRef idx="0">
+            <a:schemeClr val="accent1"/>
+          </a:fillRef>
+          <a:effectRef idx="0">
+            <a:schemeClr val="accent1"/>
+          </a:effectRef>
+          <a:fontRef idx="minor">
+            <a:schemeClr val="tx1"/>
+          </a:fontRef>
+        </p:style>
+      </p:cxnSp>
+      <p:cxnSp>
+        <p:nvCxnSpPr>
+          <p:cNvPr id="30" name="Straight Arrow Connector 29"/>
+          <p:cNvCxnSpPr/>
+          <p:nvPr/>
+        </p:nvCxnSpPr>
+        <p:spPr>
+          <a:xfrm>
+            <a:off x="6252147" y="3175398"/>
+            <a:ext cx="846383" cy="8313"/>
+          </a:xfrm>
+          <a:prstGeom prst="straightConnector1">
+            <a:avLst/>
+          </a:prstGeom>
+          <a:ln w="57150">
+            <a:tailEnd type="triangle"/>
+          </a:ln>
+        </p:spPr>
+        <p:style>
+          <a:lnRef idx="1">
+            <a:schemeClr val="accent1"/>
+          </a:lnRef>
+          <a:fillRef idx="0">
+            <a:schemeClr val="accent1"/>
+          </a:fillRef>
+          <a:effectRef idx="0">
+            <a:schemeClr val="accent1"/>
+          </a:effectRef>
+          <a:fontRef idx="minor">
+            <a:schemeClr val="tx1"/>
+          </a:fontRef>
+        </p:style>
+      </p:cxnSp>
+      <p:sp>
+        <p:nvSpPr>
+          <p:cNvPr id="31" name="Rectangle 30"/>
+          <p:cNvSpPr/>
+          <p:nvPr/>
+        </p:nvSpPr>
+        <p:spPr>
+          <a:xfrm>
+            <a:off x="10560281" y="2481820"/>
+            <a:ext cx="1311933" cy="1398414"/>
+          </a:xfrm>
+          <a:prstGeom prst="rect">
+            <a:avLst/>
+          </a:prstGeom>
+          <a:solidFill>
+            <a:srgbClr val="FF0000"/>
+          </a:solidFill>
+        </p:spPr>
+        <p:style>
+          <a:lnRef idx="2">
+            <a:schemeClr val="accent1">
+              <a:shade val="50000"/>
+            </a:schemeClr>
+          </a:lnRef>
+          <a:fillRef idx="1">
+            <a:schemeClr val="accent1"/>
+          </a:fillRef>
+          <a:effectRef idx="0">
+            <a:schemeClr val="accent1"/>
+          </a:effectRef>
+          <a:fontRef idx="minor">
+            <a:schemeClr val="lt1"/>
+          </a:fontRef>
+        </p:style>
+        <p:txBody>
+          <a:bodyPr rtlCol="0" anchor="ctr"/>
+          <a:lstStyle/>
+          <a:p>
+            <a:pPr algn="ctr"/>
+            <a:r>
+              <a:rPr lang="en-US" sz="2000" dirty="0" smtClean="0"/>
+              <a:t>Memory Controller</a:t>
+            </a:r>
+            <a:endParaRPr lang="en-US" sz="2000" dirty="0"/>
+          </a:p>
+        </p:txBody>
+      </p:sp>
+      <p:sp>
+        <p:nvSpPr>
+          <p:cNvPr id="32" name="TextBox 31"/>
+          <p:cNvSpPr txBox="1"/>
+          <p:nvPr/>
+        </p:nvSpPr>
+        <p:spPr>
+          <a:xfrm>
+            <a:off x="10688988" y="5315054"/>
+            <a:ext cx="1329624" cy="707886"/>
+          </a:xfrm>
+          <a:prstGeom prst="rect">
+            <a:avLst/>
+          </a:prstGeom>
+          <a:noFill/>
+          <a:ln w="6350">
+            <a:solidFill>
+              <a:schemeClr val="accent2">
+                <a:lumMod val="75000"/>
+              </a:schemeClr>
+            </a:solidFill>
+          </a:ln>
+        </p:spPr>
+        <p:txBody>
+          <a:bodyPr wrap="square" rtlCol="0">
+            <a:spAutoFit/>
+          </a:bodyPr>
+          <a:lstStyle/>
+          <a:p>
+            <a:r>
+              <a:rPr lang="en-US" sz="4000" dirty="0" smtClean="0"/>
+              <a:t>UART</a:t>
+            </a:r>
+            <a:endParaRPr lang="en-US" sz="4000" dirty="0"/>
+          </a:p>
+        </p:txBody>
+      </p:sp>
+      <p:cxnSp>
+        <p:nvCxnSpPr>
+          <p:cNvPr id="33" name="Straight Arrow Connector 32"/>
+          <p:cNvCxnSpPr/>
+          <p:nvPr/>
+        </p:nvCxnSpPr>
+        <p:spPr>
+          <a:xfrm>
+            <a:off x="11242041" y="3940272"/>
+            <a:ext cx="16188" cy="1282656"/>
+          </a:xfrm>
+          <a:prstGeom prst="straightConnector1">
+            <a:avLst/>
+          </a:prstGeom>
+          <a:ln w="57150">
+            <a:tailEnd type="triangle"/>
+          </a:ln>
+        </p:spPr>
+        <p:style>
+          <a:lnRef idx="1">
+            <a:schemeClr val="accent1"/>
+          </a:lnRef>
+          <a:fillRef idx="0">
+            <a:schemeClr val="accent1"/>
+          </a:fillRef>
+          <a:effectRef idx="0">
+            <a:schemeClr val="accent1"/>
+          </a:effectRef>
+          <a:fontRef idx="minor">
+            <a:schemeClr val="tx1"/>
+          </a:fontRef>
+        </p:style>
+      </p:cxnSp>
+      <p:sp>
+        <p:nvSpPr>
+          <p:cNvPr id="36" name="Rectangle 35"/>
+          <p:cNvSpPr/>
+          <p:nvPr/>
+        </p:nvSpPr>
+        <p:spPr>
+          <a:xfrm>
+            <a:off x="7687222" y="5057785"/>
+            <a:ext cx="1514503" cy="1222424"/>
+          </a:xfrm>
+          <a:prstGeom prst="rect">
+            <a:avLst/>
+          </a:prstGeom>
+          <a:solidFill>
+            <a:schemeClr val="accent6">
+              <a:lumMod val="75000"/>
+            </a:schemeClr>
+          </a:solidFill>
+        </p:spPr>
+        <p:style>
+          <a:lnRef idx="2">
+            <a:schemeClr val="accent1">
+              <a:shade val="50000"/>
+            </a:schemeClr>
+          </a:lnRef>
+          <a:fillRef idx="1">
+            <a:schemeClr val="accent1"/>
+          </a:fillRef>
+          <a:effectRef idx="0">
+            <a:schemeClr val="accent1"/>
+          </a:effectRef>
+          <a:fontRef idx="minor">
+            <a:schemeClr val="lt1"/>
+          </a:fontRef>
+        </p:style>
+        <p:txBody>
+          <a:bodyPr rtlCol="0" anchor="ctr"/>
+          <a:lstStyle/>
+          <a:p>
+            <a:pPr algn="ctr"/>
+            <a:r>
+              <a:rPr lang="en-US" sz="2800" b="1" dirty="0" smtClean="0"/>
+              <a:t>MCP</a:t>
+            </a:r>
+          </a:p>
+          <a:p>
+            <a:pPr algn="ctr"/>
+            <a:r>
+              <a:rPr lang="en-US" sz="2800" b="1" dirty="0" smtClean="0"/>
+              <a:t>Decoder </a:t>
+            </a:r>
+            <a:endParaRPr lang="en-US" sz="2800" b="1" dirty="0"/>
+          </a:p>
+        </p:txBody>
+      </p:sp>
+      <p:cxnSp>
+        <p:nvCxnSpPr>
+          <p:cNvPr id="37" name="Straight Arrow Connector 36"/>
+          <p:cNvCxnSpPr/>
+          <p:nvPr/>
+        </p:nvCxnSpPr>
+        <p:spPr>
+          <a:xfrm flipH="1">
+            <a:off x="9330431" y="5659602"/>
+            <a:ext cx="1229851" cy="9395"/>
+          </a:xfrm>
+          <a:prstGeom prst="straightConnector1">
+            <a:avLst/>
+          </a:prstGeom>
+          <a:ln w="57150">
+            <a:tailEnd type="triangle"/>
+          </a:ln>
+        </p:spPr>
+        <p:style>
+          <a:lnRef idx="1">
+            <a:schemeClr val="accent1"/>
+          </a:lnRef>
+          <a:fillRef idx="0">
+            <a:schemeClr val="accent1"/>
+          </a:fillRef>
+          <a:effectRef idx="0">
+            <a:schemeClr val="accent1"/>
+          </a:effectRef>
+          <a:fontRef idx="minor">
+            <a:schemeClr val="tx1"/>
+          </a:fontRef>
+        </p:style>
+      </p:cxnSp>
+      <p:grpSp>
+        <p:nvGrpSpPr>
+          <p:cNvPr id="40" name="Group 39"/>
+          <p:cNvGrpSpPr/>
+          <p:nvPr/>
+        </p:nvGrpSpPr>
+        <p:grpSpPr>
+          <a:xfrm>
+            <a:off x="5326602" y="5057785"/>
+            <a:ext cx="2312780" cy="2031325"/>
+            <a:chOff x="7865000" y="2728710"/>
+            <a:chExt cx="2312780" cy="2031325"/>
+          </a:xfrm>
+        </p:grpSpPr>
+        <p:cxnSp>
+          <p:nvCxnSpPr>
+            <p:cNvPr id="42" name="Straight Arrow Connector 41"/>
+            <p:cNvCxnSpPr/>
+            <p:nvPr/>
+          </p:nvCxnSpPr>
+          <p:spPr>
+            <a:xfrm flipH="1">
+              <a:off x="9073881" y="2909035"/>
+              <a:ext cx="1103899" cy="0"/>
+            </a:xfrm>
+            <a:prstGeom prst="straightConnector1">
+              <a:avLst/>
+            </a:prstGeom>
+            <a:ln w="57150">
+              <a:tailEnd type="triangle"/>
+            </a:ln>
+          </p:spPr>
+          <p:style>
+            <a:lnRef idx="1">
+              <a:schemeClr val="accent1"/>
+            </a:lnRef>
+            <a:fillRef idx="0">
+              <a:schemeClr val="accent1"/>
+            </a:fillRef>
+            <a:effectRef idx="0">
+              <a:schemeClr val="accent1"/>
+            </a:effectRef>
+            <a:fontRef idx="minor">
+              <a:schemeClr val="tx1"/>
+            </a:fontRef>
+          </p:style>
+        </p:cxnSp>
+        <p:sp>
+          <p:nvSpPr>
+            <p:cNvPr id="44" name="TextBox 43"/>
+            <p:cNvSpPr txBox="1"/>
+            <p:nvPr/>
+          </p:nvSpPr>
+          <p:spPr>
+            <a:xfrm>
+              <a:off x="7865000" y="2728710"/>
+              <a:ext cx="1450491" cy="2031325"/>
+            </a:xfrm>
+            <a:prstGeom prst="rect">
+              <a:avLst/>
+            </a:prstGeom>
+            <a:noFill/>
+          </p:spPr>
+          <p:txBody>
+            <a:bodyPr wrap="square" rtlCol="0">
+              <a:spAutoFit/>
+            </a:bodyPr>
+            <a:lstStyle/>
+            <a:p>
+              <a:r>
+                <a:rPr lang="en-US" dirty="0" smtClean="0"/>
+                <a:t>Data read</a:t>
+              </a:r>
+            </a:p>
+            <a:p>
+              <a:r>
+                <a:rPr lang="en-US" dirty="0" smtClean="0"/>
+                <a:t>Error-retry</a:t>
+              </a:r>
+            </a:p>
+            <a:p>
+              <a:r>
+                <a:rPr lang="en-US" dirty="0" err="1" smtClean="0"/>
+                <a:t>Ack</a:t>
+              </a:r>
+              <a:endParaRPr lang="en-US" dirty="0" smtClean="0"/>
+            </a:p>
+            <a:p>
+              <a:r>
+                <a:rPr lang="en-US" dirty="0" smtClean="0"/>
+                <a:t>Wait-Bus busy</a:t>
+              </a:r>
+            </a:p>
+            <a:p>
+              <a:endParaRPr lang="en-US" dirty="0" smtClean="0"/>
+            </a:p>
+            <a:p>
+              <a:endParaRPr lang="en-US" dirty="0"/>
+            </a:p>
+          </p:txBody>
+        </p:sp>
+      </p:grpSp>
+      <p:cxnSp>
+        <p:nvCxnSpPr>
+          <p:cNvPr id="52" name="Straight Arrow Connector 51"/>
+          <p:cNvCxnSpPr/>
+          <p:nvPr/>
+        </p:nvCxnSpPr>
+        <p:spPr>
+          <a:xfrm flipH="1">
+            <a:off x="6546578" y="5479373"/>
+            <a:ext cx="1103899" cy="0"/>
+          </a:xfrm>
+          <a:prstGeom prst="straightConnector1">
+            <a:avLst/>
+          </a:prstGeom>
+          <a:ln w="57150">
+            <a:tailEnd type="triangle"/>
+          </a:ln>
+        </p:spPr>
+        <p:style>
+          <a:lnRef idx="1">
+            <a:schemeClr val="accent1"/>
+          </a:lnRef>
+          <a:fillRef idx="0">
+            <a:schemeClr val="accent1"/>
+          </a:fillRef>
+          <a:effectRef idx="0">
+            <a:schemeClr val="accent1"/>
+          </a:effectRef>
+          <a:fontRef idx="minor">
+            <a:schemeClr val="tx1"/>
+          </a:fontRef>
+        </p:style>
+      </p:cxnSp>
+      <p:cxnSp>
+        <p:nvCxnSpPr>
+          <p:cNvPr id="53" name="Straight Arrow Connector 52"/>
+          <p:cNvCxnSpPr/>
+          <p:nvPr/>
+        </p:nvCxnSpPr>
+        <p:spPr>
+          <a:xfrm flipH="1">
+            <a:off x="6546578" y="6022940"/>
+            <a:ext cx="1103899" cy="0"/>
+          </a:xfrm>
+          <a:prstGeom prst="straightConnector1">
+            <a:avLst/>
+          </a:prstGeom>
+          <a:ln w="57150">
+            <a:tailEnd type="triangle"/>
+          </a:ln>
+        </p:spPr>
+        <p:style>
+          <a:lnRef idx="1">
+            <a:schemeClr val="accent1"/>
+          </a:lnRef>
+          <a:fillRef idx="0">
+            <a:schemeClr val="accent1"/>
+          </a:fillRef>
+          <a:effectRef idx="0">
+            <a:schemeClr val="accent1"/>
+          </a:effectRef>
+          <a:fontRef idx="minor">
+            <a:schemeClr val="tx1"/>
+          </a:fontRef>
+        </p:style>
+      </p:cxnSp>
+      <p:cxnSp>
+        <p:nvCxnSpPr>
+          <p:cNvPr id="54" name="Straight Arrow Connector 53"/>
+          <p:cNvCxnSpPr/>
+          <p:nvPr/>
+        </p:nvCxnSpPr>
+        <p:spPr>
+          <a:xfrm flipH="1">
+            <a:off x="6546578" y="5779537"/>
+            <a:ext cx="1103899" cy="0"/>
+          </a:xfrm>
+          <a:prstGeom prst="straightConnector1">
+            <a:avLst/>
+          </a:prstGeom>
+          <a:ln w="57150">
+            <a:tailEnd type="triangle"/>
+          </a:ln>
+        </p:spPr>
+        <p:style>
+          <a:lnRef idx="1">
+            <a:schemeClr val="accent1"/>
+          </a:lnRef>
+          <a:fillRef idx="0">
+            <a:schemeClr val="accent1"/>
+          </a:fillRef>
+          <a:effectRef idx="0">
+            <a:schemeClr val="accent1"/>
+          </a:effectRef>
+          <a:fontRef idx="minor">
+            <a:schemeClr val="tx1"/>
+          </a:fontRef>
+        </p:style>
+      </p:cxnSp>
+      <p:cxnSp>
+        <p:nvCxnSpPr>
+          <p:cNvPr id="62" name="Elbow Connector 61"/>
+          <p:cNvCxnSpPr/>
+          <p:nvPr/>
+        </p:nvCxnSpPr>
+        <p:spPr>
+          <a:xfrm rot="10800000">
+            <a:off x="3968674" y="4582963"/>
+            <a:ext cx="1229222" cy="896410"/>
+          </a:xfrm>
+          <a:prstGeom prst="bentConnector3">
+            <a:avLst>
+              <a:gd name="adj1" fmla="val 50000"/>
+            </a:avLst>
+          </a:prstGeom>
+          <a:ln w="57150">
             <a:tailEnd type="triangle"/>
           </a:ln>
         </p:spPr>
@@ -5552,88 +7030,45 @@
       <p:sp>
         <p:nvSpPr>
           <p:cNvPr id="2" name="Title 1"/>
-          <p:cNvSpPr>
-            <a:spLocks noGrp="1"/>
+          <p:cNvSpPr txBox="1">
+            <a:spLocks/>
           </p:cNvSpPr>
-          <p:nvPr>
-            <p:ph type="title"/>
-          </p:nvPr>
-        </p:nvSpPr>
-        <p:spPr/>
+          <p:nvPr/>
+        </p:nvSpPr>
+        <p:spPr>
+          <a:xfrm>
+            <a:off x="838200" y="365125"/>
+            <a:ext cx="10515600" cy="1325563"/>
+          </a:xfrm>
+          <a:prstGeom prst="rect">
+            <a:avLst/>
+          </a:prstGeom>
+        </p:spPr>
         <p:txBody>
           <a:bodyPr/>
-          <a:lstStyle/>
+          <a:lstStyle>
+            <a:lvl1pPr algn="l" defTabSz="914400" rtl="0" eaLnBrk="1" latinLnBrk="0" hangingPunct="1">
+              <a:lnSpc>
+                <a:spcPct val="90000"/>
+              </a:lnSpc>
+              <a:spcBef>
+                <a:spcPct val="0"/>
+              </a:spcBef>
+              <a:buNone/>
+              <a:defRPr sz="4400" kern="1200">
+                <a:solidFill>
+                  <a:schemeClr val="tx1"/>
+                </a:solidFill>
+                <a:latin typeface="+mj-lt"/>
+                <a:ea typeface="+mj-ea"/>
+                <a:cs typeface="+mj-cs"/>
+              </a:defRPr>
+            </a:lvl1pPr>
+          </a:lstStyle>
           <a:p>
             <a:r>
               <a:rPr lang="en-US" dirty="0" smtClean="0"/>
-              <a:t>Peripheral component</a:t>
-            </a:r>
-            <a:endParaRPr lang="en-US" dirty="0"/>
-          </a:p>
-        </p:txBody>
-      </p:sp>
-      <p:sp>
-        <p:nvSpPr>
-          <p:cNvPr id="3" name="TextBox 2"/>
-          <p:cNvSpPr txBox="1"/>
-          <p:nvPr/>
-        </p:nvSpPr>
-        <p:spPr>
-          <a:xfrm>
-            <a:off x="8519990" y="5580332"/>
-            <a:ext cx="1329624" cy="707886"/>
-          </a:xfrm>
-          <a:prstGeom prst="rect">
-            <a:avLst/>
-          </a:prstGeom>
-          <a:noFill/>
-          <a:ln w="6350">
-            <a:solidFill>
-              <a:schemeClr val="accent2">
-                <a:lumMod val="75000"/>
-              </a:schemeClr>
-            </a:solidFill>
-          </a:ln>
-        </p:spPr>
-        <p:txBody>
-          <a:bodyPr wrap="square" rtlCol="0">
-            <a:spAutoFit/>
-          </a:bodyPr>
-          <a:lstStyle/>
-          <a:p>
-            <a:r>
-              <a:rPr lang="en-US" sz="4000" dirty="0" smtClean="0"/>
-              <a:t>UART</a:t>
-            </a:r>
-            <a:endParaRPr lang="en-US" sz="4000" dirty="0"/>
-          </a:p>
-        </p:txBody>
-      </p:sp>
-      <p:sp>
-        <p:nvSpPr>
-          <p:cNvPr id="11" name="TextBox 10"/>
-          <p:cNvSpPr txBox="1"/>
-          <p:nvPr/>
-        </p:nvSpPr>
-        <p:spPr>
-          <a:xfrm>
-            <a:off x="10025149" y="5564943"/>
-            <a:ext cx="2209387" cy="369332"/>
-          </a:xfrm>
-          <a:prstGeom prst="rect">
-            <a:avLst/>
-          </a:prstGeom>
-          <a:noFill/>
-        </p:spPr>
-        <p:txBody>
-          <a:bodyPr wrap="none" rtlCol="0">
-            <a:spAutoFit/>
-          </a:bodyPr>
-          <a:lstStyle/>
-          <a:p>
-            <a:r>
-              <a:rPr lang="en-US" dirty="0" smtClean="0"/>
-              <a:t>To memory controller</a:t>
+              <a:t>Message codification</a:t>
             </a:r>
             <a:endParaRPr lang="en-US" dirty="0"/>
           </a:p>
@@ -5641,7 +7076,7 @@
       </p:sp>
       <p:pic>
         <p:nvPicPr>
-          <p:cNvPr id="12" name="Picture 11"/>
+          <p:cNvPr id="3" name="Picture 2"/>
           <p:cNvPicPr>
             <a:picLocks noChangeAspect="1"/>
           </p:cNvPicPr>
@@ -5655,96 +7090,104 @@
         </p:blipFill>
         <p:spPr>
           <a:xfrm>
-            <a:off x="225526" y="5564944"/>
-            <a:ext cx="5689584" cy="844420"/>
+            <a:off x="1384429" y="1403987"/>
+            <a:ext cx="5048218" cy="749232"/>
           </a:xfrm>
           <a:prstGeom prst="rect">
             <a:avLst/>
           </a:prstGeom>
         </p:spPr>
       </p:pic>
-      <p:cxnSp>
-        <p:nvCxnSpPr>
-          <p:cNvPr id="14" name="Straight Arrow Connector 13"/>
-          <p:cNvCxnSpPr/>
-          <p:nvPr/>
-        </p:nvCxnSpPr>
-        <p:spPr>
-          <a:xfrm>
-            <a:off x="5627699" y="6040951"/>
-            <a:ext cx="458346" cy="9701"/>
-          </a:xfrm>
-          <a:prstGeom prst="straightConnector1">
-            <a:avLst/>
-          </a:prstGeom>
-          <a:ln w="57150">
-            <a:tailEnd type="triangle"/>
-          </a:ln>
-        </p:spPr>
-        <p:style>
-          <a:lnRef idx="1">
-            <a:schemeClr val="accent1"/>
-          </a:lnRef>
-          <a:fillRef idx="0">
-            <a:schemeClr val="accent1"/>
-          </a:fillRef>
-          <a:effectRef idx="0">
-            <a:schemeClr val="accent1"/>
-          </a:effectRef>
-          <a:fontRef idx="minor">
-            <a:schemeClr val="tx1"/>
-          </a:fontRef>
-        </p:style>
-      </p:cxnSp>
-      <p:pic>
-        <p:nvPicPr>
-          <p:cNvPr id="16" name="Picture 15"/>
-          <p:cNvPicPr>
-            <a:picLocks noChangeAspect="1"/>
-          </p:cNvPicPr>
-          <p:nvPr/>
-        </p:nvPicPr>
-        <p:blipFill>
-          <a:blip r:embed="rId3"/>
-          <a:stretch>
-            <a:fillRect/>
-          </a:stretch>
-        </p:blipFill>
-        <p:spPr>
-          <a:xfrm>
-            <a:off x="258248" y="2078182"/>
-            <a:ext cx="1040457" cy="1158546"/>
+      <p:sp>
+        <p:nvSpPr>
+          <p:cNvPr id="4" name="Rectangle 3"/>
+          <p:cNvSpPr/>
+          <p:nvPr/>
+        </p:nvSpPr>
+        <p:spPr>
+          <a:xfrm>
+            <a:off x="917359" y="2317072"/>
+            <a:ext cx="8643891" cy="4247317"/>
           </a:xfrm>
           <a:prstGeom prst="rect">
             <a:avLst/>
           </a:prstGeom>
         </p:spPr>
-      </p:pic>
-      <p:sp>
-        <p:nvSpPr>
-          <p:cNvPr id="17" name="TextBox 16"/>
-          <p:cNvSpPr txBox="1"/>
-          <p:nvPr/>
-        </p:nvSpPr>
-        <p:spPr>
-          <a:xfrm>
-            <a:off x="1529630" y="1647686"/>
-            <a:ext cx="4271805" cy="2677656"/>
-          </a:xfrm>
-          <a:prstGeom prst="rect">
-            <a:avLst/>
-          </a:prstGeom>
-          <a:noFill/>
-        </p:spPr>
-        <p:txBody>
-          <a:bodyPr wrap="square" rtlCol="0">
+        <p:txBody>
+          <a:bodyPr wrap="square">
             <a:spAutoFit/>
           </a:bodyPr>
           <a:lstStyle/>
           <a:p>
             <a:r>
-              <a:rPr lang="en-US" sz="2400" dirty="0" smtClean="0"/>
-              <a:t>Peripheral reads file from computer that contains instructions to:</a:t>
+              <a:rPr lang="en-US" dirty="0"/>
+              <a:t>	</a:t>
+            </a:r>
+            <a:r>
+              <a:rPr lang="en-US" dirty="0" err="1"/>
+              <a:t>reg</a:t>
+            </a:r>
+            <a:r>
+              <a:rPr lang="en-US" dirty="0"/>
+              <a:t> [15 : 0] </a:t>
+            </a:r>
+            <a:r>
+              <a:rPr lang="en-US" dirty="0" err="1"/>
+              <a:t>iInstruction_tb</a:t>
+            </a:r>
+            <a:r>
+              <a:rPr lang="en-US" dirty="0"/>
+              <a:t>;</a:t>
+            </a:r>
+          </a:p>
+          <a:p>
+            <a:r>
+              <a:rPr lang="en-US" dirty="0"/>
+              <a:t>	</a:t>
+            </a:r>
+            <a:r>
+              <a:rPr lang="en-US" dirty="0" err="1"/>
+              <a:t>reg</a:t>
+            </a:r>
+            <a:r>
+              <a:rPr lang="en-US" dirty="0"/>
+              <a:t> [23 : 0] </a:t>
+            </a:r>
+            <a:r>
+              <a:rPr lang="en-US" dirty="0" err="1"/>
+              <a:t>iAddr_tb</a:t>
+            </a:r>
+            <a:r>
+              <a:rPr lang="en-US" dirty="0"/>
+              <a:t>;</a:t>
+            </a:r>
+          </a:p>
+          <a:p>
+            <a:r>
+              <a:rPr lang="en-US" dirty="0"/>
+              <a:t>	</a:t>
+            </a:r>
+            <a:r>
+              <a:rPr lang="en-US" dirty="0" err="1"/>
+              <a:t>reg</a:t>
+            </a:r>
+            <a:r>
+              <a:rPr lang="en-US" dirty="0"/>
+              <a:t> [31 : 0] </a:t>
+            </a:r>
+            <a:r>
+              <a:rPr lang="en-US" dirty="0" err="1"/>
+              <a:t>iData_tb</a:t>
+            </a:r>
+            <a:r>
+              <a:rPr lang="en-US" dirty="0"/>
+              <a:t>;</a:t>
+            </a:r>
+          </a:p>
+          <a:p>
+            <a:r>
+              <a:rPr lang="en-US" dirty="0"/>
+              <a:t>				</a:t>
             </a:r>
           </a:p>
           <a:p>
@@ -5753,255 +7196,265 @@
               <a:buChar char="•"/>
             </a:pPr>
             <a:r>
-              <a:rPr lang="en-US" sz="2400" dirty="0" smtClean="0"/>
-              <a:t> read/write - </a:t>
-            </a:r>
-            <a:r>
-              <a:rPr lang="en-US" sz="2400" b="1" dirty="0" smtClean="0"/>
-              <a:t>header</a:t>
-            </a:r>
+              <a:rPr lang="en-US" dirty="0"/>
+              <a:t>Header </a:t>
+            </a:r>
+            <a:r>
+              <a:rPr lang="en-US" dirty="0" smtClean="0"/>
+              <a:t>:</a:t>
+            </a:r>
+            <a:endParaRPr lang="en-US" dirty="0"/>
           </a:p>
           <a:p>
             <a:pPr marL="285750" indent="-285750">
               <a:buFont typeface="Arial" panose="020B0604020202020204" pitchFamily="34" charset="0"/>
               <a:buChar char="•"/>
             </a:pPr>
-            <a:r>
-              <a:rPr lang="en-US" sz="2400" dirty="0" smtClean="0"/>
-              <a:t>addresses </a:t>
-            </a:r>
-          </a:p>
-          <a:p>
-            <a:pPr marL="285750" indent="-285750">
+            <a:endParaRPr lang="en-US" dirty="0"/>
+          </a:p>
+          <a:p>
+            <a:pPr marL="742950" lvl="1" indent="-285750">
               <a:buFont typeface="Arial" panose="020B0604020202020204" pitchFamily="34" charset="0"/>
               <a:buChar char="•"/>
             </a:pPr>
             <a:r>
-              <a:rPr lang="en-US" sz="2400" dirty="0" smtClean="0"/>
-              <a:t>Data</a:t>
-            </a:r>
-          </a:p>
-          <a:p>
-            <a:pPr marL="285750" indent="-285750">
+              <a:rPr lang="en-US" dirty="0"/>
+              <a:t>from peripheral</a:t>
+            </a:r>
+          </a:p>
+          <a:p>
+            <a:pPr marL="1200150" lvl="2" indent="-285750">
               <a:buFont typeface="Arial" panose="020B0604020202020204" pitchFamily="34" charset="0"/>
               <a:buChar char="•"/>
             </a:pPr>
             <a:r>
-              <a:rPr lang="en-US" sz="2400" dirty="0" smtClean="0"/>
-              <a:t>Error bits generated arbitrarily</a:t>
-            </a:r>
-            <a:endParaRPr lang="en-US" sz="2400" dirty="0"/>
-          </a:p>
-        </p:txBody>
-      </p:sp>
-      <p:pic>
-        <p:nvPicPr>
-          <p:cNvPr id="1026" name="Picture 2" descr="Related image"/>
-          <p:cNvPicPr>
-            <a:picLocks noChangeAspect="1" noChangeArrowheads="1"/>
-          </p:cNvPicPr>
-          <p:nvPr/>
-        </p:nvPicPr>
-        <p:blipFill>
-          <a:blip r:embed="rId4">
-            <a:extLst>
-              <a:ext uri="{28A0092B-C50C-407E-A947-70E740481C1C}">
-                <a14:useLocalDpi xmlns:a14="http://schemas.microsoft.com/office/drawing/2010/main" val="0"/>
-              </a:ext>
-            </a:extLst>
-          </a:blip>
-          <a:srcRect/>
-          <a:stretch>
-            <a:fillRect/>
-          </a:stretch>
-        </p:blipFill>
-        <p:spPr bwMode="auto">
-          <a:xfrm>
-            <a:off x="5183915" y="1581737"/>
-            <a:ext cx="3105150" cy="2552700"/>
-          </a:xfrm>
-          <a:prstGeom prst="rect">
-            <a:avLst/>
-          </a:prstGeom>
-          <a:noFill/>
-          <a:extLst>
-            <a:ext uri="{909E8E84-426E-40DD-AFC4-6F175D3DCCD1}">
-              <a14:hiddenFill xmlns:a14="http://schemas.microsoft.com/office/drawing/2010/main">
-                <a:solidFill>
-                  <a:srgbClr val="FFFFFF"/>
-                </a:solidFill>
-              </a14:hiddenFill>
-            </a:ext>
-          </a:extLst>
-        </p:spPr>
-      </p:pic>
-      <p:sp>
-        <p:nvSpPr>
-          <p:cNvPr id="19" name="TextBox 18"/>
-          <p:cNvSpPr txBox="1"/>
-          <p:nvPr/>
-        </p:nvSpPr>
-        <p:spPr>
-          <a:xfrm>
-            <a:off x="8519990" y="1647686"/>
-            <a:ext cx="3690872" cy="3046988"/>
-          </a:xfrm>
-          <a:prstGeom prst="rect">
-            <a:avLst/>
-          </a:prstGeom>
-          <a:noFill/>
-        </p:spPr>
-        <p:txBody>
-          <a:bodyPr wrap="square" rtlCol="0">
-            <a:spAutoFit/>
-          </a:bodyPr>
-          <a:lstStyle/>
-          <a:p>
-            <a:pPr marL="342900" indent="-342900">
+              <a:rPr lang="en-US" dirty="0" smtClean="0"/>
+              <a:t>read</a:t>
+            </a:r>
+            <a:r>
+              <a:rPr lang="en-US" dirty="0"/>
+              <a:t>: 0x0001</a:t>
+            </a:r>
+          </a:p>
+          <a:p>
+            <a:pPr marL="1200150" lvl="2" indent="-285750">
               <a:buFont typeface="Arial" panose="020B0604020202020204" pitchFamily="34" charset="0"/>
               <a:buChar char="•"/>
             </a:pPr>
             <a:r>
-              <a:rPr lang="en-US" sz="2400" dirty="0" smtClean="0"/>
-              <a:t>Peripheral state machine parses data and forms message as per format below. </a:t>
-            </a:r>
-          </a:p>
-          <a:p>
-            <a:pPr marL="342900" indent="-342900">
+              <a:rPr lang="en-US" dirty="0"/>
+              <a:t>write 0x0002</a:t>
+            </a:r>
+          </a:p>
+          <a:p>
+            <a:pPr marL="742950" lvl="1" indent="-285750">
               <a:buFont typeface="Arial" panose="020B0604020202020204" pitchFamily="34" charset="0"/>
               <a:buChar char="•"/>
             </a:pPr>
             <a:r>
-              <a:rPr lang="en-US" sz="2400" dirty="0" smtClean="0"/>
-              <a:t>Waits for send command.</a:t>
-            </a:r>
-          </a:p>
-          <a:p>
-            <a:pPr marL="342900" indent="-342900">
+              <a:rPr lang="en-US" dirty="0" smtClean="0"/>
+              <a:t>from </a:t>
+            </a:r>
+            <a:r>
+              <a:rPr lang="en-US" dirty="0"/>
+              <a:t>mem controller</a:t>
+            </a:r>
+          </a:p>
+          <a:p>
+            <a:pPr marL="1200150" lvl="2" indent="-285750">
               <a:buFont typeface="Arial" panose="020B0604020202020204" pitchFamily="34" charset="0"/>
               <a:buChar char="•"/>
             </a:pPr>
             <a:r>
-              <a:rPr lang="en-US" sz="2400" dirty="0" smtClean="0"/>
-              <a:t>Send command moves message to UART and sends to Mem Controller.</a:t>
-            </a:r>
-          </a:p>
-        </p:txBody>
-      </p:sp>
-      <p:cxnSp>
-        <p:nvCxnSpPr>
-          <p:cNvPr id="20" name="Straight Arrow Connector 19"/>
-          <p:cNvCxnSpPr/>
-          <p:nvPr/>
-        </p:nvCxnSpPr>
-        <p:spPr>
-          <a:xfrm>
-            <a:off x="10025149" y="6035040"/>
-            <a:ext cx="1960418" cy="0"/>
-          </a:xfrm>
-          <a:prstGeom prst="straightConnector1">
-            <a:avLst/>
-          </a:prstGeom>
-          <a:ln w="38100">
-            <a:headEnd type="triangle"/>
-            <a:tailEnd type="triangle"/>
-          </a:ln>
-        </p:spPr>
-        <p:style>
-          <a:lnRef idx="1">
-            <a:schemeClr val="accent1"/>
-          </a:lnRef>
-          <a:fillRef idx="0">
-            <a:schemeClr val="accent1"/>
-          </a:fillRef>
-          <a:effectRef idx="0">
-            <a:schemeClr val="accent1"/>
-          </a:effectRef>
-          <a:fontRef idx="minor">
-            <a:schemeClr val="tx1"/>
-          </a:fontRef>
-        </p:style>
-      </p:cxnSp>
-      <p:sp>
-        <p:nvSpPr>
-          <p:cNvPr id="22" name="TextBox 21"/>
+              <a:rPr lang="en-US" dirty="0" smtClean="0"/>
+              <a:t>wait</a:t>
+            </a:r>
+            <a:r>
+              <a:rPr lang="en-US" dirty="0"/>
+              <a:t>: 0xFFF1</a:t>
+            </a:r>
+          </a:p>
+          <a:p>
+            <a:pPr marL="1200150" lvl="2" indent="-285750">
+              <a:buFont typeface="Arial" panose="020B0604020202020204" pitchFamily="34" charset="0"/>
+              <a:buChar char="•"/>
+            </a:pPr>
+            <a:r>
+              <a:rPr lang="en-US" dirty="0"/>
+              <a:t>ready 0xFFF2</a:t>
+            </a:r>
+          </a:p>
+          <a:p>
+            <a:pPr marL="1200150" lvl="2" indent="-285750">
+              <a:buFont typeface="Arial" panose="020B0604020202020204" pitchFamily="34" charset="0"/>
+              <a:buChar char="•"/>
+            </a:pPr>
+            <a:r>
+              <a:rPr lang="en-US" dirty="0"/>
+              <a:t>retransmit 0xFFF3</a:t>
+            </a:r>
+          </a:p>
+          <a:p>
+            <a:endParaRPr lang="en-US" dirty="0"/>
+          </a:p>
+          <a:p>
+            <a:r>
+              <a:rPr lang="en-US" dirty="0"/>
+              <a:t>Start 1B | Header 2B | Data payload 7B </a:t>
+            </a:r>
+            <a:r>
+              <a:rPr lang="en-US" dirty="0" smtClean="0"/>
+              <a:t>= 4B Data 3B </a:t>
+            </a:r>
+            <a:r>
+              <a:rPr lang="en-US" dirty="0" err="1" smtClean="0"/>
+              <a:t>Addr</a:t>
+            </a:r>
+            <a:r>
+              <a:rPr lang="en-US" dirty="0" smtClean="0"/>
+              <a:t>| </a:t>
+            </a:r>
+            <a:r>
+              <a:rPr lang="en-US" dirty="0"/>
+              <a:t>Error 1B| END 1B</a:t>
+            </a:r>
+          </a:p>
+        </p:txBody>
+      </p:sp>
+      <p:sp>
+        <p:nvSpPr>
+          <p:cNvPr id="5" name="TextBox 4"/>
           <p:cNvSpPr txBox="1"/>
           <p:nvPr/>
         </p:nvSpPr>
         <p:spPr>
           <a:xfrm>
-            <a:off x="6261619" y="5272555"/>
-            <a:ext cx="1516937" cy="1323439"/>
+            <a:off x="4746029" y="3426780"/>
+            <a:ext cx="6607771" cy="369332"/>
           </a:xfrm>
           <a:prstGeom prst="rect">
             <a:avLst/>
           </a:prstGeom>
           <a:noFill/>
-          <a:ln w="6350">
-            <a:solidFill>
-              <a:schemeClr val="accent2">
-                <a:lumMod val="75000"/>
-              </a:schemeClr>
-            </a:solidFill>
-          </a:ln>
-        </p:spPr>
-        <p:txBody>
-          <a:bodyPr wrap="square" rtlCol="0">
+        </p:spPr>
+        <p:txBody>
+          <a:bodyPr wrap="none" rtlCol="0">
             <a:spAutoFit/>
           </a:bodyPr>
           <a:lstStyle/>
           <a:p>
             <a:r>
-              <a:rPr lang="en-US" sz="4000" dirty="0" smtClean="0"/>
-              <a:t>MSG</a:t>
-            </a:r>
-          </a:p>
-          <a:p>
-            <a:r>
-              <a:rPr lang="en-US" sz="4000" dirty="0" smtClean="0"/>
-              <a:t>Buffer</a:t>
-            </a:r>
-            <a:endParaRPr lang="en-US" sz="4000" dirty="0"/>
-          </a:p>
-        </p:txBody>
-      </p:sp>
-      <p:cxnSp>
-        <p:nvCxnSpPr>
-          <p:cNvPr id="24" name="Straight Arrow Connector 23"/>
-          <p:cNvCxnSpPr/>
-          <p:nvPr/>
-        </p:nvCxnSpPr>
-        <p:spPr>
-          <a:xfrm>
-            <a:off x="7920100" y="6025338"/>
-            <a:ext cx="458346" cy="9701"/>
-          </a:xfrm>
-          <a:prstGeom prst="straightConnector1">
-            <a:avLst/>
-          </a:prstGeom>
-          <a:ln w="57150">
-            <a:tailEnd type="triangle"/>
-          </a:ln>
-        </p:spPr>
-        <p:style>
-          <a:lnRef idx="1">
-            <a:schemeClr val="accent1"/>
-          </a:lnRef>
-          <a:fillRef idx="0">
-            <a:schemeClr val="accent1"/>
-          </a:fillRef>
-          <a:effectRef idx="0">
-            <a:schemeClr val="accent1"/>
-          </a:effectRef>
-          <a:fontRef idx="minor">
-            <a:schemeClr val="tx1"/>
-          </a:fontRef>
-        </p:style>
-      </p:cxnSp>
+              <a:rPr lang="en-US" dirty="0" err="1" smtClean="0"/>
+              <a:t>oOutputMsg</a:t>
+            </a:r>
+            <a:r>
+              <a:rPr lang="en-US" dirty="0" smtClean="0"/>
+              <a:t> </a:t>
+            </a:r>
+            <a:r>
+              <a:rPr lang="en-US" dirty="0"/>
+              <a:t>= {</a:t>
+            </a:r>
+            <a:r>
+              <a:rPr lang="en-US" dirty="0">
+                <a:solidFill>
+                  <a:srgbClr val="00B050"/>
+                </a:solidFill>
+              </a:rPr>
+              <a:t>8'h0F</a:t>
+            </a:r>
+            <a:r>
+              <a:rPr lang="en-US" dirty="0"/>
+              <a:t>, </a:t>
+            </a:r>
+            <a:r>
+              <a:rPr lang="en-US" dirty="0" err="1">
+                <a:solidFill>
+                  <a:schemeClr val="accent2">
+                    <a:lumMod val="75000"/>
+                  </a:schemeClr>
+                </a:solidFill>
+              </a:rPr>
+              <a:t>iInstruction</a:t>
+            </a:r>
+            <a:r>
+              <a:rPr lang="en-US" dirty="0"/>
+              <a:t>, </a:t>
+            </a:r>
+            <a:r>
+              <a:rPr lang="en-US" dirty="0" err="1">
+                <a:solidFill>
+                  <a:schemeClr val="accent1">
+                    <a:lumMod val="75000"/>
+                  </a:schemeClr>
+                </a:solidFill>
+              </a:rPr>
+              <a:t>iData</a:t>
+            </a:r>
+            <a:r>
+              <a:rPr lang="en-US" dirty="0">
+                <a:solidFill>
+                  <a:schemeClr val="accent1">
+                    <a:lumMod val="75000"/>
+                  </a:schemeClr>
+                </a:solidFill>
+              </a:rPr>
+              <a:t>, </a:t>
+            </a:r>
+            <a:r>
+              <a:rPr lang="en-US" dirty="0" err="1">
+                <a:solidFill>
+                  <a:schemeClr val="accent1">
+                    <a:lumMod val="75000"/>
+                  </a:schemeClr>
+                </a:solidFill>
+              </a:rPr>
+              <a:t>iAddr</a:t>
+            </a:r>
+            <a:r>
+              <a:rPr lang="en-US" dirty="0"/>
+              <a:t>, </a:t>
+            </a:r>
+            <a:r>
+              <a:rPr lang="en-US" dirty="0">
+                <a:solidFill>
+                  <a:srgbClr val="FFC000"/>
+                </a:solidFill>
+              </a:rPr>
+              <a:t>7'b0, </a:t>
+            </a:r>
+            <a:r>
+              <a:rPr lang="en-US" dirty="0" err="1">
+                <a:solidFill>
+                  <a:srgbClr val="FFC000"/>
+                </a:solidFill>
+              </a:rPr>
+              <a:t>iError</a:t>
+            </a:r>
+            <a:r>
+              <a:rPr lang="en-US" dirty="0"/>
+              <a:t>, </a:t>
+            </a:r>
+            <a:r>
+              <a:rPr lang="en-US" dirty="0">
+                <a:solidFill>
+                  <a:srgbClr val="00B050"/>
+                </a:solidFill>
+              </a:rPr>
+              <a:t>8'hF0</a:t>
+            </a:r>
+            <a:r>
+              <a:rPr lang="en-US" dirty="0" smtClean="0"/>
+              <a:t>};</a:t>
+            </a:r>
+            <a:endParaRPr lang="en-US" dirty="0"/>
+          </a:p>
+        </p:txBody>
+      </p:sp>
     </p:spTree>
     <p:extLst>
       <p:ext uri="{BB962C8B-B14F-4D97-AF65-F5344CB8AC3E}">
-        <p14:creationId xmlns:p14="http://schemas.microsoft.com/office/powerpoint/2010/main" val="365396795"/>
+        <p14:creationId xmlns:p14="http://schemas.microsoft.com/office/powerpoint/2010/main" val="3285050192"/>
       </p:ext>
     </p:extLst>
   </p:cSld>
@@ -6031,23 +7484,155 @@
       <p:sp>
         <p:nvSpPr>
           <p:cNvPr id="2" name="Title 1"/>
-          <p:cNvSpPr>
-            <a:spLocks noGrp="1"/>
+          <p:cNvSpPr txBox="1">
+            <a:spLocks/>
           </p:cNvSpPr>
-          <p:nvPr>
-            <p:ph type="title"/>
-          </p:nvPr>
-        </p:nvSpPr>
-        <p:spPr/>
+          <p:nvPr/>
+        </p:nvSpPr>
+        <p:spPr>
+          <a:xfrm>
+            <a:off x="838200" y="365125"/>
+            <a:ext cx="10515600" cy="1325563"/>
+          </a:xfrm>
+          <a:prstGeom prst="rect">
+            <a:avLst/>
+          </a:prstGeom>
+        </p:spPr>
         <p:txBody>
           <a:bodyPr/>
-          <a:lstStyle/>
+          <a:lstStyle>
+            <a:lvl1pPr algn="l" defTabSz="914400" rtl="0" eaLnBrk="1" latinLnBrk="0" hangingPunct="1">
+              <a:lnSpc>
+                <a:spcPct val="90000"/>
+              </a:lnSpc>
+              <a:spcBef>
+                <a:spcPct val="0"/>
+              </a:spcBef>
+              <a:buNone/>
+              <a:defRPr sz="4400" kern="1200">
+                <a:solidFill>
+                  <a:schemeClr val="tx1"/>
+                </a:solidFill>
+                <a:latin typeface="+mj-lt"/>
+                <a:ea typeface="+mj-ea"/>
+                <a:cs typeface="+mj-cs"/>
+              </a:defRPr>
+            </a:lvl1pPr>
+          </a:lstStyle>
           <a:p>
             <a:r>
               <a:rPr lang="en-US" dirty="0" smtClean="0"/>
-              <a:t>Peripheral component – Verification cases</a:t>
+              <a:t>Peripheral component – Synthesis</a:t>
             </a:r>
             <a:endParaRPr lang="en-US" dirty="0"/>
+          </a:p>
+        </p:txBody>
+      </p:sp>
+      <p:pic>
+        <p:nvPicPr>
+          <p:cNvPr id="3" name="Picture 2"/>
+          <p:cNvPicPr>
+            <a:picLocks noChangeAspect="1"/>
+          </p:cNvPicPr>
+          <p:nvPr/>
+        </p:nvPicPr>
+        <p:blipFill>
+          <a:blip r:embed="rId2"/>
+          <a:stretch>
+            <a:fillRect/>
+          </a:stretch>
+        </p:blipFill>
+        <p:spPr>
+          <a:xfrm>
+            <a:off x="0" y="896816"/>
+            <a:ext cx="12192000" cy="5881113"/>
+          </a:xfrm>
+          <a:prstGeom prst="rect">
+            <a:avLst/>
+          </a:prstGeom>
+        </p:spPr>
+      </p:pic>
+      <p:sp>
+        <p:nvSpPr>
+          <p:cNvPr id="4" name="TextBox 3"/>
+          <p:cNvSpPr txBox="1"/>
+          <p:nvPr/>
+        </p:nvSpPr>
+        <p:spPr>
+          <a:xfrm>
+            <a:off x="10244831" y="5362113"/>
+            <a:ext cx="1413528" cy="369332"/>
+          </a:xfrm>
+          <a:prstGeom prst="rect">
+            <a:avLst/>
+          </a:prstGeom>
+          <a:noFill/>
+        </p:spPr>
+        <p:txBody>
+          <a:bodyPr wrap="none" rtlCol="0">
+            <a:spAutoFit/>
+          </a:bodyPr>
+          <a:lstStyle/>
+          <a:p>
+            <a:r>
+              <a:rPr lang="en-US" dirty="0" smtClean="0">
+                <a:solidFill>
+                  <a:schemeClr val="accent2">
+                    <a:lumMod val="75000"/>
+                  </a:schemeClr>
+                </a:solidFill>
+              </a:rPr>
+              <a:t>UART control</a:t>
+            </a:r>
+            <a:endParaRPr lang="en-US" dirty="0">
+              <a:solidFill>
+                <a:schemeClr val="accent2">
+                  <a:lumMod val="75000"/>
+                </a:schemeClr>
+              </a:solidFill>
+            </a:endParaRPr>
+          </a:p>
+        </p:txBody>
+      </p:sp>
+      <p:sp>
+        <p:nvSpPr>
+          <p:cNvPr id="5" name="TextBox 4"/>
+          <p:cNvSpPr txBox="1"/>
+          <p:nvPr/>
+        </p:nvSpPr>
+        <p:spPr>
+          <a:xfrm>
+            <a:off x="8158578" y="1321356"/>
+            <a:ext cx="3417987" cy="369332"/>
+          </a:xfrm>
+          <a:prstGeom prst="rect">
+            <a:avLst/>
+          </a:prstGeom>
+          <a:noFill/>
+        </p:spPr>
+        <p:txBody>
+          <a:bodyPr wrap="none" rtlCol="0">
+            <a:spAutoFit/>
+          </a:bodyPr>
+          <a:lstStyle/>
+          <a:p>
+            <a:r>
+              <a:rPr lang="en-US" dirty="0" smtClean="0">
+                <a:solidFill>
+                  <a:schemeClr val="accent2">
+                    <a:lumMod val="75000"/>
+                  </a:schemeClr>
+                </a:solidFill>
+              </a:rPr>
+              <a:t>Message is concatenated for UART</a:t>
+            </a:r>
+            <a:endParaRPr lang="en-US" dirty="0">
+              <a:solidFill>
+                <a:schemeClr val="accent2">
+                  <a:lumMod val="75000"/>
+                </a:schemeClr>
+              </a:solidFill>
+            </a:endParaRPr>
           </a:p>
         </p:txBody>
       </p:sp>
@@ -6059,8 +7644,138 @@
         </p:nvSpPr>
         <p:spPr>
           <a:xfrm>
-            <a:off x="1080654" y="1690688"/>
-            <a:ext cx="10740044" cy="6124754"/>
+            <a:off x="5491753" y="1027906"/>
+            <a:ext cx="6607771" cy="369332"/>
+          </a:xfrm>
+          <a:prstGeom prst="rect">
+            <a:avLst/>
+          </a:prstGeom>
+          <a:noFill/>
+        </p:spPr>
+        <p:txBody>
+          <a:bodyPr wrap="none" rtlCol="0">
+            <a:spAutoFit/>
+          </a:bodyPr>
+          <a:lstStyle/>
+          <a:p>
+            <a:r>
+              <a:rPr lang="en-US" dirty="0" err="1" smtClean="0"/>
+              <a:t>oOutputMsg</a:t>
+            </a:r>
+            <a:r>
+              <a:rPr lang="en-US" dirty="0" smtClean="0"/>
+              <a:t> </a:t>
+            </a:r>
+            <a:r>
+              <a:rPr lang="en-US" dirty="0"/>
+              <a:t>= {</a:t>
+            </a:r>
+            <a:r>
+              <a:rPr lang="en-US" dirty="0">
+                <a:solidFill>
+                  <a:srgbClr val="00B050"/>
+                </a:solidFill>
+              </a:rPr>
+              <a:t>8'h0F</a:t>
+            </a:r>
+            <a:r>
+              <a:rPr lang="en-US" dirty="0"/>
+              <a:t>, </a:t>
+            </a:r>
+            <a:r>
+              <a:rPr lang="en-US" dirty="0" err="1">
+                <a:solidFill>
+                  <a:schemeClr val="accent2">
+                    <a:lumMod val="75000"/>
+                  </a:schemeClr>
+                </a:solidFill>
+              </a:rPr>
+              <a:t>iInstruction</a:t>
+            </a:r>
+            <a:r>
+              <a:rPr lang="en-US" dirty="0"/>
+              <a:t>, </a:t>
+            </a:r>
+            <a:r>
+              <a:rPr lang="en-US" dirty="0" err="1">
+                <a:solidFill>
+                  <a:schemeClr val="accent1">
+                    <a:lumMod val="75000"/>
+                  </a:schemeClr>
+                </a:solidFill>
+              </a:rPr>
+              <a:t>iData</a:t>
+            </a:r>
+            <a:r>
+              <a:rPr lang="en-US" dirty="0">
+                <a:solidFill>
+                  <a:schemeClr val="accent1">
+                    <a:lumMod val="75000"/>
+                  </a:schemeClr>
+                </a:solidFill>
+              </a:rPr>
+              <a:t>, </a:t>
+            </a:r>
+            <a:r>
+              <a:rPr lang="en-US" dirty="0" err="1">
+                <a:solidFill>
+                  <a:schemeClr val="accent1">
+                    <a:lumMod val="75000"/>
+                  </a:schemeClr>
+                </a:solidFill>
+              </a:rPr>
+              <a:t>iAddr</a:t>
+            </a:r>
+            <a:r>
+              <a:rPr lang="en-US" dirty="0"/>
+              <a:t>, </a:t>
+            </a:r>
+            <a:r>
+              <a:rPr lang="en-US" dirty="0">
+                <a:solidFill>
+                  <a:srgbClr val="FFC000"/>
+                </a:solidFill>
+              </a:rPr>
+              <a:t>7'b0, </a:t>
+            </a:r>
+            <a:r>
+              <a:rPr lang="en-US" dirty="0" err="1">
+                <a:solidFill>
+                  <a:srgbClr val="FFC000"/>
+                </a:solidFill>
+              </a:rPr>
+              <a:t>iError</a:t>
+            </a:r>
+            <a:r>
+              <a:rPr lang="en-US" dirty="0"/>
+              <a:t>, </a:t>
+            </a:r>
+            <a:r>
+              <a:rPr lang="en-US" dirty="0">
+                <a:solidFill>
+                  <a:srgbClr val="00B050"/>
+                </a:solidFill>
+              </a:rPr>
+              <a:t>8'hF0</a:t>
+            </a:r>
+            <a:r>
+              <a:rPr lang="en-US" dirty="0" smtClean="0"/>
+              <a:t>};</a:t>
+            </a:r>
+            <a:endParaRPr lang="en-US" dirty="0"/>
+          </a:p>
+        </p:txBody>
+      </p:sp>
+      <p:sp>
+        <p:nvSpPr>
+          <p:cNvPr id="7" name="TextBox 6"/>
+          <p:cNvSpPr txBox="1"/>
+          <p:nvPr/>
+        </p:nvSpPr>
+        <p:spPr>
+          <a:xfrm>
+            <a:off x="1972322" y="4527270"/>
+            <a:ext cx="1711912" cy="923330"/>
           </a:xfrm>
           <a:prstGeom prst="rect">
             <a:avLst/>
@@ -6073,149 +7788,260 @@
           </a:bodyPr>
           <a:lstStyle/>
           <a:p>
-            <a:pPr marL="285750" indent="-285750">
-              <a:buFont typeface="Arial" panose="020B0604020202020204" pitchFamily="34" charset="0"/>
-              <a:buChar char="•"/>
-            </a:pPr>
-            <a:r>
-              <a:rPr lang="en-US" sz="2800" dirty="0" smtClean="0"/>
-              <a:t>Peripheral memory read – No error, cache miss/ cache </a:t>
-            </a:r>
-            <a:r>
-              <a:rPr lang="en-US" sz="2800" dirty="0" smtClean="0"/>
-              <a:t>hit </a:t>
-            </a:r>
-            <a:r>
-              <a:rPr lang="en-US" sz="2800" dirty="0" smtClean="0"/>
-              <a:t>clean</a:t>
-            </a:r>
-          </a:p>
-          <a:p>
-            <a:pPr marL="285750" indent="-285750">
-              <a:buFont typeface="Arial" panose="020B0604020202020204" pitchFamily="34" charset="0"/>
-              <a:buChar char="•"/>
-            </a:pPr>
-            <a:r>
-              <a:rPr lang="en-US" sz="2800" dirty="0" smtClean="0"/>
-              <a:t>Peripheral memory write – No error, cache miss/ cache hit </a:t>
-            </a:r>
-            <a:r>
-              <a:rPr lang="en-US" sz="2800" dirty="0" smtClean="0"/>
-              <a:t>clean</a:t>
-            </a:r>
-          </a:p>
-          <a:p>
-            <a:pPr marL="285750" indent="-285750">
-              <a:buFont typeface="Arial" panose="020B0604020202020204" pitchFamily="34" charset="0"/>
-              <a:buChar char="•"/>
-            </a:pPr>
-            <a:r>
-              <a:rPr lang="en-US" sz="2800" dirty="0" smtClean="0"/>
-              <a:t>Peripheral </a:t>
-            </a:r>
-            <a:r>
-              <a:rPr lang="en-US" sz="2800" dirty="0" smtClean="0"/>
-              <a:t>memory read – No error, cache hit Modified with retry</a:t>
-            </a:r>
-          </a:p>
-          <a:p>
-            <a:pPr marL="285750" indent="-285750">
-              <a:buFont typeface="Arial" panose="020B0604020202020204" pitchFamily="34" charset="0"/>
-              <a:buChar char="•"/>
-            </a:pPr>
-            <a:r>
-              <a:rPr lang="en-US" sz="2800" dirty="0" smtClean="0"/>
-              <a:t>Peripheral memory write – No error, cache hit Modified with retry </a:t>
-            </a:r>
-          </a:p>
-          <a:p>
-            <a:pPr marL="285750" indent="-285750">
-              <a:buFont typeface="Arial" panose="020B0604020202020204" pitchFamily="34" charset="0"/>
-              <a:buChar char="•"/>
-            </a:pPr>
-            <a:r>
-              <a:rPr lang="en-US" sz="2800" dirty="0" smtClean="0"/>
-              <a:t>Peripheral memory read – Error</a:t>
-            </a:r>
-          </a:p>
-          <a:p>
-            <a:pPr marL="285750" indent="-285750">
-              <a:buFont typeface="Arial" panose="020B0604020202020204" pitchFamily="34" charset="0"/>
-              <a:buChar char="•"/>
-            </a:pPr>
-            <a:r>
-              <a:rPr lang="en-US" sz="2800" dirty="0" smtClean="0"/>
-              <a:t>Peripheral memory write – Error</a:t>
-            </a:r>
-          </a:p>
-          <a:p>
-            <a:pPr marL="285750" indent="-285750">
-              <a:buFont typeface="Arial" panose="020B0604020202020204" pitchFamily="34" charset="0"/>
-              <a:buChar char="•"/>
-            </a:pPr>
-            <a:r>
-              <a:rPr lang="en-US" sz="2800" dirty="0" smtClean="0"/>
-              <a:t>Peripheral tries to read/write but bus held by MC.</a:t>
-            </a:r>
-          </a:p>
-          <a:p>
-            <a:pPr marL="285750" indent="-285750">
-              <a:buFont typeface="Arial" panose="020B0604020202020204" pitchFamily="34" charset="0"/>
-              <a:buChar char="•"/>
-            </a:pPr>
-            <a:r>
-              <a:rPr lang="en-US" sz="2800" dirty="0" smtClean="0"/>
-              <a:t>Peripheral tries to read/write but bus held by CPU, thru MC.</a:t>
-            </a:r>
-          </a:p>
-          <a:p>
-            <a:pPr marL="285750" indent="-285750">
-              <a:buFont typeface="Arial" panose="020B0604020202020204" pitchFamily="34" charset="0"/>
-              <a:buChar char="•"/>
-            </a:pPr>
-            <a:endParaRPr lang="en-US" sz="2800" dirty="0" smtClean="0"/>
-          </a:p>
-          <a:p>
-            <a:pPr marL="285750" indent="-285750">
-              <a:buFont typeface="Arial" panose="020B0604020202020204" pitchFamily="34" charset="0"/>
-              <a:buChar char="•"/>
-            </a:pPr>
-            <a:endParaRPr lang="en-US" sz="2800" dirty="0" smtClean="0"/>
-          </a:p>
-          <a:p>
-            <a:pPr marL="285750" indent="-285750">
-              <a:buFont typeface="Arial" panose="020B0604020202020204" pitchFamily="34" charset="0"/>
-              <a:buChar char="•"/>
-            </a:pPr>
-            <a:endParaRPr lang="en-US" sz="2800" dirty="0" smtClean="0"/>
-          </a:p>
-          <a:p>
-            <a:pPr marL="285750" indent="-285750">
-              <a:buFont typeface="Arial" panose="020B0604020202020204" pitchFamily="34" charset="0"/>
-              <a:buChar char="•"/>
-            </a:pPr>
-            <a:endParaRPr lang="en-US" sz="2800" dirty="0" smtClean="0"/>
-          </a:p>
-          <a:p>
-            <a:pPr marL="285750" indent="-285750">
-              <a:buFont typeface="Arial" panose="020B0604020202020204" pitchFamily="34" charset="0"/>
-              <a:buChar char="•"/>
-            </a:pPr>
-            <a:endParaRPr lang="en-US" sz="2800" dirty="0" smtClean="0"/>
-          </a:p>
-          <a:p>
-            <a:pPr marL="285750" indent="-285750">
-              <a:buFont typeface="Arial" panose="020B0604020202020204" pitchFamily="34" charset="0"/>
-              <a:buChar char="•"/>
-            </a:pPr>
-            <a:endParaRPr lang="en-US" sz="2800" dirty="0"/>
+            <a:r>
+              <a:rPr lang="en-US" dirty="0" smtClean="0">
+                <a:solidFill>
+                  <a:schemeClr val="accent2">
+                    <a:lumMod val="75000"/>
+                  </a:schemeClr>
+                </a:solidFill>
+              </a:rPr>
+              <a:t>Flags from decoder and UART</a:t>
+            </a:r>
+            <a:endParaRPr lang="en-US" dirty="0">
+              <a:solidFill>
+                <a:schemeClr val="accent2">
+                  <a:lumMod val="75000"/>
+                </a:schemeClr>
+              </a:solidFill>
+            </a:endParaRPr>
+          </a:p>
+        </p:txBody>
+      </p:sp>
+      <p:sp>
+        <p:nvSpPr>
+          <p:cNvPr id="8" name="TextBox 7"/>
+          <p:cNvSpPr txBox="1"/>
+          <p:nvPr/>
+        </p:nvSpPr>
+        <p:spPr>
+          <a:xfrm>
+            <a:off x="10370598" y="3756192"/>
+            <a:ext cx="1395895" cy="369332"/>
+          </a:xfrm>
+          <a:prstGeom prst="rect">
+            <a:avLst/>
+          </a:prstGeom>
+          <a:noFill/>
+        </p:spPr>
+        <p:txBody>
+          <a:bodyPr wrap="none" rtlCol="0">
+            <a:spAutoFit/>
+          </a:bodyPr>
+          <a:lstStyle/>
+          <a:p>
+            <a:r>
+              <a:rPr lang="en-US" dirty="0" smtClean="0">
+                <a:solidFill>
+                  <a:schemeClr val="accent2">
+                    <a:lumMod val="75000"/>
+                  </a:schemeClr>
+                </a:solidFill>
+              </a:rPr>
+              <a:t>Output to TB</a:t>
+            </a:r>
+            <a:endParaRPr lang="en-US" dirty="0">
+              <a:solidFill>
+                <a:schemeClr val="accent2">
+                  <a:lumMod val="75000"/>
+                </a:schemeClr>
+              </a:solidFill>
+            </a:endParaRPr>
+          </a:p>
+        </p:txBody>
+      </p:sp>
+      <p:sp>
+        <p:nvSpPr>
+          <p:cNvPr id="9" name="TextBox 8"/>
+          <p:cNvSpPr txBox="1"/>
+          <p:nvPr/>
+        </p:nvSpPr>
+        <p:spPr>
+          <a:xfrm>
+            <a:off x="10443099" y="3048284"/>
+            <a:ext cx="1395895" cy="369332"/>
+          </a:xfrm>
+          <a:prstGeom prst="rect">
+            <a:avLst/>
+          </a:prstGeom>
+          <a:noFill/>
+        </p:spPr>
+        <p:txBody>
+          <a:bodyPr wrap="none" rtlCol="0">
+            <a:spAutoFit/>
+          </a:bodyPr>
+          <a:lstStyle/>
+          <a:p>
+            <a:r>
+              <a:rPr lang="en-US" dirty="0" smtClean="0">
+                <a:solidFill>
+                  <a:schemeClr val="accent2">
+                    <a:lumMod val="75000"/>
+                  </a:schemeClr>
+                </a:solidFill>
+              </a:rPr>
+              <a:t>Output to TB</a:t>
+            </a:r>
+            <a:endParaRPr lang="en-US" dirty="0">
+              <a:solidFill>
+                <a:schemeClr val="accent2">
+                  <a:lumMod val="75000"/>
+                </a:schemeClr>
+              </a:solidFill>
+            </a:endParaRPr>
+          </a:p>
+        </p:txBody>
+      </p:sp>
+      <p:sp>
+        <p:nvSpPr>
+          <p:cNvPr id="10" name="TextBox 9"/>
+          <p:cNvSpPr txBox="1"/>
+          <p:nvPr/>
+        </p:nvSpPr>
+        <p:spPr>
+          <a:xfrm>
+            <a:off x="10448159" y="2462892"/>
+            <a:ext cx="1669111" cy="369332"/>
+          </a:xfrm>
+          <a:prstGeom prst="rect">
+            <a:avLst/>
+          </a:prstGeom>
+          <a:noFill/>
+        </p:spPr>
+        <p:txBody>
+          <a:bodyPr wrap="none" rtlCol="0">
+            <a:spAutoFit/>
+          </a:bodyPr>
+          <a:lstStyle/>
+          <a:p>
+            <a:r>
+              <a:rPr lang="en-US" dirty="0" smtClean="0">
+                <a:solidFill>
+                  <a:schemeClr val="accent2">
+                    <a:lumMod val="75000"/>
+                  </a:schemeClr>
+                </a:solidFill>
+              </a:rPr>
+              <a:t>Output to UART</a:t>
+            </a:r>
+            <a:endParaRPr lang="en-US" dirty="0">
+              <a:solidFill>
+                <a:schemeClr val="accent2">
+                  <a:lumMod val="75000"/>
+                </a:schemeClr>
+              </a:solidFill>
+            </a:endParaRPr>
+          </a:p>
+        </p:txBody>
+      </p:sp>
+      <p:sp>
+        <p:nvSpPr>
+          <p:cNvPr id="11" name="TextBox 10"/>
+          <p:cNvSpPr txBox="1"/>
+          <p:nvPr/>
+        </p:nvSpPr>
+        <p:spPr>
+          <a:xfrm>
+            <a:off x="392098" y="1626094"/>
+            <a:ext cx="3218189" cy="369332"/>
+          </a:xfrm>
+          <a:prstGeom prst="rect">
+            <a:avLst/>
+          </a:prstGeom>
+          <a:noFill/>
+        </p:spPr>
+        <p:txBody>
+          <a:bodyPr wrap="none" rtlCol="0">
+            <a:spAutoFit/>
+          </a:bodyPr>
+          <a:lstStyle/>
+          <a:p>
+            <a:r>
+              <a:rPr lang="en-US" dirty="0" smtClean="0">
+                <a:solidFill>
+                  <a:schemeClr val="accent2">
+                    <a:lumMod val="75000"/>
+                  </a:schemeClr>
+                </a:solidFill>
+              </a:rPr>
+              <a:t>Instructions/data/</a:t>
+            </a:r>
+            <a:r>
+              <a:rPr lang="en-US" dirty="0" err="1" smtClean="0">
+                <a:solidFill>
+                  <a:schemeClr val="accent2">
+                    <a:lumMod val="75000"/>
+                  </a:schemeClr>
+                </a:solidFill>
+              </a:rPr>
+              <a:t>addr</a:t>
+            </a:r>
+            <a:r>
+              <a:rPr lang="en-US" dirty="0" smtClean="0">
+                <a:solidFill>
+                  <a:schemeClr val="accent2">
+                    <a:lumMod val="75000"/>
+                  </a:schemeClr>
+                </a:solidFill>
+              </a:rPr>
+              <a:t> from TB</a:t>
+            </a:r>
+            <a:endParaRPr lang="en-US" dirty="0">
+              <a:solidFill>
+                <a:schemeClr val="accent2">
+                  <a:lumMod val="75000"/>
+                </a:schemeClr>
+              </a:solidFill>
+            </a:endParaRPr>
+          </a:p>
+        </p:txBody>
+      </p:sp>
+      <p:sp>
+        <p:nvSpPr>
+          <p:cNvPr id="12" name="TextBox 11"/>
+          <p:cNvSpPr txBox="1"/>
+          <p:nvPr/>
+        </p:nvSpPr>
+        <p:spPr>
+          <a:xfrm>
+            <a:off x="676183" y="3341734"/>
+            <a:ext cx="3310843" cy="369332"/>
+          </a:xfrm>
+          <a:prstGeom prst="rect">
+            <a:avLst/>
+          </a:prstGeom>
+          <a:noFill/>
+        </p:spPr>
+        <p:txBody>
+          <a:bodyPr wrap="none" rtlCol="0">
+            <a:spAutoFit/>
+          </a:bodyPr>
+          <a:lstStyle/>
+          <a:p>
+            <a:r>
+              <a:rPr lang="en-US" dirty="0" smtClean="0">
+                <a:solidFill>
+                  <a:schemeClr val="accent2">
+                    <a:lumMod val="75000"/>
+                  </a:schemeClr>
+                </a:solidFill>
+              </a:rPr>
+              <a:t>Data decoded from MCP decoder</a:t>
+            </a:r>
+            <a:endParaRPr lang="en-US" dirty="0">
+              <a:solidFill>
+                <a:schemeClr val="accent2">
+                  <a:lumMod val="75000"/>
+                </a:schemeClr>
+              </a:solidFill>
+            </a:endParaRPr>
           </a:p>
         </p:txBody>
       </p:sp>
     </p:spTree>
     <p:extLst>
       <p:ext uri="{BB962C8B-B14F-4D97-AF65-F5344CB8AC3E}">
-        <p14:creationId xmlns:p14="http://schemas.microsoft.com/office/powerpoint/2010/main" val="1587516871"/>
+        <p14:creationId xmlns:p14="http://schemas.microsoft.com/office/powerpoint/2010/main" val="1715260283"/>
       </p:ext>
     </p:extLst>
   </p:cSld>
@@ -6252,19 +8078,14 @@
             <p:ph type="title"/>
           </p:nvPr>
         </p:nvSpPr>
-        <p:spPr>
-          <a:xfrm>
-            <a:off x="253692" y="12709"/>
-            <a:ext cx="10515600" cy="1325563"/>
-          </a:xfrm>
-        </p:spPr>
+        <p:spPr/>
         <p:txBody>
           <a:bodyPr/>
           <a:lstStyle/>
           <a:p>
             <a:r>
               <a:rPr lang="en-US" dirty="0" smtClean="0"/>
-              <a:t>Memory controller</a:t>
+              <a:t>Peripheral component – Verification cases</a:t>
             </a:r>
             <a:endParaRPr lang="en-US" dirty="0"/>
           </a:p>
@@ -6272,61 +8093,14 @@
       </p:sp>
       <p:sp>
         <p:nvSpPr>
-          <p:cNvPr id="4" name="Rectangle 3"/>
-          <p:cNvSpPr/>
-          <p:nvPr/>
-        </p:nvSpPr>
-        <p:spPr>
-          <a:xfrm>
-            <a:off x="3672379" y="1896866"/>
-            <a:ext cx="3690851" cy="2859578"/>
-          </a:xfrm>
-          <a:prstGeom prst="rect">
-            <a:avLst/>
-          </a:prstGeom>
-          <a:solidFill>
-            <a:srgbClr val="FF0000"/>
-          </a:solidFill>
-        </p:spPr>
-        <p:style>
-          <a:lnRef idx="2">
-            <a:schemeClr val="accent1">
-              <a:shade val="50000"/>
-            </a:schemeClr>
-          </a:lnRef>
-          <a:fillRef idx="1">
-            <a:schemeClr val="accent1"/>
-          </a:fillRef>
-          <a:effectRef idx="0">
-            <a:schemeClr val="accent1"/>
-          </a:effectRef>
-          <a:fontRef idx="minor">
-            <a:schemeClr val="lt1"/>
-          </a:fontRef>
-        </p:style>
-        <p:txBody>
-          <a:bodyPr rtlCol="0" anchor="ctr"/>
-          <a:lstStyle/>
-          <a:p>
-            <a:pPr algn="ctr"/>
-            <a:r>
-              <a:rPr lang="en-US" sz="4400" dirty="0" smtClean="0"/>
-              <a:t>Memory Controller</a:t>
-            </a:r>
-            <a:endParaRPr lang="en-US" sz="4400" dirty="0"/>
-          </a:p>
-        </p:txBody>
-      </p:sp>
-      <p:sp>
-        <p:nvSpPr>
-          <p:cNvPr id="21" name="TextBox 20"/>
+          <p:cNvPr id="6" name="TextBox 5"/>
           <p:cNvSpPr txBox="1"/>
           <p:nvPr/>
         </p:nvSpPr>
         <p:spPr>
           <a:xfrm>
-            <a:off x="812528" y="2419203"/>
-            <a:ext cx="2607461" cy="1200329"/>
+            <a:off x="1080654" y="1690688"/>
+            <a:ext cx="10740044" cy="6124754"/>
           </a:xfrm>
           <a:prstGeom prst="rect">
             <a:avLst/>
@@ -6339,292 +8113,133 @@
           </a:bodyPr>
           <a:lstStyle/>
           <a:p>
-            <a:r>
-              <a:rPr lang="en-US" sz="2400" dirty="0" smtClean="0"/>
-              <a:t>Serial communication with peripheral</a:t>
-            </a:r>
-            <a:endParaRPr lang="en-US" sz="2400" dirty="0"/>
-          </a:p>
-        </p:txBody>
-      </p:sp>
-      <p:cxnSp>
-        <p:nvCxnSpPr>
-          <p:cNvPr id="5" name="Straight Arrow Connector 4"/>
-          <p:cNvCxnSpPr/>
-          <p:nvPr/>
-        </p:nvCxnSpPr>
-        <p:spPr>
-          <a:xfrm flipV="1">
-            <a:off x="4729314" y="5164530"/>
-            <a:ext cx="0" cy="1128107"/>
-          </a:xfrm>
-          <a:prstGeom prst="straightConnector1">
-            <a:avLst/>
-          </a:prstGeom>
-          <a:ln w="57150">
-            <a:headEnd type="triangle"/>
-            <a:tailEnd type="triangle"/>
-          </a:ln>
-        </p:spPr>
-        <p:style>
-          <a:lnRef idx="1">
-            <a:schemeClr val="accent1"/>
-          </a:lnRef>
-          <a:fillRef idx="0">
-            <a:schemeClr val="accent1"/>
-          </a:fillRef>
-          <a:effectRef idx="0">
-            <a:schemeClr val="accent1"/>
-          </a:effectRef>
-          <a:fontRef idx="minor">
-            <a:schemeClr val="tx1"/>
-          </a:fontRef>
-        </p:style>
-      </p:cxnSp>
-      <p:sp>
-        <p:nvSpPr>
-          <p:cNvPr id="6" name="TextBox 5"/>
-          <p:cNvSpPr txBox="1"/>
-          <p:nvPr/>
-        </p:nvSpPr>
-        <p:spPr>
-          <a:xfrm>
-            <a:off x="5084914" y="5503980"/>
-            <a:ext cx="4556632" cy="461665"/>
-          </a:xfrm>
-          <a:prstGeom prst="rect">
-            <a:avLst/>
-          </a:prstGeom>
-          <a:noFill/>
-        </p:spPr>
-        <p:txBody>
-          <a:bodyPr wrap="square" rtlCol="0">
-            <a:spAutoFit/>
-          </a:bodyPr>
-          <a:lstStyle>
-            <a:defPPr>
-              <a:defRPr lang="en-US"/>
-            </a:defPPr>
-            <a:lvl1pPr>
-              <a:defRPr sz="2400"/>
-            </a:lvl1pPr>
-          </a:lstStyle>
-          <a:p>
-            <a:r>
-              <a:rPr lang="en-US" dirty="0"/>
-              <a:t>Address/data Bus to Main Memory</a:t>
-            </a:r>
-          </a:p>
-        </p:txBody>
-      </p:sp>
-      <p:cxnSp>
-        <p:nvCxnSpPr>
-          <p:cNvPr id="9" name="Straight Arrow Connector 8"/>
-          <p:cNvCxnSpPr/>
-          <p:nvPr/>
-        </p:nvCxnSpPr>
-        <p:spPr>
-          <a:xfrm>
-            <a:off x="7663378" y="3313047"/>
-            <a:ext cx="3208712" cy="0"/>
-          </a:xfrm>
-          <a:prstGeom prst="straightConnector1">
-            <a:avLst/>
-          </a:prstGeom>
-          <a:ln w="57150">
-            <a:headEnd type="triangle"/>
-            <a:tailEnd type="triangle"/>
-          </a:ln>
-        </p:spPr>
-        <p:style>
-          <a:lnRef idx="1">
-            <a:schemeClr val="accent1"/>
-          </a:lnRef>
-          <a:fillRef idx="0">
-            <a:schemeClr val="accent1"/>
-          </a:fillRef>
-          <a:effectRef idx="0">
-            <a:schemeClr val="accent1"/>
-          </a:effectRef>
-          <a:fontRef idx="minor">
-            <a:schemeClr val="tx1"/>
-          </a:fontRef>
-        </p:style>
-      </p:cxnSp>
-      <p:cxnSp>
-        <p:nvCxnSpPr>
-          <p:cNvPr id="22" name="Straight Arrow Connector 21"/>
-          <p:cNvCxnSpPr/>
-          <p:nvPr/>
-        </p:nvCxnSpPr>
-        <p:spPr>
-          <a:xfrm flipV="1">
-            <a:off x="812528" y="3918790"/>
-            <a:ext cx="2407956" cy="7285"/>
-          </a:xfrm>
-          <a:prstGeom prst="straightConnector1">
-            <a:avLst/>
-          </a:prstGeom>
-          <a:ln w="57150">
-            <a:headEnd type="triangle"/>
-            <a:tailEnd type="triangle"/>
-          </a:ln>
-        </p:spPr>
-        <p:style>
-          <a:lnRef idx="1">
-            <a:schemeClr val="accent1"/>
-          </a:lnRef>
-          <a:fillRef idx="0">
-            <a:schemeClr val="accent1"/>
-          </a:fillRef>
-          <a:effectRef idx="0">
-            <a:schemeClr val="accent1"/>
-          </a:effectRef>
-          <a:fontRef idx="minor">
-            <a:schemeClr val="tx1"/>
-          </a:fontRef>
-        </p:style>
-      </p:cxnSp>
-      <p:sp>
-        <p:nvSpPr>
-          <p:cNvPr id="14" name="TextBox 13"/>
-          <p:cNvSpPr txBox="1"/>
-          <p:nvPr/>
-        </p:nvSpPr>
-        <p:spPr>
-          <a:xfrm>
-            <a:off x="7615949" y="2419203"/>
-            <a:ext cx="903132" cy="369332"/>
-          </a:xfrm>
-          <a:prstGeom prst="rect">
-            <a:avLst/>
-          </a:prstGeom>
-          <a:noFill/>
-        </p:spPr>
-        <p:txBody>
-          <a:bodyPr wrap="none" rtlCol="0">
-            <a:spAutoFit/>
-          </a:bodyPr>
-          <a:lstStyle/>
-          <a:p>
-            <a:r>
-              <a:rPr lang="en-US" dirty="0" smtClean="0"/>
-              <a:t>To CPU:</a:t>
-            </a:r>
-            <a:endParaRPr lang="en-US" dirty="0"/>
-          </a:p>
-        </p:txBody>
-      </p:sp>
-      <p:sp>
-        <p:nvSpPr>
-          <p:cNvPr id="26" name="TextBox 25"/>
-          <p:cNvSpPr txBox="1"/>
-          <p:nvPr/>
-        </p:nvSpPr>
-        <p:spPr>
-          <a:xfrm>
-            <a:off x="8243525" y="2779246"/>
-            <a:ext cx="2373278" cy="461665"/>
-          </a:xfrm>
-          <a:prstGeom prst="rect">
-            <a:avLst/>
-          </a:prstGeom>
-          <a:noFill/>
-        </p:spPr>
-        <p:txBody>
-          <a:bodyPr wrap="square" rtlCol="0">
-            <a:spAutoFit/>
-          </a:bodyPr>
-          <a:lstStyle>
-            <a:defPPr>
-              <a:defRPr lang="en-US"/>
-            </a:defPPr>
-            <a:lvl1pPr>
-              <a:defRPr sz="2400"/>
-            </a:lvl1pPr>
-          </a:lstStyle>
-          <a:p>
-            <a:r>
-              <a:rPr lang="en-US" dirty="0"/>
-              <a:t>Address/data Bus</a:t>
-            </a:r>
-          </a:p>
-        </p:txBody>
-      </p:sp>
-      <p:cxnSp>
-        <p:nvCxnSpPr>
-          <p:cNvPr id="27" name="Straight Arrow Connector 26"/>
-          <p:cNvCxnSpPr/>
-          <p:nvPr/>
-        </p:nvCxnSpPr>
-        <p:spPr>
-          <a:xfrm>
-            <a:off x="7713255" y="4196122"/>
-            <a:ext cx="3208712" cy="0"/>
-          </a:xfrm>
-          <a:prstGeom prst="straightConnector1">
-            <a:avLst/>
-          </a:prstGeom>
-          <a:ln w="57150">
-            <a:headEnd type="triangle"/>
-            <a:tailEnd type="triangle"/>
-          </a:ln>
-        </p:spPr>
-        <p:style>
-          <a:lnRef idx="1">
-            <a:schemeClr val="accent1"/>
-          </a:lnRef>
-          <a:fillRef idx="0">
-            <a:schemeClr val="accent1"/>
-          </a:fillRef>
-          <a:effectRef idx="0">
-            <a:schemeClr val="accent1"/>
-          </a:effectRef>
-          <a:fontRef idx="minor">
-            <a:schemeClr val="tx1"/>
-          </a:fontRef>
-        </p:style>
-      </p:cxnSp>
-      <p:sp>
-        <p:nvSpPr>
-          <p:cNvPr id="28" name="TextBox 27"/>
-          <p:cNvSpPr txBox="1"/>
-          <p:nvPr/>
-        </p:nvSpPr>
-        <p:spPr>
-          <a:xfrm>
-            <a:off x="8067515" y="3662320"/>
-            <a:ext cx="2549288" cy="461665"/>
-          </a:xfrm>
-          <a:prstGeom prst="rect">
-            <a:avLst/>
-          </a:prstGeom>
-          <a:noFill/>
-        </p:spPr>
-        <p:txBody>
-          <a:bodyPr wrap="square" rtlCol="0">
-            <a:spAutoFit/>
-          </a:bodyPr>
-          <a:lstStyle>
-            <a:defPPr>
-              <a:defRPr lang="en-US"/>
-            </a:defPPr>
-            <a:lvl1pPr>
-              <a:defRPr sz="2400"/>
-            </a:lvl1pPr>
-          </a:lstStyle>
-          <a:p>
-            <a:r>
-              <a:rPr lang="en-US" dirty="0"/>
-              <a:t>Control Signals Bus</a:t>
-            </a:r>
+            <a:pPr marL="285750" indent="-285750">
+              <a:buFont typeface="Arial" panose="020B0604020202020204" pitchFamily="34" charset="0"/>
+              <a:buChar char="•"/>
+            </a:pPr>
+            <a:r>
+              <a:rPr lang="en-US" sz="2800" dirty="0" smtClean="0"/>
+              <a:t>Peripheral memory read – No error, cache miss/ cache hit clean</a:t>
+            </a:r>
+          </a:p>
+          <a:p>
+            <a:pPr marL="285750" indent="-285750">
+              <a:buFont typeface="Arial" panose="020B0604020202020204" pitchFamily="34" charset="0"/>
+              <a:buChar char="•"/>
+            </a:pPr>
+            <a:r>
+              <a:rPr lang="en-US" sz="2800" dirty="0" smtClean="0"/>
+              <a:t>Peripheral memory write – No error, cache miss/ cache hit clean</a:t>
+            </a:r>
+          </a:p>
+          <a:p>
+            <a:pPr marL="285750" indent="-285750">
+              <a:buFont typeface="Arial" panose="020B0604020202020204" pitchFamily="34" charset="0"/>
+              <a:buChar char="•"/>
+            </a:pPr>
+            <a:r>
+              <a:rPr lang="en-US" sz="2800" dirty="0" smtClean="0"/>
+              <a:t>Peripheral memory read – No error, cache hit Modified with retry</a:t>
+            </a:r>
+          </a:p>
+          <a:p>
+            <a:pPr marL="285750" indent="-285750">
+              <a:buFont typeface="Arial" panose="020B0604020202020204" pitchFamily="34" charset="0"/>
+              <a:buChar char="•"/>
+            </a:pPr>
+            <a:r>
+              <a:rPr lang="en-US" sz="2800" dirty="0" smtClean="0"/>
+              <a:t>Peripheral memory write – No error, cache hit Modified with retry </a:t>
+            </a:r>
+          </a:p>
+          <a:p>
+            <a:pPr marL="285750" indent="-285750">
+              <a:buFont typeface="Arial" panose="020B0604020202020204" pitchFamily="34" charset="0"/>
+              <a:buChar char="•"/>
+            </a:pPr>
+            <a:r>
+              <a:rPr lang="en-US" sz="2800" dirty="0" smtClean="0"/>
+              <a:t>Peripheral memory read – Error</a:t>
+            </a:r>
+          </a:p>
+          <a:p>
+            <a:pPr marL="285750" indent="-285750">
+              <a:buFont typeface="Arial" panose="020B0604020202020204" pitchFamily="34" charset="0"/>
+              <a:buChar char="•"/>
+            </a:pPr>
+            <a:r>
+              <a:rPr lang="en-US" sz="2800" dirty="0" smtClean="0"/>
+              <a:t>Peripheral memory write – Error</a:t>
+            </a:r>
+          </a:p>
+          <a:p>
+            <a:pPr marL="285750" indent="-285750">
+              <a:buFont typeface="Arial" panose="020B0604020202020204" pitchFamily="34" charset="0"/>
+              <a:buChar char="•"/>
+            </a:pPr>
+            <a:r>
+              <a:rPr lang="en-US" sz="2800" dirty="0" smtClean="0"/>
+              <a:t>Peripheral tries to read/write but bus held by MC.</a:t>
+            </a:r>
+          </a:p>
+          <a:p>
+            <a:pPr marL="285750" indent="-285750">
+              <a:buFont typeface="Arial" panose="020B0604020202020204" pitchFamily="34" charset="0"/>
+              <a:buChar char="•"/>
+            </a:pPr>
+            <a:r>
+              <a:rPr lang="en-US" sz="2800" dirty="0" smtClean="0"/>
+              <a:t>Peripheral tries to read/write but bus held by CPU, thru MC.</a:t>
+            </a:r>
+          </a:p>
+          <a:p>
+            <a:pPr marL="285750" indent="-285750">
+              <a:buFont typeface="Arial" panose="020B0604020202020204" pitchFamily="34" charset="0"/>
+              <a:buChar char="•"/>
+            </a:pPr>
+            <a:endParaRPr lang="en-US" sz="2800" dirty="0" smtClean="0"/>
+          </a:p>
+          <a:p>
+            <a:pPr marL="285750" indent="-285750">
+              <a:buFont typeface="Arial" panose="020B0604020202020204" pitchFamily="34" charset="0"/>
+              <a:buChar char="•"/>
+            </a:pPr>
+            <a:endParaRPr lang="en-US" sz="2800" dirty="0" smtClean="0"/>
+          </a:p>
+          <a:p>
+            <a:pPr marL="285750" indent="-285750">
+              <a:buFont typeface="Arial" panose="020B0604020202020204" pitchFamily="34" charset="0"/>
+              <a:buChar char="•"/>
+            </a:pPr>
+            <a:endParaRPr lang="en-US" sz="2800" dirty="0" smtClean="0"/>
+          </a:p>
+          <a:p>
+            <a:pPr marL="285750" indent="-285750">
+              <a:buFont typeface="Arial" panose="020B0604020202020204" pitchFamily="34" charset="0"/>
+              <a:buChar char="•"/>
+            </a:pPr>
+            <a:endParaRPr lang="en-US" sz="2800" dirty="0" smtClean="0"/>
+          </a:p>
+          <a:p>
+            <a:pPr marL="285750" indent="-285750">
+              <a:buFont typeface="Arial" panose="020B0604020202020204" pitchFamily="34" charset="0"/>
+              <a:buChar char="•"/>
+            </a:pPr>
+            <a:endParaRPr lang="en-US" sz="2800" dirty="0" smtClean="0"/>
+          </a:p>
+          <a:p>
+            <a:pPr marL="285750" indent="-285750">
+              <a:buFont typeface="Arial" panose="020B0604020202020204" pitchFamily="34" charset="0"/>
+              <a:buChar char="•"/>
+            </a:pPr>
+            <a:endParaRPr lang="en-US" sz="2800" dirty="0"/>
           </a:p>
         </p:txBody>
       </p:sp>
     </p:spTree>
     <p:extLst>
       <p:ext uri="{BB962C8B-B14F-4D97-AF65-F5344CB8AC3E}">
-        <p14:creationId xmlns:p14="http://schemas.microsoft.com/office/powerpoint/2010/main" val="3699857399"/>
+        <p14:creationId xmlns:p14="http://schemas.microsoft.com/office/powerpoint/2010/main" val="1587516871"/>
       </p:ext>
     </p:extLst>
   </p:cSld>
@@ -6663,7 +8278,7 @@
         </p:nvSpPr>
         <p:spPr>
           <a:xfrm>
-            <a:off x="517533" y="213900"/>
+            <a:off x="253692" y="12709"/>
             <a:ext cx="10515600" cy="1325563"/>
           </a:xfrm>
         </p:spPr>
@@ -6672,7 +8287,7 @@
           <a:lstStyle/>
           <a:p>
             <a:r>
-              <a:rPr lang="en-US" smtClean="0"/>
+              <a:rPr lang="en-US" dirty="0" smtClean="0"/>
               <a:t>Memory controller</a:t>
             </a:r>
             <a:endParaRPr lang="en-US" dirty="0"/>
@@ -6681,26 +8296,66 @@
       </p:sp>
       <p:sp>
         <p:nvSpPr>
-          <p:cNvPr id="3" name="TextBox 2"/>
+          <p:cNvPr id="4" name="Rectangle 3"/>
+          <p:cNvSpPr/>
+          <p:nvPr/>
+        </p:nvSpPr>
+        <p:spPr>
+          <a:xfrm>
+            <a:off x="3672379" y="1896866"/>
+            <a:ext cx="3690851" cy="2859578"/>
+          </a:xfrm>
+          <a:prstGeom prst="rect">
+            <a:avLst/>
+          </a:prstGeom>
+          <a:solidFill>
+            <a:srgbClr val="FF0000"/>
+          </a:solidFill>
+        </p:spPr>
+        <p:style>
+          <a:lnRef idx="2">
+            <a:schemeClr val="accent1">
+              <a:shade val="50000"/>
+            </a:schemeClr>
+          </a:lnRef>
+          <a:fillRef idx="1">
+            <a:schemeClr val="accent1"/>
+          </a:fillRef>
+          <a:effectRef idx="0">
+            <a:schemeClr val="accent1"/>
+          </a:effectRef>
+          <a:fontRef idx="minor">
+            <a:schemeClr val="lt1"/>
+          </a:fontRef>
+        </p:style>
+        <p:txBody>
+          <a:bodyPr rtlCol="0" anchor="ctr"/>
+          <a:lstStyle/>
+          <a:p>
+            <a:pPr algn="ctr"/>
+            <a:r>
+              <a:rPr lang="en-US" sz="4400" dirty="0" smtClean="0"/>
+              <a:t>Memory Controller</a:t>
+            </a:r>
+            <a:endParaRPr lang="en-US" sz="4400" dirty="0"/>
+          </a:p>
+        </p:txBody>
+      </p:sp>
+      <p:sp>
+        <p:nvSpPr>
+          <p:cNvPr id="21" name="TextBox 20"/>
           <p:cNvSpPr txBox="1"/>
           <p:nvPr/>
         </p:nvSpPr>
         <p:spPr>
           <a:xfrm>
-            <a:off x="1625600" y="3020805"/>
-            <a:ext cx="1343068" cy="707886"/>
+            <a:off x="812528" y="2419203"/>
+            <a:ext cx="2607461" cy="1200329"/>
           </a:xfrm>
           <a:prstGeom prst="rect">
             <a:avLst/>
           </a:prstGeom>
           <a:noFill/>
-          <a:ln w="6350">
-            <a:solidFill>
-              <a:schemeClr val="accent2">
-                <a:lumMod val="75000"/>
-              </a:schemeClr>
-            </a:solidFill>
-          </a:ln>
         </p:spPr>
         <p:txBody>
           <a:bodyPr wrap="square" rtlCol="0">
@@ -6709,52 +8364,29 @@
           <a:lstStyle/>
           <a:p>
             <a:r>
-              <a:rPr lang="en-US" sz="4000" dirty="0" smtClean="0"/>
-              <a:t>UART</a:t>
-            </a:r>
-            <a:endParaRPr lang="en-US" sz="4000" dirty="0"/>
-          </a:p>
-        </p:txBody>
-      </p:sp>
-      <p:pic>
-        <p:nvPicPr>
-          <p:cNvPr id="12" name="Picture 11"/>
-          <p:cNvPicPr>
-            <a:picLocks noChangeAspect="1"/>
-          </p:cNvPicPr>
-          <p:nvPr/>
-        </p:nvPicPr>
-        <p:blipFill>
-          <a:blip r:embed="rId2"/>
-          <a:stretch>
-            <a:fillRect/>
-          </a:stretch>
-        </p:blipFill>
-        <p:spPr>
-          <a:xfrm>
-            <a:off x="208788" y="4939023"/>
-            <a:ext cx="5048218" cy="749232"/>
-          </a:xfrm>
-          <a:prstGeom prst="rect">
-            <a:avLst/>
-          </a:prstGeom>
-        </p:spPr>
-      </p:pic>
+              <a:rPr lang="en-US" sz="2400" dirty="0" smtClean="0"/>
+              <a:t>Serial communication with peripheral</a:t>
+            </a:r>
+            <a:endParaRPr lang="en-US" sz="2400" dirty="0"/>
+          </a:p>
+        </p:txBody>
+      </p:sp>
       <p:cxnSp>
         <p:nvCxnSpPr>
-          <p:cNvPr id="14" name="Straight Arrow Connector 13"/>
+          <p:cNvPr id="5" name="Straight Arrow Connector 4"/>
           <p:cNvCxnSpPr/>
           <p:nvPr/>
         </p:nvCxnSpPr>
         <p:spPr>
           <a:xfrm flipV="1">
-            <a:off x="3142800" y="3439653"/>
-            <a:ext cx="869631" cy="21764"/>
+            <a:off x="4729314" y="5164530"/>
+            <a:ext cx="0" cy="1128107"/>
           </a:xfrm>
           <a:prstGeom prst="straightConnector1">
             <a:avLst/>
           </a:prstGeom>
           <a:ln w="57150">
+            <a:headEnd type="triangle"/>
             <a:tailEnd type="triangle"/>
           </a:ln>
         </p:spPr>
@@ -6773,57 +8405,16 @@
           </a:fontRef>
         </p:style>
       </p:cxnSp>
-      <p:pic>
-        <p:nvPicPr>
-          <p:cNvPr id="1026" name="Picture 2" descr="Related image"/>
-          <p:cNvPicPr>
-            <a:picLocks noChangeAspect="1" noChangeArrowheads="1"/>
-          </p:cNvPicPr>
-          <p:nvPr/>
-        </p:nvPicPr>
-        <p:blipFill>
-          <a:blip r:embed="rId3">
-            <a:extLst>
-              <a:ext uri="{28A0092B-C50C-407E-A947-70E740481C1C}">
-                <a14:useLocalDpi xmlns:a14="http://schemas.microsoft.com/office/drawing/2010/main" val="0"/>
-              </a:ext>
-            </a:extLst>
-          </a:blip>
-          <a:srcRect/>
-          <a:stretch>
-            <a:fillRect/>
-          </a:stretch>
-        </p:blipFill>
-        <p:spPr bwMode="auto">
-          <a:xfrm>
-            <a:off x="4238475" y="2150201"/>
-            <a:ext cx="3105150" cy="2552700"/>
-          </a:xfrm>
-          <a:prstGeom prst="rect">
-            <a:avLst/>
-          </a:prstGeom>
-          <a:noFill/>
-          <a:extLst>
-            <a:ext uri="{909E8E84-426E-40DD-AFC4-6F175D3DCCD1}">
-              <a14:hiddenFill xmlns:a14="http://schemas.microsoft.com/office/drawing/2010/main">
-                <a:solidFill>
-                  <a:srgbClr val="FFFFFF"/>
-                </a:solidFill>
-              </a14:hiddenFill>
-            </a:ext>
-          </a:extLst>
-        </p:spPr>
-      </p:pic>
-      <p:sp>
-        <p:nvSpPr>
-          <p:cNvPr id="19" name="TextBox 18"/>
+      <p:sp>
+        <p:nvSpPr>
+          <p:cNvPr id="6" name="TextBox 5"/>
           <p:cNvSpPr txBox="1"/>
           <p:nvPr/>
         </p:nvSpPr>
         <p:spPr>
           <a:xfrm>
-            <a:off x="7404310" y="1668465"/>
-            <a:ext cx="3690872" cy="4154984"/>
+            <a:off x="5084914" y="5503980"/>
+            <a:ext cx="4556632" cy="461665"/>
           </a:xfrm>
           <a:prstGeom prst="rect">
             <a:avLst/>
@@ -6834,57 +8425,32 @@
           <a:bodyPr wrap="square" rtlCol="0">
             <a:spAutoFit/>
           </a:bodyPr>
-          <a:lstStyle/>
-          <a:p>
-            <a:pPr marL="342900" indent="-342900">
-              <a:buFont typeface="Arial" panose="020B0604020202020204" pitchFamily="34" charset="0"/>
-              <a:buChar char="•"/>
-            </a:pPr>
-            <a:r>
-              <a:rPr lang="en-US" sz="2400" dirty="0" smtClean="0"/>
-              <a:t>MC state machine parses message from Peripheral. </a:t>
-            </a:r>
-          </a:p>
-          <a:p>
-            <a:pPr marL="342900" indent="-342900">
-              <a:buFont typeface="Arial" panose="020B0604020202020204" pitchFamily="34" charset="0"/>
-              <a:buChar char="•"/>
-            </a:pPr>
-            <a:r>
-              <a:rPr lang="en-US" sz="2400" dirty="0" smtClean="0"/>
-              <a:t>If conflict with address bus request, gives access to CPU and notifies Peripheral to resend </a:t>
-            </a:r>
-            <a:r>
-              <a:rPr lang="en-US" sz="2400" dirty="0" err="1" smtClean="0"/>
-              <a:t>msg</a:t>
-            </a:r>
-            <a:r>
-              <a:rPr lang="en-US" sz="2400" dirty="0" smtClean="0"/>
-              <a:t> after waiting.</a:t>
-            </a:r>
-          </a:p>
-          <a:p>
-            <a:pPr marL="342900" indent="-342900">
-              <a:buFont typeface="Arial" panose="020B0604020202020204" pitchFamily="34" charset="0"/>
-              <a:buChar char="•"/>
-            </a:pPr>
-            <a:r>
-              <a:rPr lang="en-US" sz="2400" dirty="0" smtClean="0"/>
-              <a:t>If Bus is free sends address to Cache to start snoop operation and reads control signals. </a:t>
+          <a:lstStyle>
+            <a:defPPr>
+              <a:defRPr lang="en-US"/>
+            </a:defPPr>
+            <a:lvl1pPr>
+              <a:defRPr sz="2400"/>
+            </a:lvl1pPr>
+          </a:lstStyle>
+          <a:p>
+            <a:r>
+              <a:rPr lang="en-US" dirty="0"/>
+              <a:t>Address/data Bus to Main Memory</a:t>
             </a:r>
           </a:p>
         </p:txBody>
       </p:sp>
       <p:cxnSp>
         <p:nvCxnSpPr>
-          <p:cNvPr id="15" name="Straight Arrow Connector 14"/>
+          <p:cNvPr id="9" name="Straight Arrow Connector 8"/>
           <p:cNvCxnSpPr/>
           <p:nvPr/>
         </p:nvCxnSpPr>
         <p:spPr>
-          <a:xfrm flipV="1">
-            <a:off x="208788" y="3439653"/>
-            <a:ext cx="1343285" cy="1"/>
+          <a:xfrm>
+            <a:off x="7663378" y="3313047"/>
+            <a:ext cx="3208712" cy="0"/>
           </a:xfrm>
           <a:prstGeom prst="straightConnector1">
             <a:avLst/>
@@ -6909,39 +8475,180 @@
           </a:fontRef>
         </p:style>
       </p:cxnSp>
-      <p:sp>
-        <p:nvSpPr>
-          <p:cNvPr id="6" name="Rectangle 5"/>
-          <p:cNvSpPr/>
-          <p:nvPr/>
-        </p:nvSpPr>
-        <p:spPr>
-          <a:xfrm>
-            <a:off x="282315" y="2486454"/>
-            <a:ext cx="1343285" cy="646331"/>
+      <p:cxnSp>
+        <p:nvCxnSpPr>
+          <p:cNvPr id="22" name="Straight Arrow Connector 21"/>
+          <p:cNvCxnSpPr/>
+          <p:nvPr/>
+        </p:nvCxnSpPr>
+        <p:spPr>
+          <a:xfrm flipV="1">
+            <a:off x="812528" y="3918790"/>
+            <a:ext cx="2407956" cy="7285"/>
+          </a:xfrm>
+          <a:prstGeom prst="straightConnector1">
+            <a:avLst/>
+          </a:prstGeom>
+          <a:ln w="57150">
+            <a:headEnd type="triangle"/>
+            <a:tailEnd type="triangle"/>
+          </a:ln>
+        </p:spPr>
+        <p:style>
+          <a:lnRef idx="1">
+            <a:schemeClr val="accent1"/>
+          </a:lnRef>
+          <a:fillRef idx="0">
+            <a:schemeClr val="accent1"/>
+          </a:fillRef>
+          <a:effectRef idx="0">
+            <a:schemeClr val="accent1"/>
+          </a:effectRef>
+          <a:fontRef idx="minor">
+            <a:schemeClr val="tx1"/>
+          </a:fontRef>
+        </p:style>
+      </p:cxnSp>
+      <p:sp>
+        <p:nvSpPr>
+          <p:cNvPr id="14" name="TextBox 13"/>
+          <p:cNvSpPr txBox="1"/>
+          <p:nvPr/>
+        </p:nvSpPr>
+        <p:spPr>
+          <a:xfrm>
+            <a:off x="7615949" y="2419203"/>
+            <a:ext cx="903132" cy="369332"/>
           </a:xfrm>
           <a:prstGeom prst="rect">
             <a:avLst/>
           </a:prstGeom>
-        </p:spPr>
-        <p:txBody>
-          <a:bodyPr wrap="square">
+          <a:noFill/>
+        </p:spPr>
+        <p:txBody>
+          <a:bodyPr wrap="none" rtlCol="0">
             <a:spAutoFit/>
           </a:bodyPr>
           <a:lstStyle/>
           <a:p>
             <a:r>
               <a:rPr lang="en-US" dirty="0" smtClean="0"/>
-              <a:t>Serial from peripheral</a:t>
+              <a:t>To CPU:</a:t>
             </a:r>
             <a:endParaRPr lang="en-US" dirty="0"/>
+          </a:p>
+        </p:txBody>
+      </p:sp>
+      <p:sp>
+        <p:nvSpPr>
+          <p:cNvPr id="26" name="TextBox 25"/>
+          <p:cNvSpPr txBox="1"/>
+          <p:nvPr/>
+        </p:nvSpPr>
+        <p:spPr>
+          <a:xfrm>
+            <a:off x="8243525" y="2779246"/>
+            <a:ext cx="2373278" cy="461665"/>
+          </a:xfrm>
+          <a:prstGeom prst="rect">
+            <a:avLst/>
+          </a:prstGeom>
+          <a:noFill/>
+        </p:spPr>
+        <p:txBody>
+          <a:bodyPr wrap="square" rtlCol="0">
+            <a:spAutoFit/>
+          </a:bodyPr>
+          <a:lstStyle>
+            <a:defPPr>
+              <a:defRPr lang="en-US"/>
+            </a:defPPr>
+            <a:lvl1pPr>
+              <a:defRPr sz="2400"/>
+            </a:lvl1pPr>
+          </a:lstStyle>
+          <a:p>
+            <a:r>
+              <a:rPr lang="en-US" dirty="0"/>
+              <a:t>Address/data Bus</a:t>
+            </a:r>
+          </a:p>
+        </p:txBody>
+      </p:sp>
+      <p:cxnSp>
+        <p:nvCxnSpPr>
+          <p:cNvPr id="27" name="Straight Arrow Connector 26"/>
+          <p:cNvCxnSpPr/>
+          <p:nvPr/>
+        </p:nvCxnSpPr>
+        <p:spPr>
+          <a:xfrm>
+            <a:off x="7713255" y="4196122"/>
+            <a:ext cx="3208712" cy="0"/>
+          </a:xfrm>
+          <a:prstGeom prst="straightConnector1">
+            <a:avLst/>
+          </a:prstGeom>
+          <a:ln w="57150">
+            <a:headEnd type="triangle"/>
+            <a:tailEnd type="triangle"/>
+          </a:ln>
+        </p:spPr>
+        <p:style>
+          <a:lnRef idx="1">
+            <a:schemeClr val="accent1"/>
+          </a:lnRef>
+          <a:fillRef idx="0">
+            <a:schemeClr val="accent1"/>
+          </a:fillRef>
+          <a:effectRef idx="0">
+            <a:schemeClr val="accent1"/>
+          </a:effectRef>
+          <a:fontRef idx="minor">
+            <a:schemeClr val="tx1"/>
+          </a:fontRef>
+        </p:style>
+      </p:cxnSp>
+      <p:sp>
+        <p:nvSpPr>
+          <p:cNvPr id="28" name="TextBox 27"/>
+          <p:cNvSpPr txBox="1"/>
+          <p:nvPr/>
+        </p:nvSpPr>
+        <p:spPr>
+          <a:xfrm>
+            <a:off x="8067515" y="3662320"/>
+            <a:ext cx="2549288" cy="461665"/>
+          </a:xfrm>
+          <a:prstGeom prst="rect">
+            <a:avLst/>
+          </a:prstGeom>
+          <a:noFill/>
+        </p:spPr>
+        <p:txBody>
+          <a:bodyPr wrap="square" rtlCol="0">
+            <a:spAutoFit/>
+          </a:bodyPr>
+          <a:lstStyle>
+            <a:defPPr>
+              <a:defRPr lang="en-US"/>
+            </a:defPPr>
+            <a:lvl1pPr>
+              <a:defRPr sz="2400"/>
+            </a:lvl1pPr>
+          </a:lstStyle>
+          <a:p>
+            <a:r>
+              <a:rPr lang="en-US" dirty="0"/>
+              <a:t>Control Signals Bus</a:t>
+            </a:r>
           </a:p>
         </p:txBody>
       </p:sp>
     </p:spTree>
     <p:extLst>
       <p:ext uri="{BB962C8B-B14F-4D97-AF65-F5344CB8AC3E}">
-        <p14:creationId xmlns:p14="http://schemas.microsoft.com/office/powerpoint/2010/main" val="3536200673"/>
+        <p14:creationId xmlns:p14="http://schemas.microsoft.com/office/powerpoint/2010/main" val="3699857399"/>
       </p:ext>
     </p:extLst>
   </p:cSld>
@@ -6989,8 +8696,8 @@
           <a:lstStyle/>
           <a:p>
             <a:r>
-              <a:rPr lang="en-US" dirty="0" smtClean="0"/>
-              <a:t>Memory controller – Control signals</a:t>
+              <a:rPr lang="en-US" smtClean="0"/>
+              <a:t>Memory controller</a:t>
             </a:r>
             <a:endParaRPr lang="en-US" dirty="0"/>
           </a:p>
@@ -6998,45 +8705,26 @@
       </p:sp>
       <p:sp>
         <p:nvSpPr>
-          <p:cNvPr id="4" name="TextBox 3"/>
+          <p:cNvPr id="3" name="TextBox 2"/>
           <p:cNvSpPr txBox="1"/>
           <p:nvPr/>
         </p:nvSpPr>
         <p:spPr>
           <a:xfrm>
-            <a:off x="1524000" y="2116667"/>
-            <a:ext cx="184731" cy="369332"/>
+            <a:off x="1625600" y="3020805"/>
+            <a:ext cx="1343068" cy="707886"/>
           </a:xfrm>
           <a:prstGeom prst="rect">
             <a:avLst/>
           </a:prstGeom>
           <a:noFill/>
-        </p:spPr>
-        <p:txBody>
-          <a:bodyPr wrap="none" rtlCol="0">
-            <a:spAutoFit/>
-          </a:bodyPr>
-          <a:lstStyle/>
-          <a:p>
-            <a:endParaRPr lang="en-US" dirty="0"/>
-          </a:p>
-        </p:txBody>
-      </p:sp>
-      <p:sp>
-        <p:nvSpPr>
-          <p:cNvPr id="5" name="TextBox 4"/>
-          <p:cNvSpPr txBox="1"/>
-          <p:nvPr/>
-        </p:nvSpPr>
-        <p:spPr>
-          <a:xfrm>
-            <a:off x="453500" y="1371600"/>
-            <a:ext cx="11738500" cy="5816977"/>
-          </a:xfrm>
-          <a:prstGeom prst="rect">
-            <a:avLst/>
-          </a:prstGeom>
-          <a:noFill/>
+          <a:ln w="6350">
+            <a:solidFill>
+              <a:schemeClr val="accent2">
+                <a:lumMod val="75000"/>
+              </a:schemeClr>
+            </a:solidFill>
+          </a:ln>
         </p:spPr>
         <p:txBody>
           <a:bodyPr wrap="square" rtlCol="0">
@@ -7044,104 +8732,240 @@
           </a:bodyPr>
           <a:lstStyle/>
           <a:p>
-            <a:pPr marL="285750" indent="-285750">
+            <a:r>
+              <a:rPr lang="en-US" sz="4000" dirty="0" smtClean="0"/>
+              <a:t>UART</a:t>
+            </a:r>
+            <a:endParaRPr lang="en-US" sz="4000" dirty="0"/>
+          </a:p>
+        </p:txBody>
+      </p:sp>
+      <p:pic>
+        <p:nvPicPr>
+          <p:cNvPr id="12" name="Picture 11"/>
+          <p:cNvPicPr>
+            <a:picLocks noChangeAspect="1"/>
+          </p:cNvPicPr>
+          <p:nvPr/>
+        </p:nvPicPr>
+        <p:blipFill>
+          <a:blip r:embed="rId2"/>
+          <a:stretch>
+            <a:fillRect/>
+          </a:stretch>
+        </p:blipFill>
+        <p:spPr>
+          <a:xfrm>
+            <a:off x="208788" y="4939023"/>
+            <a:ext cx="5048218" cy="749232"/>
+          </a:xfrm>
+          <a:prstGeom prst="rect">
+            <a:avLst/>
+          </a:prstGeom>
+        </p:spPr>
+      </p:pic>
+      <p:cxnSp>
+        <p:nvCxnSpPr>
+          <p:cNvPr id="14" name="Straight Arrow Connector 13"/>
+          <p:cNvCxnSpPr/>
+          <p:nvPr/>
+        </p:nvCxnSpPr>
+        <p:spPr>
+          <a:xfrm flipV="1">
+            <a:off x="3142800" y="3439653"/>
+            <a:ext cx="869631" cy="21764"/>
+          </a:xfrm>
+          <a:prstGeom prst="straightConnector1">
+            <a:avLst/>
+          </a:prstGeom>
+          <a:ln w="57150">
+            <a:tailEnd type="triangle"/>
+          </a:ln>
+        </p:spPr>
+        <p:style>
+          <a:lnRef idx="1">
+            <a:schemeClr val="accent1"/>
+          </a:lnRef>
+          <a:fillRef idx="0">
+            <a:schemeClr val="accent1"/>
+          </a:fillRef>
+          <a:effectRef idx="0">
+            <a:schemeClr val="accent1"/>
+          </a:effectRef>
+          <a:fontRef idx="minor">
+            <a:schemeClr val="tx1"/>
+          </a:fontRef>
+        </p:style>
+      </p:cxnSp>
+      <p:pic>
+        <p:nvPicPr>
+          <p:cNvPr id="1026" name="Picture 2" descr="Related image"/>
+          <p:cNvPicPr>
+            <a:picLocks noChangeAspect="1" noChangeArrowheads="1"/>
+          </p:cNvPicPr>
+          <p:nvPr/>
+        </p:nvPicPr>
+        <p:blipFill>
+          <a:blip r:embed="rId3">
+            <a:extLst>
+              <a:ext uri="{28A0092B-C50C-407E-A947-70E740481C1C}">
+                <a14:useLocalDpi xmlns:a14="http://schemas.microsoft.com/office/drawing/2010/main" val="0"/>
+              </a:ext>
+            </a:extLst>
+          </a:blip>
+          <a:srcRect/>
+          <a:stretch>
+            <a:fillRect/>
+          </a:stretch>
+        </p:blipFill>
+        <p:spPr bwMode="auto">
+          <a:xfrm>
+            <a:off x="4238475" y="2150201"/>
+            <a:ext cx="3105150" cy="2552700"/>
+          </a:xfrm>
+          <a:prstGeom prst="rect">
+            <a:avLst/>
+          </a:prstGeom>
+          <a:noFill/>
+          <a:extLst>
+            <a:ext uri="{909E8E84-426E-40DD-AFC4-6F175D3DCCD1}">
+              <a14:hiddenFill xmlns:a14="http://schemas.microsoft.com/office/drawing/2010/main">
+                <a:solidFill>
+                  <a:srgbClr val="FFFFFF"/>
+                </a:solidFill>
+              </a14:hiddenFill>
+            </a:ext>
+          </a:extLst>
+        </p:spPr>
+      </p:pic>
+      <p:sp>
+        <p:nvSpPr>
+          <p:cNvPr id="19" name="TextBox 18"/>
+          <p:cNvSpPr txBox="1"/>
+          <p:nvPr/>
+        </p:nvSpPr>
+        <p:spPr>
+          <a:xfrm>
+            <a:off x="7404310" y="1668465"/>
+            <a:ext cx="3690872" cy="4154984"/>
+          </a:xfrm>
+          <a:prstGeom prst="rect">
+            <a:avLst/>
+          </a:prstGeom>
+          <a:noFill/>
+        </p:spPr>
+        <p:txBody>
+          <a:bodyPr wrap="square" rtlCol="0">
+            <a:spAutoFit/>
+          </a:bodyPr>
+          <a:lstStyle/>
+          <a:p>
+            <a:pPr marL="342900" indent="-342900">
               <a:buFont typeface="Arial" panose="020B0604020202020204" pitchFamily="34" charset="0"/>
               <a:buChar char="•"/>
             </a:pPr>
             <a:r>
-              <a:rPr lang="en-US" sz="2800" dirty="0" smtClean="0"/>
-              <a:t>AHOLD – address hold: maintain </a:t>
-            </a:r>
-            <a:r>
-              <a:rPr lang="en-US" sz="2800" dirty="0" err="1" smtClean="0"/>
-              <a:t>memoryconsistency</a:t>
-            </a:r>
-            <a:endParaRPr lang="en-US" sz="2800" dirty="0" smtClean="0"/>
-          </a:p>
-          <a:p>
-            <a:r>
-              <a:rPr lang="en-US" sz="2800" dirty="0" smtClean="0"/>
-              <a:t>• EADS# - external address strobe: external; informs the processor of a valid address on its local bus to be snooped (internal cache lookup)</a:t>
-            </a:r>
-          </a:p>
-          <a:p>
-            <a:r>
-              <a:rPr lang="en-US" sz="2800" dirty="0" smtClean="0"/>
-              <a:t>• input INV – invalidate: external; informs the processor to leave cache line valid or mark it invalid on a snoop hit</a:t>
-            </a:r>
-          </a:p>
-          <a:p>
-            <a:r>
-              <a:rPr lang="en-US" sz="2800" dirty="0" smtClean="0"/>
-              <a:t>• </a:t>
-            </a:r>
-            <a:r>
-              <a:rPr lang="en-US" sz="2800" dirty="0" err="1" smtClean="0"/>
-              <a:t>inout</a:t>
-            </a:r>
-            <a:r>
-              <a:rPr lang="en-US" sz="2800" dirty="0" smtClean="0"/>
-              <a:t> HIT# - hit on internal cache – notify other processors that information is shared by another cache</a:t>
-            </a:r>
-          </a:p>
-          <a:p>
-            <a:r>
-              <a:rPr lang="en-US" sz="2800" dirty="0" smtClean="0"/>
-              <a:t>• </a:t>
-            </a:r>
-            <a:r>
-              <a:rPr lang="en-US" sz="2800" dirty="0" err="1" smtClean="0"/>
-              <a:t>inout</a:t>
-            </a:r>
-            <a:r>
-              <a:rPr lang="en-US" sz="2800" dirty="0" smtClean="0"/>
-              <a:t> HITM# - hit modified line: hit to a modified line </a:t>
-            </a:r>
-            <a:r>
-              <a:rPr lang="en-US" sz="2800" dirty="0" err="1" smtClean="0"/>
-              <a:t>incache</a:t>
-            </a:r>
-            <a:r>
-              <a:rPr lang="en-US" sz="2800" dirty="0" smtClean="0"/>
-              <a:t>, write-back required</a:t>
-            </a:r>
-          </a:p>
-          <a:p>
-            <a:endParaRPr lang="en-US" sz="2800" dirty="0" smtClean="0"/>
-          </a:p>
-          <a:p>
-            <a:pPr marL="285750" indent="-285750">
+              <a:rPr lang="en-US" sz="2400" dirty="0" smtClean="0"/>
+              <a:t>MC state machine parses message from Peripheral. </a:t>
+            </a:r>
+          </a:p>
+          <a:p>
+            <a:pPr marL="342900" indent="-342900">
               <a:buFont typeface="Arial" panose="020B0604020202020204" pitchFamily="34" charset="0"/>
               <a:buChar char="•"/>
             </a:pPr>
             <a:r>
-              <a:rPr lang="en-US" sz="2800" dirty="0" smtClean="0"/>
-              <a:t> PBGNT# - private bus grant: asserted to grant bus ownership </a:t>
-            </a:r>
-          </a:p>
-          <a:p>
-            <a:r>
-              <a:rPr lang="en-US" sz="2800" dirty="0" smtClean="0"/>
-              <a:t>• </a:t>
-            </a:r>
-            <a:r>
-              <a:rPr lang="en-US" sz="2800" dirty="0" err="1" smtClean="0"/>
-              <a:t>inout</a:t>
-            </a:r>
-            <a:r>
-              <a:rPr lang="en-US" sz="2800" dirty="0" smtClean="0"/>
-              <a:t> PBREQ# - private bus request: asserted to request bus ownership</a:t>
-            </a:r>
-          </a:p>
-          <a:p>
-            <a:endParaRPr lang="en-US" sz="3600" dirty="0"/>
+              <a:rPr lang="en-US" sz="2400" dirty="0" smtClean="0"/>
+              <a:t>If conflict with address bus request, gives access to CPU and notifies Peripheral to resend </a:t>
+            </a:r>
+            <a:r>
+              <a:rPr lang="en-US" sz="2400" dirty="0" err="1" smtClean="0"/>
+              <a:t>msg</a:t>
+            </a:r>
+            <a:r>
+              <a:rPr lang="en-US" sz="2400" dirty="0" smtClean="0"/>
+              <a:t> after waiting.</a:t>
+            </a:r>
+          </a:p>
+          <a:p>
+            <a:pPr marL="342900" indent="-342900">
+              <a:buFont typeface="Arial" panose="020B0604020202020204" pitchFamily="34" charset="0"/>
+              <a:buChar char="•"/>
+            </a:pPr>
+            <a:r>
+              <a:rPr lang="en-US" sz="2400" dirty="0" smtClean="0"/>
+              <a:t>If Bus is free sends address to Cache to start snoop operation and reads control signals. </a:t>
+            </a:r>
+          </a:p>
+        </p:txBody>
+      </p:sp>
+      <p:cxnSp>
+        <p:nvCxnSpPr>
+          <p:cNvPr id="15" name="Straight Arrow Connector 14"/>
+          <p:cNvCxnSpPr/>
+          <p:nvPr/>
+        </p:nvCxnSpPr>
+        <p:spPr>
+          <a:xfrm flipV="1">
+            <a:off x="208788" y="3439653"/>
+            <a:ext cx="1343285" cy="1"/>
+          </a:xfrm>
+          <a:prstGeom prst="straightConnector1">
+            <a:avLst/>
+          </a:prstGeom>
+          <a:ln w="57150">
+            <a:headEnd type="triangle"/>
+            <a:tailEnd type="triangle"/>
+          </a:ln>
+        </p:spPr>
+        <p:style>
+          <a:lnRef idx="1">
+            <a:schemeClr val="accent1"/>
+          </a:lnRef>
+          <a:fillRef idx="0">
+            <a:schemeClr val="accent1"/>
+          </a:fillRef>
+          <a:effectRef idx="0">
+            <a:schemeClr val="accent1"/>
+          </a:effectRef>
+          <a:fontRef idx="minor">
+            <a:schemeClr val="tx1"/>
+          </a:fontRef>
+        </p:style>
+      </p:cxnSp>
+      <p:sp>
+        <p:nvSpPr>
+          <p:cNvPr id="6" name="Rectangle 5"/>
+          <p:cNvSpPr/>
+          <p:nvPr/>
+        </p:nvSpPr>
+        <p:spPr>
+          <a:xfrm>
+            <a:off x="282315" y="2486454"/>
+            <a:ext cx="1343285" cy="646331"/>
+          </a:xfrm>
+          <a:prstGeom prst="rect">
+            <a:avLst/>
+          </a:prstGeom>
+        </p:spPr>
+        <p:txBody>
+          <a:bodyPr wrap="square">
+            <a:spAutoFit/>
+          </a:bodyPr>
+          <a:lstStyle/>
+          <a:p>
+            <a:r>
+              <a:rPr lang="en-US" dirty="0" smtClean="0"/>
+              <a:t>Serial from peripheral</a:t>
+            </a:r>
+            <a:endParaRPr lang="en-US" dirty="0"/>
           </a:p>
         </p:txBody>
       </p:sp>
     </p:spTree>
     <p:extLst>
       <p:ext uri="{BB962C8B-B14F-4D97-AF65-F5344CB8AC3E}">
-        <p14:creationId xmlns:p14="http://schemas.microsoft.com/office/powerpoint/2010/main" val="3026884009"/>
+        <p14:creationId xmlns:p14="http://schemas.microsoft.com/office/powerpoint/2010/main" val="3536200673"/>
       </p:ext>
     </p:extLst>
   </p:cSld>
@@ -7178,14 +9002,19 @@
             <p:ph type="title"/>
           </p:nvPr>
         </p:nvSpPr>
-        <p:spPr/>
+        <p:spPr>
+          <a:xfrm>
+            <a:off x="517533" y="213900"/>
+            <a:ext cx="10515600" cy="1325563"/>
+          </a:xfrm>
+        </p:spPr>
         <p:txBody>
           <a:bodyPr/>
           <a:lstStyle/>
           <a:p>
             <a:r>
               <a:rPr lang="en-US" dirty="0" smtClean="0"/>
-              <a:t>Memory controller– Verification cases CPU</a:t>
+              <a:t>Memory controller – Control signals</a:t>
             </a:r>
             <a:endParaRPr lang="en-US" dirty="0"/>
           </a:p>
@@ -7193,14 +9022,40 @@
       </p:sp>
       <p:sp>
         <p:nvSpPr>
-          <p:cNvPr id="6" name="TextBox 5"/>
+          <p:cNvPr id="4" name="TextBox 3"/>
           <p:cNvSpPr txBox="1"/>
           <p:nvPr/>
         </p:nvSpPr>
         <p:spPr>
           <a:xfrm>
-            <a:off x="1080654" y="1690688"/>
-            <a:ext cx="10061479" cy="2246769"/>
+            <a:off x="1524000" y="2116667"/>
+            <a:ext cx="184731" cy="369332"/>
+          </a:xfrm>
+          <a:prstGeom prst="rect">
+            <a:avLst/>
+          </a:prstGeom>
+          <a:noFill/>
+        </p:spPr>
+        <p:txBody>
+          <a:bodyPr wrap="none" rtlCol="0">
+            <a:spAutoFit/>
+          </a:bodyPr>
+          <a:lstStyle/>
+          <a:p>
+            <a:endParaRPr lang="en-US" dirty="0"/>
+          </a:p>
+        </p:txBody>
+      </p:sp>
+      <p:sp>
+        <p:nvSpPr>
+          <p:cNvPr id="5" name="TextBox 4"/>
+          <p:cNvSpPr txBox="1"/>
+          <p:nvPr/>
+        </p:nvSpPr>
+        <p:spPr>
+          <a:xfrm>
+            <a:off x="453500" y="1371600"/>
+            <a:ext cx="11738500" cy="5816977"/>
           </a:xfrm>
           <a:prstGeom prst="rect">
             <a:avLst/>
@@ -7219,8 +9074,64 @@
             </a:pPr>
             <a:r>
               <a:rPr lang="en-US" sz="2800" dirty="0" smtClean="0"/>
-              <a:t>Cache Snoop – miss</a:t>
-            </a:r>
+              <a:t>AHOLD – address hold: maintain </a:t>
+            </a:r>
+            <a:r>
+              <a:rPr lang="en-US" sz="2800" dirty="0" err="1" smtClean="0"/>
+              <a:t>memoryconsistency</a:t>
+            </a:r>
+            <a:endParaRPr lang="en-US" sz="2800" dirty="0" smtClean="0"/>
+          </a:p>
+          <a:p>
+            <a:r>
+              <a:rPr lang="en-US" sz="2800" dirty="0" smtClean="0"/>
+              <a:t>• EADS# - external address strobe: external; informs the processor of a valid address on its local bus to be snooped (internal cache lookup)</a:t>
+            </a:r>
+          </a:p>
+          <a:p>
+            <a:r>
+              <a:rPr lang="en-US" sz="2800" dirty="0" smtClean="0"/>
+              <a:t>• input INV – invalidate: external; informs the processor to leave cache line valid or mark it invalid on a snoop hit</a:t>
+            </a:r>
+          </a:p>
+          <a:p>
+            <a:r>
+              <a:rPr lang="en-US" sz="2800" dirty="0" smtClean="0"/>
+              <a:t>• </a:t>
+            </a:r>
+            <a:r>
+              <a:rPr lang="en-US" sz="2800" dirty="0" err="1" smtClean="0"/>
+              <a:t>inout</a:t>
+            </a:r>
+            <a:r>
+              <a:rPr lang="en-US" sz="2800" dirty="0" smtClean="0"/>
+              <a:t> HIT# - hit on internal cache – notify other processors that information is shared by another cache</a:t>
+            </a:r>
+          </a:p>
+          <a:p>
+            <a:r>
+              <a:rPr lang="en-US" sz="2800" dirty="0" smtClean="0"/>
+              <a:t>• </a:t>
+            </a:r>
+            <a:r>
+              <a:rPr lang="en-US" sz="2800" dirty="0" err="1" smtClean="0"/>
+              <a:t>inout</a:t>
+            </a:r>
+            <a:r>
+              <a:rPr lang="en-US" sz="2800" dirty="0" smtClean="0"/>
+              <a:t> HITM# - hit modified line: hit to a modified line </a:t>
+            </a:r>
+            <a:r>
+              <a:rPr lang="en-US" sz="2800" dirty="0" err="1" smtClean="0"/>
+              <a:t>incache</a:t>
+            </a:r>
+            <a:r>
+              <a:rPr lang="en-US" sz="2800" dirty="0" smtClean="0"/>
+              <a:t>, write-back required</a:t>
+            </a:r>
+          </a:p>
+          <a:p>
+            <a:endParaRPr lang="en-US" sz="2800" dirty="0" smtClean="0"/>
           </a:p>
           <a:p>
             <a:pPr marL="285750" indent="-285750">
@@ -7229,45 +9140,32 @@
             </a:pPr>
             <a:r>
               <a:rPr lang="en-US" sz="2800" dirty="0" smtClean="0"/>
-              <a:t>Cache Snoop – Hit Clean</a:t>
-            </a:r>
-          </a:p>
-          <a:p>
-            <a:pPr marL="285750" indent="-285750">
-              <a:buFont typeface="Arial" panose="020B0604020202020204" pitchFamily="34" charset="0"/>
-              <a:buChar char="•"/>
-            </a:pPr>
+              <a:t> PBGNT# - private bus grant: asserted to grant bus ownership </a:t>
+            </a:r>
+          </a:p>
+          <a:p>
             <a:r>
               <a:rPr lang="en-US" sz="2800" dirty="0" smtClean="0"/>
-              <a:t>Cache Snoop – Hit Modified.</a:t>
-            </a:r>
-          </a:p>
-          <a:p>
-            <a:pPr marL="742950" lvl="1" indent="-285750">
-              <a:buFont typeface="Arial" panose="020B0604020202020204" pitchFamily="34" charset="0"/>
-              <a:buChar char="•"/>
-            </a:pPr>
+              <a:t>• </a:t>
+            </a:r>
+            <a:r>
+              <a:rPr lang="en-US" sz="2800" dirty="0" err="1" smtClean="0"/>
+              <a:t>inout</a:t>
+            </a:r>
             <a:r>
               <a:rPr lang="en-US" sz="2800" dirty="0" smtClean="0"/>
-              <a:t>Write back.</a:t>
-            </a:r>
-          </a:p>
-          <a:p>
-            <a:pPr marL="285750" indent="-285750">
-              <a:buFont typeface="Arial" panose="020B0604020202020204" pitchFamily="34" charset="0"/>
-              <a:buChar char="•"/>
-            </a:pPr>
-            <a:r>
-              <a:rPr lang="en-US" sz="2800" dirty="0" smtClean="0"/>
-              <a:t>Test all control signals.</a:t>
-            </a:r>
+              <a:t> PBREQ# - private bus request: asserted to request bus ownership</a:t>
+            </a:r>
+          </a:p>
+          <a:p>
+            <a:endParaRPr lang="en-US" sz="3600" dirty="0"/>
           </a:p>
         </p:txBody>
       </p:sp>
     </p:spTree>
     <p:extLst>
       <p:ext uri="{BB962C8B-B14F-4D97-AF65-F5344CB8AC3E}">
-        <p14:creationId xmlns:p14="http://schemas.microsoft.com/office/powerpoint/2010/main" val="975038441"/>
+        <p14:creationId xmlns:p14="http://schemas.microsoft.com/office/powerpoint/2010/main" val="3026884009"/>
       </p:ext>
     </p:extLst>
   </p:cSld>

--- a/Diseno_final_arq.pptx
+++ b/Diseno_final_arq.pptx
@@ -5,7 +5,7 @@
     <p:sldMasterId id="2147483648" r:id="rId1"/>
   </p:sldMasterIdLst>
   <p:notesMasterIdLst>
-    <p:notesMasterId r:id="rId22"/>
+    <p:notesMasterId r:id="rId23"/>
   </p:notesMasterIdLst>
   <p:sldIdLst>
     <p:sldId id="256" r:id="rId2"/>
@@ -13,9 +13,9 @@
     <p:sldId id="260" r:id="rId4"/>
     <p:sldId id="276" r:id="rId5"/>
     <p:sldId id="275" r:id="rId6"/>
-    <p:sldId id="259" r:id="rId7"/>
-    <p:sldId id="261" r:id="rId8"/>
-    <p:sldId id="262" r:id="rId9"/>
+    <p:sldId id="277" r:id="rId7"/>
+    <p:sldId id="259" r:id="rId8"/>
+    <p:sldId id="261" r:id="rId9"/>
     <p:sldId id="264" r:id="rId10"/>
     <p:sldId id="266" r:id="rId11"/>
     <p:sldId id="263" r:id="rId12"/>
@@ -28,6 +28,7 @@
     <p:sldId id="273" r:id="rId19"/>
     <p:sldId id="274" r:id="rId20"/>
     <p:sldId id="258" r:id="rId21"/>
+    <p:sldId id="262" r:id="rId22"/>
   </p:sldIdLst>
   <p:sldSz cx="12192000" cy="6858000"/>
   <p:notesSz cx="6858000" cy="9144000"/>
@@ -559,6 +560,90 @@
     <p:extLst>
       <p:ext uri="{BB962C8B-B14F-4D97-AF65-F5344CB8AC3E}">
         <p14:creationId xmlns:p14="http://schemas.microsoft.com/office/powerpoint/2010/main" val="338207390"/>
+      </p:ext>
+    </p:extLst>
+  </p:cSld>
+  <p:clrMapOvr>
+    <a:masterClrMapping/>
+  </p:clrMapOvr>
+</p:notes>
+</file>
+
+<file path=ppt/notesSlides/notesSlide2.xml><?xml version="1.0" encoding="utf-8"?>
+<p:notes xmlns:a="http://schemas.openxmlformats.org/drawingml/2006/main" xmlns:r="http://schemas.openxmlformats.org/officeDocument/2006/relationships" xmlns:p="http://schemas.openxmlformats.org/presentationml/2006/main">
+  <p:cSld>
+    <p:spTree>
+      <p:nvGrpSpPr>
+        <p:cNvPr id="1" name=""/>
+        <p:cNvGrpSpPr/>
+        <p:nvPr/>
+      </p:nvGrpSpPr>
+      <p:grpSpPr>
+        <a:xfrm>
+          <a:off x="0" y="0"/>
+          <a:ext cx="0" cy="0"/>
+          <a:chOff x="0" y="0"/>
+          <a:chExt cx="0" cy="0"/>
+        </a:xfrm>
+      </p:grpSpPr>
+      <p:sp>
+        <p:nvSpPr>
+          <p:cNvPr id="2" name="Slide Image Placeholder 1"/>
+          <p:cNvSpPr>
+            <a:spLocks noGrp="1" noRot="1" noChangeAspect="1"/>
+          </p:cNvSpPr>
+          <p:nvPr>
+            <p:ph type="sldImg"/>
+          </p:nvPr>
+        </p:nvSpPr>
+        <p:spPr/>
+      </p:sp>
+      <p:sp>
+        <p:nvSpPr>
+          <p:cNvPr id="3" name="Notes Placeholder 2"/>
+          <p:cNvSpPr>
+            <a:spLocks noGrp="1"/>
+          </p:cNvSpPr>
+          <p:nvPr>
+            <p:ph type="body" idx="1"/>
+          </p:nvPr>
+        </p:nvSpPr>
+        <p:spPr/>
+        <p:txBody>
+          <a:bodyPr/>
+          <a:lstStyle/>
+          <a:p>
+            <a:endParaRPr lang="en-US" dirty="0"/>
+          </a:p>
+        </p:txBody>
+      </p:sp>
+      <p:sp>
+        <p:nvSpPr>
+          <p:cNvPr id="4" name="Slide Number Placeholder 3"/>
+          <p:cNvSpPr>
+            <a:spLocks noGrp="1"/>
+          </p:cNvSpPr>
+          <p:nvPr>
+            <p:ph type="sldNum" sz="quarter" idx="10"/>
+          </p:nvPr>
+        </p:nvSpPr>
+        <p:spPr/>
+        <p:txBody>
+          <a:bodyPr/>
+          <a:lstStyle/>
+          <a:p>
+            <a:fld id="{9DB63043-0A42-408D-8BF0-9023CF0FCA8E}" type="slidenum">
+              <a:rPr lang="en-US" smtClean="0"/>
+              <a:t>6</a:t>
+            </a:fld>
+            <a:endParaRPr lang="en-US"/>
+          </a:p>
+        </p:txBody>
+      </p:sp>
+    </p:spTree>
+    <p:extLst>
+      <p:ext uri="{BB962C8B-B14F-4D97-AF65-F5344CB8AC3E}">
+        <p14:creationId xmlns:p14="http://schemas.microsoft.com/office/powerpoint/2010/main" val="1542796754"/>
       </p:ext>
     </p:extLst>
   </p:cSld>
@@ -5883,6 +5968,323 @@
 </p:sld>
 </file>
 
+<file path=ppt/slides/slide21.xml><?xml version="1.0" encoding="utf-8"?>
+<p:sld xmlns:a="http://schemas.openxmlformats.org/drawingml/2006/main" xmlns:r="http://schemas.openxmlformats.org/officeDocument/2006/relationships" xmlns:p="http://schemas.openxmlformats.org/presentationml/2006/main">
+  <p:cSld>
+    <p:spTree>
+      <p:nvGrpSpPr>
+        <p:cNvPr id="1" name=""/>
+        <p:cNvGrpSpPr/>
+        <p:nvPr/>
+      </p:nvGrpSpPr>
+      <p:grpSpPr>
+        <a:xfrm>
+          <a:off x="0" y="0"/>
+          <a:ext cx="0" cy="0"/>
+          <a:chOff x="0" y="0"/>
+          <a:chExt cx="0" cy="0"/>
+        </a:xfrm>
+      </p:grpSpPr>
+      <p:sp>
+        <p:nvSpPr>
+          <p:cNvPr id="2" name="Title 1"/>
+          <p:cNvSpPr>
+            <a:spLocks noGrp="1"/>
+          </p:cNvSpPr>
+          <p:nvPr>
+            <p:ph type="title"/>
+          </p:nvPr>
+        </p:nvSpPr>
+        <p:spPr>
+          <a:xfrm>
+            <a:off x="517533" y="213900"/>
+            <a:ext cx="10515600" cy="1325563"/>
+          </a:xfrm>
+        </p:spPr>
+        <p:txBody>
+          <a:bodyPr/>
+          <a:lstStyle/>
+          <a:p>
+            <a:r>
+              <a:rPr lang="en-US" smtClean="0"/>
+              <a:t>Memory controller</a:t>
+            </a:r>
+            <a:endParaRPr lang="en-US" dirty="0"/>
+          </a:p>
+        </p:txBody>
+      </p:sp>
+      <p:sp>
+        <p:nvSpPr>
+          <p:cNvPr id="3" name="TextBox 2"/>
+          <p:cNvSpPr txBox="1"/>
+          <p:nvPr/>
+        </p:nvSpPr>
+        <p:spPr>
+          <a:xfrm>
+            <a:off x="1625600" y="3020805"/>
+            <a:ext cx="1343068" cy="707886"/>
+          </a:xfrm>
+          <a:prstGeom prst="rect">
+            <a:avLst/>
+          </a:prstGeom>
+          <a:noFill/>
+          <a:ln w="6350">
+            <a:solidFill>
+              <a:schemeClr val="accent2">
+                <a:lumMod val="75000"/>
+              </a:schemeClr>
+            </a:solidFill>
+          </a:ln>
+        </p:spPr>
+        <p:txBody>
+          <a:bodyPr wrap="square" rtlCol="0">
+            <a:spAutoFit/>
+          </a:bodyPr>
+          <a:lstStyle/>
+          <a:p>
+            <a:r>
+              <a:rPr lang="en-US" sz="4000" dirty="0" smtClean="0"/>
+              <a:t>UART</a:t>
+            </a:r>
+            <a:endParaRPr lang="en-US" sz="4000" dirty="0"/>
+          </a:p>
+        </p:txBody>
+      </p:sp>
+      <p:pic>
+        <p:nvPicPr>
+          <p:cNvPr id="12" name="Picture 11"/>
+          <p:cNvPicPr>
+            <a:picLocks noChangeAspect="1"/>
+          </p:cNvPicPr>
+          <p:nvPr/>
+        </p:nvPicPr>
+        <p:blipFill>
+          <a:blip r:embed="rId2"/>
+          <a:stretch>
+            <a:fillRect/>
+          </a:stretch>
+        </p:blipFill>
+        <p:spPr>
+          <a:xfrm>
+            <a:off x="208788" y="4939023"/>
+            <a:ext cx="5048218" cy="749232"/>
+          </a:xfrm>
+          <a:prstGeom prst="rect">
+            <a:avLst/>
+          </a:prstGeom>
+        </p:spPr>
+      </p:pic>
+      <p:cxnSp>
+        <p:nvCxnSpPr>
+          <p:cNvPr id="14" name="Straight Arrow Connector 13"/>
+          <p:cNvCxnSpPr/>
+          <p:nvPr/>
+        </p:nvCxnSpPr>
+        <p:spPr>
+          <a:xfrm flipV="1">
+            <a:off x="3142800" y="3439653"/>
+            <a:ext cx="869631" cy="21764"/>
+          </a:xfrm>
+          <a:prstGeom prst="straightConnector1">
+            <a:avLst/>
+          </a:prstGeom>
+          <a:ln w="57150">
+            <a:tailEnd type="triangle"/>
+          </a:ln>
+        </p:spPr>
+        <p:style>
+          <a:lnRef idx="1">
+            <a:schemeClr val="accent1"/>
+          </a:lnRef>
+          <a:fillRef idx="0">
+            <a:schemeClr val="accent1"/>
+          </a:fillRef>
+          <a:effectRef idx="0">
+            <a:schemeClr val="accent1"/>
+          </a:effectRef>
+          <a:fontRef idx="minor">
+            <a:schemeClr val="tx1"/>
+          </a:fontRef>
+        </p:style>
+      </p:cxnSp>
+      <p:pic>
+        <p:nvPicPr>
+          <p:cNvPr id="1026" name="Picture 2" descr="Related image"/>
+          <p:cNvPicPr>
+            <a:picLocks noChangeAspect="1" noChangeArrowheads="1"/>
+          </p:cNvPicPr>
+          <p:nvPr/>
+        </p:nvPicPr>
+        <p:blipFill>
+          <a:blip r:embed="rId3">
+            <a:extLst>
+              <a:ext uri="{28A0092B-C50C-407E-A947-70E740481C1C}">
+                <a14:useLocalDpi xmlns:a14="http://schemas.microsoft.com/office/drawing/2010/main" val="0"/>
+              </a:ext>
+            </a:extLst>
+          </a:blip>
+          <a:srcRect/>
+          <a:stretch>
+            <a:fillRect/>
+          </a:stretch>
+        </p:blipFill>
+        <p:spPr bwMode="auto">
+          <a:xfrm>
+            <a:off x="4238475" y="2150201"/>
+            <a:ext cx="3105150" cy="2552700"/>
+          </a:xfrm>
+          <a:prstGeom prst="rect">
+            <a:avLst/>
+          </a:prstGeom>
+          <a:noFill/>
+          <a:extLst>
+            <a:ext uri="{909E8E84-426E-40DD-AFC4-6F175D3DCCD1}">
+              <a14:hiddenFill xmlns:a14="http://schemas.microsoft.com/office/drawing/2010/main">
+                <a:solidFill>
+                  <a:srgbClr val="FFFFFF"/>
+                </a:solidFill>
+              </a14:hiddenFill>
+            </a:ext>
+          </a:extLst>
+        </p:spPr>
+      </p:pic>
+      <p:sp>
+        <p:nvSpPr>
+          <p:cNvPr id="19" name="TextBox 18"/>
+          <p:cNvSpPr txBox="1"/>
+          <p:nvPr/>
+        </p:nvSpPr>
+        <p:spPr>
+          <a:xfrm>
+            <a:off x="7404310" y="1668465"/>
+            <a:ext cx="3690872" cy="4154984"/>
+          </a:xfrm>
+          <a:prstGeom prst="rect">
+            <a:avLst/>
+          </a:prstGeom>
+          <a:noFill/>
+        </p:spPr>
+        <p:txBody>
+          <a:bodyPr wrap="square" rtlCol="0">
+            <a:spAutoFit/>
+          </a:bodyPr>
+          <a:lstStyle/>
+          <a:p>
+            <a:pPr marL="342900" indent="-342900">
+              <a:buFont typeface="Arial" panose="020B0604020202020204" pitchFamily="34" charset="0"/>
+              <a:buChar char="•"/>
+            </a:pPr>
+            <a:r>
+              <a:rPr lang="en-US" sz="2400" dirty="0" smtClean="0"/>
+              <a:t>MC state machine parses message from Peripheral. </a:t>
+            </a:r>
+          </a:p>
+          <a:p>
+            <a:pPr marL="342900" indent="-342900">
+              <a:buFont typeface="Arial" panose="020B0604020202020204" pitchFamily="34" charset="0"/>
+              <a:buChar char="•"/>
+            </a:pPr>
+            <a:r>
+              <a:rPr lang="en-US" sz="2400" dirty="0" smtClean="0"/>
+              <a:t>If conflict with address bus request, gives access to CPU and notifies Peripheral to resend </a:t>
+            </a:r>
+            <a:r>
+              <a:rPr lang="en-US" sz="2400" dirty="0" err="1" smtClean="0"/>
+              <a:t>msg</a:t>
+            </a:r>
+            <a:r>
+              <a:rPr lang="en-US" sz="2400" dirty="0" smtClean="0"/>
+              <a:t> after waiting.</a:t>
+            </a:r>
+          </a:p>
+          <a:p>
+            <a:pPr marL="342900" indent="-342900">
+              <a:buFont typeface="Arial" panose="020B0604020202020204" pitchFamily="34" charset="0"/>
+              <a:buChar char="•"/>
+            </a:pPr>
+            <a:r>
+              <a:rPr lang="en-US" sz="2400" dirty="0" smtClean="0"/>
+              <a:t>If Bus is free sends address to Cache to start snoop operation and reads control signals. </a:t>
+            </a:r>
+          </a:p>
+        </p:txBody>
+      </p:sp>
+      <p:cxnSp>
+        <p:nvCxnSpPr>
+          <p:cNvPr id="15" name="Straight Arrow Connector 14"/>
+          <p:cNvCxnSpPr/>
+          <p:nvPr/>
+        </p:nvCxnSpPr>
+        <p:spPr>
+          <a:xfrm flipV="1">
+            <a:off x="208788" y="3439653"/>
+            <a:ext cx="1343285" cy="1"/>
+          </a:xfrm>
+          <a:prstGeom prst="straightConnector1">
+            <a:avLst/>
+          </a:prstGeom>
+          <a:ln w="57150">
+            <a:headEnd type="triangle"/>
+            <a:tailEnd type="triangle"/>
+          </a:ln>
+        </p:spPr>
+        <p:style>
+          <a:lnRef idx="1">
+            <a:schemeClr val="accent1"/>
+          </a:lnRef>
+          <a:fillRef idx="0">
+            <a:schemeClr val="accent1"/>
+          </a:fillRef>
+          <a:effectRef idx="0">
+            <a:schemeClr val="accent1"/>
+          </a:effectRef>
+          <a:fontRef idx="minor">
+            <a:schemeClr val="tx1"/>
+          </a:fontRef>
+        </p:style>
+      </p:cxnSp>
+      <p:sp>
+        <p:nvSpPr>
+          <p:cNvPr id="6" name="Rectangle 5"/>
+          <p:cNvSpPr/>
+          <p:nvPr/>
+        </p:nvSpPr>
+        <p:spPr>
+          <a:xfrm>
+            <a:off x="282315" y="2486454"/>
+            <a:ext cx="1343285" cy="646331"/>
+          </a:xfrm>
+          <a:prstGeom prst="rect">
+            <a:avLst/>
+          </a:prstGeom>
+        </p:spPr>
+        <p:txBody>
+          <a:bodyPr wrap="square">
+            <a:spAutoFit/>
+          </a:bodyPr>
+          <a:lstStyle/>
+          <a:p>
+            <a:r>
+              <a:rPr lang="en-US" dirty="0" smtClean="0"/>
+              <a:t>Serial from peripheral</a:t>
+            </a:r>
+            <a:endParaRPr lang="en-US" dirty="0"/>
+          </a:p>
+        </p:txBody>
+      </p:sp>
+    </p:spTree>
+    <p:extLst>
+      <p:ext uri="{BB962C8B-B14F-4D97-AF65-F5344CB8AC3E}">
+        <p14:creationId xmlns:p14="http://schemas.microsoft.com/office/powerpoint/2010/main" val="3536200673"/>
+      </p:ext>
+    </p:extLst>
+  </p:cSld>
+  <p:clrMapOvr>
+    <a:masterClrMapping/>
+  </p:clrMapOvr>
+</p:sld>
+</file>
+
 <file path=ppt/slides/slide3.xml><?xml version="1.0" encoding="utf-8"?>
 <p:sld xmlns:a="http://schemas.openxmlformats.org/drawingml/2006/main" xmlns:r="http://schemas.openxmlformats.org/officeDocument/2006/relationships" xmlns:p="http://schemas.openxmlformats.org/presentationml/2006/main">
   <p:cSld>
@@ -7491,7 +7893,7 @@
         </p:nvSpPr>
         <p:spPr>
           <a:xfrm>
-            <a:off x="838200" y="365125"/>
+            <a:off x="838200" y="213234"/>
             <a:ext cx="10515600" cy="1325563"/>
           </a:xfrm>
           <a:prstGeom prst="rect">
@@ -8068,24 +8470,72 @@
           <a:chExt cx="0" cy="0"/>
         </a:xfrm>
       </p:grpSpPr>
+      <p:pic>
+        <p:nvPicPr>
+          <p:cNvPr id="13" name="Picture 12"/>
+          <p:cNvPicPr>
+            <a:picLocks noChangeAspect="1"/>
+          </p:cNvPicPr>
+          <p:nvPr/>
+        </p:nvPicPr>
+        <p:blipFill>
+          <a:blip r:embed="rId3"/>
+          <a:stretch>
+            <a:fillRect/>
+          </a:stretch>
+        </p:blipFill>
+        <p:spPr>
+          <a:xfrm>
+            <a:off x="0" y="2462892"/>
+            <a:ext cx="10725150" cy="4076700"/>
+          </a:xfrm>
+          <a:prstGeom prst="rect">
+            <a:avLst/>
+          </a:prstGeom>
+        </p:spPr>
+      </p:pic>
       <p:sp>
         <p:nvSpPr>
           <p:cNvPr id="2" name="Title 1"/>
-          <p:cNvSpPr>
-            <a:spLocks noGrp="1"/>
+          <p:cNvSpPr txBox="1">
+            <a:spLocks/>
           </p:cNvSpPr>
-          <p:nvPr>
-            <p:ph type="title"/>
-          </p:nvPr>
-        </p:nvSpPr>
-        <p:spPr/>
+          <p:nvPr/>
+        </p:nvSpPr>
+        <p:spPr>
+          <a:xfrm>
+            <a:off x="1019269" y="906305"/>
+            <a:ext cx="10515600" cy="1325563"/>
+          </a:xfrm>
+          <a:prstGeom prst="rect">
+            <a:avLst/>
+          </a:prstGeom>
+        </p:spPr>
         <p:txBody>
           <a:bodyPr/>
-          <a:lstStyle/>
+          <a:lstStyle>
+            <a:lvl1pPr algn="l" defTabSz="914400" rtl="0" eaLnBrk="1" latinLnBrk="0" hangingPunct="1">
+              <a:lnSpc>
+                <a:spcPct val="90000"/>
+              </a:lnSpc>
+              <a:spcBef>
+                <a:spcPct val="0"/>
+              </a:spcBef>
+              <a:buNone/>
+              <a:defRPr sz="4400" kern="1200">
+                <a:solidFill>
+                  <a:schemeClr val="tx1"/>
+                </a:solidFill>
+                <a:latin typeface="+mj-lt"/>
+                <a:ea typeface="+mj-ea"/>
+                <a:cs typeface="+mj-cs"/>
+              </a:defRPr>
+            </a:lvl1pPr>
+          </a:lstStyle>
           <a:p>
             <a:r>
               <a:rPr lang="en-US" dirty="0" smtClean="0"/>
-              <a:t>Peripheral component – Verification cases</a:t>
+              <a:t>Peripheral component FSM  – Synthesis</a:t>
             </a:r>
             <a:endParaRPr lang="en-US" dirty="0"/>
           </a:p>
@@ -8093,14 +8543,14 @@
       </p:sp>
       <p:sp>
         <p:nvSpPr>
-          <p:cNvPr id="6" name="TextBox 5"/>
+          <p:cNvPr id="5" name="TextBox 4"/>
           <p:cNvSpPr txBox="1"/>
           <p:nvPr/>
         </p:nvSpPr>
         <p:spPr>
           <a:xfrm>
-            <a:off x="1080654" y="1690688"/>
-            <a:ext cx="10740044" cy="6124754"/>
+            <a:off x="6277069" y="2462892"/>
+            <a:ext cx="5548415" cy="2031325"/>
           </a:xfrm>
           <a:prstGeom prst="rect">
             <a:avLst/>
@@ -8113,133 +8563,380 @@
           </a:bodyPr>
           <a:lstStyle/>
           <a:p>
-            <a:pPr marL="285750" indent="-285750">
-              <a:buFont typeface="Arial" panose="020B0604020202020204" pitchFamily="34" charset="0"/>
-              <a:buChar char="•"/>
-            </a:pPr>
-            <a:r>
-              <a:rPr lang="en-US" sz="2800" dirty="0" smtClean="0"/>
-              <a:t>Peripheral memory read – No error, cache miss/ cache hit clean</a:t>
-            </a:r>
-          </a:p>
-          <a:p>
-            <a:pPr marL="285750" indent="-285750">
-              <a:buFont typeface="Arial" panose="020B0604020202020204" pitchFamily="34" charset="0"/>
-              <a:buChar char="•"/>
-            </a:pPr>
-            <a:r>
-              <a:rPr lang="en-US" sz="2800" dirty="0" smtClean="0"/>
-              <a:t>Peripheral memory write – No error, cache miss/ cache hit clean</a:t>
-            </a:r>
-          </a:p>
-          <a:p>
-            <a:pPr marL="285750" indent="-285750">
-              <a:buFont typeface="Arial" panose="020B0604020202020204" pitchFamily="34" charset="0"/>
-              <a:buChar char="•"/>
-            </a:pPr>
-            <a:r>
-              <a:rPr lang="en-US" sz="2800" dirty="0" smtClean="0"/>
-              <a:t>Peripheral memory read – No error, cache hit Modified with retry</a:t>
-            </a:r>
-          </a:p>
-          <a:p>
-            <a:pPr marL="285750" indent="-285750">
-              <a:buFont typeface="Arial" panose="020B0604020202020204" pitchFamily="34" charset="0"/>
-              <a:buChar char="•"/>
-            </a:pPr>
-            <a:r>
-              <a:rPr lang="en-US" sz="2800" dirty="0" smtClean="0"/>
-              <a:t>Peripheral memory write – No error, cache hit Modified with retry </a:t>
-            </a:r>
-          </a:p>
-          <a:p>
-            <a:pPr marL="285750" indent="-285750">
-              <a:buFont typeface="Arial" panose="020B0604020202020204" pitchFamily="34" charset="0"/>
-              <a:buChar char="•"/>
-            </a:pPr>
-            <a:r>
-              <a:rPr lang="en-US" sz="2800" dirty="0" smtClean="0"/>
-              <a:t>Peripheral memory read – Error</a:t>
-            </a:r>
-          </a:p>
-          <a:p>
-            <a:pPr marL="285750" indent="-285750">
-              <a:buFont typeface="Arial" panose="020B0604020202020204" pitchFamily="34" charset="0"/>
-              <a:buChar char="•"/>
-            </a:pPr>
-            <a:r>
-              <a:rPr lang="en-US" sz="2800" dirty="0" smtClean="0"/>
-              <a:t>Peripheral memory write – Error</a:t>
-            </a:r>
-          </a:p>
-          <a:p>
-            <a:pPr marL="285750" indent="-285750">
-              <a:buFont typeface="Arial" panose="020B0604020202020204" pitchFamily="34" charset="0"/>
-              <a:buChar char="•"/>
-            </a:pPr>
-            <a:r>
-              <a:rPr lang="en-US" sz="2800" dirty="0" smtClean="0"/>
-              <a:t>Peripheral tries to read/write but bus held by MC.</a:t>
-            </a:r>
-          </a:p>
-          <a:p>
-            <a:pPr marL="285750" indent="-285750">
-              <a:buFont typeface="Arial" panose="020B0604020202020204" pitchFamily="34" charset="0"/>
-              <a:buChar char="•"/>
-            </a:pPr>
-            <a:r>
-              <a:rPr lang="en-US" sz="2800" dirty="0" smtClean="0"/>
-              <a:t>Peripheral tries to read/write but bus held by CPU, thru MC.</a:t>
-            </a:r>
-          </a:p>
-          <a:p>
-            <a:pPr marL="285750" indent="-285750">
-              <a:buFont typeface="Arial" panose="020B0604020202020204" pitchFamily="34" charset="0"/>
-              <a:buChar char="•"/>
-            </a:pPr>
-            <a:endParaRPr lang="en-US" sz="2800" dirty="0" smtClean="0"/>
-          </a:p>
-          <a:p>
-            <a:pPr marL="285750" indent="-285750">
-              <a:buFont typeface="Arial" panose="020B0604020202020204" pitchFamily="34" charset="0"/>
-              <a:buChar char="•"/>
-            </a:pPr>
-            <a:endParaRPr lang="en-US" sz="2800" dirty="0" smtClean="0"/>
-          </a:p>
-          <a:p>
-            <a:pPr marL="285750" indent="-285750">
-              <a:buFont typeface="Arial" panose="020B0604020202020204" pitchFamily="34" charset="0"/>
-              <a:buChar char="•"/>
-            </a:pPr>
-            <a:endParaRPr lang="en-US" sz="2800" dirty="0" smtClean="0"/>
-          </a:p>
-          <a:p>
-            <a:pPr marL="285750" indent="-285750">
-              <a:buFont typeface="Arial" panose="020B0604020202020204" pitchFamily="34" charset="0"/>
-              <a:buChar char="•"/>
-            </a:pPr>
-            <a:endParaRPr lang="en-US" sz="2800" dirty="0" smtClean="0"/>
-          </a:p>
-          <a:p>
-            <a:pPr marL="285750" indent="-285750">
-              <a:buFont typeface="Arial" panose="020B0604020202020204" pitchFamily="34" charset="0"/>
-              <a:buChar char="•"/>
-            </a:pPr>
-            <a:endParaRPr lang="en-US" sz="2800" dirty="0" smtClean="0"/>
-          </a:p>
-          <a:p>
-            <a:pPr marL="285750" indent="-285750">
-              <a:buFont typeface="Arial" panose="020B0604020202020204" pitchFamily="34" charset="0"/>
-              <a:buChar char="•"/>
-            </a:pPr>
-            <a:endParaRPr lang="en-US" sz="2800" dirty="0"/>
+            <a:r>
+              <a:rPr lang="en-US" dirty="0" smtClean="0">
+                <a:solidFill>
+                  <a:srgbClr val="7030A0"/>
+                </a:solidFill>
+              </a:rPr>
+              <a:t>CONFIRM: </a:t>
+            </a:r>
+            <a:r>
+              <a:rPr lang="en-US" dirty="0" smtClean="0">
+                <a:solidFill>
+                  <a:schemeClr val="accent2">
+                    <a:lumMod val="75000"/>
+                  </a:schemeClr>
+                </a:solidFill>
+              </a:rPr>
+              <a:t>waits for Message  (decoded by MCP decoder)</a:t>
+            </a:r>
+          </a:p>
+          <a:p>
+            <a:endParaRPr lang="en-US" dirty="0">
+              <a:solidFill>
+                <a:schemeClr val="accent2">
+                  <a:lumMod val="75000"/>
+                </a:schemeClr>
+              </a:solidFill>
+            </a:endParaRPr>
+          </a:p>
+          <a:p>
+            <a:r>
+              <a:rPr lang="en-US" dirty="0" smtClean="0">
+                <a:solidFill>
+                  <a:srgbClr val="7030A0"/>
+                </a:solidFill>
+              </a:rPr>
+              <a:t>RETRY</a:t>
+            </a:r>
+            <a:r>
+              <a:rPr lang="en-US" dirty="0" smtClean="0">
+                <a:solidFill>
+                  <a:schemeClr val="accent2">
+                    <a:lumMod val="75000"/>
+                  </a:schemeClr>
+                </a:solidFill>
+              </a:rPr>
+              <a:t>:  If MC replies with WAIT or ERROR-Retransmit, retry goes to MSG again, latched </a:t>
+            </a:r>
+            <a:r>
+              <a:rPr lang="en-US" dirty="0" err="1" smtClean="0">
+                <a:solidFill>
+                  <a:schemeClr val="accent2">
+                    <a:lumMod val="75000"/>
+                  </a:schemeClr>
+                </a:solidFill>
+              </a:rPr>
+              <a:t>messga</a:t>
+            </a:r>
+            <a:r>
+              <a:rPr lang="en-US" dirty="0" smtClean="0">
+                <a:solidFill>
+                  <a:schemeClr val="accent2">
+                    <a:lumMod val="75000"/>
+                  </a:schemeClr>
+                </a:solidFill>
+              </a:rPr>
+              <a:t> is sent again</a:t>
+            </a:r>
+          </a:p>
+          <a:p>
+            <a:r>
+              <a:rPr lang="en-US" dirty="0" smtClean="0">
+                <a:solidFill>
+                  <a:srgbClr val="7030A0"/>
+                </a:solidFill>
+              </a:rPr>
+              <a:t>RECEIVE</a:t>
+            </a:r>
+            <a:r>
+              <a:rPr lang="en-US" dirty="0" smtClean="0">
+                <a:solidFill>
+                  <a:schemeClr val="accent2">
+                    <a:lumMod val="75000"/>
+                  </a:schemeClr>
+                </a:solidFill>
+              </a:rPr>
+              <a:t>:  </a:t>
+            </a:r>
+            <a:r>
+              <a:rPr lang="en-US" dirty="0">
+                <a:solidFill>
+                  <a:schemeClr val="accent2">
+                    <a:lumMod val="75000"/>
+                  </a:schemeClr>
+                </a:solidFill>
+              </a:rPr>
+              <a:t>If MC replies with </a:t>
+            </a:r>
+            <a:r>
+              <a:rPr lang="en-US" dirty="0" smtClean="0">
+                <a:solidFill>
+                  <a:srgbClr val="00B0F0"/>
+                </a:solidFill>
+              </a:rPr>
+              <a:t>ACK</a:t>
+            </a:r>
+            <a:r>
+              <a:rPr lang="en-US" dirty="0" smtClean="0">
+                <a:solidFill>
+                  <a:schemeClr val="accent2">
+                    <a:lumMod val="75000"/>
+                  </a:schemeClr>
+                </a:solidFill>
+              </a:rPr>
+              <a:t> latches </a:t>
+            </a:r>
+            <a:r>
+              <a:rPr lang="en-US" dirty="0" smtClean="0">
+                <a:solidFill>
+                  <a:srgbClr val="00B0F0"/>
+                </a:solidFill>
+              </a:rPr>
+              <a:t>DATA</a:t>
+            </a:r>
+            <a:r>
+              <a:rPr lang="en-US" dirty="0" smtClean="0">
+                <a:solidFill>
+                  <a:schemeClr val="accent2">
+                    <a:lumMod val="75000"/>
+                  </a:schemeClr>
+                </a:solidFill>
+              </a:rPr>
+              <a:t> &amp; ready if </a:t>
+            </a:r>
+            <a:r>
+              <a:rPr lang="en-US" dirty="0" smtClean="0">
+                <a:solidFill>
+                  <a:schemeClr val="accent6">
+                    <a:lumMod val="75000"/>
+                  </a:schemeClr>
+                </a:solidFill>
+              </a:rPr>
+              <a:t>READ</a:t>
+            </a:r>
+            <a:r>
+              <a:rPr lang="en-US" dirty="0" smtClean="0">
+                <a:solidFill>
+                  <a:schemeClr val="accent2">
+                    <a:lumMod val="75000"/>
+                  </a:schemeClr>
+                </a:solidFill>
+              </a:rPr>
+              <a:t> instruction or </a:t>
+            </a:r>
+            <a:r>
+              <a:rPr lang="en-US" dirty="0" smtClean="0">
+                <a:solidFill>
+                  <a:srgbClr val="00B0F0"/>
+                </a:solidFill>
+              </a:rPr>
+              <a:t>Ready</a:t>
+            </a:r>
+            <a:r>
+              <a:rPr lang="en-US" dirty="0" smtClean="0">
+                <a:solidFill>
+                  <a:schemeClr val="accent2">
+                    <a:lumMod val="75000"/>
+                  </a:schemeClr>
+                </a:solidFill>
+              </a:rPr>
+              <a:t> if </a:t>
+            </a:r>
+            <a:r>
+              <a:rPr lang="en-US" dirty="0" smtClean="0">
+                <a:solidFill>
+                  <a:schemeClr val="accent6">
+                    <a:lumMod val="75000"/>
+                  </a:schemeClr>
+                </a:solidFill>
+              </a:rPr>
+              <a:t>WRITE</a:t>
+            </a:r>
+            <a:r>
+              <a:rPr lang="en-US" dirty="0" smtClean="0">
+                <a:solidFill>
+                  <a:schemeClr val="accent2">
+                    <a:lumMod val="75000"/>
+                  </a:schemeClr>
+                </a:solidFill>
+              </a:rPr>
+              <a:t> instruction. </a:t>
+            </a:r>
+            <a:endParaRPr lang="en-US" dirty="0">
+              <a:solidFill>
+                <a:schemeClr val="accent2">
+                  <a:lumMod val="75000"/>
+                </a:schemeClr>
+              </a:solidFill>
+            </a:endParaRPr>
+          </a:p>
+          <a:p>
+            <a:endParaRPr lang="en-US" dirty="0">
+              <a:solidFill>
+                <a:schemeClr val="accent2">
+                  <a:lumMod val="75000"/>
+                </a:schemeClr>
+              </a:solidFill>
+            </a:endParaRPr>
+          </a:p>
+        </p:txBody>
+      </p:sp>
+      <p:sp>
+        <p:nvSpPr>
+          <p:cNvPr id="7" name="TextBox 6"/>
+          <p:cNvSpPr txBox="1"/>
+          <p:nvPr/>
+        </p:nvSpPr>
+        <p:spPr>
+          <a:xfrm>
+            <a:off x="2451715" y="4635424"/>
+            <a:ext cx="1924975" cy="923330"/>
+          </a:xfrm>
+          <a:prstGeom prst="rect">
+            <a:avLst/>
+          </a:prstGeom>
+          <a:noFill/>
+        </p:spPr>
+        <p:txBody>
+          <a:bodyPr wrap="square" rtlCol="0">
+            <a:spAutoFit/>
+          </a:bodyPr>
+          <a:lstStyle/>
+          <a:p>
+            <a:r>
+              <a:rPr lang="en-US" dirty="0" smtClean="0">
+                <a:solidFill>
+                  <a:schemeClr val="accent2">
+                    <a:lumMod val="75000"/>
+                  </a:schemeClr>
+                </a:solidFill>
+              </a:rPr>
+              <a:t> </a:t>
+            </a:r>
+            <a:r>
+              <a:rPr lang="en-US" b="1" dirty="0" smtClean="0">
+                <a:solidFill>
+                  <a:srgbClr val="7030A0"/>
+                </a:solidFill>
+              </a:rPr>
+              <a:t>LOAD</a:t>
+            </a:r>
+            <a:r>
+              <a:rPr lang="en-US" dirty="0" smtClean="0">
+                <a:solidFill>
+                  <a:schemeClr val="accent2">
+                    <a:lumMod val="75000"/>
+                  </a:schemeClr>
+                </a:solidFill>
+              </a:rPr>
+              <a:t>: Latches Data, ADDR, </a:t>
+            </a:r>
+            <a:r>
+              <a:rPr lang="en-US" dirty="0" err="1" smtClean="0">
+                <a:solidFill>
+                  <a:schemeClr val="accent2">
+                    <a:lumMod val="75000"/>
+                  </a:schemeClr>
+                </a:solidFill>
+              </a:rPr>
+              <a:t>Instr</a:t>
+            </a:r>
+            <a:r>
+              <a:rPr lang="en-US" dirty="0" smtClean="0">
+                <a:solidFill>
+                  <a:schemeClr val="accent2">
+                    <a:lumMod val="75000"/>
+                  </a:schemeClr>
+                </a:solidFill>
+              </a:rPr>
+              <a:t> and Error from TB</a:t>
+            </a:r>
+            <a:endParaRPr lang="en-US" dirty="0">
+              <a:solidFill>
+                <a:schemeClr val="accent2">
+                  <a:lumMod val="75000"/>
+                </a:schemeClr>
+              </a:solidFill>
+            </a:endParaRPr>
+          </a:p>
+        </p:txBody>
+      </p:sp>
+      <p:sp>
+        <p:nvSpPr>
+          <p:cNvPr id="11" name="TextBox 10"/>
+          <p:cNvSpPr txBox="1"/>
+          <p:nvPr/>
+        </p:nvSpPr>
+        <p:spPr>
+          <a:xfrm>
+            <a:off x="3726545" y="2973047"/>
+            <a:ext cx="1830875" cy="1200329"/>
+          </a:xfrm>
+          <a:prstGeom prst="rect">
+            <a:avLst/>
+          </a:prstGeom>
+          <a:noFill/>
+        </p:spPr>
+        <p:txBody>
+          <a:bodyPr wrap="square" rtlCol="0">
+            <a:spAutoFit/>
+          </a:bodyPr>
+          <a:lstStyle/>
+          <a:p>
+            <a:r>
+              <a:rPr lang="en-US" b="1" dirty="0" smtClean="0">
+                <a:solidFill>
+                  <a:srgbClr val="7030A0"/>
+                </a:solidFill>
+              </a:rPr>
+              <a:t>MSG</a:t>
+            </a:r>
+            <a:r>
+              <a:rPr lang="en-US" dirty="0" smtClean="0">
+                <a:solidFill>
+                  <a:schemeClr val="accent2">
+                    <a:lumMod val="75000"/>
+                  </a:schemeClr>
+                </a:solidFill>
+              </a:rPr>
+              <a:t>: Sends </a:t>
+            </a:r>
+            <a:r>
+              <a:rPr lang="en-US" dirty="0" err="1" smtClean="0">
+                <a:solidFill>
+                  <a:schemeClr val="accent2">
+                    <a:lumMod val="75000"/>
+                  </a:schemeClr>
+                </a:solidFill>
+              </a:rPr>
+              <a:t>msg</a:t>
+            </a:r>
+            <a:r>
+              <a:rPr lang="en-US" dirty="0" smtClean="0">
+                <a:solidFill>
+                  <a:schemeClr val="accent2">
+                    <a:lumMod val="75000"/>
+                  </a:schemeClr>
+                </a:solidFill>
+              </a:rPr>
+              <a:t> to UART, waits for UART ACK </a:t>
+            </a:r>
+            <a:r>
+              <a:rPr lang="en-US" dirty="0" err="1" smtClean="0">
+                <a:solidFill>
+                  <a:schemeClr val="accent2">
+                    <a:lumMod val="75000"/>
+                  </a:schemeClr>
+                </a:solidFill>
+              </a:rPr>
+              <a:t>TxDone</a:t>
+            </a:r>
+            <a:endParaRPr lang="en-US" dirty="0">
+              <a:solidFill>
+                <a:schemeClr val="accent2">
+                  <a:lumMod val="75000"/>
+                </a:schemeClr>
+              </a:solidFill>
+            </a:endParaRPr>
           </a:p>
         </p:txBody>
       </p:sp>
     </p:spTree>
     <p:extLst>
       <p:ext uri="{BB962C8B-B14F-4D97-AF65-F5344CB8AC3E}">
-        <p14:creationId xmlns:p14="http://schemas.microsoft.com/office/powerpoint/2010/main" val="1587516871"/>
+        <p14:creationId xmlns:p14="http://schemas.microsoft.com/office/powerpoint/2010/main" val="1075789774"/>
       </p:ext>
     </p:extLst>
   </p:cSld>
@@ -8276,19 +8973,14 @@
             <p:ph type="title"/>
           </p:nvPr>
         </p:nvSpPr>
-        <p:spPr>
-          <a:xfrm>
-            <a:off x="253692" y="12709"/>
-            <a:ext cx="10515600" cy="1325563"/>
-          </a:xfrm>
-        </p:spPr>
+        <p:spPr/>
         <p:txBody>
           <a:bodyPr/>
           <a:lstStyle/>
           <a:p>
             <a:r>
               <a:rPr lang="en-US" dirty="0" smtClean="0"/>
-              <a:t>Memory controller</a:t>
+              <a:t>Peripheral component – Verification cases</a:t>
             </a:r>
             <a:endParaRPr lang="en-US" dirty="0"/>
           </a:p>
@@ -8296,61 +8988,14 @@
       </p:sp>
       <p:sp>
         <p:nvSpPr>
-          <p:cNvPr id="4" name="Rectangle 3"/>
-          <p:cNvSpPr/>
-          <p:nvPr/>
-        </p:nvSpPr>
-        <p:spPr>
-          <a:xfrm>
-            <a:off x="3672379" y="1896866"/>
-            <a:ext cx="3690851" cy="2859578"/>
-          </a:xfrm>
-          <a:prstGeom prst="rect">
-            <a:avLst/>
-          </a:prstGeom>
-          <a:solidFill>
-            <a:srgbClr val="FF0000"/>
-          </a:solidFill>
-        </p:spPr>
-        <p:style>
-          <a:lnRef idx="2">
-            <a:schemeClr val="accent1">
-              <a:shade val="50000"/>
-            </a:schemeClr>
-          </a:lnRef>
-          <a:fillRef idx="1">
-            <a:schemeClr val="accent1"/>
-          </a:fillRef>
-          <a:effectRef idx="0">
-            <a:schemeClr val="accent1"/>
-          </a:effectRef>
-          <a:fontRef idx="minor">
-            <a:schemeClr val="lt1"/>
-          </a:fontRef>
-        </p:style>
-        <p:txBody>
-          <a:bodyPr rtlCol="0" anchor="ctr"/>
-          <a:lstStyle/>
-          <a:p>
-            <a:pPr algn="ctr"/>
-            <a:r>
-              <a:rPr lang="en-US" sz="4400" dirty="0" smtClean="0"/>
-              <a:t>Memory Controller</a:t>
-            </a:r>
-            <a:endParaRPr lang="en-US" sz="4400" dirty="0"/>
-          </a:p>
-        </p:txBody>
-      </p:sp>
-      <p:sp>
-        <p:nvSpPr>
-          <p:cNvPr id="21" name="TextBox 20"/>
+          <p:cNvPr id="6" name="TextBox 5"/>
           <p:cNvSpPr txBox="1"/>
           <p:nvPr/>
         </p:nvSpPr>
         <p:spPr>
           <a:xfrm>
-            <a:off x="812528" y="2419203"/>
-            <a:ext cx="2607461" cy="1200329"/>
+            <a:off x="1080654" y="1690688"/>
+            <a:ext cx="10740044" cy="6124754"/>
           </a:xfrm>
           <a:prstGeom prst="rect">
             <a:avLst/>
@@ -8363,292 +9008,133 @@
           </a:bodyPr>
           <a:lstStyle/>
           <a:p>
-            <a:r>
-              <a:rPr lang="en-US" sz="2400" dirty="0" smtClean="0"/>
-              <a:t>Serial communication with peripheral</a:t>
-            </a:r>
-            <a:endParaRPr lang="en-US" sz="2400" dirty="0"/>
-          </a:p>
-        </p:txBody>
-      </p:sp>
-      <p:cxnSp>
-        <p:nvCxnSpPr>
-          <p:cNvPr id="5" name="Straight Arrow Connector 4"/>
-          <p:cNvCxnSpPr/>
-          <p:nvPr/>
-        </p:nvCxnSpPr>
-        <p:spPr>
-          <a:xfrm flipV="1">
-            <a:off x="4729314" y="5164530"/>
-            <a:ext cx="0" cy="1128107"/>
-          </a:xfrm>
-          <a:prstGeom prst="straightConnector1">
-            <a:avLst/>
-          </a:prstGeom>
-          <a:ln w="57150">
-            <a:headEnd type="triangle"/>
-            <a:tailEnd type="triangle"/>
-          </a:ln>
-        </p:spPr>
-        <p:style>
-          <a:lnRef idx="1">
-            <a:schemeClr val="accent1"/>
-          </a:lnRef>
-          <a:fillRef idx="0">
-            <a:schemeClr val="accent1"/>
-          </a:fillRef>
-          <a:effectRef idx="0">
-            <a:schemeClr val="accent1"/>
-          </a:effectRef>
-          <a:fontRef idx="minor">
-            <a:schemeClr val="tx1"/>
-          </a:fontRef>
-        </p:style>
-      </p:cxnSp>
-      <p:sp>
-        <p:nvSpPr>
-          <p:cNvPr id="6" name="TextBox 5"/>
-          <p:cNvSpPr txBox="1"/>
-          <p:nvPr/>
-        </p:nvSpPr>
-        <p:spPr>
-          <a:xfrm>
-            <a:off x="5084914" y="5503980"/>
-            <a:ext cx="4556632" cy="461665"/>
-          </a:xfrm>
-          <a:prstGeom prst="rect">
-            <a:avLst/>
-          </a:prstGeom>
-          <a:noFill/>
-        </p:spPr>
-        <p:txBody>
-          <a:bodyPr wrap="square" rtlCol="0">
-            <a:spAutoFit/>
-          </a:bodyPr>
-          <a:lstStyle>
-            <a:defPPr>
-              <a:defRPr lang="en-US"/>
-            </a:defPPr>
-            <a:lvl1pPr>
-              <a:defRPr sz="2400"/>
-            </a:lvl1pPr>
-          </a:lstStyle>
-          <a:p>
-            <a:r>
-              <a:rPr lang="en-US" dirty="0"/>
-              <a:t>Address/data Bus to Main Memory</a:t>
-            </a:r>
-          </a:p>
-        </p:txBody>
-      </p:sp>
-      <p:cxnSp>
-        <p:nvCxnSpPr>
-          <p:cNvPr id="9" name="Straight Arrow Connector 8"/>
-          <p:cNvCxnSpPr/>
-          <p:nvPr/>
-        </p:nvCxnSpPr>
-        <p:spPr>
-          <a:xfrm>
-            <a:off x="7663378" y="3313047"/>
-            <a:ext cx="3208712" cy="0"/>
-          </a:xfrm>
-          <a:prstGeom prst="straightConnector1">
-            <a:avLst/>
-          </a:prstGeom>
-          <a:ln w="57150">
-            <a:headEnd type="triangle"/>
-            <a:tailEnd type="triangle"/>
-          </a:ln>
-        </p:spPr>
-        <p:style>
-          <a:lnRef idx="1">
-            <a:schemeClr val="accent1"/>
-          </a:lnRef>
-          <a:fillRef idx="0">
-            <a:schemeClr val="accent1"/>
-          </a:fillRef>
-          <a:effectRef idx="0">
-            <a:schemeClr val="accent1"/>
-          </a:effectRef>
-          <a:fontRef idx="minor">
-            <a:schemeClr val="tx1"/>
-          </a:fontRef>
-        </p:style>
-      </p:cxnSp>
-      <p:cxnSp>
-        <p:nvCxnSpPr>
-          <p:cNvPr id="22" name="Straight Arrow Connector 21"/>
-          <p:cNvCxnSpPr/>
-          <p:nvPr/>
-        </p:nvCxnSpPr>
-        <p:spPr>
-          <a:xfrm flipV="1">
-            <a:off x="812528" y="3918790"/>
-            <a:ext cx="2407956" cy="7285"/>
-          </a:xfrm>
-          <a:prstGeom prst="straightConnector1">
-            <a:avLst/>
-          </a:prstGeom>
-          <a:ln w="57150">
-            <a:headEnd type="triangle"/>
-            <a:tailEnd type="triangle"/>
-          </a:ln>
-        </p:spPr>
-        <p:style>
-          <a:lnRef idx="1">
-            <a:schemeClr val="accent1"/>
-          </a:lnRef>
-          <a:fillRef idx="0">
-            <a:schemeClr val="accent1"/>
-          </a:fillRef>
-          <a:effectRef idx="0">
-            <a:schemeClr val="accent1"/>
-          </a:effectRef>
-          <a:fontRef idx="minor">
-            <a:schemeClr val="tx1"/>
-          </a:fontRef>
-        </p:style>
-      </p:cxnSp>
-      <p:sp>
-        <p:nvSpPr>
-          <p:cNvPr id="14" name="TextBox 13"/>
-          <p:cNvSpPr txBox="1"/>
-          <p:nvPr/>
-        </p:nvSpPr>
-        <p:spPr>
-          <a:xfrm>
-            <a:off x="7615949" y="2419203"/>
-            <a:ext cx="903132" cy="369332"/>
-          </a:xfrm>
-          <a:prstGeom prst="rect">
-            <a:avLst/>
-          </a:prstGeom>
-          <a:noFill/>
-        </p:spPr>
-        <p:txBody>
-          <a:bodyPr wrap="none" rtlCol="0">
-            <a:spAutoFit/>
-          </a:bodyPr>
-          <a:lstStyle/>
-          <a:p>
-            <a:r>
-              <a:rPr lang="en-US" dirty="0" smtClean="0"/>
-              <a:t>To CPU:</a:t>
-            </a:r>
-            <a:endParaRPr lang="en-US" dirty="0"/>
-          </a:p>
-        </p:txBody>
-      </p:sp>
-      <p:sp>
-        <p:nvSpPr>
-          <p:cNvPr id="26" name="TextBox 25"/>
-          <p:cNvSpPr txBox="1"/>
-          <p:nvPr/>
-        </p:nvSpPr>
-        <p:spPr>
-          <a:xfrm>
-            <a:off x="8243525" y="2779246"/>
-            <a:ext cx="2373278" cy="461665"/>
-          </a:xfrm>
-          <a:prstGeom prst="rect">
-            <a:avLst/>
-          </a:prstGeom>
-          <a:noFill/>
-        </p:spPr>
-        <p:txBody>
-          <a:bodyPr wrap="square" rtlCol="0">
-            <a:spAutoFit/>
-          </a:bodyPr>
-          <a:lstStyle>
-            <a:defPPr>
-              <a:defRPr lang="en-US"/>
-            </a:defPPr>
-            <a:lvl1pPr>
-              <a:defRPr sz="2400"/>
-            </a:lvl1pPr>
-          </a:lstStyle>
-          <a:p>
-            <a:r>
-              <a:rPr lang="en-US" dirty="0"/>
-              <a:t>Address/data Bus</a:t>
-            </a:r>
-          </a:p>
-        </p:txBody>
-      </p:sp>
-      <p:cxnSp>
-        <p:nvCxnSpPr>
-          <p:cNvPr id="27" name="Straight Arrow Connector 26"/>
-          <p:cNvCxnSpPr/>
-          <p:nvPr/>
-        </p:nvCxnSpPr>
-        <p:spPr>
-          <a:xfrm>
-            <a:off x="7713255" y="4196122"/>
-            <a:ext cx="3208712" cy="0"/>
-          </a:xfrm>
-          <a:prstGeom prst="straightConnector1">
-            <a:avLst/>
-          </a:prstGeom>
-          <a:ln w="57150">
-            <a:headEnd type="triangle"/>
-            <a:tailEnd type="triangle"/>
-          </a:ln>
-        </p:spPr>
-        <p:style>
-          <a:lnRef idx="1">
-            <a:schemeClr val="accent1"/>
-          </a:lnRef>
-          <a:fillRef idx="0">
-            <a:schemeClr val="accent1"/>
-          </a:fillRef>
-          <a:effectRef idx="0">
-            <a:schemeClr val="accent1"/>
-          </a:effectRef>
-          <a:fontRef idx="minor">
-            <a:schemeClr val="tx1"/>
-          </a:fontRef>
-        </p:style>
-      </p:cxnSp>
-      <p:sp>
-        <p:nvSpPr>
-          <p:cNvPr id="28" name="TextBox 27"/>
-          <p:cNvSpPr txBox="1"/>
-          <p:nvPr/>
-        </p:nvSpPr>
-        <p:spPr>
-          <a:xfrm>
-            <a:off x="8067515" y="3662320"/>
-            <a:ext cx="2549288" cy="461665"/>
-          </a:xfrm>
-          <a:prstGeom prst="rect">
-            <a:avLst/>
-          </a:prstGeom>
-          <a:noFill/>
-        </p:spPr>
-        <p:txBody>
-          <a:bodyPr wrap="square" rtlCol="0">
-            <a:spAutoFit/>
-          </a:bodyPr>
-          <a:lstStyle>
-            <a:defPPr>
-              <a:defRPr lang="en-US"/>
-            </a:defPPr>
-            <a:lvl1pPr>
-              <a:defRPr sz="2400"/>
-            </a:lvl1pPr>
-          </a:lstStyle>
-          <a:p>
-            <a:r>
-              <a:rPr lang="en-US" dirty="0"/>
-              <a:t>Control Signals Bus</a:t>
-            </a:r>
+            <a:pPr marL="285750" indent="-285750">
+              <a:buFont typeface="Arial" panose="020B0604020202020204" pitchFamily="34" charset="0"/>
+              <a:buChar char="•"/>
+            </a:pPr>
+            <a:r>
+              <a:rPr lang="en-US" sz="2800" dirty="0" smtClean="0"/>
+              <a:t>Peripheral memory read – No error, cache miss/ cache hit clean</a:t>
+            </a:r>
+          </a:p>
+          <a:p>
+            <a:pPr marL="285750" indent="-285750">
+              <a:buFont typeface="Arial" panose="020B0604020202020204" pitchFamily="34" charset="0"/>
+              <a:buChar char="•"/>
+            </a:pPr>
+            <a:r>
+              <a:rPr lang="en-US" sz="2800" dirty="0" smtClean="0"/>
+              <a:t>Peripheral memory write – No error, cache miss/ cache hit clean</a:t>
+            </a:r>
+          </a:p>
+          <a:p>
+            <a:pPr marL="285750" indent="-285750">
+              <a:buFont typeface="Arial" panose="020B0604020202020204" pitchFamily="34" charset="0"/>
+              <a:buChar char="•"/>
+            </a:pPr>
+            <a:r>
+              <a:rPr lang="en-US" sz="2800" dirty="0" smtClean="0"/>
+              <a:t>Peripheral memory read – No error, cache hit Modified with retry</a:t>
+            </a:r>
+          </a:p>
+          <a:p>
+            <a:pPr marL="285750" indent="-285750">
+              <a:buFont typeface="Arial" panose="020B0604020202020204" pitchFamily="34" charset="0"/>
+              <a:buChar char="•"/>
+            </a:pPr>
+            <a:r>
+              <a:rPr lang="en-US" sz="2800" dirty="0" smtClean="0"/>
+              <a:t>Peripheral memory write – No error, cache hit Modified with retry </a:t>
+            </a:r>
+          </a:p>
+          <a:p>
+            <a:pPr marL="285750" indent="-285750">
+              <a:buFont typeface="Arial" panose="020B0604020202020204" pitchFamily="34" charset="0"/>
+              <a:buChar char="•"/>
+            </a:pPr>
+            <a:r>
+              <a:rPr lang="en-US" sz="2800" dirty="0" smtClean="0"/>
+              <a:t>Peripheral memory read – Error</a:t>
+            </a:r>
+          </a:p>
+          <a:p>
+            <a:pPr marL="285750" indent="-285750">
+              <a:buFont typeface="Arial" panose="020B0604020202020204" pitchFamily="34" charset="0"/>
+              <a:buChar char="•"/>
+            </a:pPr>
+            <a:r>
+              <a:rPr lang="en-US" sz="2800" dirty="0" smtClean="0"/>
+              <a:t>Peripheral memory write – Error</a:t>
+            </a:r>
+          </a:p>
+          <a:p>
+            <a:pPr marL="285750" indent="-285750">
+              <a:buFont typeface="Arial" panose="020B0604020202020204" pitchFamily="34" charset="0"/>
+              <a:buChar char="•"/>
+            </a:pPr>
+            <a:r>
+              <a:rPr lang="en-US" sz="2800" dirty="0" smtClean="0"/>
+              <a:t>Peripheral tries to read/write but bus held by MC.</a:t>
+            </a:r>
+          </a:p>
+          <a:p>
+            <a:pPr marL="285750" indent="-285750">
+              <a:buFont typeface="Arial" panose="020B0604020202020204" pitchFamily="34" charset="0"/>
+              <a:buChar char="•"/>
+            </a:pPr>
+            <a:r>
+              <a:rPr lang="en-US" sz="2800" dirty="0" smtClean="0"/>
+              <a:t>Peripheral tries to read/write but bus held by CPU, thru MC.</a:t>
+            </a:r>
+          </a:p>
+          <a:p>
+            <a:pPr marL="285750" indent="-285750">
+              <a:buFont typeface="Arial" panose="020B0604020202020204" pitchFamily="34" charset="0"/>
+              <a:buChar char="•"/>
+            </a:pPr>
+            <a:endParaRPr lang="en-US" sz="2800" dirty="0" smtClean="0"/>
+          </a:p>
+          <a:p>
+            <a:pPr marL="285750" indent="-285750">
+              <a:buFont typeface="Arial" panose="020B0604020202020204" pitchFamily="34" charset="0"/>
+              <a:buChar char="•"/>
+            </a:pPr>
+            <a:endParaRPr lang="en-US" sz="2800" dirty="0" smtClean="0"/>
+          </a:p>
+          <a:p>
+            <a:pPr marL="285750" indent="-285750">
+              <a:buFont typeface="Arial" panose="020B0604020202020204" pitchFamily="34" charset="0"/>
+              <a:buChar char="•"/>
+            </a:pPr>
+            <a:endParaRPr lang="en-US" sz="2800" dirty="0" smtClean="0"/>
+          </a:p>
+          <a:p>
+            <a:pPr marL="285750" indent="-285750">
+              <a:buFont typeface="Arial" panose="020B0604020202020204" pitchFamily="34" charset="0"/>
+              <a:buChar char="•"/>
+            </a:pPr>
+            <a:endParaRPr lang="en-US" sz="2800" dirty="0" smtClean="0"/>
+          </a:p>
+          <a:p>
+            <a:pPr marL="285750" indent="-285750">
+              <a:buFont typeface="Arial" panose="020B0604020202020204" pitchFamily="34" charset="0"/>
+              <a:buChar char="•"/>
+            </a:pPr>
+            <a:endParaRPr lang="en-US" sz="2800" dirty="0" smtClean="0"/>
+          </a:p>
+          <a:p>
+            <a:pPr marL="285750" indent="-285750">
+              <a:buFont typeface="Arial" panose="020B0604020202020204" pitchFamily="34" charset="0"/>
+              <a:buChar char="•"/>
+            </a:pPr>
+            <a:endParaRPr lang="en-US" sz="2800" dirty="0"/>
           </a:p>
         </p:txBody>
       </p:sp>
     </p:spTree>
     <p:extLst>
       <p:ext uri="{BB962C8B-B14F-4D97-AF65-F5344CB8AC3E}">
-        <p14:creationId xmlns:p14="http://schemas.microsoft.com/office/powerpoint/2010/main" val="3699857399"/>
+        <p14:creationId xmlns:p14="http://schemas.microsoft.com/office/powerpoint/2010/main" val="1587516871"/>
       </p:ext>
     </p:extLst>
   </p:cSld>
@@ -8687,7 +9173,7 @@
         </p:nvSpPr>
         <p:spPr>
           <a:xfrm>
-            <a:off x="517533" y="213900"/>
+            <a:off x="253692" y="12709"/>
             <a:ext cx="10515600" cy="1325563"/>
           </a:xfrm>
         </p:spPr>
@@ -8696,7 +9182,7 @@
           <a:lstStyle/>
           <a:p>
             <a:r>
-              <a:rPr lang="en-US" smtClean="0"/>
+              <a:rPr lang="en-US" dirty="0" smtClean="0"/>
               <a:t>Memory controller</a:t>
             </a:r>
             <a:endParaRPr lang="en-US" dirty="0"/>
@@ -8705,26 +9191,66 @@
       </p:sp>
       <p:sp>
         <p:nvSpPr>
-          <p:cNvPr id="3" name="TextBox 2"/>
+          <p:cNvPr id="4" name="Rectangle 3"/>
+          <p:cNvSpPr/>
+          <p:nvPr/>
+        </p:nvSpPr>
+        <p:spPr>
+          <a:xfrm>
+            <a:off x="3672379" y="1896866"/>
+            <a:ext cx="3690851" cy="2859578"/>
+          </a:xfrm>
+          <a:prstGeom prst="rect">
+            <a:avLst/>
+          </a:prstGeom>
+          <a:solidFill>
+            <a:srgbClr val="FF0000"/>
+          </a:solidFill>
+        </p:spPr>
+        <p:style>
+          <a:lnRef idx="2">
+            <a:schemeClr val="accent1">
+              <a:shade val="50000"/>
+            </a:schemeClr>
+          </a:lnRef>
+          <a:fillRef idx="1">
+            <a:schemeClr val="accent1"/>
+          </a:fillRef>
+          <a:effectRef idx="0">
+            <a:schemeClr val="accent1"/>
+          </a:effectRef>
+          <a:fontRef idx="minor">
+            <a:schemeClr val="lt1"/>
+          </a:fontRef>
+        </p:style>
+        <p:txBody>
+          <a:bodyPr rtlCol="0" anchor="ctr"/>
+          <a:lstStyle/>
+          <a:p>
+            <a:pPr algn="ctr"/>
+            <a:r>
+              <a:rPr lang="en-US" sz="4400" dirty="0" smtClean="0"/>
+              <a:t>Memory Controller</a:t>
+            </a:r>
+            <a:endParaRPr lang="en-US" sz="4400" dirty="0"/>
+          </a:p>
+        </p:txBody>
+      </p:sp>
+      <p:sp>
+        <p:nvSpPr>
+          <p:cNvPr id="21" name="TextBox 20"/>
           <p:cNvSpPr txBox="1"/>
           <p:nvPr/>
         </p:nvSpPr>
         <p:spPr>
           <a:xfrm>
-            <a:off x="1625600" y="3020805"/>
-            <a:ext cx="1343068" cy="707886"/>
+            <a:off x="812528" y="2419203"/>
+            <a:ext cx="2607461" cy="1200329"/>
           </a:xfrm>
           <a:prstGeom prst="rect">
             <a:avLst/>
           </a:prstGeom>
           <a:noFill/>
-          <a:ln w="6350">
-            <a:solidFill>
-              <a:schemeClr val="accent2">
-                <a:lumMod val="75000"/>
-              </a:schemeClr>
-            </a:solidFill>
-          </a:ln>
         </p:spPr>
         <p:txBody>
           <a:bodyPr wrap="square" rtlCol="0">
@@ -8733,52 +9259,29 @@
           <a:lstStyle/>
           <a:p>
             <a:r>
-              <a:rPr lang="en-US" sz="4000" dirty="0" smtClean="0"/>
-              <a:t>UART</a:t>
-            </a:r>
-            <a:endParaRPr lang="en-US" sz="4000" dirty="0"/>
-          </a:p>
-        </p:txBody>
-      </p:sp>
-      <p:pic>
-        <p:nvPicPr>
-          <p:cNvPr id="12" name="Picture 11"/>
-          <p:cNvPicPr>
-            <a:picLocks noChangeAspect="1"/>
-          </p:cNvPicPr>
-          <p:nvPr/>
-        </p:nvPicPr>
-        <p:blipFill>
-          <a:blip r:embed="rId2"/>
-          <a:stretch>
-            <a:fillRect/>
-          </a:stretch>
-        </p:blipFill>
-        <p:spPr>
-          <a:xfrm>
-            <a:off x="208788" y="4939023"/>
-            <a:ext cx="5048218" cy="749232"/>
-          </a:xfrm>
-          <a:prstGeom prst="rect">
-            <a:avLst/>
-          </a:prstGeom>
-        </p:spPr>
-      </p:pic>
+              <a:rPr lang="en-US" sz="2400" dirty="0" smtClean="0"/>
+              <a:t>Serial communication with peripheral</a:t>
+            </a:r>
+            <a:endParaRPr lang="en-US" sz="2400" dirty="0"/>
+          </a:p>
+        </p:txBody>
+      </p:sp>
       <p:cxnSp>
         <p:nvCxnSpPr>
-          <p:cNvPr id="14" name="Straight Arrow Connector 13"/>
+          <p:cNvPr id="5" name="Straight Arrow Connector 4"/>
           <p:cNvCxnSpPr/>
           <p:nvPr/>
         </p:nvCxnSpPr>
         <p:spPr>
           <a:xfrm flipV="1">
-            <a:off x="3142800" y="3439653"/>
-            <a:ext cx="869631" cy="21764"/>
+            <a:off x="4729314" y="5164530"/>
+            <a:ext cx="0" cy="1128107"/>
           </a:xfrm>
           <a:prstGeom prst="straightConnector1">
             <a:avLst/>
           </a:prstGeom>
           <a:ln w="57150">
+            <a:headEnd type="triangle"/>
             <a:tailEnd type="triangle"/>
           </a:ln>
         </p:spPr>
@@ -8797,57 +9300,16 @@
           </a:fontRef>
         </p:style>
       </p:cxnSp>
-      <p:pic>
-        <p:nvPicPr>
-          <p:cNvPr id="1026" name="Picture 2" descr="Related image"/>
-          <p:cNvPicPr>
-            <a:picLocks noChangeAspect="1" noChangeArrowheads="1"/>
-          </p:cNvPicPr>
-          <p:nvPr/>
-        </p:nvPicPr>
-        <p:blipFill>
-          <a:blip r:embed="rId3">
-            <a:extLst>
-              <a:ext uri="{28A0092B-C50C-407E-A947-70E740481C1C}">
-                <a14:useLocalDpi xmlns:a14="http://schemas.microsoft.com/office/drawing/2010/main" val="0"/>
-              </a:ext>
-            </a:extLst>
-          </a:blip>
-          <a:srcRect/>
-          <a:stretch>
-            <a:fillRect/>
-          </a:stretch>
-        </p:blipFill>
-        <p:spPr bwMode="auto">
-          <a:xfrm>
-            <a:off x="4238475" y="2150201"/>
-            <a:ext cx="3105150" cy="2552700"/>
-          </a:xfrm>
-          <a:prstGeom prst="rect">
-            <a:avLst/>
-          </a:prstGeom>
-          <a:noFill/>
-          <a:extLst>
-            <a:ext uri="{909E8E84-426E-40DD-AFC4-6F175D3DCCD1}">
-              <a14:hiddenFill xmlns:a14="http://schemas.microsoft.com/office/drawing/2010/main">
-                <a:solidFill>
-                  <a:srgbClr val="FFFFFF"/>
-                </a:solidFill>
-              </a14:hiddenFill>
-            </a:ext>
-          </a:extLst>
-        </p:spPr>
-      </p:pic>
-      <p:sp>
-        <p:nvSpPr>
-          <p:cNvPr id="19" name="TextBox 18"/>
+      <p:sp>
+        <p:nvSpPr>
+          <p:cNvPr id="6" name="TextBox 5"/>
           <p:cNvSpPr txBox="1"/>
           <p:nvPr/>
         </p:nvSpPr>
         <p:spPr>
           <a:xfrm>
-            <a:off x="7404310" y="1668465"/>
-            <a:ext cx="3690872" cy="4154984"/>
+            <a:off x="5084914" y="5503980"/>
+            <a:ext cx="4556632" cy="461665"/>
           </a:xfrm>
           <a:prstGeom prst="rect">
             <a:avLst/>
@@ -8858,57 +9320,32 @@
           <a:bodyPr wrap="square" rtlCol="0">
             <a:spAutoFit/>
           </a:bodyPr>
-          <a:lstStyle/>
-          <a:p>
-            <a:pPr marL="342900" indent="-342900">
-              <a:buFont typeface="Arial" panose="020B0604020202020204" pitchFamily="34" charset="0"/>
-              <a:buChar char="•"/>
-            </a:pPr>
-            <a:r>
-              <a:rPr lang="en-US" sz="2400" dirty="0" smtClean="0"/>
-              <a:t>MC state machine parses message from Peripheral. </a:t>
-            </a:r>
-          </a:p>
-          <a:p>
-            <a:pPr marL="342900" indent="-342900">
-              <a:buFont typeface="Arial" panose="020B0604020202020204" pitchFamily="34" charset="0"/>
-              <a:buChar char="•"/>
-            </a:pPr>
-            <a:r>
-              <a:rPr lang="en-US" sz="2400" dirty="0" smtClean="0"/>
-              <a:t>If conflict with address bus request, gives access to CPU and notifies Peripheral to resend </a:t>
-            </a:r>
-            <a:r>
-              <a:rPr lang="en-US" sz="2400" dirty="0" err="1" smtClean="0"/>
-              <a:t>msg</a:t>
-            </a:r>
-            <a:r>
-              <a:rPr lang="en-US" sz="2400" dirty="0" smtClean="0"/>
-              <a:t> after waiting.</a:t>
-            </a:r>
-          </a:p>
-          <a:p>
-            <a:pPr marL="342900" indent="-342900">
-              <a:buFont typeface="Arial" panose="020B0604020202020204" pitchFamily="34" charset="0"/>
-              <a:buChar char="•"/>
-            </a:pPr>
-            <a:r>
-              <a:rPr lang="en-US" sz="2400" dirty="0" smtClean="0"/>
-              <a:t>If Bus is free sends address to Cache to start snoop operation and reads control signals. </a:t>
+          <a:lstStyle>
+            <a:defPPr>
+              <a:defRPr lang="en-US"/>
+            </a:defPPr>
+            <a:lvl1pPr>
+              <a:defRPr sz="2400"/>
+            </a:lvl1pPr>
+          </a:lstStyle>
+          <a:p>
+            <a:r>
+              <a:rPr lang="en-US" dirty="0"/>
+              <a:t>Address/data Bus to Main Memory</a:t>
             </a:r>
           </a:p>
         </p:txBody>
       </p:sp>
       <p:cxnSp>
         <p:nvCxnSpPr>
-          <p:cNvPr id="15" name="Straight Arrow Connector 14"/>
+          <p:cNvPr id="9" name="Straight Arrow Connector 8"/>
           <p:cNvCxnSpPr/>
           <p:nvPr/>
         </p:nvCxnSpPr>
         <p:spPr>
-          <a:xfrm flipV="1">
-            <a:off x="208788" y="3439653"/>
-            <a:ext cx="1343285" cy="1"/>
+          <a:xfrm>
+            <a:off x="7663378" y="3313047"/>
+            <a:ext cx="3208712" cy="0"/>
           </a:xfrm>
           <a:prstGeom prst="straightConnector1">
             <a:avLst/>
@@ -8933,39 +9370,180 @@
           </a:fontRef>
         </p:style>
       </p:cxnSp>
-      <p:sp>
-        <p:nvSpPr>
-          <p:cNvPr id="6" name="Rectangle 5"/>
-          <p:cNvSpPr/>
+      <p:cxnSp>
+        <p:nvCxnSpPr>
+          <p:cNvPr id="22" name="Straight Arrow Connector 21"/>
+          <p:cNvCxnSpPr/>
           <p:nvPr/>
-        </p:nvSpPr>
-        <p:spPr>
-          <a:xfrm>
-            <a:off x="282315" y="2486454"/>
-            <a:ext cx="1343285" cy="646331"/>
+        </p:nvCxnSpPr>
+        <p:spPr>
+          <a:xfrm flipV="1">
+            <a:off x="812528" y="3918790"/>
+            <a:ext cx="2407956" cy="7285"/>
+          </a:xfrm>
+          <a:prstGeom prst="straightConnector1">
+            <a:avLst/>
+          </a:prstGeom>
+          <a:ln w="57150">
+            <a:headEnd type="triangle"/>
+            <a:tailEnd type="triangle"/>
+          </a:ln>
+        </p:spPr>
+        <p:style>
+          <a:lnRef idx="1">
+            <a:schemeClr val="accent1"/>
+          </a:lnRef>
+          <a:fillRef idx="0">
+            <a:schemeClr val="accent1"/>
+          </a:fillRef>
+          <a:effectRef idx="0">
+            <a:schemeClr val="accent1"/>
+          </a:effectRef>
+          <a:fontRef idx="minor">
+            <a:schemeClr val="tx1"/>
+          </a:fontRef>
+        </p:style>
+      </p:cxnSp>
+      <p:sp>
+        <p:nvSpPr>
+          <p:cNvPr id="14" name="TextBox 13"/>
+          <p:cNvSpPr txBox="1"/>
+          <p:nvPr/>
+        </p:nvSpPr>
+        <p:spPr>
+          <a:xfrm>
+            <a:off x="7615949" y="2419203"/>
+            <a:ext cx="903132" cy="369332"/>
           </a:xfrm>
           <a:prstGeom prst="rect">
             <a:avLst/>
           </a:prstGeom>
-        </p:spPr>
-        <p:txBody>
-          <a:bodyPr wrap="square">
+          <a:noFill/>
+        </p:spPr>
+        <p:txBody>
+          <a:bodyPr wrap="none" rtlCol="0">
             <a:spAutoFit/>
           </a:bodyPr>
           <a:lstStyle/>
           <a:p>
             <a:r>
               <a:rPr lang="en-US" dirty="0" smtClean="0"/>
-              <a:t>Serial from peripheral</a:t>
+              <a:t>To CPU:</a:t>
             </a:r>
             <a:endParaRPr lang="en-US" dirty="0"/>
+          </a:p>
+        </p:txBody>
+      </p:sp>
+      <p:sp>
+        <p:nvSpPr>
+          <p:cNvPr id="26" name="TextBox 25"/>
+          <p:cNvSpPr txBox="1"/>
+          <p:nvPr/>
+        </p:nvSpPr>
+        <p:spPr>
+          <a:xfrm>
+            <a:off x="8243525" y="2779246"/>
+            <a:ext cx="2373278" cy="461665"/>
+          </a:xfrm>
+          <a:prstGeom prst="rect">
+            <a:avLst/>
+          </a:prstGeom>
+          <a:noFill/>
+        </p:spPr>
+        <p:txBody>
+          <a:bodyPr wrap="square" rtlCol="0">
+            <a:spAutoFit/>
+          </a:bodyPr>
+          <a:lstStyle>
+            <a:defPPr>
+              <a:defRPr lang="en-US"/>
+            </a:defPPr>
+            <a:lvl1pPr>
+              <a:defRPr sz="2400"/>
+            </a:lvl1pPr>
+          </a:lstStyle>
+          <a:p>
+            <a:r>
+              <a:rPr lang="en-US" dirty="0"/>
+              <a:t>Address/data Bus</a:t>
+            </a:r>
+          </a:p>
+        </p:txBody>
+      </p:sp>
+      <p:cxnSp>
+        <p:nvCxnSpPr>
+          <p:cNvPr id="27" name="Straight Arrow Connector 26"/>
+          <p:cNvCxnSpPr/>
+          <p:nvPr/>
+        </p:nvCxnSpPr>
+        <p:spPr>
+          <a:xfrm>
+            <a:off x="7713255" y="4196122"/>
+            <a:ext cx="3208712" cy="0"/>
+          </a:xfrm>
+          <a:prstGeom prst="straightConnector1">
+            <a:avLst/>
+          </a:prstGeom>
+          <a:ln w="57150">
+            <a:headEnd type="triangle"/>
+            <a:tailEnd type="triangle"/>
+          </a:ln>
+        </p:spPr>
+        <p:style>
+          <a:lnRef idx="1">
+            <a:schemeClr val="accent1"/>
+          </a:lnRef>
+          <a:fillRef idx="0">
+            <a:schemeClr val="accent1"/>
+          </a:fillRef>
+          <a:effectRef idx="0">
+            <a:schemeClr val="accent1"/>
+          </a:effectRef>
+          <a:fontRef idx="minor">
+            <a:schemeClr val="tx1"/>
+          </a:fontRef>
+        </p:style>
+      </p:cxnSp>
+      <p:sp>
+        <p:nvSpPr>
+          <p:cNvPr id="28" name="TextBox 27"/>
+          <p:cNvSpPr txBox="1"/>
+          <p:nvPr/>
+        </p:nvSpPr>
+        <p:spPr>
+          <a:xfrm>
+            <a:off x="8067515" y="3662320"/>
+            <a:ext cx="2549288" cy="461665"/>
+          </a:xfrm>
+          <a:prstGeom prst="rect">
+            <a:avLst/>
+          </a:prstGeom>
+          <a:noFill/>
+        </p:spPr>
+        <p:txBody>
+          <a:bodyPr wrap="square" rtlCol="0">
+            <a:spAutoFit/>
+          </a:bodyPr>
+          <a:lstStyle>
+            <a:defPPr>
+              <a:defRPr lang="en-US"/>
+            </a:defPPr>
+            <a:lvl1pPr>
+              <a:defRPr sz="2400"/>
+            </a:lvl1pPr>
+          </a:lstStyle>
+          <a:p>
+            <a:r>
+              <a:rPr lang="en-US" dirty="0"/>
+              <a:t>Control Signals Bus</a:t>
+            </a:r>
           </a:p>
         </p:txBody>
       </p:sp>
     </p:spTree>
     <p:extLst>
       <p:ext uri="{BB962C8B-B14F-4D97-AF65-F5344CB8AC3E}">
-        <p14:creationId xmlns:p14="http://schemas.microsoft.com/office/powerpoint/2010/main" val="3536200673"/>
+        <p14:creationId xmlns:p14="http://schemas.microsoft.com/office/powerpoint/2010/main" val="3699857399"/>
       </p:ext>
     </p:extLst>
   </p:cSld>

--- a/Diseno_final_arq.pptx
+++ b/Diseno_final_arq.pptx
@@ -5,7 +5,7 @@
     <p:sldMasterId id="2147483648" r:id="rId1"/>
   </p:sldMasterIdLst>
   <p:notesMasterIdLst>
-    <p:notesMasterId r:id="rId23"/>
+    <p:notesMasterId r:id="rId26"/>
   </p:notesMasterIdLst>
   <p:sldIdLst>
     <p:sldId id="256" r:id="rId2"/>
@@ -14,21 +14,24 @@
     <p:sldId id="276" r:id="rId5"/>
     <p:sldId id="275" r:id="rId6"/>
     <p:sldId id="277" r:id="rId7"/>
-    <p:sldId id="259" r:id="rId8"/>
-    <p:sldId id="261" r:id="rId9"/>
-    <p:sldId id="264" r:id="rId10"/>
-    <p:sldId id="266" r:id="rId11"/>
-    <p:sldId id="263" r:id="rId12"/>
-    <p:sldId id="267" r:id="rId13"/>
-    <p:sldId id="268" r:id="rId14"/>
-    <p:sldId id="269" r:id="rId15"/>
-    <p:sldId id="270" r:id="rId16"/>
-    <p:sldId id="271" r:id="rId17"/>
-    <p:sldId id="272" r:id="rId18"/>
-    <p:sldId id="273" r:id="rId19"/>
-    <p:sldId id="274" r:id="rId20"/>
-    <p:sldId id="258" r:id="rId21"/>
-    <p:sldId id="262" r:id="rId22"/>
+    <p:sldId id="278" r:id="rId8"/>
+    <p:sldId id="259" r:id="rId9"/>
+    <p:sldId id="279" r:id="rId10"/>
+    <p:sldId id="281" r:id="rId11"/>
+    <p:sldId id="261" r:id="rId12"/>
+    <p:sldId id="264" r:id="rId13"/>
+    <p:sldId id="266" r:id="rId14"/>
+    <p:sldId id="263" r:id="rId15"/>
+    <p:sldId id="267" r:id="rId16"/>
+    <p:sldId id="268" r:id="rId17"/>
+    <p:sldId id="269" r:id="rId18"/>
+    <p:sldId id="270" r:id="rId19"/>
+    <p:sldId id="271" r:id="rId20"/>
+    <p:sldId id="272" r:id="rId21"/>
+    <p:sldId id="273" r:id="rId22"/>
+    <p:sldId id="274" r:id="rId23"/>
+    <p:sldId id="258" r:id="rId24"/>
+    <p:sldId id="262" r:id="rId25"/>
   </p:sldIdLst>
   <p:sldSz cx="12192000" cy="6858000"/>
   <p:notesSz cx="6858000" cy="9144000"/>
@@ -3649,94 +3652,51 @@
         </p:nvSpPr>
         <p:spPr/>
         <p:txBody>
-          <a:bodyPr/>
-          <a:lstStyle/>
-          <a:p>
-            <a:r>
-              <a:rPr lang="en-US" dirty="0" smtClean="0"/>
-              <a:t>Memory controller– Verification cases CPU</a:t>
-            </a:r>
-            <a:endParaRPr lang="en-US" dirty="0"/>
-          </a:p>
-        </p:txBody>
-      </p:sp>
-      <p:sp>
-        <p:nvSpPr>
-          <p:cNvPr id="6" name="TextBox 5"/>
-          <p:cNvSpPr txBox="1"/>
-          <p:nvPr/>
-        </p:nvSpPr>
-        <p:spPr>
-          <a:xfrm>
-            <a:off x="1080654" y="1690688"/>
-            <a:ext cx="10061479" cy="2246769"/>
+          <a:bodyPr>
+            <a:normAutofit/>
+          </a:bodyPr>
+          <a:lstStyle/>
+          <a:p>
+            <a:r>
+              <a:rPr lang="en-US" sz="2800" dirty="0"/>
+              <a:t>Peripheral memory </a:t>
+            </a:r>
+            <a:r>
+              <a:rPr lang="en-US" sz="2800" dirty="0" smtClean="0"/>
+              <a:t>Read–error: retry message from MC, successful retry</a:t>
+            </a:r>
+            <a:endParaRPr lang="en-US" sz="2800" dirty="0"/>
+          </a:p>
+        </p:txBody>
+      </p:sp>
+      <p:pic>
+        <p:nvPicPr>
+          <p:cNvPr id="3" name="Picture 2"/>
+          <p:cNvPicPr>
+            <a:picLocks noChangeAspect="1"/>
+          </p:cNvPicPr>
+          <p:nvPr/>
+        </p:nvPicPr>
+        <p:blipFill>
+          <a:blip r:embed="rId2"/>
+          <a:stretch>
+            <a:fillRect/>
+          </a:stretch>
+        </p:blipFill>
+        <p:spPr>
+          <a:xfrm>
+            <a:off x="168675" y="1624613"/>
+            <a:ext cx="11701353" cy="3928978"/>
           </a:xfrm>
           <a:prstGeom prst="rect">
             <a:avLst/>
           </a:prstGeom>
-          <a:noFill/>
-        </p:spPr>
-        <p:txBody>
-          <a:bodyPr wrap="square" rtlCol="0">
-            <a:spAutoFit/>
-          </a:bodyPr>
-          <a:lstStyle/>
-          <a:p>
-            <a:pPr marL="285750" indent="-285750">
-              <a:buFont typeface="Arial" panose="020B0604020202020204" pitchFamily="34" charset="0"/>
-              <a:buChar char="•"/>
-            </a:pPr>
-            <a:r>
-              <a:rPr lang="en-US" sz="2800" dirty="0" smtClean="0"/>
-              <a:t>Cache Snoop – miss</a:t>
-            </a:r>
-          </a:p>
-          <a:p>
-            <a:pPr marL="285750" indent="-285750">
-              <a:buFont typeface="Arial" panose="020B0604020202020204" pitchFamily="34" charset="0"/>
-              <a:buChar char="•"/>
-            </a:pPr>
-            <a:r>
-              <a:rPr lang="en-US" sz="2800" dirty="0" smtClean="0"/>
-              <a:t>Cache Snoop – Hit Clean</a:t>
-            </a:r>
-          </a:p>
-          <a:p>
-            <a:pPr marL="285750" indent="-285750">
-              <a:buFont typeface="Arial" panose="020B0604020202020204" pitchFamily="34" charset="0"/>
-              <a:buChar char="•"/>
-            </a:pPr>
-            <a:r>
-              <a:rPr lang="en-US" sz="2800" dirty="0" smtClean="0"/>
-              <a:t>Cache Snoop – Hit Modified.</a:t>
-            </a:r>
-          </a:p>
-          <a:p>
-            <a:pPr marL="742950" lvl="1" indent="-285750">
-              <a:buFont typeface="Arial" panose="020B0604020202020204" pitchFamily="34" charset="0"/>
-              <a:buChar char="•"/>
-            </a:pPr>
-            <a:r>
-              <a:rPr lang="en-US" sz="2800" dirty="0" smtClean="0"/>
-              <a:t>Write back.</a:t>
-            </a:r>
-          </a:p>
-          <a:p>
-            <a:pPr marL="285750" indent="-285750">
-              <a:buFont typeface="Arial" panose="020B0604020202020204" pitchFamily="34" charset="0"/>
-              <a:buChar char="•"/>
-            </a:pPr>
-            <a:r>
-              <a:rPr lang="en-US" sz="2800" dirty="0" smtClean="0"/>
-              <a:t>Test all control signals.</a:t>
-            </a:r>
-          </a:p>
-        </p:txBody>
-      </p:sp>
+        </p:spPr>
+      </p:pic>
     </p:spTree>
     <p:extLst>
       <p:ext uri="{BB962C8B-B14F-4D97-AF65-F5344CB8AC3E}">
-        <p14:creationId xmlns:p14="http://schemas.microsoft.com/office/powerpoint/2010/main" val="975038441"/>
+        <p14:creationId xmlns:p14="http://schemas.microsoft.com/office/powerpoint/2010/main" val="1996414860"/>
       </p:ext>
     </p:extLst>
   </p:cSld>
@@ -3773,14 +3733,19 @@
             <p:ph type="title"/>
           </p:nvPr>
         </p:nvSpPr>
-        <p:spPr/>
+        <p:spPr>
+          <a:xfrm>
+            <a:off x="253692" y="12709"/>
+            <a:ext cx="10515600" cy="1325563"/>
+          </a:xfrm>
+        </p:spPr>
         <p:txBody>
           <a:bodyPr/>
           <a:lstStyle/>
           <a:p>
             <a:r>
               <a:rPr lang="en-US" dirty="0" smtClean="0"/>
-              <a:t>Memory controller– Verification cases Peripheral</a:t>
+              <a:t>Memory controller</a:t>
             </a:r>
             <a:endParaRPr lang="en-US" dirty="0"/>
           </a:p>
@@ -3788,14 +3753,61 @@
       </p:sp>
       <p:sp>
         <p:nvSpPr>
-          <p:cNvPr id="6" name="TextBox 5"/>
+          <p:cNvPr id="4" name="Rectangle 3"/>
+          <p:cNvSpPr/>
+          <p:nvPr/>
+        </p:nvSpPr>
+        <p:spPr>
+          <a:xfrm>
+            <a:off x="3672379" y="1896866"/>
+            <a:ext cx="3690851" cy="2859578"/>
+          </a:xfrm>
+          <a:prstGeom prst="rect">
+            <a:avLst/>
+          </a:prstGeom>
+          <a:solidFill>
+            <a:srgbClr val="FF0000"/>
+          </a:solidFill>
+        </p:spPr>
+        <p:style>
+          <a:lnRef idx="2">
+            <a:schemeClr val="accent1">
+              <a:shade val="50000"/>
+            </a:schemeClr>
+          </a:lnRef>
+          <a:fillRef idx="1">
+            <a:schemeClr val="accent1"/>
+          </a:fillRef>
+          <a:effectRef idx="0">
+            <a:schemeClr val="accent1"/>
+          </a:effectRef>
+          <a:fontRef idx="minor">
+            <a:schemeClr val="lt1"/>
+          </a:fontRef>
+        </p:style>
+        <p:txBody>
+          <a:bodyPr rtlCol="0" anchor="ctr"/>
+          <a:lstStyle/>
+          <a:p>
+            <a:pPr algn="ctr"/>
+            <a:r>
+              <a:rPr lang="en-US" sz="4400" dirty="0" smtClean="0"/>
+              <a:t>Memory Controller</a:t>
+            </a:r>
+            <a:endParaRPr lang="en-US" sz="4400" dirty="0"/>
+          </a:p>
+        </p:txBody>
+      </p:sp>
+      <p:sp>
+        <p:nvSpPr>
+          <p:cNvPr id="21" name="TextBox 20"/>
           <p:cNvSpPr txBox="1"/>
           <p:nvPr/>
         </p:nvSpPr>
         <p:spPr>
           <a:xfrm>
-            <a:off x="1080654" y="1690688"/>
-            <a:ext cx="10061479" cy="4832092"/>
+            <a:off x="812528" y="2419203"/>
+            <a:ext cx="2607461" cy="1200329"/>
           </a:xfrm>
           <a:prstGeom prst="rect">
             <a:avLst/>
@@ -3808,83 +3820,292 @@
           </a:bodyPr>
           <a:lstStyle/>
           <a:p>
-            <a:pPr marL="285750" indent="-285750">
-              <a:buFont typeface="Arial" panose="020B0604020202020204" pitchFamily="34" charset="0"/>
-              <a:buChar char="•"/>
-            </a:pPr>
-            <a:r>
-              <a:rPr lang="en-US" sz="2800" dirty="0" smtClean="0"/>
-              <a:t>Reject peripheral request, bus held by CPU or MC.</a:t>
-            </a:r>
-          </a:p>
-          <a:p>
-            <a:pPr marL="285750" indent="-285750">
-              <a:buFont typeface="Arial" panose="020B0604020202020204" pitchFamily="34" charset="0"/>
-              <a:buChar char="•"/>
-            </a:pPr>
-            <a:r>
-              <a:rPr lang="en-US" sz="2800" dirty="0" smtClean="0"/>
-              <a:t>Handle Peripheral memory write – No error, cache miss/ cache clean hit</a:t>
-            </a:r>
-          </a:p>
-          <a:p>
-            <a:pPr marL="285750" indent="-285750">
-              <a:buFont typeface="Arial" panose="020B0604020202020204" pitchFamily="34" charset="0"/>
-              <a:buChar char="•"/>
-            </a:pPr>
-            <a:r>
-              <a:rPr lang="en-US" sz="2800" dirty="0" smtClean="0"/>
-              <a:t>Handle Peripheral memory read– No error, cache miss/ cache clean hit</a:t>
-            </a:r>
-            <a:endParaRPr lang="en-US" sz="2800" b="1" dirty="0" smtClean="0"/>
-          </a:p>
-          <a:p>
-            <a:pPr marL="285750" indent="-285750">
-              <a:buFont typeface="Arial" panose="020B0604020202020204" pitchFamily="34" charset="0"/>
-              <a:buChar char="•"/>
-            </a:pPr>
-            <a:r>
-              <a:rPr lang="en-US" sz="2800" dirty="0" smtClean="0"/>
-              <a:t>Handle Peripheral memory read – No error, cache hit Modified with retry</a:t>
-            </a:r>
-          </a:p>
-          <a:p>
-            <a:pPr marL="285750" indent="-285750">
-              <a:buFont typeface="Arial" panose="020B0604020202020204" pitchFamily="34" charset="0"/>
-              <a:buChar char="•"/>
-            </a:pPr>
-            <a:r>
-              <a:rPr lang="en-US" sz="2800" dirty="0" smtClean="0"/>
-              <a:t>Handle Peripheral memory write – No error, cache hit Modified with retry</a:t>
-            </a:r>
-          </a:p>
-          <a:p>
-            <a:pPr marL="285750" indent="-285750">
-              <a:buFont typeface="Arial" panose="020B0604020202020204" pitchFamily="34" charset="0"/>
-              <a:buChar char="•"/>
-            </a:pPr>
-            <a:r>
-              <a:rPr lang="en-US" sz="2800" dirty="0" smtClean="0"/>
-              <a:t>Handle Peripheral memory read – Error</a:t>
-            </a:r>
-          </a:p>
-          <a:p>
-            <a:pPr marL="285750" indent="-285750">
-              <a:buFont typeface="Arial" panose="020B0604020202020204" pitchFamily="34" charset="0"/>
-              <a:buChar char="•"/>
-            </a:pPr>
-            <a:r>
-              <a:rPr lang="en-US" sz="2800" dirty="0" smtClean="0"/>
-              <a:t>Handle  Peripheral memory write – Error</a:t>
-            </a:r>
-            <a:endParaRPr lang="en-US" sz="2800" dirty="0"/>
+            <a:r>
+              <a:rPr lang="en-US" sz="2400" dirty="0" smtClean="0"/>
+              <a:t>Serial communication with peripheral</a:t>
+            </a:r>
+            <a:endParaRPr lang="en-US" sz="2400" dirty="0"/>
+          </a:p>
+        </p:txBody>
+      </p:sp>
+      <p:cxnSp>
+        <p:nvCxnSpPr>
+          <p:cNvPr id="5" name="Straight Arrow Connector 4"/>
+          <p:cNvCxnSpPr/>
+          <p:nvPr/>
+        </p:nvCxnSpPr>
+        <p:spPr>
+          <a:xfrm flipV="1">
+            <a:off x="4729314" y="5164530"/>
+            <a:ext cx="0" cy="1128107"/>
+          </a:xfrm>
+          <a:prstGeom prst="straightConnector1">
+            <a:avLst/>
+          </a:prstGeom>
+          <a:ln w="57150">
+            <a:headEnd type="triangle"/>
+            <a:tailEnd type="triangle"/>
+          </a:ln>
+        </p:spPr>
+        <p:style>
+          <a:lnRef idx="1">
+            <a:schemeClr val="accent1"/>
+          </a:lnRef>
+          <a:fillRef idx="0">
+            <a:schemeClr val="accent1"/>
+          </a:fillRef>
+          <a:effectRef idx="0">
+            <a:schemeClr val="accent1"/>
+          </a:effectRef>
+          <a:fontRef idx="minor">
+            <a:schemeClr val="tx1"/>
+          </a:fontRef>
+        </p:style>
+      </p:cxnSp>
+      <p:sp>
+        <p:nvSpPr>
+          <p:cNvPr id="6" name="TextBox 5"/>
+          <p:cNvSpPr txBox="1"/>
+          <p:nvPr/>
+        </p:nvSpPr>
+        <p:spPr>
+          <a:xfrm>
+            <a:off x="5084914" y="5503980"/>
+            <a:ext cx="4556632" cy="461665"/>
+          </a:xfrm>
+          <a:prstGeom prst="rect">
+            <a:avLst/>
+          </a:prstGeom>
+          <a:noFill/>
+        </p:spPr>
+        <p:txBody>
+          <a:bodyPr wrap="square" rtlCol="0">
+            <a:spAutoFit/>
+          </a:bodyPr>
+          <a:lstStyle>
+            <a:defPPr>
+              <a:defRPr lang="en-US"/>
+            </a:defPPr>
+            <a:lvl1pPr>
+              <a:defRPr sz="2400"/>
+            </a:lvl1pPr>
+          </a:lstStyle>
+          <a:p>
+            <a:r>
+              <a:rPr lang="en-US" dirty="0"/>
+              <a:t>Address/data Bus to Main Memory</a:t>
+            </a:r>
+          </a:p>
+        </p:txBody>
+      </p:sp>
+      <p:cxnSp>
+        <p:nvCxnSpPr>
+          <p:cNvPr id="9" name="Straight Arrow Connector 8"/>
+          <p:cNvCxnSpPr/>
+          <p:nvPr/>
+        </p:nvCxnSpPr>
+        <p:spPr>
+          <a:xfrm>
+            <a:off x="7663378" y="3313047"/>
+            <a:ext cx="3208712" cy="0"/>
+          </a:xfrm>
+          <a:prstGeom prst="straightConnector1">
+            <a:avLst/>
+          </a:prstGeom>
+          <a:ln w="57150">
+            <a:headEnd type="triangle"/>
+            <a:tailEnd type="triangle"/>
+          </a:ln>
+        </p:spPr>
+        <p:style>
+          <a:lnRef idx="1">
+            <a:schemeClr val="accent1"/>
+          </a:lnRef>
+          <a:fillRef idx="0">
+            <a:schemeClr val="accent1"/>
+          </a:fillRef>
+          <a:effectRef idx="0">
+            <a:schemeClr val="accent1"/>
+          </a:effectRef>
+          <a:fontRef idx="minor">
+            <a:schemeClr val="tx1"/>
+          </a:fontRef>
+        </p:style>
+      </p:cxnSp>
+      <p:cxnSp>
+        <p:nvCxnSpPr>
+          <p:cNvPr id="22" name="Straight Arrow Connector 21"/>
+          <p:cNvCxnSpPr/>
+          <p:nvPr/>
+        </p:nvCxnSpPr>
+        <p:spPr>
+          <a:xfrm flipV="1">
+            <a:off x="812528" y="3918790"/>
+            <a:ext cx="2407956" cy="7285"/>
+          </a:xfrm>
+          <a:prstGeom prst="straightConnector1">
+            <a:avLst/>
+          </a:prstGeom>
+          <a:ln w="57150">
+            <a:headEnd type="triangle"/>
+            <a:tailEnd type="triangle"/>
+          </a:ln>
+        </p:spPr>
+        <p:style>
+          <a:lnRef idx="1">
+            <a:schemeClr val="accent1"/>
+          </a:lnRef>
+          <a:fillRef idx="0">
+            <a:schemeClr val="accent1"/>
+          </a:fillRef>
+          <a:effectRef idx="0">
+            <a:schemeClr val="accent1"/>
+          </a:effectRef>
+          <a:fontRef idx="minor">
+            <a:schemeClr val="tx1"/>
+          </a:fontRef>
+        </p:style>
+      </p:cxnSp>
+      <p:sp>
+        <p:nvSpPr>
+          <p:cNvPr id="14" name="TextBox 13"/>
+          <p:cNvSpPr txBox="1"/>
+          <p:nvPr/>
+        </p:nvSpPr>
+        <p:spPr>
+          <a:xfrm>
+            <a:off x="7615949" y="2419203"/>
+            <a:ext cx="903132" cy="369332"/>
+          </a:xfrm>
+          <a:prstGeom prst="rect">
+            <a:avLst/>
+          </a:prstGeom>
+          <a:noFill/>
+        </p:spPr>
+        <p:txBody>
+          <a:bodyPr wrap="none" rtlCol="0">
+            <a:spAutoFit/>
+          </a:bodyPr>
+          <a:lstStyle/>
+          <a:p>
+            <a:r>
+              <a:rPr lang="en-US" dirty="0" smtClean="0"/>
+              <a:t>To CPU:</a:t>
+            </a:r>
+            <a:endParaRPr lang="en-US" dirty="0"/>
+          </a:p>
+        </p:txBody>
+      </p:sp>
+      <p:sp>
+        <p:nvSpPr>
+          <p:cNvPr id="26" name="TextBox 25"/>
+          <p:cNvSpPr txBox="1"/>
+          <p:nvPr/>
+        </p:nvSpPr>
+        <p:spPr>
+          <a:xfrm>
+            <a:off x="8243525" y="2779246"/>
+            <a:ext cx="2373278" cy="461665"/>
+          </a:xfrm>
+          <a:prstGeom prst="rect">
+            <a:avLst/>
+          </a:prstGeom>
+          <a:noFill/>
+        </p:spPr>
+        <p:txBody>
+          <a:bodyPr wrap="square" rtlCol="0">
+            <a:spAutoFit/>
+          </a:bodyPr>
+          <a:lstStyle>
+            <a:defPPr>
+              <a:defRPr lang="en-US"/>
+            </a:defPPr>
+            <a:lvl1pPr>
+              <a:defRPr sz="2400"/>
+            </a:lvl1pPr>
+          </a:lstStyle>
+          <a:p>
+            <a:r>
+              <a:rPr lang="en-US" dirty="0"/>
+              <a:t>Address/data Bus</a:t>
+            </a:r>
+          </a:p>
+        </p:txBody>
+      </p:sp>
+      <p:cxnSp>
+        <p:nvCxnSpPr>
+          <p:cNvPr id="27" name="Straight Arrow Connector 26"/>
+          <p:cNvCxnSpPr/>
+          <p:nvPr/>
+        </p:nvCxnSpPr>
+        <p:spPr>
+          <a:xfrm>
+            <a:off x="7713255" y="4196122"/>
+            <a:ext cx="3208712" cy="0"/>
+          </a:xfrm>
+          <a:prstGeom prst="straightConnector1">
+            <a:avLst/>
+          </a:prstGeom>
+          <a:ln w="57150">
+            <a:headEnd type="triangle"/>
+            <a:tailEnd type="triangle"/>
+          </a:ln>
+        </p:spPr>
+        <p:style>
+          <a:lnRef idx="1">
+            <a:schemeClr val="accent1"/>
+          </a:lnRef>
+          <a:fillRef idx="0">
+            <a:schemeClr val="accent1"/>
+          </a:fillRef>
+          <a:effectRef idx="0">
+            <a:schemeClr val="accent1"/>
+          </a:effectRef>
+          <a:fontRef idx="minor">
+            <a:schemeClr val="tx1"/>
+          </a:fontRef>
+        </p:style>
+      </p:cxnSp>
+      <p:sp>
+        <p:nvSpPr>
+          <p:cNvPr id="28" name="TextBox 27"/>
+          <p:cNvSpPr txBox="1"/>
+          <p:nvPr/>
+        </p:nvSpPr>
+        <p:spPr>
+          <a:xfrm>
+            <a:off x="8067515" y="3662320"/>
+            <a:ext cx="2549288" cy="461665"/>
+          </a:xfrm>
+          <a:prstGeom prst="rect">
+            <a:avLst/>
+          </a:prstGeom>
+          <a:noFill/>
+        </p:spPr>
+        <p:txBody>
+          <a:bodyPr wrap="square" rtlCol="0">
+            <a:spAutoFit/>
+          </a:bodyPr>
+          <a:lstStyle>
+            <a:defPPr>
+              <a:defRPr lang="en-US"/>
+            </a:defPPr>
+            <a:lvl1pPr>
+              <a:defRPr sz="2400"/>
+            </a:lvl1pPr>
+          </a:lstStyle>
+          <a:p>
+            <a:r>
+              <a:rPr lang="en-US" dirty="0"/>
+              <a:t>Control Signals Bus</a:t>
+            </a:r>
           </a:p>
         </p:txBody>
       </p:sp>
     </p:spTree>
     <p:extLst>
       <p:ext uri="{BB962C8B-B14F-4D97-AF65-F5344CB8AC3E}">
-        <p14:creationId xmlns:p14="http://schemas.microsoft.com/office/powerpoint/2010/main" val="3538709769"/>
+        <p14:creationId xmlns:p14="http://schemas.microsoft.com/office/powerpoint/2010/main" val="3699857399"/>
       </p:ext>
     </p:extLst>
   </p:cSld>
@@ -3921,14 +4142,19 @@
             <p:ph type="title"/>
           </p:nvPr>
         </p:nvSpPr>
-        <p:spPr/>
+        <p:spPr>
+          <a:xfrm>
+            <a:off x="517533" y="213900"/>
+            <a:ext cx="10515600" cy="1325563"/>
+          </a:xfrm>
+        </p:spPr>
         <p:txBody>
           <a:bodyPr/>
           <a:lstStyle/>
           <a:p>
             <a:r>
               <a:rPr lang="en-US" dirty="0" smtClean="0"/>
-              <a:t>Main Memory</a:t>
+              <a:t>Memory controller – Control signals</a:t>
             </a:r>
             <a:endParaRPr lang="en-US" dirty="0"/>
           </a:p>
@@ -3936,95 +4162,40 @@
       </p:sp>
       <p:sp>
         <p:nvSpPr>
-          <p:cNvPr id="4" name="Rectangle 3"/>
-          <p:cNvSpPr/>
-          <p:nvPr/>
-        </p:nvSpPr>
-        <p:spPr>
-          <a:xfrm>
-            <a:off x="3672378" y="2923656"/>
-            <a:ext cx="3690851" cy="2859578"/>
+          <p:cNvPr id="4" name="TextBox 3"/>
+          <p:cNvSpPr txBox="1"/>
+          <p:nvPr/>
+        </p:nvSpPr>
+        <p:spPr>
+          <a:xfrm>
+            <a:off x="1524000" y="2116667"/>
+            <a:ext cx="184731" cy="369332"/>
           </a:xfrm>
           <a:prstGeom prst="rect">
             <a:avLst/>
           </a:prstGeom>
-          <a:solidFill>
-            <a:schemeClr val="tx2"/>
-          </a:solidFill>
-        </p:spPr>
-        <p:style>
-          <a:lnRef idx="2">
-            <a:schemeClr val="accent1">
-              <a:shade val="50000"/>
-            </a:schemeClr>
-          </a:lnRef>
-          <a:fillRef idx="1">
-            <a:schemeClr val="accent1"/>
-          </a:fillRef>
-          <a:effectRef idx="0">
-            <a:schemeClr val="accent1"/>
-          </a:effectRef>
-          <a:fontRef idx="minor">
-            <a:schemeClr val="lt1"/>
-          </a:fontRef>
-        </p:style>
-        <p:txBody>
-          <a:bodyPr rtlCol="0" anchor="ctr"/>
-          <a:lstStyle/>
-          <a:p>
-            <a:pPr algn="ctr"/>
-            <a:r>
-              <a:rPr lang="en-US" sz="4400" dirty="0" smtClean="0"/>
-              <a:t>Main Memory</a:t>
-            </a:r>
-            <a:endParaRPr lang="en-US" sz="4400" dirty="0"/>
-          </a:p>
-        </p:txBody>
-      </p:sp>
-      <p:cxnSp>
-        <p:nvCxnSpPr>
-          <p:cNvPr id="5" name="Straight Arrow Connector 4"/>
-          <p:cNvCxnSpPr/>
-          <p:nvPr/>
-        </p:nvCxnSpPr>
-        <p:spPr>
-          <a:xfrm flipV="1">
-            <a:off x="4553527" y="1690688"/>
-            <a:ext cx="0" cy="1128107"/>
-          </a:xfrm>
-          <a:prstGeom prst="straightConnector1">
-            <a:avLst/>
-          </a:prstGeom>
-          <a:ln w="57150">
-            <a:headEnd type="triangle"/>
-            <a:tailEnd type="triangle"/>
-          </a:ln>
-        </p:spPr>
-        <p:style>
-          <a:lnRef idx="1">
-            <a:schemeClr val="accent1"/>
-          </a:lnRef>
-          <a:fillRef idx="0">
-            <a:schemeClr val="accent1"/>
-          </a:fillRef>
-          <a:effectRef idx="0">
-            <a:schemeClr val="accent1"/>
-          </a:effectRef>
-          <a:fontRef idx="minor">
-            <a:schemeClr val="tx1"/>
-          </a:fontRef>
-        </p:style>
-      </p:cxnSp>
-      <p:sp>
-        <p:nvSpPr>
-          <p:cNvPr id="6" name="TextBox 5"/>
+          <a:noFill/>
+        </p:spPr>
+        <p:txBody>
+          <a:bodyPr wrap="none" rtlCol="0">
+            <a:spAutoFit/>
+          </a:bodyPr>
+          <a:lstStyle/>
+          <a:p>
+            <a:endParaRPr lang="en-US" dirty="0"/>
+          </a:p>
+        </p:txBody>
+      </p:sp>
+      <p:sp>
+        <p:nvSpPr>
+          <p:cNvPr id="5" name="TextBox 4"/>
           <p:cNvSpPr txBox="1"/>
           <p:nvPr/>
         </p:nvSpPr>
         <p:spPr>
           <a:xfrm>
-            <a:off x="4909127" y="2030138"/>
-            <a:ext cx="5233940" cy="830997"/>
+            <a:off x="453500" y="1371600"/>
+            <a:ext cx="11738500" cy="5816977"/>
           </a:xfrm>
           <a:prstGeom prst="rect">
             <a:avLst/>
@@ -4035,126 +4206,106 @@
           <a:bodyPr wrap="square" rtlCol="0">
             <a:spAutoFit/>
           </a:bodyPr>
-          <a:lstStyle>
-            <a:defPPr>
-              <a:defRPr lang="en-US"/>
-            </a:defPPr>
-            <a:lvl1pPr>
-              <a:defRPr sz="2400"/>
-            </a:lvl1pPr>
-          </a:lstStyle>
-          <a:p>
-            <a:r>
-              <a:rPr lang="en-US" dirty="0"/>
-              <a:t>Address/data Bus to </a:t>
-            </a:r>
-            <a:r>
-              <a:rPr lang="en-US" dirty="0" smtClean="0"/>
-              <a:t>Memory controller</a:t>
-            </a:r>
-          </a:p>
-          <a:p>
-            <a:endParaRPr lang="en-US" dirty="0"/>
-          </a:p>
-        </p:txBody>
-      </p:sp>
-      <p:sp>
-        <p:nvSpPr>
-          <p:cNvPr id="3" name="TextBox 2"/>
-          <p:cNvSpPr txBox="1"/>
-          <p:nvPr/>
-        </p:nvSpPr>
-        <p:spPr>
-          <a:xfrm>
-            <a:off x="1137293" y="4736865"/>
-            <a:ext cx="2060244" cy="523220"/>
-          </a:xfrm>
-          <a:prstGeom prst="rect">
-            <a:avLst/>
-          </a:prstGeom>
-          <a:noFill/>
-        </p:spPr>
-        <p:txBody>
-          <a:bodyPr wrap="none" rtlCol="0">
-            <a:spAutoFit/>
-          </a:bodyPr>
-          <a:lstStyle/>
-          <a:p>
+          <a:lstStyle/>
+          <a:p>
+            <a:pPr marL="285750" indent="-285750">
+              <a:buFont typeface="Arial" panose="020B0604020202020204" pitchFamily="34" charset="0"/>
+              <a:buChar char="•"/>
+            </a:pPr>
             <a:r>
               <a:rPr lang="en-US" sz="2800" dirty="0" smtClean="0"/>
-              <a:t>Write Enable</a:t>
-            </a:r>
-            <a:endParaRPr lang="en-US" sz="2800" dirty="0"/>
-          </a:p>
-        </p:txBody>
-      </p:sp>
-      <p:cxnSp>
-        <p:nvCxnSpPr>
-          <p:cNvPr id="15" name="Straight Arrow Connector 14"/>
-          <p:cNvCxnSpPr/>
-          <p:nvPr/>
-        </p:nvCxnSpPr>
-        <p:spPr>
-          <a:xfrm flipV="1">
-            <a:off x="640812" y="5279504"/>
-            <a:ext cx="2793076" cy="5109"/>
-          </a:xfrm>
-          <a:prstGeom prst="straightConnector1">
-            <a:avLst/>
-          </a:prstGeom>
-          <a:ln w="57150">
-            <a:tailEnd type="triangle"/>
-          </a:ln>
-        </p:spPr>
-        <p:style>
-          <a:lnRef idx="1">
-            <a:schemeClr val="accent1"/>
-          </a:lnRef>
-          <a:fillRef idx="0">
-            <a:schemeClr val="accent1"/>
-          </a:fillRef>
-          <a:effectRef idx="0">
-            <a:schemeClr val="accent1"/>
-          </a:effectRef>
-          <a:fontRef idx="minor">
-            <a:schemeClr val="tx1"/>
-          </a:fontRef>
-        </p:style>
-      </p:cxnSp>
-      <p:sp>
-        <p:nvSpPr>
-          <p:cNvPr id="7" name="TextBox 6"/>
-          <p:cNvSpPr txBox="1"/>
-          <p:nvPr/>
-        </p:nvSpPr>
-        <p:spPr>
-          <a:xfrm>
-            <a:off x="8568267" y="3843866"/>
-            <a:ext cx="2785533" cy="1384995"/>
-          </a:xfrm>
-          <a:prstGeom prst="rect">
-            <a:avLst/>
-          </a:prstGeom>
-          <a:noFill/>
-        </p:spPr>
-        <p:txBody>
-          <a:bodyPr wrap="square" rtlCol="0">
-            <a:spAutoFit/>
-          </a:bodyPr>
-          <a:lstStyle/>
+              <a:t>AHOLD – address hold: maintain </a:t>
+            </a:r>
+            <a:r>
+              <a:rPr lang="en-US" sz="2800" dirty="0" err="1" smtClean="0"/>
+              <a:t>memoryconsistency</a:t>
+            </a:r>
+            <a:endParaRPr lang="en-US" sz="2800" dirty="0" smtClean="0"/>
+          </a:p>
           <a:p>
             <a:r>
               <a:rPr lang="en-US" sz="2800" dirty="0" smtClean="0"/>
-              <a:t>Implement single port RAM with WE and MESI bits</a:t>
-            </a:r>
-            <a:endParaRPr lang="en-US" sz="2800" dirty="0"/>
+              <a:t>• EADS# - external address strobe: external; informs the processor of a valid address on its local bus to be snooped (internal cache lookup)</a:t>
+            </a:r>
+          </a:p>
+          <a:p>
+            <a:r>
+              <a:rPr lang="en-US" sz="2800" dirty="0" smtClean="0"/>
+              <a:t>• input INV – invalidate: external; informs the processor to leave cache line valid or mark it invalid on a snoop hit</a:t>
+            </a:r>
+          </a:p>
+          <a:p>
+            <a:r>
+              <a:rPr lang="en-US" sz="2800" dirty="0" smtClean="0"/>
+              <a:t>• </a:t>
+            </a:r>
+            <a:r>
+              <a:rPr lang="en-US" sz="2800" dirty="0" err="1" smtClean="0"/>
+              <a:t>inout</a:t>
+            </a:r>
+            <a:r>
+              <a:rPr lang="en-US" sz="2800" dirty="0" smtClean="0"/>
+              <a:t> HIT# - hit on internal cache – notify other processors that information is shared by another cache</a:t>
+            </a:r>
+          </a:p>
+          <a:p>
+            <a:r>
+              <a:rPr lang="en-US" sz="2800" dirty="0" smtClean="0"/>
+              <a:t>• </a:t>
+            </a:r>
+            <a:r>
+              <a:rPr lang="en-US" sz="2800" dirty="0" err="1" smtClean="0"/>
+              <a:t>inout</a:t>
+            </a:r>
+            <a:r>
+              <a:rPr lang="en-US" sz="2800" dirty="0" smtClean="0"/>
+              <a:t> HITM# - hit modified line: hit to a modified line </a:t>
+            </a:r>
+            <a:r>
+              <a:rPr lang="en-US" sz="2800" dirty="0" err="1" smtClean="0"/>
+              <a:t>incache</a:t>
+            </a:r>
+            <a:r>
+              <a:rPr lang="en-US" sz="2800" dirty="0" smtClean="0"/>
+              <a:t>, write-back required</a:t>
+            </a:r>
+          </a:p>
+          <a:p>
+            <a:endParaRPr lang="en-US" sz="2800" dirty="0" smtClean="0"/>
+          </a:p>
+          <a:p>
+            <a:pPr marL="285750" indent="-285750">
+              <a:buFont typeface="Arial" panose="020B0604020202020204" pitchFamily="34" charset="0"/>
+              <a:buChar char="•"/>
+            </a:pPr>
+            <a:r>
+              <a:rPr lang="en-US" sz="2800" dirty="0" smtClean="0"/>
+              <a:t> PBGNT# - private bus grant: asserted to grant bus ownership </a:t>
+            </a:r>
+          </a:p>
+          <a:p>
+            <a:r>
+              <a:rPr lang="en-US" sz="2800" dirty="0" smtClean="0"/>
+              <a:t>• </a:t>
+            </a:r>
+            <a:r>
+              <a:rPr lang="en-US" sz="2800" dirty="0" err="1" smtClean="0"/>
+              <a:t>inout</a:t>
+            </a:r>
+            <a:r>
+              <a:rPr lang="en-US" sz="2800" dirty="0" smtClean="0"/>
+              <a:t> PBREQ# - private bus request: asserted to request bus ownership</a:t>
+            </a:r>
+          </a:p>
+          <a:p>
+            <a:endParaRPr lang="en-US" sz="3600" dirty="0"/>
           </a:p>
         </p:txBody>
       </p:sp>
     </p:spTree>
     <p:extLst>
       <p:ext uri="{BB962C8B-B14F-4D97-AF65-F5344CB8AC3E}">
-        <p14:creationId xmlns:p14="http://schemas.microsoft.com/office/powerpoint/2010/main" val="1797040629"/>
+        <p14:creationId xmlns:p14="http://schemas.microsoft.com/office/powerpoint/2010/main" val="3026884009"/>
       </p:ext>
     </p:extLst>
   </p:cSld>
@@ -4198,7 +4349,7 @@
           <a:p>
             <a:r>
               <a:rPr lang="en-US" dirty="0" smtClean="0"/>
-              <a:t>Main Memory Verification Cases</a:t>
+              <a:t>Memory controller– Verification cases CPU</a:t>
             </a:r>
             <a:endParaRPr lang="en-US" dirty="0"/>
           </a:p>
@@ -4213,7 +4364,7 @@
         <p:spPr>
           <a:xfrm>
             <a:off x="1080654" y="1690688"/>
-            <a:ext cx="10061479" cy="1384995"/>
+            <a:ext cx="10061479" cy="2246769"/>
           </a:xfrm>
           <a:prstGeom prst="rect">
             <a:avLst/>
@@ -4232,7 +4383,7 @@
             </a:pPr>
             <a:r>
               <a:rPr lang="en-US" sz="2800" dirty="0" smtClean="0"/>
-              <a:t>Read</a:t>
+              <a:t>Cache Snoop – miss</a:t>
             </a:r>
           </a:p>
           <a:p>
@@ -4242,7 +4393,7 @@
             </a:pPr>
             <a:r>
               <a:rPr lang="en-US" sz="2800" dirty="0" smtClean="0"/>
-              <a:t>Write</a:t>
+              <a:t>Cache Snoop – Hit Clean</a:t>
             </a:r>
           </a:p>
           <a:p>
@@ -4252,16 +4403,35 @@
             </a:pPr>
             <a:r>
               <a:rPr lang="en-US" sz="2800" dirty="0" smtClean="0"/>
-              <a:t>Modify MESI bits.</a:t>
-            </a:r>
-            <a:endParaRPr lang="en-US" sz="2800" dirty="0"/>
+              <a:t>Cache Snoop – Hit Modified.</a:t>
+            </a:r>
+          </a:p>
+          <a:p>
+            <a:pPr marL="742950" lvl="1" indent="-285750">
+              <a:buFont typeface="Arial" panose="020B0604020202020204" pitchFamily="34" charset="0"/>
+              <a:buChar char="•"/>
+            </a:pPr>
+            <a:r>
+              <a:rPr lang="en-US" sz="2800" dirty="0" smtClean="0"/>
+              <a:t>Write back.</a:t>
+            </a:r>
+          </a:p>
+          <a:p>
+            <a:pPr marL="285750" indent="-285750">
+              <a:buFont typeface="Arial" panose="020B0604020202020204" pitchFamily="34" charset="0"/>
+              <a:buChar char="•"/>
+            </a:pPr>
+            <a:r>
+              <a:rPr lang="en-US" sz="2800" dirty="0" smtClean="0"/>
+              <a:t>Test all control signals.</a:t>
+            </a:r>
           </a:p>
         </p:txBody>
       </p:sp>
     </p:spTree>
     <p:extLst>
       <p:ext uri="{BB962C8B-B14F-4D97-AF65-F5344CB8AC3E}">
-        <p14:creationId xmlns:p14="http://schemas.microsoft.com/office/powerpoint/2010/main" val="3569851853"/>
+        <p14:creationId xmlns:p14="http://schemas.microsoft.com/office/powerpoint/2010/main" val="975038441"/>
       </p:ext>
     </p:extLst>
   </p:cSld>
@@ -4298,19 +4468,14 @@
             <p:ph type="title"/>
           </p:nvPr>
         </p:nvSpPr>
-        <p:spPr>
-          <a:xfrm>
-            <a:off x="253692" y="12709"/>
-            <a:ext cx="10515600" cy="1325563"/>
-          </a:xfrm>
-        </p:spPr>
+        <p:spPr/>
         <p:txBody>
           <a:bodyPr/>
           <a:lstStyle/>
           <a:p>
             <a:r>
               <a:rPr lang="en-US" dirty="0" smtClean="0"/>
-              <a:t>CPU</a:t>
+              <a:t>Memory controller– Verification cases Peripheral</a:t>
             </a:r>
             <a:endParaRPr lang="en-US" dirty="0"/>
           </a:p>
@@ -4318,125 +4483,14 @@
       </p:sp>
       <p:sp>
         <p:nvSpPr>
-          <p:cNvPr id="4" name="Rectangle 3"/>
-          <p:cNvSpPr/>
-          <p:nvPr/>
-        </p:nvSpPr>
-        <p:spPr>
-          <a:xfrm>
-            <a:off x="5016081" y="2249464"/>
-            <a:ext cx="3690851" cy="2859578"/>
-          </a:xfrm>
-          <a:prstGeom prst="rect">
-            <a:avLst/>
-          </a:prstGeom>
-          <a:solidFill>
-            <a:srgbClr val="7030A0"/>
-          </a:solidFill>
-        </p:spPr>
-        <p:style>
-          <a:lnRef idx="2">
-            <a:schemeClr val="accent1">
-              <a:shade val="50000"/>
-            </a:schemeClr>
-          </a:lnRef>
-          <a:fillRef idx="1">
-            <a:schemeClr val="accent1"/>
-          </a:fillRef>
-          <a:effectRef idx="0">
-            <a:schemeClr val="accent1"/>
-          </a:effectRef>
-          <a:fontRef idx="minor">
-            <a:schemeClr val="lt1"/>
-          </a:fontRef>
-        </p:style>
-        <p:txBody>
-          <a:bodyPr rtlCol="0" anchor="ctr"/>
-          <a:lstStyle/>
-          <a:p>
-            <a:pPr algn="ctr"/>
-            <a:r>
-              <a:rPr lang="en-US" sz="4400" dirty="0" smtClean="0"/>
-              <a:t>CPU</a:t>
-            </a:r>
-            <a:endParaRPr lang="en-US" sz="4400" dirty="0"/>
-          </a:p>
-        </p:txBody>
-      </p:sp>
-      <p:cxnSp>
-        <p:nvCxnSpPr>
-          <p:cNvPr id="9" name="Straight Arrow Connector 8"/>
-          <p:cNvCxnSpPr/>
-          <p:nvPr/>
-        </p:nvCxnSpPr>
-        <p:spPr>
-          <a:xfrm>
-            <a:off x="1435080" y="3329980"/>
-            <a:ext cx="3208712" cy="0"/>
-          </a:xfrm>
-          <a:prstGeom prst="straightConnector1">
-            <a:avLst/>
-          </a:prstGeom>
-          <a:ln w="57150">
-            <a:headEnd type="triangle"/>
-            <a:tailEnd type="triangle"/>
-          </a:ln>
-        </p:spPr>
-        <p:style>
-          <a:lnRef idx="1">
-            <a:schemeClr val="accent1"/>
-          </a:lnRef>
-          <a:fillRef idx="0">
-            <a:schemeClr val="accent1"/>
-          </a:fillRef>
-          <a:effectRef idx="0">
-            <a:schemeClr val="accent1"/>
-          </a:effectRef>
-          <a:fontRef idx="minor">
-            <a:schemeClr val="tx1"/>
-          </a:fontRef>
-        </p:style>
-      </p:cxnSp>
-      <p:sp>
-        <p:nvSpPr>
-          <p:cNvPr id="14" name="TextBox 13"/>
+          <p:cNvPr id="6" name="TextBox 5"/>
           <p:cNvSpPr txBox="1"/>
           <p:nvPr/>
         </p:nvSpPr>
         <p:spPr>
           <a:xfrm>
-            <a:off x="1387651" y="2436136"/>
-            <a:ext cx="2284728" cy="369332"/>
-          </a:xfrm>
-          <a:prstGeom prst="rect">
-            <a:avLst/>
-          </a:prstGeom>
-          <a:noFill/>
-        </p:spPr>
-        <p:txBody>
-          <a:bodyPr wrap="none" rtlCol="0">
-            <a:spAutoFit/>
-          </a:bodyPr>
-          <a:lstStyle/>
-          <a:p>
-            <a:r>
-              <a:rPr lang="en-US" dirty="0" smtClean="0"/>
-              <a:t>To Memory controller:</a:t>
-            </a:r>
-            <a:endParaRPr lang="en-US" dirty="0"/>
-          </a:p>
-        </p:txBody>
-      </p:sp>
-      <p:sp>
-        <p:nvSpPr>
-          <p:cNvPr id="26" name="TextBox 25"/>
-          <p:cNvSpPr txBox="1"/>
-          <p:nvPr/>
-        </p:nvSpPr>
-        <p:spPr>
-          <a:xfrm>
-            <a:off x="2015227" y="2796179"/>
-            <a:ext cx="2373278" cy="461665"/>
+            <a:off x="1080654" y="1690688"/>
+            <a:ext cx="10061479" cy="4832092"/>
           </a:xfrm>
           <a:prstGeom prst="rect">
             <a:avLst/>
@@ -4447,96 +4501,85 @@
           <a:bodyPr wrap="square" rtlCol="0">
             <a:spAutoFit/>
           </a:bodyPr>
-          <a:lstStyle>
-            <a:defPPr>
-              <a:defRPr lang="en-US"/>
-            </a:defPPr>
-            <a:lvl1pPr>
-              <a:defRPr sz="2400"/>
-            </a:lvl1pPr>
-          </a:lstStyle>
-          <a:p>
-            <a:r>
-              <a:rPr lang="en-US" dirty="0"/>
-              <a:t>Address/data Bus</a:t>
-            </a:r>
-          </a:p>
-        </p:txBody>
-      </p:sp>
-      <p:cxnSp>
-        <p:nvCxnSpPr>
-          <p:cNvPr id="27" name="Straight Arrow Connector 26"/>
-          <p:cNvCxnSpPr/>
-          <p:nvPr/>
-        </p:nvCxnSpPr>
-        <p:spPr>
-          <a:xfrm>
-            <a:off x="1484957" y="4213055"/>
-            <a:ext cx="3208712" cy="0"/>
-          </a:xfrm>
-          <a:prstGeom prst="straightConnector1">
-            <a:avLst/>
-          </a:prstGeom>
-          <a:ln w="57150">
-            <a:headEnd type="triangle"/>
-            <a:tailEnd type="triangle"/>
-          </a:ln>
-        </p:spPr>
-        <p:style>
-          <a:lnRef idx="1">
-            <a:schemeClr val="accent1"/>
-          </a:lnRef>
-          <a:fillRef idx="0">
-            <a:schemeClr val="accent1"/>
-          </a:fillRef>
-          <a:effectRef idx="0">
-            <a:schemeClr val="accent1"/>
-          </a:effectRef>
-          <a:fontRef idx="minor">
-            <a:schemeClr val="tx1"/>
-          </a:fontRef>
-        </p:style>
-      </p:cxnSp>
-      <p:sp>
-        <p:nvSpPr>
-          <p:cNvPr id="28" name="TextBox 27"/>
-          <p:cNvSpPr txBox="1"/>
-          <p:nvPr/>
-        </p:nvSpPr>
-        <p:spPr>
-          <a:xfrm>
-            <a:off x="1839217" y="3679253"/>
-            <a:ext cx="2549288" cy="461665"/>
-          </a:xfrm>
-          <a:prstGeom prst="rect">
-            <a:avLst/>
-          </a:prstGeom>
-          <a:noFill/>
-        </p:spPr>
-        <p:txBody>
-          <a:bodyPr wrap="square" rtlCol="0">
-            <a:spAutoFit/>
-          </a:bodyPr>
-          <a:lstStyle>
-            <a:defPPr>
-              <a:defRPr lang="en-US"/>
-            </a:defPPr>
-            <a:lvl1pPr>
-              <a:defRPr sz="2400"/>
-            </a:lvl1pPr>
-          </a:lstStyle>
-          <a:p>
-            <a:r>
-              <a:rPr lang="en-US" dirty="0"/>
-              <a:t>Control Signals Bus</a:t>
-            </a:r>
+          <a:lstStyle/>
+          <a:p>
+            <a:pPr marL="285750" indent="-285750">
+              <a:buFont typeface="Arial" panose="020B0604020202020204" pitchFamily="34" charset="0"/>
+              <a:buChar char="•"/>
+            </a:pPr>
+            <a:r>
+              <a:rPr lang="en-US" sz="2800" dirty="0" smtClean="0"/>
+              <a:t>Reject peripheral request, bus held by CPU or MC.</a:t>
+            </a:r>
+          </a:p>
+          <a:p>
+            <a:pPr marL="285750" indent="-285750">
+              <a:buFont typeface="Arial" panose="020B0604020202020204" pitchFamily="34" charset="0"/>
+              <a:buChar char="•"/>
+            </a:pPr>
+            <a:r>
+              <a:rPr lang="en-US" sz="2800" dirty="0" smtClean="0"/>
+              <a:t>Handle Peripheral memory write – No error, cache miss/ cache clean hit</a:t>
+            </a:r>
+          </a:p>
+          <a:p>
+            <a:pPr marL="285750" indent="-285750">
+              <a:buFont typeface="Arial" panose="020B0604020202020204" pitchFamily="34" charset="0"/>
+              <a:buChar char="•"/>
+            </a:pPr>
+            <a:r>
+              <a:rPr lang="en-US" sz="2800" dirty="0" smtClean="0"/>
+              <a:t>Handle Peripheral memory read– No error, cache miss/ cache clean hit</a:t>
+            </a:r>
+            <a:endParaRPr lang="en-US" sz="2800" b="1" dirty="0" smtClean="0"/>
+          </a:p>
+          <a:p>
+            <a:pPr marL="285750" indent="-285750">
+              <a:buFont typeface="Arial" panose="020B0604020202020204" pitchFamily="34" charset="0"/>
+              <a:buChar char="•"/>
+            </a:pPr>
+            <a:r>
+              <a:rPr lang="en-US" sz="2800" dirty="0" smtClean="0"/>
+              <a:t>Handle Peripheral memory read – No error, cache hit Modified with retry</a:t>
+            </a:r>
+          </a:p>
+          <a:p>
+            <a:pPr marL="285750" indent="-285750">
+              <a:buFont typeface="Arial" panose="020B0604020202020204" pitchFamily="34" charset="0"/>
+              <a:buChar char="•"/>
+            </a:pPr>
+            <a:r>
+              <a:rPr lang="en-US" sz="2800" dirty="0" smtClean="0"/>
+              <a:t>Handle Peripheral memory write – No error, cache hit Modified with retry</a:t>
+            </a:r>
+          </a:p>
+          <a:p>
+            <a:pPr marL="285750" indent="-285750">
+              <a:buFont typeface="Arial" panose="020B0604020202020204" pitchFamily="34" charset="0"/>
+              <a:buChar char="•"/>
+            </a:pPr>
+            <a:r>
+              <a:rPr lang="en-US" sz="2800" dirty="0" smtClean="0"/>
+              <a:t>Handle Peripheral memory read – Error</a:t>
+            </a:r>
+          </a:p>
+          <a:p>
+            <a:pPr marL="285750" indent="-285750">
+              <a:buFont typeface="Arial" panose="020B0604020202020204" pitchFamily="34" charset="0"/>
+              <a:buChar char="•"/>
+            </a:pPr>
+            <a:r>
+              <a:rPr lang="en-US" sz="2800" dirty="0" smtClean="0"/>
+              <a:t>Handle  Peripheral memory write – Error</a:t>
+            </a:r>
+            <a:endParaRPr lang="en-US" sz="2800" dirty="0"/>
           </a:p>
         </p:txBody>
       </p:sp>
     </p:spTree>
     <p:extLst>
       <p:ext uri="{BB962C8B-B14F-4D97-AF65-F5344CB8AC3E}">
-        <p14:creationId xmlns:p14="http://schemas.microsoft.com/office/powerpoint/2010/main" val="3225322516"/>
+        <p14:creationId xmlns:p14="http://schemas.microsoft.com/office/powerpoint/2010/main" val="3538709769"/>
       </p:ext>
     </p:extLst>
   </p:cSld>
@@ -4580,46 +4623,103 @@
           <a:p>
             <a:r>
               <a:rPr lang="en-US" dirty="0" smtClean="0"/>
-              <a:t>CPU</a:t>
+              <a:t>Main Memory</a:t>
             </a:r>
             <a:endParaRPr lang="en-US" dirty="0"/>
           </a:p>
         </p:txBody>
       </p:sp>
-      <p:pic>
-        <p:nvPicPr>
-          <p:cNvPr id="16" name="Picture 15"/>
-          <p:cNvPicPr>
-            <a:picLocks noChangeAspect="1"/>
-          </p:cNvPicPr>
-          <p:nvPr/>
-        </p:nvPicPr>
-        <p:blipFill>
-          <a:blip r:embed="rId2"/>
-          <a:stretch>
-            <a:fillRect/>
-          </a:stretch>
-        </p:blipFill>
-        <p:spPr>
-          <a:xfrm>
-            <a:off x="317971" y="2927500"/>
-            <a:ext cx="1040457" cy="1158546"/>
+      <p:sp>
+        <p:nvSpPr>
+          <p:cNvPr id="4" name="Rectangle 3"/>
+          <p:cNvSpPr/>
+          <p:nvPr/>
+        </p:nvSpPr>
+        <p:spPr>
+          <a:xfrm>
+            <a:off x="3672378" y="2923656"/>
+            <a:ext cx="3690851" cy="2859578"/>
           </a:xfrm>
           <a:prstGeom prst="rect">
             <a:avLst/>
           </a:prstGeom>
-        </p:spPr>
-      </p:pic>
-      <p:sp>
-        <p:nvSpPr>
-          <p:cNvPr id="17" name="TextBox 16"/>
+          <a:solidFill>
+            <a:schemeClr val="tx2"/>
+          </a:solidFill>
+        </p:spPr>
+        <p:style>
+          <a:lnRef idx="2">
+            <a:schemeClr val="accent1">
+              <a:shade val="50000"/>
+            </a:schemeClr>
+          </a:lnRef>
+          <a:fillRef idx="1">
+            <a:schemeClr val="accent1"/>
+          </a:fillRef>
+          <a:effectRef idx="0">
+            <a:schemeClr val="accent1"/>
+          </a:effectRef>
+          <a:fontRef idx="minor">
+            <a:schemeClr val="lt1"/>
+          </a:fontRef>
+        </p:style>
+        <p:txBody>
+          <a:bodyPr rtlCol="0" anchor="ctr"/>
+          <a:lstStyle/>
+          <a:p>
+            <a:pPr algn="ctr"/>
+            <a:r>
+              <a:rPr lang="en-US" sz="4400" dirty="0" smtClean="0"/>
+              <a:t>Main Memory</a:t>
+            </a:r>
+            <a:endParaRPr lang="en-US" sz="4400" dirty="0"/>
+          </a:p>
+        </p:txBody>
+      </p:sp>
+      <p:cxnSp>
+        <p:nvCxnSpPr>
+          <p:cNvPr id="5" name="Straight Arrow Connector 4"/>
+          <p:cNvCxnSpPr/>
+          <p:nvPr/>
+        </p:nvCxnSpPr>
+        <p:spPr>
+          <a:xfrm flipV="1">
+            <a:off x="4553527" y="1690688"/>
+            <a:ext cx="0" cy="1128107"/>
+          </a:xfrm>
+          <a:prstGeom prst="straightConnector1">
+            <a:avLst/>
+          </a:prstGeom>
+          <a:ln w="57150">
+            <a:headEnd type="triangle"/>
+            <a:tailEnd type="triangle"/>
+          </a:ln>
+        </p:spPr>
+        <p:style>
+          <a:lnRef idx="1">
+            <a:schemeClr val="accent1"/>
+          </a:lnRef>
+          <a:fillRef idx="0">
+            <a:schemeClr val="accent1"/>
+          </a:fillRef>
+          <a:effectRef idx="0">
+            <a:schemeClr val="accent1"/>
+          </a:effectRef>
+          <a:fontRef idx="minor">
+            <a:schemeClr val="tx1"/>
+          </a:fontRef>
+        </p:style>
+      </p:cxnSp>
+      <p:sp>
+        <p:nvSpPr>
+          <p:cNvPr id="6" name="TextBox 5"/>
           <p:cNvSpPr txBox="1"/>
           <p:nvPr/>
         </p:nvSpPr>
         <p:spPr>
           <a:xfrm>
-            <a:off x="1559249" y="2301354"/>
-            <a:ext cx="3919765" cy="2677656"/>
+            <a:off x="4909127" y="2030138"/>
+            <a:ext cx="5233940" cy="830997"/>
           </a:xfrm>
           <a:prstGeom prst="rect">
             <a:avLst/>
@@ -4630,111 +4730,102 @@
           <a:bodyPr wrap="square" rtlCol="0">
             <a:spAutoFit/>
           </a:bodyPr>
-          <a:lstStyle/>
-          <a:p>
-            <a:r>
-              <a:rPr lang="en-US" sz="2400" dirty="0" smtClean="0"/>
-              <a:t>CPU reads file from computer that contains instructions to:</a:t>
-            </a:r>
-          </a:p>
-          <a:p>
-            <a:pPr marL="285750" indent="-285750">
-              <a:buFont typeface="Arial" panose="020B0604020202020204" pitchFamily="34" charset="0"/>
-              <a:buChar char="•"/>
-            </a:pPr>
-            <a:r>
-              <a:rPr lang="en-US" sz="2400" dirty="0" smtClean="0"/>
-              <a:t> read/write - </a:t>
-            </a:r>
-            <a:r>
-              <a:rPr lang="en-US" sz="2400" b="1" dirty="0" smtClean="0"/>
-              <a:t>header</a:t>
-            </a:r>
-          </a:p>
-          <a:p>
-            <a:pPr marL="285750" indent="-285750">
-              <a:buFont typeface="Arial" panose="020B0604020202020204" pitchFamily="34" charset="0"/>
-              <a:buChar char="•"/>
-            </a:pPr>
-            <a:r>
-              <a:rPr lang="en-US" sz="2400" dirty="0" smtClean="0"/>
-              <a:t>addresses </a:t>
-            </a:r>
-          </a:p>
-          <a:p>
-            <a:pPr marL="285750" indent="-285750">
-              <a:buFont typeface="Arial" panose="020B0604020202020204" pitchFamily="34" charset="0"/>
-              <a:buChar char="•"/>
-            </a:pPr>
-            <a:r>
-              <a:rPr lang="en-US" sz="2400" dirty="0" smtClean="0"/>
-              <a:t>Data</a:t>
-            </a:r>
-          </a:p>
-          <a:p>
-            <a:pPr marL="285750" indent="-285750">
-              <a:buFont typeface="Arial" panose="020B0604020202020204" pitchFamily="34" charset="0"/>
-              <a:buChar char="•"/>
-            </a:pPr>
-            <a:r>
-              <a:rPr lang="en-US" sz="2400" dirty="0" smtClean="0"/>
-              <a:t>Error bits generated arbitrarily</a:t>
-            </a:r>
-            <a:endParaRPr lang="en-US" sz="2400" dirty="0"/>
-          </a:p>
-        </p:txBody>
-      </p:sp>
-      <p:pic>
-        <p:nvPicPr>
-          <p:cNvPr id="1026" name="Picture 2" descr="Related image"/>
-          <p:cNvPicPr>
-            <a:picLocks noChangeAspect="1" noChangeArrowheads="1"/>
-          </p:cNvPicPr>
-          <p:nvPr/>
-        </p:nvPicPr>
-        <p:blipFill>
-          <a:blip r:embed="rId3">
-            <a:extLst>
-              <a:ext uri="{28A0092B-C50C-407E-A947-70E740481C1C}">
-                <a14:useLocalDpi xmlns:a14="http://schemas.microsoft.com/office/drawing/2010/main" val="0"/>
-              </a:ext>
-            </a:extLst>
-          </a:blip>
-          <a:srcRect/>
-          <a:stretch>
-            <a:fillRect/>
-          </a:stretch>
-        </p:blipFill>
-        <p:spPr bwMode="auto">
-          <a:xfrm>
-            <a:off x="5453614" y="2230423"/>
-            <a:ext cx="3105150" cy="2552700"/>
+          <a:lstStyle>
+            <a:defPPr>
+              <a:defRPr lang="en-US"/>
+            </a:defPPr>
+            <a:lvl1pPr>
+              <a:defRPr sz="2400"/>
+            </a:lvl1pPr>
+          </a:lstStyle>
+          <a:p>
+            <a:r>
+              <a:rPr lang="en-US" dirty="0"/>
+              <a:t>Address/data Bus to </a:t>
+            </a:r>
+            <a:r>
+              <a:rPr lang="en-US" dirty="0" smtClean="0"/>
+              <a:t>Memory controller</a:t>
+            </a:r>
+          </a:p>
+          <a:p>
+            <a:endParaRPr lang="en-US" dirty="0"/>
+          </a:p>
+        </p:txBody>
+      </p:sp>
+      <p:sp>
+        <p:nvSpPr>
+          <p:cNvPr id="3" name="TextBox 2"/>
+          <p:cNvSpPr txBox="1"/>
+          <p:nvPr/>
+        </p:nvSpPr>
+        <p:spPr>
+          <a:xfrm>
+            <a:off x="1137293" y="4736865"/>
+            <a:ext cx="2060244" cy="523220"/>
           </a:xfrm>
           <a:prstGeom prst="rect">
             <a:avLst/>
           </a:prstGeom>
           <a:noFill/>
-          <a:extLst>
-            <a:ext uri="{909E8E84-426E-40DD-AFC4-6F175D3DCCD1}">
-              <a14:hiddenFill xmlns:a14="http://schemas.microsoft.com/office/drawing/2010/main">
-                <a:solidFill>
-                  <a:srgbClr val="FFFFFF"/>
-                </a:solidFill>
-              </a14:hiddenFill>
-            </a:ext>
-          </a:extLst>
-        </p:spPr>
-      </p:pic>
-      <p:sp>
-        <p:nvSpPr>
-          <p:cNvPr id="19" name="TextBox 18"/>
+        </p:spPr>
+        <p:txBody>
+          <a:bodyPr wrap="none" rtlCol="0">
+            <a:spAutoFit/>
+          </a:bodyPr>
+          <a:lstStyle/>
+          <a:p>
+            <a:r>
+              <a:rPr lang="en-US" sz="2800" dirty="0" smtClean="0"/>
+              <a:t>Write Enable</a:t>
+            </a:r>
+            <a:endParaRPr lang="en-US" sz="2800" dirty="0"/>
+          </a:p>
+        </p:txBody>
+      </p:sp>
+      <p:cxnSp>
+        <p:nvCxnSpPr>
+          <p:cNvPr id="15" name="Straight Arrow Connector 14"/>
+          <p:cNvCxnSpPr/>
+          <p:nvPr/>
+        </p:nvCxnSpPr>
+        <p:spPr>
+          <a:xfrm flipV="1">
+            <a:off x="640812" y="5279504"/>
+            <a:ext cx="2793076" cy="5109"/>
+          </a:xfrm>
+          <a:prstGeom prst="straightConnector1">
+            <a:avLst/>
+          </a:prstGeom>
+          <a:ln w="57150">
+            <a:tailEnd type="triangle"/>
+          </a:ln>
+        </p:spPr>
+        <p:style>
+          <a:lnRef idx="1">
+            <a:schemeClr val="accent1"/>
+          </a:lnRef>
+          <a:fillRef idx="0">
+            <a:schemeClr val="accent1"/>
+          </a:fillRef>
+          <a:effectRef idx="0">
+            <a:schemeClr val="accent1"/>
+          </a:effectRef>
+          <a:fontRef idx="minor">
+            <a:schemeClr val="tx1"/>
+          </a:fontRef>
+        </p:style>
+      </p:cxnSp>
+      <p:sp>
+        <p:nvSpPr>
+          <p:cNvPr id="7" name="TextBox 6"/>
           <p:cNvSpPr txBox="1"/>
           <p:nvPr/>
         </p:nvSpPr>
         <p:spPr>
           <a:xfrm>
-            <a:off x="8501128" y="2301354"/>
-            <a:ext cx="3690872" cy="3046988"/>
+            <a:off x="8568267" y="3843866"/>
+            <a:ext cx="2785533" cy="1384995"/>
           </a:xfrm>
           <a:prstGeom prst="rect">
             <a:avLst/>
@@ -4747,21 +4838,18 @@
           </a:bodyPr>
           <a:lstStyle/>
           <a:p>
-            <a:pPr marL="342900" indent="-342900">
-              <a:buFont typeface="Arial" panose="020B0604020202020204" pitchFamily="34" charset="0"/>
-              <a:buChar char="•"/>
-            </a:pPr>
-            <a:r>
-              <a:rPr lang="en-US" sz="2400" dirty="0" smtClean="0"/>
-              <a:t>CPU state machine parses data from file simulating processing outputs and coordinates with Memory controller using control Bus signals to read/write from main memory.</a:t>
-            </a:r>
+            <a:r>
+              <a:rPr lang="en-US" sz="2800" dirty="0" smtClean="0"/>
+              <a:t>Implement single port RAM with WE and MESI bits</a:t>
+            </a:r>
+            <a:endParaRPr lang="en-US" sz="2800" dirty="0"/>
           </a:p>
         </p:txBody>
       </p:sp>
     </p:spTree>
     <p:extLst>
       <p:ext uri="{BB962C8B-B14F-4D97-AF65-F5344CB8AC3E}">
-        <p14:creationId xmlns:p14="http://schemas.microsoft.com/office/powerpoint/2010/main" val="645470229"/>
+        <p14:creationId xmlns:p14="http://schemas.microsoft.com/office/powerpoint/2010/main" val="1797040629"/>
       </p:ext>
     </p:extLst>
   </p:cSld>
@@ -4805,7 +4893,7 @@
           <a:p>
             <a:r>
               <a:rPr lang="en-US" dirty="0" smtClean="0"/>
-              <a:t>CPU Verification cases</a:t>
+              <a:t>Main Memory Verification Cases</a:t>
             </a:r>
             <a:endParaRPr lang="en-US" dirty="0"/>
           </a:p>
@@ -4820,7 +4908,7 @@
         <p:spPr>
           <a:xfrm>
             <a:off x="1080654" y="1690688"/>
-            <a:ext cx="10061479" cy="2246769"/>
+            <a:ext cx="10061479" cy="1384995"/>
           </a:xfrm>
           <a:prstGeom prst="rect">
             <a:avLst/>
@@ -4839,7 +4927,7 @@
             </a:pPr>
             <a:r>
               <a:rPr lang="en-US" sz="2800" dirty="0" smtClean="0"/>
-              <a:t>Parse files</a:t>
+              <a:t>Read</a:t>
             </a:r>
           </a:p>
           <a:p>
@@ -4849,7 +4937,7 @@
             </a:pPr>
             <a:r>
               <a:rPr lang="en-US" sz="2800" dirty="0" smtClean="0"/>
-              <a:t>Read from Cache</a:t>
+              <a:t>Write</a:t>
             </a:r>
           </a:p>
           <a:p>
@@ -4859,35 +4947,16 @@
             </a:pPr>
             <a:r>
               <a:rPr lang="en-US" sz="2800" dirty="0" smtClean="0"/>
-              <a:t>Read from main memory</a:t>
-            </a:r>
-          </a:p>
-          <a:p>
-            <a:pPr marL="285750" indent="-285750">
-              <a:buFont typeface="Arial" panose="020B0604020202020204" pitchFamily="34" charset="0"/>
-              <a:buChar char="•"/>
-            </a:pPr>
-            <a:r>
-              <a:rPr lang="en-US" sz="2800" dirty="0" smtClean="0"/>
-              <a:t>Write to cache</a:t>
-            </a:r>
-          </a:p>
-          <a:p>
-            <a:pPr marL="285750" indent="-285750">
-              <a:buFont typeface="Arial" panose="020B0604020202020204" pitchFamily="34" charset="0"/>
-              <a:buChar char="•"/>
-            </a:pPr>
-            <a:r>
-              <a:rPr lang="en-US" sz="2800" dirty="0" smtClean="0"/>
-              <a:t>Write to main memory</a:t>
-            </a:r>
+              <a:t>Modify MESI bits.</a:t>
+            </a:r>
+            <a:endParaRPr lang="en-US" sz="2800" dirty="0"/>
           </a:p>
         </p:txBody>
       </p:sp>
     </p:spTree>
     <p:extLst>
       <p:ext uri="{BB962C8B-B14F-4D97-AF65-F5344CB8AC3E}">
-        <p14:creationId xmlns:p14="http://schemas.microsoft.com/office/powerpoint/2010/main" val="438044582"/>
+        <p14:creationId xmlns:p14="http://schemas.microsoft.com/office/powerpoint/2010/main" val="3569851853"/>
       </p:ext>
     </p:extLst>
   </p:cSld>
@@ -4936,7 +5005,7 @@
           <a:p>
             <a:r>
               <a:rPr lang="en-US" dirty="0" smtClean="0"/>
-              <a:t>Cache</a:t>
+              <a:t>CPU</a:t>
             </a:r>
             <a:endParaRPr lang="en-US" dirty="0"/>
           </a:p>
@@ -4983,7 +5052,7 @@
             <a:pPr algn="ctr"/>
             <a:r>
               <a:rPr lang="en-US" sz="4400" dirty="0" smtClean="0"/>
-              <a:t>Cache</a:t>
+              <a:t>CPU</a:t>
             </a:r>
             <a:endParaRPr lang="en-US" sz="4400" dirty="0"/>
           </a:p>
@@ -5159,40 +5228,10 @@
           </a:p>
         </p:txBody>
       </p:sp>
-      <p:sp>
-        <p:nvSpPr>
-          <p:cNvPr id="3" name="TextBox 2"/>
-          <p:cNvSpPr txBox="1"/>
-          <p:nvPr/>
-        </p:nvSpPr>
-        <p:spPr>
-          <a:xfrm>
-            <a:off x="9029344" y="3006814"/>
-            <a:ext cx="2871831" cy="923330"/>
-          </a:xfrm>
-          <a:prstGeom prst="rect">
-            <a:avLst/>
-          </a:prstGeom>
-          <a:noFill/>
-        </p:spPr>
-        <p:txBody>
-          <a:bodyPr wrap="square" rtlCol="0">
-            <a:spAutoFit/>
-          </a:bodyPr>
-          <a:lstStyle/>
-          <a:p>
-            <a:r>
-              <a:rPr lang="en-US" dirty="0" smtClean="0"/>
-              <a:t>Cache design is practically given in the final project description.</a:t>
-            </a:r>
-            <a:endParaRPr lang="en-US" dirty="0"/>
-          </a:p>
-        </p:txBody>
-      </p:sp>
     </p:spTree>
     <p:extLst>
       <p:ext uri="{BB962C8B-B14F-4D97-AF65-F5344CB8AC3E}">
-        <p14:creationId xmlns:p14="http://schemas.microsoft.com/office/powerpoint/2010/main" val="2438054222"/>
+        <p14:creationId xmlns:p14="http://schemas.microsoft.com/office/powerpoint/2010/main" val="3225322516"/>
       </p:ext>
     </p:extLst>
   </p:cSld>
@@ -5236,22 +5275,46 @@
           <a:p>
             <a:r>
               <a:rPr lang="en-US" dirty="0" smtClean="0"/>
-              <a:t>Cache Verification cases</a:t>
+              <a:t>CPU</a:t>
             </a:r>
             <a:endParaRPr lang="en-US" dirty="0"/>
           </a:p>
         </p:txBody>
       </p:sp>
-      <p:sp>
-        <p:nvSpPr>
-          <p:cNvPr id="6" name="TextBox 5"/>
+      <p:pic>
+        <p:nvPicPr>
+          <p:cNvPr id="16" name="Picture 15"/>
+          <p:cNvPicPr>
+            <a:picLocks noChangeAspect="1"/>
+          </p:cNvPicPr>
+          <p:nvPr/>
+        </p:nvPicPr>
+        <p:blipFill>
+          <a:blip r:embed="rId2"/>
+          <a:stretch>
+            <a:fillRect/>
+          </a:stretch>
+        </p:blipFill>
+        <p:spPr>
+          <a:xfrm>
+            <a:off x="317971" y="2927500"/>
+            <a:ext cx="1040457" cy="1158546"/>
+          </a:xfrm>
+          <a:prstGeom prst="rect">
+            <a:avLst/>
+          </a:prstGeom>
+        </p:spPr>
+      </p:pic>
+      <p:sp>
+        <p:nvSpPr>
+          <p:cNvPr id="17" name="TextBox 16"/>
           <p:cNvSpPr txBox="1"/>
           <p:nvPr/>
         </p:nvSpPr>
         <p:spPr>
           <a:xfrm>
-            <a:off x="1080654" y="1690688"/>
-            <a:ext cx="10061479" cy="3108543"/>
+            <a:off x="1559249" y="2301354"/>
+            <a:ext cx="3919765" cy="2677656"/>
           </a:xfrm>
           <a:prstGeom prst="rect">
             <a:avLst/>
@@ -5263,14 +5326,24 @@
             <a:spAutoFit/>
           </a:bodyPr>
           <a:lstStyle/>
+          <a:p>
+            <a:r>
+              <a:rPr lang="en-US" sz="2400" dirty="0" smtClean="0"/>
+              <a:t>CPU reads file from computer that contains instructions to:</a:t>
+            </a:r>
+          </a:p>
           <a:p>
             <a:pPr marL="285750" indent="-285750">
               <a:buFont typeface="Arial" panose="020B0604020202020204" pitchFamily="34" charset="0"/>
               <a:buChar char="•"/>
             </a:pPr>
             <a:r>
-              <a:rPr lang="en-US" sz="2800" dirty="0" smtClean="0"/>
-              <a:t>Read from Cache</a:t>
+              <a:rPr lang="en-US" sz="2400" dirty="0" smtClean="0"/>
+              <a:t> read/write - </a:t>
+            </a:r>
+            <a:r>
+              <a:rPr lang="en-US" sz="2400" b="1" dirty="0" smtClean="0"/>
+              <a:t>header</a:t>
             </a:r>
           </a:p>
           <a:p>
@@ -5279,8 +5352,8 @@
               <a:buChar char="•"/>
             </a:pPr>
             <a:r>
-              <a:rPr lang="en-US" sz="2800" dirty="0" smtClean="0"/>
-              <a:t>Write to cache</a:t>
+              <a:rPr lang="en-US" sz="2400" dirty="0" smtClean="0"/>
+              <a:t>addresses </a:t>
             </a:r>
           </a:p>
           <a:p>
@@ -5289,50 +5362,101 @@
               <a:buChar char="•"/>
             </a:pPr>
             <a:r>
-              <a:rPr lang="en-US" sz="2800" dirty="0" smtClean="0"/>
-              <a:t>Snoop</a:t>
-            </a:r>
-          </a:p>
-          <a:p>
-            <a:pPr marL="742950" lvl="1" indent="-285750">
+              <a:rPr lang="en-US" sz="2400" dirty="0" smtClean="0"/>
+              <a:t>Data</a:t>
+            </a:r>
+          </a:p>
+          <a:p>
+            <a:pPr marL="285750" indent="-285750">
               <a:buFont typeface="Arial" panose="020B0604020202020204" pitchFamily="34" charset="0"/>
               <a:buChar char="•"/>
             </a:pPr>
             <a:r>
-              <a:rPr lang="en-US" sz="2800" dirty="0" smtClean="0"/>
-              <a:t>Miss</a:t>
-            </a:r>
-          </a:p>
-          <a:p>
-            <a:pPr marL="742950" lvl="1" indent="-285750">
+              <a:rPr lang="en-US" sz="2400" dirty="0" smtClean="0"/>
+              <a:t>Error bits generated arbitrarily</a:t>
+            </a:r>
+            <a:endParaRPr lang="en-US" sz="2400" dirty="0"/>
+          </a:p>
+        </p:txBody>
+      </p:sp>
+      <p:pic>
+        <p:nvPicPr>
+          <p:cNvPr id="1026" name="Picture 2" descr="Related image"/>
+          <p:cNvPicPr>
+            <a:picLocks noChangeAspect="1" noChangeArrowheads="1"/>
+          </p:cNvPicPr>
+          <p:nvPr/>
+        </p:nvPicPr>
+        <p:blipFill>
+          <a:blip r:embed="rId3">
+            <a:extLst>
+              <a:ext uri="{28A0092B-C50C-407E-A947-70E740481C1C}">
+                <a14:useLocalDpi xmlns:a14="http://schemas.microsoft.com/office/drawing/2010/main" val="0"/>
+              </a:ext>
+            </a:extLst>
+          </a:blip>
+          <a:srcRect/>
+          <a:stretch>
+            <a:fillRect/>
+          </a:stretch>
+        </p:blipFill>
+        <p:spPr bwMode="auto">
+          <a:xfrm>
+            <a:off x="5453614" y="2230423"/>
+            <a:ext cx="3105150" cy="2552700"/>
+          </a:xfrm>
+          <a:prstGeom prst="rect">
+            <a:avLst/>
+          </a:prstGeom>
+          <a:noFill/>
+          <a:extLst>
+            <a:ext uri="{909E8E84-426E-40DD-AFC4-6F175D3DCCD1}">
+              <a14:hiddenFill xmlns:a14="http://schemas.microsoft.com/office/drawing/2010/main">
+                <a:solidFill>
+                  <a:srgbClr val="FFFFFF"/>
+                </a:solidFill>
+              </a14:hiddenFill>
+            </a:ext>
+          </a:extLst>
+        </p:spPr>
+      </p:pic>
+      <p:sp>
+        <p:nvSpPr>
+          <p:cNvPr id="19" name="TextBox 18"/>
+          <p:cNvSpPr txBox="1"/>
+          <p:nvPr/>
+        </p:nvSpPr>
+        <p:spPr>
+          <a:xfrm>
+            <a:off x="8501128" y="2301354"/>
+            <a:ext cx="3690872" cy="3046988"/>
+          </a:xfrm>
+          <a:prstGeom prst="rect">
+            <a:avLst/>
+          </a:prstGeom>
+          <a:noFill/>
+        </p:spPr>
+        <p:txBody>
+          <a:bodyPr wrap="square" rtlCol="0">
+            <a:spAutoFit/>
+          </a:bodyPr>
+          <a:lstStyle/>
+          <a:p>
+            <a:pPr marL="342900" indent="-342900">
               <a:buFont typeface="Arial" panose="020B0604020202020204" pitchFamily="34" charset="0"/>
               <a:buChar char="•"/>
             </a:pPr>
             <a:r>
-              <a:rPr lang="en-US" sz="2800" dirty="0" smtClean="0"/>
-              <a:t>Hit Clean</a:t>
-            </a:r>
-          </a:p>
-          <a:p>
-            <a:pPr marL="742950" lvl="1" indent="-285750">
-              <a:buFont typeface="Arial" panose="020B0604020202020204" pitchFamily="34" charset="0"/>
-              <a:buChar char="•"/>
-            </a:pPr>
-            <a:r>
-              <a:rPr lang="en-US" sz="2800" dirty="0" smtClean="0"/>
-              <a:t>Hit Modified</a:t>
-            </a:r>
-          </a:p>
-          <a:p>
-            <a:pPr lvl="1"/>
-            <a:endParaRPr lang="en-US" sz="2800" dirty="0" smtClean="0"/>
+              <a:rPr lang="en-US" sz="2400" dirty="0" smtClean="0"/>
+              <a:t>CPU state machine parses data from file simulating processing outputs and coordinates with Memory controller using control Bus signals to read/write from main memory.</a:t>
+            </a:r>
           </a:p>
         </p:txBody>
       </p:sp>
     </p:spTree>
     <p:extLst>
       <p:ext uri="{BB962C8B-B14F-4D97-AF65-F5344CB8AC3E}">
-        <p14:creationId xmlns:p14="http://schemas.microsoft.com/office/powerpoint/2010/main" val="1137721067"/>
+        <p14:creationId xmlns:p14="http://schemas.microsoft.com/office/powerpoint/2010/main" val="645470229"/>
       </p:ext>
     </p:extLst>
   </p:cSld>
@@ -5369,33 +5493,96 @@
             <p:ph type="title"/>
           </p:nvPr>
         </p:nvSpPr>
-        <p:spPr>
-          <a:xfrm>
-            <a:off x="1676400" y="3569964"/>
-            <a:ext cx="10515600" cy="1325563"/>
-          </a:xfrm>
-        </p:spPr>
-        <p:txBody>
-          <a:bodyPr>
-            <a:noAutofit/>
+        <p:spPr/>
+        <p:txBody>
+          <a:bodyPr/>
+          <a:lstStyle/>
+          <a:p>
+            <a:r>
+              <a:rPr lang="en-US" dirty="0" smtClean="0"/>
+              <a:t>CPU Verification cases</a:t>
+            </a:r>
+            <a:endParaRPr lang="en-US" dirty="0"/>
+          </a:p>
+        </p:txBody>
+      </p:sp>
+      <p:sp>
+        <p:nvSpPr>
+          <p:cNvPr id="6" name="TextBox 5"/>
+          <p:cNvSpPr txBox="1"/>
+          <p:nvPr/>
+        </p:nvSpPr>
+        <p:spPr>
+          <a:xfrm>
+            <a:off x="1080654" y="1690688"/>
+            <a:ext cx="10061479" cy="2246769"/>
+          </a:xfrm>
+          <a:prstGeom prst="rect">
+            <a:avLst/>
+          </a:prstGeom>
+          <a:noFill/>
+        </p:spPr>
+        <p:txBody>
+          <a:bodyPr wrap="square" rtlCol="0">
+            <a:spAutoFit/>
           </a:bodyPr>
           <a:lstStyle/>
           <a:p>
-            <a:r>
-              <a:rPr lang="en-US" sz="16600" dirty="0" smtClean="0"/>
-              <a:t>Backup</a:t>
-            </a:r>
-            <a:br>
-              <a:rPr lang="en-US" sz="16600" dirty="0" smtClean="0"/>
-            </a:br>
-            <a:endParaRPr lang="en-US" sz="16600" dirty="0"/>
+            <a:pPr marL="285750" indent="-285750">
+              <a:buFont typeface="Arial" panose="020B0604020202020204" pitchFamily="34" charset="0"/>
+              <a:buChar char="•"/>
+            </a:pPr>
+            <a:r>
+              <a:rPr lang="en-US" sz="2800" dirty="0" smtClean="0"/>
+              <a:t>Parse files</a:t>
+            </a:r>
+          </a:p>
+          <a:p>
+            <a:pPr marL="285750" indent="-285750">
+              <a:buFont typeface="Arial" panose="020B0604020202020204" pitchFamily="34" charset="0"/>
+              <a:buChar char="•"/>
+            </a:pPr>
+            <a:r>
+              <a:rPr lang="en-US" sz="2800" dirty="0" smtClean="0"/>
+              <a:t>Read from Cache</a:t>
+            </a:r>
+          </a:p>
+          <a:p>
+            <a:pPr marL="285750" indent="-285750">
+              <a:buFont typeface="Arial" panose="020B0604020202020204" pitchFamily="34" charset="0"/>
+              <a:buChar char="•"/>
+            </a:pPr>
+            <a:r>
+              <a:rPr lang="en-US" sz="2800" dirty="0" smtClean="0"/>
+              <a:t>Read from main memory</a:t>
+            </a:r>
+          </a:p>
+          <a:p>
+            <a:pPr marL="285750" indent="-285750">
+              <a:buFont typeface="Arial" panose="020B0604020202020204" pitchFamily="34" charset="0"/>
+              <a:buChar char="•"/>
+            </a:pPr>
+            <a:r>
+              <a:rPr lang="en-US" sz="2800" dirty="0" smtClean="0"/>
+              <a:t>Write to cache</a:t>
+            </a:r>
+          </a:p>
+          <a:p>
+            <a:pPr marL="285750" indent="-285750">
+              <a:buFont typeface="Arial" panose="020B0604020202020204" pitchFamily="34" charset="0"/>
+              <a:buChar char="•"/>
+            </a:pPr>
+            <a:r>
+              <a:rPr lang="en-US" sz="2800" dirty="0" smtClean="0"/>
+              <a:t>Write to main memory</a:t>
+            </a:r>
           </a:p>
         </p:txBody>
       </p:sp>
     </p:spTree>
     <p:extLst>
       <p:ext uri="{BB962C8B-B14F-4D97-AF65-F5344CB8AC3E}">
-        <p14:creationId xmlns:p14="http://schemas.microsoft.com/office/powerpoint/2010/main" val="4291726577"/>
+        <p14:creationId xmlns:p14="http://schemas.microsoft.com/office/powerpoint/2010/main" val="438044582"/>
       </p:ext>
     </p:extLst>
   </p:cSld>
@@ -5516,6 +5703,514 @@
             <p:ph type="title"/>
           </p:nvPr>
         </p:nvSpPr>
+        <p:spPr>
+          <a:xfrm>
+            <a:off x="253692" y="12709"/>
+            <a:ext cx="10515600" cy="1325563"/>
+          </a:xfrm>
+        </p:spPr>
+        <p:txBody>
+          <a:bodyPr/>
+          <a:lstStyle/>
+          <a:p>
+            <a:r>
+              <a:rPr lang="en-US" dirty="0" smtClean="0"/>
+              <a:t>Cache</a:t>
+            </a:r>
+            <a:endParaRPr lang="en-US" dirty="0"/>
+          </a:p>
+        </p:txBody>
+      </p:sp>
+      <p:sp>
+        <p:nvSpPr>
+          <p:cNvPr id="4" name="Rectangle 3"/>
+          <p:cNvSpPr/>
+          <p:nvPr/>
+        </p:nvSpPr>
+        <p:spPr>
+          <a:xfrm>
+            <a:off x="5016081" y="2249464"/>
+            <a:ext cx="3690851" cy="2859578"/>
+          </a:xfrm>
+          <a:prstGeom prst="rect">
+            <a:avLst/>
+          </a:prstGeom>
+          <a:solidFill>
+            <a:srgbClr val="7030A0"/>
+          </a:solidFill>
+        </p:spPr>
+        <p:style>
+          <a:lnRef idx="2">
+            <a:schemeClr val="accent1">
+              <a:shade val="50000"/>
+            </a:schemeClr>
+          </a:lnRef>
+          <a:fillRef idx="1">
+            <a:schemeClr val="accent1"/>
+          </a:fillRef>
+          <a:effectRef idx="0">
+            <a:schemeClr val="accent1"/>
+          </a:effectRef>
+          <a:fontRef idx="minor">
+            <a:schemeClr val="lt1"/>
+          </a:fontRef>
+        </p:style>
+        <p:txBody>
+          <a:bodyPr rtlCol="0" anchor="ctr"/>
+          <a:lstStyle/>
+          <a:p>
+            <a:pPr algn="ctr"/>
+            <a:r>
+              <a:rPr lang="en-US" sz="4400" dirty="0" smtClean="0"/>
+              <a:t>Cache</a:t>
+            </a:r>
+            <a:endParaRPr lang="en-US" sz="4400" dirty="0"/>
+          </a:p>
+        </p:txBody>
+      </p:sp>
+      <p:cxnSp>
+        <p:nvCxnSpPr>
+          <p:cNvPr id="9" name="Straight Arrow Connector 8"/>
+          <p:cNvCxnSpPr/>
+          <p:nvPr/>
+        </p:nvCxnSpPr>
+        <p:spPr>
+          <a:xfrm>
+            <a:off x="1435080" y="3329980"/>
+            <a:ext cx="3208712" cy="0"/>
+          </a:xfrm>
+          <a:prstGeom prst="straightConnector1">
+            <a:avLst/>
+          </a:prstGeom>
+          <a:ln w="57150">
+            <a:headEnd type="triangle"/>
+            <a:tailEnd type="triangle"/>
+          </a:ln>
+        </p:spPr>
+        <p:style>
+          <a:lnRef idx="1">
+            <a:schemeClr val="accent1"/>
+          </a:lnRef>
+          <a:fillRef idx="0">
+            <a:schemeClr val="accent1"/>
+          </a:fillRef>
+          <a:effectRef idx="0">
+            <a:schemeClr val="accent1"/>
+          </a:effectRef>
+          <a:fontRef idx="minor">
+            <a:schemeClr val="tx1"/>
+          </a:fontRef>
+        </p:style>
+      </p:cxnSp>
+      <p:sp>
+        <p:nvSpPr>
+          <p:cNvPr id="14" name="TextBox 13"/>
+          <p:cNvSpPr txBox="1"/>
+          <p:nvPr/>
+        </p:nvSpPr>
+        <p:spPr>
+          <a:xfrm>
+            <a:off x="1387651" y="2436136"/>
+            <a:ext cx="2284728" cy="369332"/>
+          </a:xfrm>
+          <a:prstGeom prst="rect">
+            <a:avLst/>
+          </a:prstGeom>
+          <a:noFill/>
+        </p:spPr>
+        <p:txBody>
+          <a:bodyPr wrap="none" rtlCol="0">
+            <a:spAutoFit/>
+          </a:bodyPr>
+          <a:lstStyle/>
+          <a:p>
+            <a:r>
+              <a:rPr lang="en-US" dirty="0" smtClean="0"/>
+              <a:t>To Memory controller:</a:t>
+            </a:r>
+            <a:endParaRPr lang="en-US" dirty="0"/>
+          </a:p>
+        </p:txBody>
+      </p:sp>
+      <p:sp>
+        <p:nvSpPr>
+          <p:cNvPr id="26" name="TextBox 25"/>
+          <p:cNvSpPr txBox="1"/>
+          <p:nvPr/>
+        </p:nvSpPr>
+        <p:spPr>
+          <a:xfrm>
+            <a:off x="2015227" y="2796179"/>
+            <a:ext cx="2373278" cy="461665"/>
+          </a:xfrm>
+          <a:prstGeom prst="rect">
+            <a:avLst/>
+          </a:prstGeom>
+          <a:noFill/>
+        </p:spPr>
+        <p:txBody>
+          <a:bodyPr wrap="square" rtlCol="0">
+            <a:spAutoFit/>
+          </a:bodyPr>
+          <a:lstStyle>
+            <a:defPPr>
+              <a:defRPr lang="en-US"/>
+            </a:defPPr>
+            <a:lvl1pPr>
+              <a:defRPr sz="2400"/>
+            </a:lvl1pPr>
+          </a:lstStyle>
+          <a:p>
+            <a:r>
+              <a:rPr lang="en-US" dirty="0"/>
+              <a:t>Address/data Bus</a:t>
+            </a:r>
+          </a:p>
+        </p:txBody>
+      </p:sp>
+      <p:cxnSp>
+        <p:nvCxnSpPr>
+          <p:cNvPr id="27" name="Straight Arrow Connector 26"/>
+          <p:cNvCxnSpPr/>
+          <p:nvPr/>
+        </p:nvCxnSpPr>
+        <p:spPr>
+          <a:xfrm>
+            <a:off x="1484957" y="4213055"/>
+            <a:ext cx="3208712" cy="0"/>
+          </a:xfrm>
+          <a:prstGeom prst="straightConnector1">
+            <a:avLst/>
+          </a:prstGeom>
+          <a:ln w="57150">
+            <a:headEnd type="triangle"/>
+            <a:tailEnd type="triangle"/>
+          </a:ln>
+        </p:spPr>
+        <p:style>
+          <a:lnRef idx="1">
+            <a:schemeClr val="accent1"/>
+          </a:lnRef>
+          <a:fillRef idx="0">
+            <a:schemeClr val="accent1"/>
+          </a:fillRef>
+          <a:effectRef idx="0">
+            <a:schemeClr val="accent1"/>
+          </a:effectRef>
+          <a:fontRef idx="minor">
+            <a:schemeClr val="tx1"/>
+          </a:fontRef>
+        </p:style>
+      </p:cxnSp>
+      <p:sp>
+        <p:nvSpPr>
+          <p:cNvPr id="28" name="TextBox 27"/>
+          <p:cNvSpPr txBox="1"/>
+          <p:nvPr/>
+        </p:nvSpPr>
+        <p:spPr>
+          <a:xfrm>
+            <a:off x="1839217" y="3679253"/>
+            <a:ext cx="2549288" cy="461665"/>
+          </a:xfrm>
+          <a:prstGeom prst="rect">
+            <a:avLst/>
+          </a:prstGeom>
+          <a:noFill/>
+        </p:spPr>
+        <p:txBody>
+          <a:bodyPr wrap="square" rtlCol="0">
+            <a:spAutoFit/>
+          </a:bodyPr>
+          <a:lstStyle>
+            <a:defPPr>
+              <a:defRPr lang="en-US"/>
+            </a:defPPr>
+            <a:lvl1pPr>
+              <a:defRPr sz="2400"/>
+            </a:lvl1pPr>
+          </a:lstStyle>
+          <a:p>
+            <a:r>
+              <a:rPr lang="en-US" dirty="0"/>
+              <a:t>Control Signals Bus</a:t>
+            </a:r>
+          </a:p>
+        </p:txBody>
+      </p:sp>
+      <p:sp>
+        <p:nvSpPr>
+          <p:cNvPr id="3" name="TextBox 2"/>
+          <p:cNvSpPr txBox="1"/>
+          <p:nvPr/>
+        </p:nvSpPr>
+        <p:spPr>
+          <a:xfrm>
+            <a:off x="9029344" y="3006814"/>
+            <a:ext cx="2871831" cy="923330"/>
+          </a:xfrm>
+          <a:prstGeom prst="rect">
+            <a:avLst/>
+          </a:prstGeom>
+          <a:noFill/>
+        </p:spPr>
+        <p:txBody>
+          <a:bodyPr wrap="square" rtlCol="0">
+            <a:spAutoFit/>
+          </a:bodyPr>
+          <a:lstStyle/>
+          <a:p>
+            <a:r>
+              <a:rPr lang="en-US" dirty="0" smtClean="0"/>
+              <a:t>Cache design is practically given in the final project description.</a:t>
+            </a:r>
+            <a:endParaRPr lang="en-US" dirty="0"/>
+          </a:p>
+        </p:txBody>
+      </p:sp>
+    </p:spTree>
+    <p:extLst>
+      <p:ext uri="{BB962C8B-B14F-4D97-AF65-F5344CB8AC3E}">
+        <p14:creationId xmlns:p14="http://schemas.microsoft.com/office/powerpoint/2010/main" val="2438054222"/>
+      </p:ext>
+    </p:extLst>
+  </p:cSld>
+  <p:clrMapOvr>
+    <a:masterClrMapping/>
+  </p:clrMapOvr>
+</p:sld>
+</file>
+
+<file path=ppt/slides/slide21.xml><?xml version="1.0" encoding="utf-8"?>
+<p:sld xmlns:a="http://schemas.openxmlformats.org/drawingml/2006/main" xmlns:r="http://schemas.openxmlformats.org/officeDocument/2006/relationships" xmlns:p="http://schemas.openxmlformats.org/presentationml/2006/main">
+  <p:cSld>
+    <p:spTree>
+      <p:nvGrpSpPr>
+        <p:cNvPr id="1" name=""/>
+        <p:cNvGrpSpPr/>
+        <p:nvPr/>
+      </p:nvGrpSpPr>
+      <p:grpSpPr>
+        <a:xfrm>
+          <a:off x="0" y="0"/>
+          <a:ext cx="0" cy="0"/>
+          <a:chOff x="0" y="0"/>
+          <a:chExt cx="0" cy="0"/>
+        </a:xfrm>
+      </p:grpSpPr>
+      <p:sp>
+        <p:nvSpPr>
+          <p:cNvPr id="2" name="Title 1"/>
+          <p:cNvSpPr>
+            <a:spLocks noGrp="1"/>
+          </p:cNvSpPr>
+          <p:nvPr>
+            <p:ph type="title"/>
+          </p:nvPr>
+        </p:nvSpPr>
+        <p:spPr/>
+        <p:txBody>
+          <a:bodyPr/>
+          <a:lstStyle/>
+          <a:p>
+            <a:r>
+              <a:rPr lang="en-US" dirty="0" smtClean="0"/>
+              <a:t>Cache Verification cases</a:t>
+            </a:r>
+            <a:endParaRPr lang="en-US" dirty="0"/>
+          </a:p>
+        </p:txBody>
+      </p:sp>
+      <p:sp>
+        <p:nvSpPr>
+          <p:cNvPr id="6" name="TextBox 5"/>
+          <p:cNvSpPr txBox="1"/>
+          <p:nvPr/>
+        </p:nvSpPr>
+        <p:spPr>
+          <a:xfrm>
+            <a:off x="1080654" y="1690688"/>
+            <a:ext cx="10061479" cy="3108543"/>
+          </a:xfrm>
+          <a:prstGeom prst="rect">
+            <a:avLst/>
+          </a:prstGeom>
+          <a:noFill/>
+        </p:spPr>
+        <p:txBody>
+          <a:bodyPr wrap="square" rtlCol="0">
+            <a:spAutoFit/>
+          </a:bodyPr>
+          <a:lstStyle/>
+          <a:p>
+            <a:pPr marL="285750" indent="-285750">
+              <a:buFont typeface="Arial" panose="020B0604020202020204" pitchFamily="34" charset="0"/>
+              <a:buChar char="•"/>
+            </a:pPr>
+            <a:r>
+              <a:rPr lang="en-US" sz="2800" dirty="0" smtClean="0"/>
+              <a:t>Read from Cache</a:t>
+            </a:r>
+          </a:p>
+          <a:p>
+            <a:pPr marL="285750" indent="-285750">
+              <a:buFont typeface="Arial" panose="020B0604020202020204" pitchFamily="34" charset="0"/>
+              <a:buChar char="•"/>
+            </a:pPr>
+            <a:r>
+              <a:rPr lang="en-US" sz="2800" dirty="0" smtClean="0"/>
+              <a:t>Write to cache</a:t>
+            </a:r>
+          </a:p>
+          <a:p>
+            <a:pPr marL="285750" indent="-285750">
+              <a:buFont typeface="Arial" panose="020B0604020202020204" pitchFamily="34" charset="0"/>
+              <a:buChar char="•"/>
+            </a:pPr>
+            <a:r>
+              <a:rPr lang="en-US" sz="2800" dirty="0" smtClean="0"/>
+              <a:t>Snoop</a:t>
+            </a:r>
+          </a:p>
+          <a:p>
+            <a:pPr marL="742950" lvl="1" indent="-285750">
+              <a:buFont typeface="Arial" panose="020B0604020202020204" pitchFamily="34" charset="0"/>
+              <a:buChar char="•"/>
+            </a:pPr>
+            <a:r>
+              <a:rPr lang="en-US" sz="2800" dirty="0" smtClean="0"/>
+              <a:t>Miss</a:t>
+            </a:r>
+          </a:p>
+          <a:p>
+            <a:pPr marL="742950" lvl="1" indent="-285750">
+              <a:buFont typeface="Arial" panose="020B0604020202020204" pitchFamily="34" charset="0"/>
+              <a:buChar char="•"/>
+            </a:pPr>
+            <a:r>
+              <a:rPr lang="en-US" sz="2800" dirty="0" smtClean="0"/>
+              <a:t>Hit Clean</a:t>
+            </a:r>
+          </a:p>
+          <a:p>
+            <a:pPr marL="742950" lvl="1" indent="-285750">
+              <a:buFont typeface="Arial" panose="020B0604020202020204" pitchFamily="34" charset="0"/>
+              <a:buChar char="•"/>
+            </a:pPr>
+            <a:r>
+              <a:rPr lang="en-US" sz="2800" dirty="0" smtClean="0"/>
+              <a:t>Hit Modified</a:t>
+            </a:r>
+          </a:p>
+          <a:p>
+            <a:pPr lvl="1"/>
+            <a:endParaRPr lang="en-US" sz="2800" dirty="0" smtClean="0"/>
+          </a:p>
+        </p:txBody>
+      </p:sp>
+    </p:spTree>
+    <p:extLst>
+      <p:ext uri="{BB962C8B-B14F-4D97-AF65-F5344CB8AC3E}">
+        <p14:creationId xmlns:p14="http://schemas.microsoft.com/office/powerpoint/2010/main" val="1137721067"/>
+      </p:ext>
+    </p:extLst>
+  </p:cSld>
+  <p:clrMapOvr>
+    <a:masterClrMapping/>
+  </p:clrMapOvr>
+</p:sld>
+</file>
+
+<file path=ppt/slides/slide22.xml><?xml version="1.0" encoding="utf-8"?>
+<p:sld xmlns:a="http://schemas.openxmlformats.org/drawingml/2006/main" xmlns:r="http://schemas.openxmlformats.org/officeDocument/2006/relationships" xmlns:p="http://schemas.openxmlformats.org/presentationml/2006/main">
+  <p:cSld>
+    <p:spTree>
+      <p:nvGrpSpPr>
+        <p:cNvPr id="1" name=""/>
+        <p:cNvGrpSpPr/>
+        <p:nvPr/>
+      </p:nvGrpSpPr>
+      <p:grpSpPr>
+        <a:xfrm>
+          <a:off x="0" y="0"/>
+          <a:ext cx="0" cy="0"/>
+          <a:chOff x="0" y="0"/>
+          <a:chExt cx="0" cy="0"/>
+        </a:xfrm>
+      </p:grpSpPr>
+      <p:sp>
+        <p:nvSpPr>
+          <p:cNvPr id="2" name="Title 1"/>
+          <p:cNvSpPr>
+            <a:spLocks noGrp="1"/>
+          </p:cNvSpPr>
+          <p:nvPr>
+            <p:ph type="title"/>
+          </p:nvPr>
+        </p:nvSpPr>
+        <p:spPr>
+          <a:xfrm>
+            <a:off x="1676400" y="3569964"/>
+            <a:ext cx="10515600" cy="1325563"/>
+          </a:xfrm>
+        </p:spPr>
+        <p:txBody>
+          <a:bodyPr>
+            <a:noAutofit/>
+          </a:bodyPr>
+          <a:lstStyle/>
+          <a:p>
+            <a:r>
+              <a:rPr lang="en-US" sz="16600" dirty="0" smtClean="0"/>
+              <a:t>Backup</a:t>
+            </a:r>
+            <a:br>
+              <a:rPr lang="en-US" sz="16600" dirty="0" smtClean="0"/>
+            </a:br>
+            <a:endParaRPr lang="en-US" sz="16600" dirty="0"/>
+          </a:p>
+        </p:txBody>
+      </p:sp>
+    </p:spTree>
+    <p:extLst>
+      <p:ext uri="{BB962C8B-B14F-4D97-AF65-F5344CB8AC3E}">
+        <p14:creationId xmlns:p14="http://schemas.microsoft.com/office/powerpoint/2010/main" val="4291726577"/>
+      </p:ext>
+    </p:extLst>
+  </p:cSld>
+  <p:clrMapOvr>
+    <a:masterClrMapping/>
+  </p:clrMapOvr>
+</p:sld>
+</file>
+
+<file path=ppt/slides/slide23.xml><?xml version="1.0" encoding="utf-8"?>
+<p:sld xmlns:a="http://schemas.openxmlformats.org/drawingml/2006/main" xmlns:r="http://schemas.openxmlformats.org/officeDocument/2006/relationships" xmlns:p="http://schemas.openxmlformats.org/presentationml/2006/main">
+  <p:cSld>
+    <p:spTree>
+      <p:nvGrpSpPr>
+        <p:cNvPr id="1" name=""/>
+        <p:cNvGrpSpPr/>
+        <p:nvPr/>
+      </p:nvGrpSpPr>
+      <p:grpSpPr>
+        <a:xfrm>
+          <a:off x="0" y="0"/>
+          <a:ext cx="0" cy="0"/>
+          <a:chOff x="0" y="0"/>
+          <a:chExt cx="0" cy="0"/>
+        </a:xfrm>
+      </p:grpSpPr>
+      <p:sp>
+        <p:nvSpPr>
+          <p:cNvPr id="2" name="Title 1"/>
+          <p:cNvSpPr>
+            <a:spLocks noGrp="1"/>
+          </p:cNvSpPr>
+          <p:nvPr>
+            <p:ph type="title"/>
+          </p:nvPr>
+        </p:nvSpPr>
         <p:spPr/>
         <p:txBody>
           <a:bodyPr/>
@@ -5968,7 +6663,7 @@
 </p:sld>
 </file>
 
-<file path=ppt/slides/slide21.xml><?xml version="1.0" encoding="utf-8"?>
+<file path=ppt/slides/slide24.xml><?xml version="1.0" encoding="utf-8"?>
 <p:sld xmlns:a="http://schemas.openxmlformats.org/drawingml/2006/main" xmlns:r="http://schemas.openxmlformats.org/officeDocument/2006/relationships" xmlns:p="http://schemas.openxmlformats.org/presentationml/2006/main">
   <p:cSld>
     <p:spTree>
@@ -8966,23 +9661,131 @@
       <p:sp>
         <p:nvSpPr>
           <p:cNvPr id="2" name="Title 1"/>
-          <p:cNvSpPr>
-            <a:spLocks noGrp="1"/>
+          <p:cNvSpPr txBox="1">
+            <a:spLocks/>
           </p:cNvSpPr>
-          <p:nvPr>
-            <p:ph type="title"/>
-          </p:nvPr>
-        </p:nvSpPr>
-        <p:spPr/>
+          <p:nvPr/>
+        </p:nvSpPr>
+        <p:spPr>
+          <a:xfrm>
+            <a:off x="838200" y="213234"/>
+            <a:ext cx="10515600" cy="1325563"/>
+          </a:xfrm>
+          <a:prstGeom prst="rect">
+            <a:avLst/>
+          </a:prstGeom>
+        </p:spPr>
         <p:txBody>
           <a:bodyPr/>
-          <a:lstStyle/>
+          <a:lstStyle>
+            <a:lvl1pPr algn="l" defTabSz="914400" rtl="0" eaLnBrk="1" latinLnBrk="0" hangingPunct="1">
+              <a:lnSpc>
+                <a:spcPct val="90000"/>
+              </a:lnSpc>
+              <a:spcBef>
+                <a:spcPct val="0"/>
+              </a:spcBef>
+              <a:buNone/>
+              <a:defRPr sz="4400" kern="1200">
+                <a:solidFill>
+                  <a:schemeClr val="tx1"/>
+                </a:solidFill>
+                <a:latin typeface="+mj-lt"/>
+                <a:ea typeface="+mj-ea"/>
+                <a:cs typeface="+mj-cs"/>
+              </a:defRPr>
+            </a:lvl1pPr>
+          </a:lstStyle>
           <a:p>
             <a:r>
               <a:rPr lang="en-US" dirty="0" smtClean="0"/>
-              <a:t>Peripheral component – Verification cases</a:t>
+              <a:t>Decoder PMC</a:t>
             </a:r>
             <a:endParaRPr lang="en-US" dirty="0"/>
+          </a:p>
+        </p:txBody>
+      </p:sp>
+      <p:sp>
+        <p:nvSpPr>
+          <p:cNvPr id="4" name="TextBox 3"/>
+          <p:cNvSpPr txBox="1"/>
+          <p:nvPr/>
+        </p:nvSpPr>
+        <p:spPr>
+          <a:xfrm>
+            <a:off x="10244831" y="5362113"/>
+            <a:ext cx="1413528" cy="369332"/>
+          </a:xfrm>
+          <a:prstGeom prst="rect">
+            <a:avLst/>
+          </a:prstGeom>
+          <a:noFill/>
+        </p:spPr>
+        <p:txBody>
+          <a:bodyPr wrap="none" rtlCol="0">
+            <a:spAutoFit/>
+          </a:bodyPr>
+          <a:lstStyle/>
+          <a:p>
+            <a:r>
+              <a:rPr lang="en-US" dirty="0" smtClean="0">
+                <a:solidFill>
+                  <a:schemeClr val="accent2">
+                    <a:lumMod val="75000"/>
+                  </a:schemeClr>
+                </a:solidFill>
+              </a:rPr>
+              <a:t>UART control</a:t>
+            </a:r>
+            <a:endParaRPr lang="en-US" dirty="0">
+              <a:solidFill>
+                <a:schemeClr val="accent2">
+                  <a:lumMod val="75000"/>
+                </a:schemeClr>
+              </a:solidFill>
+            </a:endParaRPr>
+          </a:p>
+        </p:txBody>
+      </p:sp>
+      <p:sp>
+        <p:nvSpPr>
+          <p:cNvPr id="5" name="TextBox 4"/>
+          <p:cNvSpPr txBox="1"/>
+          <p:nvPr/>
+        </p:nvSpPr>
+        <p:spPr>
+          <a:xfrm>
+            <a:off x="8158578" y="1321356"/>
+            <a:ext cx="3417987" cy="369332"/>
+          </a:xfrm>
+          <a:prstGeom prst="rect">
+            <a:avLst/>
+          </a:prstGeom>
+          <a:noFill/>
+        </p:spPr>
+        <p:txBody>
+          <a:bodyPr wrap="none" rtlCol="0">
+            <a:spAutoFit/>
+          </a:bodyPr>
+          <a:lstStyle/>
+          <a:p>
+            <a:r>
+              <a:rPr lang="en-US" dirty="0" smtClean="0">
+                <a:solidFill>
+                  <a:schemeClr val="accent2">
+                    <a:lumMod val="75000"/>
+                  </a:schemeClr>
+                </a:solidFill>
+              </a:rPr>
+              <a:t>Message is concatenated for UART</a:t>
+            </a:r>
+            <a:endParaRPr lang="en-US" dirty="0">
+              <a:solidFill>
+                <a:schemeClr val="accent2">
+                  <a:lumMod val="75000"/>
+                </a:schemeClr>
+              </a:solidFill>
+            </a:endParaRPr>
           </a:p>
         </p:txBody>
       </p:sp>
@@ -8994,8 +9797,138 @@
         </p:nvSpPr>
         <p:spPr>
           <a:xfrm>
-            <a:off x="1080654" y="1690688"/>
-            <a:ext cx="10740044" cy="6124754"/>
+            <a:off x="5491753" y="1027906"/>
+            <a:ext cx="6607771" cy="369332"/>
+          </a:xfrm>
+          <a:prstGeom prst="rect">
+            <a:avLst/>
+          </a:prstGeom>
+          <a:noFill/>
+        </p:spPr>
+        <p:txBody>
+          <a:bodyPr wrap="none" rtlCol="0">
+            <a:spAutoFit/>
+          </a:bodyPr>
+          <a:lstStyle/>
+          <a:p>
+            <a:r>
+              <a:rPr lang="en-US" dirty="0" err="1" smtClean="0"/>
+              <a:t>oOutputMsg</a:t>
+            </a:r>
+            <a:r>
+              <a:rPr lang="en-US" dirty="0" smtClean="0"/>
+              <a:t> </a:t>
+            </a:r>
+            <a:r>
+              <a:rPr lang="en-US" dirty="0"/>
+              <a:t>= {</a:t>
+            </a:r>
+            <a:r>
+              <a:rPr lang="en-US" dirty="0">
+                <a:solidFill>
+                  <a:srgbClr val="00B050"/>
+                </a:solidFill>
+              </a:rPr>
+              <a:t>8'h0F</a:t>
+            </a:r>
+            <a:r>
+              <a:rPr lang="en-US" dirty="0"/>
+              <a:t>, </a:t>
+            </a:r>
+            <a:r>
+              <a:rPr lang="en-US" dirty="0" err="1">
+                <a:solidFill>
+                  <a:schemeClr val="accent2">
+                    <a:lumMod val="75000"/>
+                  </a:schemeClr>
+                </a:solidFill>
+              </a:rPr>
+              <a:t>iInstruction</a:t>
+            </a:r>
+            <a:r>
+              <a:rPr lang="en-US" dirty="0"/>
+              <a:t>, </a:t>
+            </a:r>
+            <a:r>
+              <a:rPr lang="en-US" dirty="0" err="1">
+                <a:solidFill>
+                  <a:schemeClr val="accent1">
+                    <a:lumMod val="75000"/>
+                  </a:schemeClr>
+                </a:solidFill>
+              </a:rPr>
+              <a:t>iData</a:t>
+            </a:r>
+            <a:r>
+              <a:rPr lang="en-US" dirty="0">
+                <a:solidFill>
+                  <a:schemeClr val="accent1">
+                    <a:lumMod val="75000"/>
+                  </a:schemeClr>
+                </a:solidFill>
+              </a:rPr>
+              <a:t>, </a:t>
+            </a:r>
+            <a:r>
+              <a:rPr lang="en-US" dirty="0" err="1">
+                <a:solidFill>
+                  <a:schemeClr val="accent1">
+                    <a:lumMod val="75000"/>
+                  </a:schemeClr>
+                </a:solidFill>
+              </a:rPr>
+              <a:t>iAddr</a:t>
+            </a:r>
+            <a:r>
+              <a:rPr lang="en-US" dirty="0"/>
+              <a:t>, </a:t>
+            </a:r>
+            <a:r>
+              <a:rPr lang="en-US" dirty="0">
+                <a:solidFill>
+                  <a:srgbClr val="FFC000"/>
+                </a:solidFill>
+              </a:rPr>
+              <a:t>7'b0, </a:t>
+            </a:r>
+            <a:r>
+              <a:rPr lang="en-US" dirty="0" err="1">
+                <a:solidFill>
+                  <a:srgbClr val="FFC000"/>
+                </a:solidFill>
+              </a:rPr>
+              <a:t>iError</a:t>
+            </a:r>
+            <a:r>
+              <a:rPr lang="en-US" dirty="0"/>
+              <a:t>, </a:t>
+            </a:r>
+            <a:r>
+              <a:rPr lang="en-US" dirty="0">
+                <a:solidFill>
+                  <a:srgbClr val="00B050"/>
+                </a:solidFill>
+              </a:rPr>
+              <a:t>8'hF0</a:t>
+            </a:r>
+            <a:r>
+              <a:rPr lang="en-US" dirty="0" smtClean="0"/>
+              <a:t>};</a:t>
+            </a:r>
+            <a:endParaRPr lang="en-US" dirty="0"/>
+          </a:p>
+        </p:txBody>
+      </p:sp>
+      <p:sp>
+        <p:nvSpPr>
+          <p:cNvPr id="7" name="TextBox 6"/>
+          <p:cNvSpPr txBox="1"/>
+          <p:nvPr/>
+        </p:nvSpPr>
+        <p:spPr>
+          <a:xfrm>
+            <a:off x="1972322" y="4527270"/>
+            <a:ext cx="1711912" cy="923330"/>
           </a:xfrm>
           <a:prstGeom prst="rect">
             <a:avLst/>
@@ -9008,133 +9941,260 @@
           </a:bodyPr>
           <a:lstStyle/>
           <a:p>
-            <a:pPr marL="285750" indent="-285750">
-              <a:buFont typeface="Arial" panose="020B0604020202020204" pitchFamily="34" charset="0"/>
-              <a:buChar char="•"/>
-            </a:pPr>
-            <a:r>
-              <a:rPr lang="en-US" sz="2800" dirty="0" smtClean="0"/>
-              <a:t>Peripheral memory read – No error, cache miss/ cache hit clean</a:t>
-            </a:r>
-          </a:p>
-          <a:p>
-            <a:pPr marL="285750" indent="-285750">
-              <a:buFont typeface="Arial" panose="020B0604020202020204" pitchFamily="34" charset="0"/>
-              <a:buChar char="•"/>
-            </a:pPr>
-            <a:r>
-              <a:rPr lang="en-US" sz="2800" dirty="0" smtClean="0"/>
-              <a:t>Peripheral memory write – No error, cache miss/ cache hit clean</a:t>
-            </a:r>
-          </a:p>
-          <a:p>
-            <a:pPr marL="285750" indent="-285750">
-              <a:buFont typeface="Arial" panose="020B0604020202020204" pitchFamily="34" charset="0"/>
-              <a:buChar char="•"/>
-            </a:pPr>
-            <a:r>
-              <a:rPr lang="en-US" sz="2800" dirty="0" smtClean="0"/>
-              <a:t>Peripheral memory read – No error, cache hit Modified with retry</a:t>
-            </a:r>
-          </a:p>
-          <a:p>
-            <a:pPr marL="285750" indent="-285750">
-              <a:buFont typeface="Arial" panose="020B0604020202020204" pitchFamily="34" charset="0"/>
-              <a:buChar char="•"/>
-            </a:pPr>
-            <a:r>
-              <a:rPr lang="en-US" sz="2800" dirty="0" smtClean="0"/>
-              <a:t>Peripheral memory write – No error, cache hit Modified with retry </a:t>
-            </a:r>
-          </a:p>
-          <a:p>
-            <a:pPr marL="285750" indent="-285750">
-              <a:buFont typeface="Arial" panose="020B0604020202020204" pitchFamily="34" charset="0"/>
-              <a:buChar char="•"/>
-            </a:pPr>
-            <a:r>
-              <a:rPr lang="en-US" sz="2800" dirty="0" smtClean="0"/>
-              <a:t>Peripheral memory read – Error</a:t>
-            </a:r>
-          </a:p>
-          <a:p>
-            <a:pPr marL="285750" indent="-285750">
-              <a:buFont typeface="Arial" panose="020B0604020202020204" pitchFamily="34" charset="0"/>
-              <a:buChar char="•"/>
-            </a:pPr>
-            <a:r>
-              <a:rPr lang="en-US" sz="2800" dirty="0" smtClean="0"/>
-              <a:t>Peripheral memory write – Error</a:t>
-            </a:r>
-          </a:p>
-          <a:p>
-            <a:pPr marL="285750" indent="-285750">
-              <a:buFont typeface="Arial" panose="020B0604020202020204" pitchFamily="34" charset="0"/>
-              <a:buChar char="•"/>
-            </a:pPr>
-            <a:r>
-              <a:rPr lang="en-US" sz="2800" dirty="0" smtClean="0"/>
-              <a:t>Peripheral tries to read/write but bus held by MC.</a:t>
-            </a:r>
-          </a:p>
-          <a:p>
-            <a:pPr marL="285750" indent="-285750">
-              <a:buFont typeface="Arial" panose="020B0604020202020204" pitchFamily="34" charset="0"/>
-              <a:buChar char="•"/>
-            </a:pPr>
-            <a:r>
-              <a:rPr lang="en-US" sz="2800" dirty="0" smtClean="0"/>
-              <a:t>Peripheral tries to read/write but bus held by CPU, thru MC.</a:t>
-            </a:r>
-          </a:p>
-          <a:p>
-            <a:pPr marL="285750" indent="-285750">
-              <a:buFont typeface="Arial" panose="020B0604020202020204" pitchFamily="34" charset="0"/>
-              <a:buChar char="•"/>
-            </a:pPr>
-            <a:endParaRPr lang="en-US" sz="2800" dirty="0" smtClean="0"/>
-          </a:p>
-          <a:p>
-            <a:pPr marL="285750" indent="-285750">
-              <a:buFont typeface="Arial" panose="020B0604020202020204" pitchFamily="34" charset="0"/>
-              <a:buChar char="•"/>
-            </a:pPr>
-            <a:endParaRPr lang="en-US" sz="2800" dirty="0" smtClean="0"/>
-          </a:p>
-          <a:p>
-            <a:pPr marL="285750" indent="-285750">
-              <a:buFont typeface="Arial" panose="020B0604020202020204" pitchFamily="34" charset="0"/>
-              <a:buChar char="•"/>
-            </a:pPr>
-            <a:endParaRPr lang="en-US" sz="2800" dirty="0" smtClean="0"/>
-          </a:p>
-          <a:p>
-            <a:pPr marL="285750" indent="-285750">
-              <a:buFont typeface="Arial" panose="020B0604020202020204" pitchFamily="34" charset="0"/>
-              <a:buChar char="•"/>
-            </a:pPr>
-            <a:endParaRPr lang="en-US" sz="2800" dirty="0" smtClean="0"/>
-          </a:p>
-          <a:p>
-            <a:pPr marL="285750" indent="-285750">
-              <a:buFont typeface="Arial" panose="020B0604020202020204" pitchFamily="34" charset="0"/>
-              <a:buChar char="•"/>
-            </a:pPr>
-            <a:endParaRPr lang="en-US" sz="2800" dirty="0" smtClean="0"/>
-          </a:p>
-          <a:p>
-            <a:pPr marL="285750" indent="-285750">
-              <a:buFont typeface="Arial" panose="020B0604020202020204" pitchFamily="34" charset="0"/>
-              <a:buChar char="•"/>
-            </a:pPr>
-            <a:endParaRPr lang="en-US" sz="2800" dirty="0"/>
+            <a:r>
+              <a:rPr lang="en-US" dirty="0" smtClean="0">
+                <a:solidFill>
+                  <a:schemeClr val="accent2">
+                    <a:lumMod val="75000"/>
+                  </a:schemeClr>
+                </a:solidFill>
+              </a:rPr>
+              <a:t>Flags from decoder and UART</a:t>
+            </a:r>
+            <a:endParaRPr lang="en-US" dirty="0">
+              <a:solidFill>
+                <a:schemeClr val="accent2">
+                  <a:lumMod val="75000"/>
+                </a:schemeClr>
+              </a:solidFill>
+            </a:endParaRPr>
+          </a:p>
+        </p:txBody>
+      </p:sp>
+      <p:sp>
+        <p:nvSpPr>
+          <p:cNvPr id="8" name="TextBox 7"/>
+          <p:cNvSpPr txBox="1"/>
+          <p:nvPr/>
+        </p:nvSpPr>
+        <p:spPr>
+          <a:xfrm>
+            <a:off x="10370598" y="3756192"/>
+            <a:ext cx="1395895" cy="369332"/>
+          </a:xfrm>
+          <a:prstGeom prst="rect">
+            <a:avLst/>
+          </a:prstGeom>
+          <a:noFill/>
+        </p:spPr>
+        <p:txBody>
+          <a:bodyPr wrap="none" rtlCol="0">
+            <a:spAutoFit/>
+          </a:bodyPr>
+          <a:lstStyle/>
+          <a:p>
+            <a:r>
+              <a:rPr lang="en-US" dirty="0" smtClean="0">
+                <a:solidFill>
+                  <a:schemeClr val="accent2">
+                    <a:lumMod val="75000"/>
+                  </a:schemeClr>
+                </a:solidFill>
+              </a:rPr>
+              <a:t>Output to TB</a:t>
+            </a:r>
+            <a:endParaRPr lang="en-US" dirty="0">
+              <a:solidFill>
+                <a:schemeClr val="accent2">
+                  <a:lumMod val="75000"/>
+                </a:schemeClr>
+              </a:solidFill>
+            </a:endParaRPr>
+          </a:p>
+        </p:txBody>
+      </p:sp>
+      <p:sp>
+        <p:nvSpPr>
+          <p:cNvPr id="9" name="TextBox 8"/>
+          <p:cNvSpPr txBox="1"/>
+          <p:nvPr/>
+        </p:nvSpPr>
+        <p:spPr>
+          <a:xfrm>
+            <a:off x="10443099" y="3048284"/>
+            <a:ext cx="1395895" cy="369332"/>
+          </a:xfrm>
+          <a:prstGeom prst="rect">
+            <a:avLst/>
+          </a:prstGeom>
+          <a:noFill/>
+        </p:spPr>
+        <p:txBody>
+          <a:bodyPr wrap="none" rtlCol="0">
+            <a:spAutoFit/>
+          </a:bodyPr>
+          <a:lstStyle/>
+          <a:p>
+            <a:r>
+              <a:rPr lang="en-US" dirty="0" smtClean="0">
+                <a:solidFill>
+                  <a:schemeClr val="accent2">
+                    <a:lumMod val="75000"/>
+                  </a:schemeClr>
+                </a:solidFill>
+              </a:rPr>
+              <a:t>Output to TB</a:t>
+            </a:r>
+            <a:endParaRPr lang="en-US" dirty="0">
+              <a:solidFill>
+                <a:schemeClr val="accent2">
+                  <a:lumMod val="75000"/>
+                </a:schemeClr>
+              </a:solidFill>
+            </a:endParaRPr>
+          </a:p>
+        </p:txBody>
+      </p:sp>
+      <p:sp>
+        <p:nvSpPr>
+          <p:cNvPr id="10" name="TextBox 9"/>
+          <p:cNvSpPr txBox="1"/>
+          <p:nvPr/>
+        </p:nvSpPr>
+        <p:spPr>
+          <a:xfrm>
+            <a:off x="10448159" y="2462892"/>
+            <a:ext cx="1669111" cy="369332"/>
+          </a:xfrm>
+          <a:prstGeom prst="rect">
+            <a:avLst/>
+          </a:prstGeom>
+          <a:noFill/>
+        </p:spPr>
+        <p:txBody>
+          <a:bodyPr wrap="none" rtlCol="0">
+            <a:spAutoFit/>
+          </a:bodyPr>
+          <a:lstStyle/>
+          <a:p>
+            <a:r>
+              <a:rPr lang="en-US" dirty="0" smtClean="0">
+                <a:solidFill>
+                  <a:schemeClr val="accent2">
+                    <a:lumMod val="75000"/>
+                  </a:schemeClr>
+                </a:solidFill>
+              </a:rPr>
+              <a:t>Output to UART</a:t>
+            </a:r>
+            <a:endParaRPr lang="en-US" dirty="0">
+              <a:solidFill>
+                <a:schemeClr val="accent2">
+                  <a:lumMod val="75000"/>
+                </a:schemeClr>
+              </a:solidFill>
+            </a:endParaRPr>
+          </a:p>
+        </p:txBody>
+      </p:sp>
+      <p:sp>
+        <p:nvSpPr>
+          <p:cNvPr id="11" name="TextBox 10"/>
+          <p:cNvSpPr txBox="1"/>
+          <p:nvPr/>
+        </p:nvSpPr>
+        <p:spPr>
+          <a:xfrm>
+            <a:off x="392098" y="1626094"/>
+            <a:ext cx="3218189" cy="369332"/>
+          </a:xfrm>
+          <a:prstGeom prst="rect">
+            <a:avLst/>
+          </a:prstGeom>
+          <a:noFill/>
+        </p:spPr>
+        <p:txBody>
+          <a:bodyPr wrap="none" rtlCol="0">
+            <a:spAutoFit/>
+          </a:bodyPr>
+          <a:lstStyle/>
+          <a:p>
+            <a:r>
+              <a:rPr lang="en-US" dirty="0" smtClean="0">
+                <a:solidFill>
+                  <a:schemeClr val="accent2">
+                    <a:lumMod val="75000"/>
+                  </a:schemeClr>
+                </a:solidFill>
+              </a:rPr>
+              <a:t>Instructions/data/</a:t>
+            </a:r>
+            <a:r>
+              <a:rPr lang="en-US" dirty="0" err="1" smtClean="0">
+                <a:solidFill>
+                  <a:schemeClr val="accent2">
+                    <a:lumMod val="75000"/>
+                  </a:schemeClr>
+                </a:solidFill>
+              </a:rPr>
+              <a:t>addr</a:t>
+            </a:r>
+            <a:r>
+              <a:rPr lang="en-US" dirty="0" smtClean="0">
+                <a:solidFill>
+                  <a:schemeClr val="accent2">
+                    <a:lumMod val="75000"/>
+                  </a:schemeClr>
+                </a:solidFill>
+              </a:rPr>
+              <a:t> from TB</a:t>
+            </a:r>
+            <a:endParaRPr lang="en-US" dirty="0">
+              <a:solidFill>
+                <a:schemeClr val="accent2">
+                  <a:lumMod val="75000"/>
+                </a:schemeClr>
+              </a:solidFill>
+            </a:endParaRPr>
+          </a:p>
+        </p:txBody>
+      </p:sp>
+      <p:sp>
+        <p:nvSpPr>
+          <p:cNvPr id="12" name="TextBox 11"/>
+          <p:cNvSpPr txBox="1"/>
+          <p:nvPr/>
+        </p:nvSpPr>
+        <p:spPr>
+          <a:xfrm>
+            <a:off x="676183" y="3341734"/>
+            <a:ext cx="3310843" cy="369332"/>
+          </a:xfrm>
+          <a:prstGeom prst="rect">
+            <a:avLst/>
+          </a:prstGeom>
+          <a:noFill/>
+        </p:spPr>
+        <p:txBody>
+          <a:bodyPr wrap="none" rtlCol="0">
+            <a:spAutoFit/>
+          </a:bodyPr>
+          <a:lstStyle/>
+          <a:p>
+            <a:r>
+              <a:rPr lang="en-US" dirty="0" smtClean="0">
+                <a:solidFill>
+                  <a:schemeClr val="accent2">
+                    <a:lumMod val="75000"/>
+                  </a:schemeClr>
+                </a:solidFill>
+              </a:rPr>
+              <a:t>Data decoded from MCP decoder</a:t>
+            </a:r>
+            <a:endParaRPr lang="en-US" dirty="0">
+              <a:solidFill>
+                <a:schemeClr val="accent2">
+                  <a:lumMod val="75000"/>
+                </a:schemeClr>
+              </a:solidFill>
+            </a:endParaRPr>
           </a:p>
         </p:txBody>
       </p:sp>
     </p:spTree>
     <p:extLst>
       <p:ext uri="{BB962C8B-B14F-4D97-AF65-F5344CB8AC3E}">
-        <p14:creationId xmlns:p14="http://schemas.microsoft.com/office/powerpoint/2010/main" val="1587516871"/>
+        <p14:creationId xmlns:p14="http://schemas.microsoft.com/office/powerpoint/2010/main" val="109248225"/>
       </p:ext>
     </p:extLst>
   </p:cSld>
@@ -9171,19 +10231,14 @@
             <p:ph type="title"/>
           </p:nvPr>
         </p:nvSpPr>
-        <p:spPr>
-          <a:xfrm>
-            <a:off x="253692" y="12709"/>
-            <a:ext cx="10515600" cy="1325563"/>
-          </a:xfrm>
-        </p:spPr>
+        <p:spPr/>
         <p:txBody>
           <a:bodyPr/>
           <a:lstStyle/>
           <a:p>
             <a:r>
               <a:rPr lang="en-US" dirty="0" smtClean="0"/>
-              <a:t>Memory controller</a:t>
+              <a:t>Peripheral component – Verification cases</a:t>
             </a:r>
             <a:endParaRPr lang="en-US" dirty="0"/>
           </a:p>
@@ -9191,61 +10246,14 @@
       </p:sp>
       <p:sp>
         <p:nvSpPr>
-          <p:cNvPr id="4" name="Rectangle 3"/>
-          <p:cNvSpPr/>
-          <p:nvPr/>
-        </p:nvSpPr>
-        <p:spPr>
-          <a:xfrm>
-            <a:off x="3672379" y="1896866"/>
-            <a:ext cx="3690851" cy="2859578"/>
-          </a:xfrm>
-          <a:prstGeom prst="rect">
-            <a:avLst/>
-          </a:prstGeom>
-          <a:solidFill>
-            <a:srgbClr val="FF0000"/>
-          </a:solidFill>
-        </p:spPr>
-        <p:style>
-          <a:lnRef idx="2">
-            <a:schemeClr val="accent1">
-              <a:shade val="50000"/>
-            </a:schemeClr>
-          </a:lnRef>
-          <a:fillRef idx="1">
-            <a:schemeClr val="accent1"/>
-          </a:fillRef>
-          <a:effectRef idx="0">
-            <a:schemeClr val="accent1"/>
-          </a:effectRef>
-          <a:fontRef idx="minor">
-            <a:schemeClr val="lt1"/>
-          </a:fontRef>
-        </p:style>
-        <p:txBody>
-          <a:bodyPr rtlCol="0" anchor="ctr"/>
-          <a:lstStyle/>
-          <a:p>
-            <a:pPr algn="ctr"/>
-            <a:r>
-              <a:rPr lang="en-US" sz="4400" dirty="0" smtClean="0"/>
-              <a:t>Memory Controller</a:t>
-            </a:r>
-            <a:endParaRPr lang="en-US" sz="4400" dirty="0"/>
-          </a:p>
-        </p:txBody>
-      </p:sp>
-      <p:sp>
-        <p:nvSpPr>
-          <p:cNvPr id="21" name="TextBox 20"/>
+          <p:cNvPr id="6" name="TextBox 5"/>
           <p:cNvSpPr txBox="1"/>
           <p:nvPr/>
         </p:nvSpPr>
         <p:spPr>
           <a:xfrm>
-            <a:off x="812528" y="2419203"/>
-            <a:ext cx="2607461" cy="1200329"/>
+            <a:off x="1080654" y="1690688"/>
+            <a:ext cx="10740044" cy="6124754"/>
           </a:xfrm>
           <a:prstGeom prst="rect">
             <a:avLst/>
@@ -9258,292 +10266,247 @@
           </a:bodyPr>
           <a:lstStyle/>
           <a:p>
-            <a:r>
-              <a:rPr lang="en-US" sz="2400" dirty="0" smtClean="0"/>
-              <a:t>Serial communication with peripheral</a:t>
-            </a:r>
-            <a:endParaRPr lang="en-US" sz="2400" dirty="0"/>
-          </a:p>
-        </p:txBody>
-      </p:sp>
-      <p:cxnSp>
-        <p:nvCxnSpPr>
-          <p:cNvPr id="5" name="Straight Arrow Connector 4"/>
-          <p:cNvCxnSpPr/>
-          <p:nvPr/>
-        </p:nvCxnSpPr>
-        <p:spPr>
-          <a:xfrm flipV="1">
-            <a:off x="4729314" y="5164530"/>
-            <a:ext cx="0" cy="1128107"/>
-          </a:xfrm>
-          <a:prstGeom prst="straightConnector1">
-            <a:avLst/>
-          </a:prstGeom>
-          <a:ln w="57150">
-            <a:headEnd type="triangle"/>
-            <a:tailEnd type="triangle"/>
-          </a:ln>
-        </p:spPr>
-        <p:style>
-          <a:lnRef idx="1">
-            <a:schemeClr val="accent1"/>
-          </a:lnRef>
-          <a:fillRef idx="0">
-            <a:schemeClr val="accent1"/>
-          </a:fillRef>
-          <a:effectRef idx="0">
-            <a:schemeClr val="accent1"/>
-          </a:effectRef>
-          <a:fontRef idx="minor">
-            <a:schemeClr val="tx1"/>
-          </a:fontRef>
-        </p:style>
-      </p:cxnSp>
-      <p:sp>
-        <p:nvSpPr>
-          <p:cNvPr id="6" name="TextBox 5"/>
-          <p:cNvSpPr txBox="1"/>
-          <p:nvPr/>
-        </p:nvSpPr>
-        <p:spPr>
-          <a:xfrm>
-            <a:off x="5084914" y="5503980"/>
-            <a:ext cx="4556632" cy="461665"/>
-          </a:xfrm>
-          <a:prstGeom prst="rect">
-            <a:avLst/>
-          </a:prstGeom>
-          <a:noFill/>
-        </p:spPr>
-        <p:txBody>
-          <a:bodyPr wrap="square" rtlCol="0">
-            <a:spAutoFit/>
-          </a:bodyPr>
-          <a:lstStyle>
-            <a:defPPr>
-              <a:defRPr lang="en-US"/>
-            </a:defPPr>
-            <a:lvl1pPr>
-              <a:defRPr sz="2400"/>
-            </a:lvl1pPr>
-          </a:lstStyle>
-          <a:p>
-            <a:r>
-              <a:rPr lang="en-US" dirty="0"/>
-              <a:t>Address/data Bus to Main Memory</a:t>
-            </a:r>
-          </a:p>
-        </p:txBody>
-      </p:sp>
-      <p:cxnSp>
-        <p:nvCxnSpPr>
-          <p:cNvPr id="9" name="Straight Arrow Connector 8"/>
-          <p:cNvCxnSpPr/>
-          <p:nvPr/>
-        </p:nvCxnSpPr>
-        <p:spPr>
-          <a:xfrm>
-            <a:off x="7663378" y="3313047"/>
-            <a:ext cx="3208712" cy="0"/>
-          </a:xfrm>
-          <a:prstGeom prst="straightConnector1">
-            <a:avLst/>
-          </a:prstGeom>
-          <a:ln w="57150">
-            <a:headEnd type="triangle"/>
-            <a:tailEnd type="triangle"/>
-          </a:ln>
-        </p:spPr>
-        <p:style>
-          <a:lnRef idx="1">
-            <a:schemeClr val="accent1"/>
-          </a:lnRef>
-          <a:fillRef idx="0">
-            <a:schemeClr val="accent1"/>
-          </a:fillRef>
-          <a:effectRef idx="0">
-            <a:schemeClr val="accent1"/>
-          </a:effectRef>
-          <a:fontRef idx="minor">
-            <a:schemeClr val="tx1"/>
-          </a:fontRef>
-        </p:style>
-      </p:cxnSp>
-      <p:cxnSp>
-        <p:nvCxnSpPr>
-          <p:cNvPr id="22" name="Straight Arrow Connector 21"/>
-          <p:cNvCxnSpPr/>
-          <p:nvPr/>
-        </p:nvCxnSpPr>
-        <p:spPr>
-          <a:xfrm flipV="1">
-            <a:off x="812528" y="3918790"/>
-            <a:ext cx="2407956" cy="7285"/>
-          </a:xfrm>
-          <a:prstGeom prst="straightConnector1">
-            <a:avLst/>
-          </a:prstGeom>
-          <a:ln w="57150">
-            <a:headEnd type="triangle"/>
-            <a:tailEnd type="triangle"/>
-          </a:ln>
-        </p:spPr>
-        <p:style>
-          <a:lnRef idx="1">
-            <a:schemeClr val="accent1"/>
-          </a:lnRef>
-          <a:fillRef idx="0">
-            <a:schemeClr val="accent1"/>
-          </a:fillRef>
-          <a:effectRef idx="0">
-            <a:schemeClr val="accent1"/>
-          </a:effectRef>
-          <a:fontRef idx="minor">
-            <a:schemeClr val="tx1"/>
-          </a:fontRef>
-        </p:style>
-      </p:cxnSp>
-      <p:sp>
-        <p:nvSpPr>
-          <p:cNvPr id="14" name="TextBox 13"/>
-          <p:cNvSpPr txBox="1"/>
-          <p:nvPr/>
-        </p:nvSpPr>
-        <p:spPr>
-          <a:xfrm>
-            <a:off x="7615949" y="2419203"/>
-            <a:ext cx="903132" cy="369332"/>
-          </a:xfrm>
-          <a:prstGeom prst="rect">
-            <a:avLst/>
-          </a:prstGeom>
-          <a:noFill/>
-        </p:spPr>
-        <p:txBody>
-          <a:bodyPr wrap="none" rtlCol="0">
-            <a:spAutoFit/>
-          </a:bodyPr>
-          <a:lstStyle/>
-          <a:p>
-            <a:r>
-              <a:rPr lang="en-US" dirty="0" smtClean="0"/>
-              <a:t>To CPU:</a:t>
-            </a:r>
-            <a:endParaRPr lang="en-US" dirty="0"/>
-          </a:p>
-        </p:txBody>
-      </p:sp>
-      <p:sp>
-        <p:nvSpPr>
-          <p:cNvPr id="26" name="TextBox 25"/>
-          <p:cNvSpPr txBox="1"/>
-          <p:nvPr/>
-        </p:nvSpPr>
-        <p:spPr>
-          <a:xfrm>
-            <a:off x="8243525" y="2779246"/>
-            <a:ext cx="2373278" cy="461665"/>
-          </a:xfrm>
-          <a:prstGeom prst="rect">
-            <a:avLst/>
-          </a:prstGeom>
-          <a:noFill/>
-        </p:spPr>
-        <p:txBody>
-          <a:bodyPr wrap="square" rtlCol="0">
-            <a:spAutoFit/>
-          </a:bodyPr>
-          <a:lstStyle>
-            <a:defPPr>
-              <a:defRPr lang="en-US"/>
-            </a:defPPr>
-            <a:lvl1pPr>
-              <a:defRPr sz="2400"/>
-            </a:lvl1pPr>
-          </a:lstStyle>
-          <a:p>
-            <a:r>
-              <a:rPr lang="en-US" dirty="0"/>
-              <a:t>Address/data Bus</a:t>
-            </a:r>
-          </a:p>
-        </p:txBody>
-      </p:sp>
-      <p:cxnSp>
-        <p:nvCxnSpPr>
-          <p:cNvPr id="27" name="Straight Arrow Connector 26"/>
-          <p:cNvCxnSpPr/>
-          <p:nvPr/>
-        </p:nvCxnSpPr>
-        <p:spPr>
-          <a:xfrm>
-            <a:off x="7713255" y="4196122"/>
-            <a:ext cx="3208712" cy="0"/>
-          </a:xfrm>
-          <a:prstGeom prst="straightConnector1">
-            <a:avLst/>
-          </a:prstGeom>
-          <a:ln w="57150">
-            <a:headEnd type="triangle"/>
-            <a:tailEnd type="triangle"/>
-          </a:ln>
-        </p:spPr>
-        <p:style>
-          <a:lnRef idx="1">
-            <a:schemeClr val="accent1"/>
-          </a:lnRef>
-          <a:fillRef idx="0">
-            <a:schemeClr val="accent1"/>
-          </a:fillRef>
-          <a:effectRef idx="0">
-            <a:schemeClr val="accent1"/>
-          </a:effectRef>
-          <a:fontRef idx="minor">
-            <a:schemeClr val="tx1"/>
-          </a:fontRef>
-        </p:style>
-      </p:cxnSp>
-      <p:sp>
-        <p:nvSpPr>
-          <p:cNvPr id="28" name="TextBox 27"/>
-          <p:cNvSpPr txBox="1"/>
-          <p:nvPr/>
-        </p:nvSpPr>
-        <p:spPr>
-          <a:xfrm>
-            <a:off x="8067515" y="3662320"/>
-            <a:ext cx="2549288" cy="461665"/>
-          </a:xfrm>
-          <a:prstGeom prst="rect">
-            <a:avLst/>
-          </a:prstGeom>
-          <a:noFill/>
-        </p:spPr>
-        <p:txBody>
-          <a:bodyPr wrap="square" rtlCol="0">
-            <a:spAutoFit/>
-          </a:bodyPr>
-          <a:lstStyle>
-            <a:defPPr>
-              <a:defRPr lang="en-US"/>
-            </a:defPPr>
-            <a:lvl1pPr>
-              <a:defRPr sz="2400"/>
-            </a:lvl1pPr>
-          </a:lstStyle>
-          <a:p>
-            <a:r>
-              <a:rPr lang="en-US" dirty="0"/>
-              <a:t>Control Signals Bus</a:t>
-            </a:r>
-          </a:p>
-        </p:txBody>
-      </p:sp>
+            <a:pPr marL="285750" indent="-285750">
+              <a:buFont typeface="Arial" panose="020B0604020202020204" pitchFamily="34" charset="0"/>
+              <a:buChar char="•"/>
+            </a:pPr>
+            <a:r>
+              <a:rPr lang="en-US" sz="2800" dirty="0" smtClean="0"/>
+              <a:t>Peripheral memory read – No error, cache miss/ cache hit clean</a:t>
+            </a:r>
+          </a:p>
+          <a:p>
+            <a:pPr marL="285750" indent="-285750">
+              <a:buFont typeface="Arial" panose="020B0604020202020204" pitchFamily="34" charset="0"/>
+              <a:buChar char="•"/>
+            </a:pPr>
+            <a:r>
+              <a:rPr lang="en-US" sz="2800" dirty="0" smtClean="0"/>
+              <a:t>Peripheral memory write – No error, cache miss/ cache hit clean</a:t>
+            </a:r>
+          </a:p>
+          <a:p>
+            <a:pPr marL="285750" indent="-285750">
+              <a:buFont typeface="Arial" panose="020B0604020202020204" pitchFamily="34" charset="0"/>
+              <a:buChar char="•"/>
+            </a:pPr>
+            <a:r>
+              <a:rPr lang="en-US" sz="2800" dirty="0" smtClean="0"/>
+              <a:t>Peripheral memory read – No error, cache hit Modified with retry</a:t>
+            </a:r>
+          </a:p>
+          <a:p>
+            <a:pPr marL="285750" indent="-285750">
+              <a:buFont typeface="Arial" panose="020B0604020202020204" pitchFamily="34" charset="0"/>
+              <a:buChar char="•"/>
+            </a:pPr>
+            <a:r>
+              <a:rPr lang="en-US" sz="2800" dirty="0" smtClean="0"/>
+              <a:t>Peripheral memory write – No error, cache hit Modified with retry </a:t>
+            </a:r>
+          </a:p>
+          <a:p>
+            <a:pPr marL="285750" indent="-285750">
+              <a:buFont typeface="Arial" panose="020B0604020202020204" pitchFamily="34" charset="0"/>
+              <a:buChar char="•"/>
+            </a:pPr>
+            <a:r>
+              <a:rPr lang="en-US" sz="2800" dirty="0" smtClean="0"/>
+              <a:t>Peripheral memory read – Error</a:t>
+            </a:r>
+          </a:p>
+          <a:p>
+            <a:pPr marL="285750" indent="-285750">
+              <a:buFont typeface="Arial" panose="020B0604020202020204" pitchFamily="34" charset="0"/>
+              <a:buChar char="•"/>
+            </a:pPr>
+            <a:r>
+              <a:rPr lang="en-US" sz="2800" dirty="0" smtClean="0"/>
+              <a:t>Peripheral memory write – Error</a:t>
+            </a:r>
+          </a:p>
+          <a:p>
+            <a:pPr marL="285750" indent="-285750">
+              <a:buFont typeface="Arial" panose="020B0604020202020204" pitchFamily="34" charset="0"/>
+              <a:buChar char="•"/>
+            </a:pPr>
+            <a:r>
+              <a:rPr lang="en-US" sz="2800" dirty="0" smtClean="0"/>
+              <a:t>Peripheral tries to read/write but bus held by MC.</a:t>
+            </a:r>
+          </a:p>
+          <a:p>
+            <a:pPr marL="285750" indent="-285750">
+              <a:buFont typeface="Arial" panose="020B0604020202020204" pitchFamily="34" charset="0"/>
+              <a:buChar char="•"/>
+            </a:pPr>
+            <a:r>
+              <a:rPr lang="en-US" sz="2800" dirty="0" smtClean="0"/>
+              <a:t>Peripheral tries to read/write but bus held by CPU, thru MC.</a:t>
+            </a:r>
+          </a:p>
+          <a:p>
+            <a:pPr marL="285750" indent="-285750">
+              <a:buFont typeface="Arial" panose="020B0604020202020204" pitchFamily="34" charset="0"/>
+              <a:buChar char="•"/>
+            </a:pPr>
+            <a:endParaRPr lang="en-US" sz="2800" dirty="0" smtClean="0"/>
+          </a:p>
+          <a:p>
+            <a:pPr marL="285750" indent="-285750">
+              <a:buFont typeface="Arial" panose="020B0604020202020204" pitchFamily="34" charset="0"/>
+              <a:buChar char="•"/>
+            </a:pPr>
+            <a:endParaRPr lang="en-US" sz="2800" dirty="0" smtClean="0"/>
+          </a:p>
+          <a:p>
+            <a:pPr marL="285750" indent="-285750">
+              <a:buFont typeface="Arial" panose="020B0604020202020204" pitchFamily="34" charset="0"/>
+              <a:buChar char="•"/>
+            </a:pPr>
+            <a:endParaRPr lang="en-US" sz="2800" dirty="0" smtClean="0"/>
+          </a:p>
+          <a:p>
+            <a:pPr marL="285750" indent="-285750">
+              <a:buFont typeface="Arial" panose="020B0604020202020204" pitchFamily="34" charset="0"/>
+              <a:buChar char="•"/>
+            </a:pPr>
+            <a:endParaRPr lang="en-US" sz="2800" dirty="0" smtClean="0"/>
+          </a:p>
+          <a:p>
+            <a:pPr marL="285750" indent="-285750">
+              <a:buFont typeface="Arial" panose="020B0604020202020204" pitchFamily="34" charset="0"/>
+              <a:buChar char="•"/>
+            </a:pPr>
+            <a:endParaRPr lang="en-US" sz="2800" dirty="0" smtClean="0"/>
+          </a:p>
+          <a:p>
+            <a:pPr marL="285750" indent="-285750">
+              <a:buFont typeface="Arial" panose="020B0604020202020204" pitchFamily="34" charset="0"/>
+              <a:buChar char="•"/>
+            </a:pPr>
+            <a:endParaRPr lang="en-US" sz="2800" dirty="0"/>
+          </a:p>
+        </p:txBody>
+      </p:sp>
+      <p:graphicFrame>
+        <p:nvGraphicFramePr>
+          <p:cNvPr id="3" name="Object 2"/>
+          <p:cNvGraphicFramePr>
+            <a:graphicFrameLocks noChangeAspect="1"/>
+          </p:cNvGraphicFramePr>
+          <p:nvPr>
+            <p:extLst>
+              <p:ext uri="{D42A27DB-BD31-4B8C-83A1-F6EECF244321}">
+                <p14:modId xmlns:p14="http://schemas.microsoft.com/office/powerpoint/2010/main" val="4252438361"/>
+              </p:ext>
+            </p:extLst>
+          </p:nvPr>
+        </p:nvGraphicFramePr>
+        <p:xfrm>
+          <a:off x="98425" y="98425"/>
+          <a:ext cx="1068388" cy="514350"/>
+        </p:xfrm>
+        <a:graphic>
+          <a:graphicData uri="http://schemas.openxmlformats.org/presentationml/2006/ole">
+            <mc:AlternateContent xmlns:mc="http://schemas.openxmlformats.org/markup-compatibility/2006">
+              <mc:Choice xmlns:v="urn:schemas-microsoft-com:vml" Requires="v">
+                <p:oleObj spid="_x0000_s1032" name="Packager Shell Object" showAsIcon="1" r:id="rId3" imgW="1068840" imgH="514800" progId="Package">
+                  <p:embed/>
+                </p:oleObj>
+              </mc:Choice>
+              <mc:Fallback>
+                <p:oleObj name="Packager Shell Object" showAsIcon="1" r:id="rId3" imgW="1068840" imgH="514800" progId="Package">
+                  <p:embed/>
+                  <p:pic>
+                    <p:nvPicPr>
+                      <p:cNvPr id="0" name=""/>
+                      <p:cNvPicPr/>
+                      <p:nvPr/>
+                    </p:nvPicPr>
+                    <p:blipFill>
+                      <a:blip r:embed="rId4"/>
+                      <a:stretch>
+                        <a:fillRect/>
+                      </a:stretch>
+                    </p:blipFill>
+                    <p:spPr>
+                      <a:xfrm>
+                        <a:off x="98425" y="98425"/>
+                        <a:ext cx="1068388" cy="514350"/>
+                      </a:xfrm>
+                      <a:prstGeom prst="rect">
+                        <a:avLst/>
+                      </a:prstGeom>
+                    </p:spPr>
+                  </p:pic>
+                </p:oleObj>
+              </mc:Fallback>
+            </mc:AlternateContent>
+          </a:graphicData>
+        </a:graphic>
+      </p:graphicFrame>
+      <p:graphicFrame>
+        <p:nvGraphicFramePr>
+          <p:cNvPr id="4" name="Object 3"/>
+          <p:cNvGraphicFramePr>
+            <a:graphicFrameLocks noChangeAspect="1"/>
+          </p:cNvGraphicFramePr>
+          <p:nvPr>
+            <p:extLst>
+              <p:ext uri="{D42A27DB-BD31-4B8C-83A1-F6EECF244321}">
+                <p14:modId xmlns:p14="http://schemas.microsoft.com/office/powerpoint/2010/main" val="3844528695"/>
+              </p:ext>
+            </p:extLst>
+          </p:nvPr>
+        </p:nvGraphicFramePr>
+        <p:xfrm>
+          <a:off x="196850" y="196850"/>
+          <a:ext cx="1068388" cy="514350"/>
+        </p:xfrm>
+        <a:graphic>
+          <a:graphicData uri="http://schemas.openxmlformats.org/presentationml/2006/ole">
+            <mc:AlternateContent xmlns:mc="http://schemas.openxmlformats.org/markup-compatibility/2006">
+              <mc:Choice xmlns:v="urn:schemas-microsoft-com:vml" Requires="v">
+                <p:oleObj spid="_x0000_s1033" name="Packager Shell Object" showAsIcon="1" r:id="rId5" imgW="1068840" imgH="514800" progId="Package">
+                  <p:embed/>
+                </p:oleObj>
+              </mc:Choice>
+              <mc:Fallback>
+                <p:oleObj name="Packager Shell Object" showAsIcon="1" r:id="rId5" imgW="1068840" imgH="514800" progId="Package">
+                  <p:embed/>
+                  <p:pic>
+                    <p:nvPicPr>
+                      <p:cNvPr id="0" name=""/>
+                      <p:cNvPicPr/>
+                      <p:nvPr/>
+                    </p:nvPicPr>
+                    <p:blipFill>
+                      <a:blip r:embed="rId6"/>
+                      <a:stretch>
+                        <a:fillRect/>
+                      </a:stretch>
+                    </p:blipFill>
+                    <p:spPr>
+                      <a:xfrm>
+                        <a:off x="196850" y="196850"/>
+                        <a:ext cx="1068388" cy="514350"/>
+                      </a:xfrm>
+                      <a:prstGeom prst="rect">
+                        <a:avLst/>
+                      </a:prstGeom>
+                    </p:spPr>
+                  </p:pic>
+                </p:oleObj>
+              </mc:Fallback>
+            </mc:AlternateContent>
+          </a:graphicData>
+        </a:graphic>
+      </p:graphicFrame>
     </p:spTree>
     <p:extLst>
       <p:ext uri="{BB962C8B-B14F-4D97-AF65-F5344CB8AC3E}">
-        <p14:creationId xmlns:p14="http://schemas.microsoft.com/office/powerpoint/2010/main" val="3699857399"/>
+        <p14:creationId xmlns:p14="http://schemas.microsoft.com/office/powerpoint/2010/main" val="1587516871"/>
       </p:ext>
     </p:extLst>
   </p:cSld>
@@ -9580,60 +10543,30 @@
             <p:ph type="title"/>
           </p:nvPr>
         </p:nvSpPr>
-        <p:spPr>
-          <a:xfrm>
-            <a:off x="517533" y="213900"/>
-            <a:ext cx="10515600" cy="1325563"/>
-          </a:xfrm>
-        </p:spPr>
-        <p:txBody>
-          <a:bodyPr/>
-          <a:lstStyle/>
-          <a:p>
-            <a:r>
-              <a:rPr lang="en-US" dirty="0" smtClean="0"/>
-              <a:t>Memory controller – Control signals</a:t>
-            </a:r>
-            <a:endParaRPr lang="en-US" dirty="0"/>
-          </a:p>
-        </p:txBody>
-      </p:sp>
-      <p:sp>
-        <p:nvSpPr>
-          <p:cNvPr id="4" name="TextBox 3"/>
+        <p:spPr/>
+        <p:txBody>
+          <a:bodyPr>
+            <a:normAutofit/>
+          </a:bodyPr>
+          <a:lstStyle/>
+          <a:p>
+            <a:r>
+              <a:rPr lang="en-US" sz="2800" dirty="0"/>
+              <a:t>Peripheral memory write – No error, cache miss/ cache hit clean</a:t>
+            </a:r>
+          </a:p>
+        </p:txBody>
+      </p:sp>
+      <p:sp>
+        <p:nvSpPr>
+          <p:cNvPr id="6" name="TextBox 5"/>
           <p:cNvSpPr txBox="1"/>
           <p:nvPr/>
         </p:nvSpPr>
         <p:spPr>
           <a:xfrm>
-            <a:off x="1524000" y="2116667"/>
-            <a:ext cx="184731" cy="369332"/>
-          </a:xfrm>
-          <a:prstGeom prst="rect">
-            <a:avLst/>
-          </a:prstGeom>
-          <a:noFill/>
-        </p:spPr>
-        <p:txBody>
-          <a:bodyPr wrap="none" rtlCol="0">
-            <a:spAutoFit/>
-          </a:bodyPr>
-          <a:lstStyle/>
-          <a:p>
-            <a:endParaRPr lang="en-US" dirty="0"/>
-          </a:p>
-        </p:txBody>
-      </p:sp>
-      <p:sp>
-        <p:nvSpPr>
-          <p:cNvPr id="5" name="TextBox 4"/>
-          <p:cNvSpPr txBox="1"/>
-          <p:nvPr/>
-        </p:nvSpPr>
-        <p:spPr>
-          <a:xfrm>
-            <a:off x="453500" y="1371600"/>
-            <a:ext cx="11738500" cy="5816977"/>
+            <a:off x="1080654" y="1690688"/>
+            <a:ext cx="10740044" cy="1815882"/>
           </a:xfrm>
           <a:prstGeom prst="rect">
             <a:avLst/>
@@ -9650,65 +10583,6 @@
               <a:buFont typeface="Arial" panose="020B0604020202020204" pitchFamily="34" charset="0"/>
               <a:buChar char="•"/>
             </a:pPr>
-            <a:r>
-              <a:rPr lang="en-US" sz="2800" dirty="0" smtClean="0"/>
-              <a:t>AHOLD – address hold: maintain </a:t>
-            </a:r>
-            <a:r>
-              <a:rPr lang="en-US" sz="2800" dirty="0" err="1" smtClean="0"/>
-              <a:t>memoryconsistency</a:t>
-            </a:r>
-            <a:endParaRPr lang="en-US" sz="2800" dirty="0" smtClean="0"/>
-          </a:p>
-          <a:p>
-            <a:r>
-              <a:rPr lang="en-US" sz="2800" dirty="0" smtClean="0"/>
-              <a:t>• EADS# - external address strobe: external; informs the processor of a valid address on its local bus to be snooped (internal cache lookup)</a:t>
-            </a:r>
-          </a:p>
-          <a:p>
-            <a:r>
-              <a:rPr lang="en-US" sz="2800" dirty="0" smtClean="0"/>
-              <a:t>• input INV – invalidate: external; informs the processor to leave cache line valid or mark it invalid on a snoop hit</a:t>
-            </a:r>
-          </a:p>
-          <a:p>
-            <a:r>
-              <a:rPr lang="en-US" sz="2800" dirty="0" smtClean="0"/>
-              <a:t>• </a:t>
-            </a:r>
-            <a:r>
-              <a:rPr lang="en-US" sz="2800" dirty="0" err="1" smtClean="0"/>
-              <a:t>inout</a:t>
-            </a:r>
-            <a:r>
-              <a:rPr lang="en-US" sz="2800" dirty="0" smtClean="0"/>
-              <a:t> HIT# - hit on internal cache – notify other processors that information is shared by another cache</a:t>
-            </a:r>
-          </a:p>
-          <a:p>
-            <a:r>
-              <a:rPr lang="en-US" sz="2800" dirty="0" smtClean="0"/>
-              <a:t>• </a:t>
-            </a:r>
-            <a:r>
-              <a:rPr lang="en-US" sz="2800" dirty="0" err="1" smtClean="0"/>
-              <a:t>inout</a:t>
-            </a:r>
-            <a:r>
-              <a:rPr lang="en-US" sz="2800" dirty="0" smtClean="0"/>
-              <a:t> HITM# - hit modified line: hit to a modified line </a:t>
-            </a:r>
-            <a:r>
-              <a:rPr lang="en-US" sz="2800" dirty="0" err="1" smtClean="0"/>
-              <a:t>incache</a:t>
-            </a:r>
-            <a:r>
-              <a:rPr lang="en-US" sz="2800" dirty="0" smtClean="0"/>
-              <a:t>, write-back required</a:t>
-            </a:r>
-          </a:p>
-          <a:p>
             <a:endParaRPr lang="en-US" sz="2800" dirty="0" smtClean="0"/>
           </a:p>
           <a:p>
@@ -9716,34 +10590,52 @@
               <a:buFont typeface="Arial" panose="020B0604020202020204" pitchFamily="34" charset="0"/>
               <a:buChar char="•"/>
             </a:pPr>
-            <a:r>
-              <a:rPr lang="en-US" sz="2800" dirty="0" smtClean="0"/>
-              <a:t> PBGNT# - private bus grant: asserted to grant bus ownership </a:t>
-            </a:r>
-          </a:p>
-          <a:p>
-            <a:r>
-              <a:rPr lang="en-US" sz="2800" dirty="0" smtClean="0"/>
-              <a:t>• </a:t>
-            </a:r>
-            <a:r>
-              <a:rPr lang="en-US" sz="2800" dirty="0" err="1" smtClean="0"/>
-              <a:t>inout</a:t>
-            </a:r>
-            <a:r>
-              <a:rPr lang="en-US" sz="2800" dirty="0" smtClean="0"/>
-              <a:t> PBREQ# - private bus request: asserted to request bus ownership</a:t>
-            </a:r>
-          </a:p>
-          <a:p>
-            <a:endParaRPr lang="en-US" sz="3600" dirty="0"/>
-          </a:p>
-        </p:txBody>
-      </p:sp>
+            <a:endParaRPr lang="en-US" sz="2800" dirty="0" smtClean="0"/>
+          </a:p>
+          <a:p>
+            <a:pPr marL="285750" indent="-285750">
+              <a:buFont typeface="Arial" panose="020B0604020202020204" pitchFamily="34" charset="0"/>
+              <a:buChar char="•"/>
+            </a:pPr>
+            <a:endParaRPr lang="en-US" sz="2800" dirty="0" smtClean="0"/>
+          </a:p>
+          <a:p>
+            <a:pPr marL="285750" indent="-285750">
+              <a:buFont typeface="Arial" panose="020B0604020202020204" pitchFamily="34" charset="0"/>
+              <a:buChar char="•"/>
+            </a:pPr>
+            <a:endParaRPr lang="en-US" sz="2800" dirty="0"/>
+          </a:p>
+        </p:txBody>
+      </p:sp>
+      <p:pic>
+        <p:nvPicPr>
+          <p:cNvPr id="5" name="Picture 4"/>
+          <p:cNvPicPr>
+            <a:picLocks noChangeAspect="1"/>
+          </p:cNvPicPr>
+          <p:nvPr/>
+        </p:nvPicPr>
+        <p:blipFill>
+          <a:blip r:embed="rId2"/>
+          <a:stretch>
+            <a:fillRect/>
+          </a:stretch>
+        </p:blipFill>
+        <p:spPr>
+          <a:xfrm>
+            <a:off x="1080654" y="1415617"/>
+            <a:ext cx="9110911" cy="5075485"/>
+          </a:xfrm>
+          <a:prstGeom prst="rect">
+            <a:avLst/>
+          </a:prstGeom>
+        </p:spPr>
+      </p:pic>
     </p:spTree>
     <p:extLst>
       <p:ext uri="{BB962C8B-B14F-4D97-AF65-F5344CB8AC3E}">
-        <p14:creationId xmlns:p14="http://schemas.microsoft.com/office/powerpoint/2010/main" val="3026884009"/>
+        <p14:creationId xmlns:p14="http://schemas.microsoft.com/office/powerpoint/2010/main" val="1281530610"/>
       </p:ext>
     </p:extLst>
   </p:cSld>

--- a/Diseno_final_arq.pptx
+++ b/Diseno_final_arq.pptx
@@ -7014,11 +7014,7 @@
           <a:p>
             <a:r>
               <a:rPr lang="en-US" dirty="0" smtClean="0"/>
-              <a:t>Peripheral </a:t>
-            </a:r>
-            <a:r>
-              <a:rPr lang="en-US" dirty="0" smtClean="0"/>
-              <a:t>component – Block Diagram</a:t>
+              <a:t>Peripheral component – Block Diagram</a:t>
             </a:r>
             <a:endParaRPr lang="en-US" dirty="0"/>
           </a:p>
@@ -7867,9 +7863,9 @@
         <p:grpSpPr>
           <a:xfrm>
             <a:off x="5326602" y="5057785"/>
-            <a:ext cx="2312780" cy="2031325"/>
+            <a:ext cx="2312780" cy="2308324"/>
             <a:chOff x="7865000" y="2728710"/>
-            <a:chExt cx="2312780" cy="2031325"/>
+            <a:chExt cx="2312780" cy="2308324"/>
           </a:xfrm>
         </p:grpSpPr>
         <p:cxnSp>
@@ -7914,7 +7910,7 @@
           <p:spPr>
             <a:xfrm>
               <a:off x="7865000" y="2728710"/>
-              <a:ext cx="1450491" cy="2031325"/>
+              <a:ext cx="1450491" cy="2308324"/>
             </a:xfrm>
             <a:prstGeom prst="rect">
               <a:avLst/>
@@ -7929,8 +7925,13 @@
             <a:p>
               <a:r>
                 <a:rPr lang="en-US" dirty="0" smtClean="0"/>
-                <a:t>Data read</a:t>
+                <a:t>Data </a:t>
               </a:r>
+              <a:r>
+                <a:rPr lang="en-US" dirty="0" smtClean="0"/>
+                <a:t>read/write</a:t>
+              </a:r>
+              <a:endParaRPr lang="en-US" dirty="0" smtClean="0"/>
             </a:p>
             <a:p>
               <a:r>
@@ -8377,9 +8378,10 @@
               <a:buChar char="•"/>
             </a:pPr>
             <a:r>
-              <a:rPr lang="en-US" dirty="0"/>
-              <a:t>ready 0xFFF2</a:t>
-            </a:r>
+              <a:rPr lang="en-US" dirty="0" smtClean="0"/>
+              <a:t>ACK 0xFFF2</a:t>
+            </a:r>
+            <a:endParaRPr lang="en-US" dirty="0"/>
           </a:p>
           <a:p>
             <a:pPr marL="1200150" lvl="2" indent="-285750">
@@ -8387,9 +8389,10 @@
               <a:buChar char="•"/>
             </a:pPr>
             <a:r>
-              <a:rPr lang="en-US" dirty="0"/>
-              <a:t>retransmit 0xFFF3</a:t>
-            </a:r>
+              <a:rPr lang="en-US" dirty="0" smtClean="0"/>
+              <a:t>Error – retry 0xFFF3</a:t>
+            </a:r>
+            <a:endParaRPr lang="en-US" dirty="0"/>
           </a:p>
           <a:p>
             <a:endParaRPr lang="en-US" dirty="0"/>
@@ -9181,7 +9184,7 @@
         </p:blipFill>
         <p:spPr>
           <a:xfrm>
-            <a:off x="0" y="2462892"/>
+            <a:off x="-34457" y="2533913"/>
             <a:ext cx="10725150" cy="4076700"/>
           </a:xfrm>
           <a:prstGeom prst="rect">
@@ -9244,8 +9247,8 @@
         </p:nvSpPr>
         <p:spPr>
           <a:xfrm>
-            <a:off x="6277069" y="2462892"/>
-            <a:ext cx="5548415" cy="2031325"/>
+            <a:off x="6277069" y="2231868"/>
+            <a:ext cx="5548415" cy="2308324"/>
           </a:xfrm>
           <a:prstGeom prst="rect">
             <a:avLst/>
@@ -9303,7 +9306,25 @@
                   </a:schemeClr>
                 </a:solidFill>
               </a:rPr>
-              <a:t>:  If MC replies with WAIT or ERROR-Retransmit, retry goes to MSG again, latched </a:t>
+              <a:t>:  If MC replies with WAIT or ERROR-Retransmit, retry goes to </a:t>
+            </a:r>
+            <a:r>
+              <a:rPr lang="en-US" dirty="0" smtClean="0">
+                <a:solidFill>
+                  <a:srgbClr val="7030A0"/>
+                </a:solidFill>
+              </a:rPr>
+              <a:t>MSG</a:t>
+            </a:r>
+            <a:r>
+              <a:rPr lang="en-US" dirty="0" smtClean="0">
+                <a:solidFill>
+                  <a:schemeClr val="accent2">
+                    <a:lumMod val="75000"/>
+                  </a:schemeClr>
+                </a:solidFill>
+              </a:rPr>
+              <a:t> again, latched </a:t>
             </a:r>
             <a:r>
               <a:rPr lang="en-US" dirty="0" err="1" smtClean="0">
@@ -9323,17 +9344,7 @@
                   </a:schemeClr>
                 </a:solidFill>
               </a:rPr>
-              <a:t> is sent again</a:t>
-            </a:r>
-          </a:p>
-          <a:p>
-            <a:r>
-              <a:rPr lang="en-US" dirty="0" smtClean="0">
-                <a:solidFill>
-                  <a:srgbClr val="7030A0"/>
-                </a:solidFill>
-              </a:rPr>
-              <a:t>RECEIVE</a:t>
+              <a:t> is sent </a:t>
             </a:r>
             <a:r>
               <a:rPr lang="en-US" dirty="0" smtClean="0">
@@ -9343,7 +9354,19 @@
                   </a:schemeClr>
                 </a:solidFill>
               </a:rPr>
-              <a:t>:  </a:t>
+              <a:t>again.</a:t>
+            </a:r>
+          </a:p>
+          <a:p>
+            <a:r>
+              <a:rPr lang="en-US" dirty="0" smtClean="0">
+                <a:solidFill>
+                  <a:schemeClr val="accent2">
+                    <a:lumMod val="75000"/>
+                  </a:schemeClr>
+                </a:solidFill>
+              </a:rPr>
+              <a:t>If </a:t>
             </a:r>
             <a:r>
               <a:rPr lang="en-US" dirty="0">
@@ -9353,15 +9376,25 @@
                   </a:schemeClr>
                 </a:solidFill>
               </a:rPr>
-              <a:t>If MC replies with </a:t>
-            </a:r>
-            <a:r>
-              <a:rPr lang="en-US" dirty="0" smtClean="0">
+              <a:t>MC replies with </a:t>
+            </a:r>
+            <a:r>
+              <a:rPr lang="en-US" dirty="0">
                 <a:solidFill>
                   <a:srgbClr val="00B0F0"/>
                 </a:solidFill>
               </a:rPr>
               <a:t>ACK</a:t>
+            </a:r>
+            <a:r>
+              <a:rPr lang="en-US" dirty="0">
+                <a:solidFill>
+                  <a:schemeClr val="accent2">
+                    <a:lumMod val="75000"/>
+                  </a:schemeClr>
+                </a:solidFill>
+              </a:rPr>
+              <a:t> </a:t>
             </a:r>
             <a:r>
               <a:rPr lang="en-US" dirty="0" smtClean="0">
@@ -9371,7 +9404,52 @@
                   </a:schemeClr>
                 </a:solidFill>
               </a:rPr>
-              <a:t> latches </a:t>
+              <a:t>, goes to </a:t>
+            </a:r>
+            <a:r>
+              <a:rPr lang="en-US" dirty="0" smtClean="0">
+                <a:solidFill>
+                  <a:srgbClr val="7030A0"/>
+                </a:solidFill>
+              </a:rPr>
+              <a:t>RECEIVE</a:t>
+            </a:r>
+            <a:r>
+              <a:rPr lang="en-US" dirty="0" smtClean="0">
+                <a:solidFill>
+                  <a:schemeClr val="accent2">
+                    <a:lumMod val="75000"/>
+                  </a:schemeClr>
+                </a:solidFill>
+              </a:rPr>
+              <a:t>.</a:t>
+            </a:r>
+            <a:endParaRPr lang="en-US" dirty="0" smtClean="0">
+              <a:solidFill>
+                <a:schemeClr val="accent2">
+                  <a:lumMod val="75000"/>
+                </a:schemeClr>
+              </a:solidFill>
+            </a:endParaRPr>
+          </a:p>
+          <a:p>
+            <a:r>
+              <a:rPr lang="en-US" dirty="0" smtClean="0">
+                <a:solidFill>
+                  <a:srgbClr val="7030A0"/>
+                </a:solidFill>
+              </a:rPr>
+              <a:t>RECEIVE: </a:t>
+            </a:r>
+            <a:r>
+              <a:rPr lang="en-US" dirty="0" smtClean="0">
+                <a:solidFill>
+                  <a:schemeClr val="accent2">
+                    <a:lumMod val="75000"/>
+                  </a:schemeClr>
+                </a:solidFill>
+              </a:rPr>
+              <a:t>Latches </a:t>
             </a:r>
             <a:r>
               <a:rPr lang="en-US" dirty="0" smtClean="0">
@@ -9449,6 +9527,34 @@
               </a:rPr>
               <a:t> instruction. </a:t>
             </a:r>
+            <a:r>
+              <a:rPr lang="en-US" dirty="0" smtClean="0">
+                <a:solidFill>
+                  <a:schemeClr val="accent2">
+                    <a:lumMod val="75000"/>
+                  </a:schemeClr>
+                </a:solidFill>
+              </a:rPr>
+              <a:t>And goes to </a:t>
+            </a:r>
+            <a:r>
+              <a:rPr lang="en-US" dirty="0" smtClean="0">
+                <a:solidFill>
+                  <a:srgbClr val="7030A0"/>
+                </a:solidFill>
+              </a:rPr>
+              <a:t>IDLE</a:t>
+            </a:r>
+            <a:r>
+              <a:rPr lang="en-US" dirty="0" smtClean="0">
+                <a:solidFill>
+                  <a:schemeClr val="accent2">
+                    <a:lumMod val="75000"/>
+                  </a:schemeClr>
+                </a:solidFill>
+              </a:rPr>
+              <a:t>.</a:t>
+            </a:r>
             <a:endParaRPr lang="en-US" dirty="0">
               <a:solidFill>
                 <a:schemeClr val="accent2">
@@ -9556,8 +9662,8 @@
         </p:nvSpPr>
         <p:spPr>
           <a:xfrm>
-            <a:off x="3726545" y="2973047"/>
-            <a:ext cx="1830875" cy="1200329"/>
+            <a:off x="3662776" y="3019406"/>
+            <a:ext cx="2382916" cy="1200329"/>
           </a:xfrm>
           <a:prstGeom prst="rect">
             <a:avLst/>
@@ -9617,6 +9723,64 @@
                 </a:solidFill>
               </a:rPr>
               <a:t>TxDone</a:t>
+            </a:r>
+            <a:r>
+              <a:rPr lang="en-US" dirty="0" smtClean="0">
+                <a:solidFill>
+                  <a:schemeClr val="accent2">
+                    <a:lumMod val="75000"/>
+                  </a:schemeClr>
+                </a:solidFill>
+              </a:rPr>
+              <a:t> and goes to </a:t>
+            </a:r>
+            <a:r>
+              <a:rPr lang="en-US" dirty="0" smtClean="0">
+                <a:solidFill>
+                  <a:srgbClr val="7030A0"/>
+                </a:solidFill>
+              </a:rPr>
+              <a:t>CONFIRM</a:t>
+            </a:r>
+            <a:endParaRPr lang="en-US" dirty="0">
+              <a:solidFill>
+                <a:srgbClr val="7030A0"/>
+              </a:solidFill>
+            </a:endParaRPr>
+          </a:p>
+        </p:txBody>
+      </p:sp>
+      <p:sp>
+        <p:nvSpPr>
+          <p:cNvPr id="3" name="TextBox 2"/>
+          <p:cNvSpPr txBox="1"/>
+          <p:nvPr/>
+        </p:nvSpPr>
+        <p:spPr>
+          <a:xfrm>
+            <a:off x="2194263" y="3478554"/>
+            <a:ext cx="685188" cy="369332"/>
+          </a:xfrm>
+          <a:prstGeom prst="rect">
+            <a:avLst/>
+          </a:prstGeom>
+          <a:noFill/>
+        </p:spPr>
+        <p:txBody>
+          <a:bodyPr wrap="none" rtlCol="0">
+            <a:spAutoFit/>
+          </a:bodyPr>
+          <a:lstStyle/>
+          <a:p>
+            <a:r>
+              <a:rPr lang="en-US" dirty="0" err="1" smtClean="0">
+                <a:solidFill>
+                  <a:schemeClr val="accent2">
+                    <a:lumMod val="75000"/>
+                  </a:schemeClr>
+                </a:solidFill>
+              </a:rPr>
+              <a:t>iStart</a:t>
             </a:r>
             <a:endParaRPr lang="en-US" dirty="0">
               <a:solidFill>
@@ -10411,7 +10575,7 @@
           <a:graphicData uri="http://schemas.openxmlformats.org/presentationml/2006/ole">
             <mc:AlternateContent xmlns:mc="http://schemas.openxmlformats.org/markup-compatibility/2006">
               <mc:Choice xmlns:v="urn:schemas-microsoft-com:vml" Requires="v">
-                <p:oleObj spid="_x0000_s1032" name="Packager Shell Object" showAsIcon="1" r:id="rId3" imgW="1068840" imgH="514800" progId="Package">
+                <p:oleObj spid="_x0000_s1044" name="Packager Shell Object" showAsIcon="1" r:id="rId3" imgW="1068840" imgH="514800" progId="Package">
                   <p:embed/>
                 </p:oleObj>
               </mc:Choice>
@@ -10468,7 +10632,7 @@
           <a:graphicData uri="http://schemas.openxmlformats.org/presentationml/2006/ole">
             <mc:AlternateContent xmlns:mc="http://schemas.openxmlformats.org/markup-compatibility/2006">
               <mc:Choice xmlns:v="urn:schemas-microsoft-com:vml" Requires="v">
-                <p:oleObj spid="_x0000_s1033" name="Packager Shell Object" showAsIcon="1" r:id="rId5" imgW="1068840" imgH="514800" progId="Package">
+                <p:oleObj spid="_x0000_s1045" name="Packager Shell Object" showAsIcon="1" r:id="rId5" imgW="1068840" imgH="514800" progId="Package">
                   <p:embed/>
                 </p:oleObj>
               </mc:Choice>

--- a/Diseno_final_arq.pptx
+++ b/Diseno_final_arq.pptx
@@ -5,7 +5,7 @@
     <p:sldMasterId id="2147483648" r:id="rId1"/>
   </p:sldMasterIdLst>
   <p:notesMasterIdLst>
-    <p:notesMasterId r:id="rId26"/>
+    <p:notesMasterId r:id="rId32"/>
   </p:notesMasterIdLst>
   <p:sldIdLst>
     <p:sldId id="256" r:id="rId2"/>
@@ -14,24 +14,30 @@
     <p:sldId id="276" r:id="rId5"/>
     <p:sldId id="275" r:id="rId6"/>
     <p:sldId id="277" r:id="rId7"/>
-    <p:sldId id="278" r:id="rId8"/>
-    <p:sldId id="259" r:id="rId9"/>
-    <p:sldId id="279" r:id="rId10"/>
-    <p:sldId id="281" r:id="rId11"/>
-    <p:sldId id="261" r:id="rId12"/>
-    <p:sldId id="264" r:id="rId13"/>
-    <p:sldId id="266" r:id="rId14"/>
-    <p:sldId id="263" r:id="rId15"/>
-    <p:sldId id="267" r:id="rId16"/>
-    <p:sldId id="268" r:id="rId17"/>
-    <p:sldId id="269" r:id="rId18"/>
-    <p:sldId id="270" r:id="rId19"/>
-    <p:sldId id="271" r:id="rId20"/>
-    <p:sldId id="272" r:id="rId21"/>
-    <p:sldId id="273" r:id="rId22"/>
-    <p:sldId id="274" r:id="rId23"/>
-    <p:sldId id="258" r:id="rId24"/>
-    <p:sldId id="262" r:id="rId25"/>
+    <p:sldId id="287" r:id="rId8"/>
+    <p:sldId id="278" r:id="rId9"/>
+    <p:sldId id="285" r:id="rId10"/>
+    <p:sldId id="286" r:id="rId11"/>
+    <p:sldId id="259" r:id="rId12"/>
+    <p:sldId id="279" r:id="rId13"/>
+    <p:sldId id="281" r:id="rId14"/>
+    <p:sldId id="261" r:id="rId15"/>
+    <p:sldId id="264" r:id="rId16"/>
+    <p:sldId id="266" r:id="rId17"/>
+    <p:sldId id="263" r:id="rId18"/>
+    <p:sldId id="267" r:id="rId19"/>
+    <p:sldId id="282" r:id="rId20"/>
+    <p:sldId id="269" r:id="rId21"/>
+    <p:sldId id="284" r:id="rId22"/>
+    <p:sldId id="271" r:id="rId23"/>
+    <p:sldId id="283" r:id="rId24"/>
+    <p:sldId id="288" r:id="rId25"/>
+    <p:sldId id="272" r:id="rId26"/>
+    <p:sldId id="273" r:id="rId27"/>
+    <p:sldId id="274" r:id="rId28"/>
+    <p:sldId id="270" r:id="rId29"/>
+    <p:sldId id="258" r:id="rId30"/>
+    <p:sldId id="262" r:id="rId31"/>
   </p:sldIdLst>
   <p:sldSz cx="12192000" cy="6858000"/>
   <p:notesSz cx="6858000" cy="9144000"/>
@@ -220,7 +226,7 @@
           <a:p>
             <a:fld id="{ABCDD738-BB78-426C-A54A-7EFE3D750394}" type="datetimeFigureOut">
               <a:rPr lang="en-US" smtClean="0"/>
-              <a:t>2017-11-26</a:t>
+              <a:t>11/26/2017</a:t>
             </a:fld>
             <a:endParaRPr lang="en-US"/>
           </a:p>
@@ -656,6 +662,90 @@
 </p:notes>
 </file>
 
+<file path=ppt/notesSlides/notesSlide3.xml><?xml version="1.0" encoding="utf-8"?>
+<p:notes xmlns:a="http://schemas.openxmlformats.org/drawingml/2006/main" xmlns:r="http://schemas.openxmlformats.org/officeDocument/2006/relationships" xmlns:p="http://schemas.openxmlformats.org/presentationml/2006/main">
+  <p:cSld>
+    <p:spTree>
+      <p:nvGrpSpPr>
+        <p:cNvPr id="1" name=""/>
+        <p:cNvGrpSpPr/>
+        <p:nvPr/>
+      </p:nvGrpSpPr>
+      <p:grpSpPr>
+        <a:xfrm>
+          <a:off x="0" y="0"/>
+          <a:ext cx="0" cy="0"/>
+          <a:chOff x="0" y="0"/>
+          <a:chExt cx="0" cy="0"/>
+        </a:xfrm>
+      </p:grpSpPr>
+      <p:sp>
+        <p:nvSpPr>
+          <p:cNvPr id="2" name="Slide Image Placeholder 1"/>
+          <p:cNvSpPr>
+            <a:spLocks noGrp="1" noRot="1" noChangeAspect="1"/>
+          </p:cNvSpPr>
+          <p:nvPr>
+            <p:ph type="sldImg"/>
+          </p:nvPr>
+        </p:nvSpPr>
+        <p:spPr/>
+      </p:sp>
+      <p:sp>
+        <p:nvSpPr>
+          <p:cNvPr id="3" name="Notes Placeholder 2"/>
+          <p:cNvSpPr>
+            <a:spLocks noGrp="1"/>
+          </p:cNvSpPr>
+          <p:nvPr>
+            <p:ph type="body" idx="1"/>
+          </p:nvPr>
+        </p:nvSpPr>
+        <p:spPr/>
+        <p:txBody>
+          <a:bodyPr/>
+          <a:lstStyle/>
+          <a:p>
+            <a:endParaRPr lang="en-US" dirty="0"/>
+          </a:p>
+        </p:txBody>
+      </p:sp>
+      <p:sp>
+        <p:nvSpPr>
+          <p:cNvPr id="4" name="Slide Number Placeholder 3"/>
+          <p:cNvSpPr>
+            <a:spLocks noGrp="1"/>
+          </p:cNvSpPr>
+          <p:nvPr>
+            <p:ph type="sldNum" sz="quarter" idx="10"/>
+          </p:nvPr>
+        </p:nvSpPr>
+        <p:spPr/>
+        <p:txBody>
+          <a:bodyPr/>
+          <a:lstStyle/>
+          <a:p>
+            <a:fld id="{9DB63043-0A42-408D-8BF0-9023CF0FCA8E}" type="slidenum">
+              <a:rPr lang="en-US" smtClean="0"/>
+              <a:t>7</a:t>
+            </a:fld>
+            <a:endParaRPr lang="en-US"/>
+          </a:p>
+        </p:txBody>
+      </p:sp>
+    </p:spTree>
+    <p:extLst>
+      <p:ext uri="{BB962C8B-B14F-4D97-AF65-F5344CB8AC3E}">
+        <p14:creationId xmlns:p14="http://schemas.microsoft.com/office/powerpoint/2010/main" val="3551113634"/>
+      </p:ext>
+    </p:extLst>
+  </p:cSld>
+  <p:clrMapOvr>
+    <a:masterClrMapping/>
+  </p:clrMapOvr>
+</p:notes>
+</file>
+
 <file path=ppt/slideLayouts/slideLayout1.xml><?xml version="1.0" encoding="utf-8"?>
 <p:sldLayout xmlns:a="http://schemas.openxmlformats.org/drawingml/2006/main" xmlns:r="http://schemas.openxmlformats.org/officeDocument/2006/relationships" xmlns:p="http://schemas.openxmlformats.org/presentationml/2006/main" type="title" preserve="1">
   <p:cSld name="Title Slide">
@@ -787,7 +877,7 @@
           <a:p>
             <a:fld id="{F9B72CBB-1288-4842-AA06-310D4B843B5A}" type="datetimeFigureOut">
               <a:rPr lang="en-US" smtClean="0"/>
-              <a:t>2017-11-26</a:t>
+              <a:t>11/26/2017</a:t>
             </a:fld>
             <a:endParaRPr lang="en-US"/>
           </a:p>
@@ -957,7 +1047,7 @@
           <a:p>
             <a:fld id="{F9B72CBB-1288-4842-AA06-310D4B843B5A}" type="datetimeFigureOut">
               <a:rPr lang="en-US" smtClean="0"/>
-              <a:t>2017-11-26</a:t>
+              <a:t>11/26/2017</a:t>
             </a:fld>
             <a:endParaRPr lang="en-US"/>
           </a:p>
@@ -1137,7 +1227,7 @@
           <a:p>
             <a:fld id="{F9B72CBB-1288-4842-AA06-310D4B843B5A}" type="datetimeFigureOut">
               <a:rPr lang="en-US" smtClean="0"/>
-              <a:t>2017-11-26</a:t>
+              <a:t>11/26/2017</a:t>
             </a:fld>
             <a:endParaRPr lang="en-US"/>
           </a:p>
@@ -1307,7 +1397,7 @@
           <a:p>
             <a:fld id="{F9B72CBB-1288-4842-AA06-310D4B843B5A}" type="datetimeFigureOut">
               <a:rPr lang="en-US" smtClean="0"/>
-              <a:t>2017-11-26</a:t>
+              <a:t>11/26/2017</a:t>
             </a:fld>
             <a:endParaRPr lang="en-US"/>
           </a:p>
@@ -1553,7 +1643,7 @@
           <a:p>
             <a:fld id="{F9B72CBB-1288-4842-AA06-310D4B843B5A}" type="datetimeFigureOut">
               <a:rPr lang="en-US" smtClean="0"/>
-              <a:t>2017-11-26</a:t>
+              <a:t>11/26/2017</a:t>
             </a:fld>
             <a:endParaRPr lang="en-US"/>
           </a:p>
@@ -1785,7 +1875,7 @@
           <a:p>
             <a:fld id="{F9B72CBB-1288-4842-AA06-310D4B843B5A}" type="datetimeFigureOut">
               <a:rPr lang="en-US" smtClean="0"/>
-              <a:t>2017-11-26</a:t>
+              <a:t>11/26/2017</a:t>
             </a:fld>
             <a:endParaRPr lang="en-US"/>
           </a:p>
@@ -2152,7 +2242,7 @@
           <a:p>
             <a:fld id="{F9B72CBB-1288-4842-AA06-310D4B843B5A}" type="datetimeFigureOut">
               <a:rPr lang="en-US" smtClean="0"/>
-              <a:t>2017-11-26</a:t>
+              <a:t>11/26/2017</a:t>
             </a:fld>
             <a:endParaRPr lang="en-US"/>
           </a:p>
@@ -2270,7 +2360,7 @@
           <a:p>
             <a:fld id="{F9B72CBB-1288-4842-AA06-310D4B843B5A}" type="datetimeFigureOut">
               <a:rPr lang="en-US" smtClean="0"/>
-              <a:t>2017-11-26</a:t>
+              <a:t>11/26/2017</a:t>
             </a:fld>
             <a:endParaRPr lang="en-US"/>
           </a:p>
@@ -2365,7 +2455,7 @@
           <a:p>
             <a:fld id="{F9B72CBB-1288-4842-AA06-310D4B843B5A}" type="datetimeFigureOut">
               <a:rPr lang="en-US" smtClean="0"/>
-              <a:t>2017-11-26</a:t>
+              <a:t>11/26/2017</a:t>
             </a:fld>
             <a:endParaRPr lang="en-US"/>
           </a:p>
@@ -2642,7 +2732,7 @@
           <a:p>
             <a:fld id="{F9B72CBB-1288-4842-AA06-310D4B843B5A}" type="datetimeFigureOut">
               <a:rPr lang="en-US" smtClean="0"/>
-              <a:t>2017-11-26</a:t>
+              <a:t>11/26/2017</a:t>
             </a:fld>
             <a:endParaRPr lang="en-US"/>
           </a:p>
@@ -2895,7 +2985,7 @@
           <a:p>
             <a:fld id="{F9B72CBB-1288-4842-AA06-310D4B843B5A}" type="datetimeFigureOut">
               <a:rPr lang="en-US" smtClean="0"/>
-              <a:t>2017-11-26</a:t>
+              <a:t>11/26/2017</a:t>
             </a:fld>
             <a:endParaRPr lang="en-US"/>
           </a:p>
@@ -3108,7 +3198,7 @@
           <a:p>
             <a:fld id="{F9B72CBB-1288-4842-AA06-310D4B843B5A}" type="datetimeFigureOut">
               <a:rPr lang="en-US" smtClean="0"/>
-              <a:t>2017-11-26</a:t>
+              <a:t>11/26/2017</a:t>
             </a:fld>
             <a:endParaRPr lang="en-US"/>
           </a:p>
@@ -3640,38 +3730,9 @@
           <a:chExt cx="0" cy="0"/>
         </a:xfrm>
       </p:grpSpPr>
-      <p:sp>
-        <p:nvSpPr>
-          <p:cNvPr id="2" name="Title 1"/>
-          <p:cNvSpPr>
-            <a:spLocks noGrp="1"/>
-          </p:cNvSpPr>
-          <p:nvPr>
-            <p:ph type="title"/>
-          </p:nvPr>
-        </p:nvSpPr>
-        <p:spPr/>
-        <p:txBody>
-          <a:bodyPr>
-            <a:normAutofit/>
-          </a:bodyPr>
-          <a:lstStyle/>
-          <a:p>
-            <a:r>
-              <a:rPr lang="en-US" sz="2800" dirty="0"/>
-              <a:t>Peripheral memory </a:t>
-            </a:r>
-            <a:r>
-              <a:rPr lang="en-US" sz="2800" dirty="0" smtClean="0"/>
-              <a:t>Read–error: retry message from MC, successful retry</a:t>
-            </a:r>
-            <a:endParaRPr lang="en-US" sz="2800" dirty="0"/>
-          </a:p>
-        </p:txBody>
-      </p:sp>
       <p:pic>
         <p:nvPicPr>
-          <p:cNvPr id="3" name="Picture 2"/>
+          <p:cNvPr id="9" name="Picture 8"/>
           <p:cNvPicPr>
             <a:picLocks noChangeAspect="1"/>
           </p:cNvPicPr>
@@ -3685,18 +3746,531 @@
         </p:blipFill>
         <p:spPr>
           <a:xfrm>
-            <a:off x="168675" y="1624613"/>
-            <a:ext cx="11701353" cy="3928978"/>
+            <a:off x="671680" y="1430077"/>
+            <a:ext cx="8285831" cy="5205663"/>
           </a:xfrm>
           <a:prstGeom prst="rect">
             <a:avLst/>
           </a:prstGeom>
         </p:spPr>
       </p:pic>
+      <p:sp>
+        <p:nvSpPr>
+          <p:cNvPr id="2" name="Title 1"/>
+          <p:cNvSpPr txBox="1">
+            <a:spLocks/>
+          </p:cNvSpPr>
+          <p:nvPr/>
+        </p:nvSpPr>
+        <p:spPr>
+          <a:xfrm>
+            <a:off x="838200" y="213234"/>
+            <a:ext cx="10515600" cy="1325563"/>
+          </a:xfrm>
+          <a:prstGeom prst="rect">
+            <a:avLst/>
+          </a:prstGeom>
+        </p:spPr>
+        <p:txBody>
+          <a:bodyPr/>
+          <a:lstStyle>
+            <a:lvl1pPr algn="l" defTabSz="914400" rtl="0" eaLnBrk="1" latinLnBrk="0" hangingPunct="1">
+              <a:lnSpc>
+                <a:spcPct val="90000"/>
+              </a:lnSpc>
+              <a:spcBef>
+                <a:spcPct val="0"/>
+              </a:spcBef>
+              <a:buNone/>
+              <a:defRPr sz="4400" kern="1200">
+                <a:solidFill>
+                  <a:schemeClr val="tx1"/>
+                </a:solidFill>
+                <a:latin typeface="+mj-lt"/>
+                <a:ea typeface="+mj-ea"/>
+                <a:cs typeface="+mj-cs"/>
+              </a:defRPr>
+            </a:lvl1pPr>
+          </a:lstStyle>
+          <a:p>
+            <a:r>
+              <a:rPr lang="en-US" dirty="0" smtClean="0"/>
+              <a:t>Decoder MCP</a:t>
+            </a:r>
+            <a:endParaRPr lang="en-US" dirty="0"/>
+          </a:p>
+        </p:txBody>
+      </p:sp>
+      <p:sp>
+        <p:nvSpPr>
+          <p:cNvPr id="4" name="TextBox 3"/>
+          <p:cNvSpPr txBox="1"/>
+          <p:nvPr/>
+        </p:nvSpPr>
+        <p:spPr>
+          <a:xfrm>
+            <a:off x="249354" y="5795250"/>
+            <a:ext cx="1413528" cy="369332"/>
+          </a:xfrm>
+          <a:prstGeom prst="rect">
+            <a:avLst/>
+          </a:prstGeom>
+          <a:noFill/>
+        </p:spPr>
+        <p:txBody>
+          <a:bodyPr wrap="none" rtlCol="0">
+            <a:spAutoFit/>
+          </a:bodyPr>
+          <a:lstStyle/>
+          <a:p>
+            <a:r>
+              <a:rPr lang="en-US" dirty="0" smtClean="0">
+                <a:solidFill>
+                  <a:schemeClr val="accent2">
+                    <a:lumMod val="75000"/>
+                  </a:schemeClr>
+                </a:solidFill>
+              </a:rPr>
+              <a:t>UART control</a:t>
+            </a:r>
+            <a:endParaRPr lang="en-US" dirty="0">
+              <a:solidFill>
+                <a:schemeClr val="accent2">
+                  <a:lumMod val="75000"/>
+                </a:schemeClr>
+              </a:solidFill>
+            </a:endParaRPr>
+          </a:p>
+        </p:txBody>
+      </p:sp>
+      <p:sp>
+        <p:nvSpPr>
+          <p:cNvPr id="6" name="TextBox 5"/>
+          <p:cNvSpPr txBox="1"/>
+          <p:nvPr/>
+        </p:nvSpPr>
+        <p:spPr>
+          <a:xfrm>
+            <a:off x="325611" y="1060745"/>
+            <a:ext cx="6757043" cy="369332"/>
+          </a:xfrm>
+          <a:prstGeom prst="rect">
+            <a:avLst/>
+          </a:prstGeom>
+          <a:noFill/>
+        </p:spPr>
+        <p:txBody>
+          <a:bodyPr wrap="none" rtlCol="0">
+            <a:spAutoFit/>
+          </a:bodyPr>
+          <a:lstStyle/>
+          <a:p>
+            <a:r>
+              <a:rPr lang="en-US" dirty="0" err="1" smtClean="0"/>
+              <a:t>iMsg</a:t>
+            </a:r>
+            <a:r>
+              <a:rPr lang="en-US" dirty="0" smtClean="0"/>
+              <a:t> </a:t>
+            </a:r>
+            <a:r>
+              <a:rPr lang="en-US" dirty="0"/>
+              <a:t>= {</a:t>
+            </a:r>
+            <a:r>
+              <a:rPr lang="en-US" dirty="0">
+                <a:solidFill>
+                  <a:srgbClr val="00B050"/>
+                </a:solidFill>
+              </a:rPr>
+              <a:t>8'h0F</a:t>
+            </a:r>
+            <a:r>
+              <a:rPr lang="en-US" dirty="0"/>
+              <a:t>, </a:t>
+            </a:r>
+            <a:r>
+              <a:rPr lang="en-US" dirty="0" err="1">
+                <a:solidFill>
+                  <a:schemeClr val="accent2">
+                    <a:lumMod val="75000"/>
+                  </a:schemeClr>
+                </a:solidFill>
+              </a:rPr>
+              <a:t>iInstruction</a:t>
+            </a:r>
+            <a:r>
+              <a:rPr lang="en-US" dirty="0"/>
+              <a:t>, </a:t>
+            </a:r>
+            <a:r>
+              <a:rPr lang="en-US" dirty="0" err="1">
+                <a:solidFill>
+                  <a:schemeClr val="accent1">
+                    <a:lumMod val="75000"/>
+                  </a:schemeClr>
+                </a:solidFill>
+              </a:rPr>
+              <a:t>iData</a:t>
+            </a:r>
+            <a:r>
+              <a:rPr lang="en-US" dirty="0">
+                <a:solidFill>
+                  <a:schemeClr val="accent1">
+                    <a:lumMod val="75000"/>
+                  </a:schemeClr>
+                </a:solidFill>
+              </a:rPr>
+              <a:t>, </a:t>
+            </a:r>
+            <a:r>
+              <a:rPr lang="en-US" dirty="0" err="1">
+                <a:solidFill>
+                  <a:schemeClr val="accent1">
+                    <a:lumMod val="75000"/>
+                  </a:schemeClr>
+                </a:solidFill>
+              </a:rPr>
+              <a:t>iAddr</a:t>
+            </a:r>
+            <a:r>
+              <a:rPr lang="en-US" dirty="0"/>
+              <a:t>, </a:t>
+            </a:r>
+            <a:r>
+              <a:rPr lang="en-US" dirty="0">
+                <a:solidFill>
+                  <a:srgbClr val="FFC000"/>
+                </a:solidFill>
+              </a:rPr>
+              <a:t>7'b0, </a:t>
+            </a:r>
+            <a:r>
+              <a:rPr lang="en-US" dirty="0" err="1">
+                <a:solidFill>
+                  <a:srgbClr val="FFC000"/>
+                </a:solidFill>
+              </a:rPr>
+              <a:t>iError</a:t>
+            </a:r>
+            <a:r>
+              <a:rPr lang="en-US" dirty="0"/>
+              <a:t>, </a:t>
+            </a:r>
+            <a:r>
+              <a:rPr lang="en-US" dirty="0">
+                <a:solidFill>
+                  <a:srgbClr val="00B050"/>
+                </a:solidFill>
+              </a:rPr>
+              <a:t>8'hF0</a:t>
+            </a:r>
+            <a:r>
+              <a:rPr lang="en-US" dirty="0" smtClean="0"/>
+              <a:t>}; from UART</a:t>
+            </a:r>
+            <a:endParaRPr lang="en-US" dirty="0"/>
+          </a:p>
+        </p:txBody>
+      </p:sp>
+      <p:sp>
+        <p:nvSpPr>
+          <p:cNvPr id="7" name="TextBox 6"/>
+          <p:cNvSpPr txBox="1"/>
+          <p:nvPr/>
+        </p:nvSpPr>
+        <p:spPr>
+          <a:xfrm>
+            <a:off x="2647976" y="4438783"/>
+            <a:ext cx="1711912" cy="646331"/>
+          </a:xfrm>
+          <a:prstGeom prst="rect">
+            <a:avLst/>
+          </a:prstGeom>
+          <a:noFill/>
+        </p:spPr>
+        <p:txBody>
+          <a:bodyPr wrap="square" rtlCol="0">
+            <a:spAutoFit/>
+          </a:bodyPr>
+          <a:lstStyle/>
+          <a:p>
+            <a:r>
+              <a:rPr lang="en-US" dirty="0" smtClean="0">
+                <a:solidFill>
+                  <a:schemeClr val="accent2">
+                    <a:lumMod val="75000"/>
+                  </a:schemeClr>
+                </a:solidFill>
+              </a:rPr>
+              <a:t>Instruction decode</a:t>
+            </a:r>
+            <a:endParaRPr lang="en-US" dirty="0">
+              <a:solidFill>
+                <a:schemeClr val="accent2">
+                  <a:lumMod val="75000"/>
+                </a:schemeClr>
+              </a:solidFill>
+            </a:endParaRPr>
+          </a:p>
+        </p:txBody>
+      </p:sp>
+      <p:sp>
+        <p:nvSpPr>
+          <p:cNvPr id="11" name="TextBox 10"/>
+          <p:cNvSpPr txBox="1"/>
+          <p:nvPr/>
+        </p:nvSpPr>
+        <p:spPr>
+          <a:xfrm>
+            <a:off x="7161434" y="2286152"/>
+            <a:ext cx="4708725" cy="369332"/>
+          </a:xfrm>
+          <a:prstGeom prst="rect">
+            <a:avLst/>
+          </a:prstGeom>
+          <a:noFill/>
+        </p:spPr>
+        <p:txBody>
+          <a:bodyPr wrap="none" rtlCol="0">
+            <a:spAutoFit/>
+          </a:bodyPr>
+          <a:lstStyle/>
+          <a:p>
+            <a:r>
+              <a:rPr lang="en-US" dirty="0" smtClean="0">
+                <a:solidFill>
+                  <a:schemeClr val="accent2">
+                    <a:lumMod val="75000"/>
+                  </a:schemeClr>
+                </a:solidFill>
+              </a:rPr>
+              <a:t>ACK flag if read or write transaction is successful</a:t>
+            </a:r>
+            <a:endParaRPr lang="en-US" dirty="0">
+              <a:solidFill>
+                <a:schemeClr val="accent2">
+                  <a:lumMod val="75000"/>
+                </a:schemeClr>
+              </a:solidFill>
+            </a:endParaRPr>
+          </a:p>
+        </p:txBody>
+      </p:sp>
+      <p:sp>
+        <p:nvSpPr>
+          <p:cNvPr id="15" name="TextBox 14"/>
+          <p:cNvSpPr txBox="1"/>
+          <p:nvPr/>
+        </p:nvSpPr>
+        <p:spPr>
+          <a:xfrm>
+            <a:off x="9114782" y="4290938"/>
+            <a:ext cx="2755377" cy="1200329"/>
+          </a:xfrm>
+          <a:prstGeom prst="rect">
+            <a:avLst/>
+          </a:prstGeom>
+          <a:noFill/>
+        </p:spPr>
+        <p:txBody>
+          <a:bodyPr wrap="square" rtlCol="0">
+            <a:spAutoFit/>
+          </a:bodyPr>
+          <a:lstStyle/>
+          <a:p>
+            <a:r>
+              <a:rPr lang="en-US" dirty="0" smtClean="0">
+                <a:solidFill>
+                  <a:schemeClr val="accent2">
+                    <a:lumMod val="75000"/>
+                  </a:schemeClr>
+                </a:solidFill>
+              </a:rPr>
+              <a:t>Data to Peripheral, MC will reply with data read or written peripheral will process accordingly.</a:t>
+            </a:r>
+            <a:endParaRPr lang="en-US" dirty="0">
+              <a:solidFill>
+                <a:schemeClr val="accent2">
+                  <a:lumMod val="75000"/>
+                </a:schemeClr>
+              </a:solidFill>
+            </a:endParaRPr>
+          </a:p>
+        </p:txBody>
+      </p:sp>
+      <p:sp>
+        <p:nvSpPr>
+          <p:cNvPr id="16" name="TextBox 15"/>
+          <p:cNvSpPr txBox="1"/>
+          <p:nvPr/>
+        </p:nvSpPr>
+        <p:spPr>
+          <a:xfrm>
+            <a:off x="2367240" y="2143465"/>
+            <a:ext cx="1711912" cy="646331"/>
+          </a:xfrm>
+          <a:prstGeom prst="rect">
+            <a:avLst/>
+          </a:prstGeom>
+          <a:noFill/>
+        </p:spPr>
+        <p:txBody>
+          <a:bodyPr wrap="square" rtlCol="0">
+            <a:spAutoFit/>
+          </a:bodyPr>
+          <a:lstStyle/>
+          <a:p>
+            <a:r>
+              <a:rPr lang="en-US" dirty="0" smtClean="0">
+                <a:solidFill>
+                  <a:schemeClr val="accent2">
+                    <a:lumMod val="75000"/>
+                  </a:schemeClr>
+                </a:solidFill>
+              </a:rPr>
+              <a:t>Instruction decode</a:t>
+            </a:r>
+            <a:endParaRPr lang="en-US" dirty="0">
+              <a:solidFill>
+                <a:schemeClr val="accent2">
+                  <a:lumMod val="75000"/>
+                </a:schemeClr>
+              </a:solidFill>
+            </a:endParaRPr>
+          </a:p>
+        </p:txBody>
+      </p:sp>
+      <p:sp>
+        <p:nvSpPr>
+          <p:cNvPr id="17" name="TextBox 16"/>
+          <p:cNvSpPr txBox="1"/>
+          <p:nvPr/>
+        </p:nvSpPr>
+        <p:spPr>
+          <a:xfrm>
+            <a:off x="2800376" y="3398218"/>
+            <a:ext cx="1711912" cy="646331"/>
+          </a:xfrm>
+          <a:prstGeom prst="rect">
+            <a:avLst/>
+          </a:prstGeom>
+          <a:noFill/>
+        </p:spPr>
+        <p:txBody>
+          <a:bodyPr wrap="square" rtlCol="0">
+            <a:spAutoFit/>
+          </a:bodyPr>
+          <a:lstStyle/>
+          <a:p>
+            <a:r>
+              <a:rPr lang="en-US" dirty="0" smtClean="0">
+                <a:solidFill>
+                  <a:schemeClr val="accent2">
+                    <a:lumMod val="75000"/>
+                  </a:schemeClr>
+                </a:solidFill>
+              </a:rPr>
+              <a:t>Instruction decode</a:t>
+            </a:r>
+            <a:endParaRPr lang="en-US" dirty="0">
+              <a:solidFill>
+                <a:schemeClr val="accent2">
+                  <a:lumMod val="75000"/>
+                </a:schemeClr>
+              </a:solidFill>
+            </a:endParaRPr>
+          </a:p>
+        </p:txBody>
+      </p:sp>
+      <p:sp>
+        <p:nvSpPr>
+          <p:cNvPr id="18" name="TextBox 17"/>
+          <p:cNvSpPr txBox="1"/>
+          <p:nvPr/>
+        </p:nvSpPr>
+        <p:spPr>
+          <a:xfrm>
+            <a:off x="7383190" y="3398218"/>
+            <a:ext cx="4486970" cy="646331"/>
+          </a:xfrm>
+          <a:prstGeom prst="rect">
+            <a:avLst/>
+          </a:prstGeom>
+          <a:noFill/>
+        </p:spPr>
+        <p:txBody>
+          <a:bodyPr wrap="square" rtlCol="0">
+            <a:spAutoFit/>
+          </a:bodyPr>
+          <a:lstStyle/>
+          <a:p>
+            <a:r>
+              <a:rPr lang="en-US" dirty="0" smtClean="0">
+                <a:solidFill>
+                  <a:schemeClr val="accent2">
+                    <a:lumMod val="75000"/>
+                  </a:schemeClr>
+                </a:solidFill>
+              </a:rPr>
+              <a:t>Retry flag, Peripheral will retry same message until ACK is received</a:t>
+            </a:r>
+            <a:endParaRPr lang="en-US" dirty="0">
+              <a:solidFill>
+                <a:schemeClr val="accent2">
+                  <a:lumMod val="75000"/>
+                </a:schemeClr>
+              </a:solidFill>
+            </a:endParaRPr>
+          </a:p>
+        </p:txBody>
+      </p:sp>
+      <p:sp>
+        <p:nvSpPr>
+          <p:cNvPr id="19" name="TextBox 18"/>
+          <p:cNvSpPr txBox="1"/>
+          <p:nvPr/>
+        </p:nvSpPr>
+        <p:spPr>
+          <a:xfrm>
+            <a:off x="7383190" y="5795250"/>
+            <a:ext cx="4486970" cy="646331"/>
+          </a:xfrm>
+          <a:prstGeom prst="rect">
+            <a:avLst/>
+          </a:prstGeom>
+          <a:noFill/>
+        </p:spPr>
+        <p:txBody>
+          <a:bodyPr wrap="square" rtlCol="0">
+            <a:spAutoFit/>
+          </a:bodyPr>
+          <a:lstStyle/>
+          <a:p>
+            <a:r>
+              <a:rPr lang="en-US" dirty="0" smtClean="0">
+                <a:solidFill>
+                  <a:schemeClr val="accent2">
+                    <a:lumMod val="75000"/>
+                  </a:schemeClr>
+                </a:solidFill>
+              </a:rPr>
+              <a:t>Wait flag – Bus is busy, Peripheral will retry same message until ACK is received</a:t>
+            </a:r>
+            <a:endParaRPr lang="en-US" dirty="0">
+              <a:solidFill>
+                <a:schemeClr val="accent2">
+                  <a:lumMod val="75000"/>
+                </a:schemeClr>
+              </a:solidFill>
+            </a:endParaRPr>
+          </a:p>
+        </p:txBody>
+      </p:sp>
     </p:spTree>
     <p:extLst>
       <p:ext uri="{BB962C8B-B14F-4D97-AF65-F5344CB8AC3E}">
-        <p14:creationId xmlns:p14="http://schemas.microsoft.com/office/powerpoint/2010/main" val="1996414860"/>
+        <p14:creationId xmlns:p14="http://schemas.microsoft.com/office/powerpoint/2010/main" val="2931732075"/>
       </p:ext>
     </p:extLst>
   </p:cSld>
@@ -3733,19 +4307,14 @@
             <p:ph type="title"/>
           </p:nvPr>
         </p:nvSpPr>
-        <p:spPr>
-          <a:xfrm>
-            <a:off x="253692" y="12709"/>
-            <a:ext cx="10515600" cy="1325563"/>
-          </a:xfrm>
-        </p:spPr>
+        <p:spPr/>
         <p:txBody>
           <a:bodyPr/>
           <a:lstStyle/>
           <a:p>
             <a:r>
               <a:rPr lang="en-US" dirty="0" smtClean="0"/>
-              <a:t>Memory controller</a:t>
+              <a:t>Peripheral component – Verification cases</a:t>
             </a:r>
             <a:endParaRPr lang="en-US" dirty="0"/>
           </a:p>
@@ -3753,61 +4322,14 @@
       </p:sp>
       <p:sp>
         <p:nvSpPr>
-          <p:cNvPr id="4" name="Rectangle 3"/>
-          <p:cNvSpPr/>
-          <p:nvPr/>
-        </p:nvSpPr>
-        <p:spPr>
-          <a:xfrm>
-            <a:off x="3672379" y="1896866"/>
-            <a:ext cx="3690851" cy="2859578"/>
-          </a:xfrm>
-          <a:prstGeom prst="rect">
-            <a:avLst/>
-          </a:prstGeom>
-          <a:solidFill>
-            <a:srgbClr val="FF0000"/>
-          </a:solidFill>
-        </p:spPr>
-        <p:style>
-          <a:lnRef idx="2">
-            <a:schemeClr val="accent1">
-              <a:shade val="50000"/>
-            </a:schemeClr>
-          </a:lnRef>
-          <a:fillRef idx="1">
-            <a:schemeClr val="accent1"/>
-          </a:fillRef>
-          <a:effectRef idx="0">
-            <a:schemeClr val="accent1"/>
-          </a:effectRef>
-          <a:fontRef idx="minor">
-            <a:schemeClr val="lt1"/>
-          </a:fontRef>
-        </p:style>
-        <p:txBody>
-          <a:bodyPr rtlCol="0" anchor="ctr"/>
-          <a:lstStyle/>
-          <a:p>
-            <a:pPr algn="ctr"/>
-            <a:r>
-              <a:rPr lang="en-US" sz="4400" dirty="0" smtClean="0"/>
-              <a:t>Memory Controller</a:t>
-            </a:r>
-            <a:endParaRPr lang="en-US" sz="4400" dirty="0"/>
-          </a:p>
-        </p:txBody>
-      </p:sp>
-      <p:sp>
-        <p:nvSpPr>
-          <p:cNvPr id="21" name="TextBox 20"/>
+          <p:cNvPr id="6" name="TextBox 5"/>
           <p:cNvSpPr txBox="1"/>
           <p:nvPr/>
         </p:nvSpPr>
         <p:spPr>
           <a:xfrm>
-            <a:off x="812528" y="2419203"/>
-            <a:ext cx="2607461" cy="1200329"/>
+            <a:off x="1080654" y="1690688"/>
+            <a:ext cx="10740044" cy="6124754"/>
           </a:xfrm>
           <a:prstGeom prst="rect">
             <a:avLst/>
@@ -3820,292 +4342,247 @@
           </a:bodyPr>
           <a:lstStyle/>
           <a:p>
-            <a:r>
-              <a:rPr lang="en-US" sz="2400" dirty="0" smtClean="0"/>
-              <a:t>Serial communication with peripheral</a:t>
-            </a:r>
-            <a:endParaRPr lang="en-US" sz="2400" dirty="0"/>
-          </a:p>
-        </p:txBody>
-      </p:sp>
-      <p:cxnSp>
-        <p:nvCxnSpPr>
-          <p:cNvPr id="5" name="Straight Arrow Connector 4"/>
-          <p:cNvCxnSpPr/>
-          <p:nvPr/>
-        </p:nvCxnSpPr>
-        <p:spPr>
-          <a:xfrm flipV="1">
-            <a:off x="4729314" y="5164530"/>
-            <a:ext cx="0" cy="1128107"/>
-          </a:xfrm>
-          <a:prstGeom prst="straightConnector1">
-            <a:avLst/>
-          </a:prstGeom>
-          <a:ln w="57150">
-            <a:headEnd type="triangle"/>
-            <a:tailEnd type="triangle"/>
-          </a:ln>
-        </p:spPr>
-        <p:style>
-          <a:lnRef idx="1">
-            <a:schemeClr val="accent1"/>
-          </a:lnRef>
-          <a:fillRef idx="0">
-            <a:schemeClr val="accent1"/>
-          </a:fillRef>
-          <a:effectRef idx="0">
-            <a:schemeClr val="accent1"/>
-          </a:effectRef>
-          <a:fontRef idx="minor">
-            <a:schemeClr val="tx1"/>
-          </a:fontRef>
-        </p:style>
-      </p:cxnSp>
-      <p:sp>
-        <p:nvSpPr>
-          <p:cNvPr id="6" name="TextBox 5"/>
-          <p:cNvSpPr txBox="1"/>
-          <p:nvPr/>
-        </p:nvSpPr>
-        <p:spPr>
-          <a:xfrm>
-            <a:off x="5084914" y="5503980"/>
-            <a:ext cx="4556632" cy="461665"/>
-          </a:xfrm>
-          <a:prstGeom prst="rect">
-            <a:avLst/>
-          </a:prstGeom>
-          <a:noFill/>
-        </p:spPr>
-        <p:txBody>
-          <a:bodyPr wrap="square" rtlCol="0">
-            <a:spAutoFit/>
-          </a:bodyPr>
-          <a:lstStyle>
-            <a:defPPr>
-              <a:defRPr lang="en-US"/>
-            </a:defPPr>
-            <a:lvl1pPr>
-              <a:defRPr sz="2400"/>
-            </a:lvl1pPr>
-          </a:lstStyle>
-          <a:p>
-            <a:r>
-              <a:rPr lang="en-US" dirty="0"/>
-              <a:t>Address/data Bus to Main Memory</a:t>
-            </a:r>
-          </a:p>
-        </p:txBody>
-      </p:sp>
-      <p:cxnSp>
-        <p:nvCxnSpPr>
-          <p:cNvPr id="9" name="Straight Arrow Connector 8"/>
-          <p:cNvCxnSpPr/>
-          <p:nvPr/>
-        </p:nvCxnSpPr>
-        <p:spPr>
-          <a:xfrm>
-            <a:off x="7663378" y="3313047"/>
-            <a:ext cx="3208712" cy="0"/>
-          </a:xfrm>
-          <a:prstGeom prst="straightConnector1">
-            <a:avLst/>
-          </a:prstGeom>
-          <a:ln w="57150">
-            <a:headEnd type="triangle"/>
-            <a:tailEnd type="triangle"/>
-          </a:ln>
-        </p:spPr>
-        <p:style>
-          <a:lnRef idx="1">
-            <a:schemeClr val="accent1"/>
-          </a:lnRef>
-          <a:fillRef idx="0">
-            <a:schemeClr val="accent1"/>
-          </a:fillRef>
-          <a:effectRef idx="0">
-            <a:schemeClr val="accent1"/>
-          </a:effectRef>
-          <a:fontRef idx="minor">
-            <a:schemeClr val="tx1"/>
-          </a:fontRef>
-        </p:style>
-      </p:cxnSp>
-      <p:cxnSp>
-        <p:nvCxnSpPr>
-          <p:cNvPr id="22" name="Straight Arrow Connector 21"/>
-          <p:cNvCxnSpPr/>
-          <p:nvPr/>
-        </p:nvCxnSpPr>
-        <p:spPr>
-          <a:xfrm flipV="1">
-            <a:off x="812528" y="3918790"/>
-            <a:ext cx="2407956" cy="7285"/>
-          </a:xfrm>
-          <a:prstGeom prst="straightConnector1">
-            <a:avLst/>
-          </a:prstGeom>
-          <a:ln w="57150">
-            <a:headEnd type="triangle"/>
-            <a:tailEnd type="triangle"/>
-          </a:ln>
-        </p:spPr>
-        <p:style>
-          <a:lnRef idx="1">
-            <a:schemeClr val="accent1"/>
-          </a:lnRef>
-          <a:fillRef idx="0">
-            <a:schemeClr val="accent1"/>
-          </a:fillRef>
-          <a:effectRef idx="0">
-            <a:schemeClr val="accent1"/>
-          </a:effectRef>
-          <a:fontRef idx="minor">
-            <a:schemeClr val="tx1"/>
-          </a:fontRef>
-        </p:style>
-      </p:cxnSp>
-      <p:sp>
-        <p:nvSpPr>
-          <p:cNvPr id="14" name="TextBox 13"/>
-          <p:cNvSpPr txBox="1"/>
-          <p:nvPr/>
-        </p:nvSpPr>
-        <p:spPr>
-          <a:xfrm>
-            <a:off x="7615949" y="2419203"/>
-            <a:ext cx="903132" cy="369332"/>
-          </a:xfrm>
-          <a:prstGeom prst="rect">
-            <a:avLst/>
-          </a:prstGeom>
-          <a:noFill/>
-        </p:spPr>
-        <p:txBody>
-          <a:bodyPr wrap="none" rtlCol="0">
-            <a:spAutoFit/>
-          </a:bodyPr>
-          <a:lstStyle/>
-          <a:p>
-            <a:r>
-              <a:rPr lang="en-US" dirty="0" smtClean="0"/>
-              <a:t>To CPU:</a:t>
-            </a:r>
-            <a:endParaRPr lang="en-US" dirty="0"/>
-          </a:p>
-        </p:txBody>
-      </p:sp>
-      <p:sp>
-        <p:nvSpPr>
-          <p:cNvPr id="26" name="TextBox 25"/>
-          <p:cNvSpPr txBox="1"/>
-          <p:nvPr/>
-        </p:nvSpPr>
-        <p:spPr>
-          <a:xfrm>
-            <a:off x="8243525" y="2779246"/>
-            <a:ext cx="2373278" cy="461665"/>
-          </a:xfrm>
-          <a:prstGeom prst="rect">
-            <a:avLst/>
-          </a:prstGeom>
-          <a:noFill/>
-        </p:spPr>
-        <p:txBody>
-          <a:bodyPr wrap="square" rtlCol="0">
-            <a:spAutoFit/>
-          </a:bodyPr>
-          <a:lstStyle>
-            <a:defPPr>
-              <a:defRPr lang="en-US"/>
-            </a:defPPr>
-            <a:lvl1pPr>
-              <a:defRPr sz="2400"/>
-            </a:lvl1pPr>
-          </a:lstStyle>
-          <a:p>
-            <a:r>
-              <a:rPr lang="en-US" dirty="0"/>
-              <a:t>Address/data Bus</a:t>
-            </a:r>
-          </a:p>
-        </p:txBody>
-      </p:sp>
-      <p:cxnSp>
-        <p:nvCxnSpPr>
-          <p:cNvPr id="27" name="Straight Arrow Connector 26"/>
-          <p:cNvCxnSpPr/>
-          <p:nvPr/>
-        </p:nvCxnSpPr>
-        <p:spPr>
-          <a:xfrm>
-            <a:off x="7713255" y="4196122"/>
-            <a:ext cx="3208712" cy="0"/>
-          </a:xfrm>
-          <a:prstGeom prst="straightConnector1">
-            <a:avLst/>
-          </a:prstGeom>
-          <a:ln w="57150">
-            <a:headEnd type="triangle"/>
-            <a:tailEnd type="triangle"/>
-          </a:ln>
-        </p:spPr>
-        <p:style>
-          <a:lnRef idx="1">
-            <a:schemeClr val="accent1"/>
-          </a:lnRef>
-          <a:fillRef idx="0">
-            <a:schemeClr val="accent1"/>
-          </a:fillRef>
-          <a:effectRef idx="0">
-            <a:schemeClr val="accent1"/>
-          </a:effectRef>
-          <a:fontRef idx="minor">
-            <a:schemeClr val="tx1"/>
-          </a:fontRef>
-        </p:style>
-      </p:cxnSp>
-      <p:sp>
-        <p:nvSpPr>
-          <p:cNvPr id="28" name="TextBox 27"/>
-          <p:cNvSpPr txBox="1"/>
-          <p:nvPr/>
-        </p:nvSpPr>
-        <p:spPr>
-          <a:xfrm>
-            <a:off x="8067515" y="3662320"/>
-            <a:ext cx="2549288" cy="461665"/>
-          </a:xfrm>
-          <a:prstGeom prst="rect">
-            <a:avLst/>
-          </a:prstGeom>
-          <a:noFill/>
-        </p:spPr>
-        <p:txBody>
-          <a:bodyPr wrap="square" rtlCol="0">
-            <a:spAutoFit/>
-          </a:bodyPr>
-          <a:lstStyle>
-            <a:defPPr>
-              <a:defRPr lang="en-US"/>
-            </a:defPPr>
-            <a:lvl1pPr>
-              <a:defRPr sz="2400"/>
-            </a:lvl1pPr>
-          </a:lstStyle>
-          <a:p>
-            <a:r>
-              <a:rPr lang="en-US" dirty="0"/>
-              <a:t>Control Signals Bus</a:t>
-            </a:r>
-          </a:p>
-        </p:txBody>
-      </p:sp>
+            <a:pPr marL="285750" indent="-285750">
+              <a:buFont typeface="Arial" panose="020B0604020202020204" pitchFamily="34" charset="0"/>
+              <a:buChar char="•"/>
+            </a:pPr>
+            <a:r>
+              <a:rPr lang="en-US" sz="2800" dirty="0" smtClean="0"/>
+              <a:t>Peripheral memory read – No error, cache miss/ cache hit clean</a:t>
+            </a:r>
+          </a:p>
+          <a:p>
+            <a:pPr marL="285750" indent="-285750">
+              <a:buFont typeface="Arial" panose="020B0604020202020204" pitchFamily="34" charset="0"/>
+              <a:buChar char="•"/>
+            </a:pPr>
+            <a:r>
+              <a:rPr lang="en-US" sz="2800" dirty="0" smtClean="0"/>
+              <a:t>Peripheral memory write – No error, cache miss/ cache hit clean</a:t>
+            </a:r>
+          </a:p>
+          <a:p>
+            <a:pPr marL="285750" indent="-285750">
+              <a:buFont typeface="Arial" panose="020B0604020202020204" pitchFamily="34" charset="0"/>
+              <a:buChar char="•"/>
+            </a:pPr>
+            <a:r>
+              <a:rPr lang="en-US" sz="2800" dirty="0" smtClean="0"/>
+              <a:t>Peripheral memory read – No error, cache hit Modified with retry</a:t>
+            </a:r>
+          </a:p>
+          <a:p>
+            <a:pPr marL="285750" indent="-285750">
+              <a:buFont typeface="Arial" panose="020B0604020202020204" pitchFamily="34" charset="0"/>
+              <a:buChar char="•"/>
+            </a:pPr>
+            <a:r>
+              <a:rPr lang="en-US" sz="2800" dirty="0" smtClean="0"/>
+              <a:t>Peripheral memory write – No error, cache hit Modified with retry </a:t>
+            </a:r>
+          </a:p>
+          <a:p>
+            <a:pPr marL="285750" indent="-285750">
+              <a:buFont typeface="Arial" panose="020B0604020202020204" pitchFamily="34" charset="0"/>
+              <a:buChar char="•"/>
+            </a:pPr>
+            <a:r>
+              <a:rPr lang="en-US" sz="2800" dirty="0" smtClean="0"/>
+              <a:t>Peripheral memory read – Error</a:t>
+            </a:r>
+          </a:p>
+          <a:p>
+            <a:pPr marL="285750" indent="-285750">
+              <a:buFont typeface="Arial" panose="020B0604020202020204" pitchFamily="34" charset="0"/>
+              <a:buChar char="•"/>
+            </a:pPr>
+            <a:r>
+              <a:rPr lang="en-US" sz="2800" dirty="0" smtClean="0"/>
+              <a:t>Peripheral memory write – Error</a:t>
+            </a:r>
+          </a:p>
+          <a:p>
+            <a:pPr marL="285750" indent="-285750">
+              <a:buFont typeface="Arial" panose="020B0604020202020204" pitchFamily="34" charset="0"/>
+              <a:buChar char="•"/>
+            </a:pPr>
+            <a:r>
+              <a:rPr lang="en-US" sz="2800" dirty="0" smtClean="0"/>
+              <a:t>Peripheral tries to read/write but bus held by MC.</a:t>
+            </a:r>
+          </a:p>
+          <a:p>
+            <a:pPr marL="285750" indent="-285750">
+              <a:buFont typeface="Arial" panose="020B0604020202020204" pitchFamily="34" charset="0"/>
+              <a:buChar char="•"/>
+            </a:pPr>
+            <a:r>
+              <a:rPr lang="en-US" sz="2800" dirty="0" smtClean="0"/>
+              <a:t>Peripheral tries to read/write but bus held by CPU, thru MC.</a:t>
+            </a:r>
+          </a:p>
+          <a:p>
+            <a:pPr marL="285750" indent="-285750">
+              <a:buFont typeface="Arial" panose="020B0604020202020204" pitchFamily="34" charset="0"/>
+              <a:buChar char="•"/>
+            </a:pPr>
+            <a:endParaRPr lang="en-US" sz="2800" dirty="0" smtClean="0"/>
+          </a:p>
+          <a:p>
+            <a:pPr marL="285750" indent="-285750">
+              <a:buFont typeface="Arial" panose="020B0604020202020204" pitchFamily="34" charset="0"/>
+              <a:buChar char="•"/>
+            </a:pPr>
+            <a:endParaRPr lang="en-US" sz="2800" dirty="0" smtClean="0"/>
+          </a:p>
+          <a:p>
+            <a:pPr marL="285750" indent="-285750">
+              <a:buFont typeface="Arial" panose="020B0604020202020204" pitchFamily="34" charset="0"/>
+              <a:buChar char="•"/>
+            </a:pPr>
+            <a:endParaRPr lang="en-US" sz="2800" dirty="0" smtClean="0"/>
+          </a:p>
+          <a:p>
+            <a:pPr marL="285750" indent="-285750">
+              <a:buFont typeface="Arial" panose="020B0604020202020204" pitchFamily="34" charset="0"/>
+              <a:buChar char="•"/>
+            </a:pPr>
+            <a:endParaRPr lang="en-US" sz="2800" dirty="0" smtClean="0"/>
+          </a:p>
+          <a:p>
+            <a:pPr marL="285750" indent="-285750">
+              <a:buFont typeface="Arial" panose="020B0604020202020204" pitchFamily="34" charset="0"/>
+              <a:buChar char="•"/>
+            </a:pPr>
+            <a:endParaRPr lang="en-US" sz="2800" dirty="0" smtClean="0"/>
+          </a:p>
+          <a:p>
+            <a:pPr marL="285750" indent="-285750">
+              <a:buFont typeface="Arial" panose="020B0604020202020204" pitchFamily="34" charset="0"/>
+              <a:buChar char="•"/>
+            </a:pPr>
+            <a:endParaRPr lang="en-US" sz="2800" dirty="0"/>
+          </a:p>
+        </p:txBody>
+      </p:sp>
+      <p:graphicFrame>
+        <p:nvGraphicFramePr>
+          <p:cNvPr id="3" name="Object 2"/>
+          <p:cNvGraphicFramePr>
+            <a:graphicFrameLocks noChangeAspect="1"/>
+          </p:cNvGraphicFramePr>
+          <p:nvPr>
+            <p:extLst>
+              <p:ext uri="{D42A27DB-BD31-4B8C-83A1-F6EECF244321}">
+                <p14:modId xmlns:p14="http://schemas.microsoft.com/office/powerpoint/2010/main" val="4252438361"/>
+              </p:ext>
+            </p:extLst>
+          </p:nvPr>
+        </p:nvGraphicFramePr>
+        <p:xfrm>
+          <a:off x="98425" y="98425"/>
+          <a:ext cx="1068388" cy="514350"/>
+        </p:xfrm>
+        <a:graphic>
+          <a:graphicData uri="http://schemas.openxmlformats.org/presentationml/2006/ole">
+            <mc:AlternateContent xmlns:mc="http://schemas.openxmlformats.org/markup-compatibility/2006">
+              <mc:Choice xmlns:v="urn:schemas-microsoft-com:vml" Requires="v">
+                <p:oleObj spid="_x0000_s1058" name="Packager Shell Object" showAsIcon="1" r:id="rId3" imgW="1068840" imgH="514800" progId="Package">
+                  <p:embed/>
+                </p:oleObj>
+              </mc:Choice>
+              <mc:Fallback>
+                <p:oleObj name="Packager Shell Object" showAsIcon="1" r:id="rId3" imgW="1068840" imgH="514800" progId="Package">
+                  <p:embed/>
+                  <p:pic>
+                    <p:nvPicPr>
+                      <p:cNvPr id="0" name=""/>
+                      <p:cNvPicPr/>
+                      <p:nvPr/>
+                    </p:nvPicPr>
+                    <p:blipFill>
+                      <a:blip r:embed="rId4"/>
+                      <a:stretch>
+                        <a:fillRect/>
+                      </a:stretch>
+                    </p:blipFill>
+                    <p:spPr>
+                      <a:xfrm>
+                        <a:off x="98425" y="98425"/>
+                        <a:ext cx="1068388" cy="514350"/>
+                      </a:xfrm>
+                      <a:prstGeom prst="rect">
+                        <a:avLst/>
+                      </a:prstGeom>
+                    </p:spPr>
+                  </p:pic>
+                </p:oleObj>
+              </mc:Fallback>
+            </mc:AlternateContent>
+          </a:graphicData>
+        </a:graphic>
+      </p:graphicFrame>
+      <p:graphicFrame>
+        <p:nvGraphicFramePr>
+          <p:cNvPr id="4" name="Object 3"/>
+          <p:cNvGraphicFramePr>
+            <a:graphicFrameLocks noChangeAspect="1"/>
+          </p:cNvGraphicFramePr>
+          <p:nvPr>
+            <p:extLst>
+              <p:ext uri="{D42A27DB-BD31-4B8C-83A1-F6EECF244321}">
+                <p14:modId xmlns:p14="http://schemas.microsoft.com/office/powerpoint/2010/main" val="3844528695"/>
+              </p:ext>
+            </p:extLst>
+          </p:nvPr>
+        </p:nvGraphicFramePr>
+        <p:xfrm>
+          <a:off x="196850" y="196850"/>
+          <a:ext cx="1068388" cy="514350"/>
+        </p:xfrm>
+        <a:graphic>
+          <a:graphicData uri="http://schemas.openxmlformats.org/presentationml/2006/ole">
+            <mc:AlternateContent xmlns:mc="http://schemas.openxmlformats.org/markup-compatibility/2006">
+              <mc:Choice xmlns:v="urn:schemas-microsoft-com:vml" Requires="v">
+                <p:oleObj spid="_x0000_s1059" name="Packager Shell Object" showAsIcon="1" r:id="rId5" imgW="1068840" imgH="514800" progId="Package">
+                  <p:embed/>
+                </p:oleObj>
+              </mc:Choice>
+              <mc:Fallback>
+                <p:oleObj name="Packager Shell Object" showAsIcon="1" r:id="rId5" imgW="1068840" imgH="514800" progId="Package">
+                  <p:embed/>
+                  <p:pic>
+                    <p:nvPicPr>
+                      <p:cNvPr id="0" name=""/>
+                      <p:cNvPicPr/>
+                      <p:nvPr/>
+                    </p:nvPicPr>
+                    <p:blipFill>
+                      <a:blip r:embed="rId6"/>
+                      <a:stretch>
+                        <a:fillRect/>
+                      </a:stretch>
+                    </p:blipFill>
+                    <p:spPr>
+                      <a:xfrm>
+                        <a:off x="196850" y="196850"/>
+                        <a:ext cx="1068388" cy="514350"/>
+                      </a:xfrm>
+                      <a:prstGeom prst="rect">
+                        <a:avLst/>
+                      </a:prstGeom>
+                    </p:spPr>
+                  </p:pic>
+                </p:oleObj>
+              </mc:Fallback>
+            </mc:AlternateContent>
+          </a:graphicData>
+        </a:graphic>
+      </p:graphicFrame>
     </p:spTree>
     <p:extLst>
       <p:ext uri="{BB962C8B-B14F-4D97-AF65-F5344CB8AC3E}">
-        <p14:creationId xmlns:p14="http://schemas.microsoft.com/office/powerpoint/2010/main" val="3699857399"/>
+        <p14:creationId xmlns:p14="http://schemas.microsoft.com/office/powerpoint/2010/main" val="1587516871"/>
       </p:ext>
     </p:extLst>
   </p:cSld>
@@ -4142,60 +4619,30 @@
             <p:ph type="title"/>
           </p:nvPr>
         </p:nvSpPr>
-        <p:spPr>
-          <a:xfrm>
-            <a:off x="517533" y="213900"/>
-            <a:ext cx="10515600" cy="1325563"/>
-          </a:xfrm>
-        </p:spPr>
-        <p:txBody>
-          <a:bodyPr/>
-          <a:lstStyle/>
-          <a:p>
-            <a:r>
-              <a:rPr lang="en-US" dirty="0" smtClean="0"/>
-              <a:t>Memory controller – Control signals</a:t>
-            </a:r>
-            <a:endParaRPr lang="en-US" dirty="0"/>
-          </a:p>
-        </p:txBody>
-      </p:sp>
-      <p:sp>
-        <p:nvSpPr>
-          <p:cNvPr id="4" name="TextBox 3"/>
+        <p:spPr/>
+        <p:txBody>
+          <a:bodyPr>
+            <a:normAutofit/>
+          </a:bodyPr>
+          <a:lstStyle/>
+          <a:p>
+            <a:r>
+              <a:rPr lang="en-US" sz="2800" dirty="0"/>
+              <a:t>Peripheral memory write – No error, cache miss/ cache hit clean</a:t>
+            </a:r>
+          </a:p>
+        </p:txBody>
+      </p:sp>
+      <p:sp>
+        <p:nvSpPr>
+          <p:cNvPr id="6" name="TextBox 5"/>
           <p:cNvSpPr txBox="1"/>
           <p:nvPr/>
         </p:nvSpPr>
         <p:spPr>
           <a:xfrm>
-            <a:off x="1524000" y="2116667"/>
-            <a:ext cx="184731" cy="369332"/>
-          </a:xfrm>
-          <a:prstGeom prst="rect">
-            <a:avLst/>
-          </a:prstGeom>
-          <a:noFill/>
-        </p:spPr>
-        <p:txBody>
-          <a:bodyPr wrap="none" rtlCol="0">
-            <a:spAutoFit/>
-          </a:bodyPr>
-          <a:lstStyle/>
-          <a:p>
-            <a:endParaRPr lang="en-US" dirty="0"/>
-          </a:p>
-        </p:txBody>
-      </p:sp>
-      <p:sp>
-        <p:nvSpPr>
-          <p:cNvPr id="5" name="TextBox 4"/>
-          <p:cNvSpPr txBox="1"/>
-          <p:nvPr/>
-        </p:nvSpPr>
-        <p:spPr>
-          <a:xfrm>
-            <a:off x="453500" y="1371600"/>
-            <a:ext cx="11738500" cy="5816977"/>
+            <a:off x="1080654" y="1690688"/>
+            <a:ext cx="10740044" cy="1815882"/>
           </a:xfrm>
           <a:prstGeom prst="rect">
             <a:avLst/>
@@ -4212,65 +4659,6 @@
               <a:buFont typeface="Arial" panose="020B0604020202020204" pitchFamily="34" charset="0"/>
               <a:buChar char="•"/>
             </a:pPr>
-            <a:r>
-              <a:rPr lang="en-US" sz="2800" dirty="0" smtClean="0"/>
-              <a:t>AHOLD – address hold: maintain </a:t>
-            </a:r>
-            <a:r>
-              <a:rPr lang="en-US" sz="2800" dirty="0" err="1" smtClean="0"/>
-              <a:t>memoryconsistency</a:t>
-            </a:r>
-            <a:endParaRPr lang="en-US" sz="2800" dirty="0" smtClean="0"/>
-          </a:p>
-          <a:p>
-            <a:r>
-              <a:rPr lang="en-US" sz="2800" dirty="0" smtClean="0"/>
-              <a:t>• EADS# - external address strobe: external; informs the processor of a valid address on its local bus to be snooped (internal cache lookup)</a:t>
-            </a:r>
-          </a:p>
-          <a:p>
-            <a:r>
-              <a:rPr lang="en-US" sz="2800" dirty="0" smtClean="0"/>
-              <a:t>• input INV – invalidate: external; informs the processor to leave cache line valid or mark it invalid on a snoop hit</a:t>
-            </a:r>
-          </a:p>
-          <a:p>
-            <a:r>
-              <a:rPr lang="en-US" sz="2800" dirty="0" smtClean="0"/>
-              <a:t>• </a:t>
-            </a:r>
-            <a:r>
-              <a:rPr lang="en-US" sz="2800" dirty="0" err="1" smtClean="0"/>
-              <a:t>inout</a:t>
-            </a:r>
-            <a:r>
-              <a:rPr lang="en-US" sz="2800" dirty="0" smtClean="0"/>
-              <a:t> HIT# - hit on internal cache – notify other processors that information is shared by another cache</a:t>
-            </a:r>
-          </a:p>
-          <a:p>
-            <a:r>
-              <a:rPr lang="en-US" sz="2800" dirty="0" smtClean="0"/>
-              <a:t>• </a:t>
-            </a:r>
-            <a:r>
-              <a:rPr lang="en-US" sz="2800" dirty="0" err="1" smtClean="0"/>
-              <a:t>inout</a:t>
-            </a:r>
-            <a:r>
-              <a:rPr lang="en-US" sz="2800" dirty="0" smtClean="0"/>
-              <a:t> HITM# - hit modified line: hit to a modified line </a:t>
-            </a:r>
-            <a:r>
-              <a:rPr lang="en-US" sz="2800" dirty="0" err="1" smtClean="0"/>
-              <a:t>incache</a:t>
-            </a:r>
-            <a:r>
-              <a:rPr lang="en-US" sz="2800" dirty="0" smtClean="0"/>
-              <a:t>, write-back required</a:t>
-            </a:r>
-          </a:p>
-          <a:p>
             <a:endParaRPr lang="en-US" sz="2800" dirty="0" smtClean="0"/>
           </a:p>
           <a:p>
@@ -4278,34 +4666,52 @@
               <a:buFont typeface="Arial" panose="020B0604020202020204" pitchFamily="34" charset="0"/>
               <a:buChar char="•"/>
             </a:pPr>
-            <a:r>
-              <a:rPr lang="en-US" sz="2800" dirty="0" smtClean="0"/>
-              <a:t> PBGNT# - private bus grant: asserted to grant bus ownership </a:t>
-            </a:r>
-          </a:p>
-          <a:p>
-            <a:r>
-              <a:rPr lang="en-US" sz="2800" dirty="0" smtClean="0"/>
-              <a:t>• </a:t>
-            </a:r>
-            <a:r>
-              <a:rPr lang="en-US" sz="2800" dirty="0" err="1" smtClean="0"/>
-              <a:t>inout</a:t>
-            </a:r>
-            <a:r>
-              <a:rPr lang="en-US" sz="2800" dirty="0" smtClean="0"/>
-              <a:t> PBREQ# - private bus request: asserted to request bus ownership</a:t>
-            </a:r>
-          </a:p>
-          <a:p>
-            <a:endParaRPr lang="en-US" sz="3600" dirty="0"/>
-          </a:p>
-        </p:txBody>
-      </p:sp>
+            <a:endParaRPr lang="en-US" sz="2800" dirty="0" smtClean="0"/>
+          </a:p>
+          <a:p>
+            <a:pPr marL="285750" indent="-285750">
+              <a:buFont typeface="Arial" panose="020B0604020202020204" pitchFamily="34" charset="0"/>
+              <a:buChar char="•"/>
+            </a:pPr>
+            <a:endParaRPr lang="en-US" sz="2800" dirty="0" smtClean="0"/>
+          </a:p>
+          <a:p>
+            <a:pPr marL="285750" indent="-285750">
+              <a:buFont typeface="Arial" panose="020B0604020202020204" pitchFamily="34" charset="0"/>
+              <a:buChar char="•"/>
+            </a:pPr>
+            <a:endParaRPr lang="en-US" sz="2800" dirty="0"/>
+          </a:p>
+        </p:txBody>
+      </p:sp>
+      <p:pic>
+        <p:nvPicPr>
+          <p:cNvPr id="5" name="Picture 4"/>
+          <p:cNvPicPr>
+            <a:picLocks noChangeAspect="1"/>
+          </p:cNvPicPr>
+          <p:nvPr/>
+        </p:nvPicPr>
+        <p:blipFill>
+          <a:blip r:embed="rId2"/>
+          <a:stretch>
+            <a:fillRect/>
+          </a:stretch>
+        </p:blipFill>
+        <p:spPr>
+          <a:xfrm>
+            <a:off x="1080654" y="1415617"/>
+            <a:ext cx="9110911" cy="5075485"/>
+          </a:xfrm>
+          <a:prstGeom prst="rect">
+            <a:avLst/>
+          </a:prstGeom>
+        </p:spPr>
+      </p:pic>
     </p:spTree>
     <p:extLst>
       <p:ext uri="{BB962C8B-B14F-4D97-AF65-F5344CB8AC3E}">
-        <p14:creationId xmlns:p14="http://schemas.microsoft.com/office/powerpoint/2010/main" val="3026884009"/>
+        <p14:creationId xmlns:p14="http://schemas.microsoft.com/office/powerpoint/2010/main" val="1281530610"/>
       </p:ext>
     </p:extLst>
   </p:cSld>
@@ -4344,94 +4750,51 @@
         </p:nvSpPr>
         <p:spPr/>
         <p:txBody>
-          <a:bodyPr/>
-          <a:lstStyle/>
-          <a:p>
-            <a:r>
-              <a:rPr lang="en-US" dirty="0" smtClean="0"/>
-              <a:t>Memory controller– Verification cases CPU</a:t>
-            </a:r>
-            <a:endParaRPr lang="en-US" dirty="0"/>
-          </a:p>
-        </p:txBody>
-      </p:sp>
-      <p:sp>
-        <p:nvSpPr>
-          <p:cNvPr id="6" name="TextBox 5"/>
-          <p:cNvSpPr txBox="1"/>
-          <p:nvPr/>
-        </p:nvSpPr>
-        <p:spPr>
-          <a:xfrm>
-            <a:off x="1080654" y="1690688"/>
-            <a:ext cx="10061479" cy="2246769"/>
-          </a:xfrm>
-          <a:prstGeom prst="rect">
-            <a:avLst/>
-          </a:prstGeom>
-          <a:noFill/>
-        </p:spPr>
-        <p:txBody>
-          <a:bodyPr wrap="square" rtlCol="0">
-            <a:spAutoFit/>
+          <a:bodyPr>
+            <a:normAutofit/>
           </a:bodyPr>
           <a:lstStyle/>
           <a:p>
-            <a:pPr marL="285750" indent="-285750">
-              <a:buFont typeface="Arial" panose="020B0604020202020204" pitchFamily="34" charset="0"/>
-              <a:buChar char="•"/>
-            </a:pPr>
+            <a:r>
+              <a:rPr lang="en-US" sz="2800" dirty="0"/>
+              <a:t>Peripheral memory </a:t>
+            </a:r>
             <a:r>
               <a:rPr lang="en-US" sz="2800" dirty="0" smtClean="0"/>
-              <a:t>Cache Snoop – miss</a:t>
-            </a:r>
-          </a:p>
-          <a:p>
-            <a:pPr marL="285750" indent="-285750">
-              <a:buFont typeface="Arial" panose="020B0604020202020204" pitchFamily="34" charset="0"/>
-              <a:buChar char="•"/>
-            </a:pPr>
-            <a:r>
-              <a:rPr lang="en-US" sz="2800" dirty="0" smtClean="0"/>
-              <a:t>Cache Snoop – Hit Clean</a:t>
-            </a:r>
-          </a:p>
-          <a:p>
-            <a:pPr marL="285750" indent="-285750">
-              <a:buFont typeface="Arial" panose="020B0604020202020204" pitchFamily="34" charset="0"/>
-              <a:buChar char="•"/>
-            </a:pPr>
-            <a:r>
-              <a:rPr lang="en-US" sz="2800" dirty="0" smtClean="0"/>
-              <a:t>Cache Snoop – Hit Modified.</a:t>
-            </a:r>
-          </a:p>
-          <a:p>
-            <a:pPr marL="742950" lvl="1" indent="-285750">
-              <a:buFont typeface="Arial" panose="020B0604020202020204" pitchFamily="34" charset="0"/>
-              <a:buChar char="•"/>
-            </a:pPr>
-            <a:r>
-              <a:rPr lang="en-US" sz="2800" dirty="0" smtClean="0"/>
-              <a:t>Write back.</a:t>
-            </a:r>
-          </a:p>
-          <a:p>
-            <a:pPr marL="285750" indent="-285750">
-              <a:buFont typeface="Arial" panose="020B0604020202020204" pitchFamily="34" charset="0"/>
-              <a:buChar char="•"/>
-            </a:pPr>
-            <a:r>
-              <a:rPr lang="en-US" sz="2800" dirty="0" smtClean="0"/>
-              <a:t>Test all control signals.</a:t>
-            </a:r>
-          </a:p>
-        </p:txBody>
-      </p:sp>
+              <a:t>Read–error: retry message from MC, successful retry</a:t>
+            </a:r>
+            <a:endParaRPr lang="en-US" sz="2800" dirty="0"/>
+          </a:p>
+        </p:txBody>
+      </p:sp>
+      <p:pic>
+        <p:nvPicPr>
+          <p:cNvPr id="3" name="Picture 2"/>
+          <p:cNvPicPr>
+            <a:picLocks noChangeAspect="1"/>
+          </p:cNvPicPr>
+          <p:nvPr/>
+        </p:nvPicPr>
+        <p:blipFill>
+          <a:blip r:embed="rId2"/>
+          <a:stretch>
+            <a:fillRect/>
+          </a:stretch>
+        </p:blipFill>
+        <p:spPr>
+          <a:xfrm>
+            <a:off x="168675" y="1624613"/>
+            <a:ext cx="11701353" cy="3928978"/>
+          </a:xfrm>
+          <a:prstGeom prst="rect">
+            <a:avLst/>
+          </a:prstGeom>
+        </p:spPr>
+      </p:pic>
     </p:spTree>
     <p:extLst>
       <p:ext uri="{BB962C8B-B14F-4D97-AF65-F5344CB8AC3E}">
-        <p14:creationId xmlns:p14="http://schemas.microsoft.com/office/powerpoint/2010/main" val="975038441"/>
+        <p14:creationId xmlns:p14="http://schemas.microsoft.com/office/powerpoint/2010/main" val="1996414860"/>
       </p:ext>
     </p:extLst>
   </p:cSld>
@@ -4468,14 +4831,19 @@
             <p:ph type="title"/>
           </p:nvPr>
         </p:nvSpPr>
-        <p:spPr/>
+        <p:spPr>
+          <a:xfrm>
+            <a:off x="253692" y="12709"/>
+            <a:ext cx="10515600" cy="1325563"/>
+          </a:xfrm>
+        </p:spPr>
         <p:txBody>
           <a:bodyPr/>
           <a:lstStyle/>
           <a:p>
             <a:r>
               <a:rPr lang="en-US" dirty="0" smtClean="0"/>
-              <a:t>Memory controller– Verification cases Peripheral</a:t>
+              <a:t>Memory controller</a:t>
             </a:r>
             <a:endParaRPr lang="en-US" dirty="0"/>
           </a:p>
@@ -4483,14 +4851,61 @@
       </p:sp>
       <p:sp>
         <p:nvSpPr>
-          <p:cNvPr id="6" name="TextBox 5"/>
+          <p:cNvPr id="4" name="Rectangle 3"/>
+          <p:cNvSpPr/>
+          <p:nvPr/>
+        </p:nvSpPr>
+        <p:spPr>
+          <a:xfrm>
+            <a:off x="3672379" y="1896866"/>
+            <a:ext cx="3690851" cy="2859578"/>
+          </a:xfrm>
+          <a:prstGeom prst="rect">
+            <a:avLst/>
+          </a:prstGeom>
+          <a:solidFill>
+            <a:srgbClr val="FF0000"/>
+          </a:solidFill>
+        </p:spPr>
+        <p:style>
+          <a:lnRef idx="2">
+            <a:schemeClr val="accent1">
+              <a:shade val="50000"/>
+            </a:schemeClr>
+          </a:lnRef>
+          <a:fillRef idx="1">
+            <a:schemeClr val="accent1"/>
+          </a:fillRef>
+          <a:effectRef idx="0">
+            <a:schemeClr val="accent1"/>
+          </a:effectRef>
+          <a:fontRef idx="minor">
+            <a:schemeClr val="lt1"/>
+          </a:fontRef>
+        </p:style>
+        <p:txBody>
+          <a:bodyPr rtlCol="0" anchor="ctr"/>
+          <a:lstStyle/>
+          <a:p>
+            <a:pPr algn="ctr"/>
+            <a:r>
+              <a:rPr lang="en-US" sz="4400" dirty="0" smtClean="0"/>
+              <a:t>Memory Controller</a:t>
+            </a:r>
+            <a:endParaRPr lang="en-US" sz="4400" dirty="0"/>
+          </a:p>
+        </p:txBody>
+      </p:sp>
+      <p:sp>
+        <p:nvSpPr>
+          <p:cNvPr id="21" name="TextBox 20"/>
           <p:cNvSpPr txBox="1"/>
           <p:nvPr/>
         </p:nvSpPr>
         <p:spPr>
           <a:xfrm>
-            <a:off x="1080654" y="1690688"/>
-            <a:ext cx="10061479" cy="4832092"/>
+            <a:off x="812528" y="2419203"/>
+            <a:ext cx="2607461" cy="1200329"/>
           </a:xfrm>
           <a:prstGeom prst="rect">
             <a:avLst/>
@@ -4503,83 +4918,292 @@
           </a:bodyPr>
           <a:lstStyle/>
           <a:p>
-            <a:pPr marL="285750" indent="-285750">
-              <a:buFont typeface="Arial" panose="020B0604020202020204" pitchFamily="34" charset="0"/>
-              <a:buChar char="•"/>
-            </a:pPr>
-            <a:r>
-              <a:rPr lang="en-US" sz="2800" dirty="0" smtClean="0"/>
-              <a:t>Reject peripheral request, bus held by CPU or MC.</a:t>
-            </a:r>
-          </a:p>
-          <a:p>
-            <a:pPr marL="285750" indent="-285750">
-              <a:buFont typeface="Arial" panose="020B0604020202020204" pitchFamily="34" charset="0"/>
-              <a:buChar char="•"/>
-            </a:pPr>
-            <a:r>
-              <a:rPr lang="en-US" sz="2800" dirty="0" smtClean="0"/>
-              <a:t>Handle Peripheral memory write – No error, cache miss/ cache clean hit</a:t>
-            </a:r>
-          </a:p>
-          <a:p>
-            <a:pPr marL="285750" indent="-285750">
-              <a:buFont typeface="Arial" panose="020B0604020202020204" pitchFamily="34" charset="0"/>
-              <a:buChar char="•"/>
-            </a:pPr>
-            <a:r>
-              <a:rPr lang="en-US" sz="2800" dirty="0" smtClean="0"/>
-              <a:t>Handle Peripheral memory read– No error, cache miss/ cache clean hit</a:t>
-            </a:r>
-            <a:endParaRPr lang="en-US" sz="2800" b="1" dirty="0" smtClean="0"/>
-          </a:p>
-          <a:p>
-            <a:pPr marL="285750" indent="-285750">
-              <a:buFont typeface="Arial" panose="020B0604020202020204" pitchFamily="34" charset="0"/>
-              <a:buChar char="•"/>
-            </a:pPr>
-            <a:r>
-              <a:rPr lang="en-US" sz="2800" dirty="0" smtClean="0"/>
-              <a:t>Handle Peripheral memory read – No error, cache hit Modified with retry</a:t>
-            </a:r>
-          </a:p>
-          <a:p>
-            <a:pPr marL="285750" indent="-285750">
-              <a:buFont typeface="Arial" panose="020B0604020202020204" pitchFamily="34" charset="0"/>
-              <a:buChar char="•"/>
-            </a:pPr>
-            <a:r>
-              <a:rPr lang="en-US" sz="2800" dirty="0" smtClean="0"/>
-              <a:t>Handle Peripheral memory write – No error, cache hit Modified with retry</a:t>
-            </a:r>
-          </a:p>
-          <a:p>
-            <a:pPr marL="285750" indent="-285750">
-              <a:buFont typeface="Arial" panose="020B0604020202020204" pitchFamily="34" charset="0"/>
-              <a:buChar char="•"/>
-            </a:pPr>
-            <a:r>
-              <a:rPr lang="en-US" sz="2800" dirty="0" smtClean="0"/>
-              <a:t>Handle Peripheral memory read – Error</a:t>
-            </a:r>
-          </a:p>
-          <a:p>
-            <a:pPr marL="285750" indent="-285750">
-              <a:buFont typeface="Arial" panose="020B0604020202020204" pitchFamily="34" charset="0"/>
-              <a:buChar char="•"/>
-            </a:pPr>
-            <a:r>
-              <a:rPr lang="en-US" sz="2800" dirty="0" smtClean="0"/>
-              <a:t>Handle  Peripheral memory write – Error</a:t>
-            </a:r>
-            <a:endParaRPr lang="en-US" sz="2800" dirty="0"/>
+            <a:r>
+              <a:rPr lang="en-US" sz="2400" dirty="0" smtClean="0"/>
+              <a:t>Serial communication with peripheral</a:t>
+            </a:r>
+            <a:endParaRPr lang="en-US" sz="2400" dirty="0"/>
+          </a:p>
+        </p:txBody>
+      </p:sp>
+      <p:cxnSp>
+        <p:nvCxnSpPr>
+          <p:cNvPr id="5" name="Straight Arrow Connector 4"/>
+          <p:cNvCxnSpPr/>
+          <p:nvPr/>
+        </p:nvCxnSpPr>
+        <p:spPr>
+          <a:xfrm flipV="1">
+            <a:off x="4729314" y="5164530"/>
+            <a:ext cx="0" cy="1128107"/>
+          </a:xfrm>
+          <a:prstGeom prst="straightConnector1">
+            <a:avLst/>
+          </a:prstGeom>
+          <a:ln w="57150">
+            <a:headEnd type="triangle"/>
+            <a:tailEnd type="triangle"/>
+          </a:ln>
+        </p:spPr>
+        <p:style>
+          <a:lnRef idx="1">
+            <a:schemeClr val="accent1"/>
+          </a:lnRef>
+          <a:fillRef idx="0">
+            <a:schemeClr val="accent1"/>
+          </a:fillRef>
+          <a:effectRef idx="0">
+            <a:schemeClr val="accent1"/>
+          </a:effectRef>
+          <a:fontRef idx="minor">
+            <a:schemeClr val="tx1"/>
+          </a:fontRef>
+        </p:style>
+      </p:cxnSp>
+      <p:sp>
+        <p:nvSpPr>
+          <p:cNvPr id="6" name="TextBox 5"/>
+          <p:cNvSpPr txBox="1"/>
+          <p:nvPr/>
+        </p:nvSpPr>
+        <p:spPr>
+          <a:xfrm>
+            <a:off x="5084914" y="5503980"/>
+            <a:ext cx="4556632" cy="461665"/>
+          </a:xfrm>
+          <a:prstGeom prst="rect">
+            <a:avLst/>
+          </a:prstGeom>
+          <a:noFill/>
+        </p:spPr>
+        <p:txBody>
+          <a:bodyPr wrap="square" rtlCol="0">
+            <a:spAutoFit/>
+          </a:bodyPr>
+          <a:lstStyle>
+            <a:defPPr>
+              <a:defRPr lang="en-US"/>
+            </a:defPPr>
+            <a:lvl1pPr>
+              <a:defRPr sz="2400"/>
+            </a:lvl1pPr>
+          </a:lstStyle>
+          <a:p>
+            <a:r>
+              <a:rPr lang="en-US" dirty="0"/>
+              <a:t>Address/data Bus to Main Memory</a:t>
+            </a:r>
+          </a:p>
+        </p:txBody>
+      </p:sp>
+      <p:cxnSp>
+        <p:nvCxnSpPr>
+          <p:cNvPr id="9" name="Straight Arrow Connector 8"/>
+          <p:cNvCxnSpPr/>
+          <p:nvPr/>
+        </p:nvCxnSpPr>
+        <p:spPr>
+          <a:xfrm>
+            <a:off x="7663378" y="3313047"/>
+            <a:ext cx="3208712" cy="0"/>
+          </a:xfrm>
+          <a:prstGeom prst="straightConnector1">
+            <a:avLst/>
+          </a:prstGeom>
+          <a:ln w="57150">
+            <a:headEnd type="triangle"/>
+            <a:tailEnd type="triangle"/>
+          </a:ln>
+        </p:spPr>
+        <p:style>
+          <a:lnRef idx="1">
+            <a:schemeClr val="accent1"/>
+          </a:lnRef>
+          <a:fillRef idx="0">
+            <a:schemeClr val="accent1"/>
+          </a:fillRef>
+          <a:effectRef idx="0">
+            <a:schemeClr val="accent1"/>
+          </a:effectRef>
+          <a:fontRef idx="minor">
+            <a:schemeClr val="tx1"/>
+          </a:fontRef>
+        </p:style>
+      </p:cxnSp>
+      <p:cxnSp>
+        <p:nvCxnSpPr>
+          <p:cNvPr id="22" name="Straight Arrow Connector 21"/>
+          <p:cNvCxnSpPr/>
+          <p:nvPr/>
+        </p:nvCxnSpPr>
+        <p:spPr>
+          <a:xfrm flipV="1">
+            <a:off x="812528" y="3918790"/>
+            <a:ext cx="2407956" cy="7285"/>
+          </a:xfrm>
+          <a:prstGeom prst="straightConnector1">
+            <a:avLst/>
+          </a:prstGeom>
+          <a:ln w="57150">
+            <a:headEnd type="triangle"/>
+            <a:tailEnd type="triangle"/>
+          </a:ln>
+        </p:spPr>
+        <p:style>
+          <a:lnRef idx="1">
+            <a:schemeClr val="accent1"/>
+          </a:lnRef>
+          <a:fillRef idx="0">
+            <a:schemeClr val="accent1"/>
+          </a:fillRef>
+          <a:effectRef idx="0">
+            <a:schemeClr val="accent1"/>
+          </a:effectRef>
+          <a:fontRef idx="minor">
+            <a:schemeClr val="tx1"/>
+          </a:fontRef>
+        </p:style>
+      </p:cxnSp>
+      <p:sp>
+        <p:nvSpPr>
+          <p:cNvPr id="14" name="TextBox 13"/>
+          <p:cNvSpPr txBox="1"/>
+          <p:nvPr/>
+        </p:nvSpPr>
+        <p:spPr>
+          <a:xfrm>
+            <a:off x="7615949" y="2419203"/>
+            <a:ext cx="903132" cy="369332"/>
+          </a:xfrm>
+          <a:prstGeom prst="rect">
+            <a:avLst/>
+          </a:prstGeom>
+          <a:noFill/>
+        </p:spPr>
+        <p:txBody>
+          <a:bodyPr wrap="none" rtlCol="0">
+            <a:spAutoFit/>
+          </a:bodyPr>
+          <a:lstStyle/>
+          <a:p>
+            <a:r>
+              <a:rPr lang="en-US" dirty="0" smtClean="0"/>
+              <a:t>To CPU:</a:t>
+            </a:r>
+            <a:endParaRPr lang="en-US" dirty="0"/>
+          </a:p>
+        </p:txBody>
+      </p:sp>
+      <p:sp>
+        <p:nvSpPr>
+          <p:cNvPr id="26" name="TextBox 25"/>
+          <p:cNvSpPr txBox="1"/>
+          <p:nvPr/>
+        </p:nvSpPr>
+        <p:spPr>
+          <a:xfrm>
+            <a:off x="8243525" y="2779246"/>
+            <a:ext cx="2373278" cy="461665"/>
+          </a:xfrm>
+          <a:prstGeom prst="rect">
+            <a:avLst/>
+          </a:prstGeom>
+          <a:noFill/>
+        </p:spPr>
+        <p:txBody>
+          <a:bodyPr wrap="square" rtlCol="0">
+            <a:spAutoFit/>
+          </a:bodyPr>
+          <a:lstStyle>
+            <a:defPPr>
+              <a:defRPr lang="en-US"/>
+            </a:defPPr>
+            <a:lvl1pPr>
+              <a:defRPr sz="2400"/>
+            </a:lvl1pPr>
+          </a:lstStyle>
+          <a:p>
+            <a:r>
+              <a:rPr lang="en-US" dirty="0"/>
+              <a:t>Address/data Bus</a:t>
+            </a:r>
+          </a:p>
+        </p:txBody>
+      </p:sp>
+      <p:cxnSp>
+        <p:nvCxnSpPr>
+          <p:cNvPr id="27" name="Straight Arrow Connector 26"/>
+          <p:cNvCxnSpPr/>
+          <p:nvPr/>
+        </p:nvCxnSpPr>
+        <p:spPr>
+          <a:xfrm>
+            <a:off x="7713255" y="4196122"/>
+            <a:ext cx="3208712" cy="0"/>
+          </a:xfrm>
+          <a:prstGeom prst="straightConnector1">
+            <a:avLst/>
+          </a:prstGeom>
+          <a:ln w="57150">
+            <a:headEnd type="triangle"/>
+            <a:tailEnd type="triangle"/>
+          </a:ln>
+        </p:spPr>
+        <p:style>
+          <a:lnRef idx="1">
+            <a:schemeClr val="accent1"/>
+          </a:lnRef>
+          <a:fillRef idx="0">
+            <a:schemeClr val="accent1"/>
+          </a:fillRef>
+          <a:effectRef idx="0">
+            <a:schemeClr val="accent1"/>
+          </a:effectRef>
+          <a:fontRef idx="minor">
+            <a:schemeClr val="tx1"/>
+          </a:fontRef>
+        </p:style>
+      </p:cxnSp>
+      <p:sp>
+        <p:nvSpPr>
+          <p:cNvPr id="28" name="TextBox 27"/>
+          <p:cNvSpPr txBox="1"/>
+          <p:nvPr/>
+        </p:nvSpPr>
+        <p:spPr>
+          <a:xfrm>
+            <a:off x="8067515" y="3662320"/>
+            <a:ext cx="2549288" cy="461665"/>
+          </a:xfrm>
+          <a:prstGeom prst="rect">
+            <a:avLst/>
+          </a:prstGeom>
+          <a:noFill/>
+        </p:spPr>
+        <p:txBody>
+          <a:bodyPr wrap="square" rtlCol="0">
+            <a:spAutoFit/>
+          </a:bodyPr>
+          <a:lstStyle>
+            <a:defPPr>
+              <a:defRPr lang="en-US"/>
+            </a:defPPr>
+            <a:lvl1pPr>
+              <a:defRPr sz="2400"/>
+            </a:lvl1pPr>
+          </a:lstStyle>
+          <a:p>
+            <a:r>
+              <a:rPr lang="en-US" dirty="0"/>
+              <a:t>Control Signals Bus</a:t>
+            </a:r>
           </a:p>
         </p:txBody>
       </p:sp>
     </p:spTree>
     <p:extLst>
       <p:ext uri="{BB962C8B-B14F-4D97-AF65-F5344CB8AC3E}">
-        <p14:creationId xmlns:p14="http://schemas.microsoft.com/office/powerpoint/2010/main" val="3538709769"/>
+        <p14:creationId xmlns:p14="http://schemas.microsoft.com/office/powerpoint/2010/main" val="3699857399"/>
       </p:ext>
     </p:extLst>
   </p:cSld>
@@ -4616,14 +5240,19 @@
             <p:ph type="title"/>
           </p:nvPr>
         </p:nvSpPr>
-        <p:spPr/>
+        <p:spPr>
+          <a:xfrm>
+            <a:off x="517533" y="213900"/>
+            <a:ext cx="10515600" cy="1325563"/>
+          </a:xfrm>
+        </p:spPr>
         <p:txBody>
           <a:bodyPr/>
           <a:lstStyle/>
           <a:p>
             <a:r>
               <a:rPr lang="en-US" dirty="0" smtClean="0"/>
-              <a:t>Main Memory</a:t>
+              <a:t>Memory controller – Control signals</a:t>
             </a:r>
             <a:endParaRPr lang="en-US" dirty="0"/>
           </a:p>
@@ -4631,95 +5260,40 @@
       </p:sp>
       <p:sp>
         <p:nvSpPr>
-          <p:cNvPr id="4" name="Rectangle 3"/>
-          <p:cNvSpPr/>
-          <p:nvPr/>
-        </p:nvSpPr>
-        <p:spPr>
-          <a:xfrm>
-            <a:off x="3672378" y="2923656"/>
-            <a:ext cx="3690851" cy="2859578"/>
-          </a:xfrm>
-          <a:prstGeom prst="rect">
-            <a:avLst/>
-          </a:prstGeom>
-          <a:solidFill>
-            <a:schemeClr val="tx2"/>
-          </a:solidFill>
-        </p:spPr>
-        <p:style>
-          <a:lnRef idx="2">
-            <a:schemeClr val="accent1">
-              <a:shade val="50000"/>
-            </a:schemeClr>
-          </a:lnRef>
-          <a:fillRef idx="1">
-            <a:schemeClr val="accent1"/>
-          </a:fillRef>
-          <a:effectRef idx="0">
-            <a:schemeClr val="accent1"/>
-          </a:effectRef>
-          <a:fontRef idx="minor">
-            <a:schemeClr val="lt1"/>
-          </a:fontRef>
-        </p:style>
-        <p:txBody>
-          <a:bodyPr rtlCol="0" anchor="ctr"/>
-          <a:lstStyle/>
-          <a:p>
-            <a:pPr algn="ctr"/>
-            <a:r>
-              <a:rPr lang="en-US" sz="4400" dirty="0" smtClean="0"/>
-              <a:t>Main Memory</a:t>
-            </a:r>
-            <a:endParaRPr lang="en-US" sz="4400" dirty="0"/>
-          </a:p>
-        </p:txBody>
-      </p:sp>
-      <p:cxnSp>
-        <p:nvCxnSpPr>
-          <p:cNvPr id="5" name="Straight Arrow Connector 4"/>
-          <p:cNvCxnSpPr/>
-          <p:nvPr/>
-        </p:nvCxnSpPr>
-        <p:spPr>
-          <a:xfrm flipV="1">
-            <a:off x="4553527" y="1690688"/>
-            <a:ext cx="0" cy="1128107"/>
-          </a:xfrm>
-          <a:prstGeom prst="straightConnector1">
-            <a:avLst/>
-          </a:prstGeom>
-          <a:ln w="57150">
-            <a:headEnd type="triangle"/>
-            <a:tailEnd type="triangle"/>
-          </a:ln>
-        </p:spPr>
-        <p:style>
-          <a:lnRef idx="1">
-            <a:schemeClr val="accent1"/>
-          </a:lnRef>
-          <a:fillRef idx="0">
-            <a:schemeClr val="accent1"/>
-          </a:fillRef>
-          <a:effectRef idx="0">
-            <a:schemeClr val="accent1"/>
-          </a:effectRef>
-          <a:fontRef idx="minor">
-            <a:schemeClr val="tx1"/>
-          </a:fontRef>
-        </p:style>
-      </p:cxnSp>
-      <p:sp>
-        <p:nvSpPr>
-          <p:cNvPr id="6" name="TextBox 5"/>
+          <p:cNvPr id="4" name="TextBox 3"/>
           <p:cNvSpPr txBox="1"/>
           <p:nvPr/>
         </p:nvSpPr>
         <p:spPr>
           <a:xfrm>
-            <a:off x="4909127" y="2030138"/>
-            <a:ext cx="5233940" cy="830997"/>
+            <a:off x="1524000" y="2116667"/>
+            <a:ext cx="184731" cy="369332"/>
+          </a:xfrm>
+          <a:prstGeom prst="rect">
+            <a:avLst/>
+          </a:prstGeom>
+          <a:noFill/>
+        </p:spPr>
+        <p:txBody>
+          <a:bodyPr wrap="none" rtlCol="0">
+            <a:spAutoFit/>
+          </a:bodyPr>
+          <a:lstStyle/>
+          <a:p>
+            <a:endParaRPr lang="en-US" dirty="0"/>
+          </a:p>
+        </p:txBody>
+      </p:sp>
+      <p:sp>
+        <p:nvSpPr>
+          <p:cNvPr id="5" name="TextBox 4"/>
+          <p:cNvSpPr txBox="1"/>
+          <p:nvPr/>
+        </p:nvSpPr>
+        <p:spPr>
+          <a:xfrm>
+            <a:off x="453500" y="1371600"/>
+            <a:ext cx="11738500" cy="5816977"/>
           </a:xfrm>
           <a:prstGeom prst="rect">
             <a:avLst/>
@@ -4730,126 +5304,106 @@
           <a:bodyPr wrap="square" rtlCol="0">
             <a:spAutoFit/>
           </a:bodyPr>
-          <a:lstStyle>
-            <a:defPPr>
-              <a:defRPr lang="en-US"/>
-            </a:defPPr>
-            <a:lvl1pPr>
-              <a:defRPr sz="2400"/>
-            </a:lvl1pPr>
-          </a:lstStyle>
-          <a:p>
-            <a:r>
-              <a:rPr lang="en-US" dirty="0"/>
-              <a:t>Address/data Bus to </a:t>
-            </a:r>
-            <a:r>
-              <a:rPr lang="en-US" dirty="0" smtClean="0"/>
-              <a:t>Memory controller</a:t>
-            </a:r>
-          </a:p>
-          <a:p>
-            <a:endParaRPr lang="en-US" dirty="0"/>
-          </a:p>
-        </p:txBody>
-      </p:sp>
-      <p:sp>
-        <p:nvSpPr>
-          <p:cNvPr id="3" name="TextBox 2"/>
-          <p:cNvSpPr txBox="1"/>
-          <p:nvPr/>
-        </p:nvSpPr>
-        <p:spPr>
-          <a:xfrm>
-            <a:off x="1137293" y="4736865"/>
-            <a:ext cx="2060244" cy="523220"/>
-          </a:xfrm>
-          <a:prstGeom prst="rect">
-            <a:avLst/>
-          </a:prstGeom>
-          <a:noFill/>
-        </p:spPr>
-        <p:txBody>
-          <a:bodyPr wrap="none" rtlCol="0">
-            <a:spAutoFit/>
-          </a:bodyPr>
-          <a:lstStyle/>
-          <a:p>
+          <a:lstStyle/>
+          <a:p>
+            <a:pPr marL="285750" indent="-285750">
+              <a:buFont typeface="Arial" panose="020B0604020202020204" pitchFamily="34" charset="0"/>
+              <a:buChar char="•"/>
+            </a:pPr>
             <a:r>
               <a:rPr lang="en-US" sz="2800" dirty="0" smtClean="0"/>
-              <a:t>Write Enable</a:t>
-            </a:r>
-            <a:endParaRPr lang="en-US" sz="2800" dirty="0"/>
-          </a:p>
-        </p:txBody>
-      </p:sp>
-      <p:cxnSp>
-        <p:nvCxnSpPr>
-          <p:cNvPr id="15" name="Straight Arrow Connector 14"/>
-          <p:cNvCxnSpPr/>
-          <p:nvPr/>
-        </p:nvCxnSpPr>
-        <p:spPr>
-          <a:xfrm flipV="1">
-            <a:off x="640812" y="5279504"/>
-            <a:ext cx="2793076" cy="5109"/>
-          </a:xfrm>
-          <a:prstGeom prst="straightConnector1">
-            <a:avLst/>
-          </a:prstGeom>
-          <a:ln w="57150">
-            <a:tailEnd type="triangle"/>
-          </a:ln>
-        </p:spPr>
-        <p:style>
-          <a:lnRef idx="1">
-            <a:schemeClr val="accent1"/>
-          </a:lnRef>
-          <a:fillRef idx="0">
-            <a:schemeClr val="accent1"/>
-          </a:fillRef>
-          <a:effectRef idx="0">
-            <a:schemeClr val="accent1"/>
-          </a:effectRef>
-          <a:fontRef idx="minor">
-            <a:schemeClr val="tx1"/>
-          </a:fontRef>
-        </p:style>
-      </p:cxnSp>
-      <p:sp>
-        <p:nvSpPr>
-          <p:cNvPr id="7" name="TextBox 6"/>
-          <p:cNvSpPr txBox="1"/>
-          <p:nvPr/>
-        </p:nvSpPr>
-        <p:spPr>
-          <a:xfrm>
-            <a:off x="8568267" y="3843866"/>
-            <a:ext cx="2785533" cy="1384995"/>
-          </a:xfrm>
-          <a:prstGeom prst="rect">
-            <a:avLst/>
-          </a:prstGeom>
-          <a:noFill/>
-        </p:spPr>
-        <p:txBody>
-          <a:bodyPr wrap="square" rtlCol="0">
-            <a:spAutoFit/>
-          </a:bodyPr>
-          <a:lstStyle/>
+              <a:t>AHOLD – address hold: maintain </a:t>
+            </a:r>
+            <a:r>
+              <a:rPr lang="en-US" sz="2800" dirty="0" err="1" smtClean="0"/>
+              <a:t>memoryconsistency</a:t>
+            </a:r>
+            <a:endParaRPr lang="en-US" sz="2800" dirty="0" smtClean="0"/>
+          </a:p>
           <a:p>
             <a:r>
               <a:rPr lang="en-US" sz="2800" dirty="0" smtClean="0"/>
-              <a:t>Implement single port RAM with WE and MESI bits</a:t>
-            </a:r>
-            <a:endParaRPr lang="en-US" sz="2800" dirty="0"/>
+              <a:t>• EADS# - external address strobe: external; informs the processor of a valid address on its local bus to be snooped (internal cache lookup)</a:t>
+            </a:r>
+          </a:p>
+          <a:p>
+            <a:r>
+              <a:rPr lang="en-US" sz="2800" dirty="0" smtClean="0"/>
+              <a:t>• input INV – invalidate: external; informs the processor to leave cache line valid or mark it invalid on a snoop hit</a:t>
+            </a:r>
+          </a:p>
+          <a:p>
+            <a:r>
+              <a:rPr lang="en-US" sz="2800" dirty="0" smtClean="0"/>
+              <a:t>• </a:t>
+            </a:r>
+            <a:r>
+              <a:rPr lang="en-US" sz="2800" dirty="0" err="1" smtClean="0"/>
+              <a:t>inout</a:t>
+            </a:r>
+            <a:r>
+              <a:rPr lang="en-US" sz="2800" dirty="0" smtClean="0"/>
+              <a:t> HIT# - hit on internal cache – notify other processors that information is shared by another cache</a:t>
+            </a:r>
+          </a:p>
+          <a:p>
+            <a:r>
+              <a:rPr lang="en-US" sz="2800" dirty="0" smtClean="0"/>
+              <a:t>• </a:t>
+            </a:r>
+            <a:r>
+              <a:rPr lang="en-US" sz="2800" dirty="0" err="1" smtClean="0"/>
+              <a:t>inout</a:t>
+            </a:r>
+            <a:r>
+              <a:rPr lang="en-US" sz="2800" dirty="0" smtClean="0"/>
+              <a:t> HITM# - hit modified line: hit to a modified line </a:t>
+            </a:r>
+            <a:r>
+              <a:rPr lang="en-US" sz="2800" dirty="0" err="1" smtClean="0"/>
+              <a:t>incache</a:t>
+            </a:r>
+            <a:r>
+              <a:rPr lang="en-US" sz="2800" dirty="0" smtClean="0"/>
+              <a:t>, write-back required</a:t>
+            </a:r>
+          </a:p>
+          <a:p>
+            <a:endParaRPr lang="en-US" sz="2800" dirty="0" smtClean="0"/>
+          </a:p>
+          <a:p>
+            <a:pPr marL="285750" indent="-285750">
+              <a:buFont typeface="Arial" panose="020B0604020202020204" pitchFamily="34" charset="0"/>
+              <a:buChar char="•"/>
+            </a:pPr>
+            <a:r>
+              <a:rPr lang="en-US" sz="2800" dirty="0" smtClean="0"/>
+              <a:t> PBGNT# - private bus grant: asserted to grant bus ownership </a:t>
+            </a:r>
+          </a:p>
+          <a:p>
+            <a:r>
+              <a:rPr lang="en-US" sz="2800" dirty="0" smtClean="0"/>
+              <a:t>• </a:t>
+            </a:r>
+            <a:r>
+              <a:rPr lang="en-US" sz="2800" dirty="0" err="1" smtClean="0"/>
+              <a:t>inout</a:t>
+            </a:r>
+            <a:r>
+              <a:rPr lang="en-US" sz="2800" dirty="0" smtClean="0"/>
+              <a:t> PBREQ# - private bus request: asserted to request bus ownership</a:t>
+            </a:r>
+          </a:p>
+          <a:p>
+            <a:endParaRPr lang="en-US" sz="3600" dirty="0"/>
           </a:p>
         </p:txBody>
       </p:sp>
     </p:spTree>
     <p:extLst>
       <p:ext uri="{BB962C8B-B14F-4D97-AF65-F5344CB8AC3E}">
-        <p14:creationId xmlns:p14="http://schemas.microsoft.com/office/powerpoint/2010/main" val="1797040629"/>
+        <p14:creationId xmlns:p14="http://schemas.microsoft.com/office/powerpoint/2010/main" val="3026884009"/>
       </p:ext>
     </p:extLst>
   </p:cSld>
@@ -4893,7 +5447,7 @@
           <a:p>
             <a:r>
               <a:rPr lang="en-US" dirty="0" smtClean="0"/>
-              <a:t>Main Memory Verification Cases</a:t>
+              <a:t>Memory controller– Verification cases CPU</a:t>
             </a:r>
             <a:endParaRPr lang="en-US" dirty="0"/>
           </a:p>
@@ -4908,7 +5462,7 @@
         <p:spPr>
           <a:xfrm>
             <a:off x="1080654" y="1690688"/>
-            <a:ext cx="10061479" cy="1384995"/>
+            <a:ext cx="10061479" cy="2246769"/>
           </a:xfrm>
           <a:prstGeom prst="rect">
             <a:avLst/>
@@ -4927,7 +5481,7 @@
             </a:pPr>
             <a:r>
               <a:rPr lang="en-US" sz="2800" dirty="0" smtClean="0"/>
-              <a:t>Read</a:t>
+              <a:t>Cache Snoop – miss</a:t>
             </a:r>
           </a:p>
           <a:p>
@@ -4937,7 +5491,7 @@
             </a:pPr>
             <a:r>
               <a:rPr lang="en-US" sz="2800" dirty="0" smtClean="0"/>
-              <a:t>Write</a:t>
+              <a:t>Cache Snoop – Hit Clean</a:t>
             </a:r>
           </a:p>
           <a:p>
@@ -4947,16 +5501,35 @@
             </a:pPr>
             <a:r>
               <a:rPr lang="en-US" sz="2800" dirty="0" smtClean="0"/>
-              <a:t>Modify MESI bits.</a:t>
-            </a:r>
-            <a:endParaRPr lang="en-US" sz="2800" dirty="0"/>
+              <a:t>Cache Snoop – Hit Modified.</a:t>
+            </a:r>
+          </a:p>
+          <a:p>
+            <a:pPr marL="742950" lvl="1" indent="-285750">
+              <a:buFont typeface="Arial" panose="020B0604020202020204" pitchFamily="34" charset="0"/>
+              <a:buChar char="•"/>
+            </a:pPr>
+            <a:r>
+              <a:rPr lang="en-US" sz="2800" dirty="0" smtClean="0"/>
+              <a:t>Write back.</a:t>
+            </a:r>
+          </a:p>
+          <a:p>
+            <a:pPr marL="285750" indent="-285750">
+              <a:buFont typeface="Arial" panose="020B0604020202020204" pitchFamily="34" charset="0"/>
+              <a:buChar char="•"/>
+            </a:pPr>
+            <a:r>
+              <a:rPr lang="en-US" sz="2800" dirty="0" smtClean="0"/>
+              <a:t>Test all control signals.</a:t>
+            </a:r>
           </a:p>
         </p:txBody>
       </p:sp>
     </p:spTree>
     <p:extLst>
       <p:ext uri="{BB962C8B-B14F-4D97-AF65-F5344CB8AC3E}">
-        <p14:creationId xmlns:p14="http://schemas.microsoft.com/office/powerpoint/2010/main" val="3569851853"/>
+        <p14:creationId xmlns:p14="http://schemas.microsoft.com/office/powerpoint/2010/main" val="975038441"/>
       </p:ext>
     </p:extLst>
   </p:cSld>
@@ -4993,19 +5566,14 @@
             <p:ph type="title"/>
           </p:nvPr>
         </p:nvSpPr>
-        <p:spPr>
-          <a:xfrm>
-            <a:off x="253692" y="12709"/>
-            <a:ext cx="10515600" cy="1325563"/>
-          </a:xfrm>
-        </p:spPr>
+        <p:spPr/>
         <p:txBody>
           <a:bodyPr/>
           <a:lstStyle/>
           <a:p>
             <a:r>
               <a:rPr lang="en-US" dirty="0" smtClean="0"/>
-              <a:t>CPU</a:t>
+              <a:t>Memory controller– Verification cases Peripheral</a:t>
             </a:r>
             <a:endParaRPr lang="en-US" dirty="0"/>
           </a:p>
@@ -5013,125 +5581,14 @@
       </p:sp>
       <p:sp>
         <p:nvSpPr>
-          <p:cNvPr id="4" name="Rectangle 3"/>
-          <p:cNvSpPr/>
-          <p:nvPr/>
-        </p:nvSpPr>
-        <p:spPr>
-          <a:xfrm>
-            <a:off x="5016081" y="2249464"/>
-            <a:ext cx="3690851" cy="2859578"/>
-          </a:xfrm>
-          <a:prstGeom prst="rect">
-            <a:avLst/>
-          </a:prstGeom>
-          <a:solidFill>
-            <a:srgbClr val="7030A0"/>
-          </a:solidFill>
-        </p:spPr>
-        <p:style>
-          <a:lnRef idx="2">
-            <a:schemeClr val="accent1">
-              <a:shade val="50000"/>
-            </a:schemeClr>
-          </a:lnRef>
-          <a:fillRef idx="1">
-            <a:schemeClr val="accent1"/>
-          </a:fillRef>
-          <a:effectRef idx="0">
-            <a:schemeClr val="accent1"/>
-          </a:effectRef>
-          <a:fontRef idx="minor">
-            <a:schemeClr val="lt1"/>
-          </a:fontRef>
-        </p:style>
-        <p:txBody>
-          <a:bodyPr rtlCol="0" anchor="ctr"/>
-          <a:lstStyle/>
-          <a:p>
-            <a:pPr algn="ctr"/>
-            <a:r>
-              <a:rPr lang="en-US" sz="4400" dirty="0" smtClean="0"/>
-              <a:t>CPU</a:t>
-            </a:r>
-            <a:endParaRPr lang="en-US" sz="4400" dirty="0"/>
-          </a:p>
-        </p:txBody>
-      </p:sp>
-      <p:cxnSp>
-        <p:nvCxnSpPr>
-          <p:cNvPr id="9" name="Straight Arrow Connector 8"/>
-          <p:cNvCxnSpPr/>
-          <p:nvPr/>
-        </p:nvCxnSpPr>
-        <p:spPr>
-          <a:xfrm>
-            <a:off x="1435080" y="3329980"/>
-            <a:ext cx="3208712" cy="0"/>
-          </a:xfrm>
-          <a:prstGeom prst="straightConnector1">
-            <a:avLst/>
-          </a:prstGeom>
-          <a:ln w="57150">
-            <a:headEnd type="triangle"/>
-            <a:tailEnd type="triangle"/>
-          </a:ln>
-        </p:spPr>
-        <p:style>
-          <a:lnRef idx="1">
-            <a:schemeClr val="accent1"/>
-          </a:lnRef>
-          <a:fillRef idx="0">
-            <a:schemeClr val="accent1"/>
-          </a:fillRef>
-          <a:effectRef idx="0">
-            <a:schemeClr val="accent1"/>
-          </a:effectRef>
-          <a:fontRef idx="minor">
-            <a:schemeClr val="tx1"/>
-          </a:fontRef>
-        </p:style>
-      </p:cxnSp>
-      <p:sp>
-        <p:nvSpPr>
-          <p:cNvPr id="14" name="TextBox 13"/>
+          <p:cNvPr id="6" name="TextBox 5"/>
           <p:cNvSpPr txBox="1"/>
           <p:nvPr/>
         </p:nvSpPr>
         <p:spPr>
           <a:xfrm>
-            <a:off x="1387651" y="2436136"/>
-            <a:ext cx="2284728" cy="369332"/>
-          </a:xfrm>
-          <a:prstGeom prst="rect">
-            <a:avLst/>
-          </a:prstGeom>
-          <a:noFill/>
-        </p:spPr>
-        <p:txBody>
-          <a:bodyPr wrap="none" rtlCol="0">
-            <a:spAutoFit/>
-          </a:bodyPr>
-          <a:lstStyle/>
-          <a:p>
-            <a:r>
-              <a:rPr lang="en-US" dirty="0" smtClean="0"/>
-              <a:t>To Memory controller:</a:t>
-            </a:r>
-            <a:endParaRPr lang="en-US" dirty="0"/>
-          </a:p>
-        </p:txBody>
-      </p:sp>
-      <p:sp>
-        <p:nvSpPr>
-          <p:cNvPr id="26" name="TextBox 25"/>
-          <p:cNvSpPr txBox="1"/>
-          <p:nvPr/>
-        </p:nvSpPr>
-        <p:spPr>
-          <a:xfrm>
-            <a:off x="2015227" y="2796179"/>
-            <a:ext cx="2373278" cy="461665"/>
+            <a:off x="1080654" y="1690688"/>
+            <a:ext cx="10061479" cy="4832092"/>
           </a:xfrm>
           <a:prstGeom prst="rect">
             <a:avLst/>
@@ -5142,96 +5599,85 @@
           <a:bodyPr wrap="square" rtlCol="0">
             <a:spAutoFit/>
           </a:bodyPr>
-          <a:lstStyle>
-            <a:defPPr>
-              <a:defRPr lang="en-US"/>
-            </a:defPPr>
-            <a:lvl1pPr>
-              <a:defRPr sz="2400"/>
-            </a:lvl1pPr>
-          </a:lstStyle>
-          <a:p>
-            <a:r>
-              <a:rPr lang="en-US" dirty="0"/>
-              <a:t>Address/data Bus</a:t>
-            </a:r>
-          </a:p>
-        </p:txBody>
-      </p:sp>
-      <p:cxnSp>
-        <p:nvCxnSpPr>
-          <p:cNvPr id="27" name="Straight Arrow Connector 26"/>
-          <p:cNvCxnSpPr/>
-          <p:nvPr/>
-        </p:nvCxnSpPr>
-        <p:spPr>
-          <a:xfrm>
-            <a:off x="1484957" y="4213055"/>
-            <a:ext cx="3208712" cy="0"/>
-          </a:xfrm>
-          <a:prstGeom prst="straightConnector1">
-            <a:avLst/>
-          </a:prstGeom>
-          <a:ln w="57150">
-            <a:headEnd type="triangle"/>
-            <a:tailEnd type="triangle"/>
-          </a:ln>
-        </p:spPr>
-        <p:style>
-          <a:lnRef idx="1">
-            <a:schemeClr val="accent1"/>
-          </a:lnRef>
-          <a:fillRef idx="0">
-            <a:schemeClr val="accent1"/>
-          </a:fillRef>
-          <a:effectRef idx="0">
-            <a:schemeClr val="accent1"/>
-          </a:effectRef>
-          <a:fontRef idx="minor">
-            <a:schemeClr val="tx1"/>
-          </a:fontRef>
-        </p:style>
-      </p:cxnSp>
-      <p:sp>
-        <p:nvSpPr>
-          <p:cNvPr id="28" name="TextBox 27"/>
-          <p:cNvSpPr txBox="1"/>
-          <p:nvPr/>
-        </p:nvSpPr>
-        <p:spPr>
-          <a:xfrm>
-            <a:off x="1839217" y="3679253"/>
-            <a:ext cx="2549288" cy="461665"/>
-          </a:xfrm>
-          <a:prstGeom prst="rect">
-            <a:avLst/>
-          </a:prstGeom>
-          <a:noFill/>
-        </p:spPr>
-        <p:txBody>
-          <a:bodyPr wrap="square" rtlCol="0">
-            <a:spAutoFit/>
-          </a:bodyPr>
-          <a:lstStyle>
-            <a:defPPr>
-              <a:defRPr lang="en-US"/>
-            </a:defPPr>
-            <a:lvl1pPr>
-              <a:defRPr sz="2400"/>
-            </a:lvl1pPr>
-          </a:lstStyle>
-          <a:p>
-            <a:r>
-              <a:rPr lang="en-US" dirty="0"/>
-              <a:t>Control Signals Bus</a:t>
-            </a:r>
+          <a:lstStyle/>
+          <a:p>
+            <a:pPr marL="285750" indent="-285750">
+              <a:buFont typeface="Arial" panose="020B0604020202020204" pitchFamily="34" charset="0"/>
+              <a:buChar char="•"/>
+            </a:pPr>
+            <a:r>
+              <a:rPr lang="en-US" sz="2800" dirty="0" smtClean="0"/>
+              <a:t>Reject peripheral request, bus held by CPU or MC.</a:t>
+            </a:r>
+          </a:p>
+          <a:p>
+            <a:pPr marL="285750" indent="-285750">
+              <a:buFont typeface="Arial" panose="020B0604020202020204" pitchFamily="34" charset="0"/>
+              <a:buChar char="•"/>
+            </a:pPr>
+            <a:r>
+              <a:rPr lang="en-US" sz="2800" dirty="0" smtClean="0"/>
+              <a:t>Handle Peripheral memory write – No error, cache miss/ cache clean hit</a:t>
+            </a:r>
+          </a:p>
+          <a:p>
+            <a:pPr marL="285750" indent="-285750">
+              <a:buFont typeface="Arial" panose="020B0604020202020204" pitchFamily="34" charset="0"/>
+              <a:buChar char="•"/>
+            </a:pPr>
+            <a:r>
+              <a:rPr lang="en-US" sz="2800" dirty="0" smtClean="0"/>
+              <a:t>Handle Peripheral memory read– No error, cache miss/ cache clean hit</a:t>
+            </a:r>
+            <a:endParaRPr lang="en-US" sz="2800" b="1" dirty="0" smtClean="0"/>
+          </a:p>
+          <a:p>
+            <a:pPr marL="285750" indent="-285750">
+              <a:buFont typeface="Arial" panose="020B0604020202020204" pitchFamily="34" charset="0"/>
+              <a:buChar char="•"/>
+            </a:pPr>
+            <a:r>
+              <a:rPr lang="en-US" sz="2800" dirty="0" smtClean="0"/>
+              <a:t>Handle Peripheral memory read – No error, cache hit Modified with retry</a:t>
+            </a:r>
+          </a:p>
+          <a:p>
+            <a:pPr marL="285750" indent="-285750">
+              <a:buFont typeface="Arial" panose="020B0604020202020204" pitchFamily="34" charset="0"/>
+              <a:buChar char="•"/>
+            </a:pPr>
+            <a:r>
+              <a:rPr lang="en-US" sz="2800" dirty="0" smtClean="0"/>
+              <a:t>Handle Peripheral memory write – No error, cache hit Modified with retry</a:t>
+            </a:r>
+          </a:p>
+          <a:p>
+            <a:pPr marL="285750" indent="-285750">
+              <a:buFont typeface="Arial" panose="020B0604020202020204" pitchFamily="34" charset="0"/>
+              <a:buChar char="•"/>
+            </a:pPr>
+            <a:r>
+              <a:rPr lang="en-US" sz="2800" dirty="0" smtClean="0"/>
+              <a:t>Handle Peripheral memory read – Error</a:t>
+            </a:r>
+          </a:p>
+          <a:p>
+            <a:pPr marL="285750" indent="-285750">
+              <a:buFont typeface="Arial" panose="020B0604020202020204" pitchFamily="34" charset="0"/>
+              <a:buChar char="•"/>
+            </a:pPr>
+            <a:r>
+              <a:rPr lang="en-US" sz="2800" dirty="0" smtClean="0"/>
+              <a:t>Handle  Peripheral memory write – Error</a:t>
+            </a:r>
+            <a:endParaRPr lang="en-US" sz="2800" dirty="0"/>
           </a:p>
         </p:txBody>
       </p:sp>
     </p:spTree>
     <p:extLst>
       <p:ext uri="{BB962C8B-B14F-4D97-AF65-F5344CB8AC3E}">
-        <p14:creationId xmlns:p14="http://schemas.microsoft.com/office/powerpoint/2010/main" val="3225322516"/>
+        <p14:creationId xmlns:p14="http://schemas.microsoft.com/office/powerpoint/2010/main" val="3538709769"/>
       </p:ext>
     </p:extLst>
   </p:cSld>
@@ -5275,46 +5721,103 @@
           <a:p>
             <a:r>
               <a:rPr lang="en-US" dirty="0" smtClean="0"/>
-              <a:t>CPU</a:t>
+              <a:t>Main Memory</a:t>
             </a:r>
             <a:endParaRPr lang="en-US" dirty="0"/>
           </a:p>
         </p:txBody>
       </p:sp>
-      <p:pic>
-        <p:nvPicPr>
-          <p:cNvPr id="16" name="Picture 15"/>
-          <p:cNvPicPr>
-            <a:picLocks noChangeAspect="1"/>
-          </p:cNvPicPr>
-          <p:nvPr/>
-        </p:nvPicPr>
-        <p:blipFill>
-          <a:blip r:embed="rId2"/>
-          <a:stretch>
-            <a:fillRect/>
-          </a:stretch>
-        </p:blipFill>
-        <p:spPr>
-          <a:xfrm>
-            <a:off x="317971" y="2927500"/>
-            <a:ext cx="1040457" cy="1158546"/>
-          </a:xfrm>
-          <a:prstGeom prst="rect">
-            <a:avLst/>
-          </a:prstGeom>
-        </p:spPr>
-      </p:pic>
-      <p:sp>
-        <p:nvSpPr>
-          <p:cNvPr id="17" name="TextBox 16"/>
+      <p:sp>
+        <p:nvSpPr>
+          <p:cNvPr id="4" name="Rectangle 3"/>
+          <p:cNvSpPr/>
+          <p:nvPr/>
+        </p:nvSpPr>
+        <p:spPr>
+          <a:xfrm>
+            <a:off x="3672378" y="2923656"/>
+            <a:ext cx="3690851" cy="2859578"/>
+          </a:xfrm>
+          <a:prstGeom prst="rect">
+            <a:avLst/>
+          </a:prstGeom>
+          <a:solidFill>
+            <a:schemeClr val="tx2"/>
+          </a:solidFill>
+        </p:spPr>
+        <p:style>
+          <a:lnRef idx="2">
+            <a:schemeClr val="accent1">
+              <a:shade val="50000"/>
+            </a:schemeClr>
+          </a:lnRef>
+          <a:fillRef idx="1">
+            <a:schemeClr val="accent1"/>
+          </a:fillRef>
+          <a:effectRef idx="0">
+            <a:schemeClr val="accent1"/>
+          </a:effectRef>
+          <a:fontRef idx="minor">
+            <a:schemeClr val="lt1"/>
+          </a:fontRef>
+        </p:style>
+        <p:txBody>
+          <a:bodyPr rtlCol="0" anchor="ctr"/>
+          <a:lstStyle/>
+          <a:p>
+            <a:pPr algn="ctr"/>
+            <a:r>
+              <a:rPr lang="en-US" sz="4400" dirty="0" smtClean="0"/>
+              <a:t>Main Memory</a:t>
+            </a:r>
+            <a:endParaRPr lang="en-US" sz="4400" dirty="0"/>
+          </a:p>
+        </p:txBody>
+      </p:sp>
+      <p:cxnSp>
+        <p:nvCxnSpPr>
+          <p:cNvPr id="5" name="Straight Arrow Connector 4"/>
+          <p:cNvCxnSpPr/>
+          <p:nvPr/>
+        </p:nvCxnSpPr>
+        <p:spPr>
+          <a:xfrm flipV="1">
+            <a:off x="4553527" y="1690688"/>
+            <a:ext cx="0" cy="1128107"/>
+          </a:xfrm>
+          <a:prstGeom prst="straightConnector1">
+            <a:avLst/>
+          </a:prstGeom>
+          <a:ln w="57150">
+            <a:headEnd type="triangle"/>
+            <a:tailEnd type="triangle"/>
+          </a:ln>
+        </p:spPr>
+        <p:style>
+          <a:lnRef idx="1">
+            <a:schemeClr val="accent1"/>
+          </a:lnRef>
+          <a:fillRef idx="0">
+            <a:schemeClr val="accent1"/>
+          </a:fillRef>
+          <a:effectRef idx="0">
+            <a:schemeClr val="accent1"/>
+          </a:effectRef>
+          <a:fontRef idx="minor">
+            <a:schemeClr val="tx1"/>
+          </a:fontRef>
+        </p:style>
+      </p:cxnSp>
+      <p:sp>
+        <p:nvSpPr>
+          <p:cNvPr id="6" name="TextBox 5"/>
           <p:cNvSpPr txBox="1"/>
           <p:nvPr/>
         </p:nvSpPr>
         <p:spPr>
           <a:xfrm>
-            <a:off x="1559249" y="2301354"/>
-            <a:ext cx="3919765" cy="2677656"/>
+            <a:off x="4909127" y="2030138"/>
+            <a:ext cx="5233940" cy="830997"/>
           </a:xfrm>
           <a:prstGeom prst="rect">
             <a:avLst/>
@@ -5325,111 +5828,102 @@
           <a:bodyPr wrap="square" rtlCol="0">
             <a:spAutoFit/>
           </a:bodyPr>
-          <a:lstStyle/>
-          <a:p>
-            <a:r>
-              <a:rPr lang="en-US" sz="2400" dirty="0" smtClean="0"/>
-              <a:t>CPU reads file from computer that contains instructions to:</a:t>
-            </a:r>
-          </a:p>
-          <a:p>
-            <a:pPr marL="285750" indent="-285750">
-              <a:buFont typeface="Arial" panose="020B0604020202020204" pitchFamily="34" charset="0"/>
-              <a:buChar char="•"/>
-            </a:pPr>
-            <a:r>
-              <a:rPr lang="en-US" sz="2400" dirty="0" smtClean="0"/>
-              <a:t> read/write - </a:t>
-            </a:r>
-            <a:r>
-              <a:rPr lang="en-US" sz="2400" b="1" dirty="0" smtClean="0"/>
-              <a:t>header</a:t>
-            </a:r>
-          </a:p>
-          <a:p>
-            <a:pPr marL="285750" indent="-285750">
-              <a:buFont typeface="Arial" panose="020B0604020202020204" pitchFamily="34" charset="0"/>
-              <a:buChar char="•"/>
-            </a:pPr>
-            <a:r>
-              <a:rPr lang="en-US" sz="2400" dirty="0" smtClean="0"/>
-              <a:t>addresses </a:t>
-            </a:r>
-          </a:p>
-          <a:p>
-            <a:pPr marL="285750" indent="-285750">
-              <a:buFont typeface="Arial" panose="020B0604020202020204" pitchFamily="34" charset="0"/>
-              <a:buChar char="•"/>
-            </a:pPr>
-            <a:r>
-              <a:rPr lang="en-US" sz="2400" dirty="0" smtClean="0"/>
-              <a:t>Data</a:t>
-            </a:r>
-          </a:p>
-          <a:p>
-            <a:pPr marL="285750" indent="-285750">
-              <a:buFont typeface="Arial" panose="020B0604020202020204" pitchFamily="34" charset="0"/>
-              <a:buChar char="•"/>
-            </a:pPr>
-            <a:r>
-              <a:rPr lang="en-US" sz="2400" dirty="0" smtClean="0"/>
-              <a:t>Error bits generated arbitrarily</a:t>
-            </a:r>
-            <a:endParaRPr lang="en-US" sz="2400" dirty="0"/>
-          </a:p>
-        </p:txBody>
-      </p:sp>
-      <p:pic>
-        <p:nvPicPr>
-          <p:cNvPr id="1026" name="Picture 2" descr="Related image"/>
-          <p:cNvPicPr>
-            <a:picLocks noChangeAspect="1" noChangeArrowheads="1"/>
-          </p:cNvPicPr>
-          <p:nvPr/>
-        </p:nvPicPr>
-        <p:blipFill>
-          <a:blip r:embed="rId3">
-            <a:extLst>
-              <a:ext uri="{28A0092B-C50C-407E-A947-70E740481C1C}">
-                <a14:useLocalDpi xmlns:a14="http://schemas.microsoft.com/office/drawing/2010/main" val="0"/>
-              </a:ext>
-            </a:extLst>
-          </a:blip>
-          <a:srcRect/>
-          <a:stretch>
-            <a:fillRect/>
-          </a:stretch>
-        </p:blipFill>
-        <p:spPr bwMode="auto">
-          <a:xfrm>
-            <a:off x="5453614" y="2230423"/>
-            <a:ext cx="3105150" cy="2552700"/>
+          <a:lstStyle>
+            <a:defPPr>
+              <a:defRPr lang="en-US"/>
+            </a:defPPr>
+            <a:lvl1pPr>
+              <a:defRPr sz="2400"/>
+            </a:lvl1pPr>
+          </a:lstStyle>
+          <a:p>
+            <a:r>
+              <a:rPr lang="en-US" dirty="0"/>
+              <a:t>Address/data Bus to </a:t>
+            </a:r>
+            <a:r>
+              <a:rPr lang="en-US" dirty="0" smtClean="0"/>
+              <a:t>Memory controller</a:t>
+            </a:r>
+          </a:p>
+          <a:p>
+            <a:endParaRPr lang="en-US" dirty="0"/>
+          </a:p>
+        </p:txBody>
+      </p:sp>
+      <p:sp>
+        <p:nvSpPr>
+          <p:cNvPr id="3" name="TextBox 2"/>
+          <p:cNvSpPr txBox="1"/>
+          <p:nvPr/>
+        </p:nvSpPr>
+        <p:spPr>
+          <a:xfrm>
+            <a:off x="1137293" y="4736865"/>
+            <a:ext cx="2060244" cy="523220"/>
           </a:xfrm>
           <a:prstGeom prst="rect">
             <a:avLst/>
           </a:prstGeom>
           <a:noFill/>
-          <a:extLst>
-            <a:ext uri="{909E8E84-426E-40DD-AFC4-6F175D3DCCD1}">
-              <a14:hiddenFill xmlns:a14="http://schemas.microsoft.com/office/drawing/2010/main">
-                <a:solidFill>
-                  <a:srgbClr val="FFFFFF"/>
-                </a:solidFill>
-              </a14:hiddenFill>
-            </a:ext>
-          </a:extLst>
-        </p:spPr>
-      </p:pic>
-      <p:sp>
-        <p:nvSpPr>
-          <p:cNvPr id="19" name="TextBox 18"/>
+        </p:spPr>
+        <p:txBody>
+          <a:bodyPr wrap="none" rtlCol="0">
+            <a:spAutoFit/>
+          </a:bodyPr>
+          <a:lstStyle/>
+          <a:p>
+            <a:r>
+              <a:rPr lang="en-US" sz="2800" dirty="0" smtClean="0"/>
+              <a:t>Write Enable</a:t>
+            </a:r>
+            <a:endParaRPr lang="en-US" sz="2800" dirty="0"/>
+          </a:p>
+        </p:txBody>
+      </p:sp>
+      <p:cxnSp>
+        <p:nvCxnSpPr>
+          <p:cNvPr id="15" name="Straight Arrow Connector 14"/>
+          <p:cNvCxnSpPr/>
+          <p:nvPr/>
+        </p:nvCxnSpPr>
+        <p:spPr>
+          <a:xfrm flipV="1">
+            <a:off x="640812" y="5279504"/>
+            <a:ext cx="2793076" cy="5109"/>
+          </a:xfrm>
+          <a:prstGeom prst="straightConnector1">
+            <a:avLst/>
+          </a:prstGeom>
+          <a:ln w="57150">
+            <a:tailEnd type="triangle"/>
+          </a:ln>
+        </p:spPr>
+        <p:style>
+          <a:lnRef idx="1">
+            <a:schemeClr val="accent1"/>
+          </a:lnRef>
+          <a:fillRef idx="0">
+            <a:schemeClr val="accent1"/>
+          </a:fillRef>
+          <a:effectRef idx="0">
+            <a:schemeClr val="accent1"/>
+          </a:effectRef>
+          <a:fontRef idx="minor">
+            <a:schemeClr val="tx1"/>
+          </a:fontRef>
+        </p:style>
+      </p:cxnSp>
+      <p:sp>
+        <p:nvSpPr>
+          <p:cNvPr id="7" name="TextBox 6"/>
           <p:cNvSpPr txBox="1"/>
           <p:nvPr/>
         </p:nvSpPr>
         <p:spPr>
           <a:xfrm>
-            <a:off x="8501128" y="2301354"/>
-            <a:ext cx="3690872" cy="3046988"/>
+            <a:off x="8568267" y="3843866"/>
+            <a:ext cx="2785533" cy="1384995"/>
           </a:xfrm>
           <a:prstGeom prst="rect">
             <a:avLst/>
@@ -5442,21 +5936,18 @@
           </a:bodyPr>
           <a:lstStyle/>
           <a:p>
-            <a:pPr marL="342900" indent="-342900">
-              <a:buFont typeface="Arial" panose="020B0604020202020204" pitchFamily="34" charset="0"/>
-              <a:buChar char="•"/>
-            </a:pPr>
-            <a:r>
-              <a:rPr lang="en-US" sz="2400" dirty="0" smtClean="0"/>
-              <a:t>CPU state machine parses data from file simulating processing outputs and coordinates with Memory controller using control Bus signals to read/write from main memory.</a:t>
-            </a:r>
+            <a:r>
+              <a:rPr lang="en-US" sz="2800" dirty="0" smtClean="0"/>
+              <a:t>Implement single port RAM with WE and MESI bits</a:t>
+            </a:r>
+            <a:endParaRPr lang="en-US" sz="2800" dirty="0"/>
           </a:p>
         </p:txBody>
       </p:sp>
     </p:spTree>
     <p:extLst>
       <p:ext uri="{BB962C8B-B14F-4D97-AF65-F5344CB8AC3E}">
-        <p14:creationId xmlns:p14="http://schemas.microsoft.com/office/powerpoint/2010/main" val="645470229"/>
+        <p14:creationId xmlns:p14="http://schemas.microsoft.com/office/powerpoint/2010/main" val="1797040629"/>
       </p:ext>
     </p:extLst>
   </p:cSld>
@@ -5500,22 +5991,46 @@
           <a:p>
             <a:r>
               <a:rPr lang="en-US" dirty="0" smtClean="0"/>
-              <a:t>CPU Verification cases</a:t>
+              <a:t>Main memory TB</a:t>
             </a:r>
             <a:endParaRPr lang="en-US" dirty="0"/>
           </a:p>
         </p:txBody>
       </p:sp>
-      <p:sp>
-        <p:nvSpPr>
-          <p:cNvPr id="6" name="TextBox 5"/>
+      <p:pic>
+        <p:nvPicPr>
+          <p:cNvPr id="3" name="Picture 2"/>
+          <p:cNvPicPr>
+            <a:picLocks noChangeAspect="1"/>
+          </p:cNvPicPr>
+          <p:nvPr/>
+        </p:nvPicPr>
+        <p:blipFill>
+          <a:blip r:embed="rId2"/>
+          <a:stretch>
+            <a:fillRect/>
+          </a:stretch>
+        </p:blipFill>
+        <p:spPr>
+          <a:xfrm>
+            <a:off x="6825917" y="4034741"/>
+            <a:ext cx="2991852" cy="2611857"/>
+          </a:xfrm>
+          <a:prstGeom prst="rect">
+            <a:avLst/>
+          </a:prstGeom>
+        </p:spPr>
+      </p:pic>
+      <p:sp>
+        <p:nvSpPr>
+          <p:cNvPr id="4" name="TextBox 3"/>
           <p:cNvSpPr txBox="1"/>
           <p:nvPr/>
         </p:nvSpPr>
         <p:spPr>
           <a:xfrm>
-            <a:off x="1080654" y="1690688"/>
-            <a:ext cx="10061479" cy="2246769"/>
+            <a:off x="4405814" y="4034741"/>
+            <a:ext cx="2630905" cy="646331"/>
           </a:xfrm>
           <a:prstGeom prst="rect">
             <a:avLst/>
@@ -5528,61 +6043,174 @@
           </a:bodyPr>
           <a:lstStyle/>
           <a:p>
-            <a:pPr marL="285750" indent="-285750">
-              <a:buFont typeface="Arial" panose="020B0604020202020204" pitchFamily="34" charset="0"/>
-              <a:buChar char="•"/>
-            </a:pPr>
-            <a:r>
-              <a:rPr lang="en-US" sz="2800" dirty="0" smtClean="0"/>
-              <a:t>Parse files</a:t>
-            </a:r>
-          </a:p>
-          <a:p>
-            <a:pPr marL="285750" indent="-285750">
-              <a:buFont typeface="Arial" panose="020B0604020202020204" pitchFamily="34" charset="0"/>
-              <a:buChar char="•"/>
-            </a:pPr>
-            <a:r>
-              <a:rPr lang="en-US" sz="2800" dirty="0" smtClean="0"/>
-              <a:t>Read from Cache</a:t>
-            </a:r>
-          </a:p>
-          <a:p>
-            <a:pPr marL="285750" indent="-285750">
-              <a:buFont typeface="Arial" panose="020B0604020202020204" pitchFamily="34" charset="0"/>
-              <a:buChar char="•"/>
-            </a:pPr>
-            <a:r>
-              <a:rPr lang="en-US" sz="2800" dirty="0" smtClean="0"/>
-              <a:t>Read from main memory</a:t>
-            </a:r>
-          </a:p>
-          <a:p>
-            <a:pPr marL="285750" indent="-285750">
-              <a:buFont typeface="Arial" panose="020B0604020202020204" pitchFamily="34" charset="0"/>
-              <a:buChar char="•"/>
-            </a:pPr>
-            <a:r>
-              <a:rPr lang="en-US" sz="2800" dirty="0" smtClean="0"/>
-              <a:t>Write to cache</a:t>
-            </a:r>
-          </a:p>
-          <a:p>
-            <a:pPr marL="285750" indent="-285750">
-              <a:buFont typeface="Arial" panose="020B0604020202020204" pitchFamily="34" charset="0"/>
-              <a:buChar char="•"/>
-            </a:pPr>
-            <a:r>
-              <a:rPr lang="en-US" sz="2800" dirty="0" smtClean="0"/>
-              <a:t>Write to main memory</a:t>
-            </a:r>
-          </a:p>
-        </p:txBody>
-      </p:sp>
+            <a:r>
+              <a:rPr lang="en-US" dirty="0" smtClean="0"/>
+              <a:t>Structure used in file to initialize the memory</a:t>
+            </a:r>
+            <a:endParaRPr lang="en-US" dirty="0"/>
+          </a:p>
+        </p:txBody>
+      </p:sp>
+      <p:sp>
+        <p:nvSpPr>
+          <p:cNvPr id="5" name="TextBox 4"/>
+          <p:cNvSpPr txBox="1"/>
+          <p:nvPr/>
+        </p:nvSpPr>
+        <p:spPr>
+          <a:xfrm>
+            <a:off x="673769" y="1321356"/>
+            <a:ext cx="4656221" cy="369332"/>
+          </a:xfrm>
+          <a:prstGeom prst="rect">
+            <a:avLst/>
+          </a:prstGeom>
+          <a:noFill/>
+        </p:spPr>
+        <p:txBody>
+          <a:bodyPr wrap="square" rtlCol="0">
+            <a:spAutoFit/>
+          </a:bodyPr>
+          <a:lstStyle/>
+          <a:p>
+            <a:r>
+              <a:rPr lang="en-US" dirty="0" smtClean="0"/>
+              <a:t>Reading main memory from initialized file:</a:t>
+            </a:r>
+            <a:endParaRPr lang="en-US" dirty="0"/>
+          </a:p>
+        </p:txBody>
+      </p:sp>
+      <p:sp>
+        <p:nvSpPr>
+          <p:cNvPr id="6" name="TextBox 5"/>
+          <p:cNvSpPr txBox="1"/>
+          <p:nvPr/>
+        </p:nvSpPr>
+        <p:spPr>
+          <a:xfrm>
+            <a:off x="6458953" y="1321356"/>
+            <a:ext cx="4656221" cy="369332"/>
+          </a:xfrm>
+          <a:prstGeom prst="rect">
+            <a:avLst/>
+          </a:prstGeom>
+          <a:noFill/>
+        </p:spPr>
+        <p:txBody>
+          <a:bodyPr wrap="square" rtlCol="0">
+            <a:spAutoFit/>
+          </a:bodyPr>
+          <a:lstStyle/>
+          <a:p>
+            <a:r>
+              <a:rPr lang="en-US" dirty="0" smtClean="0"/>
+              <a:t>Writing random data to main memory :</a:t>
+            </a:r>
+            <a:endParaRPr lang="en-US" dirty="0"/>
+          </a:p>
+        </p:txBody>
+      </p:sp>
+      <p:pic>
+        <p:nvPicPr>
+          <p:cNvPr id="7" name="Picture 6"/>
+          <p:cNvPicPr>
+            <a:picLocks noChangeAspect="1"/>
+          </p:cNvPicPr>
+          <p:nvPr/>
+        </p:nvPicPr>
+        <p:blipFill>
+          <a:blip r:embed="rId3"/>
+          <a:stretch>
+            <a:fillRect/>
+          </a:stretch>
+        </p:blipFill>
+        <p:spPr>
+          <a:xfrm>
+            <a:off x="746960" y="2828781"/>
+            <a:ext cx="3131469" cy="1966539"/>
+          </a:xfrm>
+          <a:prstGeom prst="rect">
+            <a:avLst/>
+          </a:prstGeom>
+        </p:spPr>
+      </p:pic>
+      <p:pic>
+        <p:nvPicPr>
+          <p:cNvPr id="8" name="Picture 7"/>
+          <p:cNvPicPr>
+            <a:picLocks noChangeAspect="1"/>
+          </p:cNvPicPr>
+          <p:nvPr/>
+        </p:nvPicPr>
+        <p:blipFill>
+          <a:blip r:embed="rId4"/>
+          <a:stretch>
+            <a:fillRect/>
+          </a:stretch>
+        </p:blipFill>
+        <p:spPr>
+          <a:xfrm>
+            <a:off x="673769" y="1810098"/>
+            <a:ext cx="5548813" cy="899273"/>
+          </a:xfrm>
+          <a:prstGeom prst="rect">
+            <a:avLst/>
+          </a:prstGeom>
+        </p:spPr>
+      </p:pic>
+      <p:pic>
+        <p:nvPicPr>
+          <p:cNvPr id="9" name="Picture 8"/>
+          <p:cNvPicPr>
+            <a:picLocks noChangeAspect="1"/>
+          </p:cNvPicPr>
+          <p:nvPr/>
+        </p:nvPicPr>
+        <p:blipFill>
+          <a:blip r:embed="rId5"/>
+          <a:stretch>
+            <a:fillRect/>
+          </a:stretch>
+        </p:blipFill>
+        <p:spPr>
+          <a:xfrm>
+            <a:off x="6458953" y="1810098"/>
+            <a:ext cx="5733047" cy="861068"/>
+          </a:xfrm>
+          <a:prstGeom prst="rect">
+            <a:avLst/>
+          </a:prstGeom>
+        </p:spPr>
+      </p:pic>
+      <p:pic>
+        <p:nvPicPr>
+          <p:cNvPr id="10" name="Picture 9"/>
+          <p:cNvPicPr>
+            <a:picLocks noChangeAspect="1"/>
+          </p:cNvPicPr>
+          <p:nvPr/>
+        </p:nvPicPr>
+        <p:blipFill>
+          <a:blip r:embed="rId6"/>
+          <a:stretch>
+            <a:fillRect/>
+          </a:stretch>
+        </p:blipFill>
+        <p:spPr>
+          <a:xfrm>
+            <a:off x="6458953" y="2828781"/>
+            <a:ext cx="5408946" cy="1048345"/>
+          </a:xfrm>
+          <a:prstGeom prst="rect">
+            <a:avLst/>
+          </a:prstGeom>
+        </p:spPr>
+      </p:pic>
     </p:spTree>
     <p:extLst>
       <p:ext uri="{BB962C8B-B14F-4D97-AF65-F5344CB8AC3E}">
-        <p14:creationId xmlns:p14="http://schemas.microsoft.com/office/powerpoint/2010/main" val="438044582"/>
+        <p14:creationId xmlns:p14="http://schemas.microsoft.com/office/powerpoint/2010/main" val="3546089743"/>
       </p:ext>
     </p:extLst>
   </p:cSld>
@@ -5715,7 +6343,7 @@
           <a:p>
             <a:r>
               <a:rPr lang="en-US" dirty="0" smtClean="0"/>
-              <a:t>Cache</a:t>
+              <a:t>CPU</a:t>
             </a:r>
             <a:endParaRPr lang="en-US" dirty="0"/>
           </a:p>
@@ -5762,7 +6390,7 @@
             <a:pPr algn="ctr"/>
             <a:r>
               <a:rPr lang="en-US" sz="4400" dirty="0" smtClean="0"/>
-              <a:t>Cache</a:t>
+              <a:t>CPU</a:t>
             </a:r>
             <a:endParaRPr lang="en-US" sz="4400" dirty="0"/>
           </a:p>
@@ -5938,40 +6566,10 @@
           </a:p>
         </p:txBody>
       </p:sp>
-      <p:sp>
-        <p:nvSpPr>
-          <p:cNvPr id="3" name="TextBox 2"/>
-          <p:cNvSpPr txBox="1"/>
-          <p:nvPr/>
-        </p:nvSpPr>
-        <p:spPr>
-          <a:xfrm>
-            <a:off x="9029344" y="3006814"/>
-            <a:ext cx="2871831" cy="923330"/>
-          </a:xfrm>
-          <a:prstGeom prst="rect">
-            <a:avLst/>
-          </a:prstGeom>
-          <a:noFill/>
-        </p:spPr>
-        <p:txBody>
-          <a:bodyPr wrap="square" rtlCol="0">
-            <a:spAutoFit/>
-          </a:bodyPr>
-          <a:lstStyle/>
-          <a:p>
-            <a:r>
-              <a:rPr lang="en-US" dirty="0" smtClean="0"/>
-              <a:t>Cache design is practically given in the final project description.</a:t>
-            </a:r>
-            <a:endParaRPr lang="en-US" dirty="0"/>
-          </a:p>
-        </p:txBody>
-      </p:sp>
     </p:spTree>
     <p:extLst>
       <p:ext uri="{BB962C8B-B14F-4D97-AF65-F5344CB8AC3E}">
-        <p14:creationId xmlns:p14="http://schemas.microsoft.com/office/powerpoint/2010/main" val="2438054222"/>
+        <p14:creationId xmlns:p14="http://schemas.microsoft.com/office/powerpoint/2010/main" val="3225322516"/>
       </p:ext>
     </p:extLst>
   </p:cSld>
@@ -6015,27 +6613,138 @@
           <a:p>
             <a:r>
               <a:rPr lang="en-US" dirty="0" smtClean="0"/>
-              <a:t>Cache Verification cases</a:t>
+              <a:t>Peripheral component – Block Diagram</a:t>
             </a:r>
             <a:endParaRPr lang="en-US" dirty="0"/>
           </a:p>
         </p:txBody>
       </p:sp>
-      <p:sp>
-        <p:nvSpPr>
-          <p:cNvPr id="6" name="TextBox 5"/>
+      <p:cxnSp>
+        <p:nvCxnSpPr>
+          <p:cNvPr id="8" name="Straight Arrow Connector 7"/>
+          <p:cNvCxnSpPr/>
+          <p:nvPr/>
+        </p:nvCxnSpPr>
+        <p:spPr>
+          <a:xfrm>
+            <a:off x="2024388" y="3158968"/>
+            <a:ext cx="846383" cy="8313"/>
+          </a:xfrm>
+          <a:prstGeom prst="straightConnector1">
+            <a:avLst/>
+          </a:prstGeom>
+          <a:ln w="57150">
+            <a:tailEnd type="triangle"/>
+          </a:ln>
+        </p:spPr>
+        <p:style>
+          <a:lnRef idx="1">
+            <a:schemeClr val="accent1"/>
+          </a:lnRef>
+          <a:fillRef idx="0">
+            <a:schemeClr val="accent1"/>
+          </a:fillRef>
+          <a:effectRef idx="0">
+            <a:schemeClr val="accent1"/>
+          </a:effectRef>
+          <a:fontRef idx="minor">
+            <a:schemeClr val="tx1"/>
+          </a:fontRef>
+        </p:style>
+      </p:cxnSp>
+      <p:pic>
+        <p:nvPicPr>
+          <p:cNvPr id="22" name="Picture 21"/>
+          <p:cNvPicPr>
+            <a:picLocks noChangeAspect="1"/>
+          </p:cNvPicPr>
+          <p:nvPr/>
+        </p:nvPicPr>
+        <p:blipFill>
+          <a:blip r:embed="rId2"/>
+          <a:stretch>
+            <a:fillRect/>
+          </a:stretch>
+        </p:blipFill>
+        <p:spPr>
+          <a:xfrm>
+            <a:off x="3106697" y="1608173"/>
+            <a:ext cx="5048218" cy="749232"/>
+          </a:xfrm>
+          <a:prstGeom prst="rect">
+            <a:avLst/>
+          </a:prstGeom>
+        </p:spPr>
+      </p:pic>
+      <p:sp>
+        <p:nvSpPr>
+          <p:cNvPr id="31" name="Rectangle 30"/>
+          <p:cNvSpPr/>
+          <p:nvPr/>
+        </p:nvSpPr>
+        <p:spPr>
+          <a:xfrm>
+            <a:off x="7313562" y="2816556"/>
+            <a:ext cx="1311933" cy="1398414"/>
+          </a:xfrm>
+          <a:prstGeom prst="rect">
+            <a:avLst/>
+          </a:prstGeom>
+          <a:solidFill>
+            <a:srgbClr val="FF0000"/>
+          </a:solidFill>
+        </p:spPr>
+        <p:style>
+          <a:lnRef idx="2">
+            <a:schemeClr val="accent1">
+              <a:shade val="50000"/>
+            </a:schemeClr>
+          </a:lnRef>
+          <a:fillRef idx="1">
+            <a:schemeClr val="accent1"/>
+          </a:fillRef>
+          <a:effectRef idx="0">
+            <a:schemeClr val="accent1"/>
+          </a:effectRef>
+          <a:fontRef idx="minor">
+            <a:schemeClr val="lt1"/>
+          </a:fontRef>
+        </p:style>
+        <p:txBody>
+          <a:bodyPr rtlCol="0" anchor="ctr"/>
+          <a:lstStyle/>
+          <a:p>
+            <a:pPr algn="ctr"/>
+            <a:r>
+              <a:rPr lang="en-US" sz="2000" dirty="0" smtClean="0"/>
+              <a:t>Memory Controller</a:t>
+            </a:r>
+            <a:endParaRPr lang="en-US" sz="2000" dirty="0"/>
+          </a:p>
+        </p:txBody>
+      </p:sp>
+      <p:sp>
+        <p:nvSpPr>
+          <p:cNvPr id="32" name="TextBox 31"/>
           <p:cNvSpPr txBox="1"/>
           <p:nvPr/>
         </p:nvSpPr>
         <p:spPr>
           <a:xfrm>
-            <a:off x="1080654" y="1690688"/>
-            <a:ext cx="10061479" cy="3108543"/>
+            <a:off x="6935255" y="5668997"/>
+            <a:ext cx="1329624" cy="707886"/>
           </a:xfrm>
           <a:prstGeom prst="rect">
             <a:avLst/>
           </a:prstGeom>
           <a:noFill/>
+          <a:ln w="6350">
+            <a:solidFill>
+              <a:schemeClr val="accent2">
+                <a:lumMod val="75000"/>
+              </a:schemeClr>
+            </a:solidFill>
+          </a:ln>
         </p:spPr>
         <p:txBody>
           <a:bodyPr wrap="square" rtlCol="0">
@@ -6043,75 +6752,678 @@
           </a:bodyPr>
           <a:lstStyle/>
           <a:p>
-            <a:pPr marL="285750" indent="-285750">
-              <a:buFont typeface="Arial" panose="020B0604020202020204" pitchFamily="34" charset="0"/>
-              <a:buChar char="•"/>
-            </a:pPr>
-            <a:r>
-              <a:rPr lang="en-US" sz="2800" dirty="0" smtClean="0"/>
-              <a:t>Read from Cache</a:t>
-            </a:r>
-          </a:p>
-          <a:p>
-            <a:pPr marL="285750" indent="-285750">
-              <a:buFont typeface="Arial" panose="020B0604020202020204" pitchFamily="34" charset="0"/>
-              <a:buChar char="•"/>
-            </a:pPr>
-            <a:r>
-              <a:rPr lang="en-US" sz="2800" dirty="0" smtClean="0"/>
-              <a:t>Write to cache</a:t>
-            </a:r>
-          </a:p>
-          <a:p>
-            <a:pPr marL="285750" indent="-285750">
-              <a:buFont typeface="Arial" panose="020B0604020202020204" pitchFamily="34" charset="0"/>
-              <a:buChar char="•"/>
-            </a:pPr>
-            <a:r>
-              <a:rPr lang="en-US" sz="2800" dirty="0" smtClean="0"/>
-              <a:t>Snoop</a:t>
-            </a:r>
-          </a:p>
-          <a:p>
-            <a:pPr marL="742950" lvl="1" indent="-285750">
-              <a:buFont typeface="Arial" panose="020B0604020202020204" pitchFamily="34" charset="0"/>
-              <a:buChar char="•"/>
-            </a:pPr>
-            <a:r>
-              <a:rPr lang="en-US" sz="2800" dirty="0" smtClean="0"/>
-              <a:t>Miss</a:t>
-            </a:r>
-          </a:p>
-          <a:p>
-            <a:pPr marL="742950" lvl="1" indent="-285750">
-              <a:buFont typeface="Arial" panose="020B0604020202020204" pitchFamily="34" charset="0"/>
-              <a:buChar char="•"/>
-            </a:pPr>
-            <a:r>
-              <a:rPr lang="en-US" sz="2800" dirty="0" smtClean="0"/>
-              <a:t>Hit Clean</a:t>
-            </a:r>
-          </a:p>
-          <a:p>
-            <a:pPr marL="742950" lvl="1" indent="-285750">
-              <a:buFont typeface="Arial" panose="020B0604020202020204" pitchFamily="34" charset="0"/>
-              <a:buChar char="•"/>
-            </a:pPr>
-            <a:r>
-              <a:rPr lang="en-US" sz="2800" dirty="0" smtClean="0"/>
-              <a:t>Hit Modified</a:t>
-            </a:r>
-          </a:p>
-          <a:p>
-            <a:pPr lvl="1"/>
-            <a:endParaRPr lang="en-US" sz="2800" dirty="0" smtClean="0"/>
+            <a:r>
+              <a:rPr lang="en-US" sz="4000" dirty="0" smtClean="0"/>
+              <a:t>UART</a:t>
+            </a:r>
+            <a:endParaRPr lang="en-US" sz="4000" dirty="0"/>
+          </a:p>
+        </p:txBody>
+      </p:sp>
+      <p:cxnSp>
+        <p:nvCxnSpPr>
+          <p:cNvPr id="33" name="Straight Arrow Connector 32"/>
+          <p:cNvCxnSpPr/>
+          <p:nvPr/>
+        </p:nvCxnSpPr>
+        <p:spPr>
+          <a:xfrm>
+            <a:off x="7583879" y="4453280"/>
+            <a:ext cx="7342" cy="1001036"/>
+          </a:xfrm>
+          <a:prstGeom prst="straightConnector1">
+            <a:avLst/>
+          </a:prstGeom>
+          <a:ln w="57150">
+            <a:tailEnd type="triangle"/>
+          </a:ln>
+        </p:spPr>
+        <p:style>
+          <a:lnRef idx="1">
+            <a:schemeClr val="accent1"/>
+          </a:lnRef>
+          <a:fillRef idx="0">
+            <a:schemeClr val="accent1"/>
+          </a:fillRef>
+          <a:effectRef idx="0">
+            <a:schemeClr val="accent1"/>
+          </a:effectRef>
+          <a:fontRef idx="minor">
+            <a:schemeClr val="tx1"/>
+          </a:fontRef>
+        </p:style>
+      </p:cxnSp>
+      <p:sp>
+        <p:nvSpPr>
+          <p:cNvPr id="34" name="Rectangle 33"/>
+          <p:cNvSpPr/>
+          <p:nvPr/>
+        </p:nvSpPr>
+        <p:spPr>
+          <a:xfrm>
+            <a:off x="2829003" y="2811421"/>
+            <a:ext cx="1563492" cy="1297892"/>
+          </a:xfrm>
+          <a:prstGeom prst="rect">
+            <a:avLst/>
+          </a:prstGeom>
+          <a:solidFill>
+            <a:srgbClr val="7030A0"/>
+          </a:solidFill>
+        </p:spPr>
+        <p:style>
+          <a:lnRef idx="2">
+            <a:schemeClr val="accent1">
+              <a:shade val="50000"/>
+            </a:schemeClr>
+          </a:lnRef>
+          <a:fillRef idx="1">
+            <a:schemeClr val="accent1"/>
+          </a:fillRef>
+          <a:effectRef idx="0">
+            <a:schemeClr val="accent1"/>
+          </a:effectRef>
+          <a:fontRef idx="minor">
+            <a:schemeClr val="lt1"/>
+          </a:fontRef>
+        </p:style>
+        <p:txBody>
+          <a:bodyPr rtlCol="0" anchor="ctr"/>
+          <a:lstStyle/>
+          <a:p>
+            <a:pPr algn="ctr"/>
+            <a:r>
+              <a:rPr lang="en-US" sz="4400" dirty="0" smtClean="0"/>
+              <a:t>CPU</a:t>
+            </a:r>
+            <a:endParaRPr lang="en-US" sz="4400" dirty="0"/>
+          </a:p>
+        </p:txBody>
+      </p:sp>
+      <p:cxnSp>
+        <p:nvCxnSpPr>
+          <p:cNvPr id="35" name="Straight Arrow Connector 34"/>
+          <p:cNvCxnSpPr/>
+          <p:nvPr/>
+        </p:nvCxnSpPr>
+        <p:spPr>
+          <a:xfrm>
+            <a:off x="4437699" y="2935095"/>
+            <a:ext cx="846383" cy="8313"/>
+          </a:xfrm>
+          <a:prstGeom prst="straightConnector1">
+            <a:avLst/>
+          </a:prstGeom>
+          <a:ln w="57150">
+            <a:tailEnd type="triangle"/>
+          </a:ln>
+        </p:spPr>
+        <p:style>
+          <a:lnRef idx="1">
+            <a:schemeClr val="accent1"/>
+          </a:lnRef>
+          <a:fillRef idx="0">
+            <a:schemeClr val="accent1"/>
+          </a:fillRef>
+          <a:effectRef idx="0">
+            <a:schemeClr val="accent1"/>
+          </a:effectRef>
+          <a:fontRef idx="minor">
+            <a:schemeClr val="tx1"/>
+          </a:fontRef>
+        </p:style>
+      </p:cxnSp>
+      <p:grpSp>
+        <p:nvGrpSpPr>
+          <p:cNvPr id="38" name="Group 37"/>
+          <p:cNvGrpSpPr/>
+          <p:nvPr/>
+        </p:nvGrpSpPr>
+        <p:grpSpPr>
+          <a:xfrm>
+            <a:off x="4447470" y="2782832"/>
+            <a:ext cx="2878411" cy="1754326"/>
+            <a:chOff x="9467124" y="2418909"/>
+            <a:chExt cx="2878411" cy="1754326"/>
+          </a:xfrm>
+        </p:grpSpPr>
+        <p:cxnSp>
+          <p:nvCxnSpPr>
+            <p:cNvPr id="39" name="Straight Arrow Connector 38"/>
+            <p:cNvCxnSpPr/>
+            <p:nvPr/>
+          </p:nvCxnSpPr>
+          <p:spPr>
+            <a:xfrm>
+              <a:off x="9467125" y="2906432"/>
+              <a:ext cx="846383" cy="8313"/>
+            </a:xfrm>
+            <a:prstGeom prst="straightConnector1">
+              <a:avLst/>
+            </a:prstGeom>
+            <a:ln w="57150">
+              <a:tailEnd type="triangle"/>
+            </a:ln>
+          </p:spPr>
+          <p:style>
+            <a:lnRef idx="1">
+              <a:schemeClr val="accent1"/>
+            </a:lnRef>
+            <a:fillRef idx="0">
+              <a:schemeClr val="accent1"/>
+            </a:fillRef>
+            <a:effectRef idx="0">
+              <a:schemeClr val="accent1"/>
+            </a:effectRef>
+            <a:fontRef idx="minor">
+              <a:schemeClr val="tx1"/>
+            </a:fontRef>
+          </p:style>
+        </p:cxnSp>
+        <p:cxnSp>
+          <p:nvCxnSpPr>
+            <p:cNvPr id="41" name="Straight Arrow Connector 40"/>
+            <p:cNvCxnSpPr/>
+            <p:nvPr/>
+          </p:nvCxnSpPr>
+          <p:spPr>
+            <a:xfrm>
+              <a:off x="9484653" y="3158772"/>
+              <a:ext cx="846383" cy="8313"/>
+            </a:xfrm>
+            <a:prstGeom prst="straightConnector1">
+              <a:avLst/>
+            </a:prstGeom>
+            <a:ln w="57150">
+              <a:tailEnd type="triangle"/>
+            </a:ln>
+          </p:spPr>
+          <p:style>
+            <a:lnRef idx="1">
+              <a:schemeClr val="accent1"/>
+            </a:lnRef>
+            <a:fillRef idx="0">
+              <a:schemeClr val="accent1"/>
+            </a:fillRef>
+            <a:effectRef idx="0">
+              <a:schemeClr val="accent1"/>
+            </a:effectRef>
+            <a:fontRef idx="minor">
+              <a:schemeClr val="tx1"/>
+            </a:fontRef>
+          </p:style>
+        </p:cxnSp>
+        <p:cxnSp>
+          <p:nvCxnSpPr>
+            <p:cNvPr id="43" name="Straight Arrow Connector 42"/>
+            <p:cNvCxnSpPr/>
+            <p:nvPr/>
+          </p:nvCxnSpPr>
+          <p:spPr>
+            <a:xfrm>
+              <a:off x="9467125" y="3419750"/>
+              <a:ext cx="846383" cy="8313"/>
+            </a:xfrm>
+            <a:prstGeom prst="straightConnector1">
+              <a:avLst/>
+            </a:prstGeom>
+            <a:ln w="57150">
+              <a:tailEnd type="triangle"/>
+            </a:ln>
+          </p:spPr>
+          <p:style>
+            <a:lnRef idx="1">
+              <a:schemeClr val="accent1"/>
+            </a:lnRef>
+            <a:fillRef idx="0">
+              <a:schemeClr val="accent1"/>
+            </a:fillRef>
+            <a:effectRef idx="0">
+              <a:schemeClr val="accent1"/>
+            </a:effectRef>
+            <a:fontRef idx="minor">
+              <a:schemeClr val="tx1"/>
+            </a:fontRef>
+          </p:style>
+        </p:cxnSp>
+        <p:sp>
+          <p:nvSpPr>
+            <p:cNvPr id="45" name="TextBox 44"/>
+            <p:cNvSpPr txBox="1"/>
+            <p:nvPr/>
+          </p:nvSpPr>
+          <p:spPr>
+            <a:xfrm>
+              <a:off x="10243036" y="2418909"/>
+              <a:ext cx="2102499" cy="1754326"/>
+            </a:xfrm>
+            <a:prstGeom prst="rect">
+              <a:avLst/>
+            </a:prstGeom>
+            <a:noFill/>
+          </p:spPr>
+          <p:txBody>
+            <a:bodyPr wrap="none" rtlCol="0">
+              <a:spAutoFit/>
+            </a:bodyPr>
+            <a:lstStyle/>
+            <a:p>
+              <a:r>
+                <a:rPr lang="en-US" dirty="0" err="1" smtClean="0"/>
+                <a:t>addr_from_program</a:t>
+              </a:r>
+              <a:endParaRPr lang="en-US" dirty="0" smtClean="0"/>
+            </a:p>
+            <a:p>
+              <a:r>
+                <a:rPr lang="en-US" dirty="0" err="1" smtClean="0"/>
+                <a:t>wdata_to_mm</a:t>
+              </a:r>
+              <a:endParaRPr lang="en-US" dirty="0" smtClean="0"/>
+            </a:p>
+            <a:p>
+              <a:r>
+                <a:rPr lang="en-US" dirty="0" err="1" smtClean="0"/>
+                <a:t>req_CPU</a:t>
+              </a:r>
+              <a:endParaRPr lang="en-US" dirty="0" smtClean="0"/>
+            </a:p>
+            <a:p>
+              <a:r>
+                <a:rPr lang="en-US" dirty="0" err="1"/>
+                <a:t>w</a:t>
+              </a:r>
+              <a:r>
+                <a:rPr lang="en-US" dirty="0" err="1" smtClean="0"/>
+                <a:t>e_to_mm</a:t>
+              </a:r>
+              <a:endParaRPr lang="en-US" dirty="0" smtClean="0"/>
+            </a:p>
+            <a:p>
+              <a:r>
+                <a:rPr lang="en-US" dirty="0" smtClean="0"/>
+                <a:t>Hit/</a:t>
+              </a:r>
+              <a:r>
+                <a:rPr lang="en-US" dirty="0" err="1" smtClean="0"/>
+                <a:t>hitm</a:t>
+              </a:r>
+              <a:endParaRPr lang="en-US" dirty="0" smtClean="0"/>
+            </a:p>
+            <a:p>
+              <a:endParaRPr lang="en-US" dirty="0"/>
+            </a:p>
+          </p:txBody>
+        </p:sp>
+        <p:cxnSp>
+          <p:nvCxnSpPr>
+            <p:cNvPr id="46" name="Straight Arrow Connector 45"/>
+            <p:cNvCxnSpPr/>
+            <p:nvPr/>
+          </p:nvCxnSpPr>
+          <p:spPr>
+            <a:xfrm>
+              <a:off x="9467124" y="3663777"/>
+              <a:ext cx="846383" cy="8313"/>
+            </a:xfrm>
+            <a:prstGeom prst="straightConnector1">
+              <a:avLst/>
+            </a:prstGeom>
+            <a:ln w="57150">
+              <a:tailEnd type="triangle"/>
+            </a:ln>
+          </p:spPr>
+          <p:style>
+            <a:lnRef idx="1">
+              <a:schemeClr val="accent1"/>
+            </a:lnRef>
+            <a:fillRef idx="0">
+              <a:schemeClr val="accent1"/>
+            </a:fillRef>
+            <a:effectRef idx="0">
+              <a:schemeClr val="accent1"/>
+            </a:effectRef>
+            <a:fontRef idx="minor">
+              <a:schemeClr val="tx1"/>
+            </a:fontRef>
+          </p:style>
+        </p:cxnSp>
+      </p:grpSp>
+      <p:sp>
+        <p:nvSpPr>
+          <p:cNvPr id="47" name="Rectangle 46"/>
+          <p:cNvSpPr/>
+          <p:nvPr/>
+        </p:nvSpPr>
+        <p:spPr>
+          <a:xfrm>
+            <a:off x="10568768" y="2882062"/>
+            <a:ext cx="1563492" cy="1297892"/>
+          </a:xfrm>
+          <a:prstGeom prst="rect">
+            <a:avLst/>
+          </a:prstGeom>
+          <a:solidFill>
+            <a:srgbClr val="7030A0"/>
+          </a:solidFill>
+        </p:spPr>
+        <p:style>
+          <a:lnRef idx="2">
+            <a:schemeClr val="accent1">
+              <a:shade val="50000"/>
+            </a:schemeClr>
+          </a:lnRef>
+          <a:fillRef idx="1">
+            <a:schemeClr val="accent1"/>
+          </a:fillRef>
+          <a:effectRef idx="0">
+            <a:schemeClr val="accent1"/>
+          </a:effectRef>
+          <a:fontRef idx="minor">
+            <a:schemeClr val="lt1"/>
+          </a:fontRef>
+        </p:style>
+        <p:txBody>
+          <a:bodyPr rtlCol="0" anchor="ctr"/>
+          <a:lstStyle/>
+          <a:p>
+            <a:pPr algn="ctr"/>
+            <a:r>
+              <a:rPr lang="en-US" sz="4400" dirty="0" smtClean="0"/>
+              <a:t>CPU</a:t>
+            </a:r>
+            <a:endParaRPr lang="en-US" sz="4400" dirty="0"/>
+          </a:p>
+        </p:txBody>
+      </p:sp>
+      <p:grpSp>
+        <p:nvGrpSpPr>
+          <p:cNvPr id="51" name="Group 50"/>
+          <p:cNvGrpSpPr/>
+          <p:nvPr/>
+        </p:nvGrpSpPr>
+        <p:grpSpPr>
+          <a:xfrm>
+            <a:off x="8767804" y="2811421"/>
+            <a:ext cx="1140114" cy="1253181"/>
+            <a:chOff x="9467124" y="2418909"/>
+            <a:chExt cx="1140114" cy="1253181"/>
+          </a:xfrm>
+        </p:grpSpPr>
+        <p:cxnSp>
+          <p:nvCxnSpPr>
+            <p:cNvPr id="55" name="Straight Arrow Connector 54"/>
+            <p:cNvCxnSpPr/>
+            <p:nvPr/>
+          </p:nvCxnSpPr>
+          <p:spPr>
+            <a:xfrm>
+              <a:off x="9467125" y="2906432"/>
+              <a:ext cx="846383" cy="8313"/>
+            </a:xfrm>
+            <a:prstGeom prst="straightConnector1">
+              <a:avLst/>
+            </a:prstGeom>
+            <a:ln w="57150">
+              <a:tailEnd type="triangle"/>
+            </a:ln>
+          </p:spPr>
+          <p:style>
+            <a:lnRef idx="1">
+              <a:schemeClr val="accent1"/>
+            </a:lnRef>
+            <a:fillRef idx="0">
+              <a:schemeClr val="accent1"/>
+            </a:fillRef>
+            <a:effectRef idx="0">
+              <a:schemeClr val="accent1"/>
+            </a:effectRef>
+            <a:fontRef idx="minor">
+              <a:schemeClr val="tx1"/>
+            </a:fontRef>
+          </p:style>
+        </p:cxnSp>
+        <p:cxnSp>
+          <p:nvCxnSpPr>
+            <p:cNvPr id="56" name="Straight Arrow Connector 55"/>
+            <p:cNvCxnSpPr/>
+            <p:nvPr/>
+          </p:nvCxnSpPr>
+          <p:spPr>
+            <a:xfrm>
+              <a:off x="9484653" y="3158772"/>
+              <a:ext cx="846383" cy="8313"/>
+            </a:xfrm>
+            <a:prstGeom prst="straightConnector1">
+              <a:avLst/>
+            </a:prstGeom>
+            <a:ln w="57150">
+              <a:tailEnd type="triangle"/>
+            </a:ln>
+          </p:spPr>
+          <p:style>
+            <a:lnRef idx="1">
+              <a:schemeClr val="accent1"/>
+            </a:lnRef>
+            <a:fillRef idx="0">
+              <a:schemeClr val="accent1"/>
+            </a:fillRef>
+            <a:effectRef idx="0">
+              <a:schemeClr val="accent1"/>
+            </a:effectRef>
+            <a:fontRef idx="minor">
+              <a:schemeClr val="tx1"/>
+            </a:fontRef>
+          </p:style>
+        </p:cxnSp>
+        <p:cxnSp>
+          <p:nvCxnSpPr>
+            <p:cNvPr id="57" name="Straight Arrow Connector 56"/>
+            <p:cNvCxnSpPr/>
+            <p:nvPr/>
+          </p:nvCxnSpPr>
+          <p:spPr>
+            <a:xfrm>
+              <a:off x="9467125" y="3419750"/>
+              <a:ext cx="846383" cy="8313"/>
+            </a:xfrm>
+            <a:prstGeom prst="straightConnector1">
+              <a:avLst/>
+            </a:prstGeom>
+            <a:ln w="57150">
+              <a:tailEnd type="triangle"/>
+            </a:ln>
+          </p:spPr>
+          <p:style>
+            <a:lnRef idx="1">
+              <a:schemeClr val="accent1"/>
+            </a:lnRef>
+            <a:fillRef idx="0">
+              <a:schemeClr val="accent1"/>
+            </a:fillRef>
+            <a:effectRef idx="0">
+              <a:schemeClr val="accent1"/>
+            </a:effectRef>
+            <a:fontRef idx="minor">
+              <a:schemeClr val="tx1"/>
+            </a:fontRef>
+          </p:style>
+        </p:cxnSp>
+        <p:sp>
+          <p:nvSpPr>
+            <p:cNvPr id="58" name="TextBox 57"/>
+            <p:cNvSpPr txBox="1"/>
+            <p:nvPr/>
+          </p:nvSpPr>
+          <p:spPr>
+            <a:xfrm>
+              <a:off x="10243036" y="2418909"/>
+              <a:ext cx="364202" cy="369332"/>
+            </a:xfrm>
+            <a:prstGeom prst="rect">
+              <a:avLst/>
+            </a:prstGeom>
+            <a:noFill/>
+          </p:spPr>
+          <p:txBody>
+            <a:bodyPr wrap="none" rtlCol="0">
+              <a:spAutoFit/>
+            </a:bodyPr>
+            <a:lstStyle/>
+            <a:p>
+              <a:r>
+                <a:rPr lang="en-US" dirty="0" err="1" smtClean="0"/>
+                <a:t>ss</a:t>
+              </a:r>
+              <a:endParaRPr lang="en-US" dirty="0"/>
+            </a:p>
+          </p:txBody>
+        </p:sp>
+        <p:cxnSp>
+          <p:nvCxnSpPr>
+            <p:cNvPr id="59" name="Straight Arrow Connector 58"/>
+            <p:cNvCxnSpPr/>
+            <p:nvPr/>
+          </p:nvCxnSpPr>
+          <p:spPr>
+            <a:xfrm>
+              <a:off x="9467124" y="3663777"/>
+              <a:ext cx="846383" cy="8313"/>
+            </a:xfrm>
+            <a:prstGeom prst="straightConnector1">
+              <a:avLst/>
+            </a:prstGeom>
+            <a:ln w="57150">
+              <a:tailEnd type="triangle"/>
+            </a:ln>
+          </p:spPr>
+          <p:style>
+            <a:lnRef idx="1">
+              <a:schemeClr val="accent1"/>
+            </a:lnRef>
+            <a:fillRef idx="0">
+              <a:schemeClr val="accent1"/>
+            </a:fillRef>
+            <a:effectRef idx="0">
+              <a:schemeClr val="accent1"/>
+            </a:effectRef>
+            <a:fontRef idx="minor">
+              <a:schemeClr val="tx1"/>
+            </a:fontRef>
+          </p:style>
+        </p:cxnSp>
+      </p:grpSp>
+      <p:sp>
+        <p:nvSpPr>
+          <p:cNvPr id="60" name="TextBox 59"/>
+          <p:cNvSpPr txBox="1"/>
+          <p:nvPr/>
+        </p:nvSpPr>
+        <p:spPr>
+          <a:xfrm>
+            <a:off x="8468858" y="5668997"/>
+            <a:ext cx="3148519" cy="707886"/>
+          </a:xfrm>
+          <a:prstGeom prst="rect">
+            <a:avLst/>
+          </a:prstGeom>
+          <a:noFill/>
+          <a:ln w="6350">
+            <a:solidFill>
+              <a:schemeClr val="accent2">
+                <a:lumMod val="75000"/>
+              </a:schemeClr>
+            </a:solidFill>
+          </a:ln>
+        </p:spPr>
+        <p:txBody>
+          <a:bodyPr wrap="square" rtlCol="0">
+            <a:spAutoFit/>
+          </a:bodyPr>
+          <a:lstStyle/>
+          <a:p>
+            <a:r>
+              <a:rPr lang="en-US" sz="4000" dirty="0" smtClean="0"/>
+              <a:t>Main Memory</a:t>
+            </a:r>
+            <a:endParaRPr lang="en-US" sz="4000" dirty="0"/>
+          </a:p>
+        </p:txBody>
+      </p:sp>
+      <p:cxnSp>
+        <p:nvCxnSpPr>
+          <p:cNvPr id="61" name="Straight Arrow Connector 60"/>
+          <p:cNvCxnSpPr/>
+          <p:nvPr/>
+        </p:nvCxnSpPr>
+        <p:spPr>
+          <a:xfrm>
+            <a:off x="7812892" y="4539827"/>
+            <a:ext cx="1311933" cy="914489"/>
+          </a:xfrm>
+          <a:prstGeom prst="straightConnector1">
+            <a:avLst/>
+          </a:prstGeom>
+          <a:ln w="57150">
+            <a:tailEnd type="triangle"/>
+          </a:ln>
+        </p:spPr>
+        <p:style>
+          <a:lnRef idx="1">
+            <a:schemeClr val="accent1"/>
+          </a:lnRef>
+          <a:fillRef idx="0">
+            <a:schemeClr val="accent1"/>
+          </a:fillRef>
+          <a:effectRef idx="0">
+            <a:schemeClr val="accent1"/>
+          </a:effectRef>
+          <a:fontRef idx="minor">
+            <a:schemeClr val="tx1"/>
+          </a:fontRef>
+        </p:style>
+      </p:cxnSp>
+      <p:sp>
+        <p:nvSpPr>
+          <p:cNvPr id="63" name="TextBox 62"/>
+          <p:cNvSpPr txBox="1"/>
+          <p:nvPr/>
+        </p:nvSpPr>
+        <p:spPr>
+          <a:xfrm>
+            <a:off x="551137" y="2805025"/>
+            <a:ext cx="1329624" cy="707886"/>
+          </a:xfrm>
+          <a:prstGeom prst="rect">
+            <a:avLst/>
+          </a:prstGeom>
+          <a:noFill/>
+          <a:ln w="6350">
+            <a:solidFill>
+              <a:schemeClr val="accent2">
+                <a:lumMod val="75000"/>
+              </a:schemeClr>
+            </a:solidFill>
+          </a:ln>
+        </p:spPr>
+        <p:txBody>
+          <a:bodyPr wrap="square" rtlCol="0">
+            <a:spAutoFit/>
+          </a:bodyPr>
+          <a:lstStyle/>
+          <a:p>
+            <a:r>
+              <a:rPr lang="en-US" sz="4000" dirty="0" smtClean="0"/>
+              <a:t>TB</a:t>
+            </a:r>
+            <a:endParaRPr lang="en-US" sz="4000" dirty="0"/>
           </a:p>
         </p:txBody>
       </p:sp>
     </p:spTree>
     <p:extLst>
       <p:ext uri="{BB962C8B-B14F-4D97-AF65-F5344CB8AC3E}">
-        <p14:creationId xmlns:p14="http://schemas.microsoft.com/office/powerpoint/2010/main" val="1137721067"/>
+        <p14:creationId xmlns:p14="http://schemas.microsoft.com/office/powerpoint/2010/main" val="2706785526"/>
       </p:ext>
     </p:extLst>
   </p:cSld>
@@ -6148,33 +7460,100 @@
             <p:ph type="title"/>
           </p:nvPr>
         </p:nvSpPr>
-        <p:spPr>
-          <a:xfrm>
-            <a:off x="1676400" y="3569964"/>
-            <a:ext cx="10515600" cy="1325563"/>
-          </a:xfrm>
-        </p:spPr>
-        <p:txBody>
-          <a:bodyPr>
-            <a:noAutofit/>
+        <p:spPr/>
+        <p:txBody>
+          <a:bodyPr/>
+          <a:lstStyle/>
+          <a:p>
+            <a:r>
+              <a:rPr lang="en-US" dirty="0" smtClean="0"/>
+              <a:t>CPU – Memory Controller - </a:t>
+            </a:r>
+            <a:r>
+              <a:rPr lang="en-US" dirty="0" smtClean="0"/>
+              <a:t>Verification cases</a:t>
+            </a:r>
+            <a:endParaRPr lang="en-US" dirty="0"/>
+          </a:p>
+        </p:txBody>
+      </p:sp>
+      <p:sp>
+        <p:nvSpPr>
+          <p:cNvPr id="6" name="TextBox 5"/>
+          <p:cNvSpPr txBox="1"/>
+          <p:nvPr/>
+        </p:nvSpPr>
+        <p:spPr>
+          <a:xfrm>
+            <a:off x="1080654" y="1690688"/>
+            <a:ext cx="10061479" cy="2246769"/>
+          </a:xfrm>
+          <a:prstGeom prst="rect">
+            <a:avLst/>
+          </a:prstGeom>
+          <a:noFill/>
+        </p:spPr>
+        <p:txBody>
+          <a:bodyPr wrap="square" rtlCol="0">
+            <a:spAutoFit/>
           </a:bodyPr>
           <a:lstStyle/>
           <a:p>
-            <a:r>
-              <a:rPr lang="en-US" sz="16600" dirty="0" smtClean="0"/>
-              <a:t>Backup</a:t>
-            </a:r>
-            <a:br>
-              <a:rPr lang="en-US" sz="16600" dirty="0" smtClean="0"/>
-            </a:br>
-            <a:endParaRPr lang="en-US" sz="16600" dirty="0"/>
+            <a:pPr marL="285750" indent="-285750">
+              <a:buFont typeface="Arial" panose="020B0604020202020204" pitchFamily="34" charset="0"/>
+              <a:buChar char="•"/>
+            </a:pPr>
+            <a:r>
+              <a:rPr lang="en-US" sz="2800" dirty="0" smtClean="0"/>
+              <a:t>Parse files</a:t>
+            </a:r>
+          </a:p>
+          <a:p>
+            <a:pPr marL="285750" indent="-285750">
+              <a:buFont typeface="Arial" panose="020B0604020202020204" pitchFamily="34" charset="0"/>
+              <a:buChar char="•"/>
+            </a:pPr>
+            <a:r>
+              <a:rPr lang="en-US" sz="2800" dirty="0" smtClean="0"/>
+              <a:t>Read from Cache</a:t>
+            </a:r>
+          </a:p>
+          <a:p>
+            <a:pPr marL="285750" indent="-285750">
+              <a:buFont typeface="Arial" panose="020B0604020202020204" pitchFamily="34" charset="0"/>
+              <a:buChar char="•"/>
+            </a:pPr>
+            <a:r>
+              <a:rPr lang="en-US" sz="2800" dirty="0" smtClean="0"/>
+              <a:t>Read from main memory</a:t>
+            </a:r>
+          </a:p>
+          <a:p>
+            <a:pPr marL="285750" indent="-285750">
+              <a:buFont typeface="Arial" panose="020B0604020202020204" pitchFamily="34" charset="0"/>
+              <a:buChar char="•"/>
+            </a:pPr>
+            <a:r>
+              <a:rPr lang="en-US" sz="2800" dirty="0" smtClean="0"/>
+              <a:t>Write to cache</a:t>
+            </a:r>
+          </a:p>
+          <a:p>
+            <a:pPr marL="285750" indent="-285750">
+              <a:buFont typeface="Arial" panose="020B0604020202020204" pitchFamily="34" charset="0"/>
+              <a:buChar char="•"/>
+            </a:pPr>
+            <a:r>
+              <a:rPr lang="en-US" sz="2800" dirty="0" smtClean="0"/>
+              <a:t>Write to main memory</a:t>
+            </a:r>
           </a:p>
         </p:txBody>
       </p:sp>
     </p:spTree>
     <p:extLst>
       <p:ext uri="{BB962C8B-B14F-4D97-AF65-F5344CB8AC3E}">
-        <p14:creationId xmlns:p14="http://schemas.microsoft.com/office/powerpoint/2010/main" val="4291726577"/>
+        <p14:creationId xmlns:p14="http://schemas.microsoft.com/office/powerpoint/2010/main" val="438044582"/>
       </p:ext>
     </p:extLst>
   </p:cSld>
@@ -6217,8 +7596,16 @@
           <a:lstStyle/>
           <a:p>
             <a:r>
+              <a:rPr lang="en-US" dirty="0" err="1" smtClean="0"/>
+              <a:t>Casos</a:t>
+            </a:r>
+            <a:r>
               <a:rPr lang="en-US" dirty="0" smtClean="0"/>
-              <a:t>Peripheral component</a:t>
+              <a:t> </a:t>
+            </a:r>
+            <a:r>
+              <a:rPr lang="en-US" dirty="0" err="1" smtClean="0"/>
+              <a:t>systema</a:t>
             </a:r>
             <a:endParaRPr lang="en-US" dirty="0"/>
           </a:p>
@@ -6226,26 +7613,19 @@
       </p:sp>
       <p:sp>
         <p:nvSpPr>
-          <p:cNvPr id="3" name="TextBox 2"/>
+          <p:cNvPr id="4" name="TextBox 3"/>
           <p:cNvSpPr txBox="1"/>
           <p:nvPr/>
         </p:nvSpPr>
         <p:spPr>
           <a:xfrm>
-            <a:off x="6338260" y="5691244"/>
-            <a:ext cx="1329624" cy="707886"/>
+            <a:off x="1010653" y="1690688"/>
+            <a:ext cx="5614736" cy="2031325"/>
           </a:xfrm>
           <a:prstGeom prst="rect">
             <a:avLst/>
           </a:prstGeom>
           <a:noFill/>
-          <a:ln w="6350">
-            <a:solidFill>
-              <a:schemeClr val="accent2">
-                <a:lumMod val="75000"/>
-              </a:schemeClr>
-            </a:solidFill>
-          </a:ln>
         </p:spPr>
         <p:txBody>
           <a:bodyPr wrap="square" rtlCol="0">
@@ -6254,406 +7634,102 @@
           <a:lstStyle/>
           <a:p>
             <a:r>
-              <a:rPr lang="en-US" sz="4000" dirty="0" smtClean="0"/>
-              <a:t>UART</a:t>
-            </a:r>
-            <a:endParaRPr lang="en-US" sz="4000" dirty="0"/>
-          </a:p>
-        </p:txBody>
-      </p:sp>
-      <p:sp>
-        <p:nvSpPr>
-          <p:cNvPr id="11" name="TextBox 10"/>
-          <p:cNvSpPr txBox="1"/>
-          <p:nvPr/>
-        </p:nvSpPr>
-        <p:spPr>
-          <a:xfrm>
-            <a:off x="10025149" y="5564943"/>
-            <a:ext cx="2209387" cy="369332"/>
-          </a:xfrm>
-          <a:prstGeom prst="rect">
-            <a:avLst/>
-          </a:prstGeom>
-          <a:noFill/>
-        </p:spPr>
-        <p:txBody>
-          <a:bodyPr wrap="none" rtlCol="0">
-            <a:spAutoFit/>
-          </a:bodyPr>
-          <a:lstStyle/>
-          <a:p>
+              <a:rPr lang="en-US" dirty="0" err="1" smtClean="0"/>
+              <a:t>Caso</a:t>
+            </a:r>
             <a:r>
               <a:rPr lang="en-US" dirty="0" smtClean="0"/>
-              <a:t>To memory controller</a:t>
-            </a:r>
-            <a:endParaRPr lang="en-US" dirty="0"/>
-          </a:p>
-        </p:txBody>
-      </p:sp>
-      <p:pic>
-        <p:nvPicPr>
-          <p:cNvPr id="12" name="Picture 11"/>
-          <p:cNvPicPr>
-            <a:picLocks noChangeAspect="1"/>
-          </p:cNvPicPr>
-          <p:nvPr/>
-        </p:nvPicPr>
-        <p:blipFill>
-          <a:blip r:embed="rId2"/>
-          <a:stretch>
-            <a:fillRect/>
-          </a:stretch>
-        </p:blipFill>
-        <p:spPr>
-          <a:xfrm>
-            <a:off x="225526" y="5564944"/>
-            <a:ext cx="5689584" cy="844420"/>
-          </a:xfrm>
-          <a:prstGeom prst="rect">
-            <a:avLst/>
-          </a:prstGeom>
-        </p:spPr>
-      </p:pic>
-      <p:cxnSp>
-        <p:nvCxnSpPr>
-          <p:cNvPr id="14" name="Straight Arrow Connector 13"/>
-          <p:cNvCxnSpPr/>
-          <p:nvPr/>
-        </p:nvCxnSpPr>
-        <p:spPr>
-          <a:xfrm>
-            <a:off x="5627699" y="6040951"/>
-            <a:ext cx="458346" cy="9701"/>
-          </a:xfrm>
-          <a:prstGeom prst="straightConnector1">
-            <a:avLst/>
-          </a:prstGeom>
-          <a:ln w="57150">
-            <a:tailEnd type="triangle"/>
-          </a:ln>
-        </p:spPr>
-        <p:style>
-          <a:lnRef idx="1">
-            <a:schemeClr val="accent1"/>
-          </a:lnRef>
-          <a:fillRef idx="0">
-            <a:schemeClr val="accent1"/>
-          </a:fillRef>
-          <a:effectRef idx="0">
-            <a:schemeClr val="accent1"/>
-          </a:effectRef>
-          <a:fontRef idx="minor">
-            <a:schemeClr val="tx1"/>
-          </a:fontRef>
-        </p:style>
-      </p:cxnSp>
-      <p:pic>
-        <p:nvPicPr>
-          <p:cNvPr id="16" name="Picture 15"/>
-          <p:cNvPicPr>
-            <a:picLocks noChangeAspect="1"/>
-          </p:cNvPicPr>
-          <p:nvPr/>
-        </p:nvPicPr>
-        <p:blipFill>
-          <a:blip r:embed="rId3"/>
-          <a:stretch>
-            <a:fillRect/>
-          </a:stretch>
-        </p:blipFill>
-        <p:spPr>
-          <a:xfrm>
-            <a:off x="258248" y="2078182"/>
-            <a:ext cx="1040457" cy="1158546"/>
-          </a:xfrm>
-          <a:prstGeom prst="rect">
-            <a:avLst/>
-          </a:prstGeom>
-        </p:spPr>
-      </p:pic>
-      <p:sp>
-        <p:nvSpPr>
-          <p:cNvPr id="17" name="TextBox 16"/>
-          <p:cNvSpPr txBox="1"/>
-          <p:nvPr/>
-        </p:nvSpPr>
-        <p:spPr>
-          <a:xfrm>
-            <a:off x="1529630" y="1647686"/>
-            <a:ext cx="4271805" cy="2677656"/>
-          </a:xfrm>
-          <a:prstGeom prst="rect">
-            <a:avLst/>
-          </a:prstGeom>
-          <a:noFill/>
-        </p:spPr>
-        <p:txBody>
-          <a:bodyPr wrap="square" rtlCol="0">
-            <a:spAutoFit/>
-          </a:bodyPr>
-          <a:lstStyle/>
-          <a:p>
-            <a:r>
-              <a:rPr lang="en-US" sz="2400" dirty="0" smtClean="0"/>
-              <a:t>Peripheral reads file from computer that contains instructions to:</a:t>
-            </a:r>
-          </a:p>
-          <a:p>
-            <a:pPr marL="285750" indent="-285750">
-              <a:buFont typeface="Arial" panose="020B0604020202020204" pitchFamily="34" charset="0"/>
-              <a:buChar char="•"/>
-            </a:pPr>
-            <a:r>
-              <a:rPr lang="en-US" sz="2400" dirty="0" smtClean="0"/>
-              <a:t> read/write - </a:t>
-            </a:r>
-            <a:r>
-              <a:rPr lang="en-US" sz="2400" b="1" dirty="0" smtClean="0"/>
-              <a:t>header</a:t>
-            </a:r>
-          </a:p>
-          <a:p>
-            <a:pPr marL="285750" indent="-285750">
-              <a:buFont typeface="Arial" panose="020B0604020202020204" pitchFamily="34" charset="0"/>
-              <a:buChar char="•"/>
-            </a:pPr>
-            <a:r>
-              <a:rPr lang="en-US" sz="2400" dirty="0" smtClean="0"/>
-              <a:t>addresses </a:t>
-            </a:r>
-          </a:p>
-          <a:p>
-            <a:pPr marL="285750" indent="-285750">
-              <a:buFont typeface="Arial" panose="020B0604020202020204" pitchFamily="34" charset="0"/>
-              <a:buChar char="•"/>
-            </a:pPr>
-            <a:r>
-              <a:rPr lang="en-US" sz="2400" dirty="0" smtClean="0"/>
-              <a:t>Data</a:t>
-            </a:r>
-          </a:p>
-          <a:p>
-            <a:pPr marL="285750" indent="-285750">
-              <a:buFont typeface="Arial" panose="020B0604020202020204" pitchFamily="34" charset="0"/>
-              <a:buChar char="•"/>
-            </a:pPr>
-            <a:r>
-              <a:rPr lang="en-US" sz="2400" dirty="0" smtClean="0"/>
-              <a:t>Error bits generated arbitrarily</a:t>
-            </a:r>
-            <a:endParaRPr lang="en-US" sz="2400" dirty="0"/>
-          </a:p>
-        </p:txBody>
-      </p:sp>
-      <p:pic>
-        <p:nvPicPr>
-          <p:cNvPr id="1026" name="Picture 2" descr="Related image"/>
-          <p:cNvPicPr>
-            <a:picLocks noChangeAspect="1" noChangeArrowheads="1"/>
-          </p:cNvPicPr>
-          <p:nvPr/>
-        </p:nvPicPr>
-        <p:blipFill>
-          <a:blip r:embed="rId4">
-            <a:extLst>
-              <a:ext uri="{28A0092B-C50C-407E-A947-70E740481C1C}">
-                <a14:useLocalDpi xmlns:a14="http://schemas.microsoft.com/office/drawing/2010/main" val="0"/>
-              </a:ext>
-            </a:extLst>
-          </a:blip>
-          <a:srcRect/>
-          <a:stretch>
-            <a:fillRect/>
-          </a:stretch>
-        </p:blipFill>
-        <p:spPr bwMode="auto">
-          <a:xfrm>
-            <a:off x="5183915" y="1581737"/>
-            <a:ext cx="3105150" cy="2552700"/>
-          </a:xfrm>
-          <a:prstGeom prst="rect">
-            <a:avLst/>
-          </a:prstGeom>
-          <a:noFill/>
-          <a:extLst>
-            <a:ext uri="{909E8E84-426E-40DD-AFC4-6F175D3DCCD1}">
-              <a14:hiddenFill xmlns:a14="http://schemas.microsoft.com/office/drawing/2010/main">
-                <a:solidFill>
-                  <a:srgbClr val="FFFFFF"/>
-                </a:solidFill>
-              </a14:hiddenFill>
-            </a:ext>
-          </a:extLst>
-        </p:spPr>
-      </p:pic>
-      <p:sp>
-        <p:nvSpPr>
-          <p:cNvPr id="19" name="TextBox 18"/>
-          <p:cNvSpPr txBox="1"/>
-          <p:nvPr/>
-        </p:nvSpPr>
-        <p:spPr>
-          <a:xfrm>
-            <a:off x="8519990" y="1647686"/>
-            <a:ext cx="3690872" cy="3046988"/>
-          </a:xfrm>
-          <a:prstGeom prst="rect">
-            <a:avLst/>
-          </a:prstGeom>
-          <a:noFill/>
-        </p:spPr>
-        <p:txBody>
-          <a:bodyPr wrap="square" rtlCol="0">
-            <a:spAutoFit/>
-          </a:bodyPr>
-          <a:lstStyle/>
-          <a:p>
-            <a:pPr marL="342900" indent="-342900">
-              <a:buFont typeface="Arial" panose="020B0604020202020204" pitchFamily="34" charset="0"/>
-              <a:buChar char="•"/>
-            </a:pPr>
-            <a:r>
-              <a:rPr lang="en-US" sz="2400" dirty="0" smtClean="0"/>
-              <a:t>Peripheral state machine parses data and forms message as per format below. </a:t>
-            </a:r>
-          </a:p>
-          <a:p>
-            <a:pPr marL="342900" indent="-342900">
-              <a:buFont typeface="Arial" panose="020B0604020202020204" pitchFamily="34" charset="0"/>
-              <a:buChar char="•"/>
-            </a:pPr>
-            <a:r>
-              <a:rPr lang="en-US" sz="2400" dirty="0" smtClean="0"/>
-              <a:t>Waits for send command.</a:t>
-            </a:r>
-          </a:p>
-          <a:p>
-            <a:pPr marL="342900" indent="-342900">
-              <a:buFont typeface="Arial" panose="020B0604020202020204" pitchFamily="34" charset="0"/>
-              <a:buChar char="•"/>
-            </a:pPr>
-            <a:r>
-              <a:rPr lang="en-US" sz="2400" dirty="0" smtClean="0"/>
-              <a:t>Send command moves message to UART and sends to Mem Controller.</a:t>
-            </a:r>
-          </a:p>
-        </p:txBody>
-      </p:sp>
-      <p:cxnSp>
-        <p:nvCxnSpPr>
-          <p:cNvPr id="20" name="Straight Arrow Connector 19"/>
-          <p:cNvCxnSpPr/>
-          <p:nvPr/>
-        </p:nvCxnSpPr>
-        <p:spPr>
-          <a:xfrm>
-            <a:off x="10025149" y="6035040"/>
-            <a:ext cx="1960418" cy="0"/>
-          </a:xfrm>
-          <a:prstGeom prst="straightConnector1">
-            <a:avLst/>
-          </a:prstGeom>
-          <a:ln w="38100">
-            <a:headEnd type="triangle"/>
-            <a:tailEnd type="triangle"/>
-          </a:ln>
-        </p:spPr>
-        <p:style>
-          <a:lnRef idx="1">
-            <a:schemeClr val="accent1"/>
-          </a:lnRef>
-          <a:fillRef idx="0">
-            <a:schemeClr val="accent1"/>
-          </a:fillRef>
-          <a:effectRef idx="0">
-            <a:schemeClr val="accent1"/>
-          </a:effectRef>
-          <a:fontRef idx="minor">
-            <a:schemeClr val="tx1"/>
-          </a:fontRef>
-        </p:style>
-      </p:cxnSp>
-      <p:sp>
-        <p:nvSpPr>
-          <p:cNvPr id="22" name="TextBox 21"/>
-          <p:cNvSpPr txBox="1"/>
-          <p:nvPr/>
-        </p:nvSpPr>
-        <p:spPr>
-          <a:xfrm>
-            <a:off x="8443310" y="5383467"/>
-            <a:ext cx="1516937" cy="1323439"/>
-          </a:xfrm>
-          <a:prstGeom prst="rect">
-            <a:avLst/>
-          </a:prstGeom>
-          <a:noFill/>
-          <a:ln w="6350">
-            <a:solidFill>
-              <a:schemeClr val="accent2">
-                <a:lumMod val="75000"/>
-              </a:schemeClr>
-            </a:solidFill>
-          </a:ln>
-        </p:spPr>
-        <p:txBody>
-          <a:bodyPr wrap="square" rtlCol="0">
-            <a:spAutoFit/>
-          </a:bodyPr>
-          <a:lstStyle/>
-          <a:p>
-            <a:r>
-              <a:rPr lang="en-US" sz="4000" dirty="0" smtClean="0"/>
-              <a:t>MSG</a:t>
-            </a:r>
-          </a:p>
-          <a:p>
-            <a:r>
-              <a:rPr lang="en-US" sz="4000" dirty="0" smtClean="0"/>
-              <a:t>Buffer</a:t>
-            </a:r>
-            <a:endParaRPr lang="en-US" sz="4000" dirty="0"/>
-          </a:p>
-        </p:txBody>
-      </p:sp>
-      <p:cxnSp>
-        <p:nvCxnSpPr>
-          <p:cNvPr id="24" name="Straight Arrow Connector 23"/>
-          <p:cNvCxnSpPr/>
-          <p:nvPr/>
-        </p:nvCxnSpPr>
-        <p:spPr>
-          <a:xfrm>
-            <a:off x="7920100" y="6025338"/>
-            <a:ext cx="458346" cy="9701"/>
-          </a:xfrm>
-          <a:prstGeom prst="straightConnector1">
-            <a:avLst/>
-          </a:prstGeom>
-          <a:ln w="57150">
-            <a:tailEnd type="triangle"/>
-          </a:ln>
-        </p:spPr>
-        <p:style>
-          <a:lnRef idx="1">
-            <a:schemeClr val="accent1"/>
-          </a:lnRef>
-          <a:fillRef idx="0">
-            <a:schemeClr val="accent1"/>
-          </a:fillRef>
-          <a:effectRef idx="0">
-            <a:schemeClr val="accent1"/>
-          </a:effectRef>
-          <a:fontRef idx="minor">
-            <a:schemeClr val="tx1"/>
-          </a:fontRef>
-        </p:style>
-      </p:cxnSp>
+              <a:t> 1 – </a:t>
+            </a:r>
+            <a:r>
+              <a:rPr lang="en-US" dirty="0" err="1" smtClean="0"/>
+              <a:t>periferico</a:t>
+            </a:r>
+            <a:r>
+              <a:rPr lang="en-US" dirty="0" smtClean="0"/>
+              <a:t> escribe y hay un cache hit modified (</a:t>
+            </a:r>
+            <a:r>
+              <a:rPr lang="en-US" dirty="0" err="1" smtClean="0"/>
+              <a:t>paso</a:t>
+            </a:r>
+            <a:r>
+              <a:rPr lang="en-US" dirty="0" smtClean="0"/>
+              <a:t> </a:t>
+            </a:r>
+            <a:r>
+              <a:rPr lang="en-US" dirty="0" err="1" smtClean="0"/>
+              <a:t>por</a:t>
+            </a:r>
+            <a:r>
+              <a:rPr lang="en-US" dirty="0" smtClean="0"/>
+              <a:t> </a:t>
+            </a:r>
+            <a:r>
+              <a:rPr lang="en-US" dirty="0" err="1" smtClean="0"/>
+              <a:t>paso</a:t>
+            </a:r>
+            <a:r>
+              <a:rPr lang="en-US" dirty="0" smtClean="0"/>
+              <a:t>)</a:t>
+            </a:r>
+          </a:p>
+          <a:p>
+            <a:r>
+              <a:rPr lang="en-US" dirty="0" err="1" smtClean="0"/>
+              <a:t>Caso</a:t>
+            </a:r>
+            <a:r>
+              <a:rPr lang="en-US" dirty="0" smtClean="0"/>
+              <a:t> 2 – CPU load (read) - cache miss </a:t>
+            </a:r>
+          </a:p>
+          <a:p>
+            <a:r>
+              <a:rPr lang="en-US" dirty="0" err="1" smtClean="0"/>
+              <a:t>Caso</a:t>
+            </a:r>
+            <a:r>
+              <a:rPr lang="en-US" dirty="0" smtClean="0"/>
+              <a:t> 3 – CPU load – hit</a:t>
+            </a:r>
+          </a:p>
+          <a:p>
+            <a:r>
+              <a:rPr lang="en-US" dirty="0" err="1" smtClean="0"/>
+              <a:t>Caso</a:t>
+            </a:r>
+            <a:r>
+              <a:rPr lang="en-US" dirty="0" smtClean="0"/>
+              <a:t> 4 – CPU store (write to main memory) miss </a:t>
+            </a:r>
+          </a:p>
+          <a:p>
+            <a:r>
+              <a:rPr lang="en-US" dirty="0" err="1" smtClean="0"/>
+              <a:t>Caso</a:t>
+            </a:r>
+            <a:r>
+              <a:rPr lang="en-US" dirty="0" smtClean="0"/>
+              <a:t> 5 – CPU store hit</a:t>
+            </a:r>
+          </a:p>
+          <a:p>
+            <a:r>
+              <a:rPr lang="en-US" dirty="0" err="1" smtClean="0"/>
+              <a:t>Caso</a:t>
+            </a:r>
+            <a:r>
+              <a:rPr lang="en-US" dirty="0" smtClean="0"/>
+              <a:t> 6 – CPU bus request denied. </a:t>
+            </a:r>
+          </a:p>
+        </p:txBody>
+      </p:sp>
     </p:spTree>
     <p:extLst>
       <p:ext uri="{BB962C8B-B14F-4D97-AF65-F5344CB8AC3E}">
-        <p14:creationId xmlns:p14="http://schemas.microsoft.com/office/powerpoint/2010/main" val="365396795"/>
+        <p14:creationId xmlns:p14="http://schemas.microsoft.com/office/powerpoint/2010/main" val="86268264"/>
       </p:ext>
     </p:extLst>
   </p:cSld>
@@ -6690,9 +7766,86 @@
             <p:ph type="title"/>
           </p:nvPr>
         </p:nvSpPr>
-        <p:spPr>
-          <a:xfrm>
-            <a:off x="517533" y="213900"/>
+        <p:spPr/>
+        <p:txBody>
+          <a:bodyPr/>
+          <a:lstStyle/>
+          <a:p>
+            <a:r>
+              <a:rPr lang="en-US" dirty="0" smtClean="0"/>
+              <a:t>CPU load – cache miss</a:t>
+            </a:r>
+            <a:endParaRPr lang="en-US" dirty="0"/>
+          </a:p>
+        </p:txBody>
+      </p:sp>
+      <p:pic>
+        <p:nvPicPr>
+          <p:cNvPr id="3" name="Picture 2"/>
+          <p:cNvPicPr>
+            <a:picLocks noChangeAspect="1"/>
+          </p:cNvPicPr>
+          <p:nvPr/>
+        </p:nvPicPr>
+        <p:blipFill>
+          <a:blip r:embed="rId2"/>
+          <a:stretch>
+            <a:fillRect/>
+          </a:stretch>
+        </p:blipFill>
+        <p:spPr>
+          <a:xfrm>
+            <a:off x="838200" y="1501358"/>
+            <a:ext cx="7115175" cy="4514850"/>
+          </a:xfrm>
+          <a:prstGeom prst="rect">
+            <a:avLst/>
+          </a:prstGeom>
+        </p:spPr>
+      </p:pic>
+    </p:spTree>
+    <p:extLst>
+      <p:ext uri="{BB962C8B-B14F-4D97-AF65-F5344CB8AC3E}">
+        <p14:creationId xmlns:p14="http://schemas.microsoft.com/office/powerpoint/2010/main" val="3443845932"/>
+      </p:ext>
+    </p:extLst>
+  </p:cSld>
+  <p:clrMapOvr>
+    <a:masterClrMapping/>
+  </p:clrMapOvr>
+</p:sld>
+</file>
+
+<file path=ppt/slides/slide25.xml><?xml version="1.0" encoding="utf-8"?>
+<p:sld xmlns:a="http://schemas.openxmlformats.org/drawingml/2006/main" xmlns:r="http://schemas.openxmlformats.org/officeDocument/2006/relationships" xmlns:p="http://schemas.openxmlformats.org/presentationml/2006/main">
+  <p:cSld>
+    <p:spTree>
+      <p:nvGrpSpPr>
+        <p:cNvPr id="1" name=""/>
+        <p:cNvGrpSpPr/>
+        <p:nvPr/>
+      </p:nvGrpSpPr>
+      <p:grpSpPr>
+        <a:xfrm>
+          <a:off x="0" y="0"/>
+          <a:ext cx="0" cy="0"/>
+          <a:chOff x="0" y="0"/>
+          <a:chExt cx="0" cy="0"/>
+        </a:xfrm>
+      </p:grpSpPr>
+      <p:sp>
+        <p:nvSpPr>
+          <p:cNvPr id="2" name="Title 1"/>
+          <p:cNvSpPr>
+            <a:spLocks noGrp="1"/>
+          </p:cNvSpPr>
+          <p:nvPr>
+            <p:ph type="title"/>
+          </p:nvPr>
+        </p:nvSpPr>
+        <p:spPr>
+          <a:xfrm>
+            <a:off x="253692" y="12709"/>
             <a:ext cx="10515600" cy="1325563"/>
           </a:xfrm>
         </p:spPr>
@@ -6701,10 +7854,227 @@
           <a:lstStyle/>
           <a:p>
             <a:r>
-              <a:rPr lang="en-US" smtClean="0"/>
-              <a:t>Memory controller</a:t>
+              <a:rPr lang="en-US" dirty="0" smtClean="0"/>
+              <a:t>Cache</a:t>
             </a:r>
             <a:endParaRPr lang="en-US" dirty="0"/>
+          </a:p>
+        </p:txBody>
+      </p:sp>
+      <p:sp>
+        <p:nvSpPr>
+          <p:cNvPr id="4" name="Rectangle 3"/>
+          <p:cNvSpPr/>
+          <p:nvPr/>
+        </p:nvSpPr>
+        <p:spPr>
+          <a:xfrm>
+            <a:off x="5016081" y="2249464"/>
+            <a:ext cx="3690851" cy="2859578"/>
+          </a:xfrm>
+          <a:prstGeom prst="rect">
+            <a:avLst/>
+          </a:prstGeom>
+          <a:solidFill>
+            <a:srgbClr val="7030A0"/>
+          </a:solidFill>
+        </p:spPr>
+        <p:style>
+          <a:lnRef idx="2">
+            <a:schemeClr val="accent1">
+              <a:shade val="50000"/>
+            </a:schemeClr>
+          </a:lnRef>
+          <a:fillRef idx="1">
+            <a:schemeClr val="accent1"/>
+          </a:fillRef>
+          <a:effectRef idx="0">
+            <a:schemeClr val="accent1"/>
+          </a:effectRef>
+          <a:fontRef idx="minor">
+            <a:schemeClr val="lt1"/>
+          </a:fontRef>
+        </p:style>
+        <p:txBody>
+          <a:bodyPr rtlCol="0" anchor="ctr"/>
+          <a:lstStyle/>
+          <a:p>
+            <a:pPr algn="ctr"/>
+            <a:r>
+              <a:rPr lang="en-US" sz="4400" dirty="0" smtClean="0"/>
+              <a:t>Cache</a:t>
+            </a:r>
+            <a:endParaRPr lang="en-US" sz="4400" dirty="0"/>
+          </a:p>
+        </p:txBody>
+      </p:sp>
+      <p:cxnSp>
+        <p:nvCxnSpPr>
+          <p:cNvPr id="9" name="Straight Arrow Connector 8"/>
+          <p:cNvCxnSpPr/>
+          <p:nvPr/>
+        </p:nvCxnSpPr>
+        <p:spPr>
+          <a:xfrm>
+            <a:off x="1435080" y="3329980"/>
+            <a:ext cx="3208712" cy="0"/>
+          </a:xfrm>
+          <a:prstGeom prst="straightConnector1">
+            <a:avLst/>
+          </a:prstGeom>
+          <a:ln w="57150">
+            <a:headEnd type="triangle"/>
+            <a:tailEnd type="triangle"/>
+          </a:ln>
+        </p:spPr>
+        <p:style>
+          <a:lnRef idx="1">
+            <a:schemeClr val="accent1"/>
+          </a:lnRef>
+          <a:fillRef idx="0">
+            <a:schemeClr val="accent1"/>
+          </a:fillRef>
+          <a:effectRef idx="0">
+            <a:schemeClr val="accent1"/>
+          </a:effectRef>
+          <a:fontRef idx="minor">
+            <a:schemeClr val="tx1"/>
+          </a:fontRef>
+        </p:style>
+      </p:cxnSp>
+      <p:sp>
+        <p:nvSpPr>
+          <p:cNvPr id="14" name="TextBox 13"/>
+          <p:cNvSpPr txBox="1"/>
+          <p:nvPr/>
+        </p:nvSpPr>
+        <p:spPr>
+          <a:xfrm>
+            <a:off x="1387651" y="2436136"/>
+            <a:ext cx="2284728" cy="369332"/>
+          </a:xfrm>
+          <a:prstGeom prst="rect">
+            <a:avLst/>
+          </a:prstGeom>
+          <a:noFill/>
+        </p:spPr>
+        <p:txBody>
+          <a:bodyPr wrap="none" rtlCol="0">
+            <a:spAutoFit/>
+          </a:bodyPr>
+          <a:lstStyle/>
+          <a:p>
+            <a:r>
+              <a:rPr lang="en-US" dirty="0" smtClean="0"/>
+              <a:t>To Memory controller:</a:t>
+            </a:r>
+            <a:endParaRPr lang="en-US" dirty="0"/>
+          </a:p>
+        </p:txBody>
+      </p:sp>
+      <p:sp>
+        <p:nvSpPr>
+          <p:cNvPr id="26" name="TextBox 25"/>
+          <p:cNvSpPr txBox="1"/>
+          <p:nvPr/>
+        </p:nvSpPr>
+        <p:spPr>
+          <a:xfrm>
+            <a:off x="2015227" y="2796179"/>
+            <a:ext cx="2373278" cy="461665"/>
+          </a:xfrm>
+          <a:prstGeom prst="rect">
+            <a:avLst/>
+          </a:prstGeom>
+          <a:noFill/>
+        </p:spPr>
+        <p:txBody>
+          <a:bodyPr wrap="square" rtlCol="0">
+            <a:spAutoFit/>
+          </a:bodyPr>
+          <a:lstStyle>
+            <a:defPPr>
+              <a:defRPr lang="en-US"/>
+            </a:defPPr>
+            <a:lvl1pPr>
+              <a:defRPr sz="2400"/>
+            </a:lvl1pPr>
+          </a:lstStyle>
+          <a:p>
+            <a:r>
+              <a:rPr lang="en-US" dirty="0"/>
+              <a:t>Address/data Bus</a:t>
+            </a:r>
+          </a:p>
+        </p:txBody>
+      </p:sp>
+      <p:cxnSp>
+        <p:nvCxnSpPr>
+          <p:cNvPr id="27" name="Straight Arrow Connector 26"/>
+          <p:cNvCxnSpPr/>
+          <p:nvPr/>
+        </p:nvCxnSpPr>
+        <p:spPr>
+          <a:xfrm>
+            <a:off x="1484957" y="4213055"/>
+            <a:ext cx="3208712" cy="0"/>
+          </a:xfrm>
+          <a:prstGeom prst="straightConnector1">
+            <a:avLst/>
+          </a:prstGeom>
+          <a:ln w="57150">
+            <a:headEnd type="triangle"/>
+            <a:tailEnd type="triangle"/>
+          </a:ln>
+        </p:spPr>
+        <p:style>
+          <a:lnRef idx="1">
+            <a:schemeClr val="accent1"/>
+          </a:lnRef>
+          <a:fillRef idx="0">
+            <a:schemeClr val="accent1"/>
+          </a:fillRef>
+          <a:effectRef idx="0">
+            <a:schemeClr val="accent1"/>
+          </a:effectRef>
+          <a:fontRef idx="minor">
+            <a:schemeClr val="tx1"/>
+          </a:fontRef>
+        </p:style>
+      </p:cxnSp>
+      <p:sp>
+        <p:nvSpPr>
+          <p:cNvPr id="28" name="TextBox 27"/>
+          <p:cNvSpPr txBox="1"/>
+          <p:nvPr/>
+        </p:nvSpPr>
+        <p:spPr>
+          <a:xfrm>
+            <a:off x="1839217" y="3679253"/>
+            <a:ext cx="2549288" cy="461665"/>
+          </a:xfrm>
+          <a:prstGeom prst="rect">
+            <a:avLst/>
+          </a:prstGeom>
+          <a:noFill/>
+        </p:spPr>
+        <p:txBody>
+          <a:bodyPr wrap="square" rtlCol="0">
+            <a:spAutoFit/>
+          </a:bodyPr>
+          <a:lstStyle>
+            <a:defPPr>
+              <a:defRPr lang="en-US"/>
+            </a:defPPr>
+            <a:lvl1pPr>
+              <a:defRPr sz="2400"/>
+            </a:lvl1pPr>
+          </a:lstStyle>
+          <a:p>
+            <a:r>
+              <a:rPr lang="en-US" dirty="0"/>
+              <a:t>Control Signals Bus</a:t>
+            </a:r>
           </a:p>
         </p:txBody>
       </p:sp>
@@ -6716,8 +8086,519 @@
         </p:nvSpPr>
         <p:spPr>
           <a:xfrm>
-            <a:off x="1625600" y="3020805"/>
-            <a:ext cx="1343068" cy="707886"/>
+            <a:off x="9029344" y="3006814"/>
+            <a:ext cx="2871831" cy="923330"/>
+          </a:xfrm>
+          <a:prstGeom prst="rect">
+            <a:avLst/>
+          </a:prstGeom>
+          <a:noFill/>
+        </p:spPr>
+        <p:txBody>
+          <a:bodyPr wrap="square" rtlCol="0">
+            <a:spAutoFit/>
+          </a:bodyPr>
+          <a:lstStyle/>
+          <a:p>
+            <a:r>
+              <a:rPr lang="en-US" dirty="0" smtClean="0"/>
+              <a:t>Cache design is practically given in the final project description.</a:t>
+            </a:r>
+            <a:endParaRPr lang="en-US" dirty="0"/>
+          </a:p>
+        </p:txBody>
+      </p:sp>
+    </p:spTree>
+    <p:extLst>
+      <p:ext uri="{BB962C8B-B14F-4D97-AF65-F5344CB8AC3E}">
+        <p14:creationId xmlns:p14="http://schemas.microsoft.com/office/powerpoint/2010/main" val="2438054222"/>
+      </p:ext>
+    </p:extLst>
+  </p:cSld>
+  <p:clrMapOvr>
+    <a:masterClrMapping/>
+  </p:clrMapOvr>
+</p:sld>
+</file>
+
+<file path=ppt/slides/slide26.xml><?xml version="1.0" encoding="utf-8"?>
+<p:sld xmlns:a="http://schemas.openxmlformats.org/drawingml/2006/main" xmlns:r="http://schemas.openxmlformats.org/officeDocument/2006/relationships" xmlns:p="http://schemas.openxmlformats.org/presentationml/2006/main">
+  <p:cSld>
+    <p:spTree>
+      <p:nvGrpSpPr>
+        <p:cNvPr id="1" name=""/>
+        <p:cNvGrpSpPr/>
+        <p:nvPr/>
+      </p:nvGrpSpPr>
+      <p:grpSpPr>
+        <a:xfrm>
+          <a:off x="0" y="0"/>
+          <a:ext cx="0" cy="0"/>
+          <a:chOff x="0" y="0"/>
+          <a:chExt cx="0" cy="0"/>
+        </a:xfrm>
+      </p:grpSpPr>
+      <p:sp>
+        <p:nvSpPr>
+          <p:cNvPr id="2" name="Title 1"/>
+          <p:cNvSpPr>
+            <a:spLocks noGrp="1"/>
+          </p:cNvSpPr>
+          <p:nvPr>
+            <p:ph type="title"/>
+          </p:nvPr>
+        </p:nvSpPr>
+        <p:spPr/>
+        <p:txBody>
+          <a:bodyPr/>
+          <a:lstStyle/>
+          <a:p>
+            <a:r>
+              <a:rPr lang="en-US" dirty="0" smtClean="0"/>
+              <a:t>Cache Verification cases</a:t>
+            </a:r>
+            <a:endParaRPr lang="en-US" dirty="0"/>
+          </a:p>
+        </p:txBody>
+      </p:sp>
+      <p:sp>
+        <p:nvSpPr>
+          <p:cNvPr id="6" name="TextBox 5"/>
+          <p:cNvSpPr txBox="1"/>
+          <p:nvPr/>
+        </p:nvSpPr>
+        <p:spPr>
+          <a:xfrm>
+            <a:off x="1080654" y="1690688"/>
+            <a:ext cx="10061479" cy="3108543"/>
+          </a:xfrm>
+          <a:prstGeom prst="rect">
+            <a:avLst/>
+          </a:prstGeom>
+          <a:noFill/>
+        </p:spPr>
+        <p:txBody>
+          <a:bodyPr wrap="square" rtlCol="0">
+            <a:spAutoFit/>
+          </a:bodyPr>
+          <a:lstStyle/>
+          <a:p>
+            <a:pPr marL="285750" indent="-285750">
+              <a:buFont typeface="Arial" panose="020B0604020202020204" pitchFamily="34" charset="0"/>
+              <a:buChar char="•"/>
+            </a:pPr>
+            <a:r>
+              <a:rPr lang="en-US" sz="2800" dirty="0" smtClean="0"/>
+              <a:t>Read from Cache</a:t>
+            </a:r>
+          </a:p>
+          <a:p>
+            <a:pPr marL="285750" indent="-285750">
+              <a:buFont typeface="Arial" panose="020B0604020202020204" pitchFamily="34" charset="0"/>
+              <a:buChar char="•"/>
+            </a:pPr>
+            <a:r>
+              <a:rPr lang="en-US" sz="2800" dirty="0" smtClean="0"/>
+              <a:t>Write to cache</a:t>
+            </a:r>
+          </a:p>
+          <a:p>
+            <a:pPr marL="285750" indent="-285750">
+              <a:buFont typeface="Arial" panose="020B0604020202020204" pitchFamily="34" charset="0"/>
+              <a:buChar char="•"/>
+            </a:pPr>
+            <a:r>
+              <a:rPr lang="en-US" sz="2800" dirty="0" smtClean="0"/>
+              <a:t>Snoop</a:t>
+            </a:r>
+          </a:p>
+          <a:p>
+            <a:pPr marL="742950" lvl="1" indent="-285750">
+              <a:buFont typeface="Arial" panose="020B0604020202020204" pitchFamily="34" charset="0"/>
+              <a:buChar char="•"/>
+            </a:pPr>
+            <a:r>
+              <a:rPr lang="en-US" sz="2800" dirty="0" smtClean="0"/>
+              <a:t>Miss</a:t>
+            </a:r>
+          </a:p>
+          <a:p>
+            <a:pPr marL="742950" lvl="1" indent="-285750">
+              <a:buFont typeface="Arial" panose="020B0604020202020204" pitchFamily="34" charset="0"/>
+              <a:buChar char="•"/>
+            </a:pPr>
+            <a:r>
+              <a:rPr lang="en-US" sz="2800" dirty="0" smtClean="0"/>
+              <a:t>Hit Clean</a:t>
+            </a:r>
+          </a:p>
+          <a:p>
+            <a:pPr marL="742950" lvl="1" indent="-285750">
+              <a:buFont typeface="Arial" panose="020B0604020202020204" pitchFamily="34" charset="0"/>
+              <a:buChar char="•"/>
+            </a:pPr>
+            <a:r>
+              <a:rPr lang="en-US" sz="2800" dirty="0" smtClean="0"/>
+              <a:t>Hit Modified</a:t>
+            </a:r>
+          </a:p>
+          <a:p>
+            <a:pPr lvl="1"/>
+            <a:endParaRPr lang="en-US" sz="2800" dirty="0" smtClean="0"/>
+          </a:p>
+        </p:txBody>
+      </p:sp>
+    </p:spTree>
+    <p:extLst>
+      <p:ext uri="{BB962C8B-B14F-4D97-AF65-F5344CB8AC3E}">
+        <p14:creationId xmlns:p14="http://schemas.microsoft.com/office/powerpoint/2010/main" val="1137721067"/>
+      </p:ext>
+    </p:extLst>
+  </p:cSld>
+  <p:clrMapOvr>
+    <a:masterClrMapping/>
+  </p:clrMapOvr>
+</p:sld>
+</file>
+
+<file path=ppt/slides/slide27.xml><?xml version="1.0" encoding="utf-8"?>
+<p:sld xmlns:a="http://schemas.openxmlformats.org/drawingml/2006/main" xmlns:r="http://schemas.openxmlformats.org/officeDocument/2006/relationships" xmlns:p="http://schemas.openxmlformats.org/presentationml/2006/main">
+  <p:cSld>
+    <p:spTree>
+      <p:nvGrpSpPr>
+        <p:cNvPr id="1" name=""/>
+        <p:cNvGrpSpPr/>
+        <p:nvPr/>
+      </p:nvGrpSpPr>
+      <p:grpSpPr>
+        <a:xfrm>
+          <a:off x="0" y="0"/>
+          <a:ext cx="0" cy="0"/>
+          <a:chOff x="0" y="0"/>
+          <a:chExt cx="0" cy="0"/>
+        </a:xfrm>
+      </p:grpSpPr>
+      <p:sp>
+        <p:nvSpPr>
+          <p:cNvPr id="2" name="Title 1"/>
+          <p:cNvSpPr>
+            <a:spLocks noGrp="1"/>
+          </p:cNvSpPr>
+          <p:nvPr>
+            <p:ph type="title"/>
+          </p:nvPr>
+        </p:nvSpPr>
+        <p:spPr>
+          <a:xfrm>
+            <a:off x="1676400" y="3569964"/>
+            <a:ext cx="10515600" cy="1325563"/>
+          </a:xfrm>
+        </p:spPr>
+        <p:txBody>
+          <a:bodyPr>
+            <a:noAutofit/>
+          </a:bodyPr>
+          <a:lstStyle/>
+          <a:p>
+            <a:r>
+              <a:rPr lang="en-US" sz="16600" dirty="0" smtClean="0"/>
+              <a:t>Backup</a:t>
+            </a:r>
+            <a:br>
+              <a:rPr lang="en-US" sz="16600" dirty="0" smtClean="0"/>
+            </a:br>
+            <a:endParaRPr lang="en-US" sz="16600" dirty="0"/>
+          </a:p>
+        </p:txBody>
+      </p:sp>
+    </p:spTree>
+    <p:extLst>
+      <p:ext uri="{BB962C8B-B14F-4D97-AF65-F5344CB8AC3E}">
+        <p14:creationId xmlns:p14="http://schemas.microsoft.com/office/powerpoint/2010/main" val="4291726577"/>
+      </p:ext>
+    </p:extLst>
+  </p:cSld>
+  <p:clrMapOvr>
+    <a:masterClrMapping/>
+  </p:clrMapOvr>
+</p:sld>
+</file>
+
+<file path=ppt/slides/slide28.xml><?xml version="1.0" encoding="utf-8"?>
+<p:sld xmlns:a="http://schemas.openxmlformats.org/drawingml/2006/main" xmlns:r="http://schemas.openxmlformats.org/officeDocument/2006/relationships" xmlns:p="http://schemas.openxmlformats.org/presentationml/2006/main">
+  <p:cSld>
+    <p:spTree>
+      <p:nvGrpSpPr>
+        <p:cNvPr id="1" name=""/>
+        <p:cNvGrpSpPr/>
+        <p:nvPr/>
+      </p:nvGrpSpPr>
+      <p:grpSpPr>
+        <a:xfrm>
+          <a:off x="0" y="0"/>
+          <a:ext cx="0" cy="0"/>
+          <a:chOff x="0" y="0"/>
+          <a:chExt cx="0" cy="0"/>
+        </a:xfrm>
+      </p:grpSpPr>
+      <p:sp>
+        <p:nvSpPr>
+          <p:cNvPr id="2" name="Title 1"/>
+          <p:cNvSpPr>
+            <a:spLocks noGrp="1"/>
+          </p:cNvSpPr>
+          <p:nvPr>
+            <p:ph type="title"/>
+          </p:nvPr>
+        </p:nvSpPr>
+        <p:spPr/>
+        <p:txBody>
+          <a:bodyPr/>
+          <a:lstStyle/>
+          <a:p>
+            <a:r>
+              <a:rPr lang="en-US" dirty="0" smtClean="0"/>
+              <a:t>CPU</a:t>
+            </a:r>
+            <a:endParaRPr lang="en-US" dirty="0"/>
+          </a:p>
+        </p:txBody>
+      </p:sp>
+      <p:pic>
+        <p:nvPicPr>
+          <p:cNvPr id="16" name="Picture 15"/>
+          <p:cNvPicPr>
+            <a:picLocks noChangeAspect="1"/>
+          </p:cNvPicPr>
+          <p:nvPr/>
+        </p:nvPicPr>
+        <p:blipFill>
+          <a:blip r:embed="rId2"/>
+          <a:stretch>
+            <a:fillRect/>
+          </a:stretch>
+        </p:blipFill>
+        <p:spPr>
+          <a:xfrm>
+            <a:off x="317971" y="2927500"/>
+            <a:ext cx="1040457" cy="1158546"/>
+          </a:xfrm>
+          <a:prstGeom prst="rect">
+            <a:avLst/>
+          </a:prstGeom>
+        </p:spPr>
+      </p:pic>
+      <p:sp>
+        <p:nvSpPr>
+          <p:cNvPr id="17" name="TextBox 16"/>
+          <p:cNvSpPr txBox="1"/>
+          <p:nvPr/>
+        </p:nvSpPr>
+        <p:spPr>
+          <a:xfrm>
+            <a:off x="1559249" y="2301354"/>
+            <a:ext cx="3919765" cy="2677656"/>
+          </a:xfrm>
+          <a:prstGeom prst="rect">
+            <a:avLst/>
+          </a:prstGeom>
+          <a:noFill/>
+        </p:spPr>
+        <p:txBody>
+          <a:bodyPr wrap="square" rtlCol="0">
+            <a:spAutoFit/>
+          </a:bodyPr>
+          <a:lstStyle/>
+          <a:p>
+            <a:r>
+              <a:rPr lang="en-US" sz="2400" dirty="0" smtClean="0"/>
+              <a:t>CPU reads file from computer that contains instructions to:</a:t>
+            </a:r>
+          </a:p>
+          <a:p>
+            <a:pPr marL="285750" indent="-285750">
+              <a:buFont typeface="Arial" panose="020B0604020202020204" pitchFamily="34" charset="0"/>
+              <a:buChar char="•"/>
+            </a:pPr>
+            <a:r>
+              <a:rPr lang="en-US" sz="2400" dirty="0" smtClean="0"/>
+              <a:t> read/write - </a:t>
+            </a:r>
+            <a:r>
+              <a:rPr lang="en-US" sz="2400" b="1" dirty="0" smtClean="0"/>
+              <a:t>header</a:t>
+            </a:r>
+          </a:p>
+          <a:p>
+            <a:pPr marL="285750" indent="-285750">
+              <a:buFont typeface="Arial" panose="020B0604020202020204" pitchFamily="34" charset="0"/>
+              <a:buChar char="•"/>
+            </a:pPr>
+            <a:r>
+              <a:rPr lang="en-US" sz="2400" dirty="0" smtClean="0"/>
+              <a:t>addresses </a:t>
+            </a:r>
+          </a:p>
+          <a:p>
+            <a:pPr marL="285750" indent="-285750">
+              <a:buFont typeface="Arial" panose="020B0604020202020204" pitchFamily="34" charset="0"/>
+              <a:buChar char="•"/>
+            </a:pPr>
+            <a:r>
+              <a:rPr lang="en-US" sz="2400" dirty="0" smtClean="0"/>
+              <a:t>Data</a:t>
+            </a:r>
+          </a:p>
+          <a:p>
+            <a:pPr marL="285750" indent="-285750">
+              <a:buFont typeface="Arial" panose="020B0604020202020204" pitchFamily="34" charset="0"/>
+              <a:buChar char="•"/>
+            </a:pPr>
+            <a:r>
+              <a:rPr lang="en-US" sz="2400" dirty="0" smtClean="0"/>
+              <a:t>Error bits generated arbitrarily</a:t>
+            </a:r>
+            <a:endParaRPr lang="en-US" sz="2400" dirty="0"/>
+          </a:p>
+        </p:txBody>
+      </p:sp>
+      <p:pic>
+        <p:nvPicPr>
+          <p:cNvPr id="1026" name="Picture 2" descr="Related image"/>
+          <p:cNvPicPr>
+            <a:picLocks noChangeAspect="1" noChangeArrowheads="1"/>
+          </p:cNvPicPr>
+          <p:nvPr/>
+        </p:nvPicPr>
+        <p:blipFill>
+          <a:blip r:embed="rId3">
+            <a:extLst>
+              <a:ext uri="{28A0092B-C50C-407E-A947-70E740481C1C}">
+                <a14:useLocalDpi xmlns:a14="http://schemas.microsoft.com/office/drawing/2010/main" val="0"/>
+              </a:ext>
+            </a:extLst>
+          </a:blip>
+          <a:srcRect/>
+          <a:stretch>
+            <a:fillRect/>
+          </a:stretch>
+        </p:blipFill>
+        <p:spPr bwMode="auto">
+          <a:xfrm>
+            <a:off x="5453614" y="2230423"/>
+            <a:ext cx="3105150" cy="2552700"/>
+          </a:xfrm>
+          <a:prstGeom prst="rect">
+            <a:avLst/>
+          </a:prstGeom>
+          <a:noFill/>
+          <a:extLst>
+            <a:ext uri="{909E8E84-426E-40DD-AFC4-6F175D3DCCD1}">
+              <a14:hiddenFill xmlns:a14="http://schemas.microsoft.com/office/drawing/2010/main">
+                <a:solidFill>
+                  <a:srgbClr val="FFFFFF"/>
+                </a:solidFill>
+              </a14:hiddenFill>
+            </a:ext>
+          </a:extLst>
+        </p:spPr>
+      </p:pic>
+      <p:sp>
+        <p:nvSpPr>
+          <p:cNvPr id="19" name="TextBox 18"/>
+          <p:cNvSpPr txBox="1"/>
+          <p:nvPr/>
+        </p:nvSpPr>
+        <p:spPr>
+          <a:xfrm>
+            <a:off x="8501128" y="2301354"/>
+            <a:ext cx="3690872" cy="3046988"/>
+          </a:xfrm>
+          <a:prstGeom prst="rect">
+            <a:avLst/>
+          </a:prstGeom>
+          <a:noFill/>
+        </p:spPr>
+        <p:txBody>
+          <a:bodyPr wrap="square" rtlCol="0">
+            <a:spAutoFit/>
+          </a:bodyPr>
+          <a:lstStyle/>
+          <a:p>
+            <a:pPr marL="342900" indent="-342900">
+              <a:buFont typeface="Arial" panose="020B0604020202020204" pitchFamily="34" charset="0"/>
+              <a:buChar char="•"/>
+            </a:pPr>
+            <a:r>
+              <a:rPr lang="en-US" sz="2400" dirty="0" smtClean="0"/>
+              <a:t>CPU state machine parses data from file simulating processing outputs and coordinates with Memory controller using control Bus signals to read/write from main memory.</a:t>
+            </a:r>
+          </a:p>
+        </p:txBody>
+      </p:sp>
+    </p:spTree>
+    <p:extLst>
+      <p:ext uri="{BB962C8B-B14F-4D97-AF65-F5344CB8AC3E}">
+        <p14:creationId xmlns:p14="http://schemas.microsoft.com/office/powerpoint/2010/main" val="645470229"/>
+      </p:ext>
+    </p:extLst>
+  </p:cSld>
+  <p:clrMapOvr>
+    <a:masterClrMapping/>
+  </p:clrMapOvr>
+</p:sld>
+</file>
+
+<file path=ppt/slides/slide29.xml><?xml version="1.0" encoding="utf-8"?>
+<p:sld xmlns:a="http://schemas.openxmlformats.org/drawingml/2006/main" xmlns:r="http://schemas.openxmlformats.org/officeDocument/2006/relationships" xmlns:p="http://schemas.openxmlformats.org/presentationml/2006/main">
+  <p:cSld>
+    <p:spTree>
+      <p:nvGrpSpPr>
+        <p:cNvPr id="1" name=""/>
+        <p:cNvGrpSpPr/>
+        <p:nvPr/>
+      </p:nvGrpSpPr>
+      <p:grpSpPr>
+        <a:xfrm>
+          <a:off x="0" y="0"/>
+          <a:ext cx="0" cy="0"/>
+          <a:chOff x="0" y="0"/>
+          <a:chExt cx="0" cy="0"/>
+        </a:xfrm>
+      </p:grpSpPr>
+      <p:sp>
+        <p:nvSpPr>
+          <p:cNvPr id="2" name="Title 1"/>
+          <p:cNvSpPr>
+            <a:spLocks noGrp="1"/>
+          </p:cNvSpPr>
+          <p:nvPr>
+            <p:ph type="title"/>
+          </p:nvPr>
+        </p:nvSpPr>
+        <p:spPr/>
+        <p:txBody>
+          <a:bodyPr/>
+          <a:lstStyle/>
+          <a:p>
+            <a:r>
+              <a:rPr lang="en-US" dirty="0" smtClean="0"/>
+              <a:t>Peripheral component</a:t>
+            </a:r>
+            <a:endParaRPr lang="en-US" dirty="0"/>
+          </a:p>
+        </p:txBody>
+      </p:sp>
+      <p:sp>
+        <p:nvSpPr>
+          <p:cNvPr id="3" name="TextBox 2"/>
+          <p:cNvSpPr txBox="1"/>
+          <p:nvPr/>
+        </p:nvSpPr>
+        <p:spPr>
+          <a:xfrm>
+            <a:off x="6338260" y="5691244"/>
+            <a:ext cx="1329624" cy="707886"/>
           </a:xfrm>
           <a:prstGeom prst="rect">
             <a:avLst/>
@@ -6745,6 +8626,36 @@
           </a:p>
         </p:txBody>
       </p:sp>
+      <p:sp>
+        <p:nvSpPr>
+          <p:cNvPr id="11" name="TextBox 10"/>
+          <p:cNvSpPr txBox="1"/>
+          <p:nvPr/>
+        </p:nvSpPr>
+        <p:spPr>
+          <a:xfrm>
+            <a:off x="10025149" y="5564943"/>
+            <a:ext cx="2209387" cy="369332"/>
+          </a:xfrm>
+          <a:prstGeom prst="rect">
+            <a:avLst/>
+          </a:prstGeom>
+          <a:noFill/>
+        </p:spPr>
+        <p:txBody>
+          <a:bodyPr wrap="none" rtlCol="0">
+            <a:spAutoFit/>
+          </a:bodyPr>
+          <a:lstStyle/>
+          <a:p>
+            <a:r>
+              <a:rPr lang="en-US" dirty="0" smtClean="0"/>
+              <a:t>To memory controller</a:t>
+            </a:r>
+            <a:endParaRPr lang="en-US" dirty="0"/>
+          </a:p>
+        </p:txBody>
+      </p:sp>
       <p:pic>
         <p:nvPicPr>
           <p:cNvPr id="12" name="Picture 11"/>
@@ -6761,8 +8672,8 @@
         </p:blipFill>
         <p:spPr>
           <a:xfrm>
-            <a:off x="208788" y="4939023"/>
-            <a:ext cx="5048218" cy="749232"/>
+            <a:off x="225526" y="5564944"/>
+            <a:ext cx="5689584" cy="844420"/>
           </a:xfrm>
           <a:prstGeom prst="rect">
             <a:avLst/>
@@ -6776,9 +8687,9 @@
           <p:nvPr/>
         </p:nvCxnSpPr>
         <p:spPr>
-          <a:xfrm flipV="1">
-            <a:off x="3142800" y="3439653"/>
-            <a:ext cx="869631" cy="21764"/>
+          <a:xfrm>
+            <a:off x="5627699" y="6040951"/>
+            <a:ext cx="458346" cy="9701"/>
           </a:xfrm>
           <a:prstGeom prst="straightConnector1">
             <a:avLst/>
@@ -6804,6 +8715,104 @@
       </p:cxnSp>
       <p:pic>
         <p:nvPicPr>
+          <p:cNvPr id="16" name="Picture 15"/>
+          <p:cNvPicPr>
+            <a:picLocks noChangeAspect="1"/>
+          </p:cNvPicPr>
+          <p:nvPr/>
+        </p:nvPicPr>
+        <p:blipFill>
+          <a:blip r:embed="rId3"/>
+          <a:stretch>
+            <a:fillRect/>
+          </a:stretch>
+        </p:blipFill>
+        <p:spPr>
+          <a:xfrm>
+            <a:off x="258248" y="2078182"/>
+            <a:ext cx="1040457" cy="1158546"/>
+          </a:xfrm>
+          <a:prstGeom prst="rect">
+            <a:avLst/>
+          </a:prstGeom>
+        </p:spPr>
+      </p:pic>
+      <p:sp>
+        <p:nvSpPr>
+          <p:cNvPr id="17" name="TextBox 16"/>
+          <p:cNvSpPr txBox="1"/>
+          <p:nvPr/>
+        </p:nvSpPr>
+        <p:spPr>
+          <a:xfrm>
+            <a:off x="1529630" y="1647686"/>
+            <a:ext cx="4271805" cy="2677656"/>
+          </a:xfrm>
+          <a:prstGeom prst="rect">
+            <a:avLst/>
+          </a:prstGeom>
+          <a:noFill/>
+        </p:spPr>
+        <p:txBody>
+          <a:bodyPr wrap="square" rtlCol="0">
+            <a:spAutoFit/>
+          </a:bodyPr>
+          <a:lstStyle/>
+          <a:p>
+            <a:r>
+              <a:rPr lang="en-US" sz="2400" dirty="0" smtClean="0"/>
+              <a:t>Peripheral reads file from computer that contains instructions to:</a:t>
+            </a:r>
+          </a:p>
+          <a:p>
+            <a:pPr marL="285750" indent="-285750">
+              <a:buFont typeface="Arial" panose="020B0604020202020204" pitchFamily="34" charset="0"/>
+              <a:buChar char="•"/>
+            </a:pPr>
+            <a:r>
+              <a:rPr lang="en-US" sz="2400" dirty="0" smtClean="0"/>
+              <a:t> read/write - </a:t>
+            </a:r>
+            <a:r>
+              <a:rPr lang="en-US" sz="2400" b="1" dirty="0" smtClean="0"/>
+              <a:t>header</a:t>
+            </a:r>
+          </a:p>
+          <a:p>
+            <a:pPr marL="285750" indent="-285750">
+              <a:buFont typeface="Arial" panose="020B0604020202020204" pitchFamily="34" charset="0"/>
+              <a:buChar char="•"/>
+            </a:pPr>
+            <a:r>
+              <a:rPr lang="en-US" sz="2400" dirty="0" smtClean="0"/>
+              <a:t>addresses </a:t>
+            </a:r>
+          </a:p>
+          <a:p>
+            <a:pPr marL="285750" indent="-285750">
+              <a:buFont typeface="Arial" panose="020B0604020202020204" pitchFamily="34" charset="0"/>
+              <a:buChar char="•"/>
+            </a:pPr>
+            <a:r>
+              <a:rPr lang="en-US" sz="2400" dirty="0" smtClean="0"/>
+              <a:t>Data</a:t>
+            </a:r>
+          </a:p>
+          <a:p>
+            <a:pPr marL="285750" indent="-285750">
+              <a:buFont typeface="Arial" panose="020B0604020202020204" pitchFamily="34" charset="0"/>
+              <a:buChar char="•"/>
+            </a:pPr>
+            <a:r>
+              <a:rPr lang="en-US" sz="2400" dirty="0" smtClean="0"/>
+              <a:t>Error bits generated arbitrarily</a:t>
+            </a:r>
+            <a:endParaRPr lang="en-US" sz="2400" dirty="0"/>
+          </a:p>
+        </p:txBody>
+      </p:sp>
+      <p:pic>
+        <p:nvPicPr>
           <p:cNvPr id="1026" name="Picture 2" descr="Related image"/>
           <p:cNvPicPr>
             <a:picLocks noChangeAspect="1" noChangeArrowheads="1"/>
@@ -6811,7 +8820,7 @@
           <p:nvPr/>
         </p:nvPicPr>
         <p:blipFill>
-          <a:blip r:embed="rId3">
+          <a:blip r:embed="rId4">
             <a:extLst>
               <a:ext uri="{28A0092B-C50C-407E-A947-70E740481C1C}">
                 <a14:useLocalDpi xmlns:a14="http://schemas.microsoft.com/office/drawing/2010/main" val="0"/>
@@ -6825,7 +8834,7 @@
         </p:blipFill>
         <p:spPr bwMode="auto">
           <a:xfrm>
-            <a:off x="4238475" y="2150201"/>
+            <a:off x="5183915" y="1581737"/>
             <a:ext cx="3105150" cy="2552700"/>
           </a:xfrm>
           <a:prstGeom prst="rect">
@@ -6851,8 +8860,8 @@
         </p:nvSpPr>
         <p:spPr>
           <a:xfrm>
-            <a:off x="7404310" y="1668465"/>
-            <a:ext cx="3690872" cy="4154984"/>
+            <a:off x="8519990" y="1647686"/>
+            <a:ext cx="3690872" cy="3046988"/>
           </a:xfrm>
           <a:prstGeom prst="rect">
             <a:avLst/>
@@ -6871,7 +8880,7 @@
             </a:pPr>
             <a:r>
               <a:rPr lang="en-US" sz="2400" dirty="0" smtClean="0"/>
-              <a:t>MC state machine parses message from Peripheral. </a:t>
+              <a:t>Peripheral state machine parses data and forms message as per format below. </a:t>
             </a:r>
           </a:p>
           <a:p>
@@ -6881,15 +8890,7 @@
             </a:pPr>
             <a:r>
               <a:rPr lang="en-US" sz="2400" dirty="0" smtClean="0"/>
-              <a:t>If conflict with address bus request, gives access to CPU and notifies Peripheral to resend </a:t>
-            </a:r>
-            <a:r>
-              <a:rPr lang="en-US" sz="2400" dirty="0" err="1" smtClean="0"/>
-              <a:t>msg</a:t>
-            </a:r>
-            <a:r>
-              <a:rPr lang="en-US" sz="2400" dirty="0" smtClean="0"/>
-              <a:t> after waiting.</a:t>
+              <a:t>Waits for send command.</a:t>
             </a:r>
           </a:p>
           <a:p>
@@ -6899,26 +8900,26 @@
             </a:pPr>
             <a:r>
               <a:rPr lang="en-US" sz="2400" dirty="0" smtClean="0"/>
-              <a:t>If Bus is free sends address to Cache to start snoop operation and reads control signals. </a:t>
+              <a:t>Send command moves message to UART and sends to Mem Controller.</a:t>
             </a:r>
           </a:p>
         </p:txBody>
       </p:sp>
       <p:cxnSp>
         <p:nvCxnSpPr>
-          <p:cNvPr id="15" name="Straight Arrow Connector 14"/>
+          <p:cNvPr id="20" name="Straight Arrow Connector 19"/>
           <p:cNvCxnSpPr/>
           <p:nvPr/>
         </p:nvCxnSpPr>
         <p:spPr>
-          <a:xfrm flipV="1">
-            <a:off x="208788" y="3439653"/>
-            <a:ext cx="1343285" cy="1"/>
+          <a:xfrm>
+            <a:off x="10025149" y="6035040"/>
+            <a:ext cx="1960418" cy="0"/>
           </a:xfrm>
           <a:prstGeom prst="straightConnector1">
             <a:avLst/>
           </a:prstGeom>
-          <a:ln w="57150">
+          <a:ln w="38100">
             <a:headEnd type="triangle"/>
             <a:tailEnd type="triangle"/>
           </a:ln>
@@ -6940,37 +8941,84 @@
       </p:cxnSp>
       <p:sp>
         <p:nvSpPr>
-          <p:cNvPr id="6" name="Rectangle 5"/>
-          <p:cNvSpPr/>
-          <p:nvPr/>
-        </p:nvSpPr>
-        <p:spPr>
-          <a:xfrm>
-            <a:off x="282315" y="2486454"/>
-            <a:ext cx="1343285" cy="646331"/>
-          </a:xfrm>
-          <a:prstGeom prst="rect">
-            <a:avLst/>
-          </a:prstGeom>
-        </p:spPr>
-        <p:txBody>
-          <a:bodyPr wrap="square">
+          <p:cNvPr id="22" name="TextBox 21"/>
+          <p:cNvSpPr txBox="1"/>
+          <p:nvPr/>
+        </p:nvSpPr>
+        <p:spPr>
+          <a:xfrm>
+            <a:off x="8443310" y="5383467"/>
+            <a:ext cx="1516937" cy="1323439"/>
+          </a:xfrm>
+          <a:prstGeom prst="rect">
+            <a:avLst/>
+          </a:prstGeom>
+          <a:noFill/>
+          <a:ln w="6350">
+            <a:solidFill>
+              <a:schemeClr val="accent2">
+                <a:lumMod val="75000"/>
+              </a:schemeClr>
+            </a:solidFill>
+          </a:ln>
+        </p:spPr>
+        <p:txBody>
+          <a:bodyPr wrap="square" rtlCol="0">
             <a:spAutoFit/>
           </a:bodyPr>
           <a:lstStyle/>
           <a:p>
             <a:r>
-              <a:rPr lang="en-US" dirty="0" smtClean="0"/>
-              <a:t>Serial from peripheral</a:t>
-            </a:r>
-            <a:endParaRPr lang="en-US" dirty="0"/>
-          </a:p>
-        </p:txBody>
-      </p:sp>
+              <a:rPr lang="en-US" sz="4000" dirty="0" smtClean="0"/>
+              <a:t>MSG</a:t>
+            </a:r>
+          </a:p>
+          <a:p>
+            <a:r>
+              <a:rPr lang="en-US" sz="4000" dirty="0" smtClean="0"/>
+              <a:t>Buffer</a:t>
+            </a:r>
+            <a:endParaRPr lang="en-US" sz="4000" dirty="0"/>
+          </a:p>
+        </p:txBody>
+      </p:sp>
+      <p:cxnSp>
+        <p:nvCxnSpPr>
+          <p:cNvPr id="24" name="Straight Arrow Connector 23"/>
+          <p:cNvCxnSpPr/>
+          <p:nvPr/>
+        </p:nvCxnSpPr>
+        <p:spPr>
+          <a:xfrm>
+            <a:off x="7920100" y="6025338"/>
+            <a:ext cx="458346" cy="9701"/>
+          </a:xfrm>
+          <a:prstGeom prst="straightConnector1">
+            <a:avLst/>
+          </a:prstGeom>
+          <a:ln w="57150">
+            <a:tailEnd type="triangle"/>
+          </a:ln>
+        </p:spPr>
+        <p:style>
+          <a:lnRef idx="1">
+            <a:schemeClr val="accent1"/>
+          </a:lnRef>
+          <a:fillRef idx="0">
+            <a:schemeClr val="accent1"/>
+          </a:fillRef>
+          <a:effectRef idx="0">
+            <a:schemeClr val="accent1"/>
+          </a:effectRef>
+          <a:fontRef idx="minor">
+            <a:schemeClr val="tx1"/>
+          </a:fontRef>
+        </p:style>
+      </p:cxnSp>
     </p:spTree>
     <p:extLst>
       <p:ext uri="{BB962C8B-B14F-4D97-AF65-F5344CB8AC3E}">
-        <p14:creationId xmlns:p14="http://schemas.microsoft.com/office/powerpoint/2010/main" val="3536200673"/>
+        <p14:creationId xmlns:p14="http://schemas.microsoft.com/office/powerpoint/2010/main" val="365396795"/>
       </p:ext>
     </p:extLst>
   </p:cSld>
@@ -7925,13 +9973,8 @@
             <a:p>
               <a:r>
                 <a:rPr lang="en-US" dirty="0" smtClean="0"/>
-                <a:t>Data </a:t>
+                <a:t>Data read/write</a:t>
               </a:r>
-              <a:r>
-                <a:rPr lang="en-US" dirty="0" smtClean="0"/>
-                <a:t>read/write</a:t>
-              </a:r>
-              <a:endParaRPr lang="en-US" dirty="0" smtClean="0"/>
             </a:p>
             <a:p>
               <a:r>
@@ -8099,6 +10142,323 @@
     <p:extLst>
       <p:ext uri="{BB962C8B-B14F-4D97-AF65-F5344CB8AC3E}">
         <p14:creationId xmlns:p14="http://schemas.microsoft.com/office/powerpoint/2010/main" val="4168550632"/>
+      </p:ext>
+    </p:extLst>
+  </p:cSld>
+  <p:clrMapOvr>
+    <a:masterClrMapping/>
+  </p:clrMapOvr>
+</p:sld>
+</file>
+
+<file path=ppt/slides/slide30.xml><?xml version="1.0" encoding="utf-8"?>
+<p:sld xmlns:a="http://schemas.openxmlformats.org/drawingml/2006/main" xmlns:r="http://schemas.openxmlformats.org/officeDocument/2006/relationships" xmlns:p="http://schemas.openxmlformats.org/presentationml/2006/main">
+  <p:cSld>
+    <p:spTree>
+      <p:nvGrpSpPr>
+        <p:cNvPr id="1" name=""/>
+        <p:cNvGrpSpPr/>
+        <p:nvPr/>
+      </p:nvGrpSpPr>
+      <p:grpSpPr>
+        <a:xfrm>
+          <a:off x="0" y="0"/>
+          <a:ext cx="0" cy="0"/>
+          <a:chOff x="0" y="0"/>
+          <a:chExt cx="0" cy="0"/>
+        </a:xfrm>
+      </p:grpSpPr>
+      <p:sp>
+        <p:nvSpPr>
+          <p:cNvPr id="2" name="Title 1"/>
+          <p:cNvSpPr>
+            <a:spLocks noGrp="1"/>
+          </p:cNvSpPr>
+          <p:nvPr>
+            <p:ph type="title"/>
+          </p:nvPr>
+        </p:nvSpPr>
+        <p:spPr>
+          <a:xfrm>
+            <a:off x="517533" y="213900"/>
+            <a:ext cx="10515600" cy="1325563"/>
+          </a:xfrm>
+        </p:spPr>
+        <p:txBody>
+          <a:bodyPr/>
+          <a:lstStyle/>
+          <a:p>
+            <a:r>
+              <a:rPr lang="en-US" smtClean="0"/>
+              <a:t>Memory controller</a:t>
+            </a:r>
+            <a:endParaRPr lang="en-US" dirty="0"/>
+          </a:p>
+        </p:txBody>
+      </p:sp>
+      <p:sp>
+        <p:nvSpPr>
+          <p:cNvPr id="3" name="TextBox 2"/>
+          <p:cNvSpPr txBox="1"/>
+          <p:nvPr/>
+        </p:nvSpPr>
+        <p:spPr>
+          <a:xfrm>
+            <a:off x="1625600" y="3020805"/>
+            <a:ext cx="1343068" cy="707886"/>
+          </a:xfrm>
+          <a:prstGeom prst="rect">
+            <a:avLst/>
+          </a:prstGeom>
+          <a:noFill/>
+          <a:ln w="6350">
+            <a:solidFill>
+              <a:schemeClr val="accent2">
+                <a:lumMod val="75000"/>
+              </a:schemeClr>
+            </a:solidFill>
+          </a:ln>
+        </p:spPr>
+        <p:txBody>
+          <a:bodyPr wrap="square" rtlCol="0">
+            <a:spAutoFit/>
+          </a:bodyPr>
+          <a:lstStyle/>
+          <a:p>
+            <a:r>
+              <a:rPr lang="en-US" sz="4000" dirty="0" smtClean="0"/>
+              <a:t>UART</a:t>
+            </a:r>
+            <a:endParaRPr lang="en-US" sz="4000" dirty="0"/>
+          </a:p>
+        </p:txBody>
+      </p:sp>
+      <p:pic>
+        <p:nvPicPr>
+          <p:cNvPr id="12" name="Picture 11"/>
+          <p:cNvPicPr>
+            <a:picLocks noChangeAspect="1"/>
+          </p:cNvPicPr>
+          <p:nvPr/>
+        </p:nvPicPr>
+        <p:blipFill>
+          <a:blip r:embed="rId2"/>
+          <a:stretch>
+            <a:fillRect/>
+          </a:stretch>
+        </p:blipFill>
+        <p:spPr>
+          <a:xfrm>
+            <a:off x="208788" y="4939023"/>
+            <a:ext cx="5048218" cy="749232"/>
+          </a:xfrm>
+          <a:prstGeom prst="rect">
+            <a:avLst/>
+          </a:prstGeom>
+        </p:spPr>
+      </p:pic>
+      <p:cxnSp>
+        <p:nvCxnSpPr>
+          <p:cNvPr id="14" name="Straight Arrow Connector 13"/>
+          <p:cNvCxnSpPr/>
+          <p:nvPr/>
+        </p:nvCxnSpPr>
+        <p:spPr>
+          <a:xfrm flipV="1">
+            <a:off x="3142800" y="3439653"/>
+            <a:ext cx="869631" cy="21764"/>
+          </a:xfrm>
+          <a:prstGeom prst="straightConnector1">
+            <a:avLst/>
+          </a:prstGeom>
+          <a:ln w="57150">
+            <a:tailEnd type="triangle"/>
+          </a:ln>
+        </p:spPr>
+        <p:style>
+          <a:lnRef idx="1">
+            <a:schemeClr val="accent1"/>
+          </a:lnRef>
+          <a:fillRef idx="0">
+            <a:schemeClr val="accent1"/>
+          </a:fillRef>
+          <a:effectRef idx="0">
+            <a:schemeClr val="accent1"/>
+          </a:effectRef>
+          <a:fontRef idx="minor">
+            <a:schemeClr val="tx1"/>
+          </a:fontRef>
+        </p:style>
+      </p:cxnSp>
+      <p:pic>
+        <p:nvPicPr>
+          <p:cNvPr id="1026" name="Picture 2" descr="Related image"/>
+          <p:cNvPicPr>
+            <a:picLocks noChangeAspect="1" noChangeArrowheads="1"/>
+          </p:cNvPicPr>
+          <p:nvPr/>
+        </p:nvPicPr>
+        <p:blipFill>
+          <a:blip r:embed="rId3">
+            <a:extLst>
+              <a:ext uri="{28A0092B-C50C-407E-A947-70E740481C1C}">
+                <a14:useLocalDpi xmlns:a14="http://schemas.microsoft.com/office/drawing/2010/main" val="0"/>
+              </a:ext>
+            </a:extLst>
+          </a:blip>
+          <a:srcRect/>
+          <a:stretch>
+            <a:fillRect/>
+          </a:stretch>
+        </p:blipFill>
+        <p:spPr bwMode="auto">
+          <a:xfrm>
+            <a:off x="4238475" y="2150201"/>
+            <a:ext cx="3105150" cy="2552700"/>
+          </a:xfrm>
+          <a:prstGeom prst="rect">
+            <a:avLst/>
+          </a:prstGeom>
+          <a:noFill/>
+          <a:extLst>
+            <a:ext uri="{909E8E84-426E-40DD-AFC4-6F175D3DCCD1}">
+              <a14:hiddenFill xmlns:a14="http://schemas.microsoft.com/office/drawing/2010/main">
+                <a:solidFill>
+                  <a:srgbClr val="FFFFFF"/>
+                </a:solidFill>
+              </a14:hiddenFill>
+            </a:ext>
+          </a:extLst>
+        </p:spPr>
+      </p:pic>
+      <p:sp>
+        <p:nvSpPr>
+          <p:cNvPr id="19" name="TextBox 18"/>
+          <p:cNvSpPr txBox="1"/>
+          <p:nvPr/>
+        </p:nvSpPr>
+        <p:spPr>
+          <a:xfrm>
+            <a:off x="7404310" y="1668465"/>
+            <a:ext cx="3690872" cy="4154984"/>
+          </a:xfrm>
+          <a:prstGeom prst="rect">
+            <a:avLst/>
+          </a:prstGeom>
+          <a:noFill/>
+        </p:spPr>
+        <p:txBody>
+          <a:bodyPr wrap="square" rtlCol="0">
+            <a:spAutoFit/>
+          </a:bodyPr>
+          <a:lstStyle/>
+          <a:p>
+            <a:pPr marL="342900" indent="-342900">
+              <a:buFont typeface="Arial" panose="020B0604020202020204" pitchFamily="34" charset="0"/>
+              <a:buChar char="•"/>
+            </a:pPr>
+            <a:r>
+              <a:rPr lang="en-US" sz="2400" dirty="0" smtClean="0"/>
+              <a:t>MC state machine parses message from Peripheral. </a:t>
+            </a:r>
+          </a:p>
+          <a:p>
+            <a:pPr marL="342900" indent="-342900">
+              <a:buFont typeface="Arial" panose="020B0604020202020204" pitchFamily="34" charset="0"/>
+              <a:buChar char="•"/>
+            </a:pPr>
+            <a:r>
+              <a:rPr lang="en-US" sz="2400" dirty="0" smtClean="0"/>
+              <a:t>If conflict with address bus request, gives access to CPU and notifies Peripheral to resend </a:t>
+            </a:r>
+            <a:r>
+              <a:rPr lang="en-US" sz="2400" dirty="0" err="1" smtClean="0"/>
+              <a:t>msg</a:t>
+            </a:r>
+            <a:r>
+              <a:rPr lang="en-US" sz="2400" dirty="0" smtClean="0"/>
+              <a:t> after waiting.</a:t>
+            </a:r>
+          </a:p>
+          <a:p>
+            <a:pPr marL="342900" indent="-342900">
+              <a:buFont typeface="Arial" panose="020B0604020202020204" pitchFamily="34" charset="0"/>
+              <a:buChar char="•"/>
+            </a:pPr>
+            <a:r>
+              <a:rPr lang="en-US" sz="2400" dirty="0" smtClean="0"/>
+              <a:t>If Bus is free sends address to Cache to start snoop operation and reads control signals. </a:t>
+            </a:r>
+          </a:p>
+        </p:txBody>
+      </p:sp>
+      <p:cxnSp>
+        <p:nvCxnSpPr>
+          <p:cNvPr id="15" name="Straight Arrow Connector 14"/>
+          <p:cNvCxnSpPr/>
+          <p:nvPr/>
+        </p:nvCxnSpPr>
+        <p:spPr>
+          <a:xfrm flipV="1">
+            <a:off x="208788" y="3439653"/>
+            <a:ext cx="1343285" cy="1"/>
+          </a:xfrm>
+          <a:prstGeom prst="straightConnector1">
+            <a:avLst/>
+          </a:prstGeom>
+          <a:ln w="57150">
+            <a:headEnd type="triangle"/>
+            <a:tailEnd type="triangle"/>
+          </a:ln>
+        </p:spPr>
+        <p:style>
+          <a:lnRef idx="1">
+            <a:schemeClr val="accent1"/>
+          </a:lnRef>
+          <a:fillRef idx="0">
+            <a:schemeClr val="accent1"/>
+          </a:fillRef>
+          <a:effectRef idx="0">
+            <a:schemeClr val="accent1"/>
+          </a:effectRef>
+          <a:fontRef idx="minor">
+            <a:schemeClr val="tx1"/>
+          </a:fontRef>
+        </p:style>
+      </p:cxnSp>
+      <p:sp>
+        <p:nvSpPr>
+          <p:cNvPr id="6" name="Rectangle 5"/>
+          <p:cNvSpPr/>
+          <p:nvPr/>
+        </p:nvSpPr>
+        <p:spPr>
+          <a:xfrm>
+            <a:off x="282315" y="2486454"/>
+            <a:ext cx="1343285" cy="646331"/>
+          </a:xfrm>
+          <a:prstGeom prst="rect">
+            <a:avLst/>
+          </a:prstGeom>
+        </p:spPr>
+        <p:txBody>
+          <a:bodyPr wrap="square">
+            <a:spAutoFit/>
+          </a:bodyPr>
+          <a:lstStyle/>
+          <a:p>
+            <a:r>
+              <a:rPr lang="en-US" dirty="0" smtClean="0"/>
+              <a:t>Serial from peripheral</a:t>
+            </a:r>
+            <a:endParaRPr lang="en-US" dirty="0"/>
+          </a:p>
+        </p:txBody>
+      </p:sp>
+    </p:spTree>
+    <p:extLst>
+      <p:ext uri="{BB962C8B-B14F-4D97-AF65-F5344CB8AC3E}">
+        <p14:creationId xmlns:p14="http://schemas.microsoft.com/office/powerpoint/2010/main" val="3536200673"/>
       </p:ext>
     </p:extLst>
   </p:cSld>
@@ -9344,8 +11704,10 @@
                   </a:schemeClr>
                 </a:solidFill>
               </a:rPr>
-              <a:t> is sent </a:t>
-            </a:r>
+              <a:t> is sent again.</a:t>
+            </a:r>
+          </a:p>
+          <a:p>
             <a:r>
               <a:rPr lang="en-US" dirty="0" smtClean="0">
                 <a:solidFill>
@@ -9354,19 +11716,25 @@
                   </a:schemeClr>
                 </a:solidFill>
               </a:rPr>
-              <a:t>again.</a:t>
-            </a:r>
-          </a:p>
-          <a:p>
-            <a:r>
-              <a:rPr lang="en-US" dirty="0" smtClean="0">
+              <a:t>If </a:t>
+            </a:r>
+            <a:r>
+              <a:rPr lang="en-US" dirty="0">
                 <a:solidFill>
                   <a:schemeClr val="accent2">
                     <a:lumMod val="75000"/>
                   </a:schemeClr>
                 </a:solidFill>
               </a:rPr>
-              <a:t>If </a:t>
+              <a:t>MC replies with </a:t>
+            </a:r>
+            <a:r>
+              <a:rPr lang="en-US" dirty="0">
+                <a:solidFill>
+                  <a:srgbClr val="00B0F0"/>
+                </a:solidFill>
+              </a:rPr>
+              <a:t>ACK</a:t>
             </a:r>
             <a:r>
               <a:rPr lang="en-US" dirty="0">
@@ -9376,25 +11744,25 @@
                   </a:schemeClr>
                 </a:solidFill>
               </a:rPr>
-              <a:t>MC replies with </a:t>
-            </a:r>
-            <a:r>
-              <a:rPr lang="en-US" dirty="0">
-                <a:solidFill>
-                  <a:srgbClr val="00B0F0"/>
-                </a:solidFill>
-              </a:rPr>
-              <a:t>ACK</a:t>
-            </a:r>
-            <a:r>
-              <a:rPr lang="en-US" dirty="0">
+              <a:t> </a:t>
+            </a:r>
+            <a:r>
+              <a:rPr lang="en-US" dirty="0" smtClean="0">
                 <a:solidFill>
                   <a:schemeClr val="accent2">
                     <a:lumMod val="75000"/>
                   </a:schemeClr>
                 </a:solidFill>
               </a:rPr>
-              <a:t> </a:t>
+              <a:t>, goes to </a:t>
+            </a:r>
+            <a:r>
+              <a:rPr lang="en-US" dirty="0" smtClean="0">
+                <a:solidFill>
+                  <a:srgbClr val="7030A0"/>
+                </a:solidFill>
+              </a:rPr>
+              <a:t>RECEIVE</a:t>
             </a:r>
             <a:r>
               <a:rPr lang="en-US" dirty="0" smtClean="0">
@@ -9404,15 +11772,17 @@
                   </a:schemeClr>
                 </a:solidFill>
               </a:rPr>
-              <a:t>, goes to </a:t>
-            </a:r>
+              <a:t>.</a:t>
+            </a:r>
+          </a:p>
+          <a:p>
             <a:r>
               <a:rPr lang="en-US" dirty="0" smtClean="0">
                 <a:solidFill>
                   <a:srgbClr val="7030A0"/>
                 </a:solidFill>
               </a:rPr>
-              <a:t>RECEIVE</a:t>
+              <a:t>RECEIVE: </a:t>
             </a:r>
             <a:r>
               <a:rPr lang="en-US" dirty="0" smtClean="0">
@@ -9422,24 +11792,15 @@
                   </a:schemeClr>
                 </a:solidFill>
               </a:rPr>
-              <a:t>.</a:t>
-            </a:r>
-            <a:endParaRPr lang="en-US" dirty="0" smtClean="0">
-              <a:solidFill>
-                <a:schemeClr val="accent2">
-                  <a:lumMod val="75000"/>
-                </a:schemeClr>
-              </a:solidFill>
-            </a:endParaRPr>
-          </a:p>
-          <a:p>
+              <a:t>Latches </a:t>
+            </a:r>
             <a:r>
               <a:rPr lang="en-US" dirty="0" smtClean="0">
                 <a:solidFill>
-                  <a:srgbClr val="7030A0"/>
-                </a:solidFill>
-              </a:rPr>
-              <a:t>RECEIVE: </a:t>
+                  <a:srgbClr val="00B0F0"/>
+                </a:solidFill>
+              </a:rPr>
+              <a:t>DATA</a:t>
             </a:r>
             <a:r>
               <a:rPr lang="en-US" dirty="0" smtClean="0">
@@ -9449,15 +11810,17 @@
                   </a:schemeClr>
                 </a:solidFill>
               </a:rPr>
-              <a:t>Latches </a:t>
+              <a:t> &amp; ready if </a:t>
             </a:r>
             <a:r>
               <a:rPr lang="en-US" dirty="0" smtClean="0">
                 <a:solidFill>
-                  <a:srgbClr val="00B0F0"/>
-                </a:solidFill>
-              </a:rPr>
-              <a:t>DATA</a:t>
+                  <a:schemeClr val="accent6">
+                    <a:lumMod val="75000"/>
+                  </a:schemeClr>
+                </a:solidFill>
+              </a:rPr>
+              <a:t>READ</a:t>
             </a:r>
             <a:r>
               <a:rPr lang="en-US" dirty="0" smtClean="0">
@@ -9467,7 +11830,25 @@
                   </a:schemeClr>
                 </a:solidFill>
               </a:rPr>
-              <a:t> &amp; ready if </a:t>
+              <a:t> instruction or </a:t>
+            </a:r>
+            <a:r>
+              <a:rPr lang="en-US" dirty="0" smtClean="0">
+                <a:solidFill>
+                  <a:srgbClr val="00B0F0"/>
+                </a:solidFill>
+              </a:rPr>
+              <a:t>Ready</a:t>
+            </a:r>
+            <a:r>
+              <a:rPr lang="en-US" dirty="0" smtClean="0">
+                <a:solidFill>
+                  <a:schemeClr val="accent2">
+                    <a:lumMod val="75000"/>
+                  </a:schemeClr>
+                </a:solidFill>
+              </a:rPr>
+              <a:t> if </a:t>
             </a:r>
             <a:r>
               <a:rPr lang="en-US" dirty="0" smtClean="0">
@@ -9477,7 +11858,7 @@
                   </a:schemeClr>
                 </a:solidFill>
               </a:rPr>
-              <a:t>READ</a:t>
+              <a:t>WRITE</a:t>
             </a:r>
             <a:r>
               <a:rPr lang="en-US" dirty="0" smtClean="0">
@@ -9487,55 +11868,7 @@
                   </a:schemeClr>
                 </a:solidFill>
               </a:rPr>
-              <a:t> instruction or </a:t>
-            </a:r>
-            <a:r>
-              <a:rPr lang="en-US" dirty="0" smtClean="0">
-                <a:solidFill>
-                  <a:srgbClr val="00B0F0"/>
-                </a:solidFill>
-              </a:rPr>
-              <a:t>Ready</a:t>
-            </a:r>
-            <a:r>
-              <a:rPr lang="en-US" dirty="0" smtClean="0">
-                <a:solidFill>
-                  <a:schemeClr val="accent2">
-                    <a:lumMod val="75000"/>
-                  </a:schemeClr>
-                </a:solidFill>
-              </a:rPr>
-              <a:t> if </a:t>
-            </a:r>
-            <a:r>
-              <a:rPr lang="en-US" dirty="0" smtClean="0">
-                <a:solidFill>
-                  <a:schemeClr val="accent6">
-                    <a:lumMod val="75000"/>
-                  </a:schemeClr>
-                </a:solidFill>
-              </a:rPr>
-              <a:t>WRITE</a:t>
-            </a:r>
-            <a:r>
-              <a:rPr lang="en-US" dirty="0" smtClean="0">
-                <a:solidFill>
-                  <a:schemeClr val="accent2">
-                    <a:lumMod val="75000"/>
-                  </a:schemeClr>
-                </a:solidFill>
-              </a:rPr>
-              <a:t> instruction. </a:t>
-            </a:r>
-            <a:r>
-              <a:rPr lang="en-US" dirty="0" smtClean="0">
-                <a:solidFill>
-                  <a:schemeClr val="accent2">
-                    <a:lumMod val="75000"/>
-                  </a:schemeClr>
-                </a:solidFill>
-              </a:rPr>
-              <a:t>And goes to </a:t>
+              <a:t> instruction. And goes to </a:t>
             </a:r>
             <a:r>
               <a:rPr lang="en-US" dirty="0" smtClean="0">
@@ -9822,6 +12155,30 @@
           <a:chExt cx="0" cy="0"/>
         </a:xfrm>
       </p:grpSpPr>
+      <p:pic>
+        <p:nvPicPr>
+          <p:cNvPr id="4" name="Picture 3"/>
+          <p:cNvPicPr>
+            <a:picLocks noChangeAspect="1"/>
+          </p:cNvPicPr>
+          <p:nvPr/>
+        </p:nvPicPr>
+        <p:blipFill>
+          <a:blip r:embed="rId3"/>
+          <a:stretch>
+            <a:fillRect/>
+          </a:stretch>
+        </p:blipFill>
+        <p:spPr>
+          <a:xfrm>
+            <a:off x="728654" y="1227157"/>
+            <a:ext cx="10668000" cy="4676775"/>
+          </a:xfrm>
+          <a:prstGeom prst="rect">
+            <a:avLst/>
+          </a:prstGeom>
+        </p:spPr>
+      </p:pic>
       <p:sp>
         <p:nvSpPr>
           <p:cNvPr id="2" name="Title 1"/>
@@ -9832,7 +12189,7 @@
         </p:nvSpPr>
         <p:spPr>
           <a:xfrm>
-            <a:off x="838200" y="213234"/>
+            <a:off x="1019269" y="906305"/>
             <a:ext cx="10515600" cy="1325563"/>
           </a:xfrm>
           <a:prstGeom prst="rect">
@@ -9863,7 +12220,7 @@
           <a:p>
             <a:r>
               <a:rPr lang="en-US" dirty="0" smtClean="0"/>
-              <a:t>Decoder PMC</a:t>
+              <a:t>Peripheral component FSM  – Synthesis</a:t>
             </a:r>
             <a:endParaRPr lang="en-US" dirty="0"/>
           </a:p>
@@ -9871,14 +12228,14 @@
       </p:sp>
       <p:sp>
         <p:nvSpPr>
-          <p:cNvPr id="4" name="TextBox 3"/>
+          <p:cNvPr id="5" name="TextBox 4"/>
           <p:cNvSpPr txBox="1"/>
           <p:nvPr/>
         </p:nvSpPr>
         <p:spPr>
           <a:xfrm>
-            <a:off x="10244831" y="5362113"/>
-            <a:ext cx="1413528" cy="369332"/>
+            <a:off x="4242323" y="2342984"/>
+            <a:ext cx="2685698" cy="1477328"/>
           </a:xfrm>
           <a:prstGeom prst="rect">
             <a:avLst/>
@@ -9886,11 +12243,19 @@
           <a:noFill/>
         </p:spPr>
         <p:txBody>
-          <a:bodyPr wrap="none" rtlCol="0">
+          <a:bodyPr wrap="square" rtlCol="0">
             <a:spAutoFit/>
           </a:bodyPr>
           <a:lstStyle/>
           <a:p>
+            <a:r>
+              <a:rPr lang="en-US" dirty="0" smtClean="0">
+                <a:solidFill>
+                  <a:srgbClr val="7030A0"/>
+                </a:solidFill>
+              </a:rPr>
+              <a:t>CONFIRM: </a:t>
+            </a:r>
             <a:r>
               <a:rPr lang="en-US" dirty="0" smtClean="0">
                 <a:solidFill>
@@ -9899,8 +12264,10 @@
                   </a:schemeClr>
                 </a:solidFill>
               </a:rPr>
-              <a:t>UART control</a:t>
-            </a:r>
+              <a:t>waits for MC Message  (decoded by MCP decoder)</a:t>
+            </a:r>
+          </a:p>
+          <a:p>
             <a:endParaRPr lang="en-US" dirty="0">
               <a:solidFill>
                 <a:schemeClr val="accent2">
@@ -9909,40 +12276,7 @@
               </a:solidFill>
             </a:endParaRPr>
           </a:p>
-        </p:txBody>
-      </p:sp>
-      <p:sp>
-        <p:nvSpPr>
-          <p:cNvPr id="5" name="TextBox 4"/>
-          <p:cNvSpPr txBox="1"/>
-          <p:nvPr/>
-        </p:nvSpPr>
-        <p:spPr>
-          <a:xfrm>
-            <a:off x="8158578" y="1321356"/>
-            <a:ext cx="3417987" cy="369332"/>
-          </a:xfrm>
-          <a:prstGeom prst="rect">
-            <a:avLst/>
-          </a:prstGeom>
-          <a:noFill/>
-        </p:spPr>
-        <p:txBody>
-          <a:bodyPr wrap="none" rtlCol="0">
-            <a:spAutoFit/>
-          </a:bodyPr>
-          <a:lstStyle/>
-          <a:p>
-            <a:r>
-              <a:rPr lang="en-US" dirty="0" smtClean="0">
-                <a:solidFill>
-                  <a:schemeClr val="accent2">
-                    <a:lumMod val="75000"/>
-                  </a:schemeClr>
-                </a:solidFill>
-              </a:rPr>
-              <a:t>Message is concatenated for UART</a:t>
-            </a:r>
+          <a:p>
             <a:endParaRPr lang="en-US" dirty="0">
               <a:solidFill>
                 <a:schemeClr val="accent2">
@@ -9955,14 +12289,14 @@
       </p:sp>
       <p:sp>
         <p:nvSpPr>
-          <p:cNvPr id="6" name="TextBox 5"/>
+          <p:cNvPr id="7" name="TextBox 6"/>
           <p:cNvSpPr txBox="1"/>
           <p:nvPr/>
         </p:nvSpPr>
         <p:spPr>
           <a:xfrm>
-            <a:off x="5491753" y="1027906"/>
-            <a:ext cx="6607771" cy="369332"/>
+            <a:off x="2584600" y="3877542"/>
+            <a:ext cx="1924975" cy="923330"/>
           </a:xfrm>
           <a:prstGeom prst="rect">
             <a:avLst/>
@@ -9970,141 +12304,29 @@
           <a:noFill/>
         </p:spPr>
         <p:txBody>
-          <a:bodyPr wrap="none" rtlCol="0">
+          <a:bodyPr wrap="square" rtlCol="0">
             <a:spAutoFit/>
           </a:bodyPr>
           <a:lstStyle/>
           <a:p>
             <a:r>
-              <a:rPr lang="en-US" dirty="0" err="1" smtClean="0"/>
-              <a:t>oOutputMsg</a:t>
-            </a:r>
-            <a:r>
-              <a:rPr lang="en-US" dirty="0" smtClean="0"/>
-              <a:t> </a:t>
-            </a:r>
-            <a:r>
-              <a:rPr lang="en-US" dirty="0"/>
-              <a:t>= {</a:t>
-            </a:r>
-            <a:r>
-              <a:rPr lang="en-US" dirty="0">
-                <a:solidFill>
-                  <a:srgbClr val="00B050"/>
-                </a:solidFill>
-              </a:rPr>
-              <a:t>8'h0F</a:t>
-            </a:r>
-            <a:r>
-              <a:rPr lang="en-US" dirty="0"/>
-              <a:t>, </a:t>
-            </a:r>
-            <a:r>
-              <a:rPr lang="en-US" dirty="0" err="1">
+              <a:rPr lang="en-US" dirty="0" smtClean="0">
                 <a:solidFill>
                   <a:schemeClr val="accent2">
                     <a:lumMod val="75000"/>
                   </a:schemeClr>
                 </a:solidFill>
               </a:rPr>
-              <a:t>iInstruction</a:t>
-            </a:r>
-            <a:r>
-              <a:rPr lang="en-US" dirty="0"/>
-              <a:t>, </a:t>
-            </a:r>
-            <a:r>
-              <a:rPr lang="en-US" dirty="0" err="1">
-                <a:solidFill>
-                  <a:schemeClr val="accent1">
-                    <a:lumMod val="75000"/>
-                  </a:schemeClr>
-                </a:solidFill>
-              </a:rPr>
-              <a:t>iData</a:t>
-            </a:r>
-            <a:r>
-              <a:rPr lang="en-US" dirty="0">
-                <a:solidFill>
-                  <a:schemeClr val="accent1">
-                    <a:lumMod val="75000"/>
-                  </a:schemeClr>
-                </a:solidFill>
-              </a:rPr>
-              <a:t>, </a:t>
-            </a:r>
-            <a:r>
-              <a:rPr lang="en-US" dirty="0" err="1">
-                <a:solidFill>
-                  <a:schemeClr val="accent1">
-                    <a:lumMod val="75000"/>
-                  </a:schemeClr>
-                </a:solidFill>
-              </a:rPr>
-              <a:t>iAddr</a:t>
-            </a:r>
-            <a:r>
-              <a:rPr lang="en-US" dirty="0"/>
-              <a:t>, </a:t>
-            </a:r>
-            <a:r>
-              <a:rPr lang="en-US" dirty="0">
-                <a:solidFill>
-                  <a:srgbClr val="FFC000"/>
-                </a:solidFill>
-              </a:rPr>
-              <a:t>7'b0, </a:t>
-            </a:r>
-            <a:r>
-              <a:rPr lang="en-US" dirty="0" err="1">
-                <a:solidFill>
-                  <a:srgbClr val="FFC000"/>
-                </a:solidFill>
-              </a:rPr>
-              <a:t>iError</a:t>
-            </a:r>
-            <a:r>
-              <a:rPr lang="en-US" dirty="0"/>
-              <a:t>, </a:t>
-            </a:r>
-            <a:r>
-              <a:rPr lang="en-US" dirty="0">
-                <a:solidFill>
-                  <a:srgbClr val="00B050"/>
-                </a:solidFill>
-              </a:rPr>
-              <a:t>8'hF0</a:t>
-            </a:r>
-            <a:r>
-              <a:rPr lang="en-US" dirty="0" smtClean="0"/>
-              <a:t>};</a:t>
-            </a:r>
-            <a:endParaRPr lang="en-US" dirty="0"/>
-          </a:p>
-        </p:txBody>
-      </p:sp>
-      <p:sp>
-        <p:nvSpPr>
-          <p:cNvPr id="7" name="TextBox 6"/>
-          <p:cNvSpPr txBox="1"/>
-          <p:nvPr/>
-        </p:nvSpPr>
-        <p:spPr>
-          <a:xfrm>
-            <a:off x="1972322" y="4527270"/>
-            <a:ext cx="1711912" cy="923330"/>
-          </a:xfrm>
-          <a:prstGeom prst="rect">
-            <a:avLst/>
-          </a:prstGeom>
-          <a:noFill/>
-        </p:spPr>
-        <p:txBody>
-          <a:bodyPr wrap="square" rtlCol="0">
-            <a:spAutoFit/>
-          </a:bodyPr>
-          <a:lstStyle/>
-          <a:p>
+              <a:t> </a:t>
+            </a:r>
+            <a:r>
+              <a:rPr lang="en-US" b="1" dirty="0" smtClean="0">
+                <a:solidFill>
+                  <a:srgbClr val="7030A0"/>
+                </a:solidFill>
+              </a:rPr>
+              <a:t>START</a:t>
+            </a:r>
             <a:r>
               <a:rPr lang="en-US" dirty="0" smtClean="0">
                 <a:solidFill>
@@ -10113,7 +12335,27 @@
                   </a:schemeClr>
                 </a:solidFill>
               </a:rPr>
-              <a:t>Flags from decoder and UART</a:t>
+              <a:t>: Latches Data, ADDR, </a:t>
+            </a:r>
+            <a:r>
+              <a:rPr lang="en-US" dirty="0" err="1" smtClean="0">
+                <a:solidFill>
+                  <a:schemeClr val="accent2">
+                    <a:lumMod val="75000"/>
+                  </a:schemeClr>
+                </a:solidFill>
+              </a:rPr>
+              <a:t>Instr</a:t>
+            </a:r>
+            <a:r>
+              <a:rPr lang="en-US" dirty="0" smtClean="0">
+                <a:solidFill>
+                  <a:schemeClr val="accent2">
+                    <a:lumMod val="75000"/>
+                  </a:schemeClr>
+                </a:solidFill>
+              </a:rPr>
+              <a:t> and Error from TB</a:t>
             </a:r>
             <a:endParaRPr lang="en-US" dirty="0">
               <a:solidFill>
@@ -10127,14 +12369,110 @@
       </p:sp>
       <p:sp>
         <p:nvSpPr>
-          <p:cNvPr id="8" name="TextBox 7"/>
+          <p:cNvPr id="11" name="TextBox 10"/>
           <p:cNvSpPr txBox="1"/>
           <p:nvPr/>
         </p:nvSpPr>
         <p:spPr>
           <a:xfrm>
-            <a:off x="10370598" y="3756192"/>
-            <a:ext cx="1395895" cy="369332"/>
+            <a:off x="10055338" y="3750735"/>
+            <a:ext cx="2382916" cy="1200329"/>
+          </a:xfrm>
+          <a:prstGeom prst="rect">
+            <a:avLst/>
+          </a:prstGeom>
+          <a:noFill/>
+        </p:spPr>
+        <p:txBody>
+          <a:bodyPr wrap="square" rtlCol="0">
+            <a:spAutoFit/>
+          </a:bodyPr>
+          <a:lstStyle/>
+          <a:p>
+            <a:r>
+              <a:rPr lang="en-US" b="1" dirty="0" smtClean="0">
+                <a:solidFill>
+                  <a:srgbClr val="7030A0"/>
+                </a:solidFill>
+              </a:rPr>
+              <a:t>MSG</a:t>
+            </a:r>
+            <a:r>
+              <a:rPr lang="en-US" dirty="0" smtClean="0">
+                <a:solidFill>
+                  <a:schemeClr val="accent2">
+                    <a:lumMod val="75000"/>
+                  </a:schemeClr>
+                </a:solidFill>
+              </a:rPr>
+              <a:t>: Sends </a:t>
+            </a:r>
+            <a:r>
+              <a:rPr lang="en-US" dirty="0" err="1" smtClean="0">
+                <a:solidFill>
+                  <a:schemeClr val="accent2">
+                    <a:lumMod val="75000"/>
+                  </a:schemeClr>
+                </a:solidFill>
+              </a:rPr>
+              <a:t>msg</a:t>
+            </a:r>
+            <a:r>
+              <a:rPr lang="en-US" dirty="0" smtClean="0">
+                <a:solidFill>
+                  <a:schemeClr val="accent2">
+                    <a:lumMod val="75000"/>
+                  </a:schemeClr>
+                </a:solidFill>
+              </a:rPr>
+              <a:t> to UART, waits for UART ACK </a:t>
+            </a:r>
+            <a:r>
+              <a:rPr lang="en-US" dirty="0" err="1" smtClean="0">
+                <a:solidFill>
+                  <a:schemeClr val="accent2">
+                    <a:lumMod val="75000"/>
+                  </a:schemeClr>
+                </a:solidFill>
+              </a:rPr>
+              <a:t>TxDone</a:t>
+            </a:r>
+            <a:r>
+              <a:rPr lang="en-US" dirty="0" smtClean="0">
+                <a:solidFill>
+                  <a:schemeClr val="accent2">
+                    <a:lumMod val="75000"/>
+                  </a:schemeClr>
+                </a:solidFill>
+              </a:rPr>
+              <a:t> and goes to </a:t>
+            </a:r>
+            <a:r>
+              <a:rPr lang="en-US" dirty="0" smtClean="0">
+                <a:solidFill>
+                  <a:srgbClr val="7030A0"/>
+                </a:solidFill>
+              </a:rPr>
+              <a:t>CONFIRM</a:t>
+            </a:r>
+            <a:endParaRPr lang="en-US" dirty="0">
+              <a:solidFill>
+                <a:srgbClr val="7030A0"/>
+              </a:solidFill>
+            </a:endParaRPr>
+          </a:p>
+        </p:txBody>
+      </p:sp>
+      <p:sp>
+        <p:nvSpPr>
+          <p:cNvPr id="3" name="TextBox 2"/>
+          <p:cNvSpPr txBox="1"/>
+          <p:nvPr/>
+        </p:nvSpPr>
+        <p:spPr>
+          <a:xfrm>
+            <a:off x="2235453" y="2720672"/>
+            <a:ext cx="685188" cy="369332"/>
           </a:xfrm>
           <a:prstGeom prst="rect">
             <a:avLst/>
@@ -10148,14 +12486,14 @@
           <a:lstStyle/>
           <a:p>
             <a:r>
-              <a:rPr lang="en-US" dirty="0" smtClean="0">
+              <a:rPr lang="en-US" dirty="0" err="1" smtClean="0">
                 <a:solidFill>
                   <a:schemeClr val="accent2">
                     <a:lumMod val="75000"/>
                   </a:schemeClr>
                 </a:solidFill>
               </a:rPr>
-              <a:t>Output to TB</a:t>
+              <a:t>iStart</a:t>
             </a:r>
             <a:endParaRPr lang="en-US" dirty="0">
               <a:solidFill>
@@ -10169,26 +12507,33 @@
       </p:sp>
       <p:sp>
         <p:nvSpPr>
-          <p:cNvPr id="9" name="TextBox 8"/>
-          <p:cNvSpPr txBox="1"/>
-          <p:nvPr/>
-        </p:nvSpPr>
-        <p:spPr>
-          <a:xfrm>
-            <a:off x="10443099" y="3048284"/>
-            <a:ext cx="1395895" cy="369332"/>
-          </a:xfrm>
-          <a:prstGeom prst="rect">
-            <a:avLst/>
-          </a:prstGeom>
-          <a:noFill/>
-        </p:spPr>
-        <p:txBody>
-          <a:bodyPr wrap="none" rtlCol="0">
+          <p:cNvPr id="6" name="Rectangle 5"/>
+          <p:cNvSpPr/>
+          <p:nvPr/>
+        </p:nvSpPr>
+        <p:spPr>
+          <a:xfrm>
+            <a:off x="6807453" y="2183274"/>
+            <a:ext cx="5178601" cy="923330"/>
+          </a:xfrm>
+          <a:prstGeom prst="rect">
+            <a:avLst/>
+          </a:prstGeom>
+        </p:spPr>
+        <p:txBody>
+          <a:bodyPr wrap="square">
             <a:spAutoFit/>
           </a:bodyPr>
           <a:lstStyle/>
           <a:p>
+            <a:r>
+              <a:rPr lang="en-US" dirty="0" smtClean="0">
+                <a:solidFill>
+                  <a:srgbClr val="7030A0"/>
+                </a:solidFill>
+              </a:rPr>
+              <a:t>RETRY</a:t>
+            </a:r>
             <a:r>
               <a:rPr lang="en-US" dirty="0" smtClean="0">
                 <a:solidFill>
@@ -10197,7 +12542,217 @@
                   </a:schemeClr>
                 </a:solidFill>
               </a:rPr>
-              <a:t>Output to TB</a:t>
+              <a:t>:  If MC replies with WAIT or ERROR-Retransmit, retry goes to </a:t>
+            </a:r>
+            <a:r>
+              <a:rPr lang="en-US" dirty="0" smtClean="0">
+                <a:solidFill>
+                  <a:srgbClr val="7030A0"/>
+                </a:solidFill>
+              </a:rPr>
+              <a:t>MSG</a:t>
+            </a:r>
+            <a:r>
+              <a:rPr lang="en-US" dirty="0" smtClean="0">
+                <a:solidFill>
+                  <a:schemeClr val="accent2">
+                    <a:lumMod val="75000"/>
+                  </a:schemeClr>
+                </a:solidFill>
+              </a:rPr>
+              <a:t> again, latched </a:t>
+            </a:r>
+            <a:r>
+              <a:rPr lang="en-US" dirty="0" err="1" smtClean="0">
+                <a:solidFill>
+                  <a:schemeClr val="accent2">
+                    <a:lumMod val="75000"/>
+                  </a:schemeClr>
+                </a:solidFill>
+              </a:rPr>
+              <a:t>messga</a:t>
+            </a:r>
+            <a:r>
+              <a:rPr lang="en-US" dirty="0" smtClean="0">
+                <a:solidFill>
+                  <a:schemeClr val="accent2">
+                    <a:lumMod val="75000"/>
+                  </a:schemeClr>
+                </a:solidFill>
+              </a:rPr>
+              <a:t> is sent again. If MC replies with </a:t>
+            </a:r>
+            <a:r>
+              <a:rPr lang="en-US" dirty="0" smtClean="0">
+                <a:solidFill>
+                  <a:srgbClr val="00B0F0"/>
+                </a:solidFill>
+              </a:rPr>
+              <a:t>ACK</a:t>
+            </a:r>
+            <a:r>
+              <a:rPr lang="en-US" dirty="0" smtClean="0">
+                <a:solidFill>
+                  <a:schemeClr val="accent2">
+                    <a:lumMod val="75000"/>
+                  </a:schemeClr>
+                </a:solidFill>
+              </a:rPr>
+              <a:t> , goes to </a:t>
+            </a:r>
+            <a:r>
+              <a:rPr lang="en-US" dirty="0" smtClean="0">
+                <a:solidFill>
+                  <a:srgbClr val="7030A0"/>
+                </a:solidFill>
+              </a:rPr>
+              <a:t>RECEIVE</a:t>
+            </a:r>
+            <a:r>
+              <a:rPr lang="en-US" dirty="0" smtClean="0">
+                <a:solidFill>
+                  <a:schemeClr val="accent2">
+                    <a:lumMod val="75000"/>
+                  </a:schemeClr>
+                </a:solidFill>
+              </a:rPr>
+              <a:t>.</a:t>
+            </a:r>
+          </a:p>
+        </p:txBody>
+      </p:sp>
+      <p:sp>
+        <p:nvSpPr>
+          <p:cNvPr id="8" name="Rectangle 7"/>
+          <p:cNvSpPr/>
+          <p:nvPr/>
+        </p:nvSpPr>
+        <p:spPr>
+          <a:xfrm>
+            <a:off x="7383493" y="3981340"/>
+            <a:ext cx="2216373" cy="1477328"/>
+          </a:xfrm>
+          <a:prstGeom prst="rect">
+            <a:avLst/>
+          </a:prstGeom>
+        </p:spPr>
+        <p:txBody>
+          <a:bodyPr wrap="square">
+            <a:spAutoFit/>
+          </a:bodyPr>
+          <a:lstStyle/>
+          <a:p>
+            <a:r>
+              <a:rPr lang="en-US" dirty="0" smtClean="0">
+                <a:solidFill>
+                  <a:srgbClr val="7030A0"/>
+                </a:solidFill>
+              </a:rPr>
+              <a:t>RECEIVE: </a:t>
+            </a:r>
+            <a:r>
+              <a:rPr lang="en-US" dirty="0" smtClean="0">
+                <a:solidFill>
+                  <a:schemeClr val="accent2">
+                    <a:lumMod val="75000"/>
+                  </a:schemeClr>
+                </a:solidFill>
+              </a:rPr>
+              <a:t>Latches </a:t>
+            </a:r>
+            <a:r>
+              <a:rPr lang="en-US" dirty="0" smtClean="0">
+                <a:solidFill>
+                  <a:srgbClr val="00B0F0"/>
+                </a:solidFill>
+              </a:rPr>
+              <a:t>DATA</a:t>
+            </a:r>
+            <a:r>
+              <a:rPr lang="en-US" dirty="0" smtClean="0">
+                <a:solidFill>
+                  <a:schemeClr val="accent2">
+                    <a:lumMod val="75000"/>
+                  </a:schemeClr>
+                </a:solidFill>
+              </a:rPr>
+              <a:t> &amp; ready if </a:t>
+            </a:r>
+            <a:r>
+              <a:rPr lang="en-US" dirty="0" smtClean="0">
+                <a:solidFill>
+                  <a:schemeClr val="accent6">
+                    <a:lumMod val="75000"/>
+                  </a:schemeClr>
+                </a:solidFill>
+              </a:rPr>
+              <a:t>READ</a:t>
+            </a:r>
+            <a:r>
+              <a:rPr lang="en-US" dirty="0" smtClean="0">
+                <a:solidFill>
+                  <a:schemeClr val="accent2">
+                    <a:lumMod val="75000"/>
+                  </a:schemeClr>
+                </a:solidFill>
+              </a:rPr>
+              <a:t> instruction or </a:t>
+            </a:r>
+            <a:r>
+              <a:rPr lang="en-US" dirty="0" smtClean="0">
+                <a:solidFill>
+                  <a:srgbClr val="00B0F0"/>
+                </a:solidFill>
+              </a:rPr>
+              <a:t>Ready</a:t>
+            </a:r>
+            <a:r>
+              <a:rPr lang="en-US" dirty="0" smtClean="0">
+                <a:solidFill>
+                  <a:schemeClr val="accent2">
+                    <a:lumMod val="75000"/>
+                  </a:schemeClr>
+                </a:solidFill>
+              </a:rPr>
+              <a:t> if </a:t>
+            </a:r>
+            <a:r>
+              <a:rPr lang="en-US" dirty="0" smtClean="0">
+                <a:solidFill>
+                  <a:schemeClr val="accent6">
+                    <a:lumMod val="75000"/>
+                  </a:schemeClr>
+                </a:solidFill>
+              </a:rPr>
+              <a:t>WRITE</a:t>
+            </a:r>
+            <a:r>
+              <a:rPr lang="en-US" dirty="0" smtClean="0">
+                <a:solidFill>
+                  <a:schemeClr val="accent2">
+                    <a:lumMod val="75000"/>
+                  </a:schemeClr>
+                </a:solidFill>
+              </a:rPr>
+              <a:t> instruction. And goes to </a:t>
+            </a:r>
+            <a:r>
+              <a:rPr lang="en-US" dirty="0" smtClean="0">
+                <a:solidFill>
+                  <a:srgbClr val="7030A0"/>
+                </a:solidFill>
+              </a:rPr>
+              <a:t>IDLE</a:t>
+            </a:r>
+            <a:r>
+              <a:rPr lang="en-US" dirty="0" smtClean="0">
+                <a:solidFill>
+                  <a:schemeClr val="accent2">
+                    <a:lumMod val="75000"/>
+                  </a:schemeClr>
+                </a:solidFill>
+              </a:rPr>
+              <a:t>.</a:t>
             </a:r>
             <a:endParaRPr lang="en-US" dirty="0">
               <a:solidFill>
@@ -10209,156 +12764,10 @@
           </a:p>
         </p:txBody>
       </p:sp>
-      <p:sp>
-        <p:nvSpPr>
-          <p:cNvPr id="10" name="TextBox 9"/>
-          <p:cNvSpPr txBox="1"/>
-          <p:nvPr/>
-        </p:nvSpPr>
-        <p:spPr>
-          <a:xfrm>
-            <a:off x="10448159" y="2462892"/>
-            <a:ext cx="1669111" cy="369332"/>
-          </a:xfrm>
-          <a:prstGeom prst="rect">
-            <a:avLst/>
-          </a:prstGeom>
-          <a:noFill/>
-        </p:spPr>
-        <p:txBody>
-          <a:bodyPr wrap="none" rtlCol="0">
-            <a:spAutoFit/>
-          </a:bodyPr>
-          <a:lstStyle/>
-          <a:p>
-            <a:r>
-              <a:rPr lang="en-US" dirty="0" smtClean="0">
-                <a:solidFill>
-                  <a:schemeClr val="accent2">
-                    <a:lumMod val="75000"/>
-                  </a:schemeClr>
-                </a:solidFill>
-              </a:rPr>
-              <a:t>Output to UART</a:t>
-            </a:r>
-            <a:endParaRPr lang="en-US" dirty="0">
-              <a:solidFill>
-                <a:schemeClr val="accent2">
-                  <a:lumMod val="75000"/>
-                </a:schemeClr>
-              </a:solidFill>
-            </a:endParaRPr>
-          </a:p>
-        </p:txBody>
-      </p:sp>
-      <p:sp>
-        <p:nvSpPr>
-          <p:cNvPr id="11" name="TextBox 10"/>
-          <p:cNvSpPr txBox="1"/>
-          <p:nvPr/>
-        </p:nvSpPr>
-        <p:spPr>
-          <a:xfrm>
-            <a:off x="392098" y="1626094"/>
-            <a:ext cx="3218189" cy="369332"/>
-          </a:xfrm>
-          <a:prstGeom prst="rect">
-            <a:avLst/>
-          </a:prstGeom>
-          <a:noFill/>
-        </p:spPr>
-        <p:txBody>
-          <a:bodyPr wrap="none" rtlCol="0">
-            <a:spAutoFit/>
-          </a:bodyPr>
-          <a:lstStyle/>
-          <a:p>
-            <a:r>
-              <a:rPr lang="en-US" dirty="0" smtClean="0">
-                <a:solidFill>
-                  <a:schemeClr val="accent2">
-                    <a:lumMod val="75000"/>
-                  </a:schemeClr>
-                </a:solidFill>
-              </a:rPr>
-              <a:t>Instructions/data/</a:t>
-            </a:r>
-            <a:r>
-              <a:rPr lang="en-US" dirty="0" err="1" smtClean="0">
-                <a:solidFill>
-                  <a:schemeClr val="accent2">
-                    <a:lumMod val="75000"/>
-                  </a:schemeClr>
-                </a:solidFill>
-              </a:rPr>
-              <a:t>addr</a:t>
-            </a:r>
-            <a:r>
-              <a:rPr lang="en-US" dirty="0" smtClean="0">
-                <a:solidFill>
-                  <a:schemeClr val="accent2">
-                    <a:lumMod val="75000"/>
-                  </a:schemeClr>
-                </a:solidFill>
-              </a:rPr>
-              <a:t> from TB</a:t>
-            </a:r>
-            <a:endParaRPr lang="en-US" dirty="0">
-              <a:solidFill>
-                <a:schemeClr val="accent2">
-                  <a:lumMod val="75000"/>
-                </a:schemeClr>
-              </a:solidFill>
-            </a:endParaRPr>
-          </a:p>
-        </p:txBody>
-      </p:sp>
-      <p:sp>
-        <p:nvSpPr>
-          <p:cNvPr id="12" name="TextBox 11"/>
-          <p:cNvSpPr txBox="1"/>
-          <p:nvPr/>
-        </p:nvSpPr>
-        <p:spPr>
-          <a:xfrm>
-            <a:off x="676183" y="3341734"/>
-            <a:ext cx="3310843" cy="369332"/>
-          </a:xfrm>
-          <a:prstGeom prst="rect">
-            <a:avLst/>
-          </a:prstGeom>
-          <a:noFill/>
-        </p:spPr>
-        <p:txBody>
-          <a:bodyPr wrap="none" rtlCol="0">
-            <a:spAutoFit/>
-          </a:bodyPr>
-          <a:lstStyle/>
-          <a:p>
-            <a:r>
-              <a:rPr lang="en-US" dirty="0" smtClean="0">
-                <a:solidFill>
-                  <a:schemeClr val="accent2">
-                    <a:lumMod val="75000"/>
-                  </a:schemeClr>
-                </a:solidFill>
-              </a:rPr>
-              <a:t>Data decoded from MCP decoder</a:t>
-            </a:r>
-            <a:endParaRPr lang="en-US" dirty="0">
-              <a:solidFill>
-                <a:schemeClr val="accent2">
-                  <a:lumMod val="75000"/>
-                </a:schemeClr>
-              </a:solidFill>
-            </a:endParaRPr>
-          </a:p>
-        </p:txBody>
-      </p:sp>
     </p:spTree>
     <p:extLst>
       <p:ext uri="{BB962C8B-B14F-4D97-AF65-F5344CB8AC3E}">
-        <p14:creationId xmlns:p14="http://schemas.microsoft.com/office/powerpoint/2010/main" val="109248225"/>
+        <p14:creationId xmlns:p14="http://schemas.microsoft.com/office/powerpoint/2010/main" val="3322564349"/>
       </p:ext>
     </p:extLst>
   </p:cSld>
@@ -10388,23 +12797,131 @@
       <p:sp>
         <p:nvSpPr>
           <p:cNvPr id="2" name="Title 1"/>
-          <p:cNvSpPr>
-            <a:spLocks noGrp="1"/>
+          <p:cNvSpPr txBox="1">
+            <a:spLocks/>
           </p:cNvSpPr>
-          <p:nvPr>
-            <p:ph type="title"/>
-          </p:nvPr>
-        </p:nvSpPr>
-        <p:spPr/>
+          <p:nvPr/>
+        </p:nvSpPr>
+        <p:spPr>
+          <a:xfrm>
+            <a:off x="838200" y="213234"/>
+            <a:ext cx="10515600" cy="1325563"/>
+          </a:xfrm>
+          <a:prstGeom prst="rect">
+            <a:avLst/>
+          </a:prstGeom>
+        </p:spPr>
         <p:txBody>
           <a:bodyPr/>
-          <a:lstStyle/>
+          <a:lstStyle>
+            <a:lvl1pPr algn="l" defTabSz="914400" rtl="0" eaLnBrk="1" latinLnBrk="0" hangingPunct="1">
+              <a:lnSpc>
+                <a:spcPct val="90000"/>
+              </a:lnSpc>
+              <a:spcBef>
+                <a:spcPct val="0"/>
+              </a:spcBef>
+              <a:buNone/>
+              <a:defRPr sz="4400" kern="1200">
+                <a:solidFill>
+                  <a:schemeClr val="tx1"/>
+                </a:solidFill>
+                <a:latin typeface="+mj-lt"/>
+                <a:ea typeface="+mj-ea"/>
+                <a:cs typeface="+mj-cs"/>
+              </a:defRPr>
+            </a:lvl1pPr>
+          </a:lstStyle>
           <a:p>
             <a:r>
               <a:rPr lang="en-US" dirty="0" smtClean="0"/>
-              <a:t>Peripheral component – Verification cases</a:t>
+              <a:t>Decoder PMC</a:t>
             </a:r>
             <a:endParaRPr lang="en-US" dirty="0"/>
+          </a:p>
+        </p:txBody>
+      </p:sp>
+      <p:sp>
+        <p:nvSpPr>
+          <p:cNvPr id="4" name="TextBox 3"/>
+          <p:cNvSpPr txBox="1"/>
+          <p:nvPr/>
+        </p:nvSpPr>
+        <p:spPr>
+          <a:xfrm>
+            <a:off x="10244831" y="5362113"/>
+            <a:ext cx="1413528" cy="369332"/>
+          </a:xfrm>
+          <a:prstGeom prst="rect">
+            <a:avLst/>
+          </a:prstGeom>
+          <a:noFill/>
+        </p:spPr>
+        <p:txBody>
+          <a:bodyPr wrap="none" rtlCol="0">
+            <a:spAutoFit/>
+          </a:bodyPr>
+          <a:lstStyle/>
+          <a:p>
+            <a:r>
+              <a:rPr lang="en-US" dirty="0" smtClean="0">
+                <a:solidFill>
+                  <a:schemeClr val="accent2">
+                    <a:lumMod val="75000"/>
+                  </a:schemeClr>
+                </a:solidFill>
+              </a:rPr>
+              <a:t>UART control</a:t>
+            </a:r>
+            <a:endParaRPr lang="en-US" dirty="0">
+              <a:solidFill>
+                <a:schemeClr val="accent2">
+                  <a:lumMod val="75000"/>
+                </a:schemeClr>
+              </a:solidFill>
+            </a:endParaRPr>
+          </a:p>
+        </p:txBody>
+      </p:sp>
+      <p:sp>
+        <p:nvSpPr>
+          <p:cNvPr id="5" name="TextBox 4"/>
+          <p:cNvSpPr txBox="1"/>
+          <p:nvPr/>
+        </p:nvSpPr>
+        <p:spPr>
+          <a:xfrm>
+            <a:off x="8158578" y="1321356"/>
+            <a:ext cx="3417987" cy="369332"/>
+          </a:xfrm>
+          <a:prstGeom prst="rect">
+            <a:avLst/>
+          </a:prstGeom>
+          <a:noFill/>
+        </p:spPr>
+        <p:txBody>
+          <a:bodyPr wrap="none" rtlCol="0">
+            <a:spAutoFit/>
+          </a:bodyPr>
+          <a:lstStyle/>
+          <a:p>
+            <a:r>
+              <a:rPr lang="en-US" dirty="0" smtClean="0">
+                <a:solidFill>
+                  <a:schemeClr val="accent2">
+                    <a:lumMod val="75000"/>
+                  </a:schemeClr>
+                </a:solidFill>
+              </a:rPr>
+              <a:t>Message is concatenated for UART</a:t>
+            </a:r>
+            <a:endParaRPr lang="en-US" dirty="0">
+              <a:solidFill>
+                <a:schemeClr val="accent2">
+                  <a:lumMod val="75000"/>
+                </a:schemeClr>
+              </a:solidFill>
+            </a:endParaRPr>
           </a:p>
         </p:txBody>
       </p:sp>
@@ -10416,8 +12933,138 @@
         </p:nvSpPr>
         <p:spPr>
           <a:xfrm>
-            <a:off x="1080654" y="1690688"/>
-            <a:ext cx="10740044" cy="6124754"/>
+            <a:off x="5491753" y="1027906"/>
+            <a:ext cx="6607771" cy="369332"/>
+          </a:xfrm>
+          <a:prstGeom prst="rect">
+            <a:avLst/>
+          </a:prstGeom>
+          <a:noFill/>
+        </p:spPr>
+        <p:txBody>
+          <a:bodyPr wrap="none" rtlCol="0">
+            <a:spAutoFit/>
+          </a:bodyPr>
+          <a:lstStyle/>
+          <a:p>
+            <a:r>
+              <a:rPr lang="en-US" dirty="0" err="1" smtClean="0"/>
+              <a:t>oOutputMsg</a:t>
+            </a:r>
+            <a:r>
+              <a:rPr lang="en-US" dirty="0" smtClean="0"/>
+              <a:t> </a:t>
+            </a:r>
+            <a:r>
+              <a:rPr lang="en-US" dirty="0"/>
+              <a:t>= {</a:t>
+            </a:r>
+            <a:r>
+              <a:rPr lang="en-US" dirty="0">
+                <a:solidFill>
+                  <a:srgbClr val="00B050"/>
+                </a:solidFill>
+              </a:rPr>
+              <a:t>8'h0F</a:t>
+            </a:r>
+            <a:r>
+              <a:rPr lang="en-US" dirty="0"/>
+              <a:t>, </a:t>
+            </a:r>
+            <a:r>
+              <a:rPr lang="en-US" dirty="0" err="1">
+                <a:solidFill>
+                  <a:schemeClr val="accent2">
+                    <a:lumMod val="75000"/>
+                  </a:schemeClr>
+                </a:solidFill>
+              </a:rPr>
+              <a:t>iInstruction</a:t>
+            </a:r>
+            <a:r>
+              <a:rPr lang="en-US" dirty="0"/>
+              <a:t>, </a:t>
+            </a:r>
+            <a:r>
+              <a:rPr lang="en-US" dirty="0" err="1">
+                <a:solidFill>
+                  <a:schemeClr val="accent1">
+                    <a:lumMod val="75000"/>
+                  </a:schemeClr>
+                </a:solidFill>
+              </a:rPr>
+              <a:t>iData</a:t>
+            </a:r>
+            <a:r>
+              <a:rPr lang="en-US" dirty="0">
+                <a:solidFill>
+                  <a:schemeClr val="accent1">
+                    <a:lumMod val="75000"/>
+                  </a:schemeClr>
+                </a:solidFill>
+              </a:rPr>
+              <a:t>, </a:t>
+            </a:r>
+            <a:r>
+              <a:rPr lang="en-US" dirty="0" err="1">
+                <a:solidFill>
+                  <a:schemeClr val="accent1">
+                    <a:lumMod val="75000"/>
+                  </a:schemeClr>
+                </a:solidFill>
+              </a:rPr>
+              <a:t>iAddr</a:t>
+            </a:r>
+            <a:r>
+              <a:rPr lang="en-US" dirty="0"/>
+              <a:t>, </a:t>
+            </a:r>
+            <a:r>
+              <a:rPr lang="en-US" dirty="0">
+                <a:solidFill>
+                  <a:srgbClr val="FFC000"/>
+                </a:solidFill>
+              </a:rPr>
+              <a:t>7'b0, </a:t>
+            </a:r>
+            <a:r>
+              <a:rPr lang="en-US" dirty="0" err="1">
+                <a:solidFill>
+                  <a:srgbClr val="FFC000"/>
+                </a:solidFill>
+              </a:rPr>
+              <a:t>iError</a:t>
+            </a:r>
+            <a:r>
+              <a:rPr lang="en-US" dirty="0"/>
+              <a:t>, </a:t>
+            </a:r>
+            <a:r>
+              <a:rPr lang="en-US" dirty="0">
+                <a:solidFill>
+                  <a:srgbClr val="00B050"/>
+                </a:solidFill>
+              </a:rPr>
+              <a:t>8'hF0</a:t>
+            </a:r>
+            <a:r>
+              <a:rPr lang="en-US" dirty="0" smtClean="0"/>
+              <a:t>};</a:t>
+            </a:r>
+            <a:endParaRPr lang="en-US" dirty="0"/>
+          </a:p>
+        </p:txBody>
+      </p:sp>
+      <p:sp>
+        <p:nvSpPr>
+          <p:cNvPr id="7" name="TextBox 6"/>
+          <p:cNvSpPr txBox="1"/>
+          <p:nvPr/>
+        </p:nvSpPr>
+        <p:spPr>
+          <a:xfrm>
+            <a:off x="1972322" y="4527270"/>
+            <a:ext cx="1711912" cy="923330"/>
           </a:xfrm>
           <a:prstGeom prst="rect">
             <a:avLst/>
@@ -10430,247 +13077,260 @@
           </a:bodyPr>
           <a:lstStyle/>
           <a:p>
-            <a:pPr marL="285750" indent="-285750">
-              <a:buFont typeface="Arial" panose="020B0604020202020204" pitchFamily="34" charset="0"/>
-              <a:buChar char="•"/>
-            </a:pPr>
-            <a:r>
-              <a:rPr lang="en-US" sz="2800" dirty="0" smtClean="0"/>
-              <a:t>Peripheral memory read – No error, cache miss/ cache hit clean</a:t>
-            </a:r>
-          </a:p>
-          <a:p>
-            <a:pPr marL="285750" indent="-285750">
-              <a:buFont typeface="Arial" panose="020B0604020202020204" pitchFamily="34" charset="0"/>
-              <a:buChar char="•"/>
-            </a:pPr>
-            <a:r>
-              <a:rPr lang="en-US" sz="2800" dirty="0" smtClean="0"/>
-              <a:t>Peripheral memory write – No error, cache miss/ cache hit clean</a:t>
-            </a:r>
-          </a:p>
-          <a:p>
-            <a:pPr marL="285750" indent="-285750">
-              <a:buFont typeface="Arial" panose="020B0604020202020204" pitchFamily="34" charset="0"/>
-              <a:buChar char="•"/>
-            </a:pPr>
-            <a:r>
-              <a:rPr lang="en-US" sz="2800" dirty="0" smtClean="0"/>
-              <a:t>Peripheral memory read – No error, cache hit Modified with retry</a:t>
-            </a:r>
-          </a:p>
-          <a:p>
-            <a:pPr marL="285750" indent="-285750">
-              <a:buFont typeface="Arial" panose="020B0604020202020204" pitchFamily="34" charset="0"/>
-              <a:buChar char="•"/>
-            </a:pPr>
-            <a:r>
-              <a:rPr lang="en-US" sz="2800" dirty="0" smtClean="0"/>
-              <a:t>Peripheral memory write – No error, cache hit Modified with retry </a:t>
-            </a:r>
-          </a:p>
-          <a:p>
-            <a:pPr marL="285750" indent="-285750">
-              <a:buFont typeface="Arial" panose="020B0604020202020204" pitchFamily="34" charset="0"/>
-              <a:buChar char="•"/>
-            </a:pPr>
-            <a:r>
-              <a:rPr lang="en-US" sz="2800" dirty="0" smtClean="0"/>
-              <a:t>Peripheral memory read – Error</a:t>
-            </a:r>
-          </a:p>
-          <a:p>
-            <a:pPr marL="285750" indent="-285750">
-              <a:buFont typeface="Arial" panose="020B0604020202020204" pitchFamily="34" charset="0"/>
-              <a:buChar char="•"/>
-            </a:pPr>
-            <a:r>
-              <a:rPr lang="en-US" sz="2800" dirty="0" smtClean="0"/>
-              <a:t>Peripheral memory write – Error</a:t>
-            </a:r>
-          </a:p>
-          <a:p>
-            <a:pPr marL="285750" indent="-285750">
-              <a:buFont typeface="Arial" panose="020B0604020202020204" pitchFamily="34" charset="0"/>
-              <a:buChar char="•"/>
-            </a:pPr>
-            <a:r>
-              <a:rPr lang="en-US" sz="2800" dirty="0" smtClean="0"/>
-              <a:t>Peripheral tries to read/write but bus held by MC.</a:t>
-            </a:r>
-          </a:p>
-          <a:p>
-            <a:pPr marL="285750" indent="-285750">
-              <a:buFont typeface="Arial" panose="020B0604020202020204" pitchFamily="34" charset="0"/>
-              <a:buChar char="•"/>
-            </a:pPr>
-            <a:r>
-              <a:rPr lang="en-US" sz="2800" dirty="0" smtClean="0"/>
-              <a:t>Peripheral tries to read/write but bus held by CPU, thru MC.</a:t>
-            </a:r>
-          </a:p>
-          <a:p>
-            <a:pPr marL="285750" indent="-285750">
-              <a:buFont typeface="Arial" panose="020B0604020202020204" pitchFamily="34" charset="0"/>
-              <a:buChar char="•"/>
-            </a:pPr>
-            <a:endParaRPr lang="en-US" sz="2800" dirty="0" smtClean="0"/>
-          </a:p>
-          <a:p>
-            <a:pPr marL="285750" indent="-285750">
-              <a:buFont typeface="Arial" panose="020B0604020202020204" pitchFamily="34" charset="0"/>
-              <a:buChar char="•"/>
-            </a:pPr>
-            <a:endParaRPr lang="en-US" sz="2800" dirty="0" smtClean="0"/>
-          </a:p>
-          <a:p>
-            <a:pPr marL="285750" indent="-285750">
-              <a:buFont typeface="Arial" panose="020B0604020202020204" pitchFamily="34" charset="0"/>
-              <a:buChar char="•"/>
-            </a:pPr>
-            <a:endParaRPr lang="en-US" sz="2800" dirty="0" smtClean="0"/>
-          </a:p>
-          <a:p>
-            <a:pPr marL="285750" indent="-285750">
-              <a:buFont typeface="Arial" panose="020B0604020202020204" pitchFamily="34" charset="0"/>
-              <a:buChar char="•"/>
-            </a:pPr>
-            <a:endParaRPr lang="en-US" sz="2800" dirty="0" smtClean="0"/>
-          </a:p>
-          <a:p>
-            <a:pPr marL="285750" indent="-285750">
-              <a:buFont typeface="Arial" panose="020B0604020202020204" pitchFamily="34" charset="0"/>
-              <a:buChar char="•"/>
-            </a:pPr>
-            <a:endParaRPr lang="en-US" sz="2800" dirty="0" smtClean="0"/>
-          </a:p>
-          <a:p>
-            <a:pPr marL="285750" indent="-285750">
-              <a:buFont typeface="Arial" panose="020B0604020202020204" pitchFamily="34" charset="0"/>
-              <a:buChar char="•"/>
-            </a:pPr>
-            <a:endParaRPr lang="en-US" sz="2800" dirty="0"/>
-          </a:p>
-        </p:txBody>
-      </p:sp>
-      <p:graphicFrame>
-        <p:nvGraphicFramePr>
-          <p:cNvPr id="3" name="Object 2"/>
-          <p:cNvGraphicFramePr>
-            <a:graphicFrameLocks noChangeAspect="1"/>
-          </p:cNvGraphicFramePr>
-          <p:nvPr>
-            <p:extLst>
-              <p:ext uri="{D42A27DB-BD31-4B8C-83A1-F6EECF244321}">
-                <p14:modId xmlns:p14="http://schemas.microsoft.com/office/powerpoint/2010/main" val="4252438361"/>
-              </p:ext>
-            </p:extLst>
-          </p:nvPr>
-        </p:nvGraphicFramePr>
-        <p:xfrm>
-          <a:off x="98425" y="98425"/>
-          <a:ext cx="1068388" cy="514350"/>
-        </p:xfrm>
-        <a:graphic>
-          <a:graphicData uri="http://schemas.openxmlformats.org/presentationml/2006/ole">
-            <mc:AlternateContent xmlns:mc="http://schemas.openxmlformats.org/markup-compatibility/2006">
-              <mc:Choice xmlns:v="urn:schemas-microsoft-com:vml" Requires="v">
-                <p:oleObj spid="_x0000_s1044" name="Packager Shell Object" showAsIcon="1" r:id="rId3" imgW="1068840" imgH="514800" progId="Package">
-                  <p:embed/>
-                </p:oleObj>
-              </mc:Choice>
-              <mc:Fallback>
-                <p:oleObj name="Packager Shell Object" showAsIcon="1" r:id="rId3" imgW="1068840" imgH="514800" progId="Package">
-                  <p:embed/>
-                  <p:pic>
-                    <p:nvPicPr>
-                      <p:cNvPr id="0" name=""/>
-                      <p:cNvPicPr/>
-                      <p:nvPr/>
-                    </p:nvPicPr>
-                    <p:blipFill>
-                      <a:blip r:embed="rId4"/>
-                      <a:stretch>
-                        <a:fillRect/>
-                      </a:stretch>
-                    </p:blipFill>
-                    <p:spPr>
-                      <a:xfrm>
-                        <a:off x="98425" y="98425"/>
-                        <a:ext cx="1068388" cy="514350"/>
-                      </a:xfrm>
-                      <a:prstGeom prst="rect">
-                        <a:avLst/>
-                      </a:prstGeom>
-                    </p:spPr>
-                  </p:pic>
-                </p:oleObj>
-              </mc:Fallback>
-            </mc:AlternateContent>
-          </a:graphicData>
-        </a:graphic>
-      </p:graphicFrame>
-      <p:graphicFrame>
-        <p:nvGraphicFramePr>
-          <p:cNvPr id="4" name="Object 3"/>
-          <p:cNvGraphicFramePr>
-            <a:graphicFrameLocks noChangeAspect="1"/>
-          </p:cNvGraphicFramePr>
-          <p:nvPr>
-            <p:extLst>
-              <p:ext uri="{D42A27DB-BD31-4B8C-83A1-F6EECF244321}">
-                <p14:modId xmlns:p14="http://schemas.microsoft.com/office/powerpoint/2010/main" val="3844528695"/>
-              </p:ext>
-            </p:extLst>
-          </p:nvPr>
-        </p:nvGraphicFramePr>
-        <p:xfrm>
-          <a:off x="196850" y="196850"/>
-          <a:ext cx="1068388" cy="514350"/>
-        </p:xfrm>
-        <a:graphic>
-          <a:graphicData uri="http://schemas.openxmlformats.org/presentationml/2006/ole">
-            <mc:AlternateContent xmlns:mc="http://schemas.openxmlformats.org/markup-compatibility/2006">
-              <mc:Choice xmlns:v="urn:schemas-microsoft-com:vml" Requires="v">
-                <p:oleObj spid="_x0000_s1045" name="Packager Shell Object" showAsIcon="1" r:id="rId5" imgW="1068840" imgH="514800" progId="Package">
-                  <p:embed/>
-                </p:oleObj>
-              </mc:Choice>
-              <mc:Fallback>
-                <p:oleObj name="Packager Shell Object" showAsIcon="1" r:id="rId5" imgW="1068840" imgH="514800" progId="Package">
-                  <p:embed/>
-                  <p:pic>
-                    <p:nvPicPr>
-                      <p:cNvPr id="0" name=""/>
-                      <p:cNvPicPr/>
-                      <p:nvPr/>
-                    </p:nvPicPr>
-                    <p:blipFill>
-                      <a:blip r:embed="rId6"/>
-                      <a:stretch>
-                        <a:fillRect/>
-                      </a:stretch>
-                    </p:blipFill>
-                    <p:spPr>
-                      <a:xfrm>
-                        <a:off x="196850" y="196850"/>
-                        <a:ext cx="1068388" cy="514350"/>
-                      </a:xfrm>
-                      <a:prstGeom prst="rect">
-                        <a:avLst/>
-                      </a:prstGeom>
-                    </p:spPr>
-                  </p:pic>
-                </p:oleObj>
-              </mc:Fallback>
-            </mc:AlternateContent>
-          </a:graphicData>
-        </a:graphic>
-      </p:graphicFrame>
+            <a:r>
+              <a:rPr lang="en-US" dirty="0" smtClean="0">
+                <a:solidFill>
+                  <a:schemeClr val="accent2">
+                    <a:lumMod val="75000"/>
+                  </a:schemeClr>
+                </a:solidFill>
+              </a:rPr>
+              <a:t>Flags from decoder and UART</a:t>
+            </a:r>
+            <a:endParaRPr lang="en-US" dirty="0">
+              <a:solidFill>
+                <a:schemeClr val="accent2">
+                  <a:lumMod val="75000"/>
+                </a:schemeClr>
+              </a:solidFill>
+            </a:endParaRPr>
+          </a:p>
+        </p:txBody>
+      </p:sp>
+      <p:sp>
+        <p:nvSpPr>
+          <p:cNvPr id="8" name="TextBox 7"/>
+          <p:cNvSpPr txBox="1"/>
+          <p:nvPr/>
+        </p:nvSpPr>
+        <p:spPr>
+          <a:xfrm>
+            <a:off x="10370598" y="3756192"/>
+            <a:ext cx="1395895" cy="369332"/>
+          </a:xfrm>
+          <a:prstGeom prst="rect">
+            <a:avLst/>
+          </a:prstGeom>
+          <a:noFill/>
+        </p:spPr>
+        <p:txBody>
+          <a:bodyPr wrap="none" rtlCol="0">
+            <a:spAutoFit/>
+          </a:bodyPr>
+          <a:lstStyle/>
+          <a:p>
+            <a:r>
+              <a:rPr lang="en-US" dirty="0" smtClean="0">
+                <a:solidFill>
+                  <a:schemeClr val="accent2">
+                    <a:lumMod val="75000"/>
+                  </a:schemeClr>
+                </a:solidFill>
+              </a:rPr>
+              <a:t>Output to TB</a:t>
+            </a:r>
+            <a:endParaRPr lang="en-US" dirty="0">
+              <a:solidFill>
+                <a:schemeClr val="accent2">
+                  <a:lumMod val="75000"/>
+                </a:schemeClr>
+              </a:solidFill>
+            </a:endParaRPr>
+          </a:p>
+        </p:txBody>
+      </p:sp>
+      <p:sp>
+        <p:nvSpPr>
+          <p:cNvPr id="9" name="TextBox 8"/>
+          <p:cNvSpPr txBox="1"/>
+          <p:nvPr/>
+        </p:nvSpPr>
+        <p:spPr>
+          <a:xfrm>
+            <a:off x="10443099" y="3048284"/>
+            <a:ext cx="1395895" cy="369332"/>
+          </a:xfrm>
+          <a:prstGeom prst="rect">
+            <a:avLst/>
+          </a:prstGeom>
+          <a:noFill/>
+        </p:spPr>
+        <p:txBody>
+          <a:bodyPr wrap="none" rtlCol="0">
+            <a:spAutoFit/>
+          </a:bodyPr>
+          <a:lstStyle/>
+          <a:p>
+            <a:r>
+              <a:rPr lang="en-US" dirty="0" smtClean="0">
+                <a:solidFill>
+                  <a:schemeClr val="accent2">
+                    <a:lumMod val="75000"/>
+                  </a:schemeClr>
+                </a:solidFill>
+              </a:rPr>
+              <a:t>Output to TB</a:t>
+            </a:r>
+            <a:endParaRPr lang="en-US" dirty="0">
+              <a:solidFill>
+                <a:schemeClr val="accent2">
+                  <a:lumMod val="75000"/>
+                </a:schemeClr>
+              </a:solidFill>
+            </a:endParaRPr>
+          </a:p>
+        </p:txBody>
+      </p:sp>
+      <p:sp>
+        <p:nvSpPr>
+          <p:cNvPr id="10" name="TextBox 9"/>
+          <p:cNvSpPr txBox="1"/>
+          <p:nvPr/>
+        </p:nvSpPr>
+        <p:spPr>
+          <a:xfrm>
+            <a:off x="10448159" y="2462892"/>
+            <a:ext cx="1669111" cy="369332"/>
+          </a:xfrm>
+          <a:prstGeom prst="rect">
+            <a:avLst/>
+          </a:prstGeom>
+          <a:noFill/>
+        </p:spPr>
+        <p:txBody>
+          <a:bodyPr wrap="none" rtlCol="0">
+            <a:spAutoFit/>
+          </a:bodyPr>
+          <a:lstStyle/>
+          <a:p>
+            <a:r>
+              <a:rPr lang="en-US" dirty="0" smtClean="0">
+                <a:solidFill>
+                  <a:schemeClr val="accent2">
+                    <a:lumMod val="75000"/>
+                  </a:schemeClr>
+                </a:solidFill>
+              </a:rPr>
+              <a:t>Output to UART</a:t>
+            </a:r>
+            <a:endParaRPr lang="en-US" dirty="0">
+              <a:solidFill>
+                <a:schemeClr val="accent2">
+                  <a:lumMod val="75000"/>
+                </a:schemeClr>
+              </a:solidFill>
+            </a:endParaRPr>
+          </a:p>
+        </p:txBody>
+      </p:sp>
+      <p:sp>
+        <p:nvSpPr>
+          <p:cNvPr id="11" name="TextBox 10"/>
+          <p:cNvSpPr txBox="1"/>
+          <p:nvPr/>
+        </p:nvSpPr>
+        <p:spPr>
+          <a:xfrm>
+            <a:off x="392098" y="1626094"/>
+            <a:ext cx="3218189" cy="369332"/>
+          </a:xfrm>
+          <a:prstGeom prst="rect">
+            <a:avLst/>
+          </a:prstGeom>
+          <a:noFill/>
+        </p:spPr>
+        <p:txBody>
+          <a:bodyPr wrap="none" rtlCol="0">
+            <a:spAutoFit/>
+          </a:bodyPr>
+          <a:lstStyle/>
+          <a:p>
+            <a:r>
+              <a:rPr lang="en-US" dirty="0" smtClean="0">
+                <a:solidFill>
+                  <a:schemeClr val="accent2">
+                    <a:lumMod val="75000"/>
+                  </a:schemeClr>
+                </a:solidFill>
+              </a:rPr>
+              <a:t>Instructions/data/</a:t>
+            </a:r>
+            <a:r>
+              <a:rPr lang="en-US" dirty="0" err="1" smtClean="0">
+                <a:solidFill>
+                  <a:schemeClr val="accent2">
+                    <a:lumMod val="75000"/>
+                  </a:schemeClr>
+                </a:solidFill>
+              </a:rPr>
+              <a:t>addr</a:t>
+            </a:r>
+            <a:r>
+              <a:rPr lang="en-US" dirty="0" smtClean="0">
+                <a:solidFill>
+                  <a:schemeClr val="accent2">
+                    <a:lumMod val="75000"/>
+                  </a:schemeClr>
+                </a:solidFill>
+              </a:rPr>
+              <a:t> from TB</a:t>
+            </a:r>
+            <a:endParaRPr lang="en-US" dirty="0">
+              <a:solidFill>
+                <a:schemeClr val="accent2">
+                  <a:lumMod val="75000"/>
+                </a:schemeClr>
+              </a:solidFill>
+            </a:endParaRPr>
+          </a:p>
+        </p:txBody>
+      </p:sp>
+      <p:sp>
+        <p:nvSpPr>
+          <p:cNvPr id="12" name="TextBox 11"/>
+          <p:cNvSpPr txBox="1"/>
+          <p:nvPr/>
+        </p:nvSpPr>
+        <p:spPr>
+          <a:xfrm>
+            <a:off x="676183" y="3341734"/>
+            <a:ext cx="3310843" cy="369332"/>
+          </a:xfrm>
+          <a:prstGeom prst="rect">
+            <a:avLst/>
+          </a:prstGeom>
+          <a:noFill/>
+        </p:spPr>
+        <p:txBody>
+          <a:bodyPr wrap="none" rtlCol="0">
+            <a:spAutoFit/>
+          </a:bodyPr>
+          <a:lstStyle/>
+          <a:p>
+            <a:r>
+              <a:rPr lang="en-US" dirty="0" smtClean="0">
+                <a:solidFill>
+                  <a:schemeClr val="accent2">
+                    <a:lumMod val="75000"/>
+                  </a:schemeClr>
+                </a:solidFill>
+              </a:rPr>
+              <a:t>Data decoded from MCP decoder</a:t>
+            </a:r>
+            <a:endParaRPr lang="en-US" dirty="0">
+              <a:solidFill>
+                <a:schemeClr val="accent2">
+                  <a:lumMod val="75000"/>
+                </a:schemeClr>
+              </a:solidFill>
+            </a:endParaRPr>
+          </a:p>
+        </p:txBody>
+      </p:sp>
     </p:spTree>
     <p:extLst>
       <p:ext uri="{BB962C8B-B14F-4D97-AF65-F5344CB8AC3E}">
-        <p14:creationId xmlns:p14="http://schemas.microsoft.com/office/powerpoint/2010/main" val="1587516871"/>
+        <p14:creationId xmlns:p14="http://schemas.microsoft.com/office/powerpoint/2010/main" val="109248225"/>
       </p:ext>
     </p:extLst>
   </p:cSld>
@@ -10697,84 +13357,9 @@
           <a:chExt cx="0" cy="0"/>
         </a:xfrm>
       </p:grpSpPr>
-      <p:sp>
-        <p:nvSpPr>
-          <p:cNvPr id="2" name="Title 1"/>
-          <p:cNvSpPr>
-            <a:spLocks noGrp="1"/>
-          </p:cNvSpPr>
-          <p:nvPr>
-            <p:ph type="title"/>
-          </p:nvPr>
-        </p:nvSpPr>
-        <p:spPr/>
-        <p:txBody>
-          <a:bodyPr>
-            <a:normAutofit/>
-          </a:bodyPr>
-          <a:lstStyle/>
-          <a:p>
-            <a:r>
-              <a:rPr lang="en-US" sz="2800" dirty="0"/>
-              <a:t>Peripheral memory write – No error, cache miss/ cache hit clean</a:t>
-            </a:r>
-          </a:p>
-        </p:txBody>
-      </p:sp>
-      <p:sp>
-        <p:nvSpPr>
-          <p:cNvPr id="6" name="TextBox 5"/>
-          <p:cNvSpPr txBox="1"/>
-          <p:nvPr/>
-        </p:nvSpPr>
-        <p:spPr>
-          <a:xfrm>
-            <a:off x="1080654" y="1690688"/>
-            <a:ext cx="10740044" cy="1815882"/>
-          </a:xfrm>
-          <a:prstGeom prst="rect">
-            <a:avLst/>
-          </a:prstGeom>
-          <a:noFill/>
-        </p:spPr>
-        <p:txBody>
-          <a:bodyPr wrap="square" rtlCol="0">
-            <a:spAutoFit/>
-          </a:bodyPr>
-          <a:lstStyle/>
-          <a:p>
-            <a:pPr marL="285750" indent="-285750">
-              <a:buFont typeface="Arial" panose="020B0604020202020204" pitchFamily="34" charset="0"/>
-              <a:buChar char="•"/>
-            </a:pPr>
-            <a:endParaRPr lang="en-US" sz="2800" dirty="0" smtClean="0"/>
-          </a:p>
-          <a:p>
-            <a:pPr marL="285750" indent="-285750">
-              <a:buFont typeface="Arial" panose="020B0604020202020204" pitchFamily="34" charset="0"/>
-              <a:buChar char="•"/>
-            </a:pPr>
-            <a:endParaRPr lang="en-US" sz="2800" dirty="0" smtClean="0"/>
-          </a:p>
-          <a:p>
-            <a:pPr marL="285750" indent="-285750">
-              <a:buFont typeface="Arial" panose="020B0604020202020204" pitchFamily="34" charset="0"/>
-              <a:buChar char="•"/>
-            </a:pPr>
-            <a:endParaRPr lang="en-US" sz="2800" dirty="0" smtClean="0"/>
-          </a:p>
-          <a:p>
-            <a:pPr marL="285750" indent="-285750">
-              <a:buFont typeface="Arial" panose="020B0604020202020204" pitchFamily="34" charset="0"/>
-              <a:buChar char="•"/>
-            </a:pPr>
-            <a:endParaRPr lang="en-US" sz="2800" dirty="0"/>
-          </a:p>
-        </p:txBody>
-      </p:sp>
       <p:pic>
         <p:nvPicPr>
-          <p:cNvPr id="5" name="Picture 4"/>
+          <p:cNvPr id="3" name="Picture 2"/>
           <p:cNvPicPr>
             <a:picLocks noChangeAspect="1"/>
           </p:cNvPicPr>
@@ -10788,18 +13373,573 @@
         </p:blipFill>
         <p:spPr>
           <a:xfrm>
-            <a:off x="1080654" y="1415617"/>
-            <a:ext cx="9110911" cy="5075485"/>
+            <a:off x="1178310" y="1321356"/>
+            <a:ext cx="6363157" cy="5167312"/>
           </a:xfrm>
           <a:prstGeom prst="rect">
             <a:avLst/>
           </a:prstGeom>
         </p:spPr>
       </p:pic>
+      <p:sp>
+        <p:nvSpPr>
+          <p:cNvPr id="2" name="Title 1"/>
+          <p:cNvSpPr txBox="1">
+            <a:spLocks/>
+          </p:cNvSpPr>
+          <p:nvPr/>
+        </p:nvSpPr>
+        <p:spPr>
+          <a:xfrm>
+            <a:off x="838200" y="213234"/>
+            <a:ext cx="10515600" cy="1325563"/>
+          </a:xfrm>
+          <a:prstGeom prst="rect">
+            <a:avLst/>
+          </a:prstGeom>
+        </p:spPr>
+        <p:txBody>
+          <a:bodyPr/>
+          <a:lstStyle>
+            <a:lvl1pPr algn="l" defTabSz="914400" rtl="0" eaLnBrk="1" latinLnBrk="0" hangingPunct="1">
+              <a:lnSpc>
+                <a:spcPct val="90000"/>
+              </a:lnSpc>
+              <a:spcBef>
+                <a:spcPct val="0"/>
+              </a:spcBef>
+              <a:buNone/>
+              <a:defRPr sz="4400" kern="1200">
+                <a:solidFill>
+                  <a:schemeClr val="tx1"/>
+                </a:solidFill>
+                <a:latin typeface="+mj-lt"/>
+                <a:ea typeface="+mj-ea"/>
+                <a:cs typeface="+mj-cs"/>
+              </a:defRPr>
+            </a:lvl1pPr>
+          </a:lstStyle>
+          <a:p>
+            <a:r>
+              <a:rPr lang="en-US" dirty="0" smtClean="0"/>
+              <a:t>Decoder PMC</a:t>
+            </a:r>
+            <a:endParaRPr lang="en-US" dirty="0"/>
+          </a:p>
+        </p:txBody>
+      </p:sp>
+      <p:sp>
+        <p:nvSpPr>
+          <p:cNvPr id="4" name="TextBox 3"/>
+          <p:cNvSpPr txBox="1"/>
+          <p:nvPr/>
+        </p:nvSpPr>
+        <p:spPr>
+          <a:xfrm>
+            <a:off x="249354" y="5795250"/>
+            <a:ext cx="1413528" cy="369332"/>
+          </a:xfrm>
+          <a:prstGeom prst="rect">
+            <a:avLst/>
+          </a:prstGeom>
+          <a:noFill/>
+        </p:spPr>
+        <p:txBody>
+          <a:bodyPr wrap="none" rtlCol="0">
+            <a:spAutoFit/>
+          </a:bodyPr>
+          <a:lstStyle/>
+          <a:p>
+            <a:r>
+              <a:rPr lang="en-US" dirty="0" smtClean="0">
+                <a:solidFill>
+                  <a:schemeClr val="accent2">
+                    <a:lumMod val="75000"/>
+                  </a:schemeClr>
+                </a:solidFill>
+              </a:rPr>
+              <a:t>UART control</a:t>
+            </a:r>
+            <a:endParaRPr lang="en-US" dirty="0">
+              <a:solidFill>
+                <a:schemeClr val="accent2">
+                  <a:lumMod val="75000"/>
+                </a:schemeClr>
+              </a:solidFill>
+            </a:endParaRPr>
+          </a:p>
+        </p:txBody>
+      </p:sp>
+      <p:sp>
+        <p:nvSpPr>
+          <p:cNvPr id="6" name="TextBox 5"/>
+          <p:cNvSpPr txBox="1"/>
+          <p:nvPr/>
+        </p:nvSpPr>
+        <p:spPr>
+          <a:xfrm>
+            <a:off x="325611" y="1060745"/>
+            <a:ext cx="6757043" cy="369332"/>
+          </a:xfrm>
+          <a:prstGeom prst="rect">
+            <a:avLst/>
+          </a:prstGeom>
+          <a:noFill/>
+        </p:spPr>
+        <p:txBody>
+          <a:bodyPr wrap="none" rtlCol="0">
+            <a:spAutoFit/>
+          </a:bodyPr>
+          <a:lstStyle/>
+          <a:p>
+            <a:r>
+              <a:rPr lang="en-US" dirty="0" err="1" smtClean="0"/>
+              <a:t>iMsg</a:t>
+            </a:r>
+            <a:r>
+              <a:rPr lang="en-US" dirty="0" smtClean="0"/>
+              <a:t> </a:t>
+            </a:r>
+            <a:r>
+              <a:rPr lang="en-US" dirty="0"/>
+              <a:t>= {</a:t>
+            </a:r>
+            <a:r>
+              <a:rPr lang="en-US" dirty="0">
+                <a:solidFill>
+                  <a:srgbClr val="00B050"/>
+                </a:solidFill>
+              </a:rPr>
+              <a:t>8'h0F</a:t>
+            </a:r>
+            <a:r>
+              <a:rPr lang="en-US" dirty="0"/>
+              <a:t>, </a:t>
+            </a:r>
+            <a:r>
+              <a:rPr lang="en-US" dirty="0" err="1">
+                <a:solidFill>
+                  <a:schemeClr val="accent2">
+                    <a:lumMod val="75000"/>
+                  </a:schemeClr>
+                </a:solidFill>
+              </a:rPr>
+              <a:t>iInstruction</a:t>
+            </a:r>
+            <a:r>
+              <a:rPr lang="en-US" dirty="0"/>
+              <a:t>, </a:t>
+            </a:r>
+            <a:r>
+              <a:rPr lang="en-US" dirty="0" err="1">
+                <a:solidFill>
+                  <a:schemeClr val="accent1">
+                    <a:lumMod val="75000"/>
+                  </a:schemeClr>
+                </a:solidFill>
+              </a:rPr>
+              <a:t>iData</a:t>
+            </a:r>
+            <a:r>
+              <a:rPr lang="en-US" dirty="0">
+                <a:solidFill>
+                  <a:schemeClr val="accent1">
+                    <a:lumMod val="75000"/>
+                  </a:schemeClr>
+                </a:solidFill>
+              </a:rPr>
+              <a:t>, </a:t>
+            </a:r>
+            <a:r>
+              <a:rPr lang="en-US" dirty="0" err="1">
+                <a:solidFill>
+                  <a:schemeClr val="accent1">
+                    <a:lumMod val="75000"/>
+                  </a:schemeClr>
+                </a:solidFill>
+              </a:rPr>
+              <a:t>iAddr</a:t>
+            </a:r>
+            <a:r>
+              <a:rPr lang="en-US" dirty="0"/>
+              <a:t>, </a:t>
+            </a:r>
+            <a:r>
+              <a:rPr lang="en-US" dirty="0">
+                <a:solidFill>
+                  <a:srgbClr val="FFC000"/>
+                </a:solidFill>
+              </a:rPr>
+              <a:t>7'b0, </a:t>
+            </a:r>
+            <a:r>
+              <a:rPr lang="en-US" dirty="0" err="1">
+                <a:solidFill>
+                  <a:srgbClr val="FFC000"/>
+                </a:solidFill>
+              </a:rPr>
+              <a:t>iError</a:t>
+            </a:r>
+            <a:r>
+              <a:rPr lang="en-US" dirty="0"/>
+              <a:t>, </a:t>
+            </a:r>
+            <a:r>
+              <a:rPr lang="en-US" dirty="0">
+                <a:solidFill>
+                  <a:srgbClr val="00B050"/>
+                </a:solidFill>
+              </a:rPr>
+              <a:t>8'hF0</a:t>
+            </a:r>
+            <a:r>
+              <a:rPr lang="en-US" dirty="0" smtClean="0"/>
+              <a:t>}; from UART</a:t>
+            </a:r>
+            <a:endParaRPr lang="en-US" dirty="0"/>
+          </a:p>
+        </p:txBody>
+      </p:sp>
+      <p:sp>
+        <p:nvSpPr>
+          <p:cNvPr id="7" name="TextBox 6"/>
+          <p:cNvSpPr txBox="1"/>
+          <p:nvPr/>
+        </p:nvSpPr>
+        <p:spPr>
+          <a:xfrm>
+            <a:off x="2647976" y="4438783"/>
+            <a:ext cx="1711912" cy="646331"/>
+          </a:xfrm>
+          <a:prstGeom prst="rect">
+            <a:avLst/>
+          </a:prstGeom>
+          <a:noFill/>
+        </p:spPr>
+        <p:txBody>
+          <a:bodyPr wrap="square" rtlCol="0">
+            <a:spAutoFit/>
+          </a:bodyPr>
+          <a:lstStyle/>
+          <a:p>
+            <a:r>
+              <a:rPr lang="en-US" dirty="0" smtClean="0">
+                <a:solidFill>
+                  <a:schemeClr val="accent2">
+                    <a:lumMod val="75000"/>
+                  </a:schemeClr>
+                </a:solidFill>
+              </a:rPr>
+              <a:t>Instruction decode</a:t>
+            </a:r>
+            <a:endParaRPr lang="en-US" dirty="0">
+              <a:solidFill>
+                <a:schemeClr val="accent2">
+                  <a:lumMod val="75000"/>
+                </a:schemeClr>
+              </a:solidFill>
+            </a:endParaRPr>
+          </a:p>
+        </p:txBody>
+      </p:sp>
+      <p:sp>
+        <p:nvSpPr>
+          <p:cNvPr id="8" name="TextBox 7"/>
+          <p:cNvSpPr txBox="1"/>
+          <p:nvPr/>
+        </p:nvSpPr>
+        <p:spPr>
+          <a:xfrm>
+            <a:off x="7383189" y="5992336"/>
+            <a:ext cx="1954574" cy="369332"/>
+          </a:xfrm>
+          <a:prstGeom prst="rect">
+            <a:avLst/>
+          </a:prstGeom>
+          <a:noFill/>
+        </p:spPr>
+        <p:txBody>
+          <a:bodyPr wrap="none" rtlCol="0">
+            <a:spAutoFit/>
+          </a:bodyPr>
+          <a:lstStyle/>
+          <a:p>
+            <a:r>
+              <a:rPr lang="en-US" dirty="0" smtClean="0">
+                <a:solidFill>
+                  <a:schemeClr val="accent2">
+                    <a:lumMod val="75000"/>
+                  </a:schemeClr>
+                </a:solidFill>
+              </a:rPr>
+              <a:t>BUS request to MC</a:t>
+            </a:r>
+            <a:endParaRPr lang="en-US" dirty="0">
+              <a:solidFill>
+                <a:schemeClr val="accent2">
+                  <a:lumMod val="75000"/>
+                </a:schemeClr>
+              </a:solidFill>
+            </a:endParaRPr>
+          </a:p>
+        </p:txBody>
+      </p:sp>
+      <p:sp>
+        <p:nvSpPr>
+          <p:cNvPr id="10" name="TextBox 9"/>
+          <p:cNvSpPr txBox="1"/>
+          <p:nvPr/>
+        </p:nvSpPr>
+        <p:spPr>
+          <a:xfrm>
+            <a:off x="7500061" y="3489667"/>
+            <a:ext cx="1351011" cy="369332"/>
+          </a:xfrm>
+          <a:prstGeom prst="rect">
+            <a:avLst/>
+          </a:prstGeom>
+          <a:noFill/>
+        </p:spPr>
+        <p:txBody>
+          <a:bodyPr wrap="none" rtlCol="0">
+            <a:spAutoFit/>
+          </a:bodyPr>
+          <a:lstStyle/>
+          <a:p>
+            <a:r>
+              <a:rPr lang="en-US" dirty="0" smtClean="0">
+                <a:solidFill>
+                  <a:schemeClr val="accent2">
+                    <a:lumMod val="75000"/>
+                  </a:schemeClr>
+                </a:solidFill>
+              </a:rPr>
+              <a:t>ADDR to MC</a:t>
+            </a:r>
+            <a:endParaRPr lang="en-US" dirty="0">
+              <a:solidFill>
+                <a:schemeClr val="accent2">
+                  <a:lumMod val="75000"/>
+                </a:schemeClr>
+              </a:solidFill>
+            </a:endParaRPr>
+          </a:p>
+        </p:txBody>
+      </p:sp>
+      <p:sp>
+        <p:nvSpPr>
+          <p:cNvPr id="11" name="TextBox 10"/>
+          <p:cNvSpPr txBox="1"/>
+          <p:nvPr/>
+        </p:nvSpPr>
+        <p:spPr>
+          <a:xfrm>
+            <a:off x="6861328" y="1848263"/>
+            <a:ext cx="4192366" cy="369332"/>
+          </a:xfrm>
+          <a:prstGeom prst="rect">
+            <a:avLst/>
+          </a:prstGeom>
+          <a:noFill/>
+        </p:spPr>
+        <p:txBody>
+          <a:bodyPr wrap="none" rtlCol="0">
+            <a:spAutoFit/>
+          </a:bodyPr>
+          <a:lstStyle/>
+          <a:p>
+            <a:r>
+              <a:rPr lang="en-US" dirty="0" smtClean="0">
+                <a:solidFill>
+                  <a:schemeClr val="accent2">
+                    <a:lumMod val="75000"/>
+                  </a:schemeClr>
+                </a:solidFill>
+              </a:rPr>
+              <a:t>Error flag if any of the error bits is asserted</a:t>
+            </a:r>
+            <a:endParaRPr lang="en-US" dirty="0">
+              <a:solidFill>
+                <a:schemeClr val="accent2">
+                  <a:lumMod val="75000"/>
+                </a:schemeClr>
+              </a:solidFill>
+            </a:endParaRPr>
+          </a:p>
+        </p:txBody>
+      </p:sp>
+      <p:sp>
+        <p:nvSpPr>
+          <p:cNvPr id="13" name="TextBox 12"/>
+          <p:cNvSpPr txBox="1"/>
+          <p:nvPr/>
+        </p:nvSpPr>
+        <p:spPr>
+          <a:xfrm>
+            <a:off x="7030371" y="5376615"/>
+            <a:ext cx="2097626" cy="369332"/>
+          </a:xfrm>
+          <a:prstGeom prst="rect">
+            <a:avLst/>
+          </a:prstGeom>
+          <a:noFill/>
+        </p:spPr>
+        <p:txBody>
+          <a:bodyPr wrap="none" rtlCol="0">
+            <a:spAutoFit/>
+          </a:bodyPr>
+          <a:lstStyle/>
+          <a:p>
+            <a:r>
+              <a:rPr lang="en-US" dirty="0" smtClean="0">
+                <a:solidFill>
+                  <a:schemeClr val="accent2">
+                    <a:lumMod val="75000"/>
+                  </a:schemeClr>
+                </a:solidFill>
+              </a:rPr>
+              <a:t>Write request to MC</a:t>
+            </a:r>
+            <a:endParaRPr lang="en-US" dirty="0">
+              <a:solidFill>
+                <a:schemeClr val="accent2">
+                  <a:lumMod val="75000"/>
+                </a:schemeClr>
+              </a:solidFill>
+            </a:endParaRPr>
+          </a:p>
+        </p:txBody>
+      </p:sp>
+      <p:sp>
+        <p:nvSpPr>
+          <p:cNvPr id="14" name="TextBox 13"/>
+          <p:cNvSpPr txBox="1"/>
+          <p:nvPr/>
+        </p:nvSpPr>
+        <p:spPr>
+          <a:xfrm>
+            <a:off x="7082654" y="2672932"/>
+            <a:ext cx="2045112" cy="369332"/>
+          </a:xfrm>
+          <a:prstGeom prst="rect">
+            <a:avLst/>
+          </a:prstGeom>
+          <a:noFill/>
+        </p:spPr>
+        <p:txBody>
+          <a:bodyPr wrap="none" rtlCol="0">
+            <a:spAutoFit/>
+          </a:bodyPr>
+          <a:lstStyle/>
+          <a:p>
+            <a:r>
+              <a:rPr lang="en-US" dirty="0" smtClean="0">
+                <a:solidFill>
+                  <a:schemeClr val="accent2">
+                    <a:lumMod val="75000"/>
+                  </a:schemeClr>
+                </a:solidFill>
+              </a:rPr>
+              <a:t>Read request to MC</a:t>
+            </a:r>
+            <a:endParaRPr lang="en-US" dirty="0">
+              <a:solidFill>
+                <a:schemeClr val="accent2">
+                  <a:lumMod val="75000"/>
+                </a:schemeClr>
+              </a:solidFill>
+            </a:endParaRPr>
+          </a:p>
+        </p:txBody>
+      </p:sp>
+      <p:sp>
+        <p:nvSpPr>
+          <p:cNvPr id="15" name="TextBox 14"/>
+          <p:cNvSpPr txBox="1"/>
+          <p:nvPr/>
+        </p:nvSpPr>
+        <p:spPr>
+          <a:xfrm>
+            <a:off x="7342527" y="4449228"/>
+            <a:ext cx="1243482" cy="369332"/>
+          </a:xfrm>
+          <a:prstGeom prst="rect">
+            <a:avLst/>
+          </a:prstGeom>
+          <a:noFill/>
+        </p:spPr>
+        <p:txBody>
+          <a:bodyPr wrap="none" rtlCol="0">
+            <a:spAutoFit/>
+          </a:bodyPr>
+          <a:lstStyle/>
+          <a:p>
+            <a:r>
+              <a:rPr lang="en-US" dirty="0" smtClean="0">
+                <a:solidFill>
+                  <a:schemeClr val="accent2">
+                    <a:lumMod val="75000"/>
+                  </a:schemeClr>
+                </a:solidFill>
+              </a:rPr>
+              <a:t>Data to MC</a:t>
+            </a:r>
+            <a:endParaRPr lang="en-US" dirty="0">
+              <a:solidFill>
+                <a:schemeClr val="accent2">
+                  <a:lumMod val="75000"/>
+                </a:schemeClr>
+              </a:solidFill>
+            </a:endParaRPr>
+          </a:p>
+        </p:txBody>
+      </p:sp>
+      <p:sp>
+        <p:nvSpPr>
+          <p:cNvPr id="16" name="TextBox 15"/>
+          <p:cNvSpPr txBox="1"/>
+          <p:nvPr/>
+        </p:nvSpPr>
+        <p:spPr>
+          <a:xfrm>
+            <a:off x="2647976" y="2915226"/>
+            <a:ext cx="1711912" cy="646331"/>
+          </a:xfrm>
+          <a:prstGeom prst="rect">
+            <a:avLst/>
+          </a:prstGeom>
+          <a:noFill/>
+        </p:spPr>
+        <p:txBody>
+          <a:bodyPr wrap="square" rtlCol="0">
+            <a:spAutoFit/>
+          </a:bodyPr>
+          <a:lstStyle/>
+          <a:p>
+            <a:r>
+              <a:rPr lang="en-US" dirty="0" smtClean="0">
+                <a:solidFill>
+                  <a:schemeClr val="accent2">
+                    <a:lumMod val="75000"/>
+                  </a:schemeClr>
+                </a:solidFill>
+              </a:rPr>
+              <a:t>Instruction decode</a:t>
+            </a:r>
+            <a:endParaRPr lang="en-US" dirty="0">
+              <a:solidFill>
+                <a:schemeClr val="accent2">
+                  <a:lumMod val="75000"/>
+                </a:schemeClr>
+              </a:solidFill>
+            </a:endParaRPr>
+          </a:p>
+        </p:txBody>
+      </p:sp>
     </p:spTree>
     <p:extLst>
       <p:ext uri="{BB962C8B-B14F-4D97-AF65-F5344CB8AC3E}">
-        <p14:creationId xmlns:p14="http://schemas.microsoft.com/office/powerpoint/2010/main" val="1281530610"/>
+        <p14:creationId xmlns:p14="http://schemas.microsoft.com/office/powerpoint/2010/main" val="2228291429"/>
       </p:ext>
     </p:extLst>
   </p:cSld>

--- a/Diseno_final_arq.pptx
+++ b/Diseno_final_arq.pptx
@@ -5,7 +5,7 @@
     <p:sldMasterId id="2147483648" r:id="rId1"/>
   </p:sldMasterIdLst>
   <p:notesMasterIdLst>
-    <p:notesMasterId r:id="rId32"/>
+    <p:notesMasterId r:id="rId34"/>
   </p:notesMasterIdLst>
   <p:sldIdLst>
     <p:sldId id="256" r:id="rId2"/>
@@ -13,31 +13,33 @@
     <p:sldId id="260" r:id="rId4"/>
     <p:sldId id="276" r:id="rId5"/>
     <p:sldId id="275" r:id="rId6"/>
-    <p:sldId id="277" r:id="rId7"/>
-    <p:sldId id="287" r:id="rId8"/>
-    <p:sldId id="278" r:id="rId9"/>
-    <p:sldId id="285" r:id="rId10"/>
-    <p:sldId id="286" r:id="rId11"/>
-    <p:sldId id="259" r:id="rId12"/>
-    <p:sldId id="279" r:id="rId13"/>
-    <p:sldId id="281" r:id="rId14"/>
-    <p:sldId id="261" r:id="rId15"/>
-    <p:sldId id="264" r:id="rId16"/>
-    <p:sldId id="266" r:id="rId17"/>
-    <p:sldId id="263" r:id="rId18"/>
-    <p:sldId id="267" r:id="rId19"/>
-    <p:sldId id="282" r:id="rId20"/>
-    <p:sldId id="269" r:id="rId21"/>
-    <p:sldId id="284" r:id="rId22"/>
-    <p:sldId id="271" r:id="rId23"/>
+    <p:sldId id="287" r:id="rId7"/>
+    <p:sldId id="285" r:id="rId8"/>
+    <p:sldId id="286" r:id="rId9"/>
+    <p:sldId id="259" r:id="rId10"/>
+    <p:sldId id="279" r:id="rId11"/>
+    <p:sldId id="281" r:id="rId12"/>
+    <p:sldId id="289" r:id="rId13"/>
+    <p:sldId id="290" r:id="rId14"/>
+    <p:sldId id="291" r:id="rId15"/>
+    <p:sldId id="261" r:id="rId16"/>
+    <p:sldId id="264" r:id="rId17"/>
+    <p:sldId id="266" r:id="rId18"/>
+    <p:sldId id="263" r:id="rId19"/>
+    <p:sldId id="269" r:id="rId20"/>
+    <p:sldId id="284" r:id="rId21"/>
+    <p:sldId id="271" r:id="rId22"/>
+    <p:sldId id="294" r:id="rId23"/>
     <p:sldId id="283" r:id="rId24"/>
     <p:sldId id="288" r:id="rId25"/>
     <p:sldId id="272" r:id="rId26"/>
-    <p:sldId id="273" r:id="rId27"/>
-    <p:sldId id="274" r:id="rId28"/>
-    <p:sldId id="270" r:id="rId29"/>
-    <p:sldId id="258" r:id="rId30"/>
-    <p:sldId id="262" r:id="rId31"/>
+    <p:sldId id="293" r:id="rId27"/>
+    <p:sldId id="273" r:id="rId28"/>
+    <p:sldId id="274" r:id="rId29"/>
+    <p:sldId id="270" r:id="rId30"/>
+    <p:sldId id="258" r:id="rId31"/>
+    <p:sldId id="262" r:id="rId32"/>
+    <p:sldId id="292" r:id="rId33"/>
   </p:sldIdLst>
   <p:sldSz cx="12192000" cy="6858000"/>
   <p:notesSz cx="6858000" cy="9144000"/>
@@ -226,7 +228,7 @@
           <a:p>
             <a:fld id="{ABCDD738-BB78-426C-A54A-7EFE3D750394}" type="datetimeFigureOut">
               <a:rPr lang="en-US" smtClean="0"/>
-              <a:t>11/26/2017</a:t>
+              <a:t>11/29/2017</a:t>
             </a:fld>
             <a:endParaRPr lang="en-US"/>
           </a:p>
@@ -652,90 +654,6 @@
     </p:spTree>
     <p:extLst>
       <p:ext uri="{BB962C8B-B14F-4D97-AF65-F5344CB8AC3E}">
-        <p14:creationId xmlns:p14="http://schemas.microsoft.com/office/powerpoint/2010/main" val="1542796754"/>
-      </p:ext>
-    </p:extLst>
-  </p:cSld>
-  <p:clrMapOvr>
-    <a:masterClrMapping/>
-  </p:clrMapOvr>
-</p:notes>
-</file>
-
-<file path=ppt/notesSlides/notesSlide3.xml><?xml version="1.0" encoding="utf-8"?>
-<p:notes xmlns:a="http://schemas.openxmlformats.org/drawingml/2006/main" xmlns:r="http://schemas.openxmlformats.org/officeDocument/2006/relationships" xmlns:p="http://schemas.openxmlformats.org/presentationml/2006/main">
-  <p:cSld>
-    <p:spTree>
-      <p:nvGrpSpPr>
-        <p:cNvPr id="1" name=""/>
-        <p:cNvGrpSpPr/>
-        <p:nvPr/>
-      </p:nvGrpSpPr>
-      <p:grpSpPr>
-        <a:xfrm>
-          <a:off x="0" y="0"/>
-          <a:ext cx="0" cy="0"/>
-          <a:chOff x="0" y="0"/>
-          <a:chExt cx="0" cy="0"/>
-        </a:xfrm>
-      </p:grpSpPr>
-      <p:sp>
-        <p:nvSpPr>
-          <p:cNvPr id="2" name="Slide Image Placeholder 1"/>
-          <p:cNvSpPr>
-            <a:spLocks noGrp="1" noRot="1" noChangeAspect="1"/>
-          </p:cNvSpPr>
-          <p:nvPr>
-            <p:ph type="sldImg"/>
-          </p:nvPr>
-        </p:nvSpPr>
-        <p:spPr/>
-      </p:sp>
-      <p:sp>
-        <p:nvSpPr>
-          <p:cNvPr id="3" name="Notes Placeholder 2"/>
-          <p:cNvSpPr>
-            <a:spLocks noGrp="1"/>
-          </p:cNvSpPr>
-          <p:nvPr>
-            <p:ph type="body" idx="1"/>
-          </p:nvPr>
-        </p:nvSpPr>
-        <p:spPr/>
-        <p:txBody>
-          <a:bodyPr/>
-          <a:lstStyle/>
-          <a:p>
-            <a:endParaRPr lang="en-US" dirty="0"/>
-          </a:p>
-        </p:txBody>
-      </p:sp>
-      <p:sp>
-        <p:nvSpPr>
-          <p:cNvPr id="4" name="Slide Number Placeholder 3"/>
-          <p:cNvSpPr>
-            <a:spLocks noGrp="1"/>
-          </p:cNvSpPr>
-          <p:nvPr>
-            <p:ph type="sldNum" sz="quarter" idx="10"/>
-          </p:nvPr>
-        </p:nvSpPr>
-        <p:spPr/>
-        <p:txBody>
-          <a:bodyPr/>
-          <a:lstStyle/>
-          <a:p>
-            <a:fld id="{9DB63043-0A42-408D-8BF0-9023CF0FCA8E}" type="slidenum">
-              <a:rPr lang="en-US" smtClean="0"/>
-              <a:t>7</a:t>
-            </a:fld>
-            <a:endParaRPr lang="en-US"/>
-          </a:p>
-        </p:txBody>
-      </p:sp>
-    </p:spTree>
-    <p:extLst>
-      <p:ext uri="{BB962C8B-B14F-4D97-AF65-F5344CB8AC3E}">
         <p14:creationId xmlns:p14="http://schemas.microsoft.com/office/powerpoint/2010/main" val="3551113634"/>
       </p:ext>
     </p:extLst>
@@ -877,7 +795,7 @@
           <a:p>
             <a:fld id="{F9B72CBB-1288-4842-AA06-310D4B843B5A}" type="datetimeFigureOut">
               <a:rPr lang="en-US" smtClean="0"/>
-              <a:t>11/26/2017</a:t>
+              <a:t>11/29/2017</a:t>
             </a:fld>
             <a:endParaRPr lang="en-US"/>
           </a:p>
@@ -1047,7 +965,7 @@
           <a:p>
             <a:fld id="{F9B72CBB-1288-4842-AA06-310D4B843B5A}" type="datetimeFigureOut">
               <a:rPr lang="en-US" smtClean="0"/>
-              <a:t>11/26/2017</a:t>
+              <a:t>11/29/2017</a:t>
             </a:fld>
             <a:endParaRPr lang="en-US"/>
           </a:p>
@@ -1227,7 +1145,7 @@
           <a:p>
             <a:fld id="{F9B72CBB-1288-4842-AA06-310D4B843B5A}" type="datetimeFigureOut">
               <a:rPr lang="en-US" smtClean="0"/>
-              <a:t>11/26/2017</a:t>
+              <a:t>11/29/2017</a:t>
             </a:fld>
             <a:endParaRPr lang="en-US"/>
           </a:p>
@@ -1397,7 +1315,7 @@
           <a:p>
             <a:fld id="{F9B72CBB-1288-4842-AA06-310D4B843B5A}" type="datetimeFigureOut">
               <a:rPr lang="en-US" smtClean="0"/>
-              <a:t>11/26/2017</a:t>
+              <a:t>11/29/2017</a:t>
             </a:fld>
             <a:endParaRPr lang="en-US"/>
           </a:p>
@@ -1643,7 +1561,7 @@
           <a:p>
             <a:fld id="{F9B72CBB-1288-4842-AA06-310D4B843B5A}" type="datetimeFigureOut">
               <a:rPr lang="en-US" smtClean="0"/>
-              <a:t>11/26/2017</a:t>
+              <a:t>11/29/2017</a:t>
             </a:fld>
             <a:endParaRPr lang="en-US"/>
           </a:p>
@@ -1875,7 +1793,7 @@
           <a:p>
             <a:fld id="{F9B72CBB-1288-4842-AA06-310D4B843B5A}" type="datetimeFigureOut">
               <a:rPr lang="en-US" smtClean="0"/>
-              <a:t>11/26/2017</a:t>
+              <a:t>11/29/2017</a:t>
             </a:fld>
             <a:endParaRPr lang="en-US"/>
           </a:p>
@@ -2242,7 +2160,7 @@
           <a:p>
             <a:fld id="{F9B72CBB-1288-4842-AA06-310D4B843B5A}" type="datetimeFigureOut">
               <a:rPr lang="en-US" smtClean="0"/>
-              <a:t>11/26/2017</a:t>
+              <a:t>11/29/2017</a:t>
             </a:fld>
             <a:endParaRPr lang="en-US"/>
           </a:p>
@@ -2360,7 +2278,7 @@
           <a:p>
             <a:fld id="{F9B72CBB-1288-4842-AA06-310D4B843B5A}" type="datetimeFigureOut">
               <a:rPr lang="en-US" smtClean="0"/>
-              <a:t>11/26/2017</a:t>
+              <a:t>11/29/2017</a:t>
             </a:fld>
             <a:endParaRPr lang="en-US"/>
           </a:p>
@@ -2455,7 +2373,7 @@
           <a:p>
             <a:fld id="{F9B72CBB-1288-4842-AA06-310D4B843B5A}" type="datetimeFigureOut">
               <a:rPr lang="en-US" smtClean="0"/>
-              <a:t>11/26/2017</a:t>
+              <a:t>11/29/2017</a:t>
             </a:fld>
             <a:endParaRPr lang="en-US"/>
           </a:p>
@@ -2732,7 +2650,7 @@
           <a:p>
             <a:fld id="{F9B72CBB-1288-4842-AA06-310D4B843B5A}" type="datetimeFigureOut">
               <a:rPr lang="en-US" smtClean="0"/>
-              <a:t>11/26/2017</a:t>
+              <a:t>11/29/2017</a:t>
             </a:fld>
             <a:endParaRPr lang="en-US"/>
           </a:p>
@@ -2985,7 +2903,7 @@
           <a:p>
             <a:fld id="{F9B72CBB-1288-4842-AA06-310D4B843B5A}" type="datetimeFigureOut">
               <a:rPr lang="en-US" smtClean="0"/>
-              <a:t>11/26/2017</a:t>
+              <a:t>11/29/2017</a:t>
             </a:fld>
             <a:endParaRPr lang="en-US"/>
           </a:p>
@@ -3198,7 +3116,7 @@
           <a:p>
             <a:fld id="{F9B72CBB-1288-4842-AA06-310D4B843B5A}" type="datetimeFigureOut">
               <a:rPr lang="en-US" smtClean="0"/>
-              <a:t>11/26/2017</a:t>
+              <a:t>11/29/2017</a:t>
             </a:fld>
             <a:endParaRPr lang="en-US"/>
           </a:p>
@@ -3730,9 +3648,84 @@
           <a:chExt cx="0" cy="0"/>
         </a:xfrm>
       </p:grpSpPr>
+      <p:sp>
+        <p:nvSpPr>
+          <p:cNvPr id="2" name="Title 1"/>
+          <p:cNvSpPr>
+            <a:spLocks noGrp="1"/>
+          </p:cNvSpPr>
+          <p:nvPr>
+            <p:ph type="title"/>
+          </p:nvPr>
+        </p:nvSpPr>
+        <p:spPr/>
+        <p:txBody>
+          <a:bodyPr>
+            <a:normAutofit/>
+          </a:bodyPr>
+          <a:lstStyle/>
+          <a:p>
+            <a:r>
+              <a:rPr lang="en-US" sz="2800" dirty="0"/>
+              <a:t>Peripheral memory write – No error, cache miss/ cache hit clean</a:t>
+            </a:r>
+          </a:p>
+        </p:txBody>
+      </p:sp>
+      <p:sp>
+        <p:nvSpPr>
+          <p:cNvPr id="6" name="TextBox 5"/>
+          <p:cNvSpPr txBox="1"/>
+          <p:nvPr/>
+        </p:nvSpPr>
+        <p:spPr>
+          <a:xfrm>
+            <a:off x="1080654" y="1690688"/>
+            <a:ext cx="10740044" cy="1815882"/>
+          </a:xfrm>
+          <a:prstGeom prst="rect">
+            <a:avLst/>
+          </a:prstGeom>
+          <a:noFill/>
+        </p:spPr>
+        <p:txBody>
+          <a:bodyPr wrap="square" rtlCol="0">
+            <a:spAutoFit/>
+          </a:bodyPr>
+          <a:lstStyle/>
+          <a:p>
+            <a:pPr marL="285750" indent="-285750">
+              <a:buFont typeface="Arial" panose="020B0604020202020204" pitchFamily="34" charset="0"/>
+              <a:buChar char="•"/>
+            </a:pPr>
+            <a:endParaRPr lang="en-US" sz="2800" dirty="0" smtClean="0"/>
+          </a:p>
+          <a:p>
+            <a:pPr marL="285750" indent="-285750">
+              <a:buFont typeface="Arial" panose="020B0604020202020204" pitchFamily="34" charset="0"/>
+              <a:buChar char="•"/>
+            </a:pPr>
+            <a:endParaRPr lang="en-US" sz="2800" dirty="0" smtClean="0"/>
+          </a:p>
+          <a:p>
+            <a:pPr marL="285750" indent="-285750">
+              <a:buFont typeface="Arial" panose="020B0604020202020204" pitchFamily="34" charset="0"/>
+              <a:buChar char="•"/>
+            </a:pPr>
+            <a:endParaRPr lang="en-US" sz="2800" dirty="0" smtClean="0"/>
+          </a:p>
+          <a:p>
+            <a:pPr marL="285750" indent="-285750">
+              <a:buFont typeface="Arial" panose="020B0604020202020204" pitchFamily="34" charset="0"/>
+              <a:buChar char="•"/>
+            </a:pPr>
+            <a:endParaRPr lang="en-US" sz="2800" dirty="0"/>
+          </a:p>
+        </p:txBody>
+      </p:sp>
       <p:pic>
         <p:nvPicPr>
-          <p:cNvPr id="9" name="Picture 8"/>
+          <p:cNvPr id="5" name="Picture 4"/>
           <p:cNvPicPr>
             <a:picLocks noChangeAspect="1"/>
           </p:cNvPicPr>
@@ -3746,531 +3739,18 @@
         </p:blipFill>
         <p:spPr>
           <a:xfrm>
-            <a:off x="671680" y="1430077"/>
-            <a:ext cx="8285831" cy="5205663"/>
+            <a:off x="1080654" y="1415617"/>
+            <a:ext cx="9110911" cy="5075485"/>
           </a:xfrm>
           <a:prstGeom prst="rect">
             <a:avLst/>
           </a:prstGeom>
         </p:spPr>
       </p:pic>
-      <p:sp>
-        <p:nvSpPr>
-          <p:cNvPr id="2" name="Title 1"/>
-          <p:cNvSpPr txBox="1">
-            <a:spLocks/>
-          </p:cNvSpPr>
-          <p:nvPr/>
-        </p:nvSpPr>
-        <p:spPr>
-          <a:xfrm>
-            <a:off x="838200" y="213234"/>
-            <a:ext cx="10515600" cy="1325563"/>
-          </a:xfrm>
-          <a:prstGeom prst="rect">
-            <a:avLst/>
-          </a:prstGeom>
-        </p:spPr>
-        <p:txBody>
-          <a:bodyPr/>
-          <a:lstStyle>
-            <a:lvl1pPr algn="l" defTabSz="914400" rtl="0" eaLnBrk="1" latinLnBrk="0" hangingPunct="1">
-              <a:lnSpc>
-                <a:spcPct val="90000"/>
-              </a:lnSpc>
-              <a:spcBef>
-                <a:spcPct val="0"/>
-              </a:spcBef>
-              <a:buNone/>
-              <a:defRPr sz="4400" kern="1200">
-                <a:solidFill>
-                  <a:schemeClr val="tx1"/>
-                </a:solidFill>
-                <a:latin typeface="+mj-lt"/>
-                <a:ea typeface="+mj-ea"/>
-                <a:cs typeface="+mj-cs"/>
-              </a:defRPr>
-            </a:lvl1pPr>
-          </a:lstStyle>
-          <a:p>
-            <a:r>
-              <a:rPr lang="en-US" dirty="0" smtClean="0"/>
-              <a:t>Decoder MCP</a:t>
-            </a:r>
-            <a:endParaRPr lang="en-US" dirty="0"/>
-          </a:p>
-        </p:txBody>
-      </p:sp>
-      <p:sp>
-        <p:nvSpPr>
-          <p:cNvPr id="4" name="TextBox 3"/>
-          <p:cNvSpPr txBox="1"/>
-          <p:nvPr/>
-        </p:nvSpPr>
-        <p:spPr>
-          <a:xfrm>
-            <a:off x="249354" y="5795250"/>
-            <a:ext cx="1413528" cy="369332"/>
-          </a:xfrm>
-          <a:prstGeom prst="rect">
-            <a:avLst/>
-          </a:prstGeom>
-          <a:noFill/>
-        </p:spPr>
-        <p:txBody>
-          <a:bodyPr wrap="none" rtlCol="0">
-            <a:spAutoFit/>
-          </a:bodyPr>
-          <a:lstStyle/>
-          <a:p>
-            <a:r>
-              <a:rPr lang="en-US" dirty="0" smtClean="0">
-                <a:solidFill>
-                  <a:schemeClr val="accent2">
-                    <a:lumMod val="75000"/>
-                  </a:schemeClr>
-                </a:solidFill>
-              </a:rPr>
-              <a:t>UART control</a:t>
-            </a:r>
-            <a:endParaRPr lang="en-US" dirty="0">
-              <a:solidFill>
-                <a:schemeClr val="accent2">
-                  <a:lumMod val="75000"/>
-                </a:schemeClr>
-              </a:solidFill>
-            </a:endParaRPr>
-          </a:p>
-        </p:txBody>
-      </p:sp>
-      <p:sp>
-        <p:nvSpPr>
-          <p:cNvPr id="6" name="TextBox 5"/>
-          <p:cNvSpPr txBox="1"/>
-          <p:nvPr/>
-        </p:nvSpPr>
-        <p:spPr>
-          <a:xfrm>
-            <a:off x="325611" y="1060745"/>
-            <a:ext cx="6757043" cy="369332"/>
-          </a:xfrm>
-          <a:prstGeom prst="rect">
-            <a:avLst/>
-          </a:prstGeom>
-          <a:noFill/>
-        </p:spPr>
-        <p:txBody>
-          <a:bodyPr wrap="none" rtlCol="0">
-            <a:spAutoFit/>
-          </a:bodyPr>
-          <a:lstStyle/>
-          <a:p>
-            <a:r>
-              <a:rPr lang="en-US" dirty="0" err="1" smtClean="0"/>
-              <a:t>iMsg</a:t>
-            </a:r>
-            <a:r>
-              <a:rPr lang="en-US" dirty="0" smtClean="0"/>
-              <a:t> </a:t>
-            </a:r>
-            <a:r>
-              <a:rPr lang="en-US" dirty="0"/>
-              <a:t>= {</a:t>
-            </a:r>
-            <a:r>
-              <a:rPr lang="en-US" dirty="0">
-                <a:solidFill>
-                  <a:srgbClr val="00B050"/>
-                </a:solidFill>
-              </a:rPr>
-              <a:t>8'h0F</a:t>
-            </a:r>
-            <a:r>
-              <a:rPr lang="en-US" dirty="0"/>
-              <a:t>, </a:t>
-            </a:r>
-            <a:r>
-              <a:rPr lang="en-US" dirty="0" err="1">
-                <a:solidFill>
-                  <a:schemeClr val="accent2">
-                    <a:lumMod val="75000"/>
-                  </a:schemeClr>
-                </a:solidFill>
-              </a:rPr>
-              <a:t>iInstruction</a:t>
-            </a:r>
-            <a:r>
-              <a:rPr lang="en-US" dirty="0"/>
-              <a:t>, </a:t>
-            </a:r>
-            <a:r>
-              <a:rPr lang="en-US" dirty="0" err="1">
-                <a:solidFill>
-                  <a:schemeClr val="accent1">
-                    <a:lumMod val="75000"/>
-                  </a:schemeClr>
-                </a:solidFill>
-              </a:rPr>
-              <a:t>iData</a:t>
-            </a:r>
-            <a:r>
-              <a:rPr lang="en-US" dirty="0">
-                <a:solidFill>
-                  <a:schemeClr val="accent1">
-                    <a:lumMod val="75000"/>
-                  </a:schemeClr>
-                </a:solidFill>
-              </a:rPr>
-              <a:t>, </a:t>
-            </a:r>
-            <a:r>
-              <a:rPr lang="en-US" dirty="0" err="1">
-                <a:solidFill>
-                  <a:schemeClr val="accent1">
-                    <a:lumMod val="75000"/>
-                  </a:schemeClr>
-                </a:solidFill>
-              </a:rPr>
-              <a:t>iAddr</a:t>
-            </a:r>
-            <a:r>
-              <a:rPr lang="en-US" dirty="0"/>
-              <a:t>, </a:t>
-            </a:r>
-            <a:r>
-              <a:rPr lang="en-US" dirty="0">
-                <a:solidFill>
-                  <a:srgbClr val="FFC000"/>
-                </a:solidFill>
-              </a:rPr>
-              <a:t>7'b0, </a:t>
-            </a:r>
-            <a:r>
-              <a:rPr lang="en-US" dirty="0" err="1">
-                <a:solidFill>
-                  <a:srgbClr val="FFC000"/>
-                </a:solidFill>
-              </a:rPr>
-              <a:t>iError</a:t>
-            </a:r>
-            <a:r>
-              <a:rPr lang="en-US" dirty="0"/>
-              <a:t>, </a:t>
-            </a:r>
-            <a:r>
-              <a:rPr lang="en-US" dirty="0">
-                <a:solidFill>
-                  <a:srgbClr val="00B050"/>
-                </a:solidFill>
-              </a:rPr>
-              <a:t>8'hF0</a:t>
-            </a:r>
-            <a:r>
-              <a:rPr lang="en-US" dirty="0" smtClean="0"/>
-              <a:t>}; from UART</a:t>
-            </a:r>
-            <a:endParaRPr lang="en-US" dirty="0"/>
-          </a:p>
-        </p:txBody>
-      </p:sp>
-      <p:sp>
-        <p:nvSpPr>
-          <p:cNvPr id="7" name="TextBox 6"/>
-          <p:cNvSpPr txBox="1"/>
-          <p:nvPr/>
-        </p:nvSpPr>
-        <p:spPr>
-          <a:xfrm>
-            <a:off x="2647976" y="4438783"/>
-            <a:ext cx="1711912" cy="646331"/>
-          </a:xfrm>
-          <a:prstGeom prst="rect">
-            <a:avLst/>
-          </a:prstGeom>
-          <a:noFill/>
-        </p:spPr>
-        <p:txBody>
-          <a:bodyPr wrap="square" rtlCol="0">
-            <a:spAutoFit/>
-          </a:bodyPr>
-          <a:lstStyle/>
-          <a:p>
-            <a:r>
-              <a:rPr lang="en-US" dirty="0" smtClean="0">
-                <a:solidFill>
-                  <a:schemeClr val="accent2">
-                    <a:lumMod val="75000"/>
-                  </a:schemeClr>
-                </a:solidFill>
-              </a:rPr>
-              <a:t>Instruction decode</a:t>
-            </a:r>
-            <a:endParaRPr lang="en-US" dirty="0">
-              <a:solidFill>
-                <a:schemeClr val="accent2">
-                  <a:lumMod val="75000"/>
-                </a:schemeClr>
-              </a:solidFill>
-            </a:endParaRPr>
-          </a:p>
-        </p:txBody>
-      </p:sp>
-      <p:sp>
-        <p:nvSpPr>
-          <p:cNvPr id="11" name="TextBox 10"/>
-          <p:cNvSpPr txBox="1"/>
-          <p:nvPr/>
-        </p:nvSpPr>
-        <p:spPr>
-          <a:xfrm>
-            <a:off x="7161434" y="2286152"/>
-            <a:ext cx="4708725" cy="369332"/>
-          </a:xfrm>
-          <a:prstGeom prst="rect">
-            <a:avLst/>
-          </a:prstGeom>
-          <a:noFill/>
-        </p:spPr>
-        <p:txBody>
-          <a:bodyPr wrap="none" rtlCol="0">
-            <a:spAutoFit/>
-          </a:bodyPr>
-          <a:lstStyle/>
-          <a:p>
-            <a:r>
-              <a:rPr lang="en-US" dirty="0" smtClean="0">
-                <a:solidFill>
-                  <a:schemeClr val="accent2">
-                    <a:lumMod val="75000"/>
-                  </a:schemeClr>
-                </a:solidFill>
-              </a:rPr>
-              <a:t>ACK flag if read or write transaction is successful</a:t>
-            </a:r>
-            <a:endParaRPr lang="en-US" dirty="0">
-              <a:solidFill>
-                <a:schemeClr val="accent2">
-                  <a:lumMod val="75000"/>
-                </a:schemeClr>
-              </a:solidFill>
-            </a:endParaRPr>
-          </a:p>
-        </p:txBody>
-      </p:sp>
-      <p:sp>
-        <p:nvSpPr>
-          <p:cNvPr id="15" name="TextBox 14"/>
-          <p:cNvSpPr txBox="1"/>
-          <p:nvPr/>
-        </p:nvSpPr>
-        <p:spPr>
-          <a:xfrm>
-            <a:off x="9114782" y="4290938"/>
-            <a:ext cx="2755377" cy="1200329"/>
-          </a:xfrm>
-          <a:prstGeom prst="rect">
-            <a:avLst/>
-          </a:prstGeom>
-          <a:noFill/>
-        </p:spPr>
-        <p:txBody>
-          <a:bodyPr wrap="square" rtlCol="0">
-            <a:spAutoFit/>
-          </a:bodyPr>
-          <a:lstStyle/>
-          <a:p>
-            <a:r>
-              <a:rPr lang="en-US" dirty="0" smtClean="0">
-                <a:solidFill>
-                  <a:schemeClr val="accent2">
-                    <a:lumMod val="75000"/>
-                  </a:schemeClr>
-                </a:solidFill>
-              </a:rPr>
-              <a:t>Data to Peripheral, MC will reply with data read or written peripheral will process accordingly.</a:t>
-            </a:r>
-            <a:endParaRPr lang="en-US" dirty="0">
-              <a:solidFill>
-                <a:schemeClr val="accent2">
-                  <a:lumMod val="75000"/>
-                </a:schemeClr>
-              </a:solidFill>
-            </a:endParaRPr>
-          </a:p>
-        </p:txBody>
-      </p:sp>
-      <p:sp>
-        <p:nvSpPr>
-          <p:cNvPr id="16" name="TextBox 15"/>
-          <p:cNvSpPr txBox="1"/>
-          <p:nvPr/>
-        </p:nvSpPr>
-        <p:spPr>
-          <a:xfrm>
-            <a:off x="2367240" y="2143465"/>
-            <a:ext cx="1711912" cy="646331"/>
-          </a:xfrm>
-          <a:prstGeom prst="rect">
-            <a:avLst/>
-          </a:prstGeom>
-          <a:noFill/>
-        </p:spPr>
-        <p:txBody>
-          <a:bodyPr wrap="square" rtlCol="0">
-            <a:spAutoFit/>
-          </a:bodyPr>
-          <a:lstStyle/>
-          <a:p>
-            <a:r>
-              <a:rPr lang="en-US" dirty="0" smtClean="0">
-                <a:solidFill>
-                  <a:schemeClr val="accent2">
-                    <a:lumMod val="75000"/>
-                  </a:schemeClr>
-                </a:solidFill>
-              </a:rPr>
-              <a:t>Instruction decode</a:t>
-            </a:r>
-            <a:endParaRPr lang="en-US" dirty="0">
-              <a:solidFill>
-                <a:schemeClr val="accent2">
-                  <a:lumMod val="75000"/>
-                </a:schemeClr>
-              </a:solidFill>
-            </a:endParaRPr>
-          </a:p>
-        </p:txBody>
-      </p:sp>
-      <p:sp>
-        <p:nvSpPr>
-          <p:cNvPr id="17" name="TextBox 16"/>
-          <p:cNvSpPr txBox="1"/>
-          <p:nvPr/>
-        </p:nvSpPr>
-        <p:spPr>
-          <a:xfrm>
-            <a:off x="2800376" y="3398218"/>
-            <a:ext cx="1711912" cy="646331"/>
-          </a:xfrm>
-          <a:prstGeom prst="rect">
-            <a:avLst/>
-          </a:prstGeom>
-          <a:noFill/>
-        </p:spPr>
-        <p:txBody>
-          <a:bodyPr wrap="square" rtlCol="0">
-            <a:spAutoFit/>
-          </a:bodyPr>
-          <a:lstStyle/>
-          <a:p>
-            <a:r>
-              <a:rPr lang="en-US" dirty="0" smtClean="0">
-                <a:solidFill>
-                  <a:schemeClr val="accent2">
-                    <a:lumMod val="75000"/>
-                  </a:schemeClr>
-                </a:solidFill>
-              </a:rPr>
-              <a:t>Instruction decode</a:t>
-            </a:r>
-            <a:endParaRPr lang="en-US" dirty="0">
-              <a:solidFill>
-                <a:schemeClr val="accent2">
-                  <a:lumMod val="75000"/>
-                </a:schemeClr>
-              </a:solidFill>
-            </a:endParaRPr>
-          </a:p>
-        </p:txBody>
-      </p:sp>
-      <p:sp>
-        <p:nvSpPr>
-          <p:cNvPr id="18" name="TextBox 17"/>
-          <p:cNvSpPr txBox="1"/>
-          <p:nvPr/>
-        </p:nvSpPr>
-        <p:spPr>
-          <a:xfrm>
-            <a:off x="7383190" y="3398218"/>
-            <a:ext cx="4486970" cy="646331"/>
-          </a:xfrm>
-          <a:prstGeom prst="rect">
-            <a:avLst/>
-          </a:prstGeom>
-          <a:noFill/>
-        </p:spPr>
-        <p:txBody>
-          <a:bodyPr wrap="square" rtlCol="0">
-            <a:spAutoFit/>
-          </a:bodyPr>
-          <a:lstStyle/>
-          <a:p>
-            <a:r>
-              <a:rPr lang="en-US" dirty="0" smtClean="0">
-                <a:solidFill>
-                  <a:schemeClr val="accent2">
-                    <a:lumMod val="75000"/>
-                  </a:schemeClr>
-                </a:solidFill>
-              </a:rPr>
-              <a:t>Retry flag, Peripheral will retry same message until ACK is received</a:t>
-            </a:r>
-            <a:endParaRPr lang="en-US" dirty="0">
-              <a:solidFill>
-                <a:schemeClr val="accent2">
-                  <a:lumMod val="75000"/>
-                </a:schemeClr>
-              </a:solidFill>
-            </a:endParaRPr>
-          </a:p>
-        </p:txBody>
-      </p:sp>
-      <p:sp>
-        <p:nvSpPr>
-          <p:cNvPr id="19" name="TextBox 18"/>
-          <p:cNvSpPr txBox="1"/>
-          <p:nvPr/>
-        </p:nvSpPr>
-        <p:spPr>
-          <a:xfrm>
-            <a:off x="7383190" y="5795250"/>
-            <a:ext cx="4486970" cy="646331"/>
-          </a:xfrm>
-          <a:prstGeom prst="rect">
-            <a:avLst/>
-          </a:prstGeom>
-          <a:noFill/>
-        </p:spPr>
-        <p:txBody>
-          <a:bodyPr wrap="square" rtlCol="0">
-            <a:spAutoFit/>
-          </a:bodyPr>
-          <a:lstStyle/>
-          <a:p>
-            <a:r>
-              <a:rPr lang="en-US" dirty="0" smtClean="0">
-                <a:solidFill>
-                  <a:schemeClr val="accent2">
-                    <a:lumMod val="75000"/>
-                  </a:schemeClr>
-                </a:solidFill>
-              </a:rPr>
-              <a:t>Wait flag – Bus is busy, Peripheral will retry same message until ACK is received</a:t>
-            </a:r>
-            <a:endParaRPr lang="en-US" dirty="0">
-              <a:solidFill>
-                <a:schemeClr val="accent2">
-                  <a:lumMod val="75000"/>
-                </a:schemeClr>
-              </a:solidFill>
-            </a:endParaRPr>
-          </a:p>
-        </p:txBody>
-      </p:sp>
     </p:spTree>
     <p:extLst>
       <p:ext uri="{BB962C8B-B14F-4D97-AF65-F5344CB8AC3E}">
-        <p14:creationId xmlns:p14="http://schemas.microsoft.com/office/powerpoint/2010/main" val="2931732075"/>
+        <p14:creationId xmlns:p14="http://schemas.microsoft.com/office/powerpoint/2010/main" val="1281530610"/>
       </p:ext>
     </p:extLst>
   </p:cSld>
@@ -4309,280 +3789,51 @@
         </p:nvSpPr>
         <p:spPr/>
         <p:txBody>
-          <a:bodyPr/>
-          <a:lstStyle/>
-          <a:p>
-            <a:r>
-              <a:rPr lang="en-US" dirty="0" smtClean="0"/>
-              <a:t>Peripheral component – Verification cases</a:t>
-            </a:r>
-            <a:endParaRPr lang="en-US" dirty="0"/>
-          </a:p>
-        </p:txBody>
-      </p:sp>
-      <p:sp>
-        <p:nvSpPr>
-          <p:cNvPr id="6" name="TextBox 5"/>
-          <p:cNvSpPr txBox="1"/>
-          <p:nvPr/>
-        </p:nvSpPr>
-        <p:spPr>
-          <a:xfrm>
-            <a:off x="1080654" y="1690688"/>
-            <a:ext cx="10740044" cy="6124754"/>
+          <a:bodyPr>
+            <a:normAutofit/>
+          </a:bodyPr>
+          <a:lstStyle/>
+          <a:p>
+            <a:r>
+              <a:rPr lang="en-US" sz="2800" dirty="0"/>
+              <a:t>Peripheral memory </a:t>
+            </a:r>
+            <a:r>
+              <a:rPr lang="en-US" sz="2800" dirty="0" smtClean="0"/>
+              <a:t>Read–error: retry message from MC, successful retry</a:t>
+            </a:r>
+            <a:endParaRPr lang="en-US" sz="2800" dirty="0"/>
+          </a:p>
+        </p:txBody>
+      </p:sp>
+      <p:pic>
+        <p:nvPicPr>
+          <p:cNvPr id="3" name="Picture 2"/>
+          <p:cNvPicPr>
+            <a:picLocks noChangeAspect="1"/>
+          </p:cNvPicPr>
+          <p:nvPr/>
+        </p:nvPicPr>
+        <p:blipFill>
+          <a:blip r:embed="rId2"/>
+          <a:stretch>
+            <a:fillRect/>
+          </a:stretch>
+        </p:blipFill>
+        <p:spPr>
+          <a:xfrm>
+            <a:off x="168675" y="1624613"/>
+            <a:ext cx="11701353" cy="3928978"/>
           </a:xfrm>
           <a:prstGeom prst="rect">
             <a:avLst/>
           </a:prstGeom>
-          <a:noFill/>
-        </p:spPr>
-        <p:txBody>
-          <a:bodyPr wrap="square" rtlCol="0">
-            <a:spAutoFit/>
-          </a:bodyPr>
-          <a:lstStyle/>
-          <a:p>
-            <a:pPr marL="285750" indent="-285750">
-              <a:buFont typeface="Arial" panose="020B0604020202020204" pitchFamily="34" charset="0"/>
-              <a:buChar char="•"/>
-            </a:pPr>
-            <a:r>
-              <a:rPr lang="en-US" sz="2800" dirty="0" smtClean="0"/>
-              <a:t>Peripheral memory read – No error, cache miss/ cache hit clean</a:t>
-            </a:r>
-          </a:p>
-          <a:p>
-            <a:pPr marL="285750" indent="-285750">
-              <a:buFont typeface="Arial" panose="020B0604020202020204" pitchFamily="34" charset="0"/>
-              <a:buChar char="•"/>
-            </a:pPr>
-            <a:r>
-              <a:rPr lang="en-US" sz="2800" dirty="0" smtClean="0"/>
-              <a:t>Peripheral memory write – No error, cache miss/ cache hit clean</a:t>
-            </a:r>
-          </a:p>
-          <a:p>
-            <a:pPr marL="285750" indent="-285750">
-              <a:buFont typeface="Arial" panose="020B0604020202020204" pitchFamily="34" charset="0"/>
-              <a:buChar char="•"/>
-            </a:pPr>
-            <a:r>
-              <a:rPr lang="en-US" sz="2800" dirty="0" smtClean="0"/>
-              <a:t>Peripheral memory read – No error, cache hit Modified with retry</a:t>
-            </a:r>
-          </a:p>
-          <a:p>
-            <a:pPr marL="285750" indent="-285750">
-              <a:buFont typeface="Arial" panose="020B0604020202020204" pitchFamily="34" charset="0"/>
-              <a:buChar char="•"/>
-            </a:pPr>
-            <a:r>
-              <a:rPr lang="en-US" sz="2800" dirty="0" smtClean="0"/>
-              <a:t>Peripheral memory write – No error, cache hit Modified with retry </a:t>
-            </a:r>
-          </a:p>
-          <a:p>
-            <a:pPr marL="285750" indent="-285750">
-              <a:buFont typeface="Arial" panose="020B0604020202020204" pitchFamily="34" charset="0"/>
-              <a:buChar char="•"/>
-            </a:pPr>
-            <a:r>
-              <a:rPr lang="en-US" sz="2800" dirty="0" smtClean="0"/>
-              <a:t>Peripheral memory read – Error</a:t>
-            </a:r>
-          </a:p>
-          <a:p>
-            <a:pPr marL="285750" indent="-285750">
-              <a:buFont typeface="Arial" panose="020B0604020202020204" pitchFamily="34" charset="0"/>
-              <a:buChar char="•"/>
-            </a:pPr>
-            <a:r>
-              <a:rPr lang="en-US" sz="2800" dirty="0" smtClean="0"/>
-              <a:t>Peripheral memory write – Error</a:t>
-            </a:r>
-          </a:p>
-          <a:p>
-            <a:pPr marL="285750" indent="-285750">
-              <a:buFont typeface="Arial" panose="020B0604020202020204" pitchFamily="34" charset="0"/>
-              <a:buChar char="•"/>
-            </a:pPr>
-            <a:r>
-              <a:rPr lang="en-US" sz="2800" dirty="0" smtClean="0"/>
-              <a:t>Peripheral tries to read/write but bus held by MC.</a:t>
-            </a:r>
-          </a:p>
-          <a:p>
-            <a:pPr marL="285750" indent="-285750">
-              <a:buFont typeface="Arial" panose="020B0604020202020204" pitchFamily="34" charset="0"/>
-              <a:buChar char="•"/>
-            </a:pPr>
-            <a:r>
-              <a:rPr lang="en-US" sz="2800" dirty="0" smtClean="0"/>
-              <a:t>Peripheral tries to read/write but bus held by CPU, thru MC.</a:t>
-            </a:r>
-          </a:p>
-          <a:p>
-            <a:pPr marL="285750" indent="-285750">
-              <a:buFont typeface="Arial" panose="020B0604020202020204" pitchFamily="34" charset="0"/>
-              <a:buChar char="•"/>
-            </a:pPr>
-            <a:endParaRPr lang="en-US" sz="2800" dirty="0" smtClean="0"/>
-          </a:p>
-          <a:p>
-            <a:pPr marL="285750" indent="-285750">
-              <a:buFont typeface="Arial" panose="020B0604020202020204" pitchFamily="34" charset="0"/>
-              <a:buChar char="•"/>
-            </a:pPr>
-            <a:endParaRPr lang="en-US" sz="2800" dirty="0" smtClean="0"/>
-          </a:p>
-          <a:p>
-            <a:pPr marL="285750" indent="-285750">
-              <a:buFont typeface="Arial" panose="020B0604020202020204" pitchFamily="34" charset="0"/>
-              <a:buChar char="•"/>
-            </a:pPr>
-            <a:endParaRPr lang="en-US" sz="2800" dirty="0" smtClean="0"/>
-          </a:p>
-          <a:p>
-            <a:pPr marL="285750" indent="-285750">
-              <a:buFont typeface="Arial" panose="020B0604020202020204" pitchFamily="34" charset="0"/>
-              <a:buChar char="•"/>
-            </a:pPr>
-            <a:endParaRPr lang="en-US" sz="2800" dirty="0" smtClean="0"/>
-          </a:p>
-          <a:p>
-            <a:pPr marL="285750" indent="-285750">
-              <a:buFont typeface="Arial" panose="020B0604020202020204" pitchFamily="34" charset="0"/>
-              <a:buChar char="•"/>
-            </a:pPr>
-            <a:endParaRPr lang="en-US" sz="2800" dirty="0" smtClean="0"/>
-          </a:p>
-          <a:p>
-            <a:pPr marL="285750" indent="-285750">
-              <a:buFont typeface="Arial" panose="020B0604020202020204" pitchFamily="34" charset="0"/>
-              <a:buChar char="•"/>
-            </a:pPr>
-            <a:endParaRPr lang="en-US" sz="2800" dirty="0"/>
-          </a:p>
-        </p:txBody>
-      </p:sp>
-      <p:graphicFrame>
-        <p:nvGraphicFramePr>
-          <p:cNvPr id="3" name="Object 2"/>
-          <p:cNvGraphicFramePr>
-            <a:graphicFrameLocks noChangeAspect="1"/>
-          </p:cNvGraphicFramePr>
-          <p:nvPr>
-            <p:extLst>
-              <p:ext uri="{D42A27DB-BD31-4B8C-83A1-F6EECF244321}">
-                <p14:modId xmlns:p14="http://schemas.microsoft.com/office/powerpoint/2010/main" val="4252438361"/>
-              </p:ext>
-            </p:extLst>
-          </p:nvPr>
-        </p:nvGraphicFramePr>
-        <p:xfrm>
-          <a:off x="98425" y="98425"/>
-          <a:ext cx="1068388" cy="514350"/>
-        </p:xfrm>
-        <a:graphic>
-          <a:graphicData uri="http://schemas.openxmlformats.org/presentationml/2006/ole">
-            <mc:AlternateContent xmlns:mc="http://schemas.openxmlformats.org/markup-compatibility/2006">
-              <mc:Choice xmlns:v="urn:schemas-microsoft-com:vml" Requires="v">
-                <p:oleObj spid="_x0000_s1058" name="Packager Shell Object" showAsIcon="1" r:id="rId3" imgW="1068840" imgH="514800" progId="Package">
-                  <p:embed/>
-                </p:oleObj>
-              </mc:Choice>
-              <mc:Fallback>
-                <p:oleObj name="Packager Shell Object" showAsIcon="1" r:id="rId3" imgW="1068840" imgH="514800" progId="Package">
-                  <p:embed/>
-                  <p:pic>
-                    <p:nvPicPr>
-                      <p:cNvPr id="0" name=""/>
-                      <p:cNvPicPr/>
-                      <p:nvPr/>
-                    </p:nvPicPr>
-                    <p:blipFill>
-                      <a:blip r:embed="rId4"/>
-                      <a:stretch>
-                        <a:fillRect/>
-                      </a:stretch>
-                    </p:blipFill>
-                    <p:spPr>
-                      <a:xfrm>
-                        <a:off x="98425" y="98425"/>
-                        <a:ext cx="1068388" cy="514350"/>
-                      </a:xfrm>
-                      <a:prstGeom prst="rect">
-                        <a:avLst/>
-                      </a:prstGeom>
-                    </p:spPr>
-                  </p:pic>
-                </p:oleObj>
-              </mc:Fallback>
-            </mc:AlternateContent>
-          </a:graphicData>
-        </a:graphic>
-      </p:graphicFrame>
-      <p:graphicFrame>
-        <p:nvGraphicFramePr>
-          <p:cNvPr id="4" name="Object 3"/>
-          <p:cNvGraphicFramePr>
-            <a:graphicFrameLocks noChangeAspect="1"/>
-          </p:cNvGraphicFramePr>
-          <p:nvPr>
-            <p:extLst>
-              <p:ext uri="{D42A27DB-BD31-4B8C-83A1-F6EECF244321}">
-                <p14:modId xmlns:p14="http://schemas.microsoft.com/office/powerpoint/2010/main" val="3844528695"/>
-              </p:ext>
-            </p:extLst>
-          </p:nvPr>
-        </p:nvGraphicFramePr>
-        <p:xfrm>
-          <a:off x="196850" y="196850"/>
-          <a:ext cx="1068388" cy="514350"/>
-        </p:xfrm>
-        <a:graphic>
-          <a:graphicData uri="http://schemas.openxmlformats.org/presentationml/2006/ole">
-            <mc:AlternateContent xmlns:mc="http://schemas.openxmlformats.org/markup-compatibility/2006">
-              <mc:Choice xmlns:v="urn:schemas-microsoft-com:vml" Requires="v">
-                <p:oleObj spid="_x0000_s1059" name="Packager Shell Object" showAsIcon="1" r:id="rId5" imgW="1068840" imgH="514800" progId="Package">
-                  <p:embed/>
-                </p:oleObj>
-              </mc:Choice>
-              <mc:Fallback>
-                <p:oleObj name="Packager Shell Object" showAsIcon="1" r:id="rId5" imgW="1068840" imgH="514800" progId="Package">
-                  <p:embed/>
-                  <p:pic>
-                    <p:nvPicPr>
-                      <p:cNvPr id="0" name=""/>
-                      <p:cNvPicPr/>
-                      <p:nvPr/>
-                    </p:nvPicPr>
-                    <p:blipFill>
-                      <a:blip r:embed="rId6"/>
-                      <a:stretch>
-                        <a:fillRect/>
-                      </a:stretch>
-                    </p:blipFill>
-                    <p:spPr>
-                      <a:xfrm>
-                        <a:off x="196850" y="196850"/>
-                        <a:ext cx="1068388" cy="514350"/>
-                      </a:xfrm>
-                      <a:prstGeom prst="rect">
-                        <a:avLst/>
-                      </a:prstGeom>
-                    </p:spPr>
-                  </p:pic>
-                </p:oleObj>
-              </mc:Fallback>
-            </mc:AlternateContent>
-          </a:graphicData>
-        </a:graphic>
-      </p:graphicFrame>
+        </p:spPr>
+      </p:pic>
     </p:spTree>
     <p:extLst>
       <p:ext uri="{BB962C8B-B14F-4D97-AF65-F5344CB8AC3E}">
-        <p14:creationId xmlns:p14="http://schemas.microsoft.com/office/powerpoint/2010/main" val="1587516871"/>
+        <p14:creationId xmlns:p14="http://schemas.microsoft.com/office/powerpoint/2010/main" val="1996414860"/>
       </p:ext>
     </p:extLst>
   </p:cSld>
@@ -4621,18 +3872,98 @@
         </p:nvSpPr>
         <p:spPr/>
         <p:txBody>
-          <a:bodyPr>
-            <a:normAutofit/>
-          </a:bodyPr>
-          <a:lstStyle/>
-          <a:p>
-            <a:r>
-              <a:rPr lang="en-US" sz="2800" dirty="0"/>
-              <a:t>Peripheral memory write – No error, cache miss/ cache hit clean</a:t>
-            </a:r>
-          </a:p>
-        </p:txBody>
-      </p:sp>
+          <a:bodyPr/>
+          <a:lstStyle/>
+          <a:p>
+            <a:r>
+              <a:rPr lang="en-US" dirty="0" smtClean="0"/>
+              <a:t>Main Memory</a:t>
+            </a:r>
+            <a:endParaRPr lang="en-US" dirty="0"/>
+          </a:p>
+        </p:txBody>
+      </p:sp>
+      <p:sp>
+        <p:nvSpPr>
+          <p:cNvPr id="4" name="Rectangle 3"/>
+          <p:cNvSpPr/>
+          <p:nvPr/>
+        </p:nvSpPr>
+        <p:spPr>
+          <a:xfrm>
+            <a:off x="3672378" y="2923656"/>
+            <a:ext cx="3690851" cy="2859578"/>
+          </a:xfrm>
+          <a:prstGeom prst="rect">
+            <a:avLst/>
+          </a:prstGeom>
+          <a:solidFill>
+            <a:schemeClr val="tx2"/>
+          </a:solidFill>
+        </p:spPr>
+        <p:style>
+          <a:lnRef idx="2">
+            <a:schemeClr val="accent1">
+              <a:shade val="50000"/>
+            </a:schemeClr>
+          </a:lnRef>
+          <a:fillRef idx="1">
+            <a:schemeClr val="accent1"/>
+          </a:fillRef>
+          <a:effectRef idx="0">
+            <a:schemeClr val="accent1"/>
+          </a:effectRef>
+          <a:fontRef idx="minor">
+            <a:schemeClr val="lt1"/>
+          </a:fontRef>
+        </p:style>
+        <p:txBody>
+          <a:bodyPr rtlCol="0" anchor="ctr"/>
+          <a:lstStyle/>
+          <a:p>
+            <a:pPr algn="ctr"/>
+            <a:r>
+              <a:rPr lang="en-US" sz="4400" dirty="0" smtClean="0"/>
+              <a:t>Main Memory</a:t>
+            </a:r>
+            <a:endParaRPr lang="en-US" sz="4400" dirty="0"/>
+          </a:p>
+        </p:txBody>
+      </p:sp>
+      <p:cxnSp>
+        <p:nvCxnSpPr>
+          <p:cNvPr id="5" name="Straight Arrow Connector 4"/>
+          <p:cNvCxnSpPr/>
+          <p:nvPr/>
+        </p:nvCxnSpPr>
+        <p:spPr>
+          <a:xfrm flipV="1">
+            <a:off x="4553527" y="1690688"/>
+            <a:ext cx="0" cy="1128107"/>
+          </a:xfrm>
+          <a:prstGeom prst="straightConnector1">
+            <a:avLst/>
+          </a:prstGeom>
+          <a:ln w="57150">
+            <a:headEnd type="triangle"/>
+            <a:tailEnd type="triangle"/>
+          </a:ln>
+        </p:spPr>
+        <p:style>
+          <a:lnRef idx="1">
+            <a:schemeClr val="accent1"/>
+          </a:lnRef>
+          <a:fillRef idx="0">
+            <a:schemeClr val="accent1"/>
+          </a:fillRef>
+          <a:effectRef idx="0">
+            <a:schemeClr val="accent1"/>
+          </a:effectRef>
+          <a:fontRef idx="minor">
+            <a:schemeClr val="tx1"/>
+          </a:fontRef>
+        </p:style>
+      </p:cxnSp>
       <p:sp>
         <p:nvSpPr>
           <p:cNvPr id="6" name="TextBox 5"/>
@@ -4641,8 +3972,8 @@
         </p:nvSpPr>
         <p:spPr>
           <a:xfrm>
-            <a:off x="1080654" y="1690688"/>
-            <a:ext cx="10740044" cy="1815882"/>
+            <a:off x="4909127" y="2030138"/>
+            <a:ext cx="5233940" cy="830997"/>
           </a:xfrm>
           <a:prstGeom prst="rect">
             <a:avLst/>
@@ -4653,65 +3984,126 @@
           <a:bodyPr wrap="square" rtlCol="0">
             <a:spAutoFit/>
           </a:bodyPr>
-          <a:lstStyle/>
-          <a:p>
-            <a:pPr marL="285750" indent="-285750">
-              <a:buFont typeface="Arial" panose="020B0604020202020204" pitchFamily="34" charset="0"/>
-              <a:buChar char="•"/>
-            </a:pPr>
-            <a:endParaRPr lang="en-US" sz="2800" dirty="0" smtClean="0"/>
-          </a:p>
-          <a:p>
-            <a:pPr marL="285750" indent="-285750">
-              <a:buFont typeface="Arial" panose="020B0604020202020204" pitchFamily="34" charset="0"/>
-              <a:buChar char="•"/>
-            </a:pPr>
-            <a:endParaRPr lang="en-US" sz="2800" dirty="0" smtClean="0"/>
-          </a:p>
-          <a:p>
-            <a:pPr marL="285750" indent="-285750">
-              <a:buFont typeface="Arial" panose="020B0604020202020204" pitchFamily="34" charset="0"/>
-              <a:buChar char="•"/>
-            </a:pPr>
-            <a:endParaRPr lang="en-US" sz="2800" dirty="0" smtClean="0"/>
-          </a:p>
-          <a:p>
-            <a:pPr marL="285750" indent="-285750">
-              <a:buFont typeface="Arial" panose="020B0604020202020204" pitchFamily="34" charset="0"/>
-              <a:buChar char="•"/>
-            </a:pPr>
+          <a:lstStyle>
+            <a:defPPr>
+              <a:defRPr lang="en-US"/>
+            </a:defPPr>
+            <a:lvl1pPr>
+              <a:defRPr sz="2400"/>
+            </a:lvl1pPr>
+          </a:lstStyle>
+          <a:p>
+            <a:r>
+              <a:rPr lang="en-US" dirty="0"/>
+              <a:t>Address/data Bus to </a:t>
+            </a:r>
+            <a:r>
+              <a:rPr lang="en-US" dirty="0" smtClean="0"/>
+              <a:t>Memory controller</a:t>
+            </a:r>
+          </a:p>
+          <a:p>
+            <a:endParaRPr lang="en-US" dirty="0"/>
+          </a:p>
+        </p:txBody>
+      </p:sp>
+      <p:sp>
+        <p:nvSpPr>
+          <p:cNvPr id="3" name="TextBox 2"/>
+          <p:cNvSpPr txBox="1"/>
+          <p:nvPr/>
+        </p:nvSpPr>
+        <p:spPr>
+          <a:xfrm>
+            <a:off x="1137293" y="4736865"/>
+            <a:ext cx="2060244" cy="523220"/>
+          </a:xfrm>
+          <a:prstGeom prst="rect">
+            <a:avLst/>
+          </a:prstGeom>
+          <a:noFill/>
+        </p:spPr>
+        <p:txBody>
+          <a:bodyPr wrap="none" rtlCol="0">
+            <a:spAutoFit/>
+          </a:bodyPr>
+          <a:lstStyle/>
+          <a:p>
+            <a:r>
+              <a:rPr lang="en-US" sz="2800" dirty="0" smtClean="0"/>
+              <a:t>Write Enable</a:t>
+            </a:r>
             <a:endParaRPr lang="en-US" sz="2800" dirty="0"/>
           </a:p>
         </p:txBody>
       </p:sp>
-      <p:pic>
-        <p:nvPicPr>
-          <p:cNvPr id="5" name="Picture 4"/>
-          <p:cNvPicPr>
-            <a:picLocks noChangeAspect="1"/>
-          </p:cNvPicPr>
-          <p:nvPr/>
-        </p:nvPicPr>
-        <p:blipFill>
-          <a:blip r:embed="rId2"/>
-          <a:stretch>
-            <a:fillRect/>
-          </a:stretch>
-        </p:blipFill>
-        <p:spPr>
-          <a:xfrm>
-            <a:off x="1080654" y="1415617"/>
-            <a:ext cx="9110911" cy="5075485"/>
+      <p:cxnSp>
+        <p:nvCxnSpPr>
+          <p:cNvPr id="15" name="Straight Arrow Connector 14"/>
+          <p:cNvCxnSpPr/>
+          <p:nvPr/>
+        </p:nvCxnSpPr>
+        <p:spPr>
+          <a:xfrm flipV="1">
+            <a:off x="640812" y="5279504"/>
+            <a:ext cx="2793076" cy="5109"/>
+          </a:xfrm>
+          <a:prstGeom prst="straightConnector1">
+            <a:avLst/>
+          </a:prstGeom>
+          <a:ln w="57150">
+            <a:tailEnd type="triangle"/>
+          </a:ln>
+        </p:spPr>
+        <p:style>
+          <a:lnRef idx="1">
+            <a:schemeClr val="accent1"/>
+          </a:lnRef>
+          <a:fillRef idx="0">
+            <a:schemeClr val="accent1"/>
+          </a:fillRef>
+          <a:effectRef idx="0">
+            <a:schemeClr val="accent1"/>
+          </a:effectRef>
+          <a:fontRef idx="minor">
+            <a:schemeClr val="tx1"/>
+          </a:fontRef>
+        </p:style>
+      </p:cxnSp>
+      <p:sp>
+        <p:nvSpPr>
+          <p:cNvPr id="7" name="TextBox 6"/>
+          <p:cNvSpPr txBox="1"/>
+          <p:nvPr/>
+        </p:nvSpPr>
+        <p:spPr>
+          <a:xfrm>
+            <a:off x="8568267" y="3843866"/>
+            <a:ext cx="2785533" cy="1384995"/>
           </a:xfrm>
           <a:prstGeom prst="rect">
             <a:avLst/>
           </a:prstGeom>
-        </p:spPr>
-      </p:pic>
+          <a:noFill/>
+        </p:spPr>
+        <p:txBody>
+          <a:bodyPr wrap="square" rtlCol="0">
+            <a:spAutoFit/>
+          </a:bodyPr>
+          <a:lstStyle/>
+          <a:p>
+            <a:r>
+              <a:rPr lang="en-US" sz="2800" dirty="0" smtClean="0"/>
+              <a:t>Implement single port RAM with WE and MESI bits</a:t>
+            </a:r>
+            <a:endParaRPr lang="en-US" sz="2800" dirty="0"/>
+          </a:p>
+        </p:txBody>
+      </p:sp>
     </p:spTree>
     <p:extLst>
       <p:ext uri="{BB962C8B-B14F-4D97-AF65-F5344CB8AC3E}">
-        <p14:creationId xmlns:p14="http://schemas.microsoft.com/office/powerpoint/2010/main" val="1281530610"/>
+        <p14:creationId xmlns:p14="http://schemas.microsoft.com/office/powerpoint/2010/main" val="1176108438"/>
       </p:ext>
     </p:extLst>
   </p:cSld>
@@ -4750,20 +4142,14 @@
         </p:nvSpPr>
         <p:spPr/>
         <p:txBody>
-          <a:bodyPr>
-            <a:normAutofit/>
-          </a:bodyPr>
-          <a:lstStyle/>
-          <a:p>
-            <a:r>
-              <a:rPr lang="en-US" sz="2800" dirty="0"/>
-              <a:t>Peripheral memory </a:t>
-            </a:r>
-            <a:r>
-              <a:rPr lang="en-US" sz="2800" dirty="0" smtClean="0"/>
-              <a:t>Read–error: retry message from MC, successful retry</a:t>
-            </a:r>
-            <a:endParaRPr lang="en-US" sz="2800" dirty="0"/>
+          <a:bodyPr/>
+          <a:lstStyle/>
+          <a:p>
+            <a:r>
+              <a:rPr lang="en-US" dirty="0" smtClean="0"/>
+              <a:t>Main memory TB</a:t>
+            </a:r>
+            <a:endParaRPr lang="en-US" dirty="0"/>
           </a:p>
         </p:txBody>
       </p:sp>
@@ -4783,8 +4169,194 @@
         </p:blipFill>
         <p:spPr>
           <a:xfrm>
-            <a:off x="168675" y="1624613"/>
-            <a:ext cx="11701353" cy="3928978"/>
+            <a:off x="6825917" y="4034741"/>
+            <a:ext cx="2991852" cy="2611857"/>
+          </a:xfrm>
+          <a:prstGeom prst="rect">
+            <a:avLst/>
+          </a:prstGeom>
+        </p:spPr>
+      </p:pic>
+      <p:sp>
+        <p:nvSpPr>
+          <p:cNvPr id="4" name="TextBox 3"/>
+          <p:cNvSpPr txBox="1"/>
+          <p:nvPr/>
+        </p:nvSpPr>
+        <p:spPr>
+          <a:xfrm>
+            <a:off x="4405814" y="4034741"/>
+            <a:ext cx="2630905" cy="646331"/>
+          </a:xfrm>
+          <a:prstGeom prst="rect">
+            <a:avLst/>
+          </a:prstGeom>
+          <a:noFill/>
+        </p:spPr>
+        <p:txBody>
+          <a:bodyPr wrap="square" rtlCol="0">
+            <a:spAutoFit/>
+          </a:bodyPr>
+          <a:lstStyle/>
+          <a:p>
+            <a:r>
+              <a:rPr lang="en-US" dirty="0" smtClean="0"/>
+              <a:t>Structure used in file to initialize the memory</a:t>
+            </a:r>
+            <a:endParaRPr lang="en-US" dirty="0"/>
+          </a:p>
+        </p:txBody>
+      </p:sp>
+      <p:sp>
+        <p:nvSpPr>
+          <p:cNvPr id="5" name="TextBox 4"/>
+          <p:cNvSpPr txBox="1"/>
+          <p:nvPr/>
+        </p:nvSpPr>
+        <p:spPr>
+          <a:xfrm>
+            <a:off x="673769" y="1321356"/>
+            <a:ext cx="4656221" cy="369332"/>
+          </a:xfrm>
+          <a:prstGeom prst="rect">
+            <a:avLst/>
+          </a:prstGeom>
+          <a:noFill/>
+        </p:spPr>
+        <p:txBody>
+          <a:bodyPr wrap="square" rtlCol="0">
+            <a:spAutoFit/>
+          </a:bodyPr>
+          <a:lstStyle/>
+          <a:p>
+            <a:r>
+              <a:rPr lang="en-US" dirty="0" smtClean="0"/>
+              <a:t>Reading main memory from initialized file:</a:t>
+            </a:r>
+            <a:endParaRPr lang="en-US" dirty="0"/>
+          </a:p>
+        </p:txBody>
+      </p:sp>
+      <p:sp>
+        <p:nvSpPr>
+          <p:cNvPr id="6" name="TextBox 5"/>
+          <p:cNvSpPr txBox="1"/>
+          <p:nvPr/>
+        </p:nvSpPr>
+        <p:spPr>
+          <a:xfrm>
+            <a:off x="6458953" y="1321356"/>
+            <a:ext cx="4656221" cy="369332"/>
+          </a:xfrm>
+          <a:prstGeom prst="rect">
+            <a:avLst/>
+          </a:prstGeom>
+          <a:noFill/>
+        </p:spPr>
+        <p:txBody>
+          <a:bodyPr wrap="square" rtlCol="0">
+            <a:spAutoFit/>
+          </a:bodyPr>
+          <a:lstStyle/>
+          <a:p>
+            <a:r>
+              <a:rPr lang="en-US" dirty="0" smtClean="0"/>
+              <a:t>Writing random data to main memory :</a:t>
+            </a:r>
+            <a:endParaRPr lang="en-US" dirty="0"/>
+          </a:p>
+        </p:txBody>
+      </p:sp>
+      <p:pic>
+        <p:nvPicPr>
+          <p:cNvPr id="7" name="Picture 6"/>
+          <p:cNvPicPr>
+            <a:picLocks noChangeAspect="1"/>
+          </p:cNvPicPr>
+          <p:nvPr/>
+        </p:nvPicPr>
+        <p:blipFill>
+          <a:blip r:embed="rId3"/>
+          <a:stretch>
+            <a:fillRect/>
+          </a:stretch>
+        </p:blipFill>
+        <p:spPr>
+          <a:xfrm>
+            <a:off x="746960" y="2828781"/>
+            <a:ext cx="3131469" cy="1966539"/>
+          </a:xfrm>
+          <a:prstGeom prst="rect">
+            <a:avLst/>
+          </a:prstGeom>
+        </p:spPr>
+      </p:pic>
+      <p:pic>
+        <p:nvPicPr>
+          <p:cNvPr id="8" name="Picture 7"/>
+          <p:cNvPicPr>
+            <a:picLocks noChangeAspect="1"/>
+          </p:cNvPicPr>
+          <p:nvPr/>
+        </p:nvPicPr>
+        <p:blipFill>
+          <a:blip r:embed="rId4"/>
+          <a:stretch>
+            <a:fillRect/>
+          </a:stretch>
+        </p:blipFill>
+        <p:spPr>
+          <a:xfrm>
+            <a:off x="673769" y="1810098"/>
+            <a:ext cx="5548813" cy="899273"/>
+          </a:xfrm>
+          <a:prstGeom prst="rect">
+            <a:avLst/>
+          </a:prstGeom>
+        </p:spPr>
+      </p:pic>
+      <p:pic>
+        <p:nvPicPr>
+          <p:cNvPr id="9" name="Picture 8"/>
+          <p:cNvPicPr>
+            <a:picLocks noChangeAspect="1"/>
+          </p:cNvPicPr>
+          <p:nvPr/>
+        </p:nvPicPr>
+        <p:blipFill>
+          <a:blip r:embed="rId5"/>
+          <a:stretch>
+            <a:fillRect/>
+          </a:stretch>
+        </p:blipFill>
+        <p:spPr>
+          <a:xfrm>
+            <a:off x="6458953" y="1810098"/>
+            <a:ext cx="5733047" cy="861068"/>
+          </a:xfrm>
+          <a:prstGeom prst="rect">
+            <a:avLst/>
+          </a:prstGeom>
+        </p:spPr>
+      </p:pic>
+      <p:pic>
+        <p:nvPicPr>
+          <p:cNvPr id="10" name="Picture 9"/>
+          <p:cNvPicPr>
+            <a:picLocks noChangeAspect="1"/>
+          </p:cNvPicPr>
+          <p:nvPr/>
+        </p:nvPicPr>
+        <p:blipFill>
+          <a:blip r:embed="rId6"/>
+          <a:stretch>
+            <a:fillRect/>
+          </a:stretch>
+        </p:blipFill>
+        <p:spPr>
+          <a:xfrm>
+            <a:off x="6458953" y="2828781"/>
+            <a:ext cx="5408946" cy="1048345"/>
           </a:xfrm>
           <a:prstGeom prst="rect">
             <a:avLst/>
@@ -4794,7 +4366,7 @@
     </p:spTree>
     <p:extLst>
       <p:ext uri="{BB962C8B-B14F-4D97-AF65-F5344CB8AC3E}">
-        <p14:creationId xmlns:p14="http://schemas.microsoft.com/office/powerpoint/2010/main" val="1996414860"/>
+        <p14:creationId xmlns:p14="http://schemas.microsoft.com/office/powerpoint/2010/main" val="906612302"/>
       </p:ext>
     </p:extLst>
   </p:cSld>
@@ -4831,379 +4403,47 @@
             <p:ph type="title"/>
           </p:nvPr>
         </p:nvSpPr>
-        <p:spPr>
-          <a:xfrm>
-            <a:off x="253692" y="12709"/>
-            <a:ext cx="10515600" cy="1325563"/>
-          </a:xfrm>
-        </p:spPr>
+        <p:spPr/>
         <p:txBody>
           <a:bodyPr/>
           <a:lstStyle/>
           <a:p>
             <a:r>
               <a:rPr lang="en-US" dirty="0" smtClean="0"/>
-              <a:t>Memory controller</a:t>
+              <a:t>Main memory RTL</a:t>
             </a:r>
             <a:endParaRPr lang="en-US" dirty="0"/>
           </a:p>
         </p:txBody>
       </p:sp>
-      <p:sp>
-        <p:nvSpPr>
-          <p:cNvPr id="4" name="Rectangle 3"/>
-          <p:cNvSpPr/>
-          <p:nvPr/>
-        </p:nvSpPr>
-        <p:spPr>
-          <a:xfrm>
-            <a:off x="3672379" y="1896866"/>
-            <a:ext cx="3690851" cy="2859578"/>
+      <p:pic>
+        <p:nvPicPr>
+          <p:cNvPr id="3" name="Picture 2"/>
+          <p:cNvPicPr>
+            <a:picLocks noChangeAspect="1"/>
+          </p:cNvPicPr>
+          <p:nvPr/>
+        </p:nvPicPr>
+        <p:blipFill>
+          <a:blip r:embed="rId2"/>
+          <a:stretch>
+            <a:fillRect/>
+          </a:stretch>
+        </p:blipFill>
+        <p:spPr>
+          <a:xfrm>
+            <a:off x="1209675" y="1433512"/>
+            <a:ext cx="9772650" cy="3990975"/>
           </a:xfrm>
           <a:prstGeom prst="rect">
             <a:avLst/>
           </a:prstGeom>
-          <a:solidFill>
-            <a:srgbClr val="FF0000"/>
-          </a:solidFill>
-        </p:spPr>
-        <p:style>
-          <a:lnRef idx="2">
-            <a:schemeClr val="accent1">
-              <a:shade val="50000"/>
-            </a:schemeClr>
-          </a:lnRef>
-          <a:fillRef idx="1">
-            <a:schemeClr val="accent1"/>
-          </a:fillRef>
-          <a:effectRef idx="0">
-            <a:schemeClr val="accent1"/>
-          </a:effectRef>
-          <a:fontRef idx="minor">
-            <a:schemeClr val="lt1"/>
-          </a:fontRef>
-        </p:style>
-        <p:txBody>
-          <a:bodyPr rtlCol="0" anchor="ctr"/>
-          <a:lstStyle/>
-          <a:p>
-            <a:pPr algn="ctr"/>
-            <a:r>
-              <a:rPr lang="en-US" sz="4400" dirty="0" smtClean="0"/>
-              <a:t>Memory Controller</a:t>
-            </a:r>
-            <a:endParaRPr lang="en-US" sz="4400" dirty="0"/>
-          </a:p>
-        </p:txBody>
-      </p:sp>
-      <p:sp>
-        <p:nvSpPr>
-          <p:cNvPr id="21" name="TextBox 20"/>
-          <p:cNvSpPr txBox="1"/>
-          <p:nvPr/>
-        </p:nvSpPr>
-        <p:spPr>
-          <a:xfrm>
-            <a:off x="812528" y="2419203"/>
-            <a:ext cx="2607461" cy="1200329"/>
-          </a:xfrm>
-          <a:prstGeom prst="rect">
-            <a:avLst/>
-          </a:prstGeom>
-          <a:noFill/>
-        </p:spPr>
-        <p:txBody>
-          <a:bodyPr wrap="square" rtlCol="0">
-            <a:spAutoFit/>
-          </a:bodyPr>
-          <a:lstStyle/>
-          <a:p>
-            <a:r>
-              <a:rPr lang="en-US" sz="2400" dirty="0" smtClean="0"/>
-              <a:t>Serial communication with peripheral</a:t>
-            </a:r>
-            <a:endParaRPr lang="en-US" sz="2400" dirty="0"/>
-          </a:p>
-        </p:txBody>
-      </p:sp>
-      <p:cxnSp>
-        <p:nvCxnSpPr>
-          <p:cNvPr id="5" name="Straight Arrow Connector 4"/>
-          <p:cNvCxnSpPr/>
-          <p:nvPr/>
-        </p:nvCxnSpPr>
-        <p:spPr>
-          <a:xfrm flipV="1">
-            <a:off x="4729314" y="5164530"/>
-            <a:ext cx="0" cy="1128107"/>
-          </a:xfrm>
-          <a:prstGeom prst="straightConnector1">
-            <a:avLst/>
-          </a:prstGeom>
-          <a:ln w="57150">
-            <a:headEnd type="triangle"/>
-            <a:tailEnd type="triangle"/>
-          </a:ln>
-        </p:spPr>
-        <p:style>
-          <a:lnRef idx="1">
-            <a:schemeClr val="accent1"/>
-          </a:lnRef>
-          <a:fillRef idx="0">
-            <a:schemeClr val="accent1"/>
-          </a:fillRef>
-          <a:effectRef idx="0">
-            <a:schemeClr val="accent1"/>
-          </a:effectRef>
-          <a:fontRef idx="minor">
-            <a:schemeClr val="tx1"/>
-          </a:fontRef>
-        </p:style>
-      </p:cxnSp>
-      <p:sp>
-        <p:nvSpPr>
-          <p:cNvPr id="6" name="TextBox 5"/>
-          <p:cNvSpPr txBox="1"/>
-          <p:nvPr/>
-        </p:nvSpPr>
-        <p:spPr>
-          <a:xfrm>
-            <a:off x="5084914" y="5503980"/>
-            <a:ext cx="4556632" cy="461665"/>
-          </a:xfrm>
-          <a:prstGeom prst="rect">
-            <a:avLst/>
-          </a:prstGeom>
-          <a:noFill/>
-        </p:spPr>
-        <p:txBody>
-          <a:bodyPr wrap="square" rtlCol="0">
-            <a:spAutoFit/>
-          </a:bodyPr>
-          <a:lstStyle>
-            <a:defPPr>
-              <a:defRPr lang="en-US"/>
-            </a:defPPr>
-            <a:lvl1pPr>
-              <a:defRPr sz="2400"/>
-            </a:lvl1pPr>
-          </a:lstStyle>
-          <a:p>
-            <a:r>
-              <a:rPr lang="en-US" dirty="0"/>
-              <a:t>Address/data Bus to Main Memory</a:t>
-            </a:r>
-          </a:p>
-        </p:txBody>
-      </p:sp>
-      <p:cxnSp>
-        <p:nvCxnSpPr>
-          <p:cNvPr id="9" name="Straight Arrow Connector 8"/>
-          <p:cNvCxnSpPr/>
-          <p:nvPr/>
-        </p:nvCxnSpPr>
-        <p:spPr>
-          <a:xfrm>
-            <a:off x="7663378" y="3313047"/>
-            <a:ext cx="3208712" cy="0"/>
-          </a:xfrm>
-          <a:prstGeom prst="straightConnector1">
-            <a:avLst/>
-          </a:prstGeom>
-          <a:ln w="57150">
-            <a:headEnd type="triangle"/>
-            <a:tailEnd type="triangle"/>
-          </a:ln>
-        </p:spPr>
-        <p:style>
-          <a:lnRef idx="1">
-            <a:schemeClr val="accent1"/>
-          </a:lnRef>
-          <a:fillRef idx="0">
-            <a:schemeClr val="accent1"/>
-          </a:fillRef>
-          <a:effectRef idx="0">
-            <a:schemeClr val="accent1"/>
-          </a:effectRef>
-          <a:fontRef idx="minor">
-            <a:schemeClr val="tx1"/>
-          </a:fontRef>
-        </p:style>
-      </p:cxnSp>
-      <p:cxnSp>
-        <p:nvCxnSpPr>
-          <p:cNvPr id="22" name="Straight Arrow Connector 21"/>
-          <p:cNvCxnSpPr/>
-          <p:nvPr/>
-        </p:nvCxnSpPr>
-        <p:spPr>
-          <a:xfrm flipV="1">
-            <a:off x="812528" y="3918790"/>
-            <a:ext cx="2407956" cy="7285"/>
-          </a:xfrm>
-          <a:prstGeom prst="straightConnector1">
-            <a:avLst/>
-          </a:prstGeom>
-          <a:ln w="57150">
-            <a:headEnd type="triangle"/>
-            <a:tailEnd type="triangle"/>
-          </a:ln>
-        </p:spPr>
-        <p:style>
-          <a:lnRef idx="1">
-            <a:schemeClr val="accent1"/>
-          </a:lnRef>
-          <a:fillRef idx="0">
-            <a:schemeClr val="accent1"/>
-          </a:fillRef>
-          <a:effectRef idx="0">
-            <a:schemeClr val="accent1"/>
-          </a:effectRef>
-          <a:fontRef idx="minor">
-            <a:schemeClr val="tx1"/>
-          </a:fontRef>
-        </p:style>
-      </p:cxnSp>
-      <p:sp>
-        <p:nvSpPr>
-          <p:cNvPr id="14" name="TextBox 13"/>
-          <p:cNvSpPr txBox="1"/>
-          <p:nvPr/>
-        </p:nvSpPr>
-        <p:spPr>
-          <a:xfrm>
-            <a:off x="7615949" y="2419203"/>
-            <a:ext cx="903132" cy="369332"/>
-          </a:xfrm>
-          <a:prstGeom prst="rect">
-            <a:avLst/>
-          </a:prstGeom>
-          <a:noFill/>
-        </p:spPr>
-        <p:txBody>
-          <a:bodyPr wrap="none" rtlCol="0">
-            <a:spAutoFit/>
-          </a:bodyPr>
-          <a:lstStyle/>
-          <a:p>
-            <a:r>
-              <a:rPr lang="en-US" dirty="0" smtClean="0"/>
-              <a:t>To CPU:</a:t>
-            </a:r>
-            <a:endParaRPr lang="en-US" dirty="0"/>
-          </a:p>
-        </p:txBody>
-      </p:sp>
-      <p:sp>
-        <p:nvSpPr>
-          <p:cNvPr id="26" name="TextBox 25"/>
-          <p:cNvSpPr txBox="1"/>
-          <p:nvPr/>
-        </p:nvSpPr>
-        <p:spPr>
-          <a:xfrm>
-            <a:off x="8243525" y="2779246"/>
-            <a:ext cx="2373278" cy="461665"/>
-          </a:xfrm>
-          <a:prstGeom prst="rect">
-            <a:avLst/>
-          </a:prstGeom>
-          <a:noFill/>
-        </p:spPr>
-        <p:txBody>
-          <a:bodyPr wrap="square" rtlCol="0">
-            <a:spAutoFit/>
-          </a:bodyPr>
-          <a:lstStyle>
-            <a:defPPr>
-              <a:defRPr lang="en-US"/>
-            </a:defPPr>
-            <a:lvl1pPr>
-              <a:defRPr sz="2400"/>
-            </a:lvl1pPr>
-          </a:lstStyle>
-          <a:p>
-            <a:r>
-              <a:rPr lang="en-US" dirty="0"/>
-              <a:t>Address/data Bus</a:t>
-            </a:r>
-          </a:p>
-        </p:txBody>
-      </p:sp>
-      <p:cxnSp>
-        <p:nvCxnSpPr>
-          <p:cNvPr id="27" name="Straight Arrow Connector 26"/>
-          <p:cNvCxnSpPr/>
-          <p:nvPr/>
-        </p:nvCxnSpPr>
-        <p:spPr>
-          <a:xfrm>
-            <a:off x="7713255" y="4196122"/>
-            <a:ext cx="3208712" cy="0"/>
-          </a:xfrm>
-          <a:prstGeom prst="straightConnector1">
-            <a:avLst/>
-          </a:prstGeom>
-          <a:ln w="57150">
-            <a:headEnd type="triangle"/>
-            <a:tailEnd type="triangle"/>
-          </a:ln>
-        </p:spPr>
-        <p:style>
-          <a:lnRef idx="1">
-            <a:schemeClr val="accent1"/>
-          </a:lnRef>
-          <a:fillRef idx="0">
-            <a:schemeClr val="accent1"/>
-          </a:fillRef>
-          <a:effectRef idx="0">
-            <a:schemeClr val="accent1"/>
-          </a:effectRef>
-          <a:fontRef idx="minor">
-            <a:schemeClr val="tx1"/>
-          </a:fontRef>
-        </p:style>
-      </p:cxnSp>
-      <p:sp>
-        <p:nvSpPr>
-          <p:cNvPr id="28" name="TextBox 27"/>
-          <p:cNvSpPr txBox="1"/>
-          <p:nvPr/>
-        </p:nvSpPr>
-        <p:spPr>
-          <a:xfrm>
-            <a:off x="8067515" y="3662320"/>
-            <a:ext cx="2549288" cy="461665"/>
-          </a:xfrm>
-          <a:prstGeom prst="rect">
-            <a:avLst/>
-          </a:prstGeom>
-          <a:noFill/>
-        </p:spPr>
-        <p:txBody>
-          <a:bodyPr wrap="square" rtlCol="0">
-            <a:spAutoFit/>
-          </a:bodyPr>
-          <a:lstStyle>
-            <a:defPPr>
-              <a:defRPr lang="en-US"/>
-            </a:defPPr>
-            <a:lvl1pPr>
-              <a:defRPr sz="2400"/>
-            </a:lvl1pPr>
-          </a:lstStyle>
-          <a:p>
-            <a:r>
-              <a:rPr lang="en-US" dirty="0"/>
-              <a:t>Control Signals Bus</a:t>
-            </a:r>
-          </a:p>
-        </p:txBody>
-      </p:sp>
+        </p:spPr>
+      </p:pic>
     </p:spTree>
     <p:extLst>
       <p:ext uri="{BB962C8B-B14F-4D97-AF65-F5344CB8AC3E}">
-        <p14:creationId xmlns:p14="http://schemas.microsoft.com/office/powerpoint/2010/main" val="3699857399"/>
+        <p14:creationId xmlns:p14="http://schemas.microsoft.com/office/powerpoint/2010/main" val="1683693347"/>
       </p:ext>
     </p:extLst>
   </p:cSld>
@@ -5242,7 +4482,7 @@
         </p:nvSpPr>
         <p:spPr>
           <a:xfrm>
-            <a:off x="517533" y="213900"/>
+            <a:off x="253692" y="12709"/>
             <a:ext cx="10515600" cy="1325563"/>
           </a:xfrm>
         </p:spPr>
@@ -5252,7 +4492,7 @@
           <a:p>
             <a:r>
               <a:rPr lang="en-US" dirty="0" smtClean="0"/>
-              <a:t>Memory controller – Control signals</a:t>
+              <a:t>Memory controller</a:t>
             </a:r>
             <a:endParaRPr lang="en-US" dirty="0"/>
           </a:p>
@@ -5260,14 +4500,229 @@
       </p:sp>
       <p:sp>
         <p:nvSpPr>
-          <p:cNvPr id="4" name="TextBox 3"/>
+          <p:cNvPr id="4" name="Rectangle 3"/>
+          <p:cNvSpPr/>
+          <p:nvPr/>
+        </p:nvSpPr>
+        <p:spPr>
+          <a:xfrm>
+            <a:off x="3672379" y="1896866"/>
+            <a:ext cx="3690851" cy="2859578"/>
+          </a:xfrm>
+          <a:prstGeom prst="rect">
+            <a:avLst/>
+          </a:prstGeom>
+          <a:solidFill>
+            <a:srgbClr val="FF0000"/>
+          </a:solidFill>
+        </p:spPr>
+        <p:style>
+          <a:lnRef idx="2">
+            <a:schemeClr val="accent1">
+              <a:shade val="50000"/>
+            </a:schemeClr>
+          </a:lnRef>
+          <a:fillRef idx="1">
+            <a:schemeClr val="accent1"/>
+          </a:fillRef>
+          <a:effectRef idx="0">
+            <a:schemeClr val="accent1"/>
+          </a:effectRef>
+          <a:fontRef idx="minor">
+            <a:schemeClr val="lt1"/>
+          </a:fontRef>
+        </p:style>
+        <p:txBody>
+          <a:bodyPr rtlCol="0" anchor="ctr"/>
+          <a:lstStyle/>
+          <a:p>
+            <a:pPr algn="ctr"/>
+            <a:r>
+              <a:rPr lang="en-US" sz="4400" dirty="0" smtClean="0"/>
+              <a:t>Memory Controller</a:t>
+            </a:r>
+            <a:endParaRPr lang="en-US" sz="4400" dirty="0"/>
+          </a:p>
+        </p:txBody>
+      </p:sp>
+      <p:sp>
+        <p:nvSpPr>
+          <p:cNvPr id="21" name="TextBox 20"/>
           <p:cNvSpPr txBox="1"/>
           <p:nvPr/>
         </p:nvSpPr>
         <p:spPr>
           <a:xfrm>
-            <a:off x="1524000" y="2116667"/>
-            <a:ext cx="184731" cy="369332"/>
+            <a:off x="812528" y="2419203"/>
+            <a:ext cx="2607461" cy="1200329"/>
+          </a:xfrm>
+          <a:prstGeom prst="rect">
+            <a:avLst/>
+          </a:prstGeom>
+          <a:noFill/>
+        </p:spPr>
+        <p:txBody>
+          <a:bodyPr wrap="square" rtlCol="0">
+            <a:spAutoFit/>
+          </a:bodyPr>
+          <a:lstStyle/>
+          <a:p>
+            <a:r>
+              <a:rPr lang="en-US" sz="2400" dirty="0" smtClean="0"/>
+              <a:t>Serial communication with peripheral</a:t>
+            </a:r>
+            <a:endParaRPr lang="en-US" sz="2400" dirty="0"/>
+          </a:p>
+        </p:txBody>
+      </p:sp>
+      <p:cxnSp>
+        <p:nvCxnSpPr>
+          <p:cNvPr id="5" name="Straight Arrow Connector 4"/>
+          <p:cNvCxnSpPr/>
+          <p:nvPr/>
+        </p:nvCxnSpPr>
+        <p:spPr>
+          <a:xfrm flipV="1">
+            <a:off x="4729314" y="5164530"/>
+            <a:ext cx="0" cy="1128107"/>
+          </a:xfrm>
+          <a:prstGeom prst="straightConnector1">
+            <a:avLst/>
+          </a:prstGeom>
+          <a:ln w="57150">
+            <a:headEnd type="triangle"/>
+            <a:tailEnd type="triangle"/>
+          </a:ln>
+        </p:spPr>
+        <p:style>
+          <a:lnRef idx="1">
+            <a:schemeClr val="accent1"/>
+          </a:lnRef>
+          <a:fillRef idx="0">
+            <a:schemeClr val="accent1"/>
+          </a:fillRef>
+          <a:effectRef idx="0">
+            <a:schemeClr val="accent1"/>
+          </a:effectRef>
+          <a:fontRef idx="minor">
+            <a:schemeClr val="tx1"/>
+          </a:fontRef>
+        </p:style>
+      </p:cxnSp>
+      <p:sp>
+        <p:nvSpPr>
+          <p:cNvPr id="6" name="TextBox 5"/>
+          <p:cNvSpPr txBox="1"/>
+          <p:nvPr/>
+        </p:nvSpPr>
+        <p:spPr>
+          <a:xfrm>
+            <a:off x="5084914" y="5503980"/>
+            <a:ext cx="4556632" cy="461665"/>
+          </a:xfrm>
+          <a:prstGeom prst="rect">
+            <a:avLst/>
+          </a:prstGeom>
+          <a:noFill/>
+        </p:spPr>
+        <p:txBody>
+          <a:bodyPr wrap="square" rtlCol="0">
+            <a:spAutoFit/>
+          </a:bodyPr>
+          <a:lstStyle>
+            <a:defPPr>
+              <a:defRPr lang="en-US"/>
+            </a:defPPr>
+            <a:lvl1pPr>
+              <a:defRPr sz="2400"/>
+            </a:lvl1pPr>
+          </a:lstStyle>
+          <a:p>
+            <a:r>
+              <a:rPr lang="en-US" dirty="0"/>
+              <a:t>Address/data Bus to Main Memory</a:t>
+            </a:r>
+          </a:p>
+        </p:txBody>
+      </p:sp>
+      <p:cxnSp>
+        <p:nvCxnSpPr>
+          <p:cNvPr id="9" name="Straight Arrow Connector 8"/>
+          <p:cNvCxnSpPr/>
+          <p:nvPr/>
+        </p:nvCxnSpPr>
+        <p:spPr>
+          <a:xfrm>
+            <a:off x="7663378" y="3313047"/>
+            <a:ext cx="3208712" cy="0"/>
+          </a:xfrm>
+          <a:prstGeom prst="straightConnector1">
+            <a:avLst/>
+          </a:prstGeom>
+          <a:ln w="57150">
+            <a:headEnd type="triangle"/>
+            <a:tailEnd type="triangle"/>
+          </a:ln>
+        </p:spPr>
+        <p:style>
+          <a:lnRef idx="1">
+            <a:schemeClr val="accent1"/>
+          </a:lnRef>
+          <a:fillRef idx="0">
+            <a:schemeClr val="accent1"/>
+          </a:fillRef>
+          <a:effectRef idx="0">
+            <a:schemeClr val="accent1"/>
+          </a:effectRef>
+          <a:fontRef idx="minor">
+            <a:schemeClr val="tx1"/>
+          </a:fontRef>
+        </p:style>
+      </p:cxnSp>
+      <p:cxnSp>
+        <p:nvCxnSpPr>
+          <p:cNvPr id="22" name="Straight Arrow Connector 21"/>
+          <p:cNvCxnSpPr/>
+          <p:nvPr/>
+        </p:nvCxnSpPr>
+        <p:spPr>
+          <a:xfrm flipV="1">
+            <a:off x="812528" y="3918790"/>
+            <a:ext cx="2407956" cy="7285"/>
+          </a:xfrm>
+          <a:prstGeom prst="straightConnector1">
+            <a:avLst/>
+          </a:prstGeom>
+          <a:ln w="57150">
+            <a:headEnd type="triangle"/>
+            <a:tailEnd type="triangle"/>
+          </a:ln>
+        </p:spPr>
+        <p:style>
+          <a:lnRef idx="1">
+            <a:schemeClr val="accent1"/>
+          </a:lnRef>
+          <a:fillRef idx="0">
+            <a:schemeClr val="accent1"/>
+          </a:fillRef>
+          <a:effectRef idx="0">
+            <a:schemeClr val="accent1"/>
+          </a:effectRef>
+          <a:fontRef idx="minor">
+            <a:schemeClr val="tx1"/>
+          </a:fontRef>
+        </p:style>
+      </p:cxnSp>
+      <p:sp>
+        <p:nvSpPr>
+          <p:cNvPr id="14" name="TextBox 13"/>
+          <p:cNvSpPr txBox="1"/>
+          <p:nvPr/>
+        </p:nvSpPr>
+        <p:spPr>
+          <a:xfrm>
+            <a:off x="7615949" y="2419203"/>
+            <a:ext cx="903132" cy="369332"/>
           </a:xfrm>
           <a:prstGeom prst="rect">
             <a:avLst/>
@@ -5280,20 +4735,24 @@
           </a:bodyPr>
           <a:lstStyle/>
           <a:p>
+            <a:r>
+              <a:rPr lang="en-US" dirty="0" smtClean="0"/>
+              <a:t>To CPU:</a:t>
+            </a:r>
             <a:endParaRPr lang="en-US" dirty="0"/>
           </a:p>
         </p:txBody>
       </p:sp>
       <p:sp>
         <p:nvSpPr>
-          <p:cNvPr id="5" name="TextBox 4"/>
+          <p:cNvPr id="26" name="TextBox 25"/>
           <p:cNvSpPr txBox="1"/>
           <p:nvPr/>
         </p:nvSpPr>
         <p:spPr>
           <a:xfrm>
-            <a:off x="453500" y="1371600"/>
-            <a:ext cx="11738500" cy="5816977"/>
+            <a:off x="8243525" y="2779246"/>
+            <a:ext cx="2373278" cy="461665"/>
           </a:xfrm>
           <a:prstGeom prst="rect">
             <a:avLst/>
@@ -5304,106 +4763,96 @@
           <a:bodyPr wrap="square" rtlCol="0">
             <a:spAutoFit/>
           </a:bodyPr>
-          <a:lstStyle/>
-          <a:p>
-            <a:pPr marL="285750" indent="-285750">
-              <a:buFont typeface="Arial" panose="020B0604020202020204" pitchFamily="34" charset="0"/>
-              <a:buChar char="•"/>
-            </a:pPr>
-            <a:r>
-              <a:rPr lang="en-US" sz="2800" dirty="0" smtClean="0"/>
-              <a:t>AHOLD – address hold: maintain </a:t>
-            </a:r>
-            <a:r>
-              <a:rPr lang="en-US" sz="2800" dirty="0" err="1" smtClean="0"/>
-              <a:t>memoryconsistency</a:t>
-            </a:r>
-            <a:endParaRPr lang="en-US" sz="2800" dirty="0" smtClean="0"/>
-          </a:p>
-          <a:p>
-            <a:r>
-              <a:rPr lang="en-US" sz="2800" dirty="0" smtClean="0"/>
-              <a:t>• EADS# - external address strobe: external; informs the processor of a valid address on its local bus to be snooped (internal cache lookup)</a:t>
-            </a:r>
-          </a:p>
-          <a:p>
-            <a:r>
-              <a:rPr lang="en-US" sz="2800" dirty="0" smtClean="0"/>
-              <a:t>• input INV – invalidate: external; informs the processor to leave cache line valid or mark it invalid on a snoop hit</a:t>
-            </a:r>
-          </a:p>
-          <a:p>
-            <a:r>
-              <a:rPr lang="en-US" sz="2800" dirty="0" smtClean="0"/>
-              <a:t>• </a:t>
-            </a:r>
-            <a:r>
-              <a:rPr lang="en-US" sz="2800" dirty="0" err="1" smtClean="0"/>
-              <a:t>inout</a:t>
-            </a:r>
-            <a:r>
-              <a:rPr lang="en-US" sz="2800" dirty="0" smtClean="0"/>
-              <a:t> HIT# - hit on internal cache – notify other processors that information is shared by another cache</a:t>
-            </a:r>
-          </a:p>
-          <a:p>
-            <a:r>
-              <a:rPr lang="en-US" sz="2800" dirty="0" smtClean="0"/>
-              <a:t>• </a:t>
-            </a:r>
-            <a:r>
-              <a:rPr lang="en-US" sz="2800" dirty="0" err="1" smtClean="0"/>
-              <a:t>inout</a:t>
-            </a:r>
-            <a:r>
-              <a:rPr lang="en-US" sz="2800" dirty="0" smtClean="0"/>
-              <a:t> HITM# - hit modified line: hit to a modified line </a:t>
-            </a:r>
-            <a:r>
-              <a:rPr lang="en-US" sz="2800" dirty="0" err="1" smtClean="0"/>
-              <a:t>incache</a:t>
-            </a:r>
-            <a:r>
-              <a:rPr lang="en-US" sz="2800" dirty="0" smtClean="0"/>
-              <a:t>, write-back required</a:t>
-            </a:r>
-          </a:p>
-          <a:p>
-            <a:endParaRPr lang="en-US" sz="2800" dirty="0" smtClean="0"/>
-          </a:p>
-          <a:p>
-            <a:pPr marL="285750" indent="-285750">
-              <a:buFont typeface="Arial" panose="020B0604020202020204" pitchFamily="34" charset="0"/>
-              <a:buChar char="•"/>
-            </a:pPr>
-            <a:r>
-              <a:rPr lang="en-US" sz="2800" dirty="0" smtClean="0"/>
-              <a:t> PBGNT# - private bus grant: asserted to grant bus ownership </a:t>
-            </a:r>
-          </a:p>
-          <a:p>
-            <a:r>
-              <a:rPr lang="en-US" sz="2800" dirty="0" smtClean="0"/>
-              <a:t>• </a:t>
-            </a:r>
-            <a:r>
-              <a:rPr lang="en-US" sz="2800" dirty="0" err="1" smtClean="0"/>
-              <a:t>inout</a:t>
-            </a:r>
-            <a:r>
-              <a:rPr lang="en-US" sz="2800" dirty="0" smtClean="0"/>
-              <a:t> PBREQ# - private bus request: asserted to request bus ownership</a:t>
-            </a:r>
-          </a:p>
-          <a:p>
-            <a:endParaRPr lang="en-US" sz="3600" dirty="0"/>
+          <a:lstStyle>
+            <a:defPPr>
+              <a:defRPr lang="en-US"/>
+            </a:defPPr>
+            <a:lvl1pPr>
+              <a:defRPr sz="2400"/>
+            </a:lvl1pPr>
+          </a:lstStyle>
+          <a:p>
+            <a:r>
+              <a:rPr lang="en-US" dirty="0"/>
+              <a:t>Address/data Bus</a:t>
+            </a:r>
+          </a:p>
+        </p:txBody>
+      </p:sp>
+      <p:cxnSp>
+        <p:nvCxnSpPr>
+          <p:cNvPr id="27" name="Straight Arrow Connector 26"/>
+          <p:cNvCxnSpPr/>
+          <p:nvPr/>
+        </p:nvCxnSpPr>
+        <p:spPr>
+          <a:xfrm>
+            <a:off x="7713255" y="4196122"/>
+            <a:ext cx="3208712" cy="0"/>
+          </a:xfrm>
+          <a:prstGeom prst="straightConnector1">
+            <a:avLst/>
+          </a:prstGeom>
+          <a:ln w="57150">
+            <a:headEnd type="triangle"/>
+            <a:tailEnd type="triangle"/>
+          </a:ln>
+        </p:spPr>
+        <p:style>
+          <a:lnRef idx="1">
+            <a:schemeClr val="accent1"/>
+          </a:lnRef>
+          <a:fillRef idx="0">
+            <a:schemeClr val="accent1"/>
+          </a:fillRef>
+          <a:effectRef idx="0">
+            <a:schemeClr val="accent1"/>
+          </a:effectRef>
+          <a:fontRef idx="minor">
+            <a:schemeClr val="tx1"/>
+          </a:fontRef>
+        </p:style>
+      </p:cxnSp>
+      <p:sp>
+        <p:nvSpPr>
+          <p:cNvPr id="28" name="TextBox 27"/>
+          <p:cNvSpPr txBox="1"/>
+          <p:nvPr/>
+        </p:nvSpPr>
+        <p:spPr>
+          <a:xfrm>
+            <a:off x="8067515" y="3662320"/>
+            <a:ext cx="2549288" cy="461665"/>
+          </a:xfrm>
+          <a:prstGeom prst="rect">
+            <a:avLst/>
+          </a:prstGeom>
+          <a:noFill/>
+        </p:spPr>
+        <p:txBody>
+          <a:bodyPr wrap="square" rtlCol="0">
+            <a:spAutoFit/>
+          </a:bodyPr>
+          <a:lstStyle>
+            <a:defPPr>
+              <a:defRPr lang="en-US"/>
+            </a:defPPr>
+            <a:lvl1pPr>
+              <a:defRPr sz="2400"/>
+            </a:lvl1pPr>
+          </a:lstStyle>
+          <a:p>
+            <a:r>
+              <a:rPr lang="en-US" dirty="0"/>
+              <a:t>Control Signals Bus</a:t>
+            </a:r>
           </a:p>
         </p:txBody>
       </p:sp>
     </p:spTree>
     <p:extLst>
       <p:ext uri="{BB962C8B-B14F-4D97-AF65-F5344CB8AC3E}">
-        <p14:creationId xmlns:p14="http://schemas.microsoft.com/office/powerpoint/2010/main" val="3026884009"/>
+        <p14:creationId xmlns:p14="http://schemas.microsoft.com/office/powerpoint/2010/main" val="3699857399"/>
       </p:ext>
     </p:extLst>
   </p:cSld>
@@ -5440,14 +4889,19 @@
             <p:ph type="title"/>
           </p:nvPr>
         </p:nvSpPr>
-        <p:spPr/>
+        <p:spPr>
+          <a:xfrm>
+            <a:off x="517533" y="213900"/>
+            <a:ext cx="10515600" cy="1325563"/>
+          </a:xfrm>
+        </p:spPr>
         <p:txBody>
           <a:bodyPr/>
           <a:lstStyle/>
           <a:p>
             <a:r>
               <a:rPr lang="en-US" dirty="0" smtClean="0"/>
-              <a:t>Memory controller– Verification cases CPU</a:t>
+              <a:t>Memory controller – Control signals</a:t>
             </a:r>
             <a:endParaRPr lang="en-US" dirty="0"/>
           </a:p>
@@ -5455,14 +4909,40 @@
       </p:sp>
       <p:sp>
         <p:nvSpPr>
-          <p:cNvPr id="6" name="TextBox 5"/>
+          <p:cNvPr id="4" name="TextBox 3"/>
           <p:cNvSpPr txBox="1"/>
           <p:nvPr/>
         </p:nvSpPr>
         <p:spPr>
           <a:xfrm>
-            <a:off x="1080654" y="1690688"/>
-            <a:ext cx="10061479" cy="2246769"/>
+            <a:off x="1524000" y="2116667"/>
+            <a:ext cx="184731" cy="369332"/>
+          </a:xfrm>
+          <a:prstGeom prst="rect">
+            <a:avLst/>
+          </a:prstGeom>
+          <a:noFill/>
+        </p:spPr>
+        <p:txBody>
+          <a:bodyPr wrap="none" rtlCol="0">
+            <a:spAutoFit/>
+          </a:bodyPr>
+          <a:lstStyle/>
+          <a:p>
+            <a:endParaRPr lang="en-US" dirty="0"/>
+          </a:p>
+        </p:txBody>
+      </p:sp>
+      <p:sp>
+        <p:nvSpPr>
+          <p:cNvPr id="5" name="TextBox 4"/>
+          <p:cNvSpPr txBox="1"/>
+          <p:nvPr/>
+        </p:nvSpPr>
+        <p:spPr>
+          <a:xfrm>
+            <a:off x="453500" y="1371600"/>
+            <a:ext cx="11738500" cy="5816977"/>
           </a:xfrm>
           <a:prstGeom prst="rect">
             <a:avLst/>
@@ -5481,8 +4961,64 @@
             </a:pPr>
             <a:r>
               <a:rPr lang="en-US" sz="2800" dirty="0" smtClean="0"/>
-              <a:t>Cache Snoop – miss</a:t>
-            </a:r>
+              <a:t>AHOLD – address hold: maintain </a:t>
+            </a:r>
+            <a:r>
+              <a:rPr lang="en-US" sz="2800" dirty="0" err="1" smtClean="0"/>
+              <a:t>memoryconsistency</a:t>
+            </a:r>
+            <a:endParaRPr lang="en-US" sz="2800" dirty="0" smtClean="0"/>
+          </a:p>
+          <a:p>
+            <a:r>
+              <a:rPr lang="en-US" sz="2800" dirty="0" smtClean="0"/>
+              <a:t>• EADS# - external address strobe: external; informs the processor of a valid address on its local bus to be snooped (internal cache lookup)</a:t>
+            </a:r>
+          </a:p>
+          <a:p>
+            <a:r>
+              <a:rPr lang="en-US" sz="2800" dirty="0" smtClean="0"/>
+              <a:t>• input INV – invalidate: external; informs the processor to leave cache line valid or mark it invalid on a snoop hit</a:t>
+            </a:r>
+          </a:p>
+          <a:p>
+            <a:r>
+              <a:rPr lang="en-US" sz="2800" dirty="0" smtClean="0"/>
+              <a:t>• </a:t>
+            </a:r>
+            <a:r>
+              <a:rPr lang="en-US" sz="2800" dirty="0" err="1" smtClean="0"/>
+              <a:t>inout</a:t>
+            </a:r>
+            <a:r>
+              <a:rPr lang="en-US" sz="2800" dirty="0" smtClean="0"/>
+              <a:t> HIT# - hit on internal cache – notify other processors that information is shared by another cache</a:t>
+            </a:r>
+          </a:p>
+          <a:p>
+            <a:r>
+              <a:rPr lang="en-US" sz="2800" dirty="0" smtClean="0"/>
+              <a:t>• </a:t>
+            </a:r>
+            <a:r>
+              <a:rPr lang="en-US" sz="2800" dirty="0" err="1" smtClean="0"/>
+              <a:t>inout</a:t>
+            </a:r>
+            <a:r>
+              <a:rPr lang="en-US" sz="2800" dirty="0" smtClean="0"/>
+              <a:t> HITM# - hit modified line: hit to a modified line </a:t>
+            </a:r>
+            <a:r>
+              <a:rPr lang="en-US" sz="2800" dirty="0" err="1" smtClean="0"/>
+              <a:t>incache</a:t>
+            </a:r>
+            <a:r>
+              <a:rPr lang="en-US" sz="2800" dirty="0" smtClean="0"/>
+              <a:t>, write-back required</a:t>
+            </a:r>
+          </a:p>
+          <a:p>
+            <a:endParaRPr lang="en-US" sz="2800" dirty="0" smtClean="0"/>
           </a:p>
           <a:p>
             <a:pPr marL="285750" indent="-285750">
@@ -5491,45 +5027,32 @@
             </a:pPr>
             <a:r>
               <a:rPr lang="en-US" sz="2800" dirty="0" smtClean="0"/>
-              <a:t>Cache Snoop – Hit Clean</a:t>
-            </a:r>
-          </a:p>
-          <a:p>
-            <a:pPr marL="285750" indent="-285750">
-              <a:buFont typeface="Arial" panose="020B0604020202020204" pitchFamily="34" charset="0"/>
-              <a:buChar char="•"/>
-            </a:pPr>
+              <a:t> PBGNT# - private bus grant: asserted to grant bus ownership </a:t>
+            </a:r>
+          </a:p>
+          <a:p>
             <a:r>
               <a:rPr lang="en-US" sz="2800" dirty="0" smtClean="0"/>
-              <a:t>Cache Snoop – Hit Modified.</a:t>
-            </a:r>
-          </a:p>
-          <a:p>
-            <a:pPr marL="742950" lvl="1" indent="-285750">
-              <a:buFont typeface="Arial" panose="020B0604020202020204" pitchFamily="34" charset="0"/>
-              <a:buChar char="•"/>
-            </a:pPr>
+              <a:t>• </a:t>
+            </a:r>
+            <a:r>
+              <a:rPr lang="en-US" sz="2800" dirty="0" err="1" smtClean="0"/>
+              <a:t>inout</a:t>
+            </a:r>
             <a:r>
               <a:rPr lang="en-US" sz="2800" dirty="0" smtClean="0"/>
-              <a:t>Write back.</a:t>
-            </a:r>
-          </a:p>
-          <a:p>
-            <a:pPr marL="285750" indent="-285750">
-              <a:buFont typeface="Arial" panose="020B0604020202020204" pitchFamily="34" charset="0"/>
-              <a:buChar char="•"/>
-            </a:pPr>
-            <a:r>
-              <a:rPr lang="en-US" sz="2800" dirty="0" smtClean="0"/>
-              <a:t>Test all control signals.</a:t>
-            </a:r>
+              <a:t> PBREQ# - private bus request: asserted to request bus ownership</a:t>
+            </a:r>
+          </a:p>
+          <a:p>
+            <a:endParaRPr lang="en-US" sz="3600" dirty="0"/>
           </a:p>
         </p:txBody>
       </p:sp>
     </p:spTree>
     <p:extLst>
       <p:ext uri="{BB962C8B-B14F-4D97-AF65-F5344CB8AC3E}">
-        <p14:creationId xmlns:p14="http://schemas.microsoft.com/office/powerpoint/2010/main" val="975038441"/>
+        <p14:creationId xmlns:p14="http://schemas.microsoft.com/office/powerpoint/2010/main" val="3026884009"/>
       </p:ext>
     </p:extLst>
   </p:cSld>
@@ -5573,7 +5096,7 @@
           <a:p>
             <a:r>
               <a:rPr lang="en-US" dirty="0" smtClean="0"/>
-              <a:t>Memory controller– Verification cases Peripheral</a:t>
+              <a:t>Memory controller– Verification cases CPU</a:t>
             </a:r>
             <a:endParaRPr lang="en-US" dirty="0"/>
           </a:p>
@@ -5588,7 +5111,7 @@
         <p:spPr>
           <a:xfrm>
             <a:off x="1080654" y="1690688"/>
-            <a:ext cx="10061479" cy="4832092"/>
+            <a:ext cx="10061479" cy="2246769"/>
           </a:xfrm>
           <a:prstGeom prst="rect">
             <a:avLst/>
@@ -5607,7 +5130,7 @@
             </a:pPr>
             <a:r>
               <a:rPr lang="en-US" sz="2800" dirty="0" smtClean="0"/>
-              <a:t>Reject peripheral request, bus held by CPU or MC.</a:t>
+              <a:t>Cache Snoop – miss</a:t>
             </a:r>
           </a:p>
           <a:p>
@@ -5617,7 +5140,7 @@
             </a:pPr>
             <a:r>
               <a:rPr lang="en-US" sz="2800" dirty="0" smtClean="0"/>
-              <a:t>Handle Peripheral memory write – No error, cache miss/ cache clean hit</a:t>
+              <a:t>Cache Snoop – Hit Clean</a:t>
             </a:r>
           </a:p>
           <a:p>
@@ -5627,9 +5150,18 @@
             </a:pPr>
             <a:r>
               <a:rPr lang="en-US" sz="2800" dirty="0" smtClean="0"/>
-              <a:t>Handle Peripheral memory read– No error, cache miss/ cache clean hit</a:t>
-            </a:r>
-            <a:endParaRPr lang="en-US" sz="2800" b="1" dirty="0" smtClean="0"/>
+              <a:t>Cache Snoop – Hit Modified.</a:t>
+            </a:r>
+          </a:p>
+          <a:p>
+            <a:pPr marL="742950" lvl="1" indent="-285750">
+              <a:buFont typeface="Arial" panose="020B0604020202020204" pitchFamily="34" charset="0"/>
+              <a:buChar char="•"/>
+            </a:pPr>
+            <a:r>
+              <a:rPr lang="en-US" sz="2800" dirty="0" smtClean="0"/>
+              <a:t>Write back.</a:t>
+            </a:r>
           </a:p>
           <a:p>
             <a:pPr marL="285750" indent="-285750">
@@ -5638,46 +5170,15 @@
             </a:pPr>
             <a:r>
               <a:rPr lang="en-US" sz="2800" dirty="0" smtClean="0"/>
-              <a:t>Handle Peripheral memory read – No error, cache hit Modified with retry</a:t>
-            </a:r>
-          </a:p>
-          <a:p>
-            <a:pPr marL="285750" indent="-285750">
-              <a:buFont typeface="Arial" panose="020B0604020202020204" pitchFamily="34" charset="0"/>
-              <a:buChar char="•"/>
-            </a:pPr>
-            <a:r>
-              <a:rPr lang="en-US" sz="2800" dirty="0" smtClean="0"/>
-              <a:t>Handle Peripheral memory write – No error, cache hit Modified with retry</a:t>
-            </a:r>
-          </a:p>
-          <a:p>
-            <a:pPr marL="285750" indent="-285750">
-              <a:buFont typeface="Arial" panose="020B0604020202020204" pitchFamily="34" charset="0"/>
-              <a:buChar char="•"/>
-            </a:pPr>
-            <a:r>
-              <a:rPr lang="en-US" sz="2800" dirty="0" smtClean="0"/>
-              <a:t>Handle Peripheral memory read – Error</a:t>
-            </a:r>
-          </a:p>
-          <a:p>
-            <a:pPr marL="285750" indent="-285750">
-              <a:buFont typeface="Arial" panose="020B0604020202020204" pitchFamily="34" charset="0"/>
-              <a:buChar char="•"/>
-            </a:pPr>
-            <a:r>
-              <a:rPr lang="en-US" sz="2800" dirty="0" smtClean="0"/>
-              <a:t>Handle  Peripheral memory write – Error</a:t>
-            </a:r>
-            <a:endParaRPr lang="en-US" sz="2800" dirty="0"/>
+              <a:t>Test all control signals.</a:t>
+            </a:r>
           </a:p>
         </p:txBody>
       </p:sp>
     </p:spTree>
     <p:extLst>
       <p:ext uri="{BB962C8B-B14F-4D97-AF65-F5344CB8AC3E}">
-        <p14:creationId xmlns:p14="http://schemas.microsoft.com/office/powerpoint/2010/main" val="3538709769"/>
+        <p14:creationId xmlns:p14="http://schemas.microsoft.com/office/powerpoint/2010/main" val="975038441"/>
       </p:ext>
     </p:extLst>
   </p:cSld>
@@ -5721,93 +5222,12 @@
           <a:p>
             <a:r>
               <a:rPr lang="en-US" dirty="0" smtClean="0"/>
-              <a:t>Main Memory</a:t>
+              <a:t>Memory controller– Verification cases Peripheral</a:t>
             </a:r>
             <a:endParaRPr lang="en-US" dirty="0"/>
           </a:p>
         </p:txBody>
       </p:sp>
-      <p:sp>
-        <p:nvSpPr>
-          <p:cNvPr id="4" name="Rectangle 3"/>
-          <p:cNvSpPr/>
-          <p:nvPr/>
-        </p:nvSpPr>
-        <p:spPr>
-          <a:xfrm>
-            <a:off x="3672378" y="2923656"/>
-            <a:ext cx="3690851" cy="2859578"/>
-          </a:xfrm>
-          <a:prstGeom prst="rect">
-            <a:avLst/>
-          </a:prstGeom>
-          <a:solidFill>
-            <a:schemeClr val="tx2"/>
-          </a:solidFill>
-        </p:spPr>
-        <p:style>
-          <a:lnRef idx="2">
-            <a:schemeClr val="accent1">
-              <a:shade val="50000"/>
-            </a:schemeClr>
-          </a:lnRef>
-          <a:fillRef idx="1">
-            <a:schemeClr val="accent1"/>
-          </a:fillRef>
-          <a:effectRef idx="0">
-            <a:schemeClr val="accent1"/>
-          </a:effectRef>
-          <a:fontRef idx="minor">
-            <a:schemeClr val="lt1"/>
-          </a:fontRef>
-        </p:style>
-        <p:txBody>
-          <a:bodyPr rtlCol="0" anchor="ctr"/>
-          <a:lstStyle/>
-          <a:p>
-            <a:pPr algn="ctr"/>
-            <a:r>
-              <a:rPr lang="en-US" sz="4400" dirty="0" smtClean="0"/>
-              <a:t>Main Memory</a:t>
-            </a:r>
-            <a:endParaRPr lang="en-US" sz="4400" dirty="0"/>
-          </a:p>
-        </p:txBody>
-      </p:sp>
-      <p:cxnSp>
-        <p:nvCxnSpPr>
-          <p:cNvPr id="5" name="Straight Arrow Connector 4"/>
-          <p:cNvCxnSpPr/>
-          <p:nvPr/>
-        </p:nvCxnSpPr>
-        <p:spPr>
-          <a:xfrm flipV="1">
-            <a:off x="4553527" y="1690688"/>
-            <a:ext cx="0" cy="1128107"/>
-          </a:xfrm>
-          <a:prstGeom prst="straightConnector1">
-            <a:avLst/>
-          </a:prstGeom>
-          <a:ln w="57150">
-            <a:headEnd type="triangle"/>
-            <a:tailEnd type="triangle"/>
-          </a:ln>
-        </p:spPr>
-        <p:style>
-          <a:lnRef idx="1">
-            <a:schemeClr val="accent1"/>
-          </a:lnRef>
-          <a:fillRef idx="0">
-            <a:schemeClr val="accent1"/>
-          </a:fillRef>
-          <a:effectRef idx="0">
-            <a:schemeClr val="accent1"/>
-          </a:effectRef>
-          <a:fontRef idx="minor">
-            <a:schemeClr val="tx1"/>
-          </a:fontRef>
-        </p:style>
-      </p:cxnSp>
       <p:sp>
         <p:nvSpPr>
           <p:cNvPr id="6" name="TextBox 5"/>
@@ -5816,8 +5236,8 @@
         </p:nvSpPr>
         <p:spPr>
           <a:xfrm>
-            <a:off x="4909127" y="2030138"/>
-            <a:ext cx="5233940" cy="830997"/>
+            <a:off x="1080654" y="1690688"/>
+            <a:ext cx="10061479" cy="4832092"/>
           </a:xfrm>
           <a:prstGeom prst="rect">
             <a:avLst/>
@@ -5828,117 +5248,76 @@
           <a:bodyPr wrap="square" rtlCol="0">
             <a:spAutoFit/>
           </a:bodyPr>
-          <a:lstStyle>
-            <a:defPPr>
-              <a:defRPr lang="en-US"/>
-            </a:defPPr>
-            <a:lvl1pPr>
-              <a:defRPr sz="2400"/>
-            </a:lvl1pPr>
-          </a:lstStyle>
-          <a:p>
-            <a:r>
-              <a:rPr lang="en-US" dirty="0"/>
-              <a:t>Address/data Bus to </a:t>
-            </a:r>
-            <a:r>
-              <a:rPr lang="en-US" dirty="0" smtClean="0"/>
-              <a:t>Memory controller</a:t>
-            </a:r>
-          </a:p>
-          <a:p>
-            <a:endParaRPr lang="en-US" dirty="0"/>
-          </a:p>
-        </p:txBody>
-      </p:sp>
-      <p:sp>
-        <p:nvSpPr>
-          <p:cNvPr id="3" name="TextBox 2"/>
-          <p:cNvSpPr txBox="1"/>
-          <p:nvPr/>
-        </p:nvSpPr>
-        <p:spPr>
-          <a:xfrm>
-            <a:off x="1137293" y="4736865"/>
-            <a:ext cx="2060244" cy="523220"/>
-          </a:xfrm>
-          <a:prstGeom prst="rect">
-            <a:avLst/>
-          </a:prstGeom>
-          <a:noFill/>
-        </p:spPr>
-        <p:txBody>
-          <a:bodyPr wrap="none" rtlCol="0">
-            <a:spAutoFit/>
-          </a:bodyPr>
-          <a:lstStyle/>
-          <a:p>
+          <a:lstStyle/>
+          <a:p>
+            <a:pPr marL="285750" indent="-285750">
+              <a:buFont typeface="Arial" panose="020B0604020202020204" pitchFamily="34" charset="0"/>
+              <a:buChar char="•"/>
+            </a:pPr>
             <a:r>
               <a:rPr lang="en-US" sz="2800" dirty="0" smtClean="0"/>
-              <a:t>Write Enable</a:t>
-            </a:r>
-            <a:endParaRPr lang="en-US" sz="2800" dirty="0"/>
-          </a:p>
-        </p:txBody>
-      </p:sp>
-      <p:cxnSp>
-        <p:nvCxnSpPr>
-          <p:cNvPr id="15" name="Straight Arrow Connector 14"/>
-          <p:cNvCxnSpPr/>
-          <p:nvPr/>
-        </p:nvCxnSpPr>
-        <p:spPr>
-          <a:xfrm flipV="1">
-            <a:off x="640812" y="5279504"/>
-            <a:ext cx="2793076" cy="5109"/>
-          </a:xfrm>
-          <a:prstGeom prst="straightConnector1">
-            <a:avLst/>
-          </a:prstGeom>
-          <a:ln w="57150">
-            <a:tailEnd type="triangle"/>
-          </a:ln>
-        </p:spPr>
-        <p:style>
-          <a:lnRef idx="1">
-            <a:schemeClr val="accent1"/>
-          </a:lnRef>
-          <a:fillRef idx="0">
-            <a:schemeClr val="accent1"/>
-          </a:fillRef>
-          <a:effectRef idx="0">
-            <a:schemeClr val="accent1"/>
-          </a:effectRef>
-          <a:fontRef idx="minor">
-            <a:schemeClr val="tx1"/>
-          </a:fontRef>
-        </p:style>
-      </p:cxnSp>
-      <p:sp>
-        <p:nvSpPr>
-          <p:cNvPr id="7" name="TextBox 6"/>
-          <p:cNvSpPr txBox="1"/>
-          <p:nvPr/>
-        </p:nvSpPr>
-        <p:spPr>
-          <a:xfrm>
-            <a:off x="8568267" y="3843866"/>
-            <a:ext cx="2785533" cy="1384995"/>
-          </a:xfrm>
-          <a:prstGeom prst="rect">
-            <a:avLst/>
-          </a:prstGeom>
-          <a:noFill/>
-        </p:spPr>
-        <p:txBody>
-          <a:bodyPr wrap="square" rtlCol="0">
-            <a:spAutoFit/>
-          </a:bodyPr>
-          <a:lstStyle/>
-          <a:p>
+              <a:t>Reject peripheral request, bus held by CPU or MC.</a:t>
+            </a:r>
+          </a:p>
+          <a:p>
+            <a:pPr marL="285750" indent="-285750">
+              <a:buFont typeface="Arial" panose="020B0604020202020204" pitchFamily="34" charset="0"/>
+              <a:buChar char="•"/>
+            </a:pPr>
             <a:r>
               <a:rPr lang="en-US" sz="2800" dirty="0" smtClean="0"/>
-              <a:t>Implement single port RAM with WE and MESI bits</a:t>
+              <a:t>Handle Peripheral memory write – No error, cache miss/ cache clean hit</a:t>
+            </a:r>
+          </a:p>
+          <a:p>
+            <a:pPr marL="285750" indent="-285750">
+              <a:buFont typeface="Arial" panose="020B0604020202020204" pitchFamily="34" charset="0"/>
+              <a:buChar char="•"/>
+            </a:pPr>
+            <a:r>
+              <a:rPr lang="en-US" sz="2800" dirty="0" smtClean="0"/>
+              <a:t>Handle Peripheral memory read– No error, cache miss/ cache clean hit</a:t>
+            </a:r>
+            <a:endParaRPr lang="en-US" sz="2800" b="1" dirty="0" smtClean="0"/>
+          </a:p>
+          <a:p>
+            <a:pPr marL="285750" indent="-285750">
+              <a:buFont typeface="Arial" panose="020B0604020202020204" pitchFamily="34" charset="0"/>
+              <a:buChar char="•"/>
+            </a:pPr>
+            <a:r>
+              <a:rPr lang="en-US" sz="2800" dirty="0" smtClean="0"/>
+              <a:t>Handle Peripheral memory read – No error, cache hit Modified with retry</a:t>
+            </a:r>
+          </a:p>
+          <a:p>
+            <a:pPr marL="285750" indent="-285750">
+              <a:buFont typeface="Arial" panose="020B0604020202020204" pitchFamily="34" charset="0"/>
+              <a:buChar char="•"/>
+            </a:pPr>
+            <a:r>
+              <a:rPr lang="en-US" sz="2800" dirty="0" smtClean="0"/>
+              <a:t>Handle Peripheral memory write – No error, cache hit Modified with retry</a:t>
+            </a:r>
+          </a:p>
+          <a:p>
+            <a:pPr marL="285750" indent="-285750">
+              <a:buFont typeface="Arial" panose="020B0604020202020204" pitchFamily="34" charset="0"/>
+              <a:buChar char="•"/>
+            </a:pPr>
+            <a:r>
+              <a:rPr lang="en-US" sz="2800" dirty="0" smtClean="0"/>
+              <a:t>Handle Peripheral memory read – Error</a:t>
+            </a:r>
+          </a:p>
+          <a:p>
+            <a:pPr marL="285750" indent="-285750">
+              <a:buFont typeface="Arial" panose="020B0604020202020204" pitchFamily="34" charset="0"/>
+              <a:buChar char="•"/>
+            </a:pPr>
+            <a:r>
+              <a:rPr lang="en-US" sz="2800" dirty="0" smtClean="0"/>
+              <a:t>Handle  Peripheral memory write – Error</a:t>
             </a:r>
             <a:endParaRPr lang="en-US" sz="2800" dirty="0"/>
           </a:p>
@@ -5947,7 +5326,7 @@
     </p:spTree>
     <p:extLst>
       <p:ext uri="{BB962C8B-B14F-4D97-AF65-F5344CB8AC3E}">
-        <p14:creationId xmlns:p14="http://schemas.microsoft.com/office/powerpoint/2010/main" val="1797040629"/>
+        <p14:creationId xmlns:p14="http://schemas.microsoft.com/office/powerpoint/2010/main" val="3538709769"/>
       </p:ext>
     </p:extLst>
   </p:cSld>
@@ -5984,53 +5363,145 @@
             <p:ph type="title"/>
           </p:nvPr>
         </p:nvSpPr>
-        <p:spPr/>
+        <p:spPr>
+          <a:xfrm>
+            <a:off x="253692" y="12709"/>
+            <a:ext cx="10515600" cy="1325563"/>
+          </a:xfrm>
+        </p:spPr>
         <p:txBody>
           <a:bodyPr/>
           <a:lstStyle/>
           <a:p>
             <a:r>
               <a:rPr lang="en-US" dirty="0" smtClean="0"/>
-              <a:t>Main memory TB</a:t>
+              <a:t>CPU</a:t>
             </a:r>
             <a:endParaRPr lang="en-US" dirty="0"/>
           </a:p>
         </p:txBody>
       </p:sp>
-      <p:pic>
-        <p:nvPicPr>
-          <p:cNvPr id="3" name="Picture 2"/>
-          <p:cNvPicPr>
-            <a:picLocks noChangeAspect="1"/>
-          </p:cNvPicPr>
-          <p:nvPr/>
-        </p:nvPicPr>
-        <p:blipFill>
-          <a:blip r:embed="rId2"/>
-          <a:stretch>
-            <a:fillRect/>
-          </a:stretch>
-        </p:blipFill>
-        <p:spPr>
-          <a:xfrm>
-            <a:off x="6825917" y="4034741"/>
-            <a:ext cx="2991852" cy="2611857"/>
+      <p:sp>
+        <p:nvSpPr>
+          <p:cNvPr id="4" name="Rectangle 3"/>
+          <p:cNvSpPr/>
+          <p:nvPr/>
+        </p:nvSpPr>
+        <p:spPr>
+          <a:xfrm>
+            <a:off x="5016081" y="2249464"/>
+            <a:ext cx="3690851" cy="2859578"/>
           </a:xfrm>
           <a:prstGeom prst="rect">
             <a:avLst/>
           </a:prstGeom>
-        </p:spPr>
-      </p:pic>
-      <p:sp>
-        <p:nvSpPr>
-          <p:cNvPr id="4" name="TextBox 3"/>
+          <a:solidFill>
+            <a:srgbClr val="7030A0"/>
+          </a:solidFill>
+        </p:spPr>
+        <p:style>
+          <a:lnRef idx="2">
+            <a:schemeClr val="accent1">
+              <a:shade val="50000"/>
+            </a:schemeClr>
+          </a:lnRef>
+          <a:fillRef idx="1">
+            <a:schemeClr val="accent1"/>
+          </a:fillRef>
+          <a:effectRef idx="0">
+            <a:schemeClr val="accent1"/>
+          </a:effectRef>
+          <a:fontRef idx="minor">
+            <a:schemeClr val="lt1"/>
+          </a:fontRef>
+        </p:style>
+        <p:txBody>
+          <a:bodyPr rtlCol="0" anchor="ctr"/>
+          <a:lstStyle/>
+          <a:p>
+            <a:pPr algn="ctr"/>
+            <a:r>
+              <a:rPr lang="en-US" sz="4400" dirty="0" smtClean="0"/>
+              <a:t>CPU</a:t>
+            </a:r>
+            <a:endParaRPr lang="en-US" sz="4400" dirty="0"/>
+          </a:p>
+        </p:txBody>
+      </p:sp>
+      <p:cxnSp>
+        <p:nvCxnSpPr>
+          <p:cNvPr id="9" name="Straight Arrow Connector 8"/>
+          <p:cNvCxnSpPr/>
+          <p:nvPr/>
+        </p:nvCxnSpPr>
+        <p:spPr>
+          <a:xfrm>
+            <a:off x="1435080" y="3329980"/>
+            <a:ext cx="3208712" cy="0"/>
+          </a:xfrm>
+          <a:prstGeom prst="straightConnector1">
+            <a:avLst/>
+          </a:prstGeom>
+          <a:ln w="57150">
+            <a:headEnd type="triangle"/>
+            <a:tailEnd type="triangle"/>
+          </a:ln>
+        </p:spPr>
+        <p:style>
+          <a:lnRef idx="1">
+            <a:schemeClr val="accent1"/>
+          </a:lnRef>
+          <a:fillRef idx="0">
+            <a:schemeClr val="accent1"/>
+          </a:fillRef>
+          <a:effectRef idx="0">
+            <a:schemeClr val="accent1"/>
+          </a:effectRef>
+          <a:fontRef idx="minor">
+            <a:schemeClr val="tx1"/>
+          </a:fontRef>
+        </p:style>
+      </p:cxnSp>
+      <p:sp>
+        <p:nvSpPr>
+          <p:cNvPr id="14" name="TextBox 13"/>
           <p:cNvSpPr txBox="1"/>
           <p:nvPr/>
         </p:nvSpPr>
         <p:spPr>
           <a:xfrm>
-            <a:off x="4405814" y="4034741"/>
-            <a:ext cx="2630905" cy="646331"/>
+            <a:off x="1387651" y="2436136"/>
+            <a:ext cx="2284728" cy="369332"/>
+          </a:xfrm>
+          <a:prstGeom prst="rect">
+            <a:avLst/>
+          </a:prstGeom>
+          <a:noFill/>
+        </p:spPr>
+        <p:txBody>
+          <a:bodyPr wrap="none" rtlCol="0">
+            <a:spAutoFit/>
+          </a:bodyPr>
+          <a:lstStyle/>
+          <a:p>
+            <a:r>
+              <a:rPr lang="en-US" dirty="0" smtClean="0"/>
+              <a:t>To Memory controller:</a:t>
+            </a:r>
+            <a:endParaRPr lang="en-US" dirty="0"/>
+          </a:p>
+        </p:txBody>
+      </p:sp>
+      <p:sp>
+        <p:nvSpPr>
+          <p:cNvPr id="26" name="TextBox 25"/>
+          <p:cNvSpPr txBox="1"/>
+          <p:nvPr/>
+        </p:nvSpPr>
+        <p:spPr>
+          <a:xfrm>
+            <a:off x="2015227" y="2796179"/>
+            <a:ext cx="2373278" cy="461665"/>
           </a:xfrm>
           <a:prstGeom prst="rect">
             <a:avLst/>
@@ -6041,26 +5512,66 @@
           <a:bodyPr wrap="square" rtlCol="0">
             <a:spAutoFit/>
           </a:bodyPr>
-          <a:lstStyle/>
-          <a:p>
-            <a:r>
-              <a:rPr lang="en-US" dirty="0" smtClean="0"/>
-              <a:t>Structure used in file to initialize the memory</a:t>
-            </a:r>
-            <a:endParaRPr lang="en-US" dirty="0"/>
-          </a:p>
-        </p:txBody>
-      </p:sp>
-      <p:sp>
-        <p:nvSpPr>
-          <p:cNvPr id="5" name="TextBox 4"/>
+          <a:lstStyle>
+            <a:defPPr>
+              <a:defRPr lang="en-US"/>
+            </a:defPPr>
+            <a:lvl1pPr>
+              <a:defRPr sz="2400"/>
+            </a:lvl1pPr>
+          </a:lstStyle>
+          <a:p>
+            <a:r>
+              <a:rPr lang="en-US" dirty="0"/>
+              <a:t>Address/data Bus</a:t>
+            </a:r>
+          </a:p>
+        </p:txBody>
+      </p:sp>
+      <p:cxnSp>
+        <p:nvCxnSpPr>
+          <p:cNvPr id="27" name="Straight Arrow Connector 26"/>
+          <p:cNvCxnSpPr/>
+          <p:nvPr/>
+        </p:nvCxnSpPr>
+        <p:spPr>
+          <a:xfrm>
+            <a:off x="1484957" y="4213055"/>
+            <a:ext cx="3208712" cy="0"/>
+          </a:xfrm>
+          <a:prstGeom prst="straightConnector1">
+            <a:avLst/>
+          </a:prstGeom>
+          <a:ln w="57150">
+            <a:headEnd type="triangle"/>
+            <a:tailEnd type="triangle"/>
+          </a:ln>
+        </p:spPr>
+        <p:style>
+          <a:lnRef idx="1">
+            <a:schemeClr val="accent1"/>
+          </a:lnRef>
+          <a:fillRef idx="0">
+            <a:schemeClr val="accent1"/>
+          </a:fillRef>
+          <a:effectRef idx="0">
+            <a:schemeClr val="accent1"/>
+          </a:effectRef>
+          <a:fontRef idx="minor">
+            <a:schemeClr val="tx1"/>
+          </a:fontRef>
+        </p:style>
+      </p:cxnSp>
+      <p:sp>
+        <p:nvSpPr>
+          <p:cNvPr id="28" name="TextBox 27"/>
           <p:cNvSpPr txBox="1"/>
           <p:nvPr/>
         </p:nvSpPr>
         <p:spPr>
           <a:xfrm>
-            <a:off x="673769" y="1321356"/>
-            <a:ext cx="4656221" cy="369332"/>
+            <a:off x="1839217" y="3679253"/>
+            <a:ext cx="2549288" cy="461665"/>
           </a:xfrm>
           <a:prstGeom prst="rect">
             <a:avLst/>
@@ -6071,146 +5582,26 @@
           <a:bodyPr wrap="square" rtlCol="0">
             <a:spAutoFit/>
           </a:bodyPr>
-          <a:lstStyle/>
-          <a:p>
-            <a:r>
-              <a:rPr lang="en-US" dirty="0" smtClean="0"/>
-              <a:t>Reading main memory from initialized file:</a:t>
-            </a:r>
-            <a:endParaRPr lang="en-US" dirty="0"/>
-          </a:p>
-        </p:txBody>
-      </p:sp>
-      <p:sp>
-        <p:nvSpPr>
-          <p:cNvPr id="6" name="TextBox 5"/>
-          <p:cNvSpPr txBox="1"/>
-          <p:nvPr/>
-        </p:nvSpPr>
-        <p:spPr>
-          <a:xfrm>
-            <a:off x="6458953" y="1321356"/>
-            <a:ext cx="4656221" cy="369332"/>
-          </a:xfrm>
-          <a:prstGeom prst="rect">
-            <a:avLst/>
-          </a:prstGeom>
-          <a:noFill/>
-        </p:spPr>
-        <p:txBody>
-          <a:bodyPr wrap="square" rtlCol="0">
-            <a:spAutoFit/>
-          </a:bodyPr>
-          <a:lstStyle/>
-          <a:p>
-            <a:r>
-              <a:rPr lang="en-US" dirty="0" smtClean="0"/>
-              <a:t>Writing random data to main memory :</a:t>
-            </a:r>
-            <a:endParaRPr lang="en-US" dirty="0"/>
-          </a:p>
-        </p:txBody>
-      </p:sp>
-      <p:pic>
-        <p:nvPicPr>
-          <p:cNvPr id="7" name="Picture 6"/>
-          <p:cNvPicPr>
-            <a:picLocks noChangeAspect="1"/>
-          </p:cNvPicPr>
-          <p:nvPr/>
-        </p:nvPicPr>
-        <p:blipFill>
-          <a:blip r:embed="rId3"/>
-          <a:stretch>
-            <a:fillRect/>
-          </a:stretch>
-        </p:blipFill>
-        <p:spPr>
-          <a:xfrm>
-            <a:off x="746960" y="2828781"/>
-            <a:ext cx="3131469" cy="1966539"/>
-          </a:xfrm>
-          <a:prstGeom prst="rect">
-            <a:avLst/>
-          </a:prstGeom>
-        </p:spPr>
-      </p:pic>
-      <p:pic>
-        <p:nvPicPr>
-          <p:cNvPr id="8" name="Picture 7"/>
-          <p:cNvPicPr>
-            <a:picLocks noChangeAspect="1"/>
-          </p:cNvPicPr>
-          <p:nvPr/>
-        </p:nvPicPr>
-        <p:blipFill>
-          <a:blip r:embed="rId4"/>
-          <a:stretch>
-            <a:fillRect/>
-          </a:stretch>
-        </p:blipFill>
-        <p:spPr>
-          <a:xfrm>
-            <a:off x="673769" y="1810098"/>
-            <a:ext cx="5548813" cy="899273"/>
-          </a:xfrm>
-          <a:prstGeom prst="rect">
-            <a:avLst/>
-          </a:prstGeom>
-        </p:spPr>
-      </p:pic>
-      <p:pic>
-        <p:nvPicPr>
-          <p:cNvPr id="9" name="Picture 8"/>
-          <p:cNvPicPr>
-            <a:picLocks noChangeAspect="1"/>
-          </p:cNvPicPr>
-          <p:nvPr/>
-        </p:nvPicPr>
-        <p:blipFill>
-          <a:blip r:embed="rId5"/>
-          <a:stretch>
-            <a:fillRect/>
-          </a:stretch>
-        </p:blipFill>
-        <p:spPr>
-          <a:xfrm>
-            <a:off x="6458953" y="1810098"/>
-            <a:ext cx="5733047" cy="861068"/>
-          </a:xfrm>
-          <a:prstGeom prst="rect">
-            <a:avLst/>
-          </a:prstGeom>
-        </p:spPr>
-      </p:pic>
-      <p:pic>
-        <p:nvPicPr>
-          <p:cNvPr id="10" name="Picture 9"/>
-          <p:cNvPicPr>
-            <a:picLocks noChangeAspect="1"/>
-          </p:cNvPicPr>
-          <p:nvPr/>
-        </p:nvPicPr>
-        <p:blipFill>
-          <a:blip r:embed="rId6"/>
-          <a:stretch>
-            <a:fillRect/>
-          </a:stretch>
-        </p:blipFill>
-        <p:spPr>
-          <a:xfrm>
-            <a:off x="6458953" y="2828781"/>
-            <a:ext cx="5408946" cy="1048345"/>
-          </a:xfrm>
-          <a:prstGeom prst="rect">
-            <a:avLst/>
-          </a:prstGeom>
-        </p:spPr>
-      </p:pic>
+          <a:lstStyle>
+            <a:defPPr>
+              <a:defRPr lang="en-US"/>
+            </a:defPPr>
+            <a:lvl1pPr>
+              <a:defRPr sz="2400"/>
+            </a:lvl1pPr>
+          </a:lstStyle>
+          <a:p>
+            <a:r>
+              <a:rPr lang="en-US" dirty="0"/>
+              <a:t>Control Signals Bus</a:t>
+            </a:r>
+          </a:p>
+        </p:txBody>
+      </p:sp>
     </p:spTree>
     <p:extLst>
       <p:ext uri="{BB962C8B-B14F-4D97-AF65-F5344CB8AC3E}">
-        <p14:creationId xmlns:p14="http://schemas.microsoft.com/office/powerpoint/2010/main" val="3546089743"/>
+        <p14:creationId xmlns:p14="http://schemas.microsoft.com/office/powerpoint/2010/main" val="3225322516"/>
       </p:ext>
     </p:extLst>
   </p:cSld>
@@ -6305,281 +5696,6 @@
 </file>
 
 <file path=ppt/slides/slide20.xml><?xml version="1.0" encoding="utf-8"?>
-<p:sld xmlns:a="http://schemas.openxmlformats.org/drawingml/2006/main" xmlns:r="http://schemas.openxmlformats.org/officeDocument/2006/relationships" xmlns:p="http://schemas.openxmlformats.org/presentationml/2006/main">
-  <p:cSld>
-    <p:spTree>
-      <p:nvGrpSpPr>
-        <p:cNvPr id="1" name=""/>
-        <p:cNvGrpSpPr/>
-        <p:nvPr/>
-      </p:nvGrpSpPr>
-      <p:grpSpPr>
-        <a:xfrm>
-          <a:off x="0" y="0"/>
-          <a:ext cx="0" cy="0"/>
-          <a:chOff x="0" y="0"/>
-          <a:chExt cx="0" cy="0"/>
-        </a:xfrm>
-      </p:grpSpPr>
-      <p:sp>
-        <p:nvSpPr>
-          <p:cNvPr id="2" name="Title 1"/>
-          <p:cNvSpPr>
-            <a:spLocks noGrp="1"/>
-          </p:cNvSpPr>
-          <p:nvPr>
-            <p:ph type="title"/>
-          </p:nvPr>
-        </p:nvSpPr>
-        <p:spPr>
-          <a:xfrm>
-            <a:off x="253692" y="12709"/>
-            <a:ext cx="10515600" cy="1325563"/>
-          </a:xfrm>
-        </p:spPr>
-        <p:txBody>
-          <a:bodyPr/>
-          <a:lstStyle/>
-          <a:p>
-            <a:r>
-              <a:rPr lang="en-US" dirty="0" smtClean="0"/>
-              <a:t>CPU</a:t>
-            </a:r>
-            <a:endParaRPr lang="en-US" dirty="0"/>
-          </a:p>
-        </p:txBody>
-      </p:sp>
-      <p:sp>
-        <p:nvSpPr>
-          <p:cNvPr id="4" name="Rectangle 3"/>
-          <p:cNvSpPr/>
-          <p:nvPr/>
-        </p:nvSpPr>
-        <p:spPr>
-          <a:xfrm>
-            <a:off x="5016081" y="2249464"/>
-            <a:ext cx="3690851" cy="2859578"/>
-          </a:xfrm>
-          <a:prstGeom prst="rect">
-            <a:avLst/>
-          </a:prstGeom>
-          <a:solidFill>
-            <a:srgbClr val="7030A0"/>
-          </a:solidFill>
-        </p:spPr>
-        <p:style>
-          <a:lnRef idx="2">
-            <a:schemeClr val="accent1">
-              <a:shade val="50000"/>
-            </a:schemeClr>
-          </a:lnRef>
-          <a:fillRef idx="1">
-            <a:schemeClr val="accent1"/>
-          </a:fillRef>
-          <a:effectRef idx="0">
-            <a:schemeClr val="accent1"/>
-          </a:effectRef>
-          <a:fontRef idx="minor">
-            <a:schemeClr val="lt1"/>
-          </a:fontRef>
-        </p:style>
-        <p:txBody>
-          <a:bodyPr rtlCol="0" anchor="ctr"/>
-          <a:lstStyle/>
-          <a:p>
-            <a:pPr algn="ctr"/>
-            <a:r>
-              <a:rPr lang="en-US" sz="4400" dirty="0" smtClean="0"/>
-              <a:t>CPU</a:t>
-            </a:r>
-            <a:endParaRPr lang="en-US" sz="4400" dirty="0"/>
-          </a:p>
-        </p:txBody>
-      </p:sp>
-      <p:cxnSp>
-        <p:nvCxnSpPr>
-          <p:cNvPr id="9" name="Straight Arrow Connector 8"/>
-          <p:cNvCxnSpPr/>
-          <p:nvPr/>
-        </p:nvCxnSpPr>
-        <p:spPr>
-          <a:xfrm>
-            <a:off x="1435080" y="3329980"/>
-            <a:ext cx="3208712" cy="0"/>
-          </a:xfrm>
-          <a:prstGeom prst="straightConnector1">
-            <a:avLst/>
-          </a:prstGeom>
-          <a:ln w="57150">
-            <a:headEnd type="triangle"/>
-            <a:tailEnd type="triangle"/>
-          </a:ln>
-        </p:spPr>
-        <p:style>
-          <a:lnRef idx="1">
-            <a:schemeClr val="accent1"/>
-          </a:lnRef>
-          <a:fillRef idx="0">
-            <a:schemeClr val="accent1"/>
-          </a:fillRef>
-          <a:effectRef idx="0">
-            <a:schemeClr val="accent1"/>
-          </a:effectRef>
-          <a:fontRef idx="minor">
-            <a:schemeClr val="tx1"/>
-          </a:fontRef>
-        </p:style>
-      </p:cxnSp>
-      <p:sp>
-        <p:nvSpPr>
-          <p:cNvPr id="14" name="TextBox 13"/>
-          <p:cNvSpPr txBox="1"/>
-          <p:nvPr/>
-        </p:nvSpPr>
-        <p:spPr>
-          <a:xfrm>
-            <a:off x="1387651" y="2436136"/>
-            <a:ext cx="2284728" cy="369332"/>
-          </a:xfrm>
-          <a:prstGeom prst="rect">
-            <a:avLst/>
-          </a:prstGeom>
-          <a:noFill/>
-        </p:spPr>
-        <p:txBody>
-          <a:bodyPr wrap="none" rtlCol="0">
-            <a:spAutoFit/>
-          </a:bodyPr>
-          <a:lstStyle/>
-          <a:p>
-            <a:r>
-              <a:rPr lang="en-US" dirty="0" smtClean="0"/>
-              <a:t>To Memory controller:</a:t>
-            </a:r>
-            <a:endParaRPr lang="en-US" dirty="0"/>
-          </a:p>
-        </p:txBody>
-      </p:sp>
-      <p:sp>
-        <p:nvSpPr>
-          <p:cNvPr id="26" name="TextBox 25"/>
-          <p:cNvSpPr txBox="1"/>
-          <p:nvPr/>
-        </p:nvSpPr>
-        <p:spPr>
-          <a:xfrm>
-            <a:off x="2015227" y="2796179"/>
-            <a:ext cx="2373278" cy="461665"/>
-          </a:xfrm>
-          <a:prstGeom prst="rect">
-            <a:avLst/>
-          </a:prstGeom>
-          <a:noFill/>
-        </p:spPr>
-        <p:txBody>
-          <a:bodyPr wrap="square" rtlCol="0">
-            <a:spAutoFit/>
-          </a:bodyPr>
-          <a:lstStyle>
-            <a:defPPr>
-              <a:defRPr lang="en-US"/>
-            </a:defPPr>
-            <a:lvl1pPr>
-              <a:defRPr sz="2400"/>
-            </a:lvl1pPr>
-          </a:lstStyle>
-          <a:p>
-            <a:r>
-              <a:rPr lang="en-US" dirty="0"/>
-              <a:t>Address/data Bus</a:t>
-            </a:r>
-          </a:p>
-        </p:txBody>
-      </p:sp>
-      <p:cxnSp>
-        <p:nvCxnSpPr>
-          <p:cNvPr id="27" name="Straight Arrow Connector 26"/>
-          <p:cNvCxnSpPr/>
-          <p:nvPr/>
-        </p:nvCxnSpPr>
-        <p:spPr>
-          <a:xfrm>
-            <a:off x="1484957" y="4213055"/>
-            <a:ext cx="3208712" cy="0"/>
-          </a:xfrm>
-          <a:prstGeom prst="straightConnector1">
-            <a:avLst/>
-          </a:prstGeom>
-          <a:ln w="57150">
-            <a:headEnd type="triangle"/>
-            <a:tailEnd type="triangle"/>
-          </a:ln>
-        </p:spPr>
-        <p:style>
-          <a:lnRef idx="1">
-            <a:schemeClr val="accent1"/>
-          </a:lnRef>
-          <a:fillRef idx="0">
-            <a:schemeClr val="accent1"/>
-          </a:fillRef>
-          <a:effectRef idx="0">
-            <a:schemeClr val="accent1"/>
-          </a:effectRef>
-          <a:fontRef idx="minor">
-            <a:schemeClr val="tx1"/>
-          </a:fontRef>
-        </p:style>
-      </p:cxnSp>
-      <p:sp>
-        <p:nvSpPr>
-          <p:cNvPr id="28" name="TextBox 27"/>
-          <p:cNvSpPr txBox="1"/>
-          <p:nvPr/>
-        </p:nvSpPr>
-        <p:spPr>
-          <a:xfrm>
-            <a:off x="1839217" y="3679253"/>
-            <a:ext cx="2549288" cy="461665"/>
-          </a:xfrm>
-          <a:prstGeom prst="rect">
-            <a:avLst/>
-          </a:prstGeom>
-          <a:noFill/>
-        </p:spPr>
-        <p:txBody>
-          <a:bodyPr wrap="square" rtlCol="0">
-            <a:spAutoFit/>
-          </a:bodyPr>
-          <a:lstStyle>
-            <a:defPPr>
-              <a:defRPr lang="en-US"/>
-            </a:defPPr>
-            <a:lvl1pPr>
-              <a:defRPr sz="2400"/>
-            </a:lvl1pPr>
-          </a:lstStyle>
-          <a:p>
-            <a:r>
-              <a:rPr lang="en-US" dirty="0"/>
-              <a:t>Control Signals Bus</a:t>
-            </a:r>
-          </a:p>
-        </p:txBody>
-      </p:sp>
-    </p:spTree>
-    <p:extLst>
-      <p:ext uri="{BB962C8B-B14F-4D97-AF65-F5344CB8AC3E}">
-        <p14:creationId xmlns:p14="http://schemas.microsoft.com/office/powerpoint/2010/main" val="3225322516"/>
-      </p:ext>
-    </p:extLst>
-  </p:cSld>
-  <p:clrMapOvr>
-    <a:masterClrMapping/>
-  </p:clrMapOvr>
-</p:sld>
-</file>
-
-<file path=ppt/slides/slide21.xml><?xml version="1.0" encoding="utf-8"?>
 <p:sld xmlns:a="http://schemas.openxmlformats.org/drawingml/2006/main" xmlns:r="http://schemas.openxmlformats.org/officeDocument/2006/relationships" xmlns:p="http://schemas.openxmlformats.org/presentationml/2006/main">
   <p:cSld>
     <p:spTree>
@@ -7433,6 +6549,132 @@
 </p:sld>
 </file>
 
+<file path=ppt/slides/slide21.xml><?xml version="1.0" encoding="utf-8"?>
+<p:sld xmlns:a="http://schemas.openxmlformats.org/drawingml/2006/main" xmlns:r="http://schemas.openxmlformats.org/officeDocument/2006/relationships" xmlns:p="http://schemas.openxmlformats.org/presentationml/2006/main">
+  <p:cSld>
+    <p:spTree>
+      <p:nvGrpSpPr>
+        <p:cNvPr id="1" name=""/>
+        <p:cNvGrpSpPr/>
+        <p:nvPr/>
+      </p:nvGrpSpPr>
+      <p:grpSpPr>
+        <a:xfrm>
+          <a:off x="0" y="0"/>
+          <a:ext cx="0" cy="0"/>
+          <a:chOff x="0" y="0"/>
+          <a:chExt cx="0" cy="0"/>
+        </a:xfrm>
+      </p:grpSpPr>
+      <p:sp>
+        <p:nvSpPr>
+          <p:cNvPr id="2" name="Title 1"/>
+          <p:cNvSpPr>
+            <a:spLocks noGrp="1"/>
+          </p:cNvSpPr>
+          <p:nvPr>
+            <p:ph type="title"/>
+          </p:nvPr>
+        </p:nvSpPr>
+        <p:spPr/>
+        <p:txBody>
+          <a:bodyPr/>
+          <a:lstStyle/>
+          <a:p>
+            <a:r>
+              <a:rPr lang="en-US" dirty="0" smtClean="0"/>
+              <a:t>CPU – Memory Controller - Verification cases</a:t>
+            </a:r>
+            <a:endParaRPr lang="en-US" dirty="0"/>
+          </a:p>
+        </p:txBody>
+      </p:sp>
+      <p:sp>
+        <p:nvSpPr>
+          <p:cNvPr id="6" name="TextBox 5"/>
+          <p:cNvSpPr txBox="1"/>
+          <p:nvPr/>
+        </p:nvSpPr>
+        <p:spPr>
+          <a:xfrm>
+            <a:off x="1080654" y="1690688"/>
+            <a:ext cx="10061479" cy="2246769"/>
+          </a:xfrm>
+          <a:prstGeom prst="rect">
+            <a:avLst/>
+          </a:prstGeom>
+          <a:noFill/>
+        </p:spPr>
+        <p:txBody>
+          <a:bodyPr wrap="square" rtlCol="0">
+            <a:spAutoFit/>
+          </a:bodyPr>
+          <a:lstStyle/>
+          <a:p>
+            <a:pPr marL="285750" indent="-285750">
+              <a:buFont typeface="Arial" panose="020B0604020202020204" pitchFamily="34" charset="0"/>
+              <a:buChar char="•"/>
+            </a:pPr>
+            <a:r>
+              <a:rPr lang="en-US" sz="2800" dirty="0" smtClean="0"/>
+              <a:t>Parse files</a:t>
+            </a:r>
+          </a:p>
+          <a:p>
+            <a:pPr marL="285750" indent="-285750">
+              <a:buFont typeface="Arial" panose="020B0604020202020204" pitchFamily="34" charset="0"/>
+              <a:buChar char="•"/>
+            </a:pPr>
+            <a:r>
+              <a:rPr lang="en-US" sz="2800" dirty="0" smtClean="0"/>
+              <a:t>Read from Cache</a:t>
+            </a:r>
+          </a:p>
+          <a:p>
+            <a:pPr marL="285750" indent="-285750">
+              <a:buFont typeface="Arial" panose="020B0604020202020204" pitchFamily="34" charset="0"/>
+              <a:buChar char="•"/>
+            </a:pPr>
+            <a:r>
+              <a:rPr lang="en-US" sz="2800" dirty="0" smtClean="0"/>
+              <a:t>Read from main memory</a:t>
+            </a:r>
+          </a:p>
+          <a:p>
+            <a:pPr marL="285750" indent="-285750">
+              <a:buFont typeface="Arial" panose="020B0604020202020204" pitchFamily="34" charset="0"/>
+              <a:buChar char="•"/>
+            </a:pPr>
+            <a:r>
+              <a:rPr lang="en-US" sz="2800" dirty="0" smtClean="0"/>
+              <a:t>Write to cache</a:t>
+            </a:r>
+          </a:p>
+          <a:p>
+            <a:pPr marL="285750" indent="-285750">
+              <a:buFont typeface="Arial" panose="020B0604020202020204" pitchFamily="34" charset="0"/>
+              <a:buChar char="•"/>
+            </a:pPr>
+            <a:r>
+              <a:rPr lang="en-US" sz="2800" dirty="0" smtClean="0"/>
+              <a:t>Write to main memory</a:t>
+            </a:r>
+          </a:p>
+        </p:txBody>
+      </p:sp>
+    </p:spTree>
+    <p:extLst>
+      <p:ext uri="{BB962C8B-B14F-4D97-AF65-F5344CB8AC3E}">
+        <p14:creationId xmlns:p14="http://schemas.microsoft.com/office/powerpoint/2010/main" val="438044582"/>
+      </p:ext>
+    </p:extLst>
+  </p:cSld>
+  <p:clrMapOvr>
+    <a:masterClrMapping/>
+  </p:clrMapOvr>
+</p:sld>
+</file>
+
 <file path=ppt/slides/slide22.xml><?xml version="1.0" encoding="utf-8"?>
 <p:sld xmlns:a="http://schemas.openxmlformats.org/drawingml/2006/main" xmlns:r="http://schemas.openxmlformats.org/officeDocument/2006/relationships" xmlns:p="http://schemas.openxmlformats.org/presentationml/2006/main">
   <p:cSld>
@@ -7466,94 +6708,45 @@
           <a:lstStyle/>
           <a:p>
             <a:r>
+              <a:rPr lang="en-US" dirty="0"/>
+              <a:t>C</a:t>
+            </a:r>
+            <a:r>
               <a:rPr lang="en-US" dirty="0" smtClean="0"/>
-              <a:t>CPU – Memory Controller - </a:t>
-            </a:r>
-            <a:r>
-              <a:rPr lang="en-US" dirty="0" smtClean="0"/>
-              <a:t>Verification cases</a:t>
+              <a:t>PU RTL</a:t>
             </a:r>
             <a:endParaRPr lang="en-US" dirty="0"/>
           </a:p>
         </p:txBody>
       </p:sp>
-      <p:sp>
-        <p:nvSpPr>
-          <p:cNvPr id="6" name="TextBox 5"/>
-          <p:cNvSpPr txBox="1"/>
-          <p:nvPr/>
-        </p:nvSpPr>
-        <p:spPr>
-          <a:xfrm>
-            <a:off x="1080654" y="1690688"/>
-            <a:ext cx="10061479" cy="2246769"/>
+      <p:pic>
+        <p:nvPicPr>
+          <p:cNvPr id="3" name="Picture 2"/>
+          <p:cNvPicPr>
+            <a:picLocks noChangeAspect="1"/>
+          </p:cNvPicPr>
+          <p:nvPr/>
+        </p:nvPicPr>
+        <p:blipFill>
+          <a:blip r:embed="rId2"/>
+          <a:stretch>
+            <a:fillRect/>
+          </a:stretch>
+        </p:blipFill>
+        <p:spPr>
+          <a:xfrm>
+            <a:off x="1957136" y="1844973"/>
+            <a:ext cx="7794458" cy="4750588"/>
           </a:xfrm>
           <a:prstGeom prst="rect">
             <a:avLst/>
           </a:prstGeom>
-          <a:noFill/>
-        </p:spPr>
-        <p:txBody>
-          <a:bodyPr wrap="square" rtlCol="0">
-            <a:spAutoFit/>
-          </a:bodyPr>
-          <a:lstStyle/>
-          <a:p>
-            <a:pPr marL="285750" indent="-285750">
-              <a:buFont typeface="Arial" panose="020B0604020202020204" pitchFamily="34" charset="0"/>
-              <a:buChar char="•"/>
-            </a:pPr>
-            <a:r>
-              <a:rPr lang="en-US" sz="2800" dirty="0" smtClean="0"/>
-              <a:t>Parse files</a:t>
-            </a:r>
-          </a:p>
-          <a:p>
-            <a:pPr marL="285750" indent="-285750">
-              <a:buFont typeface="Arial" panose="020B0604020202020204" pitchFamily="34" charset="0"/>
-              <a:buChar char="•"/>
-            </a:pPr>
-            <a:r>
-              <a:rPr lang="en-US" sz="2800" dirty="0" smtClean="0"/>
-              <a:t>Read from Cache</a:t>
-            </a:r>
-          </a:p>
-          <a:p>
-            <a:pPr marL="285750" indent="-285750">
-              <a:buFont typeface="Arial" panose="020B0604020202020204" pitchFamily="34" charset="0"/>
-              <a:buChar char="•"/>
-            </a:pPr>
-            <a:r>
-              <a:rPr lang="en-US" sz="2800" dirty="0" smtClean="0"/>
-              <a:t>Read from main memory</a:t>
-            </a:r>
-          </a:p>
-          <a:p>
-            <a:pPr marL="285750" indent="-285750">
-              <a:buFont typeface="Arial" panose="020B0604020202020204" pitchFamily="34" charset="0"/>
-              <a:buChar char="•"/>
-            </a:pPr>
-            <a:r>
-              <a:rPr lang="en-US" sz="2800" dirty="0" smtClean="0"/>
-              <a:t>Write to cache</a:t>
-            </a:r>
-          </a:p>
-          <a:p>
-            <a:pPr marL="285750" indent="-285750">
-              <a:buFont typeface="Arial" panose="020B0604020202020204" pitchFamily="34" charset="0"/>
-              <a:buChar char="•"/>
-            </a:pPr>
-            <a:r>
-              <a:rPr lang="en-US" sz="2800" dirty="0" smtClean="0"/>
-              <a:t>Write to main memory</a:t>
-            </a:r>
-          </a:p>
-        </p:txBody>
-      </p:sp>
+        </p:spPr>
+      </p:pic>
     </p:spTree>
     <p:extLst>
       <p:ext uri="{BB962C8B-B14F-4D97-AF65-F5344CB8AC3E}">
-        <p14:creationId xmlns:p14="http://schemas.microsoft.com/office/powerpoint/2010/main" val="438044582"/>
+        <p14:creationId xmlns:p14="http://schemas.microsoft.com/office/powerpoint/2010/main" val="3219304162"/>
       </p:ext>
     </p:extLst>
   </p:cSld>
@@ -7596,16 +6789,8 @@
           <a:lstStyle/>
           <a:p>
             <a:r>
-              <a:rPr lang="en-US" dirty="0" err="1" smtClean="0"/>
-              <a:t>Casos</a:t>
-            </a:r>
-            <a:r>
               <a:rPr lang="en-US" dirty="0" smtClean="0"/>
-              <a:t> </a:t>
-            </a:r>
-            <a:r>
-              <a:rPr lang="en-US" dirty="0" err="1" smtClean="0"/>
-              <a:t>systema</a:t>
+              <a:t>Global Verification case</a:t>
             </a:r>
             <a:endParaRPr lang="en-US" dirty="0"/>
           </a:p>
@@ -7634,12 +6819,16 @@
           <a:lstStyle/>
           <a:p>
             <a:r>
-              <a:rPr lang="en-US" dirty="0" err="1" smtClean="0"/>
-              <a:t>Caso</a:t>
-            </a:r>
-            <a:r>
               <a:rPr lang="en-US" dirty="0" smtClean="0"/>
-              <a:t> 1 – </a:t>
+              <a:t>Case </a:t>
+            </a:r>
+            <a:r>
+              <a:rPr lang="en-US" dirty="0" smtClean="0"/>
+              <a:t>1 – </a:t>
+            </a:r>
+            <a:r>
+              <a:rPr lang="en-US" dirty="0" smtClean="0"/>
+              <a:t>Peripheral </a:t>
             </a:r>
             <a:r>
               <a:rPr lang="en-US" dirty="0" err="1" smtClean="0"/>
@@ -7676,52 +6865,48 @@
           </a:p>
           <a:p>
             <a:r>
-              <a:rPr lang="en-US" dirty="0" err="1" smtClean="0"/>
-              <a:t>Caso</a:t>
-            </a:r>
-            <a:r>
               <a:rPr lang="en-US" dirty="0" smtClean="0"/>
-              <a:t> 2 – CPU load (read) - cache miss </a:t>
-            </a:r>
-          </a:p>
-          <a:p>
-            <a:r>
-              <a:rPr lang="en-US" dirty="0" err="1" smtClean="0"/>
-              <a:t>Caso</a:t>
-            </a:r>
+              <a:t>Case 2 – CPU load (read) - cache miss </a:t>
+            </a:r>
+          </a:p>
+          <a:p>
             <a:r>
               <a:rPr lang="en-US" dirty="0" smtClean="0"/>
-              <a:t> 3 – CPU load – hit</a:t>
-            </a:r>
-          </a:p>
-          <a:p>
-            <a:r>
-              <a:rPr lang="en-US" dirty="0" err="1" smtClean="0"/>
-              <a:t>Caso</a:t>
+              <a:t>Case </a:t>
             </a:r>
             <a:r>
               <a:rPr lang="en-US" dirty="0" smtClean="0"/>
-              <a:t> 4 – CPU store (write to main memory) miss </a:t>
-            </a:r>
-          </a:p>
-          <a:p>
-            <a:r>
-              <a:rPr lang="en-US" dirty="0" err="1" smtClean="0"/>
-              <a:t>Caso</a:t>
-            </a:r>
+              <a:t>3 – CPU load – hit</a:t>
+            </a:r>
+          </a:p>
+          <a:p>
             <a:r>
               <a:rPr lang="en-US" dirty="0" smtClean="0"/>
-              <a:t> 5 – CPU store hit</a:t>
-            </a:r>
-          </a:p>
-          <a:p>
-            <a:r>
-              <a:rPr lang="en-US" dirty="0" err="1" smtClean="0"/>
-              <a:t>Caso</a:t>
+              <a:t>Case </a:t>
             </a:r>
             <a:r>
               <a:rPr lang="en-US" dirty="0" smtClean="0"/>
-              <a:t> 6 – CPU bus request denied. </a:t>
+              <a:t>4 – CPU store (write to main memory) miss </a:t>
+            </a:r>
+          </a:p>
+          <a:p>
+            <a:r>
+              <a:rPr lang="en-US" dirty="0" smtClean="0"/>
+              <a:t>Case </a:t>
+            </a:r>
+            <a:r>
+              <a:rPr lang="en-US" dirty="0" smtClean="0"/>
+              <a:t>5 – CPU store hit</a:t>
+            </a:r>
+          </a:p>
+          <a:p>
+            <a:r>
+              <a:rPr lang="en-US" dirty="0" smtClean="0"/>
+              <a:t>Case </a:t>
+            </a:r>
+            <a:r>
+              <a:rPr lang="en-US" dirty="0" smtClean="0"/>
+              <a:t>6 – CPU bus request denied. </a:t>
             </a:r>
           </a:p>
         </p:txBody>
@@ -8155,7 +7340,7 @@
           <a:p>
             <a:r>
               <a:rPr lang="en-US" dirty="0" smtClean="0"/>
-              <a:t>Cache Verification cases</a:t>
+              <a:t>Global Verification case</a:t>
             </a:r>
             <a:endParaRPr lang="en-US" dirty="0"/>
           </a:p>
@@ -8163,14 +7348,14 @@
       </p:sp>
       <p:sp>
         <p:nvSpPr>
-          <p:cNvPr id="6" name="TextBox 5"/>
+          <p:cNvPr id="4" name="TextBox 3"/>
           <p:cNvSpPr txBox="1"/>
           <p:nvPr/>
         </p:nvSpPr>
         <p:spPr>
           <a:xfrm>
-            <a:off x="1080654" y="1690688"/>
-            <a:ext cx="10061479" cy="3108543"/>
+            <a:off x="1010653" y="1690688"/>
+            <a:ext cx="5614736" cy="2031325"/>
           </a:xfrm>
           <a:prstGeom prst="rect">
             <a:avLst/>
@@ -8183,75 +7368,103 @@
           </a:bodyPr>
           <a:lstStyle/>
           <a:p>
-            <a:pPr marL="285750" indent="-285750">
-              <a:buFont typeface="Arial" panose="020B0604020202020204" pitchFamily="34" charset="0"/>
-              <a:buChar char="•"/>
-            </a:pPr>
-            <a:r>
-              <a:rPr lang="en-US" sz="2800" dirty="0" smtClean="0"/>
-              <a:t>Read from Cache</a:t>
-            </a:r>
-          </a:p>
-          <a:p>
-            <a:pPr marL="285750" indent="-285750">
-              <a:buFont typeface="Arial" panose="020B0604020202020204" pitchFamily="34" charset="0"/>
-              <a:buChar char="•"/>
-            </a:pPr>
-            <a:r>
-              <a:rPr lang="en-US" sz="2800" dirty="0" smtClean="0"/>
-              <a:t>Write to cache</a:t>
-            </a:r>
-          </a:p>
-          <a:p>
-            <a:pPr marL="285750" indent="-285750">
-              <a:buFont typeface="Arial" panose="020B0604020202020204" pitchFamily="34" charset="0"/>
-              <a:buChar char="•"/>
-            </a:pPr>
-            <a:r>
-              <a:rPr lang="en-US" sz="2800" dirty="0" smtClean="0"/>
-              <a:t>Snoop</a:t>
-            </a:r>
-          </a:p>
-          <a:p>
-            <a:pPr marL="742950" lvl="1" indent="-285750">
-              <a:buFont typeface="Arial" panose="020B0604020202020204" pitchFamily="34" charset="0"/>
-              <a:buChar char="•"/>
-            </a:pPr>
-            <a:r>
-              <a:rPr lang="en-US" sz="2800" dirty="0" smtClean="0"/>
-              <a:t>Miss</a:t>
-            </a:r>
-          </a:p>
-          <a:p>
-            <a:pPr marL="742950" lvl="1" indent="-285750">
-              <a:buFont typeface="Arial" panose="020B0604020202020204" pitchFamily="34" charset="0"/>
-              <a:buChar char="•"/>
-            </a:pPr>
-            <a:r>
-              <a:rPr lang="en-US" sz="2800" dirty="0" smtClean="0"/>
-              <a:t>Hit Clean</a:t>
-            </a:r>
-          </a:p>
-          <a:p>
-            <a:pPr marL="742950" lvl="1" indent="-285750">
-              <a:buFont typeface="Arial" panose="020B0604020202020204" pitchFamily="34" charset="0"/>
-              <a:buChar char="•"/>
-            </a:pPr>
-            <a:r>
-              <a:rPr lang="en-US" sz="2800" dirty="0" smtClean="0"/>
-              <a:t>Hit Modified</a:t>
-            </a:r>
-          </a:p>
-          <a:p>
-            <a:pPr lvl="1"/>
-            <a:endParaRPr lang="en-US" sz="2800" dirty="0" smtClean="0"/>
+            <a:r>
+              <a:rPr lang="en-US" dirty="0" smtClean="0"/>
+              <a:t>Case </a:t>
+            </a:r>
+            <a:r>
+              <a:rPr lang="en-US" dirty="0" smtClean="0"/>
+              <a:t>1 – </a:t>
+            </a:r>
+            <a:r>
+              <a:rPr lang="en-US" dirty="0" smtClean="0"/>
+              <a:t>Peripheral </a:t>
+            </a:r>
+            <a:r>
+              <a:rPr lang="en-US" dirty="0" err="1" smtClean="0"/>
+              <a:t>periferico</a:t>
+            </a:r>
+            <a:r>
+              <a:rPr lang="en-US" dirty="0" smtClean="0"/>
+              <a:t> escribe y hay un cache hit modified (</a:t>
+            </a:r>
+            <a:r>
+              <a:rPr lang="en-US" dirty="0" err="1" smtClean="0"/>
+              <a:t>paso</a:t>
+            </a:r>
+            <a:r>
+              <a:rPr lang="en-US" dirty="0" smtClean="0"/>
+              <a:t> </a:t>
+            </a:r>
+            <a:r>
+              <a:rPr lang="en-US" dirty="0" err="1" smtClean="0"/>
+              <a:t>por</a:t>
+            </a:r>
+            <a:r>
+              <a:rPr lang="en-US" dirty="0" smtClean="0"/>
+              <a:t> </a:t>
+            </a:r>
+            <a:r>
+              <a:rPr lang="en-US" dirty="0" err="1" smtClean="0"/>
+              <a:t>paso</a:t>
+            </a:r>
+            <a:r>
+              <a:rPr lang="en-US" dirty="0" smtClean="0"/>
+              <a:t>)</a:t>
+            </a:r>
+          </a:p>
+          <a:p>
+            <a:r>
+              <a:rPr lang="en-US" dirty="0" smtClean="0"/>
+              <a:t>Case 2 – CPU load (read) - cache miss </a:t>
+            </a:r>
+          </a:p>
+          <a:p>
+            <a:r>
+              <a:rPr lang="en-US" dirty="0" smtClean="0"/>
+              <a:t>Case </a:t>
+            </a:r>
+            <a:r>
+              <a:rPr lang="en-US" dirty="0" smtClean="0"/>
+              <a:t>3 – CPU load – hit</a:t>
+            </a:r>
+          </a:p>
+          <a:p>
+            <a:r>
+              <a:rPr lang="en-US" dirty="0" smtClean="0"/>
+              <a:t>Case </a:t>
+            </a:r>
+            <a:r>
+              <a:rPr lang="en-US" dirty="0" smtClean="0"/>
+              <a:t>4 – CPU store (write to main memory) miss </a:t>
+            </a:r>
+          </a:p>
+          <a:p>
+            <a:r>
+              <a:rPr lang="en-US" dirty="0" smtClean="0"/>
+              <a:t>Case </a:t>
+            </a:r>
+            <a:r>
+              <a:rPr lang="en-US" dirty="0" smtClean="0"/>
+              <a:t>5 – CPU store hit</a:t>
+            </a:r>
+          </a:p>
+          <a:p>
+            <a:r>
+              <a:rPr lang="en-US" dirty="0" smtClean="0"/>
+              <a:t>Case </a:t>
+            </a:r>
+            <a:r>
+              <a:rPr lang="en-US" dirty="0" smtClean="0"/>
+              <a:t>6 – CPU bus request denied. </a:t>
+            </a:r>
           </a:p>
         </p:txBody>
       </p:sp>
     </p:spTree>
     <p:extLst>
       <p:ext uri="{BB962C8B-B14F-4D97-AF65-F5344CB8AC3E}">
-        <p14:creationId xmlns:p14="http://schemas.microsoft.com/office/powerpoint/2010/main" val="1137721067"/>
+        <p14:creationId xmlns:p14="http://schemas.microsoft.com/office/powerpoint/2010/main" val="273374534"/>
       </p:ext>
     </p:extLst>
   </p:cSld>
@@ -8288,33 +7501,210 @@
             <p:ph type="title"/>
           </p:nvPr>
         </p:nvSpPr>
-        <p:spPr>
-          <a:xfrm>
-            <a:off x="1676400" y="3569964"/>
-            <a:ext cx="10515600" cy="1325563"/>
-          </a:xfrm>
-        </p:spPr>
-        <p:txBody>
-          <a:bodyPr>
-            <a:noAutofit/>
+        <p:spPr/>
+        <p:txBody>
+          <a:bodyPr/>
+          <a:lstStyle/>
+          <a:p>
+            <a:r>
+              <a:rPr lang="en-US" dirty="0" smtClean="0"/>
+              <a:t>System Verification Case</a:t>
+            </a:r>
+            <a:endParaRPr lang="en-US" dirty="0"/>
+          </a:p>
+        </p:txBody>
+      </p:sp>
+      <p:sp>
+        <p:nvSpPr>
+          <p:cNvPr id="6" name="TextBox 5"/>
+          <p:cNvSpPr txBox="1"/>
+          <p:nvPr/>
+        </p:nvSpPr>
+        <p:spPr>
+          <a:xfrm>
+            <a:off x="1080654" y="1690688"/>
+            <a:ext cx="10061479" cy="4893647"/>
+          </a:xfrm>
+          <a:prstGeom prst="rect">
+            <a:avLst/>
+          </a:prstGeom>
+          <a:noFill/>
+        </p:spPr>
+        <p:txBody>
+          <a:bodyPr wrap="square" rtlCol="0">
+            <a:spAutoFit/>
           </a:bodyPr>
           <a:lstStyle/>
           <a:p>
-            <a:r>
-              <a:rPr lang="en-US" sz="16600" dirty="0" smtClean="0"/>
-              <a:t>Backup</a:t>
-            </a:r>
-            <a:br>
-              <a:rPr lang="en-US" sz="16600" dirty="0" smtClean="0"/>
-            </a:br>
-            <a:endParaRPr lang="en-US" sz="16600" dirty="0"/>
+            <a:pPr marL="457200" indent="-457200">
+              <a:buFont typeface="+mj-lt"/>
+              <a:buAutoNum type="arabicPeriod"/>
+            </a:pPr>
+            <a:r>
+              <a:rPr lang="en-US" sz="2400" dirty="0" smtClean="0"/>
+              <a:t>Peripheral request MM read using serial </a:t>
+            </a:r>
+            <a:r>
+              <a:rPr lang="en-US" sz="2400" dirty="0" err="1" smtClean="0"/>
+              <a:t>comm</a:t>
+            </a:r>
+            <a:r>
+              <a:rPr lang="en-US" sz="2400" dirty="0" smtClean="0"/>
+              <a:t> msg. </a:t>
+            </a:r>
+          </a:p>
+          <a:p>
+            <a:pPr marL="457200" indent="-457200">
+              <a:buFont typeface="+mj-lt"/>
+              <a:buAutoNum type="arabicPeriod"/>
+            </a:pPr>
+            <a:r>
+              <a:rPr lang="en-US" sz="2400" dirty="0" smtClean="0"/>
+              <a:t>MC controller triggers snoop operation from CPU cache</a:t>
+            </a:r>
+          </a:p>
+          <a:p>
+            <a:pPr marL="457200" indent="-457200">
+              <a:buFont typeface="+mj-lt"/>
+              <a:buAutoNum type="arabicPeriod"/>
+            </a:pPr>
+            <a:r>
+              <a:rPr lang="en-US" sz="2400" dirty="0" smtClean="0"/>
+              <a:t>Cache returns HIT and HITM asserted</a:t>
+            </a:r>
+          </a:p>
+          <a:p>
+            <a:pPr marL="457200" indent="-457200">
+              <a:buFont typeface="+mj-lt"/>
+              <a:buAutoNum type="arabicPeriod"/>
+            </a:pPr>
+            <a:r>
+              <a:rPr lang="en-US" sz="2400" dirty="0" smtClean="0"/>
+              <a:t>MC replies to peripheral a WAIT to allow write back from CPU cache.</a:t>
+            </a:r>
+          </a:p>
+          <a:p>
+            <a:pPr marL="457200" indent="-457200">
+              <a:buFont typeface="+mj-lt"/>
+              <a:buAutoNum type="arabicPeriod"/>
+            </a:pPr>
+            <a:r>
+              <a:rPr lang="en-US" sz="2400" dirty="0" smtClean="0"/>
+              <a:t>Peripheral initiates wait pattern retrying </a:t>
+            </a:r>
+            <a:r>
+              <a:rPr lang="en-US" sz="2400" dirty="0" err="1" smtClean="0"/>
+              <a:t>msg</a:t>
+            </a:r>
+            <a:r>
+              <a:rPr lang="en-US" sz="2400" dirty="0" smtClean="0"/>
+              <a:t> until </a:t>
+            </a:r>
+            <a:r>
+              <a:rPr lang="en-US" sz="2400" dirty="0" err="1" smtClean="0"/>
+              <a:t>ack</a:t>
+            </a:r>
+            <a:r>
+              <a:rPr lang="en-US" sz="2400" dirty="0" smtClean="0"/>
+              <a:t> is successful.</a:t>
+            </a:r>
+          </a:p>
+          <a:p>
+            <a:pPr marL="457200" indent="-457200">
+              <a:buFont typeface="+mj-lt"/>
+              <a:buAutoNum type="arabicPeriod"/>
+            </a:pPr>
+            <a:r>
+              <a:rPr lang="en-US" sz="2400" dirty="0" smtClean="0"/>
+              <a:t>CPU requests BUS grant</a:t>
+            </a:r>
+            <a:endParaRPr lang="en-US" sz="2400" dirty="0" smtClean="0"/>
+          </a:p>
+          <a:p>
+            <a:pPr marL="457200" indent="-457200">
+              <a:buFont typeface="+mj-lt"/>
+              <a:buAutoNum type="arabicPeriod"/>
+            </a:pPr>
+            <a:r>
+              <a:rPr lang="en-US" sz="2400" dirty="0" smtClean="0"/>
+              <a:t>MC grants bus access and performs write back.</a:t>
+            </a:r>
+          </a:p>
+          <a:p>
+            <a:pPr marL="457200" indent="-457200">
+              <a:buFont typeface="+mj-lt"/>
+              <a:buAutoNum type="arabicPeriod"/>
+            </a:pPr>
+            <a:r>
+              <a:rPr lang="en-US" sz="2400" dirty="0" smtClean="0"/>
+              <a:t>MESI state from Cache changes from M to S</a:t>
+            </a:r>
+          </a:p>
+          <a:p>
+            <a:pPr marL="457200" indent="-457200">
+              <a:buFont typeface="+mj-lt"/>
+              <a:buAutoNum type="arabicPeriod"/>
+            </a:pPr>
+            <a:r>
+              <a:rPr lang="en-US" sz="2400" dirty="0" smtClean="0"/>
+              <a:t>Data is written back to MM and MESI sate changes from E to S.</a:t>
+            </a:r>
+          </a:p>
+          <a:p>
+            <a:pPr marL="457200" indent="-457200">
+              <a:buFont typeface="+mj-lt"/>
+              <a:buAutoNum type="arabicPeriod"/>
+            </a:pPr>
+            <a:r>
+              <a:rPr lang="en-US" sz="2400" dirty="0" smtClean="0"/>
+              <a:t>MC returns retry </a:t>
+            </a:r>
+            <a:r>
+              <a:rPr lang="en-US" sz="2400" dirty="0" err="1" smtClean="0"/>
+              <a:t>msg</a:t>
+            </a:r>
+            <a:r>
+              <a:rPr lang="en-US" sz="2400" dirty="0" smtClean="0"/>
+              <a:t> to peripheral.</a:t>
+            </a:r>
+          </a:p>
+          <a:p>
+            <a:pPr marL="457200" indent="-457200">
+              <a:buFont typeface="+mj-lt"/>
+              <a:buAutoNum type="arabicPeriod"/>
+            </a:pPr>
+            <a:r>
+              <a:rPr lang="en-US" sz="2400" dirty="0" smtClean="0"/>
+              <a:t>Peripheral retries Read operation. </a:t>
+            </a:r>
+          </a:p>
+          <a:p>
+            <a:pPr marL="457200" indent="-457200">
+              <a:buFont typeface="+mj-lt"/>
+              <a:buAutoNum type="arabicPeriod"/>
+            </a:pPr>
+            <a:r>
+              <a:rPr lang="en-US" sz="2400" dirty="0" smtClean="0"/>
+              <a:t>MC returns data to peripheral and ACK message</a:t>
+            </a:r>
+          </a:p>
+          <a:p>
+            <a:pPr marL="457200" indent="-457200">
+              <a:buFont typeface="+mj-lt"/>
+              <a:buAutoNum type="arabicPeriod"/>
+            </a:pPr>
+            <a:r>
+              <a:rPr lang="en-US" sz="2400" dirty="0" smtClean="0"/>
+              <a:t>Peripheral receives data requested.</a:t>
+            </a:r>
+            <a:endParaRPr lang="en-US" sz="2800" dirty="0" smtClean="0"/>
           </a:p>
         </p:txBody>
       </p:sp>
     </p:spTree>
     <p:extLst>
       <p:ext uri="{BB962C8B-B14F-4D97-AF65-F5344CB8AC3E}">
-        <p14:creationId xmlns:p14="http://schemas.microsoft.com/office/powerpoint/2010/main" val="4291726577"/>
+        <p14:creationId xmlns:p14="http://schemas.microsoft.com/office/powerpoint/2010/main" val="1137721067"/>
       </p:ext>
     </p:extLst>
   </p:cSld>
@@ -8351,195 +7741,33 @@
             <p:ph type="title"/>
           </p:nvPr>
         </p:nvSpPr>
-        <p:spPr/>
-        <p:txBody>
-          <a:bodyPr/>
-          <a:lstStyle/>
-          <a:p>
-            <a:r>
-              <a:rPr lang="en-US" dirty="0" smtClean="0"/>
-              <a:t>CPU</a:t>
-            </a:r>
-            <a:endParaRPr lang="en-US" dirty="0"/>
-          </a:p>
-        </p:txBody>
-      </p:sp>
-      <p:pic>
-        <p:nvPicPr>
-          <p:cNvPr id="16" name="Picture 15"/>
-          <p:cNvPicPr>
-            <a:picLocks noChangeAspect="1"/>
-          </p:cNvPicPr>
-          <p:nvPr/>
-        </p:nvPicPr>
-        <p:blipFill>
-          <a:blip r:embed="rId2"/>
-          <a:stretch>
-            <a:fillRect/>
-          </a:stretch>
-        </p:blipFill>
-        <p:spPr>
-          <a:xfrm>
-            <a:off x="317971" y="2927500"/>
-            <a:ext cx="1040457" cy="1158546"/>
-          </a:xfrm>
-          <a:prstGeom prst="rect">
-            <a:avLst/>
-          </a:prstGeom>
-        </p:spPr>
-      </p:pic>
-      <p:sp>
-        <p:nvSpPr>
-          <p:cNvPr id="17" name="TextBox 16"/>
-          <p:cNvSpPr txBox="1"/>
-          <p:nvPr/>
-        </p:nvSpPr>
-        <p:spPr>
-          <a:xfrm>
-            <a:off x="1559249" y="2301354"/>
-            <a:ext cx="3919765" cy="2677656"/>
-          </a:xfrm>
-          <a:prstGeom prst="rect">
-            <a:avLst/>
-          </a:prstGeom>
-          <a:noFill/>
-        </p:spPr>
-        <p:txBody>
-          <a:bodyPr wrap="square" rtlCol="0">
-            <a:spAutoFit/>
+        <p:spPr>
+          <a:xfrm>
+            <a:off x="1676400" y="3569964"/>
+            <a:ext cx="10515600" cy="1325563"/>
+          </a:xfrm>
+        </p:spPr>
+        <p:txBody>
+          <a:bodyPr>
+            <a:noAutofit/>
           </a:bodyPr>
           <a:lstStyle/>
           <a:p>
             <a:r>
-              <a:rPr lang="en-US" sz="2400" dirty="0" smtClean="0"/>
-              <a:t>CPU reads file from computer that contains instructions to:</a:t>
-            </a:r>
-          </a:p>
-          <a:p>
-            <a:pPr marL="285750" indent="-285750">
-              <a:buFont typeface="Arial" panose="020B0604020202020204" pitchFamily="34" charset="0"/>
-              <a:buChar char="•"/>
-            </a:pPr>
-            <a:r>
-              <a:rPr lang="en-US" sz="2400" dirty="0" smtClean="0"/>
-              <a:t> read/write - </a:t>
-            </a:r>
-            <a:r>
-              <a:rPr lang="en-US" sz="2400" b="1" dirty="0" smtClean="0"/>
-              <a:t>header</a:t>
-            </a:r>
-          </a:p>
-          <a:p>
-            <a:pPr marL="285750" indent="-285750">
-              <a:buFont typeface="Arial" panose="020B0604020202020204" pitchFamily="34" charset="0"/>
-              <a:buChar char="•"/>
-            </a:pPr>
-            <a:r>
-              <a:rPr lang="en-US" sz="2400" dirty="0" smtClean="0"/>
-              <a:t>addresses </a:t>
-            </a:r>
-          </a:p>
-          <a:p>
-            <a:pPr marL="285750" indent="-285750">
-              <a:buFont typeface="Arial" panose="020B0604020202020204" pitchFamily="34" charset="0"/>
-              <a:buChar char="•"/>
-            </a:pPr>
-            <a:r>
-              <a:rPr lang="en-US" sz="2400" dirty="0" smtClean="0"/>
-              <a:t>Data</a:t>
-            </a:r>
-          </a:p>
-          <a:p>
-            <a:pPr marL="285750" indent="-285750">
-              <a:buFont typeface="Arial" panose="020B0604020202020204" pitchFamily="34" charset="0"/>
-              <a:buChar char="•"/>
-            </a:pPr>
-            <a:r>
-              <a:rPr lang="en-US" sz="2400" dirty="0" smtClean="0"/>
-              <a:t>Error bits generated arbitrarily</a:t>
-            </a:r>
-            <a:endParaRPr lang="en-US" sz="2400" dirty="0"/>
-          </a:p>
-        </p:txBody>
-      </p:sp>
-      <p:pic>
-        <p:nvPicPr>
-          <p:cNvPr id="1026" name="Picture 2" descr="Related image"/>
-          <p:cNvPicPr>
-            <a:picLocks noChangeAspect="1" noChangeArrowheads="1"/>
-          </p:cNvPicPr>
-          <p:nvPr/>
-        </p:nvPicPr>
-        <p:blipFill>
-          <a:blip r:embed="rId3">
-            <a:extLst>
-              <a:ext uri="{28A0092B-C50C-407E-A947-70E740481C1C}">
-                <a14:useLocalDpi xmlns:a14="http://schemas.microsoft.com/office/drawing/2010/main" val="0"/>
-              </a:ext>
-            </a:extLst>
-          </a:blip>
-          <a:srcRect/>
-          <a:stretch>
-            <a:fillRect/>
-          </a:stretch>
-        </p:blipFill>
-        <p:spPr bwMode="auto">
-          <a:xfrm>
-            <a:off x="5453614" y="2230423"/>
-            <a:ext cx="3105150" cy="2552700"/>
-          </a:xfrm>
-          <a:prstGeom prst="rect">
-            <a:avLst/>
-          </a:prstGeom>
-          <a:noFill/>
-          <a:extLst>
-            <a:ext uri="{909E8E84-426E-40DD-AFC4-6F175D3DCCD1}">
-              <a14:hiddenFill xmlns:a14="http://schemas.microsoft.com/office/drawing/2010/main">
-                <a:solidFill>
-                  <a:srgbClr val="FFFFFF"/>
-                </a:solidFill>
-              </a14:hiddenFill>
-            </a:ext>
-          </a:extLst>
-        </p:spPr>
-      </p:pic>
-      <p:sp>
-        <p:nvSpPr>
-          <p:cNvPr id="19" name="TextBox 18"/>
-          <p:cNvSpPr txBox="1"/>
-          <p:nvPr/>
-        </p:nvSpPr>
-        <p:spPr>
-          <a:xfrm>
-            <a:off x="8501128" y="2301354"/>
-            <a:ext cx="3690872" cy="3046988"/>
-          </a:xfrm>
-          <a:prstGeom prst="rect">
-            <a:avLst/>
-          </a:prstGeom>
-          <a:noFill/>
-        </p:spPr>
-        <p:txBody>
-          <a:bodyPr wrap="square" rtlCol="0">
-            <a:spAutoFit/>
-          </a:bodyPr>
-          <a:lstStyle/>
-          <a:p>
-            <a:pPr marL="342900" indent="-342900">
-              <a:buFont typeface="Arial" panose="020B0604020202020204" pitchFamily="34" charset="0"/>
-              <a:buChar char="•"/>
-            </a:pPr>
-            <a:r>
-              <a:rPr lang="en-US" sz="2400" dirty="0" smtClean="0"/>
-              <a:t>CPU state machine parses data from file simulating processing outputs and coordinates with Memory controller using control Bus signals to read/write from main memory.</a:t>
-            </a:r>
+              <a:rPr lang="en-US" sz="16600" dirty="0" smtClean="0"/>
+              <a:t>Backup</a:t>
+            </a:r>
+            <a:br>
+              <a:rPr lang="en-US" sz="16600" dirty="0" smtClean="0"/>
+            </a:br>
+            <a:endParaRPr lang="en-US" sz="16600" dirty="0"/>
           </a:p>
         </p:txBody>
       </p:sp>
     </p:spTree>
     <p:extLst>
       <p:ext uri="{BB962C8B-B14F-4D97-AF65-F5344CB8AC3E}">
-        <p14:creationId xmlns:p14="http://schemas.microsoft.com/office/powerpoint/2010/main" val="645470229"/>
+        <p14:creationId xmlns:p14="http://schemas.microsoft.com/office/powerpoint/2010/main" val="4291726577"/>
       </p:ext>
     </p:extLst>
   </p:cSld>
@@ -8583,74 +7811,7 @@
           <a:p>
             <a:r>
               <a:rPr lang="en-US" dirty="0" smtClean="0"/>
-              <a:t>Peripheral component</a:t>
-            </a:r>
-            <a:endParaRPr lang="en-US" dirty="0"/>
-          </a:p>
-        </p:txBody>
-      </p:sp>
-      <p:sp>
-        <p:nvSpPr>
-          <p:cNvPr id="3" name="TextBox 2"/>
-          <p:cNvSpPr txBox="1"/>
-          <p:nvPr/>
-        </p:nvSpPr>
-        <p:spPr>
-          <a:xfrm>
-            <a:off x="6338260" y="5691244"/>
-            <a:ext cx="1329624" cy="707886"/>
-          </a:xfrm>
-          <a:prstGeom prst="rect">
-            <a:avLst/>
-          </a:prstGeom>
-          <a:noFill/>
-          <a:ln w="6350">
-            <a:solidFill>
-              <a:schemeClr val="accent2">
-                <a:lumMod val="75000"/>
-              </a:schemeClr>
-            </a:solidFill>
-          </a:ln>
-        </p:spPr>
-        <p:txBody>
-          <a:bodyPr wrap="square" rtlCol="0">
-            <a:spAutoFit/>
-          </a:bodyPr>
-          <a:lstStyle/>
-          <a:p>
-            <a:r>
-              <a:rPr lang="en-US" sz="4000" dirty="0" smtClean="0"/>
-              <a:t>UART</a:t>
-            </a:r>
-            <a:endParaRPr lang="en-US" sz="4000" dirty="0"/>
-          </a:p>
-        </p:txBody>
-      </p:sp>
-      <p:sp>
-        <p:nvSpPr>
-          <p:cNvPr id="11" name="TextBox 10"/>
-          <p:cNvSpPr txBox="1"/>
-          <p:nvPr/>
-        </p:nvSpPr>
-        <p:spPr>
-          <a:xfrm>
-            <a:off x="10025149" y="5564943"/>
-            <a:ext cx="2209387" cy="369332"/>
-          </a:xfrm>
-          <a:prstGeom prst="rect">
-            <a:avLst/>
-          </a:prstGeom>
-          <a:noFill/>
-        </p:spPr>
-        <p:txBody>
-          <a:bodyPr wrap="none" rtlCol="0">
-            <a:spAutoFit/>
-          </a:bodyPr>
-          <a:lstStyle/>
-          <a:p>
-            <a:r>
-              <a:rPr lang="en-US" dirty="0" smtClean="0"/>
-              <a:t>To memory controller</a:t>
+              <a:t>CPU</a:t>
             </a:r>
             <a:endParaRPr lang="en-US" dirty="0"/>
           </a:p>
@@ -8658,7 +7819,7 @@
       </p:sp>
       <p:pic>
         <p:nvPicPr>
-          <p:cNvPr id="12" name="Picture 11"/>
+          <p:cNvPr id="16" name="Picture 15"/>
           <p:cNvPicPr>
             <a:picLocks noChangeAspect="1"/>
           </p:cNvPicPr>
@@ -8672,64 +7833,7 @@
         </p:blipFill>
         <p:spPr>
           <a:xfrm>
-            <a:off x="225526" y="5564944"/>
-            <a:ext cx="5689584" cy="844420"/>
-          </a:xfrm>
-          <a:prstGeom prst="rect">
-            <a:avLst/>
-          </a:prstGeom>
-        </p:spPr>
-      </p:pic>
-      <p:cxnSp>
-        <p:nvCxnSpPr>
-          <p:cNvPr id="14" name="Straight Arrow Connector 13"/>
-          <p:cNvCxnSpPr/>
-          <p:nvPr/>
-        </p:nvCxnSpPr>
-        <p:spPr>
-          <a:xfrm>
-            <a:off x="5627699" y="6040951"/>
-            <a:ext cx="458346" cy="9701"/>
-          </a:xfrm>
-          <a:prstGeom prst="straightConnector1">
-            <a:avLst/>
-          </a:prstGeom>
-          <a:ln w="57150">
-            <a:tailEnd type="triangle"/>
-          </a:ln>
-        </p:spPr>
-        <p:style>
-          <a:lnRef idx="1">
-            <a:schemeClr val="accent1"/>
-          </a:lnRef>
-          <a:fillRef idx="0">
-            <a:schemeClr val="accent1"/>
-          </a:fillRef>
-          <a:effectRef idx="0">
-            <a:schemeClr val="accent1"/>
-          </a:effectRef>
-          <a:fontRef idx="minor">
-            <a:schemeClr val="tx1"/>
-          </a:fontRef>
-        </p:style>
-      </p:cxnSp>
-      <p:pic>
-        <p:nvPicPr>
-          <p:cNvPr id="16" name="Picture 15"/>
-          <p:cNvPicPr>
-            <a:picLocks noChangeAspect="1"/>
-          </p:cNvPicPr>
-          <p:nvPr/>
-        </p:nvPicPr>
-        <p:blipFill>
-          <a:blip r:embed="rId3"/>
-          <a:stretch>
-            <a:fillRect/>
-          </a:stretch>
-        </p:blipFill>
-        <p:spPr>
-          <a:xfrm>
-            <a:off x="258248" y="2078182"/>
+            <a:off x="317971" y="2927500"/>
             <a:ext cx="1040457" cy="1158546"/>
           </a:xfrm>
           <a:prstGeom prst="rect">
@@ -8745,8 +7849,8 @@
         </p:nvSpPr>
         <p:spPr>
           <a:xfrm>
-            <a:off x="1529630" y="1647686"/>
-            <a:ext cx="4271805" cy="2677656"/>
+            <a:off x="1559249" y="2301354"/>
+            <a:ext cx="3919765" cy="2677656"/>
           </a:xfrm>
           <a:prstGeom prst="rect">
             <a:avLst/>
@@ -8761,7 +7865,7 @@
           <a:p>
             <a:r>
               <a:rPr lang="en-US" sz="2400" dirty="0" smtClean="0"/>
-              <a:t>Peripheral reads file from computer that contains instructions to:</a:t>
+              <a:t>CPU reads file from computer that contains instructions to:</a:t>
             </a:r>
           </a:p>
           <a:p>
@@ -8820,7 +7924,7 @@
           <p:nvPr/>
         </p:nvPicPr>
         <p:blipFill>
-          <a:blip r:embed="rId4">
+          <a:blip r:embed="rId3">
             <a:extLst>
               <a:ext uri="{28A0092B-C50C-407E-A947-70E740481C1C}">
                 <a14:useLocalDpi xmlns:a14="http://schemas.microsoft.com/office/drawing/2010/main" val="0"/>
@@ -8834,7 +7938,7 @@
         </p:blipFill>
         <p:spPr bwMode="auto">
           <a:xfrm>
-            <a:off x="5183915" y="1581737"/>
+            <a:off x="5453614" y="2230423"/>
             <a:ext cx="3105150" cy="2552700"/>
           </a:xfrm>
           <a:prstGeom prst="rect">
@@ -8860,7 +7964,7 @@
         </p:nvSpPr>
         <p:spPr>
           <a:xfrm>
-            <a:off x="8519990" y="1647686"/>
+            <a:off x="8501128" y="2301354"/>
             <a:ext cx="3690872" cy="3046988"/>
           </a:xfrm>
           <a:prstGeom prst="rect">
@@ -8880,145 +7984,15 @@
             </a:pPr>
             <a:r>
               <a:rPr lang="en-US" sz="2400" dirty="0" smtClean="0"/>
-              <a:t>Peripheral state machine parses data and forms message as per format below. </a:t>
-            </a:r>
-          </a:p>
-          <a:p>
-            <a:pPr marL="342900" indent="-342900">
-              <a:buFont typeface="Arial" panose="020B0604020202020204" pitchFamily="34" charset="0"/>
-              <a:buChar char="•"/>
-            </a:pPr>
-            <a:r>
-              <a:rPr lang="en-US" sz="2400" dirty="0" smtClean="0"/>
-              <a:t>Waits for send command.</a:t>
-            </a:r>
-          </a:p>
-          <a:p>
-            <a:pPr marL="342900" indent="-342900">
-              <a:buFont typeface="Arial" panose="020B0604020202020204" pitchFamily="34" charset="0"/>
-              <a:buChar char="•"/>
-            </a:pPr>
-            <a:r>
-              <a:rPr lang="en-US" sz="2400" dirty="0" smtClean="0"/>
-              <a:t>Send command moves message to UART and sends to Mem Controller.</a:t>
-            </a:r>
-          </a:p>
-        </p:txBody>
-      </p:sp>
-      <p:cxnSp>
-        <p:nvCxnSpPr>
-          <p:cNvPr id="20" name="Straight Arrow Connector 19"/>
-          <p:cNvCxnSpPr/>
-          <p:nvPr/>
-        </p:nvCxnSpPr>
-        <p:spPr>
-          <a:xfrm>
-            <a:off x="10025149" y="6035040"/>
-            <a:ext cx="1960418" cy="0"/>
-          </a:xfrm>
-          <a:prstGeom prst="straightConnector1">
-            <a:avLst/>
-          </a:prstGeom>
-          <a:ln w="38100">
-            <a:headEnd type="triangle"/>
-            <a:tailEnd type="triangle"/>
-          </a:ln>
-        </p:spPr>
-        <p:style>
-          <a:lnRef idx="1">
-            <a:schemeClr val="accent1"/>
-          </a:lnRef>
-          <a:fillRef idx="0">
-            <a:schemeClr val="accent1"/>
-          </a:fillRef>
-          <a:effectRef idx="0">
-            <a:schemeClr val="accent1"/>
-          </a:effectRef>
-          <a:fontRef idx="minor">
-            <a:schemeClr val="tx1"/>
-          </a:fontRef>
-        </p:style>
-      </p:cxnSp>
-      <p:sp>
-        <p:nvSpPr>
-          <p:cNvPr id="22" name="TextBox 21"/>
-          <p:cNvSpPr txBox="1"/>
-          <p:nvPr/>
-        </p:nvSpPr>
-        <p:spPr>
-          <a:xfrm>
-            <a:off x="8443310" y="5383467"/>
-            <a:ext cx="1516937" cy="1323439"/>
-          </a:xfrm>
-          <a:prstGeom prst="rect">
-            <a:avLst/>
-          </a:prstGeom>
-          <a:noFill/>
-          <a:ln w="6350">
-            <a:solidFill>
-              <a:schemeClr val="accent2">
-                <a:lumMod val="75000"/>
-              </a:schemeClr>
-            </a:solidFill>
-          </a:ln>
-        </p:spPr>
-        <p:txBody>
-          <a:bodyPr wrap="square" rtlCol="0">
-            <a:spAutoFit/>
-          </a:bodyPr>
-          <a:lstStyle/>
-          <a:p>
-            <a:r>
-              <a:rPr lang="en-US" sz="4000" dirty="0" smtClean="0"/>
-              <a:t>MSG</a:t>
-            </a:r>
-          </a:p>
-          <a:p>
-            <a:r>
-              <a:rPr lang="en-US" sz="4000" dirty="0" smtClean="0"/>
-              <a:t>Buffer</a:t>
-            </a:r>
-            <a:endParaRPr lang="en-US" sz="4000" dirty="0"/>
-          </a:p>
-        </p:txBody>
-      </p:sp>
-      <p:cxnSp>
-        <p:nvCxnSpPr>
-          <p:cNvPr id="24" name="Straight Arrow Connector 23"/>
-          <p:cNvCxnSpPr/>
-          <p:nvPr/>
-        </p:nvCxnSpPr>
-        <p:spPr>
-          <a:xfrm>
-            <a:off x="7920100" y="6025338"/>
-            <a:ext cx="458346" cy="9701"/>
-          </a:xfrm>
-          <a:prstGeom prst="straightConnector1">
-            <a:avLst/>
-          </a:prstGeom>
-          <a:ln w="57150">
-            <a:tailEnd type="triangle"/>
-          </a:ln>
-        </p:spPr>
-        <p:style>
-          <a:lnRef idx="1">
-            <a:schemeClr val="accent1"/>
-          </a:lnRef>
-          <a:fillRef idx="0">
-            <a:schemeClr val="accent1"/>
-          </a:fillRef>
-          <a:effectRef idx="0">
-            <a:schemeClr val="accent1"/>
-          </a:effectRef>
-          <a:fontRef idx="minor">
-            <a:schemeClr val="tx1"/>
-          </a:fontRef>
-        </p:style>
-      </p:cxnSp>
+              <a:t>CPU state machine parses data from file simulating processing outputs and coordinates with Memory controller using control Bus signals to read/write from main memory.</a:t>
+            </a:r>
+          </a:p>
+        </p:txBody>
+      </p:sp>
     </p:spTree>
     <p:extLst>
       <p:ext uri="{BB962C8B-B14F-4D97-AF65-F5344CB8AC3E}">
-        <p14:creationId xmlns:p14="http://schemas.microsoft.com/office/powerpoint/2010/main" val="365396795"/>
+        <p14:creationId xmlns:p14="http://schemas.microsoft.com/office/powerpoint/2010/main" val="645470229"/>
       </p:ext>
     </p:extLst>
   </p:cSld>
@@ -10178,6 +9152,485 @@
             <p:ph type="title"/>
           </p:nvPr>
         </p:nvSpPr>
+        <p:spPr/>
+        <p:txBody>
+          <a:bodyPr/>
+          <a:lstStyle/>
+          <a:p>
+            <a:r>
+              <a:rPr lang="en-US" dirty="0" smtClean="0"/>
+              <a:t>Peripheral component</a:t>
+            </a:r>
+            <a:endParaRPr lang="en-US" dirty="0"/>
+          </a:p>
+        </p:txBody>
+      </p:sp>
+      <p:sp>
+        <p:nvSpPr>
+          <p:cNvPr id="3" name="TextBox 2"/>
+          <p:cNvSpPr txBox="1"/>
+          <p:nvPr/>
+        </p:nvSpPr>
+        <p:spPr>
+          <a:xfrm>
+            <a:off x="6338260" y="5691244"/>
+            <a:ext cx="1329624" cy="707886"/>
+          </a:xfrm>
+          <a:prstGeom prst="rect">
+            <a:avLst/>
+          </a:prstGeom>
+          <a:noFill/>
+          <a:ln w="6350">
+            <a:solidFill>
+              <a:schemeClr val="accent2">
+                <a:lumMod val="75000"/>
+              </a:schemeClr>
+            </a:solidFill>
+          </a:ln>
+        </p:spPr>
+        <p:txBody>
+          <a:bodyPr wrap="square" rtlCol="0">
+            <a:spAutoFit/>
+          </a:bodyPr>
+          <a:lstStyle/>
+          <a:p>
+            <a:r>
+              <a:rPr lang="en-US" sz="4000" dirty="0" smtClean="0"/>
+              <a:t>UART</a:t>
+            </a:r>
+            <a:endParaRPr lang="en-US" sz="4000" dirty="0"/>
+          </a:p>
+        </p:txBody>
+      </p:sp>
+      <p:sp>
+        <p:nvSpPr>
+          <p:cNvPr id="11" name="TextBox 10"/>
+          <p:cNvSpPr txBox="1"/>
+          <p:nvPr/>
+        </p:nvSpPr>
+        <p:spPr>
+          <a:xfrm>
+            <a:off x="10025149" y="5564943"/>
+            <a:ext cx="2209387" cy="369332"/>
+          </a:xfrm>
+          <a:prstGeom prst="rect">
+            <a:avLst/>
+          </a:prstGeom>
+          <a:noFill/>
+        </p:spPr>
+        <p:txBody>
+          <a:bodyPr wrap="none" rtlCol="0">
+            <a:spAutoFit/>
+          </a:bodyPr>
+          <a:lstStyle/>
+          <a:p>
+            <a:r>
+              <a:rPr lang="en-US" dirty="0" smtClean="0"/>
+              <a:t>To memory controller</a:t>
+            </a:r>
+            <a:endParaRPr lang="en-US" dirty="0"/>
+          </a:p>
+        </p:txBody>
+      </p:sp>
+      <p:pic>
+        <p:nvPicPr>
+          <p:cNvPr id="12" name="Picture 11"/>
+          <p:cNvPicPr>
+            <a:picLocks noChangeAspect="1"/>
+          </p:cNvPicPr>
+          <p:nvPr/>
+        </p:nvPicPr>
+        <p:blipFill>
+          <a:blip r:embed="rId2"/>
+          <a:stretch>
+            <a:fillRect/>
+          </a:stretch>
+        </p:blipFill>
+        <p:spPr>
+          <a:xfrm>
+            <a:off x="225526" y="5564944"/>
+            <a:ext cx="5689584" cy="844420"/>
+          </a:xfrm>
+          <a:prstGeom prst="rect">
+            <a:avLst/>
+          </a:prstGeom>
+        </p:spPr>
+      </p:pic>
+      <p:cxnSp>
+        <p:nvCxnSpPr>
+          <p:cNvPr id="14" name="Straight Arrow Connector 13"/>
+          <p:cNvCxnSpPr/>
+          <p:nvPr/>
+        </p:nvCxnSpPr>
+        <p:spPr>
+          <a:xfrm>
+            <a:off x="5627699" y="6040951"/>
+            <a:ext cx="458346" cy="9701"/>
+          </a:xfrm>
+          <a:prstGeom prst="straightConnector1">
+            <a:avLst/>
+          </a:prstGeom>
+          <a:ln w="57150">
+            <a:tailEnd type="triangle"/>
+          </a:ln>
+        </p:spPr>
+        <p:style>
+          <a:lnRef idx="1">
+            <a:schemeClr val="accent1"/>
+          </a:lnRef>
+          <a:fillRef idx="0">
+            <a:schemeClr val="accent1"/>
+          </a:fillRef>
+          <a:effectRef idx="0">
+            <a:schemeClr val="accent1"/>
+          </a:effectRef>
+          <a:fontRef idx="minor">
+            <a:schemeClr val="tx1"/>
+          </a:fontRef>
+        </p:style>
+      </p:cxnSp>
+      <p:pic>
+        <p:nvPicPr>
+          <p:cNvPr id="16" name="Picture 15"/>
+          <p:cNvPicPr>
+            <a:picLocks noChangeAspect="1"/>
+          </p:cNvPicPr>
+          <p:nvPr/>
+        </p:nvPicPr>
+        <p:blipFill>
+          <a:blip r:embed="rId3"/>
+          <a:stretch>
+            <a:fillRect/>
+          </a:stretch>
+        </p:blipFill>
+        <p:spPr>
+          <a:xfrm>
+            <a:off x="258248" y="2078182"/>
+            <a:ext cx="1040457" cy="1158546"/>
+          </a:xfrm>
+          <a:prstGeom prst="rect">
+            <a:avLst/>
+          </a:prstGeom>
+        </p:spPr>
+      </p:pic>
+      <p:sp>
+        <p:nvSpPr>
+          <p:cNvPr id="17" name="TextBox 16"/>
+          <p:cNvSpPr txBox="1"/>
+          <p:nvPr/>
+        </p:nvSpPr>
+        <p:spPr>
+          <a:xfrm>
+            <a:off x="1529630" y="1647686"/>
+            <a:ext cx="4271805" cy="2677656"/>
+          </a:xfrm>
+          <a:prstGeom prst="rect">
+            <a:avLst/>
+          </a:prstGeom>
+          <a:noFill/>
+        </p:spPr>
+        <p:txBody>
+          <a:bodyPr wrap="square" rtlCol="0">
+            <a:spAutoFit/>
+          </a:bodyPr>
+          <a:lstStyle/>
+          <a:p>
+            <a:r>
+              <a:rPr lang="en-US" sz="2400" dirty="0" smtClean="0"/>
+              <a:t>Peripheral reads file from computer that contains instructions to:</a:t>
+            </a:r>
+          </a:p>
+          <a:p>
+            <a:pPr marL="285750" indent="-285750">
+              <a:buFont typeface="Arial" panose="020B0604020202020204" pitchFamily="34" charset="0"/>
+              <a:buChar char="•"/>
+            </a:pPr>
+            <a:r>
+              <a:rPr lang="en-US" sz="2400" dirty="0" smtClean="0"/>
+              <a:t> read/write - </a:t>
+            </a:r>
+            <a:r>
+              <a:rPr lang="en-US" sz="2400" b="1" dirty="0" smtClean="0"/>
+              <a:t>header</a:t>
+            </a:r>
+          </a:p>
+          <a:p>
+            <a:pPr marL="285750" indent="-285750">
+              <a:buFont typeface="Arial" panose="020B0604020202020204" pitchFamily="34" charset="0"/>
+              <a:buChar char="•"/>
+            </a:pPr>
+            <a:r>
+              <a:rPr lang="en-US" sz="2400" dirty="0" smtClean="0"/>
+              <a:t>addresses </a:t>
+            </a:r>
+          </a:p>
+          <a:p>
+            <a:pPr marL="285750" indent="-285750">
+              <a:buFont typeface="Arial" panose="020B0604020202020204" pitchFamily="34" charset="0"/>
+              <a:buChar char="•"/>
+            </a:pPr>
+            <a:r>
+              <a:rPr lang="en-US" sz="2400" dirty="0" smtClean="0"/>
+              <a:t>Data</a:t>
+            </a:r>
+          </a:p>
+          <a:p>
+            <a:pPr marL="285750" indent="-285750">
+              <a:buFont typeface="Arial" panose="020B0604020202020204" pitchFamily="34" charset="0"/>
+              <a:buChar char="•"/>
+            </a:pPr>
+            <a:r>
+              <a:rPr lang="en-US" sz="2400" dirty="0" smtClean="0"/>
+              <a:t>Error bits generated arbitrarily</a:t>
+            </a:r>
+            <a:endParaRPr lang="en-US" sz="2400" dirty="0"/>
+          </a:p>
+        </p:txBody>
+      </p:sp>
+      <p:pic>
+        <p:nvPicPr>
+          <p:cNvPr id="1026" name="Picture 2" descr="Related image"/>
+          <p:cNvPicPr>
+            <a:picLocks noChangeAspect="1" noChangeArrowheads="1"/>
+          </p:cNvPicPr>
+          <p:nvPr/>
+        </p:nvPicPr>
+        <p:blipFill>
+          <a:blip r:embed="rId4">
+            <a:extLst>
+              <a:ext uri="{28A0092B-C50C-407E-A947-70E740481C1C}">
+                <a14:useLocalDpi xmlns:a14="http://schemas.microsoft.com/office/drawing/2010/main" val="0"/>
+              </a:ext>
+            </a:extLst>
+          </a:blip>
+          <a:srcRect/>
+          <a:stretch>
+            <a:fillRect/>
+          </a:stretch>
+        </p:blipFill>
+        <p:spPr bwMode="auto">
+          <a:xfrm>
+            <a:off x="5183915" y="1581737"/>
+            <a:ext cx="3105150" cy="2552700"/>
+          </a:xfrm>
+          <a:prstGeom prst="rect">
+            <a:avLst/>
+          </a:prstGeom>
+          <a:noFill/>
+          <a:extLst>
+            <a:ext uri="{909E8E84-426E-40DD-AFC4-6F175D3DCCD1}">
+              <a14:hiddenFill xmlns:a14="http://schemas.microsoft.com/office/drawing/2010/main">
+                <a:solidFill>
+                  <a:srgbClr val="FFFFFF"/>
+                </a:solidFill>
+              </a14:hiddenFill>
+            </a:ext>
+          </a:extLst>
+        </p:spPr>
+      </p:pic>
+      <p:sp>
+        <p:nvSpPr>
+          <p:cNvPr id="19" name="TextBox 18"/>
+          <p:cNvSpPr txBox="1"/>
+          <p:nvPr/>
+        </p:nvSpPr>
+        <p:spPr>
+          <a:xfrm>
+            <a:off x="8519990" y="1647686"/>
+            <a:ext cx="3690872" cy="3046988"/>
+          </a:xfrm>
+          <a:prstGeom prst="rect">
+            <a:avLst/>
+          </a:prstGeom>
+          <a:noFill/>
+        </p:spPr>
+        <p:txBody>
+          <a:bodyPr wrap="square" rtlCol="0">
+            <a:spAutoFit/>
+          </a:bodyPr>
+          <a:lstStyle/>
+          <a:p>
+            <a:pPr marL="342900" indent="-342900">
+              <a:buFont typeface="Arial" panose="020B0604020202020204" pitchFamily="34" charset="0"/>
+              <a:buChar char="•"/>
+            </a:pPr>
+            <a:r>
+              <a:rPr lang="en-US" sz="2400" dirty="0" smtClean="0"/>
+              <a:t>Peripheral state machine parses data and forms message as per format below. </a:t>
+            </a:r>
+          </a:p>
+          <a:p>
+            <a:pPr marL="342900" indent="-342900">
+              <a:buFont typeface="Arial" panose="020B0604020202020204" pitchFamily="34" charset="0"/>
+              <a:buChar char="•"/>
+            </a:pPr>
+            <a:r>
+              <a:rPr lang="en-US" sz="2400" dirty="0" smtClean="0"/>
+              <a:t>Waits for send command.</a:t>
+            </a:r>
+          </a:p>
+          <a:p>
+            <a:pPr marL="342900" indent="-342900">
+              <a:buFont typeface="Arial" panose="020B0604020202020204" pitchFamily="34" charset="0"/>
+              <a:buChar char="•"/>
+            </a:pPr>
+            <a:r>
+              <a:rPr lang="en-US" sz="2400" dirty="0" smtClean="0"/>
+              <a:t>Send command moves message to UART and sends to Mem Controller.</a:t>
+            </a:r>
+          </a:p>
+        </p:txBody>
+      </p:sp>
+      <p:cxnSp>
+        <p:nvCxnSpPr>
+          <p:cNvPr id="20" name="Straight Arrow Connector 19"/>
+          <p:cNvCxnSpPr/>
+          <p:nvPr/>
+        </p:nvCxnSpPr>
+        <p:spPr>
+          <a:xfrm>
+            <a:off x="10025149" y="6035040"/>
+            <a:ext cx="1960418" cy="0"/>
+          </a:xfrm>
+          <a:prstGeom prst="straightConnector1">
+            <a:avLst/>
+          </a:prstGeom>
+          <a:ln w="38100">
+            <a:headEnd type="triangle"/>
+            <a:tailEnd type="triangle"/>
+          </a:ln>
+        </p:spPr>
+        <p:style>
+          <a:lnRef idx="1">
+            <a:schemeClr val="accent1"/>
+          </a:lnRef>
+          <a:fillRef idx="0">
+            <a:schemeClr val="accent1"/>
+          </a:fillRef>
+          <a:effectRef idx="0">
+            <a:schemeClr val="accent1"/>
+          </a:effectRef>
+          <a:fontRef idx="minor">
+            <a:schemeClr val="tx1"/>
+          </a:fontRef>
+        </p:style>
+      </p:cxnSp>
+      <p:sp>
+        <p:nvSpPr>
+          <p:cNvPr id="22" name="TextBox 21"/>
+          <p:cNvSpPr txBox="1"/>
+          <p:nvPr/>
+        </p:nvSpPr>
+        <p:spPr>
+          <a:xfrm>
+            <a:off x="8443310" y="5383467"/>
+            <a:ext cx="1516937" cy="1323439"/>
+          </a:xfrm>
+          <a:prstGeom prst="rect">
+            <a:avLst/>
+          </a:prstGeom>
+          <a:noFill/>
+          <a:ln w="6350">
+            <a:solidFill>
+              <a:schemeClr val="accent2">
+                <a:lumMod val="75000"/>
+              </a:schemeClr>
+            </a:solidFill>
+          </a:ln>
+        </p:spPr>
+        <p:txBody>
+          <a:bodyPr wrap="square" rtlCol="0">
+            <a:spAutoFit/>
+          </a:bodyPr>
+          <a:lstStyle/>
+          <a:p>
+            <a:r>
+              <a:rPr lang="en-US" sz="4000" dirty="0" smtClean="0"/>
+              <a:t>MSG</a:t>
+            </a:r>
+          </a:p>
+          <a:p>
+            <a:r>
+              <a:rPr lang="en-US" sz="4000" dirty="0" smtClean="0"/>
+              <a:t>Buffer</a:t>
+            </a:r>
+            <a:endParaRPr lang="en-US" sz="4000" dirty="0"/>
+          </a:p>
+        </p:txBody>
+      </p:sp>
+      <p:cxnSp>
+        <p:nvCxnSpPr>
+          <p:cNvPr id="24" name="Straight Arrow Connector 23"/>
+          <p:cNvCxnSpPr/>
+          <p:nvPr/>
+        </p:nvCxnSpPr>
+        <p:spPr>
+          <a:xfrm>
+            <a:off x="7920100" y="6025338"/>
+            <a:ext cx="458346" cy="9701"/>
+          </a:xfrm>
+          <a:prstGeom prst="straightConnector1">
+            <a:avLst/>
+          </a:prstGeom>
+          <a:ln w="57150">
+            <a:tailEnd type="triangle"/>
+          </a:ln>
+        </p:spPr>
+        <p:style>
+          <a:lnRef idx="1">
+            <a:schemeClr val="accent1"/>
+          </a:lnRef>
+          <a:fillRef idx="0">
+            <a:schemeClr val="accent1"/>
+          </a:fillRef>
+          <a:effectRef idx="0">
+            <a:schemeClr val="accent1"/>
+          </a:effectRef>
+          <a:fontRef idx="minor">
+            <a:schemeClr val="tx1"/>
+          </a:fontRef>
+        </p:style>
+      </p:cxnSp>
+    </p:spTree>
+    <p:extLst>
+      <p:ext uri="{BB962C8B-B14F-4D97-AF65-F5344CB8AC3E}">
+        <p14:creationId xmlns:p14="http://schemas.microsoft.com/office/powerpoint/2010/main" val="365396795"/>
+      </p:ext>
+    </p:extLst>
+  </p:cSld>
+  <p:clrMapOvr>
+    <a:masterClrMapping/>
+  </p:clrMapOvr>
+</p:sld>
+</file>
+
+<file path=ppt/slides/slide31.xml><?xml version="1.0" encoding="utf-8"?>
+<p:sld xmlns:a="http://schemas.openxmlformats.org/drawingml/2006/main" xmlns:r="http://schemas.openxmlformats.org/officeDocument/2006/relationships" xmlns:p="http://schemas.openxmlformats.org/presentationml/2006/main">
+  <p:cSld>
+    <p:spTree>
+      <p:nvGrpSpPr>
+        <p:cNvPr id="1" name=""/>
+        <p:cNvGrpSpPr/>
+        <p:nvPr/>
+      </p:nvGrpSpPr>
+      <p:grpSpPr>
+        <a:xfrm>
+          <a:off x="0" y="0"/>
+          <a:ext cx="0" cy="0"/>
+          <a:chOff x="0" y="0"/>
+          <a:chExt cx="0" cy="0"/>
+        </a:xfrm>
+      </p:grpSpPr>
+      <p:sp>
+        <p:nvSpPr>
+          <p:cNvPr id="2" name="Title 1"/>
+          <p:cNvSpPr>
+            <a:spLocks noGrp="1"/>
+          </p:cNvSpPr>
+          <p:nvPr>
+            <p:ph type="title"/>
+          </p:nvPr>
+        </p:nvSpPr>
         <p:spPr>
           <a:xfrm>
             <a:off x="517533" y="213900"/>
@@ -10459,6 +9912,174 @@
     <p:extLst>
       <p:ext uri="{BB962C8B-B14F-4D97-AF65-F5344CB8AC3E}">
         <p14:creationId xmlns:p14="http://schemas.microsoft.com/office/powerpoint/2010/main" val="3536200673"/>
+      </p:ext>
+    </p:extLst>
+  </p:cSld>
+  <p:clrMapOvr>
+    <a:masterClrMapping/>
+  </p:clrMapOvr>
+</p:sld>
+</file>
+
+<file path=ppt/slides/slide32.xml><?xml version="1.0" encoding="utf-8"?>
+<p:sld xmlns:a="http://schemas.openxmlformats.org/drawingml/2006/main" xmlns:r="http://schemas.openxmlformats.org/officeDocument/2006/relationships" xmlns:p="http://schemas.openxmlformats.org/presentationml/2006/main">
+  <p:cSld>
+    <p:spTree>
+      <p:nvGrpSpPr>
+        <p:cNvPr id="1" name=""/>
+        <p:cNvGrpSpPr/>
+        <p:nvPr/>
+      </p:nvGrpSpPr>
+      <p:grpSpPr>
+        <a:xfrm>
+          <a:off x="0" y="0"/>
+          <a:ext cx="0" cy="0"/>
+          <a:chOff x="0" y="0"/>
+          <a:chExt cx="0" cy="0"/>
+        </a:xfrm>
+      </p:grpSpPr>
+      <p:sp>
+        <p:nvSpPr>
+          <p:cNvPr id="2" name="Title 1"/>
+          <p:cNvSpPr>
+            <a:spLocks noGrp="1"/>
+          </p:cNvSpPr>
+          <p:nvPr>
+            <p:ph type="title"/>
+          </p:nvPr>
+        </p:nvSpPr>
+        <p:spPr/>
+        <p:txBody>
+          <a:bodyPr/>
+          <a:lstStyle/>
+          <a:p>
+            <a:r>
+              <a:rPr lang="en-US" dirty="0" smtClean="0"/>
+              <a:t>Global Verification case</a:t>
+            </a:r>
+            <a:endParaRPr lang="en-US" dirty="0"/>
+          </a:p>
+        </p:txBody>
+      </p:sp>
+      <p:sp>
+        <p:nvSpPr>
+          <p:cNvPr id="4" name="TextBox 3"/>
+          <p:cNvSpPr txBox="1"/>
+          <p:nvPr/>
+        </p:nvSpPr>
+        <p:spPr>
+          <a:xfrm>
+            <a:off x="1010653" y="1690688"/>
+            <a:ext cx="5614736" cy="2031325"/>
+          </a:xfrm>
+          <a:prstGeom prst="rect">
+            <a:avLst/>
+          </a:prstGeom>
+          <a:noFill/>
+        </p:spPr>
+        <p:txBody>
+          <a:bodyPr wrap="square" rtlCol="0">
+            <a:spAutoFit/>
+          </a:bodyPr>
+          <a:lstStyle/>
+          <a:p>
+            <a:r>
+              <a:rPr lang="en-US" dirty="0" smtClean="0"/>
+              <a:t>Case </a:t>
+            </a:r>
+            <a:r>
+              <a:rPr lang="en-US" dirty="0" smtClean="0"/>
+              <a:t>1 – </a:t>
+            </a:r>
+            <a:r>
+              <a:rPr lang="en-US" dirty="0" smtClean="0"/>
+              <a:t>Peripheral </a:t>
+            </a:r>
+            <a:r>
+              <a:rPr lang="en-US" dirty="0" err="1" smtClean="0"/>
+              <a:t>periferico</a:t>
+            </a:r>
+            <a:r>
+              <a:rPr lang="en-US" dirty="0" smtClean="0"/>
+              <a:t> escribe y hay un cache hit modified (</a:t>
+            </a:r>
+            <a:r>
+              <a:rPr lang="en-US" dirty="0" err="1" smtClean="0"/>
+              <a:t>paso</a:t>
+            </a:r>
+            <a:r>
+              <a:rPr lang="en-US" dirty="0" smtClean="0"/>
+              <a:t> </a:t>
+            </a:r>
+            <a:r>
+              <a:rPr lang="en-US" dirty="0" err="1" smtClean="0"/>
+              <a:t>por</a:t>
+            </a:r>
+            <a:r>
+              <a:rPr lang="en-US" dirty="0" smtClean="0"/>
+              <a:t> </a:t>
+            </a:r>
+            <a:r>
+              <a:rPr lang="en-US" dirty="0" err="1" smtClean="0"/>
+              <a:t>paso</a:t>
+            </a:r>
+            <a:r>
+              <a:rPr lang="en-US" dirty="0" smtClean="0"/>
+              <a:t>)</a:t>
+            </a:r>
+          </a:p>
+          <a:p>
+            <a:r>
+              <a:rPr lang="en-US" dirty="0" smtClean="0"/>
+              <a:t>Case 2 – CPU load (read) - cache miss </a:t>
+            </a:r>
+          </a:p>
+          <a:p>
+            <a:r>
+              <a:rPr lang="en-US" dirty="0" smtClean="0"/>
+              <a:t>Case </a:t>
+            </a:r>
+            <a:r>
+              <a:rPr lang="en-US" dirty="0" smtClean="0"/>
+              <a:t>3 – CPU load – hit</a:t>
+            </a:r>
+          </a:p>
+          <a:p>
+            <a:r>
+              <a:rPr lang="en-US" dirty="0" smtClean="0"/>
+              <a:t>Case </a:t>
+            </a:r>
+            <a:r>
+              <a:rPr lang="en-US" dirty="0" smtClean="0"/>
+              <a:t>4 – CPU store (write to main memory) miss </a:t>
+            </a:r>
+          </a:p>
+          <a:p>
+            <a:r>
+              <a:rPr lang="en-US" dirty="0" smtClean="0"/>
+              <a:t>Case </a:t>
+            </a:r>
+            <a:r>
+              <a:rPr lang="en-US" dirty="0" smtClean="0"/>
+              <a:t>5 – CPU store hit</a:t>
+            </a:r>
+          </a:p>
+          <a:p>
+            <a:r>
+              <a:rPr lang="en-US" dirty="0" smtClean="0"/>
+              <a:t>Case </a:t>
+            </a:r>
+            <a:r>
+              <a:rPr lang="en-US" dirty="0" smtClean="0"/>
+              <a:t>6 – CPU bus request denied. </a:t>
+            </a:r>
+          </a:p>
+        </p:txBody>
+      </p:sp>
+    </p:spTree>
+    <p:extLst>
+      <p:ext uri="{BB962C8B-B14F-4D97-AF65-F5344CB8AC3E}">
+        <p14:creationId xmlns:p14="http://schemas.microsoft.com/office/powerpoint/2010/main" val="1822458624"/>
       </p:ext>
     </p:extLst>
   </p:cSld>
@@ -11530,7 +11151,7 @@
       </p:grpSpPr>
       <p:pic>
         <p:nvPicPr>
-          <p:cNvPr id="13" name="Picture 12"/>
+          <p:cNvPr id="4" name="Picture 3"/>
           <p:cNvPicPr>
             <a:picLocks noChangeAspect="1"/>
           </p:cNvPicPr>
@@ -11544,8 +11165,8 @@
         </p:blipFill>
         <p:spPr>
           <a:xfrm>
-            <a:off x="-34457" y="2533913"/>
-            <a:ext cx="10725150" cy="4076700"/>
+            <a:off x="728654" y="1227157"/>
+            <a:ext cx="10668000" cy="4676775"/>
           </a:xfrm>
           <a:prstGeom prst="rect">
             <a:avLst/>
@@ -11607,8 +11228,8 @@
         </p:nvSpPr>
         <p:spPr>
           <a:xfrm>
-            <a:off x="6277069" y="2231868"/>
-            <a:ext cx="5548415" cy="2308324"/>
+            <a:off x="4242323" y="2342984"/>
+            <a:ext cx="2685698" cy="1477328"/>
           </a:xfrm>
           <a:prstGeom prst="rect">
             <a:avLst/>
@@ -11637,7 +11258,7 @@
                   </a:schemeClr>
                 </a:solidFill>
               </a:rPr>
-              <a:t>waits for Message  (decoded by MCP decoder)</a:t>
+              <a:t>waits for MC Message  (decoded by MCP decoder)</a:t>
             </a:r>
           </a:p>
           <a:p>
@@ -11649,6 +11270,255 @@
               </a:solidFill>
             </a:endParaRPr>
           </a:p>
+          <a:p>
+            <a:endParaRPr lang="en-US" dirty="0">
+              <a:solidFill>
+                <a:schemeClr val="accent2">
+                  <a:lumMod val="75000"/>
+                </a:schemeClr>
+              </a:solidFill>
+            </a:endParaRPr>
+          </a:p>
+        </p:txBody>
+      </p:sp>
+      <p:sp>
+        <p:nvSpPr>
+          <p:cNvPr id="7" name="TextBox 6"/>
+          <p:cNvSpPr txBox="1"/>
+          <p:nvPr/>
+        </p:nvSpPr>
+        <p:spPr>
+          <a:xfrm>
+            <a:off x="2584600" y="3877542"/>
+            <a:ext cx="1924975" cy="923330"/>
+          </a:xfrm>
+          <a:prstGeom prst="rect">
+            <a:avLst/>
+          </a:prstGeom>
+          <a:noFill/>
+        </p:spPr>
+        <p:txBody>
+          <a:bodyPr wrap="square" rtlCol="0">
+            <a:spAutoFit/>
+          </a:bodyPr>
+          <a:lstStyle/>
+          <a:p>
+            <a:r>
+              <a:rPr lang="en-US" dirty="0" smtClean="0">
+                <a:solidFill>
+                  <a:schemeClr val="accent2">
+                    <a:lumMod val="75000"/>
+                  </a:schemeClr>
+                </a:solidFill>
+              </a:rPr>
+              <a:t> </a:t>
+            </a:r>
+            <a:r>
+              <a:rPr lang="en-US" b="1" dirty="0" smtClean="0">
+                <a:solidFill>
+                  <a:srgbClr val="7030A0"/>
+                </a:solidFill>
+              </a:rPr>
+              <a:t>START</a:t>
+            </a:r>
+            <a:r>
+              <a:rPr lang="en-US" dirty="0" smtClean="0">
+                <a:solidFill>
+                  <a:schemeClr val="accent2">
+                    <a:lumMod val="75000"/>
+                  </a:schemeClr>
+                </a:solidFill>
+              </a:rPr>
+              <a:t>: Latches Data, ADDR, </a:t>
+            </a:r>
+            <a:r>
+              <a:rPr lang="en-US" dirty="0" err="1" smtClean="0">
+                <a:solidFill>
+                  <a:schemeClr val="accent2">
+                    <a:lumMod val="75000"/>
+                  </a:schemeClr>
+                </a:solidFill>
+              </a:rPr>
+              <a:t>Instr</a:t>
+            </a:r>
+            <a:r>
+              <a:rPr lang="en-US" dirty="0" smtClean="0">
+                <a:solidFill>
+                  <a:schemeClr val="accent2">
+                    <a:lumMod val="75000"/>
+                  </a:schemeClr>
+                </a:solidFill>
+              </a:rPr>
+              <a:t> and Error from TB</a:t>
+            </a:r>
+            <a:endParaRPr lang="en-US" dirty="0">
+              <a:solidFill>
+                <a:schemeClr val="accent2">
+                  <a:lumMod val="75000"/>
+                </a:schemeClr>
+              </a:solidFill>
+            </a:endParaRPr>
+          </a:p>
+        </p:txBody>
+      </p:sp>
+      <p:sp>
+        <p:nvSpPr>
+          <p:cNvPr id="11" name="TextBox 10"/>
+          <p:cNvSpPr txBox="1"/>
+          <p:nvPr/>
+        </p:nvSpPr>
+        <p:spPr>
+          <a:xfrm>
+            <a:off x="10055338" y="3750735"/>
+            <a:ext cx="2382916" cy="1200329"/>
+          </a:xfrm>
+          <a:prstGeom prst="rect">
+            <a:avLst/>
+          </a:prstGeom>
+          <a:noFill/>
+        </p:spPr>
+        <p:txBody>
+          <a:bodyPr wrap="square" rtlCol="0">
+            <a:spAutoFit/>
+          </a:bodyPr>
+          <a:lstStyle/>
+          <a:p>
+            <a:r>
+              <a:rPr lang="en-US" b="1" dirty="0" smtClean="0">
+                <a:solidFill>
+                  <a:srgbClr val="7030A0"/>
+                </a:solidFill>
+              </a:rPr>
+              <a:t>MSG</a:t>
+            </a:r>
+            <a:r>
+              <a:rPr lang="en-US" dirty="0" smtClean="0">
+                <a:solidFill>
+                  <a:schemeClr val="accent2">
+                    <a:lumMod val="75000"/>
+                  </a:schemeClr>
+                </a:solidFill>
+              </a:rPr>
+              <a:t>: Sends </a:t>
+            </a:r>
+            <a:r>
+              <a:rPr lang="en-US" dirty="0" err="1" smtClean="0">
+                <a:solidFill>
+                  <a:schemeClr val="accent2">
+                    <a:lumMod val="75000"/>
+                  </a:schemeClr>
+                </a:solidFill>
+              </a:rPr>
+              <a:t>msg</a:t>
+            </a:r>
+            <a:r>
+              <a:rPr lang="en-US" dirty="0" smtClean="0">
+                <a:solidFill>
+                  <a:schemeClr val="accent2">
+                    <a:lumMod val="75000"/>
+                  </a:schemeClr>
+                </a:solidFill>
+              </a:rPr>
+              <a:t> to UART, waits for UART ACK </a:t>
+            </a:r>
+            <a:r>
+              <a:rPr lang="en-US" dirty="0" err="1" smtClean="0">
+                <a:solidFill>
+                  <a:schemeClr val="accent2">
+                    <a:lumMod val="75000"/>
+                  </a:schemeClr>
+                </a:solidFill>
+              </a:rPr>
+              <a:t>TxDone</a:t>
+            </a:r>
+            <a:r>
+              <a:rPr lang="en-US" dirty="0" smtClean="0">
+                <a:solidFill>
+                  <a:schemeClr val="accent2">
+                    <a:lumMod val="75000"/>
+                  </a:schemeClr>
+                </a:solidFill>
+              </a:rPr>
+              <a:t> and goes to </a:t>
+            </a:r>
+            <a:r>
+              <a:rPr lang="en-US" dirty="0" smtClean="0">
+                <a:solidFill>
+                  <a:srgbClr val="7030A0"/>
+                </a:solidFill>
+              </a:rPr>
+              <a:t>CONFIRM</a:t>
+            </a:r>
+            <a:endParaRPr lang="en-US" dirty="0">
+              <a:solidFill>
+                <a:srgbClr val="7030A0"/>
+              </a:solidFill>
+            </a:endParaRPr>
+          </a:p>
+        </p:txBody>
+      </p:sp>
+      <p:sp>
+        <p:nvSpPr>
+          <p:cNvPr id="3" name="TextBox 2"/>
+          <p:cNvSpPr txBox="1"/>
+          <p:nvPr/>
+        </p:nvSpPr>
+        <p:spPr>
+          <a:xfrm>
+            <a:off x="2235453" y="2720672"/>
+            <a:ext cx="685188" cy="369332"/>
+          </a:xfrm>
+          <a:prstGeom prst="rect">
+            <a:avLst/>
+          </a:prstGeom>
+          <a:noFill/>
+        </p:spPr>
+        <p:txBody>
+          <a:bodyPr wrap="none" rtlCol="0">
+            <a:spAutoFit/>
+          </a:bodyPr>
+          <a:lstStyle/>
+          <a:p>
+            <a:r>
+              <a:rPr lang="en-US" dirty="0" err="1" smtClean="0">
+                <a:solidFill>
+                  <a:schemeClr val="accent2">
+                    <a:lumMod val="75000"/>
+                  </a:schemeClr>
+                </a:solidFill>
+              </a:rPr>
+              <a:t>iStart</a:t>
+            </a:r>
+            <a:endParaRPr lang="en-US" dirty="0">
+              <a:solidFill>
+                <a:schemeClr val="accent2">
+                  <a:lumMod val="75000"/>
+                </a:schemeClr>
+              </a:solidFill>
+            </a:endParaRPr>
+          </a:p>
+        </p:txBody>
+      </p:sp>
+      <p:sp>
+        <p:nvSpPr>
+          <p:cNvPr id="6" name="Rectangle 5"/>
+          <p:cNvSpPr/>
+          <p:nvPr/>
+        </p:nvSpPr>
+        <p:spPr>
+          <a:xfrm>
+            <a:off x="6807453" y="2183274"/>
+            <a:ext cx="5178601" cy="923330"/>
+          </a:xfrm>
+          <a:prstGeom prst="rect">
+            <a:avLst/>
+          </a:prstGeom>
+        </p:spPr>
+        <p:txBody>
+          <a:bodyPr wrap="square">
+            <a:spAutoFit/>
+          </a:bodyPr>
+          <a:lstStyle/>
           <a:p>
             <a:r>
               <a:rPr lang="en-US" dirty="0" smtClean="0">
@@ -11704,10 +11574,16 @@
                   </a:schemeClr>
                 </a:solidFill>
               </a:rPr>
-              <a:t> is sent again.</a:t>
-            </a:r>
-          </a:p>
-          <a:p>
+              <a:t> is sent again. If MC replies with </a:t>
+            </a:r>
+            <a:r>
+              <a:rPr lang="en-US" dirty="0" smtClean="0">
+                <a:solidFill>
+                  <a:srgbClr val="00B0F0"/>
+                </a:solidFill>
+              </a:rPr>
+              <a:t>ACK</a:t>
+            </a:r>
             <a:r>
               <a:rPr lang="en-US" dirty="0" smtClean="0">
                 <a:solidFill>
@@ -11716,45 +11592,7 @@
                   </a:schemeClr>
                 </a:solidFill>
               </a:rPr>
-              <a:t>If </a:t>
-            </a:r>
-            <a:r>
-              <a:rPr lang="en-US" dirty="0">
-                <a:solidFill>
-                  <a:schemeClr val="accent2">
-                    <a:lumMod val="75000"/>
-                  </a:schemeClr>
-                </a:solidFill>
-              </a:rPr>
-              <a:t>MC replies with </a:t>
-            </a:r>
-            <a:r>
-              <a:rPr lang="en-US" dirty="0">
-                <a:solidFill>
-                  <a:srgbClr val="00B0F0"/>
-                </a:solidFill>
-              </a:rPr>
-              <a:t>ACK</a:t>
-            </a:r>
-            <a:r>
-              <a:rPr lang="en-US" dirty="0">
-                <a:solidFill>
-                  <a:schemeClr val="accent2">
-                    <a:lumMod val="75000"/>
-                  </a:schemeClr>
-                </a:solidFill>
-              </a:rPr>
-              <a:t> </a:t>
-            </a:r>
-            <a:r>
-              <a:rPr lang="en-US" dirty="0" smtClean="0">
-                <a:solidFill>
-                  <a:schemeClr val="accent2">
-                    <a:lumMod val="75000"/>
-                  </a:schemeClr>
-                </a:solidFill>
-              </a:rPr>
-              <a:t>, goes to </a:t>
+              <a:t> , goes to </a:t>
             </a:r>
             <a:r>
               <a:rPr lang="en-US" dirty="0" smtClean="0">
@@ -11775,6 +11613,28 @@
               <a:t>.</a:t>
             </a:r>
           </a:p>
+        </p:txBody>
+      </p:sp>
+      <p:sp>
+        <p:nvSpPr>
+          <p:cNvPr id="8" name="Rectangle 7"/>
+          <p:cNvSpPr/>
+          <p:nvPr/>
+        </p:nvSpPr>
+        <p:spPr>
+          <a:xfrm>
+            <a:off x="7383493" y="3981340"/>
+            <a:ext cx="2216373" cy="1477328"/>
+          </a:xfrm>
+          <a:prstGeom prst="rect">
+            <a:avLst/>
+          </a:prstGeom>
+        </p:spPr>
+        <p:txBody>
+          <a:bodyPr wrap="square">
+            <a:spAutoFit/>
+          </a:bodyPr>
+          <a:lstStyle/>
           <a:p>
             <a:r>
               <a:rPr lang="en-US" dirty="0" smtClean="0">
@@ -11896,239 +11756,12 @@
               </a:solidFill>
             </a:endParaRPr>
           </a:p>
-          <a:p>
-            <a:endParaRPr lang="en-US" dirty="0">
-              <a:solidFill>
-                <a:schemeClr val="accent2">
-                  <a:lumMod val="75000"/>
-                </a:schemeClr>
-              </a:solidFill>
-            </a:endParaRPr>
-          </a:p>
-        </p:txBody>
-      </p:sp>
-      <p:sp>
-        <p:nvSpPr>
-          <p:cNvPr id="7" name="TextBox 6"/>
-          <p:cNvSpPr txBox="1"/>
-          <p:nvPr/>
-        </p:nvSpPr>
-        <p:spPr>
-          <a:xfrm>
-            <a:off x="2451715" y="4635424"/>
-            <a:ext cx="1924975" cy="923330"/>
-          </a:xfrm>
-          <a:prstGeom prst="rect">
-            <a:avLst/>
-          </a:prstGeom>
-          <a:noFill/>
-        </p:spPr>
-        <p:txBody>
-          <a:bodyPr wrap="square" rtlCol="0">
-            <a:spAutoFit/>
-          </a:bodyPr>
-          <a:lstStyle/>
-          <a:p>
-            <a:r>
-              <a:rPr lang="en-US" dirty="0" smtClean="0">
-                <a:solidFill>
-                  <a:schemeClr val="accent2">
-                    <a:lumMod val="75000"/>
-                  </a:schemeClr>
-                </a:solidFill>
-              </a:rPr>
-              <a:t> </a:t>
-            </a:r>
-            <a:r>
-              <a:rPr lang="en-US" b="1" dirty="0" smtClean="0">
-                <a:solidFill>
-                  <a:srgbClr val="7030A0"/>
-                </a:solidFill>
-              </a:rPr>
-              <a:t>LOAD</a:t>
-            </a:r>
-            <a:r>
-              <a:rPr lang="en-US" dirty="0" smtClean="0">
-                <a:solidFill>
-                  <a:schemeClr val="accent2">
-                    <a:lumMod val="75000"/>
-                  </a:schemeClr>
-                </a:solidFill>
-              </a:rPr>
-              <a:t>: Latches Data, ADDR, </a:t>
-            </a:r>
-            <a:r>
-              <a:rPr lang="en-US" dirty="0" err="1" smtClean="0">
-                <a:solidFill>
-                  <a:schemeClr val="accent2">
-                    <a:lumMod val="75000"/>
-                  </a:schemeClr>
-                </a:solidFill>
-              </a:rPr>
-              <a:t>Instr</a:t>
-            </a:r>
-            <a:r>
-              <a:rPr lang="en-US" dirty="0" smtClean="0">
-                <a:solidFill>
-                  <a:schemeClr val="accent2">
-                    <a:lumMod val="75000"/>
-                  </a:schemeClr>
-                </a:solidFill>
-              </a:rPr>
-              <a:t> and Error from TB</a:t>
-            </a:r>
-            <a:endParaRPr lang="en-US" dirty="0">
-              <a:solidFill>
-                <a:schemeClr val="accent2">
-                  <a:lumMod val="75000"/>
-                </a:schemeClr>
-              </a:solidFill>
-            </a:endParaRPr>
-          </a:p>
-        </p:txBody>
-      </p:sp>
-      <p:sp>
-        <p:nvSpPr>
-          <p:cNvPr id="11" name="TextBox 10"/>
-          <p:cNvSpPr txBox="1"/>
-          <p:nvPr/>
-        </p:nvSpPr>
-        <p:spPr>
-          <a:xfrm>
-            <a:off x="3662776" y="3019406"/>
-            <a:ext cx="2382916" cy="1200329"/>
-          </a:xfrm>
-          <a:prstGeom prst="rect">
-            <a:avLst/>
-          </a:prstGeom>
-          <a:noFill/>
-        </p:spPr>
-        <p:txBody>
-          <a:bodyPr wrap="square" rtlCol="0">
-            <a:spAutoFit/>
-          </a:bodyPr>
-          <a:lstStyle/>
-          <a:p>
-            <a:r>
-              <a:rPr lang="en-US" b="1" dirty="0" smtClean="0">
-                <a:solidFill>
-                  <a:srgbClr val="7030A0"/>
-                </a:solidFill>
-              </a:rPr>
-              <a:t>MSG</a:t>
-            </a:r>
-            <a:r>
-              <a:rPr lang="en-US" dirty="0" smtClean="0">
-                <a:solidFill>
-                  <a:schemeClr val="accent2">
-                    <a:lumMod val="75000"/>
-                  </a:schemeClr>
-                </a:solidFill>
-              </a:rPr>
-              <a:t>: Sends </a:t>
-            </a:r>
-            <a:r>
-              <a:rPr lang="en-US" dirty="0" err="1" smtClean="0">
-                <a:solidFill>
-                  <a:schemeClr val="accent2">
-                    <a:lumMod val="75000"/>
-                  </a:schemeClr>
-                </a:solidFill>
-              </a:rPr>
-              <a:t>msg</a:t>
-            </a:r>
-            <a:r>
-              <a:rPr lang="en-US" dirty="0" smtClean="0">
-                <a:solidFill>
-                  <a:schemeClr val="accent2">
-                    <a:lumMod val="75000"/>
-                  </a:schemeClr>
-                </a:solidFill>
-              </a:rPr>
-              <a:t> to UART, waits for UART ACK </a:t>
-            </a:r>
-            <a:r>
-              <a:rPr lang="en-US" dirty="0" err="1" smtClean="0">
-                <a:solidFill>
-                  <a:schemeClr val="accent2">
-                    <a:lumMod val="75000"/>
-                  </a:schemeClr>
-                </a:solidFill>
-              </a:rPr>
-              <a:t>TxDone</a:t>
-            </a:r>
-            <a:r>
-              <a:rPr lang="en-US" dirty="0" smtClean="0">
-                <a:solidFill>
-                  <a:schemeClr val="accent2">
-                    <a:lumMod val="75000"/>
-                  </a:schemeClr>
-                </a:solidFill>
-              </a:rPr>
-              <a:t> and goes to </a:t>
-            </a:r>
-            <a:r>
-              <a:rPr lang="en-US" dirty="0" smtClean="0">
-                <a:solidFill>
-                  <a:srgbClr val="7030A0"/>
-                </a:solidFill>
-              </a:rPr>
-              <a:t>CONFIRM</a:t>
-            </a:r>
-            <a:endParaRPr lang="en-US" dirty="0">
-              <a:solidFill>
-                <a:srgbClr val="7030A0"/>
-              </a:solidFill>
-            </a:endParaRPr>
-          </a:p>
-        </p:txBody>
-      </p:sp>
-      <p:sp>
-        <p:nvSpPr>
-          <p:cNvPr id="3" name="TextBox 2"/>
-          <p:cNvSpPr txBox="1"/>
-          <p:nvPr/>
-        </p:nvSpPr>
-        <p:spPr>
-          <a:xfrm>
-            <a:off x="2194263" y="3478554"/>
-            <a:ext cx="685188" cy="369332"/>
-          </a:xfrm>
-          <a:prstGeom prst="rect">
-            <a:avLst/>
-          </a:prstGeom>
-          <a:noFill/>
-        </p:spPr>
-        <p:txBody>
-          <a:bodyPr wrap="none" rtlCol="0">
-            <a:spAutoFit/>
-          </a:bodyPr>
-          <a:lstStyle/>
-          <a:p>
-            <a:r>
-              <a:rPr lang="en-US" dirty="0" err="1" smtClean="0">
-                <a:solidFill>
-                  <a:schemeClr val="accent2">
-                    <a:lumMod val="75000"/>
-                  </a:schemeClr>
-                </a:solidFill>
-              </a:rPr>
-              <a:t>iStart</a:t>
-            </a:r>
-            <a:endParaRPr lang="en-US" dirty="0">
-              <a:solidFill>
-                <a:schemeClr val="accent2">
-                  <a:lumMod val="75000"/>
-                </a:schemeClr>
-              </a:solidFill>
-            </a:endParaRPr>
-          </a:p>
         </p:txBody>
       </p:sp>
     </p:spTree>
     <p:extLst>
       <p:ext uri="{BB962C8B-B14F-4D97-AF65-F5344CB8AC3E}">
-        <p14:creationId xmlns:p14="http://schemas.microsoft.com/office/powerpoint/2010/main" val="1075789774"/>
+        <p14:creationId xmlns:p14="http://schemas.microsoft.com/office/powerpoint/2010/main" val="3322564349"/>
       </p:ext>
     </p:extLst>
   </p:cSld>
@@ -12157,22 +11790,22 @@
       </p:grpSpPr>
       <p:pic>
         <p:nvPicPr>
-          <p:cNvPr id="4" name="Picture 3"/>
+          <p:cNvPr id="3" name="Picture 2"/>
           <p:cNvPicPr>
             <a:picLocks noChangeAspect="1"/>
           </p:cNvPicPr>
           <p:nvPr/>
         </p:nvPicPr>
         <p:blipFill>
-          <a:blip r:embed="rId3"/>
+          <a:blip r:embed="rId2"/>
           <a:stretch>
             <a:fillRect/>
           </a:stretch>
         </p:blipFill>
         <p:spPr>
           <a:xfrm>
-            <a:off x="728654" y="1227157"/>
-            <a:ext cx="10668000" cy="4676775"/>
+            <a:off x="1178310" y="1321356"/>
+            <a:ext cx="6363157" cy="5167312"/>
           </a:xfrm>
           <a:prstGeom prst="rect">
             <a:avLst/>
@@ -12189,7 +11822,7 @@
         </p:nvSpPr>
         <p:spPr>
           <a:xfrm>
-            <a:off x="1019269" y="906305"/>
+            <a:off x="838200" y="213234"/>
             <a:ext cx="10515600" cy="1325563"/>
           </a:xfrm>
           <a:prstGeom prst="rect">
@@ -12220,7 +11853,7 @@
           <a:p>
             <a:r>
               <a:rPr lang="en-US" dirty="0" smtClean="0"/>
-              <a:t>Peripheral component FSM  – Synthesis</a:t>
+              <a:t>Decoder PMC</a:t>
             </a:r>
             <a:endParaRPr lang="en-US" dirty="0"/>
           </a:p>
@@ -12228,14 +11861,14 @@
       </p:sp>
       <p:sp>
         <p:nvSpPr>
-          <p:cNvPr id="5" name="TextBox 4"/>
+          <p:cNvPr id="4" name="TextBox 3"/>
           <p:cNvSpPr txBox="1"/>
           <p:nvPr/>
         </p:nvSpPr>
         <p:spPr>
           <a:xfrm>
-            <a:off x="4242323" y="2342984"/>
-            <a:ext cx="2685698" cy="1477328"/>
+            <a:off x="249354" y="5795250"/>
+            <a:ext cx="1413528" cy="369332"/>
           </a:xfrm>
           <a:prstGeom prst="rect">
             <a:avLst/>
@@ -12243,19 +11876,11 @@
           <a:noFill/>
         </p:spPr>
         <p:txBody>
-          <a:bodyPr wrap="square" rtlCol="0">
+          <a:bodyPr wrap="none" rtlCol="0">
             <a:spAutoFit/>
           </a:bodyPr>
           <a:lstStyle/>
           <a:p>
-            <a:r>
-              <a:rPr lang="en-US" dirty="0" smtClean="0">
-                <a:solidFill>
-                  <a:srgbClr val="7030A0"/>
-                </a:solidFill>
-              </a:rPr>
-              <a:t>CONFIRM: </a:t>
-            </a:r>
             <a:r>
               <a:rPr lang="en-US" dirty="0" smtClean="0">
                 <a:solidFill>
@@ -12264,10 +11889,8 @@
                   </a:schemeClr>
                 </a:solidFill>
               </a:rPr>
-              <a:t>waits for MC Message  (decoded by MCP decoder)</a:t>
-            </a:r>
-          </a:p>
-          <a:p>
+              <a:t>UART control</a:t>
+            </a:r>
             <a:endParaRPr lang="en-US" dirty="0">
               <a:solidFill>
                 <a:schemeClr val="accent2">
@@ -12276,7 +11899,170 @@
               </a:solidFill>
             </a:endParaRPr>
           </a:p>
-          <a:p>
+        </p:txBody>
+      </p:sp>
+      <p:sp>
+        <p:nvSpPr>
+          <p:cNvPr id="6" name="TextBox 5"/>
+          <p:cNvSpPr txBox="1"/>
+          <p:nvPr/>
+        </p:nvSpPr>
+        <p:spPr>
+          <a:xfrm>
+            <a:off x="325611" y="1060745"/>
+            <a:ext cx="6757043" cy="369332"/>
+          </a:xfrm>
+          <a:prstGeom prst="rect">
+            <a:avLst/>
+          </a:prstGeom>
+          <a:noFill/>
+        </p:spPr>
+        <p:txBody>
+          <a:bodyPr wrap="none" rtlCol="0">
+            <a:spAutoFit/>
+          </a:bodyPr>
+          <a:lstStyle/>
+          <a:p>
+            <a:r>
+              <a:rPr lang="en-US" dirty="0" err="1" smtClean="0"/>
+              <a:t>iMsg</a:t>
+            </a:r>
+            <a:r>
+              <a:rPr lang="en-US" dirty="0" smtClean="0"/>
+              <a:t> </a:t>
+            </a:r>
+            <a:r>
+              <a:rPr lang="en-US" dirty="0"/>
+              <a:t>= {</a:t>
+            </a:r>
+            <a:r>
+              <a:rPr lang="en-US" dirty="0">
+                <a:solidFill>
+                  <a:srgbClr val="00B050"/>
+                </a:solidFill>
+              </a:rPr>
+              <a:t>8'h0F</a:t>
+            </a:r>
+            <a:r>
+              <a:rPr lang="en-US" dirty="0"/>
+              <a:t>, </a:t>
+            </a:r>
+            <a:r>
+              <a:rPr lang="en-US" dirty="0" err="1">
+                <a:solidFill>
+                  <a:schemeClr val="accent2">
+                    <a:lumMod val="75000"/>
+                  </a:schemeClr>
+                </a:solidFill>
+              </a:rPr>
+              <a:t>iInstruction</a:t>
+            </a:r>
+            <a:r>
+              <a:rPr lang="en-US" dirty="0"/>
+              <a:t>, </a:t>
+            </a:r>
+            <a:r>
+              <a:rPr lang="en-US" dirty="0" err="1">
+                <a:solidFill>
+                  <a:schemeClr val="accent1">
+                    <a:lumMod val="75000"/>
+                  </a:schemeClr>
+                </a:solidFill>
+              </a:rPr>
+              <a:t>iData</a:t>
+            </a:r>
+            <a:r>
+              <a:rPr lang="en-US" dirty="0">
+                <a:solidFill>
+                  <a:schemeClr val="accent1">
+                    <a:lumMod val="75000"/>
+                  </a:schemeClr>
+                </a:solidFill>
+              </a:rPr>
+              <a:t>, </a:t>
+            </a:r>
+            <a:r>
+              <a:rPr lang="en-US" dirty="0" err="1">
+                <a:solidFill>
+                  <a:schemeClr val="accent1">
+                    <a:lumMod val="75000"/>
+                  </a:schemeClr>
+                </a:solidFill>
+              </a:rPr>
+              <a:t>iAddr</a:t>
+            </a:r>
+            <a:r>
+              <a:rPr lang="en-US" dirty="0"/>
+              <a:t>, </a:t>
+            </a:r>
+            <a:r>
+              <a:rPr lang="en-US" dirty="0">
+                <a:solidFill>
+                  <a:srgbClr val="FFC000"/>
+                </a:solidFill>
+              </a:rPr>
+              <a:t>7'b0, </a:t>
+            </a:r>
+            <a:r>
+              <a:rPr lang="en-US" dirty="0" err="1">
+                <a:solidFill>
+                  <a:srgbClr val="FFC000"/>
+                </a:solidFill>
+              </a:rPr>
+              <a:t>iError</a:t>
+            </a:r>
+            <a:r>
+              <a:rPr lang="en-US" dirty="0"/>
+              <a:t>, </a:t>
+            </a:r>
+            <a:r>
+              <a:rPr lang="en-US" dirty="0">
+                <a:solidFill>
+                  <a:srgbClr val="00B050"/>
+                </a:solidFill>
+              </a:rPr>
+              <a:t>8'hF0</a:t>
+            </a:r>
+            <a:r>
+              <a:rPr lang="en-US" dirty="0" smtClean="0"/>
+              <a:t>}; from UART</a:t>
+            </a:r>
+            <a:endParaRPr lang="en-US" dirty="0"/>
+          </a:p>
+        </p:txBody>
+      </p:sp>
+      <p:sp>
+        <p:nvSpPr>
+          <p:cNvPr id="7" name="TextBox 6"/>
+          <p:cNvSpPr txBox="1"/>
+          <p:nvPr/>
+        </p:nvSpPr>
+        <p:spPr>
+          <a:xfrm>
+            <a:off x="2647976" y="4438783"/>
+            <a:ext cx="1711912" cy="646331"/>
+          </a:xfrm>
+          <a:prstGeom prst="rect">
+            <a:avLst/>
+          </a:prstGeom>
+          <a:noFill/>
+        </p:spPr>
+        <p:txBody>
+          <a:bodyPr wrap="square" rtlCol="0">
+            <a:spAutoFit/>
+          </a:bodyPr>
+          <a:lstStyle/>
+          <a:p>
+            <a:r>
+              <a:rPr lang="en-US" dirty="0" smtClean="0">
+                <a:solidFill>
+                  <a:schemeClr val="accent2">
+                    <a:lumMod val="75000"/>
+                  </a:schemeClr>
+                </a:solidFill>
+              </a:rPr>
+              <a:t>Instruction decode</a:t>
+            </a:r>
             <a:endParaRPr lang="en-US" dirty="0">
               <a:solidFill>
                 <a:schemeClr val="accent2">
@@ -12289,14 +12075,14 @@
       </p:sp>
       <p:sp>
         <p:nvSpPr>
-          <p:cNvPr id="7" name="TextBox 6"/>
+          <p:cNvPr id="8" name="TextBox 7"/>
           <p:cNvSpPr txBox="1"/>
           <p:nvPr/>
         </p:nvSpPr>
         <p:spPr>
           <a:xfrm>
-            <a:off x="2584600" y="3877542"/>
-            <a:ext cx="1924975" cy="923330"/>
+            <a:off x="7383189" y="5992336"/>
+            <a:ext cx="1954574" cy="369332"/>
           </a:xfrm>
           <a:prstGeom prst="rect">
             <a:avLst/>
@@ -12304,7 +12090,7 @@
           <a:noFill/>
         </p:spPr>
         <p:txBody>
-          <a:bodyPr wrap="square" rtlCol="0">
+          <a:bodyPr wrap="none" rtlCol="0">
             <a:spAutoFit/>
           </a:bodyPr>
           <a:lstStyle/>
@@ -12317,16 +12103,40 @@
                   </a:schemeClr>
                 </a:solidFill>
               </a:rPr>
-              <a:t> </a:t>
-            </a:r>
-            <a:r>
-              <a:rPr lang="en-US" b="1" dirty="0" smtClean="0">
-                <a:solidFill>
-                  <a:srgbClr val="7030A0"/>
-                </a:solidFill>
-              </a:rPr>
-              <a:t>START</a:t>
-            </a:r>
+              <a:t>BUS request to MC</a:t>
+            </a:r>
+            <a:endParaRPr lang="en-US" dirty="0">
+              <a:solidFill>
+                <a:schemeClr val="accent2">
+                  <a:lumMod val="75000"/>
+                </a:schemeClr>
+              </a:solidFill>
+            </a:endParaRPr>
+          </a:p>
+        </p:txBody>
+      </p:sp>
+      <p:sp>
+        <p:nvSpPr>
+          <p:cNvPr id="10" name="TextBox 9"/>
+          <p:cNvSpPr txBox="1"/>
+          <p:nvPr/>
+        </p:nvSpPr>
+        <p:spPr>
+          <a:xfrm>
+            <a:off x="7500061" y="3489667"/>
+            <a:ext cx="1351011" cy="369332"/>
+          </a:xfrm>
+          <a:prstGeom prst="rect">
+            <a:avLst/>
+          </a:prstGeom>
+          <a:noFill/>
+        </p:spPr>
+        <p:txBody>
+          <a:bodyPr wrap="none" rtlCol="0">
+            <a:spAutoFit/>
+          </a:bodyPr>
+          <a:lstStyle/>
+          <a:p>
             <a:r>
               <a:rPr lang="en-US" dirty="0" smtClean="0">
                 <a:solidFill>
@@ -12335,18 +12145,40 @@
                   </a:schemeClr>
                 </a:solidFill>
               </a:rPr>
-              <a:t>: Latches Data, ADDR, </a:t>
-            </a:r>
-            <a:r>
-              <a:rPr lang="en-US" dirty="0" err="1" smtClean="0">
-                <a:solidFill>
-                  <a:schemeClr val="accent2">
-                    <a:lumMod val="75000"/>
-                  </a:schemeClr>
-                </a:solidFill>
-              </a:rPr>
-              <a:t>Instr</a:t>
-            </a:r>
+              <a:t>ADDR to MC</a:t>
+            </a:r>
+            <a:endParaRPr lang="en-US" dirty="0">
+              <a:solidFill>
+                <a:schemeClr val="accent2">
+                  <a:lumMod val="75000"/>
+                </a:schemeClr>
+              </a:solidFill>
+            </a:endParaRPr>
+          </a:p>
+        </p:txBody>
+      </p:sp>
+      <p:sp>
+        <p:nvSpPr>
+          <p:cNvPr id="11" name="TextBox 10"/>
+          <p:cNvSpPr txBox="1"/>
+          <p:nvPr/>
+        </p:nvSpPr>
+        <p:spPr>
+          <a:xfrm>
+            <a:off x="6861328" y="1848263"/>
+            <a:ext cx="4192366" cy="369332"/>
+          </a:xfrm>
+          <a:prstGeom prst="rect">
+            <a:avLst/>
+          </a:prstGeom>
+          <a:noFill/>
+        </p:spPr>
+        <p:txBody>
+          <a:bodyPr wrap="none" rtlCol="0">
+            <a:spAutoFit/>
+          </a:bodyPr>
+          <a:lstStyle/>
+          <a:p>
             <a:r>
               <a:rPr lang="en-US" dirty="0" smtClean="0">
                 <a:solidFill>
@@ -12355,7 +12187,7 @@
                   </a:schemeClr>
                 </a:solidFill>
               </a:rPr>
-              <a:t> and Error from TB</a:t>
+              <a:t>Error flag if any of the error bits is asserted</a:t>
             </a:r>
             <a:endParaRPr lang="en-US" dirty="0">
               <a:solidFill>
@@ -12369,14 +12201,14 @@
       </p:sp>
       <p:sp>
         <p:nvSpPr>
-          <p:cNvPr id="11" name="TextBox 10"/>
+          <p:cNvPr id="13" name="TextBox 12"/>
           <p:cNvSpPr txBox="1"/>
           <p:nvPr/>
         </p:nvSpPr>
         <p:spPr>
           <a:xfrm>
-            <a:off x="10055338" y="3750735"/>
-            <a:ext cx="2382916" cy="1200329"/>
+            <a:off x="7030371" y="5376615"/>
+            <a:ext cx="2097626" cy="369332"/>
           </a:xfrm>
           <a:prstGeom prst="rect">
             <a:avLst/>
@@ -12384,19 +12216,11 @@
           <a:noFill/>
         </p:spPr>
         <p:txBody>
-          <a:bodyPr wrap="square" rtlCol="0">
+          <a:bodyPr wrap="none" rtlCol="0">
             <a:spAutoFit/>
           </a:bodyPr>
           <a:lstStyle/>
           <a:p>
-            <a:r>
-              <a:rPr lang="en-US" b="1" dirty="0" smtClean="0">
-                <a:solidFill>
-                  <a:srgbClr val="7030A0"/>
-                </a:solidFill>
-              </a:rPr>
-              <a:t>MSG</a:t>
-            </a:r>
             <a:r>
               <a:rPr lang="en-US" dirty="0" smtClean="0">
                 <a:solidFill>
@@ -12405,18 +12229,40 @@
                   </a:schemeClr>
                 </a:solidFill>
               </a:rPr>
-              <a:t>: Sends </a:t>
-            </a:r>
-            <a:r>
-              <a:rPr lang="en-US" dirty="0" err="1" smtClean="0">
-                <a:solidFill>
-                  <a:schemeClr val="accent2">
-                    <a:lumMod val="75000"/>
-                  </a:schemeClr>
-                </a:solidFill>
-              </a:rPr>
-              <a:t>msg</a:t>
-            </a:r>
+              <a:t>Write request to MC</a:t>
+            </a:r>
+            <a:endParaRPr lang="en-US" dirty="0">
+              <a:solidFill>
+                <a:schemeClr val="accent2">
+                  <a:lumMod val="75000"/>
+                </a:schemeClr>
+              </a:solidFill>
+            </a:endParaRPr>
+          </a:p>
+        </p:txBody>
+      </p:sp>
+      <p:sp>
+        <p:nvSpPr>
+          <p:cNvPr id="14" name="TextBox 13"/>
+          <p:cNvSpPr txBox="1"/>
+          <p:nvPr/>
+        </p:nvSpPr>
+        <p:spPr>
+          <a:xfrm>
+            <a:off x="7082654" y="2672932"/>
+            <a:ext cx="2045112" cy="369332"/>
+          </a:xfrm>
+          <a:prstGeom prst="rect">
+            <a:avLst/>
+          </a:prstGeom>
+          <a:noFill/>
+        </p:spPr>
+        <p:txBody>
+          <a:bodyPr wrap="none" rtlCol="0">
+            <a:spAutoFit/>
+          </a:bodyPr>
+          <a:lstStyle/>
+          <a:p>
             <a:r>
               <a:rPr lang="en-US" dirty="0" smtClean="0">
                 <a:solidFill>
@@ -12425,18 +12271,40 @@
                   </a:schemeClr>
                 </a:solidFill>
               </a:rPr>
-              <a:t> to UART, waits for UART ACK </a:t>
-            </a:r>
-            <a:r>
-              <a:rPr lang="en-US" dirty="0" err="1" smtClean="0">
-                <a:solidFill>
-                  <a:schemeClr val="accent2">
-                    <a:lumMod val="75000"/>
-                  </a:schemeClr>
-                </a:solidFill>
-              </a:rPr>
-              <a:t>TxDone</a:t>
-            </a:r>
+              <a:t>Read request to MC</a:t>
+            </a:r>
+            <a:endParaRPr lang="en-US" dirty="0">
+              <a:solidFill>
+                <a:schemeClr val="accent2">
+                  <a:lumMod val="75000"/>
+                </a:schemeClr>
+              </a:solidFill>
+            </a:endParaRPr>
+          </a:p>
+        </p:txBody>
+      </p:sp>
+      <p:sp>
+        <p:nvSpPr>
+          <p:cNvPr id="15" name="TextBox 14"/>
+          <p:cNvSpPr txBox="1"/>
+          <p:nvPr/>
+        </p:nvSpPr>
+        <p:spPr>
+          <a:xfrm>
+            <a:off x="7342527" y="4449228"/>
+            <a:ext cx="1243482" cy="369332"/>
+          </a:xfrm>
+          <a:prstGeom prst="rect">
+            <a:avLst/>
+          </a:prstGeom>
+          <a:noFill/>
+        </p:spPr>
+        <p:txBody>
+          <a:bodyPr wrap="none" rtlCol="0">
+            <a:spAutoFit/>
+          </a:bodyPr>
+          <a:lstStyle/>
+          <a:p>
             <a:r>
               <a:rPr lang="en-US" dirty="0" smtClean="0">
                 <a:solidFill>
@@ -12445,55 +12313,7 @@
                   </a:schemeClr>
                 </a:solidFill>
               </a:rPr>
-              <a:t> and goes to </a:t>
-            </a:r>
-            <a:r>
-              <a:rPr lang="en-US" dirty="0" smtClean="0">
-                <a:solidFill>
-                  <a:srgbClr val="7030A0"/>
-                </a:solidFill>
-              </a:rPr>
-              <a:t>CONFIRM</a:t>
-            </a:r>
-            <a:endParaRPr lang="en-US" dirty="0">
-              <a:solidFill>
-                <a:srgbClr val="7030A0"/>
-              </a:solidFill>
-            </a:endParaRPr>
-          </a:p>
-        </p:txBody>
-      </p:sp>
-      <p:sp>
-        <p:nvSpPr>
-          <p:cNvPr id="3" name="TextBox 2"/>
-          <p:cNvSpPr txBox="1"/>
-          <p:nvPr/>
-        </p:nvSpPr>
-        <p:spPr>
-          <a:xfrm>
-            <a:off x="2235453" y="2720672"/>
-            <a:ext cx="685188" cy="369332"/>
-          </a:xfrm>
-          <a:prstGeom prst="rect">
-            <a:avLst/>
-          </a:prstGeom>
-          <a:noFill/>
-        </p:spPr>
-        <p:txBody>
-          <a:bodyPr wrap="none" rtlCol="0">
-            <a:spAutoFit/>
-          </a:bodyPr>
-          <a:lstStyle/>
-          <a:p>
-            <a:r>
-              <a:rPr lang="en-US" dirty="0" err="1" smtClean="0">
-                <a:solidFill>
-                  <a:schemeClr val="accent2">
-                    <a:lumMod val="75000"/>
-                  </a:schemeClr>
-                </a:solidFill>
-              </a:rPr>
-              <a:t>iStart</a:t>
+              <a:t>Data to MC</a:t>
             </a:r>
             <a:endParaRPr lang="en-US" dirty="0">
               <a:solidFill>
@@ -12507,33 +12327,26 @@
       </p:sp>
       <p:sp>
         <p:nvSpPr>
-          <p:cNvPr id="6" name="Rectangle 5"/>
-          <p:cNvSpPr/>
-          <p:nvPr/>
-        </p:nvSpPr>
-        <p:spPr>
-          <a:xfrm>
-            <a:off x="6807453" y="2183274"/>
-            <a:ext cx="5178601" cy="923330"/>
+          <p:cNvPr id="16" name="TextBox 15"/>
+          <p:cNvSpPr txBox="1"/>
+          <p:nvPr/>
+        </p:nvSpPr>
+        <p:spPr>
+          <a:xfrm>
+            <a:off x="2647976" y="2915226"/>
+            <a:ext cx="1711912" cy="646331"/>
           </a:xfrm>
           <a:prstGeom prst="rect">
             <a:avLst/>
           </a:prstGeom>
-        </p:spPr>
-        <p:txBody>
-          <a:bodyPr wrap="square">
+          <a:noFill/>
+        </p:spPr>
+        <p:txBody>
+          <a:bodyPr wrap="square" rtlCol="0">
             <a:spAutoFit/>
           </a:bodyPr>
           <a:lstStyle/>
           <a:p>
-            <a:r>
-              <a:rPr lang="en-US" dirty="0" smtClean="0">
-                <a:solidFill>
-                  <a:srgbClr val="7030A0"/>
-                </a:solidFill>
-              </a:rPr>
-              <a:t>RETRY</a:t>
-            </a:r>
             <a:r>
               <a:rPr lang="en-US" dirty="0" smtClean="0">
                 <a:solidFill>
@@ -12542,217 +12355,7 @@
                   </a:schemeClr>
                 </a:solidFill>
               </a:rPr>
-              <a:t>:  If MC replies with WAIT or ERROR-Retransmit, retry goes to </a:t>
-            </a:r>
-            <a:r>
-              <a:rPr lang="en-US" dirty="0" smtClean="0">
-                <a:solidFill>
-                  <a:srgbClr val="7030A0"/>
-                </a:solidFill>
-              </a:rPr>
-              <a:t>MSG</a:t>
-            </a:r>
-            <a:r>
-              <a:rPr lang="en-US" dirty="0" smtClean="0">
-                <a:solidFill>
-                  <a:schemeClr val="accent2">
-                    <a:lumMod val="75000"/>
-                  </a:schemeClr>
-                </a:solidFill>
-              </a:rPr>
-              <a:t> again, latched </a:t>
-            </a:r>
-            <a:r>
-              <a:rPr lang="en-US" dirty="0" err="1" smtClean="0">
-                <a:solidFill>
-                  <a:schemeClr val="accent2">
-                    <a:lumMod val="75000"/>
-                  </a:schemeClr>
-                </a:solidFill>
-              </a:rPr>
-              <a:t>messga</a:t>
-            </a:r>
-            <a:r>
-              <a:rPr lang="en-US" dirty="0" smtClean="0">
-                <a:solidFill>
-                  <a:schemeClr val="accent2">
-                    <a:lumMod val="75000"/>
-                  </a:schemeClr>
-                </a:solidFill>
-              </a:rPr>
-              <a:t> is sent again. If MC replies with </a:t>
-            </a:r>
-            <a:r>
-              <a:rPr lang="en-US" dirty="0" smtClean="0">
-                <a:solidFill>
-                  <a:srgbClr val="00B0F0"/>
-                </a:solidFill>
-              </a:rPr>
-              <a:t>ACK</a:t>
-            </a:r>
-            <a:r>
-              <a:rPr lang="en-US" dirty="0" smtClean="0">
-                <a:solidFill>
-                  <a:schemeClr val="accent2">
-                    <a:lumMod val="75000"/>
-                  </a:schemeClr>
-                </a:solidFill>
-              </a:rPr>
-              <a:t> , goes to </a:t>
-            </a:r>
-            <a:r>
-              <a:rPr lang="en-US" dirty="0" smtClean="0">
-                <a:solidFill>
-                  <a:srgbClr val="7030A0"/>
-                </a:solidFill>
-              </a:rPr>
-              <a:t>RECEIVE</a:t>
-            </a:r>
-            <a:r>
-              <a:rPr lang="en-US" dirty="0" smtClean="0">
-                <a:solidFill>
-                  <a:schemeClr val="accent2">
-                    <a:lumMod val="75000"/>
-                  </a:schemeClr>
-                </a:solidFill>
-              </a:rPr>
-              <a:t>.</a:t>
-            </a:r>
-          </a:p>
-        </p:txBody>
-      </p:sp>
-      <p:sp>
-        <p:nvSpPr>
-          <p:cNvPr id="8" name="Rectangle 7"/>
-          <p:cNvSpPr/>
-          <p:nvPr/>
-        </p:nvSpPr>
-        <p:spPr>
-          <a:xfrm>
-            <a:off x="7383493" y="3981340"/>
-            <a:ext cx="2216373" cy="1477328"/>
-          </a:xfrm>
-          <a:prstGeom prst="rect">
-            <a:avLst/>
-          </a:prstGeom>
-        </p:spPr>
-        <p:txBody>
-          <a:bodyPr wrap="square">
-            <a:spAutoFit/>
-          </a:bodyPr>
-          <a:lstStyle/>
-          <a:p>
-            <a:r>
-              <a:rPr lang="en-US" dirty="0" smtClean="0">
-                <a:solidFill>
-                  <a:srgbClr val="7030A0"/>
-                </a:solidFill>
-              </a:rPr>
-              <a:t>RECEIVE: </a:t>
-            </a:r>
-            <a:r>
-              <a:rPr lang="en-US" dirty="0" smtClean="0">
-                <a:solidFill>
-                  <a:schemeClr val="accent2">
-                    <a:lumMod val="75000"/>
-                  </a:schemeClr>
-                </a:solidFill>
-              </a:rPr>
-              <a:t>Latches </a:t>
-            </a:r>
-            <a:r>
-              <a:rPr lang="en-US" dirty="0" smtClean="0">
-                <a:solidFill>
-                  <a:srgbClr val="00B0F0"/>
-                </a:solidFill>
-              </a:rPr>
-              <a:t>DATA</a:t>
-            </a:r>
-            <a:r>
-              <a:rPr lang="en-US" dirty="0" smtClean="0">
-                <a:solidFill>
-                  <a:schemeClr val="accent2">
-                    <a:lumMod val="75000"/>
-                  </a:schemeClr>
-                </a:solidFill>
-              </a:rPr>
-              <a:t> &amp; ready if </a:t>
-            </a:r>
-            <a:r>
-              <a:rPr lang="en-US" dirty="0" smtClean="0">
-                <a:solidFill>
-                  <a:schemeClr val="accent6">
-                    <a:lumMod val="75000"/>
-                  </a:schemeClr>
-                </a:solidFill>
-              </a:rPr>
-              <a:t>READ</a:t>
-            </a:r>
-            <a:r>
-              <a:rPr lang="en-US" dirty="0" smtClean="0">
-                <a:solidFill>
-                  <a:schemeClr val="accent2">
-                    <a:lumMod val="75000"/>
-                  </a:schemeClr>
-                </a:solidFill>
-              </a:rPr>
-              <a:t> instruction or </a:t>
-            </a:r>
-            <a:r>
-              <a:rPr lang="en-US" dirty="0" smtClean="0">
-                <a:solidFill>
-                  <a:srgbClr val="00B0F0"/>
-                </a:solidFill>
-              </a:rPr>
-              <a:t>Ready</a:t>
-            </a:r>
-            <a:r>
-              <a:rPr lang="en-US" dirty="0" smtClean="0">
-                <a:solidFill>
-                  <a:schemeClr val="accent2">
-                    <a:lumMod val="75000"/>
-                  </a:schemeClr>
-                </a:solidFill>
-              </a:rPr>
-              <a:t> if </a:t>
-            </a:r>
-            <a:r>
-              <a:rPr lang="en-US" dirty="0" smtClean="0">
-                <a:solidFill>
-                  <a:schemeClr val="accent6">
-                    <a:lumMod val="75000"/>
-                  </a:schemeClr>
-                </a:solidFill>
-              </a:rPr>
-              <a:t>WRITE</a:t>
-            </a:r>
-            <a:r>
-              <a:rPr lang="en-US" dirty="0" smtClean="0">
-                <a:solidFill>
-                  <a:schemeClr val="accent2">
-                    <a:lumMod val="75000"/>
-                  </a:schemeClr>
-                </a:solidFill>
-              </a:rPr>
-              <a:t> instruction. And goes to </a:t>
-            </a:r>
-            <a:r>
-              <a:rPr lang="en-US" dirty="0" smtClean="0">
-                <a:solidFill>
-                  <a:srgbClr val="7030A0"/>
-                </a:solidFill>
-              </a:rPr>
-              <a:t>IDLE</a:t>
-            </a:r>
-            <a:r>
-              <a:rPr lang="en-US" dirty="0" smtClean="0">
-                <a:solidFill>
-                  <a:schemeClr val="accent2">
-                    <a:lumMod val="75000"/>
-                  </a:schemeClr>
-                </a:solidFill>
-              </a:rPr>
-              <a:t>.</a:t>
+              <a:t>Instruction decode</a:t>
             </a:r>
             <a:endParaRPr lang="en-US" dirty="0">
               <a:solidFill>
@@ -12767,7 +12370,7 @@
     </p:spTree>
     <p:extLst>
       <p:ext uri="{BB962C8B-B14F-4D97-AF65-F5344CB8AC3E}">
-        <p14:creationId xmlns:p14="http://schemas.microsoft.com/office/powerpoint/2010/main" val="3322564349"/>
+        <p14:creationId xmlns:p14="http://schemas.microsoft.com/office/powerpoint/2010/main" val="2228291429"/>
       </p:ext>
     </p:extLst>
   </p:cSld>
@@ -12794,6 +12397,30 @@
           <a:chExt cx="0" cy="0"/>
         </a:xfrm>
       </p:grpSpPr>
+      <p:pic>
+        <p:nvPicPr>
+          <p:cNvPr id="9" name="Picture 8"/>
+          <p:cNvPicPr>
+            <a:picLocks noChangeAspect="1"/>
+          </p:cNvPicPr>
+          <p:nvPr/>
+        </p:nvPicPr>
+        <p:blipFill>
+          <a:blip r:embed="rId2"/>
+          <a:stretch>
+            <a:fillRect/>
+          </a:stretch>
+        </p:blipFill>
+        <p:spPr>
+          <a:xfrm>
+            <a:off x="671680" y="1430077"/>
+            <a:ext cx="8285831" cy="5205663"/>
+          </a:xfrm>
+          <a:prstGeom prst="rect">
+            <a:avLst/>
+          </a:prstGeom>
+        </p:spPr>
+      </p:pic>
       <p:sp>
         <p:nvSpPr>
           <p:cNvPr id="2" name="Title 1"/>
@@ -12835,7 +12462,7 @@
           <a:p>
             <a:r>
               <a:rPr lang="en-US" dirty="0" smtClean="0"/>
-              <a:t>Decoder PMC</a:t>
+              <a:t>Decoder MCP</a:t>
             </a:r>
             <a:endParaRPr lang="en-US" dirty="0"/>
           </a:p>
@@ -12849,7 +12476,7 @@
         </p:nvSpPr>
         <p:spPr>
           <a:xfrm>
-            <a:off x="10244831" y="5362113"/>
+            <a:off x="249354" y="5795250"/>
             <a:ext cx="1413528" cy="369332"/>
           </a:xfrm>
           <a:prstGeom prst="rect">
@@ -12885,14 +12512,14 @@
       </p:sp>
       <p:sp>
         <p:nvSpPr>
-          <p:cNvPr id="5" name="TextBox 4"/>
+          <p:cNvPr id="6" name="TextBox 5"/>
           <p:cNvSpPr txBox="1"/>
           <p:nvPr/>
         </p:nvSpPr>
         <p:spPr>
           <a:xfrm>
-            <a:off x="8158578" y="1321356"/>
-            <a:ext cx="3417987" cy="369332"/>
+            <a:off x="325611" y="1060745"/>
+            <a:ext cx="6757043" cy="369332"/>
           </a:xfrm>
           <a:prstGeom prst="rect">
             <a:avLst/>
@@ -12906,50 +12533,8 @@
           <a:lstStyle/>
           <a:p>
             <a:r>
-              <a:rPr lang="en-US" dirty="0" smtClean="0">
-                <a:solidFill>
-                  <a:schemeClr val="accent2">
-                    <a:lumMod val="75000"/>
-                  </a:schemeClr>
-                </a:solidFill>
-              </a:rPr>
-              <a:t>Message is concatenated for UART</a:t>
-            </a:r>
-            <a:endParaRPr lang="en-US" dirty="0">
-              <a:solidFill>
-                <a:schemeClr val="accent2">
-                  <a:lumMod val="75000"/>
-                </a:schemeClr>
-              </a:solidFill>
-            </a:endParaRPr>
-          </a:p>
-        </p:txBody>
-      </p:sp>
-      <p:sp>
-        <p:nvSpPr>
-          <p:cNvPr id="6" name="TextBox 5"/>
-          <p:cNvSpPr txBox="1"/>
-          <p:nvPr/>
-        </p:nvSpPr>
-        <p:spPr>
-          <a:xfrm>
-            <a:off x="5491753" y="1027906"/>
-            <a:ext cx="6607771" cy="369332"/>
-          </a:xfrm>
-          <a:prstGeom prst="rect">
-            <a:avLst/>
-          </a:prstGeom>
-          <a:noFill/>
-        </p:spPr>
-        <p:txBody>
-          <a:bodyPr wrap="none" rtlCol="0">
-            <a:spAutoFit/>
-          </a:bodyPr>
-          <a:lstStyle/>
-          <a:p>
-            <a:r>
               <a:rPr lang="en-US" dirty="0" err="1" smtClean="0"/>
-              <a:t>oOutputMsg</a:t>
+              <a:t>iMsg</a:t>
             </a:r>
             <a:r>
               <a:rPr lang="en-US" dirty="0" smtClean="0"/>
@@ -13049,7 +12634,7 @@
             </a:r>
             <a:r>
               <a:rPr lang="en-US" dirty="0" smtClean="0"/>
-              <a:t>};</a:t>
+              <a:t>}; from UART</a:t>
             </a:r>
             <a:endParaRPr lang="en-US" dirty="0"/>
           </a:p>
@@ -13063,8 +12648,8 @@
         </p:nvSpPr>
         <p:spPr>
           <a:xfrm>
-            <a:off x="1972322" y="4527270"/>
-            <a:ext cx="1711912" cy="923330"/>
+            <a:off x="2647976" y="4438783"/>
+            <a:ext cx="1711912" cy="646331"/>
           </a:xfrm>
           <a:prstGeom prst="rect">
             <a:avLst/>
@@ -13085,7 +12670,7 @@
                   </a:schemeClr>
                 </a:solidFill>
               </a:rPr>
-              <a:t>Flags from decoder and UART</a:t>
+              <a:t>Instruction decode</a:t>
             </a:r>
             <a:endParaRPr lang="en-US" dirty="0">
               <a:solidFill>
@@ -13099,14 +12684,14 @@
       </p:sp>
       <p:sp>
         <p:nvSpPr>
-          <p:cNvPr id="8" name="TextBox 7"/>
+          <p:cNvPr id="11" name="TextBox 10"/>
           <p:cNvSpPr txBox="1"/>
           <p:nvPr/>
         </p:nvSpPr>
         <p:spPr>
           <a:xfrm>
-            <a:off x="10370598" y="3756192"/>
-            <a:ext cx="1395895" cy="369332"/>
+            <a:off x="7161434" y="2286152"/>
+            <a:ext cx="4708725" cy="369332"/>
           </a:xfrm>
           <a:prstGeom prst="rect">
             <a:avLst/>
@@ -13127,7 +12712,7 @@
                   </a:schemeClr>
                 </a:solidFill>
               </a:rPr>
-              <a:t>Output to TB</a:t>
+              <a:t>ACK flag if read or write transaction is successful</a:t>
             </a:r>
             <a:endParaRPr lang="en-US" dirty="0">
               <a:solidFill>
@@ -13141,14 +12726,14 @@
       </p:sp>
       <p:sp>
         <p:nvSpPr>
-          <p:cNvPr id="9" name="TextBox 8"/>
+          <p:cNvPr id="15" name="TextBox 14"/>
           <p:cNvSpPr txBox="1"/>
           <p:nvPr/>
         </p:nvSpPr>
         <p:spPr>
           <a:xfrm>
-            <a:off x="10443099" y="3048284"/>
-            <a:ext cx="1395895" cy="369332"/>
+            <a:off x="9114782" y="4290938"/>
+            <a:ext cx="2755377" cy="1200329"/>
           </a:xfrm>
           <a:prstGeom prst="rect">
             <a:avLst/>
@@ -13156,7 +12741,7 @@
           <a:noFill/>
         </p:spPr>
         <p:txBody>
-          <a:bodyPr wrap="none" rtlCol="0">
+          <a:bodyPr wrap="square" rtlCol="0">
             <a:spAutoFit/>
           </a:bodyPr>
           <a:lstStyle/>
@@ -13169,7 +12754,7 @@
                   </a:schemeClr>
                 </a:solidFill>
               </a:rPr>
-              <a:t>Output to TB</a:t>
+              <a:t>Data to Peripheral, MC will reply with data read or written peripheral will process accordingly.</a:t>
             </a:r>
             <a:endParaRPr lang="en-US" dirty="0">
               <a:solidFill>
@@ -13183,14 +12768,14 @@
       </p:sp>
       <p:sp>
         <p:nvSpPr>
-          <p:cNvPr id="10" name="TextBox 9"/>
+          <p:cNvPr id="16" name="TextBox 15"/>
           <p:cNvSpPr txBox="1"/>
           <p:nvPr/>
         </p:nvSpPr>
         <p:spPr>
           <a:xfrm>
-            <a:off x="10448159" y="2462892"/>
-            <a:ext cx="1669111" cy="369332"/>
+            <a:off x="2367240" y="2143465"/>
+            <a:ext cx="1711912" cy="646331"/>
           </a:xfrm>
           <a:prstGeom prst="rect">
             <a:avLst/>
@@ -13198,7 +12783,7 @@
           <a:noFill/>
         </p:spPr>
         <p:txBody>
-          <a:bodyPr wrap="none" rtlCol="0">
+          <a:bodyPr wrap="square" rtlCol="0">
             <a:spAutoFit/>
           </a:bodyPr>
           <a:lstStyle/>
@@ -13211,7 +12796,7 @@
                   </a:schemeClr>
                 </a:solidFill>
               </a:rPr>
-              <a:t>Output to UART</a:t>
+              <a:t>Instruction decode</a:t>
             </a:r>
             <a:endParaRPr lang="en-US" dirty="0">
               <a:solidFill>
@@ -13225,14 +12810,14 @@
       </p:sp>
       <p:sp>
         <p:nvSpPr>
-          <p:cNvPr id="11" name="TextBox 10"/>
+          <p:cNvPr id="17" name="TextBox 16"/>
           <p:cNvSpPr txBox="1"/>
           <p:nvPr/>
         </p:nvSpPr>
         <p:spPr>
           <a:xfrm>
-            <a:off x="392098" y="1626094"/>
-            <a:ext cx="3218189" cy="369332"/>
+            <a:off x="2800376" y="3398218"/>
+            <a:ext cx="1711912" cy="646331"/>
           </a:xfrm>
           <a:prstGeom prst="rect">
             <a:avLst/>
@@ -13240,7 +12825,7 @@
           <a:noFill/>
         </p:spPr>
         <p:txBody>
-          <a:bodyPr wrap="none" rtlCol="0">
+          <a:bodyPr wrap="square" rtlCol="0">
             <a:spAutoFit/>
           </a:bodyPr>
           <a:lstStyle/>
@@ -13253,18 +12838,40 @@
                   </a:schemeClr>
                 </a:solidFill>
               </a:rPr>
-              <a:t>Instructions/data/</a:t>
-            </a:r>
-            <a:r>
-              <a:rPr lang="en-US" dirty="0" err="1" smtClean="0">
-                <a:solidFill>
-                  <a:schemeClr val="accent2">
-                    <a:lumMod val="75000"/>
-                  </a:schemeClr>
-                </a:solidFill>
-              </a:rPr>
-              <a:t>addr</a:t>
-            </a:r>
+              <a:t>Instruction decode</a:t>
+            </a:r>
+            <a:endParaRPr lang="en-US" dirty="0">
+              <a:solidFill>
+                <a:schemeClr val="accent2">
+                  <a:lumMod val="75000"/>
+                </a:schemeClr>
+              </a:solidFill>
+            </a:endParaRPr>
+          </a:p>
+        </p:txBody>
+      </p:sp>
+      <p:sp>
+        <p:nvSpPr>
+          <p:cNvPr id="18" name="TextBox 17"/>
+          <p:cNvSpPr txBox="1"/>
+          <p:nvPr/>
+        </p:nvSpPr>
+        <p:spPr>
+          <a:xfrm>
+            <a:off x="7383190" y="3398218"/>
+            <a:ext cx="4486970" cy="646331"/>
+          </a:xfrm>
+          <a:prstGeom prst="rect">
+            <a:avLst/>
+          </a:prstGeom>
+          <a:noFill/>
+        </p:spPr>
+        <p:txBody>
+          <a:bodyPr wrap="square" rtlCol="0">
+            <a:spAutoFit/>
+          </a:bodyPr>
+          <a:lstStyle/>
+          <a:p>
             <a:r>
               <a:rPr lang="en-US" dirty="0" smtClean="0">
                 <a:solidFill>
@@ -13273,7 +12880,7 @@
                   </a:schemeClr>
                 </a:solidFill>
               </a:rPr>
-              <a:t> from TB</a:t>
+              <a:t>Retry flag, Peripheral will retry same message until ACK is received</a:t>
             </a:r>
             <a:endParaRPr lang="en-US" dirty="0">
               <a:solidFill>
@@ -13287,14 +12894,14 @@
       </p:sp>
       <p:sp>
         <p:nvSpPr>
-          <p:cNvPr id="12" name="TextBox 11"/>
+          <p:cNvPr id="19" name="TextBox 18"/>
           <p:cNvSpPr txBox="1"/>
           <p:nvPr/>
         </p:nvSpPr>
         <p:spPr>
           <a:xfrm>
-            <a:off x="676183" y="3341734"/>
-            <a:ext cx="3310843" cy="369332"/>
+            <a:off x="7383190" y="5795250"/>
+            <a:ext cx="4486970" cy="646331"/>
           </a:xfrm>
           <a:prstGeom prst="rect">
             <a:avLst/>
@@ -13302,7 +12909,7 @@
           <a:noFill/>
         </p:spPr>
         <p:txBody>
-          <a:bodyPr wrap="none" rtlCol="0">
+          <a:bodyPr wrap="square" rtlCol="0">
             <a:spAutoFit/>
           </a:bodyPr>
           <a:lstStyle/>
@@ -13315,7 +12922,7 @@
                   </a:schemeClr>
                 </a:solidFill>
               </a:rPr>
-              <a:t>Data decoded from MCP decoder</a:t>
+              <a:t>Wait flag – Bus is busy, Peripheral will retry same message until ACK is received</a:t>
             </a:r>
             <a:endParaRPr lang="en-US" dirty="0">
               <a:solidFill>
@@ -13330,7 +12937,7 @@
     </p:spTree>
     <p:extLst>
       <p:ext uri="{BB962C8B-B14F-4D97-AF65-F5344CB8AC3E}">
-        <p14:creationId xmlns:p14="http://schemas.microsoft.com/office/powerpoint/2010/main" val="109248225"/>
+        <p14:creationId xmlns:p14="http://schemas.microsoft.com/office/powerpoint/2010/main" val="2931732075"/>
       </p:ext>
     </p:extLst>
   </p:cSld>
@@ -13357,116 +12964,26 @@
           <a:chExt cx="0" cy="0"/>
         </a:xfrm>
       </p:grpSpPr>
-      <p:pic>
-        <p:nvPicPr>
-          <p:cNvPr id="3" name="Picture 2"/>
-          <p:cNvPicPr>
-            <a:picLocks noChangeAspect="1"/>
-          </p:cNvPicPr>
-          <p:nvPr/>
-        </p:nvPicPr>
-        <p:blipFill>
-          <a:blip r:embed="rId2"/>
-          <a:stretch>
-            <a:fillRect/>
-          </a:stretch>
-        </p:blipFill>
-        <p:spPr>
-          <a:xfrm>
-            <a:off x="1178310" y="1321356"/>
-            <a:ext cx="6363157" cy="5167312"/>
-          </a:xfrm>
-          <a:prstGeom prst="rect">
-            <a:avLst/>
-          </a:prstGeom>
-        </p:spPr>
-      </p:pic>
       <p:sp>
         <p:nvSpPr>
           <p:cNvPr id="2" name="Title 1"/>
-          <p:cNvSpPr txBox="1">
-            <a:spLocks/>
+          <p:cNvSpPr>
+            <a:spLocks noGrp="1"/>
           </p:cNvSpPr>
-          <p:nvPr/>
-        </p:nvSpPr>
-        <p:spPr>
-          <a:xfrm>
-            <a:off x="838200" y="213234"/>
-            <a:ext cx="10515600" cy="1325563"/>
-          </a:xfrm>
-          <a:prstGeom prst="rect">
-            <a:avLst/>
-          </a:prstGeom>
-        </p:spPr>
+          <p:nvPr>
+            <p:ph type="title"/>
+          </p:nvPr>
+        </p:nvSpPr>
+        <p:spPr/>
         <p:txBody>
           <a:bodyPr/>
-          <a:lstStyle>
-            <a:lvl1pPr algn="l" defTabSz="914400" rtl="0" eaLnBrk="1" latinLnBrk="0" hangingPunct="1">
-              <a:lnSpc>
-                <a:spcPct val="90000"/>
-              </a:lnSpc>
-              <a:spcBef>
-                <a:spcPct val="0"/>
-              </a:spcBef>
-              <a:buNone/>
-              <a:defRPr sz="4400" kern="1200">
-                <a:solidFill>
-                  <a:schemeClr val="tx1"/>
-                </a:solidFill>
-                <a:latin typeface="+mj-lt"/>
-                <a:ea typeface="+mj-ea"/>
-                <a:cs typeface="+mj-cs"/>
-              </a:defRPr>
-            </a:lvl1pPr>
-          </a:lstStyle>
+          <a:lstStyle/>
           <a:p>
             <a:r>
               <a:rPr lang="en-US" dirty="0" smtClean="0"/>
-              <a:t>Decoder PMC</a:t>
+              <a:t>Peripheral component – Verification cases</a:t>
             </a:r>
             <a:endParaRPr lang="en-US" dirty="0"/>
-          </a:p>
-        </p:txBody>
-      </p:sp>
-      <p:sp>
-        <p:nvSpPr>
-          <p:cNvPr id="4" name="TextBox 3"/>
-          <p:cNvSpPr txBox="1"/>
-          <p:nvPr/>
-        </p:nvSpPr>
-        <p:spPr>
-          <a:xfrm>
-            <a:off x="249354" y="5795250"/>
-            <a:ext cx="1413528" cy="369332"/>
-          </a:xfrm>
-          <a:prstGeom prst="rect">
-            <a:avLst/>
-          </a:prstGeom>
-          <a:noFill/>
-        </p:spPr>
-        <p:txBody>
-          <a:bodyPr wrap="none" rtlCol="0">
-            <a:spAutoFit/>
-          </a:bodyPr>
-          <a:lstStyle/>
-          <a:p>
-            <a:r>
-              <a:rPr lang="en-US" dirty="0" smtClean="0">
-                <a:solidFill>
-                  <a:schemeClr val="accent2">
-                    <a:lumMod val="75000"/>
-                  </a:schemeClr>
-                </a:solidFill>
-              </a:rPr>
-              <a:t>UART control</a:t>
-            </a:r>
-            <a:endParaRPr lang="en-US" dirty="0">
-              <a:solidFill>
-                <a:schemeClr val="accent2">
-                  <a:lumMod val="75000"/>
-                </a:schemeClr>
-              </a:solidFill>
-            </a:endParaRPr>
           </a:p>
         </p:txBody>
       </p:sp>
@@ -13478,138 +12995,8 @@
         </p:nvSpPr>
         <p:spPr>
           <a:xfrm>
-            <a:off x="325611" y="1060745"/>
-            <a:ext cx="6757043" cy="369332"/>
-          </a:xfrm>
-          <a:prstGeom prst="rect">
-            <a:avLst/>
-          </a:prstGeom>
-          <a:noFill/>
-        </p:spPr>
-        <p:txBody>
-          <a:bodyPr wrap="none" rtlCol="0">
-            <a:spAutoFit/>
-          </a:bodyPr>
-          <a:lstStyle/>
-          <a:p>
-            <a:r>
-              <a:rPr lang="en-US" dirty="0" err="1" smtClean="0"/>
-              <a:t>iMsg</a:t>
-            </a:r>
-            <a:r>
-              <a:rPr lang="en-US" dirty="0" smtClean="0"/>
-              <a:t> </a:t>
-            </a:r>
-            <a:r>
-              <a:rPr lang="en-US" dirty="0"/>
-              <a:t>= {</a:t>
-            </a:r>
-            <a:r>
-              <a:rPr lang="en-US" dirty="0">
-                <a:solidFill>
-                  <a:srgbClr val="00B050"/>
-                </a:solidFill>
-              </a:rPr>
-              <a:t>8'h0F</a:t>
-            </a:r>
-            <a:r>
-              <a:rPr lang="en-US" dirty="0"/>
-              <a:t>, </a:t>
-            </a:r>
-            <a:r>
-              <a:rPr lang="en-US" dirty="0" err="1">
-                <a:solidFill>
-                  <a:schemeClr val="accent2">
-                    <a:lumMod val="75000"/>
-                  </a:schemeClr>
-                </a:solidFill>
-              </a:rPr>
-              <a:t>iInstruction</a:t>
-            </a:r>
-            <a:r>
-              <a:rPr lang="en-US" dirty="0"/>
-              <a:t>, </a:t>
-            </a:r>
-            <a:r>
-              <a:rPr lang="en-US" dirty="0" err="1">
-                <a:solidFill>
-                  <a:schemeClr val="accent1">
-                    <a:lumMod val="75000"/>
-                  </a:schemeClr>
-                </a:solidFill>
-              </a:rPr>
-              <a:t>iData</a:t>
-            </a:r>
-            <a:r>
-              <a:rPr lang="en-US" dirty="0">
-                <a:solidFill>
-                  <a:schemeClr val="accent1">
-                    <a:lumMod val="75000"/>
-                  </a:schemeClr>
-                </a:solidFill>
-              </a:rPr>
-              <a:t>, </a:t>
-            </a:r>
-            <a:r>
-              <a:rPr lang="en-US" dirty="0" err="1">
-                <a:solidFill>
-                  <a:schemeClr val="accent1">
-                    <a:lumMod val="75000"/>
-                  </a:schemeClr>
-                </a:solidFill>
-              </a:rPr>
-              <a:t>iAddr</a:t>
-            </a:r>
-            <a:r>
-              <a:rPr lang="en-US" dirty="0"/>
-              <a:t>, </a:t>
-            </a:r>
-            <a:r>
-              <a:rPr lang="en-US" dirty="0">
-                <a:solidFill>
-                  <a:srgbClr val="FFC000"/>
-                </a:solidFill>
-              </a:rPr>
-              <a:t>7'b0, </a:t>
-            </a:r>
-            <a:r>
-              <a:rPr lang="en-US" dirty="0" err="1">
-                <a:solidFill>
-                  <a:srgbClr val="FFC000"/>
-                </a:solidFill>
-              </a:rPr>
-              <a:t>iError</a:t>
-            </a:r>
-            <a:r>
-              <a:rPr lang="en-US" dirty="0"/>
-              <a:t>, </a:t>
-            </a:r>
-            <a:r>
-              <a:rPr lang="en-US" dirty="0">
-                <a:solidFill>
-                  <a:srgbClr val="00B050"/>
-                </a:solidFill>
-              </a:rPr>
-              <a:t>8'hF0</a:t>
-            </a:r>
-            <a:r>
-              <a:rPr lang="en-US" dirty="0" smtClean="0"/>
-              <a:t>}; from UART</a:t>
-            </a:r>
-            <a:endParaRPr lang="en-US" dirty="0"/>
-          </a:p>
-        </p:txBody>
-      </p:sp>
-      <p:sp>
-        <p:nvSpPr>
-          <p:cNvPr id="7" name="TextBox 6"/>
-          <p:cNvSpPr txBox="1"/>
-          <p:nvPr/>
-        </p:nvSpPr>
-        <p:spPr>
-          <a:xfrm>
-            <a:off x="2647976" y="4438783"/>
-            <a:ext cx="1711912" cy="646331"/>
+            <a:off x="1080654" y="1690688"/>
+            <a:ext cx="10740044" cy="6124754"/>
           </a:xfrm>
           <a:prstGeom prst="rect">
             <a:avLst/>
@@ -13622,324 +13009,247 @@
           </a:bodyPr>
           <a:lstStyle/>
           <a:p>
-            <a:r>
-              <a:rPr lang="en-US" dirty="0" smtClean="0">
-                <a:solidFill>
-                  <a:schemeClr val="accent2">
-                    <a:lumMod val="75000"/>
-                  </a:schemeClr>
-                </a:solidFill>
-              </a:rPr>
-              <a:t>Instruction decode</a:t>
-            </a:r>
-            <a:endParaRPr lang="en-US" dirty="0">
-              <a:solidFill>
-                <a:schemeClr val="accent2">
-                  <a:lumMod val="75000"/>
-                </a:schemeClr>
-              </a:solidFill>
-            </a:endParaRPr>
-          </a:p>
-        </p:txBody>
-      </p:sp>
-      <p:sp>
-        <p:nvSpPr>
-          <p:cNvPr id="8" name="TextBox 7"/>
-          <p:cNvSpPr txBox="1"/>
-          <p:nvPr/>
-        </p:nvSpPr>
-        <p:spPr>
-          <a:xfrm>
-            <a:off x="7383189" y="5992336"/>
-            <a:ext cx="1954574" cy="369332"/>
-          </a:xfrm>
-          <a:prstGeom prst="rect">
-            <a:avLst/>
-          </a:prstGeom>
-          <a:noFill/>
-        </p:spPr>
-        <p:txBody>
-          <a:bodyPr wrap="none" rtlCol="0">
-            <a:spAutoFit/>
-          </a:bodyPr>
-          <a:lstStyle/>
-          <a:p>
-            <a:r>
-              <a:rPr lang="en-US" dirty="0" smtClean="0">
-                <a:solidFill>
-                  <a:schemeClr val="accent2">
-                    <a:lumMod val="75000"/>
-                  </a:schemeClr>
-                </a:solidFill>
-              </a:rPr>
-              <a:t>BUS request to MC</a:t>
-            </a:r>
-            <a:endParaRPr lang="en-US" dirty="0">
-              <a:solidFill>
-                <a:schemeClr val="accent2">
-                  <a:lumMod val="75000"/>
-                </a:schemeClr>
-              </a:solidFill>
-            </a:endParaRPr>
-          </a:p>
-        </p:txBody>
-      </p:sp>
-      <p:sp>
-        <p:nvSpPr>
-          <p:cNvPr id="10" name="TextBox 9"/>
-          <p:cNvSpPr txBox="1"/>
-          <p:nvPr/>
-        </p:nvSpPr>
-        <p:spPr>
-          <a:xfrm>
-            <a:off x="7500061" y="3489667"/>
-            <a:ext cx="1351011" cy="369332"/>
-          </a:xfrm>
-          <a:prstGeom prst="rect">
-            <a:avLst/>
-          </a:prstGeom>
-          <a:noFill/>
-        </p:spPr>
-        <p:txBody>
-          <a:bodyPr wrap="none" rtlCol="0">
-            <a:spAutoFit/>
-          </a:bodyPr>
-          <a:lstStyle/>
-          <a:p>
-            <a:r>
-              <a:rPr lang="en-US" dirty="0" smtClean="0">
-                <a:solidFill>
-                  <a:schemeClr val="accent2">
-                    <a:lumMod val="75000"/>
-                  </a:schemeClr>
-                </a:solidFill>
-              </a:rPr>
-              <a:t>ADDR to MC</a:t>
-            </a:r>
-            <a:endParaRPr lang="en-US" dirty="0">
-              <a:solidFill>
-                <a:schemeClr val="accent2">
-                  <a:lumMod val="75000"/>
-                </a:schemeClr>
-              </a:solidFill>
-            </a:endParaRPr>
-          </a:p>
-        </p:txBody>
-      </p:sp>
-      <p:sp>
-        <p:nvSpPr>
-          <p:cNvPr id="11" name="TextBox 10"/>
-          <p:cNvSpPr txBox="1"/>
-          <p:nvPr/>
-        </p:nvSpPr>
-        <p:spPr>
-          <a:xfrm>
-            <a:off x="6861328" y="1848263"/>
-            <a:ext cx="4192366" cy="369332"/>
-          </a:xfrm>
-          <a:prstGeom prst="rect">
-            <a:avLst/>
-          </a:prstGeom>
-          <a:noFill/>
-        </p:spPr>
-        <p:txBody>
-          <a:bodyPr wrap="none" rtlCol="0">
-            <a:spAutoFit/>
-          </a:bodyPr>
-          <a:lstStyle/>
-          <a:p>
-            <a:r>
-              <a:rPr lang="en-US" dirty="0" smtClean="0">
-                <a:solidFill>
-                  <a:schemeClr val="accent2">
-                    <a:lumMod val="75000"/>
-                  </a:schemeClr>
-                </a:solidFill>
-              </a:rPr>
-              <a:t>Error flag if any of the error bits is asserted</a:t>
-            </a:r>
-            <a:endParaRPr lang="en-US" dirty="0">
-              <a:solidFill>
-                <a:schemeClr val="accent2">
-                  <a:lumMod val="75000"/>
-                </a:schemeClr>
-              </a:solidFill>
-            </a:endParaRPr>
-          </a:p>
-        </p:txBody>
-      </p:sp>
-      <p:sp>
-        <p:nvSpPr>
-          <p:cNvPr id="13" name="TextBox 12"/>
-          <p:cNvSpPr txBox="1"/>
-          <p:nvPr/>
-        </p:nvSpPr>
-        <p:spPr>
-          <a:xfrm>
-            <a:off x="7030371" y="5376615"/>
-            <a:ext cx="2097626" cy="369332"/>
-          </a:xfrm>
-          <a:prstGeom prst="rect">
-            <a:avLst/>
-          </a:prstGeom>
-          <a:noFill/>
-        </p:spPr>
-        <p:txBody>
-          <a:bodyPr wrap="none" rtlCol="0">
-            <a:spAutoFit/>
-          </a:bodyPr>
-          <a:lstStyle/>
-          <a:p>
-            <a:r>
-              <a:rPr lang="en-US" dirty="0" smtClean="0">
-                <a:solidFill>
-                  <a:schemeClr val="accent2">
-                    <a:lumMod val="75000"/>
-                  </a:schemeClr>
-                </a:solidFill>
-              </a:rPr>
-              <a:t>Write request to MC</a:t>
-            </a:r>
-            <a:endParaRPr lang="en-US" dirty="0">
-              <a:solidFill>
-                <a:schemeClr val="accent2">
-                  <a:lumMod val="75000"/>
-                </a:schemeClr>
-              </a:solidFill>
-            </a:endParaRPr>
-          </a:p>
-        </p:txBody>
-      </p:sp>
-      <p:sp>
-        <p:nvSpPr>
-          <p:cNvPr id="14" name="TextBox 13"/>
-          <p:cNvSpPr txBox="1"/>
-          <p:nvPr/>
-        </p:nvSpPr>
-        <p:spPr>
-          <a:xfrm>
-            <a:off x="7082654" y="2672932"/>
-            <a:ext cx="2045112" cy="369332"/>
-          </a:xfrm>
-          <a:prstGeom prst="rect">
-            <a:avLst/>
-          </a:prstGeom>
-          <a:noFill/>
-        </p:spPr>
-        <p:txBody>
-          <a:bodyPr wrap="none" rtlCol="0">
-            <a:spAutoFit/>
-          </a:bodyPr>
-          <a:lstStyle/>
-          <a:p>
-            <a:r>
-              <a:rPr lang="en-US" dirty="0" smtClean="0">
-                <a:solidFill>
-                  <a:schemeClr val="accent2">
-                    <a:lumMod val="75000"/>
-                  </a:schemeClr>
-                </a:solidFill>
-              </a:rPr>
-              <a:t>Read request to MC</a:t>
-            </a:r>
-            <a:endParaRPr lang="en-US" dirty="0">
-              <a:solidFill>
-                <a:schemeClr val="accent2">
-                  <a:lumMod val="75000"/>
-                </a:schemeClr>
-              </a:solidFill>
-            </a:endParaRPr>
-          </a:p>
-        </p:txBody>
-      </p:sp>
-      <p:sp>
-        <p:nvSpPr>
-          <p:cNvPr id="15" name="TextBox 14"/>
-          <p:cNvSpPr txBox="1"/>
-          <p:nvPr/>
-        </p:nvSpPr>
-        <p:spPr>
-          <a:xfrm>
-            <a:off x="7342527" y="4449228"/>
-            <a:ext cx="1243482" cy="369332"/>
-          </a:xfrm>
-          <a:prstGeom prst="rect">
-            <a:avLst/>
-          </a:prstGeom>
-          <a:noFill/>
-        </p:spPr>
-        <p:txBody>
-          <a:bodyPr wrap="none" rtlCol="0">
-            <a:spAutoFit/>
-          </a:bodyPr>
-          <a:lstStyle/>
-          <a:p>
-            <a:r>
-              <a:rPr lang="en-US" dirty="0" smtClean="0">
-                <a:solidFill>
-                  <a:schemeClr val="accent2">
-                    <a:lumMod val="75000"/>
-                  </a:schemeClr>
-                </a:solidFill>
-              </a:rPr>
-              <a:t>Data to MC</a:t>
-            </a:r>
-            <a:endParaRPr lang="en-US" dirty="0">
-              <a:solidFill>
-                <a:schemeClr val="accent2">
-                  <a:lumMod val="75000"/>
-                </a:schemeClr>
-              </a:solidFill>
-            </a:endParaRPr>
-          </a:p>
-        </p:txBody>
-      </p:sp>
-      <p:sp>
-        <p:nvSpPr>
-          <p:cNvPr id="16" name="TextBox 15"/>
-          <p:cNvSpPr txBox="1"/>
-          <p:nvPr/>
-        </p:nvSpPr>
-        <p:spPr>
-          <a:xfrm>
-            <a:off x="2647976" y="2915226"/>
-            <a:ext cx="1711912" cy="646331"/>
-          </a:xfrm>
-          <a:prstGeom prst="rect">
-            <a:avLst/>
-          </a:prstGeom>
-          <a:noFill/>
-        </p:spPr>
-        <p:txBody>
-          <a:bodyPr wrap="square" rtlCol="0">
-            <a:spAutoFit/>
-          </a:bodyPr>
-          <a:lstStyle/>
-          <a:p>
-            <a:r>
-              <a:rPr lang="en-US" dirty="0" smtClean="0">
-                <a:solidFill>
-                  <a:schemeClr val="accent2">
-                    <a:lumMod val="75000"/>
-                  </a:schemeClr>
-                </a:solidFill>
-              </a:rPr>
-              <a:t>Instruction decode</a:t>
-            </a:r>
-            <a:endParaRPr lang="en-US" dirty="0">
-              <a:solidFill>
-                <a:schemeClr val="accent2">
-                  <a:lumMod val="75000"/>
-                </a:schemeClr>
-              </a:solidFill>
-            </a:endParaRPr>
-          </a:p>
-        </p:txBody>
-      </p:sp>
+            <a:pPr marL="285750" indent="-285750">
+              <a:buFont typeface="Arial" panose="020B0604020202020204" pitchFamily="34" charset="0"/>
+              <a:buChar char="•"/>
+            </a:pPr>
+            <a:r>
+              <a:rPr lang="en-US" sz="2800" dirty="0" smtClean="0"/>
+              <a:t>Peripheral memory read – No error, cache miss/ cache hit clean</a:t>
+            </a:r>
+          </a:p>
+          <a:p>
+            <a:pPr marL="285750" indent="-285750">
+              <a:buFont typeface="Arial" panose="020B0604020202020204" pitchFamily="34" charset="0"/>
+              <a:buChar char="•"/>
+            </a:pPr>
+            <a:r>
+              <a:rPr lang="en-US" sz="2800" dirty="0" smtClean="0"/>
+              <a:t>Peripheral memory write – No error, cache miss/ cache hit clean</a:t>
+            </a:r>
+          </a:p>
+          <a:p>
+            <a:pPr marL="285750" indent="-285750">
+              <a:buFont typeface="Arial" panose="020B0604020202020204" pitchFamily="34" charset="0"/>
+              <a:buChar char="•"/>
+            </a:pPr>
+            <a:r>
+              <a:rPr lang="en-US" sz="2800" dirty="0" smtClean="0"/>
+              <a:t>Peripheral memory read – No error, cache hit Modified with retry</a:t>
+            </a:r>
+          </a:p>
+          <a:p>
+            <a:pPr marL="285750" indent="-285750">
+              <a:buFont typeface="Arial" panose="020B0604020202020204" pitchFamily="34" charset="0"/>
+              <a:buChar char="•"/>
+            </a:pPr>
+            <a:r>
+              <a:rPr lang="en-US" sz="2800" dirty="0" smtClean="0"/>
+              <a:t>Peripheral memory write – No error, cache hit Modified with retry </a:t>
+            </a:r>
+          </a:p>
+          <a:p>
+            <a:pPr marL="285750" indent="-285750">
+              <a:buFont typeface="Arial" panose="020B0604020202020204" pitchFamily="34" charset="0"/>
+              <a:buChar char="•"/>
+            </a:pPr>
+            <a:r>
+              <a:rPr lang="en-US" sz="2800" dirty="0" smtClean="0"/>
+              <a:t>Peripheral memory read – Error</a:t>
+            </a:r>
+          </a:p>
+          <a:p>
+            <a:pPr marL="285750" indent="-285750">
+              <a:buFont typeface="Arial" panose="020B0604020202020204" pitchFamily="34" charset="0"/>
+              <a:buChar char="•"/>
+            </a:pPr>
+            <a:r>
+              <a:rPr lang="en-US" sz="2800" dirty="0" smtClean="0"/>
+              <a:t>Peripheral memory write – Error</a:t>
+            </a:r>
+          </a:p>
+          <a:p>
+            <a:pPr marL="285750" indent="-285750">
+              <a:buFont typeface="Arial" panose="020B0604020202020204" pitchFamily="34" charset="0"/>
+              <a:buChar char="•"/>
+            </a:pPr>
+            <a:r>
+              <a:rPr lang="en-US" sz="2800" dirty="0" smtClean="0"/>
+              <a:t>Peripheral tries to read/write but bus held by MC.</a:t>
+            </a:r>
+          </a:p>
+          <a:p>
+            <a:pPr marL="285750" indent="-285750">
+              <a:buFont typeface="Arial" panose="020B0604020202020204" pitchFamily="34" charset="0"/>
+              <a:buChar char="•"/>
+            </a:pPr>
+            <a:r>
+              <a:rPr lang="en-US" sz="2800" dirty="0" smtClean="0"/>
+              <a:t>Peripheral tries to read/write but bus held by CPU, thru MC.</a:t>
+            </a:r>
+          </a:p>
+          <a:p>
+            <a:pPr marL="285750" indent="-285750">
+              <a:buFont typeface="Arial" panose="020B0604020202020204" pitchFamily="34" charset="0"/>
+              <a:buChar char="•"/>
+            </a:pPr>
+            <a:endParaRPr lang="en-US" sz="2800" dirty="0" smtClean="0"/>
+          </a:p>
+          <a:p>
+            <a:pPr marL="285750" indent="-285750">
+              <a:buFont typeface="Arial" panose="020B0604020202020204" pitchFamily="34" charset="0"/>
+              <a:buChar char="•"/>
+            </a:pPr>
+            <a:endParaRPr lang="en-US" sz="2800" dirty="0" smtClean="0"/>
+          </a:p>
+          <a:p>
+            <a:pPr marL="285750" indent="-285750">
+              <a:buFont typeface="Arial" panose="020B0604020202020204" pitchFamily="34" charset="0"/>
+              <a:buChar char="•"/>
+            </a:pPr>
+            <a:endParaRPr lang="en-US" sz="2800" dirty="0" smtClean="0"/>
+          </a:p>
+          <a:p>
+            <a:pPr marL="285750" indent="-285750">
+              <a:buFont typeface="Arial" panose="020B0604020202020204" pitchFamily="34" charset="0"/>
+              <a:buChar char="•"/>
+            </a:pPr>
+            <a:endParaRPr lang="en-US" sz="2800" dirty="0" smtClean="0"/>
+          </a:p>
+          <a:p>
+            <a:pPr marL="285750" indent="-285750">
+              <a:buFont typeface="Arial" panose="020B0604020202020204" pitchFamily="34" charset="0"/>
+              <a:buChar char="•"/>
+            </a:pPr>
+            <a:endParaRPr lang="en-US" sz="2800" dirty="0" smtClean="0"/>
+          </a:p>
+          <a:p>
+            <a:pPr marL="285750" indent="-285750">
+              <a:buFont typeface="Arial" panose="020B0604020202020204" pitchFamily="34" charset="0"/>
+              <a:buChar char="•"/>
+            </a:pPr>
+            <a:endParaRPr lang="en-US" sz="2800" dirty="0"/>
+          </a:p>
+        </p:txBody>
+      </p:sp>
+      <p:graphicFrame>
+        <p:nvGraphicFramePr>
+          <p:cNvPr id="3" name="Object 2"/>
+          <p:cNvGraphicFramePr>
+            <a:graphicFrameLocks noChangeAspect="1"/>
+          </p:cNvGraphicFramePr>
+          <p:nvPr>
+            <p:extLst>
+              <p:ext uri="{D42A27DB-BD31-4B8C-83A1-F6EECF244321}">
+                <p14:modId xmlns:p14="http://schemas.microsoft.com/office/powerpoint/2010/main" val="4252438361"/>
+              </p:ext>
+            </p:extLst>
+          </p:nvPr>
+        </p:nvGraphicFramePr>
+        <p:xfrm>
+          <a:off x="98425" y="98425"/>
+          <a:ext cx="1068388" cy="514350"/>
+        </p:xfrm>
+        <a:graphic>
+          <a:graphicData uri="http://schemas.openxmlformats.org/presentationml/2006/ole">
+            <mc:AlternateContent xmlns:mc="http://schemas.openxmlformats.org/markup-compatibility/2006">
+              <mc:Choice xmlns:v="urn:schemas-microsoft-com:vml" Requires="v">
+                <p:oleObj spid="_x0000_s1066" name="Packager Shell Object" showAsIcon="1" r:id="rId3" imgW="1068840" imgH="514800" progId="Package">
+                  <p:embed/>
+                </p:oleObj>
+              </mc:Choice>
+              <mc:Fallback>
+                <p:oleObj name="Packager Shell Object" showAsIcon="1" r:id="rId3" imgW="1068840" imgH="514800" progId="Package">
+                  <p:embed/>
+                  <p:pic>
+                    <p:nvPicPr>
+                      <p:cNvPr id="0" name=""/>
+                      <p:cNvPicPr/>
+                      <p:nvPr/>
+                    </p:nvPicPr>
+                    <p:blipFill>
+                      <a:blip r:embed="rId4"/>
+                      <a:stretch>
+                        <a:fillRect/>
+                      </a:stretch>
+                    </p:blipFill>
+                    <p:spPr>
+                      <a:xfrm>
+                        <a:off x="98425" y="98425"/>
+                        <a:ext cx="1068388" cy="514350"/>
+                      </a:xfrm>
+                      <a:prstGeom prst="rect">
+                        <a:avLst/>
+                      </a:prstGeom>
+                    </p:spPr>
+                  </p:pic>
+                </p:oleObj>
+              </mc:Fallback>
+            </mc:AlternateContent>
+          </a:graphicData>
+        </a:graphic>
+      </p:graphicFrame>
+      <p:graphicFrame>
+        <p:nvGraphicFramePr>
+          <p:cNvPr id="4" name="Object 3"/>
+          <p:cNvGraphicFramePr>
+            <a:graphicFrameLocks noChangeAspect="1"/>
+          </p:cNvGraphicFramePr>
+          <p:nvPr>
+            <p:extLst>
+              <p:ext uri="{D42A27DB-BD31-4B8C-83A1-F6EECF244321}">
+                <p14:modId xmlns:p14="http://schemas.microsoft.com/office/powerpoint/2010/main" val="3844528695"/>
+              </p:ext>
+            </p:extLst>
+          </p:nvPr>
+        </p:nvGraphicFramePr>
+        <p:xfrm>
+          <a:off x="196850" y="196850"/>
+          <a:ext cx="1068388" cy="514350"/>
+        </p:xfrm>
+        <a:graphic>
+          <a:graphicData uri="http://schemas.openxmlformats.org/presentationml/2006/ole">
+            <mc:AlternateContent xmlns:mc="http://schemas.openxmlformats.org/markup-compatibility/2006">
+              <mc:Choice xmlns:v="urn:schemas-microsoft-com:vml" Requires="v">
+                <p:oleObj spid="_x0000_s1067" name="Packager Shell Object" showAsIcon="1" r:id="rId5" imgW="1068840" imgH="514800" progId="Package">
+                  <p:embed/>
+                </p:oleObj>
+              </mc:Choice>
+              <mc:Fallback>
+                <p:oleObj name="Packager Shell Object" showAsIcon="1" r:id="rId5" imgW="1068840" imgH="514800" progId="Package">
+                  <p:embed/>
+                  <p:pic>
+                    <p:nvPicPr>
+                      <p:cNvPr id="0" name=""/>
+                      <p:cNvPicPr/>
+                      <p:nvPr/>
+                    </p:nvPicPr>
+                    <p:blipFill>
+                      <a:blip r:embed="rId6"/>
+                      <a:stretch>
+                        <a:fillRect/>
+                      </a:stretch>
+                    </p:blipFill>
+                    <p:spPr>
+                      <a:xfrm>
+                        <a:off x="196850" y="196850"/>
+                        <a:ext cx="1068388" cy="514350"/>
+                      </a:xfrm>
+                      <a:prstGeom prst="rect">
+                        <a:avLst/>
+                      </a:prstGeom>
+                    </p:spPr>
+                  </p:pic>
+                </p:oleObj>
+              </mc:Fallback>
+            </mc:AlternateContent>
+          </a:graphicData>
+        </a:graphic>
+      </p:graphicFrame>
     </p:spTree>
     <p:extLst>
       <p:ext uri="{BB962C8B-B14F-4D97-AF65-F5344CB8AC3E}">
-        <p14:creationId xmlns:p14="http://schemas.microsoft.com/office/powerpoint/2010/main" val="2228291429"/>
+        <p14:creationId xmlns:p14="http://schemas.microsoft.com/office/powerpoint/2010/main" val="1587516871"/>
       </p:ext>
     </p:extLst>
   </p:cSld>
